--- a/output/comprehensive_demo_dark.pptx
+++ b/output/comprehensive_demo_dark.pptx
@@ -26,6 +26,8 @@
     <p:sldId id="274" r:id="rId25"/>
     <p:sldId id="275" r:id="rId26"/>
     <p:sldId id="276" r:id="rId27"/>
+    <p:sldId id="277" r:id="rId28"/>
+    <p:sldId id="278" r:id="rId29"/>
   </p:sldIdLst>
   <p:sldSz cx="9144000" cy="5143500" type="screen4x3"/>
   <p:notesSz cx="6858000" cy="9144000"/>
@@ -3101,14 +3103,6 @@
 <file path=ppt/slides/slide1.xml><?xml version="1.0" encoding="utf-8"?>
 <p:sld xmlns:a="http://schemas.openxmlformats.org/drawingml/2006/main" xmlns:p="http://schemas.openxmlformats.org/presentationml/2006/main" xmlns:r="http://schemas.openxmlformats.org/officeDocument/2006/relationships">
   <p:cSld>
-    <p:bg>
-      <p:bgPr>
-        <a:solidFill>
-          <a:srgbClr val="1A1A1A"/>
-        </a:solidFill>
-        <a:effectLst/>
-      </p:bgPr>
-    </p:bg>
     <p:spTree>
       <p:nvGrpSpPr>
         <p:cNvPr id="1" name=""/>
@@ -3124,7 +3118,7 @@
         </p:nvSpPr>
         <p:spPr>
           <a:xfrm>
-            <a:off x="200025" y="380999"/>
+            <a:off x="200025" y="180975"/>
             <a:ext cx="8943975" cy="274320"/>
           </a:xfrm>
           <a:prstGeom prst="rect">
@@ -3146,7 +3140,7 @@
                 <a:spcPts val="0"/>
               </a:spcBef>
               <a:spcAft>
-                <a:spcPts val="1500"/>
+                <a:spcPts val="0"/>
               </a:spcAft>
               <a:defRPr>
                 <a:solidFill>
@@ -3171,7 +3165,7 @@
         </p:nvSpPr>
         <p:spPr>
           <a:xfrm>
-            <a:off x="200025" y="838200"/>
+            <a:off x="200025" y="619124"/>
             <a:ext cx="8943975" cy="274320"/>
           </a:xfrm>
           <a:prstGeom prst="rect">
@@ -3242,7 +3236,7 @@
         </p:nvSpPr>
         <p:spPr>
           <a:xfrm>
-            <a:off x="200025" y="1200150"/>
+            <a:off x="200025" y="885825"/>
             <a:ext cx="8943975" cy="274320"/>
           </a:xfrm>
           <a:prstGeom prst="rect">
@@ -3294,9 +3288,9 @@
               <a:t> including </a:t>
             </a:r>
             <a:r>
-              <a:rPr sz="1000">
-                <a:solidFill>
-                  <a:srgbClr val="DCDCDC"/>
+              <a:rPr sz="800">
+                <a:solidFill>
+                  <a:srgbClr val="FFFFFF"/>
                 </a:solidFill>
                 <a:latin typeface="Courier New"/>
               </a:rPr>
@@ -3322,14 +3316,6 @@
 <file path=ppt/slides/slide10.xml><?xml version="1.0" encoding="utf-8"?>
 <p:sld xmlns:a="http://schemas.openxmlformats.org/drawingml/2006/main" xmlns:p="http://schemas.openxmlformats.org/presentationml/2006/main" xmlns:r="http://schemas.openxmlformats.org/officeDocument/2006/relationships">
   <p:cSld>
-    <p:bg>
-      <p:bgPr>
-        <a:solidFill>
-          <a:srgbClr val="1A1A1A"/>
-        </a:solidFill>
-        <a:effectLst/>
-      </p:bgPr>
-    </p:bg>
     <p:spTree>
       <p:nvGrpSpPr>
         <p:cNvPr id="1" name=""/>
@@ -3345,7 +3331,179 @@
         </p:nvSpPr>
         <p:spPr>
           <a:xfrm>
-            <a:off x="200025" y="380999"/>
+            <a:off x="200025" y="180975"/>
+            <a:ext cx="8943975" cy="704849"/>
+          </a:xfrm>
+          <a:prstGeom prst="rect">
+            <a:avLst/>
+          </a:prstGeom>
+          <a:noFill/>
+        </p:spPr>
+        <p:txBody>
+          <a:bodyPr wrap="square" lIns="0" rIns="0" tIns="0" bIns="0">
+            <a:spAutoFit/>
+          </a:bodyPr>
+          <a:lstStyle/>
+          <a:p>
+            <a:pPr algn="l">
+              <a:spcBef>
+                <a:spcPts val="0"/>
+              </a:spcBef>
+              <a:spcAft>
+                <a:spcPts val="0"/>
+              </a:spcAft>
+              <a:defRPr>
+                <a:solidFill>
+                  <a:srgbClr val="E0E0E0"/>
+                </a:solidFill>
+              </a:defRPr>
+            </a:pPr>
+            <a:r>
+              <a:rPr sz="1000"/>
+              <a:t>1. </a:t>
+            </a:r>
+            <a:r>
+              <a:rPr b="1" sz="1000">
+                <a:latin typeface="Arial"/>
+              </a:rPr>
+              <a:t>Markdown Input</a:t>
+            </a:r>
+            <a:r>
+              <a:rPr sz="1000">
+                <a:latin typeface="Arial"/>
+              </a:rPr>
+              <a:t> → Parse with markdown-it-py</a:t>
+            </a:r>
+          </a:p>
+          <a:p>
+            <a:pPr algn="l">
+              <a:defRPr>
+                <a:solidFill>
+                  <a:srgbClr val="E0E0E0"/>
+                </a:solidFill>
+              </a:defRPr>
+            </a:pPr>
+            <a:r>
+              <a:rPr sz="1000"/>
+              <a:t>2. </a:t>
+            </a:r>
+            <a:r>
+              <a:rPr b="1" sz="1000">
+                <a:latin typeface="Arial"/>
+              </a:rPr>
+              <a:t>HTML Generation</a:t>
+            </a:r>
+            <a:r>
+              <a:rPr sz="1000">
+                <a:latin typeface="Arial"/>
+              </a:rPr>
+              <a:t> → Add inline styling support</a:t>
+            </a:r>
+          </a:p>
+          <a:p>
+            <a:pPr algn="l">
+              <a:defRPr>
+                <a:solidFill>
+                  <a:srgbClr val="E0E0E0"/>
+                </a:solidFill>
+              </a:defRPr>
+            </a:pPr>
+            <a:r>
+              <a:rPr sz="1000"/>
+              <a:t>3. </a:t>
+            </a:r>
+            <a:r>
+              <a:rPr b="1" sz="1000">
+                <a:latin typeface="Arial"/>
+              </a:rPr>
+              <a:t>Browser Layout</a:t>
+            </a:r>
+            <a:r>
+              <a:rPr sz="1000">
+                <a:latin typeface="Arial"/>
+              </a:rPr>
+              <a:t> → Measure with Puppeteer engine</a:t>
+            </a:r>
+          </a:p>
+          <a:p>
+            <a:pPr algn="l">
+              <a:defRPr>
+                <a:solidFill>
+                  <a:srgbClr val="E0E0E0"/>
+                </a:solidFill>
+              </a:defRPr>
+            </a:pPr>
+            <a:r>
+              <a:rPr sz="1000"/>
+              <a:t>4. </a:t>
+            </a:r>
+            <a:r>
+              <a:rPr b="1" sz="1000">
+                <a:latin typeface="Arial"/>
+              </a:rPr>
+              <a:t>Block Positioning</a:t>
+            </a:r>
+            <a:r>
+              <a:rPr sz="1000">
+                <a:latin typeface="Arial"/>
+              </a:rPr>
+              <a:t> → Calculate precise coordinates</a:t>
+            </a:r>
+          </a:p>
+          <a:p>
+            <a:pPr algn="l">
+              <a:defRPr>
+                <a:solidFill>
+                  <a:srgbClr val="E0E0E0"/>
+                </a:solidFill>
+              </a:defRPr>
+            </a:pPr>
+            <a:r>
+              <a:rPr sz="1000"/>
+              <a:t>5. </a:t>
+            </a:r>
+            <a:r>
+              <a:rPr b="1" sz="1000">
+                <a:latin typeface="Arial"/>
+              </a:rPr>
+              <a:t>PowerPoint Output</a:t>
+            </a:r>
+            <a:r>
+              <a:rPr sz="1000">
+                <a:latin typeface="Arial"/>
+              </a:rPr>
+              <a:t> → Generate native PPTX format</a:t>
+            </a:r>
+          </a:p>
+        </p:txBody>
+      </p:sp>
+    </p:spTree>
+  </p:cSld>
+  <p:clrMapOvr>
+    <a:masterClrMapping/>
+  </p:clrMapOvr>
+</p:sld>
+</file>
+
+<file path=ppt/slides/slide11.xml><?xml version="1.0" encoding="utf-8"?>
+<p:sld xmlns:a="http://schemas.openxmlformats.org/drawingml/2006/main" xmlns:p="http://schemas.openxmlformats.org/presentationml/2006/main" xmlns:r="http://schemas.openxmlformats.org/officeDocument/2006/relationships">
+  <p:cSld>
+    <p:spTree>
+      <p:nvGrpSpPr>
+        <p:cNvPr id="1" name=""/>
+        <p:cNvGrpSpPr/>
+        <p:nvPr/>
+      </p:nvGrpSpPr>
+      <p:grpSpPr/>
+      <p:sp>
+        <p:nvSpPr>
+          <p:cNvPr id="2" name="TextBox 1"/>
+          <p:cNvSpPr txBox="1"/>
+          <p:nvPr/>
+        </p:nvSpPr>
+        <p:spPr>
+          <a:xfrm>
+            <a:off x="200025" y="180975"/>
             <a:ext cx="8943975" cy="274320"/>
           </a:xfrm>
           <a:prstGeom prst="rect">
@@ -3367,7 +3525,7 @@
                 <a:spcPts val="0"/>
               </a:spcBef>
               <a:spcAft>
-                <a:spcPts val="1500"/>
+                <a:spcPts val="0"/>
               </a:spcAft>
               <a:defRPr>
                 <a:solidFill>
@@ -3379,7 +3537,7 @@
               <a:rPr sz="1200" b="1">
                 <a:latin typeface="Arial"/>
               </a:rPr>
-              <a:t>🎯 Quality Assurance</a:t>
+              <a:t>📏 Pagination &amp; Layout</a:t>
             </a:r>
           </a:p>
         </p:txBody>
@@ -3392,7 +3550,7 @@
         </p:nvSpPr>
         <p:spPr>
           <a:xfrm>
-            <a:off x="200025" y="838200"/>
+            <a:off x="200025" y="628650"/>
             <a:ext cx="8943975" cy="274320"/>
           </a:xfrm>
           <a:prstGeom prst="rect">
@@ -3414,7 +3572,7 @@
                 <a:spcPts val="0"/>
               </a:spcBef>
               <a:spcAft>
-                <a:spcPts val="1125"/>
+                <a:spcPts val="0"/>
               </a:spcAft>
               <a:defRPr>
                 <a:solidFill>
@@ -3426,7 +3584,7 @@
               <a:rPr sz="1000" b="1">
                 <a:latin typeface="Arial"/>
               </a:rPr>
-              <a:t>Test Coverage</a:t>
+              <a:t>Intelligent Pagination</a:t>
             </a:r>
           </a:p>
         </p:txBody>
@@ -3439,8 +3597,8 @@
         </p:nvSpPr>
         <p:spPr>
           <a:xfrm>
-            <a:off x="200025" y="1257300"/>
-            <a:ext cx="2409825" cy="1485900"/>
+            <a:off x="200025" y="981074"/>
+            <a:ext cx="8943975" cy="274320"/>
           </a:xfrm>
           <a:prstGeom prst="rect">
             <a:avLst/>
@@ -3453,6 +3611,506 @@
           </a:bodyPr>
           <a:lstStyle/>
           <a:p>
+            <a:pPr algn="l">
+              <a:lnSpc>
+                <a:spcPct val="140000"/>
+              </a:lnSpc>
+              <a:spcBef>
+                <a:spcPts val="0"/>
+              </a:spcBef>
+              <a:spcAft>
+                <a:spcPts val="0"/>
+              </a:spcAft>
+              <a:defRPr>
+                <a:solidFill>
+                  <a:srgbClr val="E0E0E0"/>
+                </a:solidFill>
+              </a:defRPr>
+            </a:pPr>
+            <a:r>
+              <a:rPr sz="1000">
+                <a:latin typeface="Arial"/>
+              </a:rPr>
+              <a:t>The system uses </a:t>
+            </a:r>
+            <a:r>
+              <a:rPr b="1" sz="1000">
+                <a:latin typeface="Arial"/>
+              </a:rPr>
+              <a:t>browser-based measurement</a:t>
+            </a:r>
+            <a:r>
+              <a:rPr sz="1000">
+                <a:latin typeface="Arial"/>
+              </a:rPr>
+              <a:t> for accurate pagination:</a:t>
+            </a:r>
+          </a:p>
+        </p:txBody>
+      </p:sp>
+      <p:sp>
+        <p:nvSpPr>
+          <p:cNvPr id="5" name="TextBox 4"/>
+          <p:cNvSpPr txBox="1"/>
+          <p:nvPr/>
+        </p:nvSpPr>
+        <p:spPr>
+          <a:xfrm>
+            <a:off x="200025" y="1247775"/>
+            <a:ext cx="8943975" cy="571500"/>
+          </a:xfrm>
+          <a:prstGeom prst="rect">
+            <a:avLst/>
+          </a:prstGeom>
+          <a:noFill/>
+        </p:spPr>
+        <p:txBody>
+          <a:bodyPr wrap="square" lIns="0" rIns="0" tIns="0" bIns="0">
+            <a:spAutoFit/>
+          </a:bodyPr>
+          <a:lstStyle/>
+          <a:p>
+            <a:pPr algn="l">
+              <a:spcBef>
+                <a:spcPts val="0"/>
+              </a:spcBef>
+              <a:spcAft>
+                <a:spcPts val="0"/>
+              </a:spcAft>
+              <a:defRPr>
+                <a:solidFill>
+                  <a:srgbClr val="E0E0E0"/>
+                </a:solidFill>
+              </a:defRPr>
+            </a:pPr>
+            <a:r>
+              <a:rPr sz="1000"/>
+              <a:t>• </a:t>
+            </a:r>
+            <a:r>
+              <a:rPr sz="1000">
+                <a:latin typeface="Arial"/>
+              </a:rPr>
+              <a:t>✅ </a:t>
+            </a:r>
+            <a:r>
+              <a:rPr b="1" sz="1000">
+                <a:latin typeface="Arial"/>
+              </a:rPr>
+              <a:t>Boundary detection</a:t>
+            </a:r>
+            <a:r>
+              <a:rPr sz="1000">
+                <a:latin typeface="Arial"/>
+              </a:rPr>
+              <a:t>: Content exceeding slide limits automatically flows to next slide</a:t>
+            </a:r>
+          </a:p>
+          <a:p>
+            <a:pPr algn="l">
+              <a:defRPr>
+                <a:solidFill>
+                  <a:srgbClr val="E0E0E0"/>
+                </a:solidFill>
+              </a:defRPr>
+            </a:pPr>
+            <a:r>
+              <a:rPr sz="1000"/>
+              <a:t>• </a:t>
+            </a:r>
+            <a:r>
+              <a:rPr sz="1000">
+                <a:latin typeface="Arial"/>
+              </a:rPr>
+              <a:t>✅ </a:t>
+            </a:r>
+            <a:r>
+              <a:rPr b="1" sz="1000">
+                <a:latin typeface="Arial"/>
+              </a:rPr>
+              <a:t>Relative positioning</a:t>
+            </a:r>
+            <a:r>
+              <a:rPr sz="1000">
+                <a:latin typeface="Arial"/>
+              </a:rPr>
+              <a:t>: Accounts for CSS margins and spacing</a:t>
+            </a:r>
+          </a:p>
+          <a:p>
+            <a:pPr algn="l">
+              <a:defRPr>
+                <a:solidFill>
+                  <a:srgbClr val="E0E0E0"/>
+                </a:solidFill>
+              </a:defRPr>
+            </a:pPr>
+            <a:r>
+              <a:rPr sz="1000"/>
+              <a:t>• </a:t>
+            </a:r>
+            <a:r>
+              <a:rPr sz="1000">
+                <a:latin typeface="Arial"/>
+              </a:rPr>
+              <a:t>✅ </a:t>
+            </a:r>
+            <a:r>
+              <a:rPr b="1" sz="1000">
+                <a:latin typeface="Arial"/>
+              </a:rPr>
+              <a:t>Overflow prevention</a:t>
+            </a:r>
+            <a:r>
+              <a:rPr sz="1000">
+                <a:latin typeface="Arial"/>
+              </a:rPr>
+              <a:t>: No content extends beyond slide boundaries</a:t>
+            </a:r>
+          </a:p>
+          <a:p>
+            <a:pPr algn="l">
+              <a:defRPr>
+                <a:solidFill>
+                  <a:srgbClr val="E0E0E0"/>
+                </a:solidFill>
+              </a:defRPr>
+            </a:pPr>
+            <a:r>
+              <a:rPr sz="1000"/>
+              <a:t>• </a:t>
+            </a:r>
+            <a:r>
+              <a:rPr sz="1000">
+                <a:latin typeface="Arial"/>
+              </a:rPr>
+              <a:t>✅ </a:t>
+            </a:r>
+            <a:r>
+              <a:rPr b="1" sz="1000">
+                <a:latin typeface="Arial"/>
+              </a:rPr>
+              <a:t>Smart breaks</a:t>
+            </a:r>
+            <a:r>
+              <a:rPr sz="1000">
+                <a:latin typeface="Arial"/>
+              </a:rPr>
+              <a:t>: Preserves logical content grouping where possible</a:t>
+            </a:r>
+          </a:p>
+        </p:txBody>
+      </p:sp>
+      <p:sp>
+        <p:nvSpPr>
+          <p:cNvPr id="6" name="TextBox 5"/>
+          <p:cNvSpPr txBox="1"/>
+          <p:nvPr/>
+        </p:nvSpPr>
+        <p:spPr>
+          <a:xfrm>
+            <a:off x="200025" y="1819275"/>
+            <a:ext cx="8943975" cy="274320"/>
+          </a:xfrm>
+          <a:prstGeom prst="rect">
+            <a:avLst/>
+          </a:prstGeom>
+          <a:noFill/>
+        </p:spPr>
+        <p:txBody>
+          <a:bodyPr wrap="square" lIns="0" rIns="0" tIns="0" bIns="0">
+            <a:spAutoFit/>
+          </a:bodyPr>
+          <a:lstStyle/>
+          <a:p>
+            <a:pPr algn="l">
+              <a:lnSpc>
+                <a:spcPct val="140000"/>
+              </a:lnSpc>
+              <a:spcBef>
+                <a:spcPts val="0"/>
+              </a:spcBef>
+              <a:spcAft>
+                <a:spcPts val="0"/>
+              </a:spcAft>
+              <a:defRPr>
+                <a:solidFill>
+                  <a:srgbClr val="E0E0E0"/>
+                </a:solidFill>
+              </a:defRPr>
+            </a:pPr>
+            <a:r>
+              <a:rPr sz="1000" b="1">
+                <a:latin typeface="Arial"/>
+              </a:rPr>
+              <a:t>Layout Quality</a:t>
+            </a:r>
+          </a:p>
+        </p:txBody>
+      </p:sp>
+      <p:sp>
+        <p:nvSpPr>
+          <p:cNvPr id="7" name="TextBox 6"/>
+          <p:cNvSpPr txBox="1"/>
+          <p:nvPr/>
+        </p:nvSpPr>
+        <p:spPr>
+          <a:xfrm>
+            <a:off x="200025" y="2171700"/>
+            <a:ext cx="8943975" cy="571500"/>
+          </a:xfrm>
+          <a:prstGeom prst="rect">
+            <a:avLst/>
+          </a:prstGeom>
+          <a:noFill/>
+        </p:spPr>
+        <p:txBody>
+          <a:bodyPr wrap="square" lIns="0" rIns="0" tIns="0" bIns="0">
+            <a:spAutoFit/>
+          </a:bodyPr>
+          <a:lstStyle/>
+          <a:p>
+            <a:pPr algn="l">
+              <a:spcBef>
+                <a:spcPts val="0"/>
+              </a:spcBef>
+              <a:spcAft>
+                <a:spcPts val="0"/>
+              </a:spcAft>
+              <a:defRPr>
+                <a:solidFill>
+                  <a:srgbClr val="E0E0E0"/>
+                </a:solidFill>
+              </a:defRPr>
+            </a:pPr>
+            <a:r>
+              <a:rPr sz="1000"/>
+              <a:t>• </a:t>
+            </a:r>
+            <a:r>
+              <a:rPr b="1" sz="1000">
+                <a:latin typeface="Arial"/>
+              </a:rPr>
+              <a:t>Pixel-perfect positioning</a:t>
+            </a:r>
+            <a:r>
+              <a:rPr sz="1000">
+                <a:latin typeface="Arial"/>
+              </a:rPr>
+              <a:t> using browser layout engine</a:t>
+            </a:r>
+          </a:p>
+          <a:p>
+            <a:pPr algn="l">
+              <a:defRPr>
+                <a:solidFill>
+                  <a:srgbClr val="E0E0E0"/>
+                </a:solidFill>
+              </a:defRPr>
+            </a:pPr>
+            <a:r>
+              <a:rPr sz="1000"/>
+              <a:t>• </a:t>
+            </a:r>
+            <a:r>
+              <a:rPr b="1" sz="1000">
+                <a:latin typeface="Arial"/>
+              </a:rPr>
+              <a:t>Consistent spacing</a:t>
+            </a:r>
+            <a:r>
+              <a:rPr sz="1000">
+                <a:latin typeface="Arial"/>
+              </a:rPr>
+              <a:t> matching CSS specifications</a:t>
+            </a:r>
+          </a:p>
+          <a:p>
+            <a:pPr algn="l">
+              <a:defRPr>
+                <a:solidFill>
+                  <a:srgbClr val="E0E0E0"/>
+                </a:solidFill>
+              </a:defRPr>
+            </a:pPr>
+            <a:r>
+              <a:rPr sz="1000"/>
+              <a:t>• </a:t>
+            </a:r>
+            <a:r>
+              <a:rPr b="1" sz="1000">
+                <a:latin typeface="Arial"/>
+              </a:rPr>
+              <a:t>Professional typography</a:t>
+            </a:r>
+            <a:r>
+              <a:rPr sz="1000">
+                <a:latin typeface="Arial"/>
+              </a:rPr>
+              <a:t> with proper font rendering</a:t>
+            </a:r>
+          </a:p>
+          <a:p>
+            <a:pPr algn="l">
+              <a:defRPr>
+                <a:solidFill>
+                  <a:srgbClr val="E0E0E0"/>
+                </a:solidFill>
+              </a:defRPr>
+            </a:pPr>
+            <a:r>
+              <a:rPr sz="1000"/>
+              <a:t>• </a:t>
+            </a:r>
+            <a:r>
+              <a:rPr b="1" sz="1000">
+                <a:latin typeface="Arial"/>
+              </a:rPr>
+              <a:t>Responsive design</a:t>
+            </a:r>
+            <a:r>
+              <a:rPr sz="1000">
+                <a:latin typeface="Arial"/>
+              </a:rPr>
+              <a:t> adapting to different content types</a:t>
+            </a:r>
+          </a:p>
+        </p:txBody>
+      </p:sp>
+    </p:spTree>
+  </p:cSld>
+  <p:clrMapOvr>
+    <a:masterClrMapping/>
+  </p:clrMapOvr>
+</p:sld>
+</file>
+
+<file path=ppt/slides/slide12.xml><?xml version="1.0" encoding="utf-8"?>
+<p:sld xmlns:a="http://schemas.openxmlformats.org/drawingml/2006/main" xmlns:p="http://schemas.openxmlformats.org/presentationml/2006/main" xmlns:r="http://schemas.openxmlformats.org/officeDocument/2006/relationships">
+  <p:cSld>
+    <p:spTree>
+      <p:nvGrpSpPr>
+        <p:cNvPr id="1" name=""/>
+        <p:cNvGrpSpPr/>
+        <p:nvPr/>
+      </p:nvGrpSpPr>
+      <p:grpSpPr/>
+      <p:sp>
+        <p:nvSpPr>
+          <p:cNvPr id="2" name="TextBox 1"/>
+          <p:cNvSpPr txBox="1"/>
+          <p:nvPr/>
+        </p:nvSpPr>
+        <p:spPr>
+          <a:xfrm>
+            <a:off x="200025" y="180975"/>
+            <a:ext cx="8943975" cy="274320"/>
+          </a:xfrm>
+          <a:prstGeom prst="rect">
+            <a:avLst/>
+          </a:prstGeom>
+          <a:noFill/>
+        </p:spPr>
+        <p:txBody>
+          <a:bodyPr wrap="square" lIns="0" rIns="0" tIns="0" bIns="0">
+            <a:spAutoFit/>
+          </a:bodyPr>
+          <a:lstStyle/>
+          <a:p>
+            <a:pPr algn="l">
+              <a:lnSpc>
+                <a:spcPct val="140000"/>
+              </a:lnSpc>
+              <a:spcBef>
+                <a:spcPts val="0"/>
+              </a:spcBef>
+              <a:spcAft>
+                <a:spcPts val="0"/>
+              </a:spcAft>
+              <a:defRPr>
+                <a:solidFill>
+                  <a:srgbClr val="E0E0E0"/>
+                </a:solidFill>
+              </a:defRPr>
+            </a:pPr>
+            <a:r>
+              <a:rPr sz="1200" b="1">
+                <a:latin typeface="Arial"/>
+              </a:rPr>
+              <a:t>🎯 Quality Assurance</a:t>
+            </a:r>
+          </a:p>
+        </p:txBody>
+      </p:sp>
+      <p:sp>
+        <p:nvSpPr>
+          <p:cNvPr id="3" name="TextBox 2"/>
+          <p:cNvSpPr txBox="1"/>
+          <p:nvPr/>
+        </p:nvSpPr>
+        <p:spPr>
+          <a:xfrm>
+            <a:off x="200025" y="628650"/>
+            <a:ext cx="8943975" cy="274320"/>
+          </a:xfrm>
+          <a:prstGeom prst="rect">
+            <a:avLst/>
+          </a:prstGeom>
+          <a:noFill/>
+        </p:spPr>
+        <p:txBody>
+          <a:bodyPr wrap="square" lIns="0" rIns="0" tIns="0" bIns="0">
+            <a:spAutoFit/>
+          </a:bodyPr>
+          <a:lstStyle/>
+          <a:p>
+            <a:pPr algn="l">
+              <a:lnSpc>
+                <a:spcPct val="140000"/>
+              </a:lnSpc>
+              <a:spcBef>
+                <a:spcPts val="0"/>
+              </a:spcBef>
+              <a:spcAft>
+                <a:spcPts val="0"/>
+              </a:spcAft>
+              <a:defRPr>
+                <a:solidFill>
+                  <a:srgbClr val="E0E0E0"/>
+                </a:solidFill>
+              </a:defRPr>
+            </a:pPr>
+            <a:r>
+              <a:rPr sz="1000" b="1">
+                <a:latin typeface="Arial"/>
+              </a:rPr>
+              <a:t>Test Coverage</a:t>
+            </a:r>
+          </a:p>
+        </p:txBody>
+      </p:sp>
+      <p:sp>
+        <p:nvSpPr>
+          <p:cNvPr id="4" name="TextBox 3"/>
+          <p:cNvSpPr txBox="1"/>
+          <p:nvPr/>
+        </p:nvSpPr>
+        <p:spPr>
+          <a:xfrm>
+            <a:off x="200025" y="981074"/>
+            <a:ext cx="3552825" cy="1876424"/>
+          </a:xfrm>
+          <a:prstGeom prst="rect">
+            <a:avLst/>
+          </a:prstGeom>
+          <a:noFill/>
+        </p:spPr>
+        <p:txBody>
+          <a:bodyPr wrap="square" lIns="0" rIns="0" tIns="0" bIns="0">
+            <a:spAutoFit/>
+          </a:bodyPr>
+          <a:lstStyle/>
+          <a:p>
             <a:pPr>
               <a:spcBef>
                 <a:spcPts val="0"/>
@@ -3473,8 +4131,8 @@
           <p:nvPr/>
         </p:nvGraphicFramePr>
         <p:xfrm>
-          <a:off x="200025" y="1257300"/>
-          <a:ext cx="2400670" cy="1428750"/>
+          <a:off x="200025" y="981074"/>
+          <a:ext cx="3549474" cy="1819275"/>
         </p:xfrm>
         <a:graphic>
           <a:graphicData uri="http://schemas.openxmlformats.org/drawingml/2006/table">
@@ -3483,11 +4141,11 @@
                 <a:tableStyleId>{5C22544A-7EE6-4342-B048-85BDC9FD1C3A}</a:tableStyleId>
               </a:tblPr>
               <a:tblGrid>
-                <a:gridCol w="859110"/>
-                <a:gridCol w="437033"/>
-                <a:gridCol w="1104527"/>
+                <a:gridCol w="1277391"/>
+                <a:gridCol w="602009"/>
+                <a:gridCol w="1670074"/>
               </a:tblGrid>
-              <a:tr h="285750">
+              <a:tr h="363855">
                 <a:tc>
                   <a:txBody>
                     <a:bodyPr lIns="76200" rIns="76200" tIns="76200" bIns="76200"/>
@@ -3513,25 +4171,25 @@
                     <a:noFill/>
                     <a:lnL w="12700">
                       <a:solidFill>
-                        <a:srgbClr val="666"/>
+                        <a:srgbClr val="ffffff"/>
                       </a:solidFill>
                       <a:prstDash val="solid"/>
                     </a:lnL>
                     <a:lnR w="12700">
                       <a:solidFill>
-                        <a:srgbClr val="666"/>
+                        <a:srgbClr val="ffffff"/>
                       </a:solidFill>
                       <a:prstDash val="solid"/>
                     </a:lnR>
                     <a:lnT w="12700">
                       <a:solidFill>
-                        <a:srgbClr val="666"/>
+                        <a:srgbClr val="ffffff"/>
                       </a:solidFill>
                       <a:prstDash val="solid"/>
                     </a:lnT>
                     <a:lnB w="12700">
                       <a:solidFill>
-                        <a:srgbClr val="666"/>
+                        <a:srgbClr val="ffffff"/>
                       </a:solidFill>
                       <a:prstDash val="solid"/>
                     </a:lnB>
@@ -3562,25 +4220,25 @@
                     <a:noFill/>
                     <a:lnL w="12700">
                       <a:solidFill>
-                        <a:srgbClr val="666"/>
+                        <a:srgbClr val="ffffff"/>
                       </a:solidFill>
                       <a:prstDash val="solid"/>
                     </a:lnL>
                     <a:lnR w="12700">
                       <a:solidFill>
-                        <a:srgbClr val="666"/>
+                        <a:srgbClr val="ffffff"/>
                       </a:solidFill>
                       <a:prstDash val="solid"/>
                     </a:lnR>
                     <a:lnT w="12700">
                       <a:solidFill>
-                        <a:srgbClr val="666"/>
+                        <a:srgbClr val="ffffff"/>
                       </a:solidFill>
                       <a:prstDash val="solid"/>
                     </a:lnT>
                     <a:lnB w="12700">
                       <a:solidFill>
-                        <a:srgbClr val="666"/>
+                        <a:srgbClr val="ffffff"/>
                       </a:solidFill>
                       <a:prstDash val="solid"/>
                     </a:lnB>
@@ -3611,32 +4269,32 @@
                     <a:noFill/>
                     <a:lnL w="12700">
                       <a:solidFill>
-                        <a:srgbClr val="666"/>
+                        <a:srgbClr val="ffffff"/>
                       </a:solidFill>
                       <a:prstDash val="solid"/>
                     </a:lnL>
                     <a:lnR w="12700">
                       <a:solidFill>
-                        <a:srgbClr val="666"/>
+                        <a:srgbClr val="ffffff"/>
                       </a:solidFill>
                       <a:prstDash val="solid"/>
                     </a:lnR>
                     <a:lnT w="12700">
                       <a:solidFill>
-                        <a:srgbClr val="666"/>
+                        <a:srgbClr val="ffffff"/>
                       </a:solidFill>
                       <a:prstDash val="solid"/>
                     </a:lnT>
                     <a:lnB w="12700">
                       <a:solidFill>
-                        <a:srgbClr val="666"/>
+                        <a:srgbClr val="ffffff"/>
                       </a:solidFill>
                       <a:prstDash val="solid"/>
                     </a:lnB>
                   </a:tcPr>
                 </a:tc>
               </a:tr>
-              <a:tr h="285750">
+              <a:tr h="363855">
                 <a:tc>
                   <a:txBody>
                     <a:bodyPr lIns="76200" rIns="76200" tIns="76200" bIns="76200"/>
@@ -3662,25 +4320,25 @@
                     <a:noFill/>
                     <a:lnL w="12700">
                       <a:solidFill>
-                        <a:srgbClr val="666"/>
+                        <a:srgbClr val="ffffff"/>
                       </a:solidFill>
                       <a:prstDash val="solid"/>
                     </a:lnL>
                     <a:lnR w="12700">
                       <a:solidFill>
-                        <a:srgbClr val="666"/>
+                        <a:srgbClr val="ffffff"/>
                       </a:solidFill>
                       <a:prstDash val="solid"/>
                     </a:lnR>
                     <a:lnT w="12700">
                       <a:solidFill>
-                        <a:srgbClr val="666"/>
+                        <a:srgbClr val="ffffff"/>
                       </a:solidFill>
                       <a:prstDash val="solid"/>
                     </a:lnT>
                     <a:lnB w="12700">
                       <a:solidFill>
-                        <a:srgbClr val="666"/>
+                        <a:srgbClr val="ffffff"/>
                       </a:solidFill>
                       <a:prstDash val="solid"/>
                     </a:lnB>
@@ -3711,25 +4369,25 @@
                     <a:noFill/>
                     <a:lnL w="12700">
                       <a:solidFill>
-                        <a:srgbClr val="666"/>
+                        <a:srgbClr val="ffffff"/>
                       </a:solidFill>
                       <a:prstDash val="solid"/>
                     </a:lnL>
                     <a:lnR w="12700">
                       <a:solidFill>
-                        <a:srgbClr val="666"/>
+                        <a:srgbClr val="ffffff"/>
                       </a:solidFill>
                       <a:prstDash val="solid"/>
                     </a:lnR>
                     <a:lnT w="12700">
                       <a:solidFill>
-                        <a:srgbClr val="666"/>
+                        <a:srgbClr val="ffffff"/>
                       </a:solidFill>
                       <a:prstDash val="solid"/>
                     </a:lnT>
                     <a:lnB w="12700">
                       <a:solidFill>
-                        <a:srgbClr val="666"/>
+                        <a:srgbClr val="ffffff"/>
                       </a:solidFill>
                       <a:prstDash val="solid"/>
                     </a:lnB>
@@ -3760,32 +4418,32 @@
                     <a:noFill/>
                     <a:lnL w="12700">
                       <a:solidFill>
-                        <a:srgbClr val="666"/>
+                        <a:srgbClr val="ffffff"/>
                       </a:solidFill>
                       <a:prstDash val="solid"/>
                     </a:lnL>
                     <a:lnR w="12700">
                       <a:solidFill>
-                        <a:srgbClr val="666"/>
+                        <a:srgbClr val="ffffff"/>
                       </a:solidFill>
                       <a:prstDash val="solid"/>
                     </a:lnR>
                     <a:lnT w="12700">
                       <a:solidFill>
-                        <a:srgbClr val="666"/>
+                        <a:srgbClr val="ffffff"/>
                       </a:solidFill>
                       <a:prstDash val="solid"/>
                     </a:lnT>
                     <a:lnB w="12700">
                       <a:solidFill>
-                        <a:srgbClr val="666"/>
+                        <a:srgbClr val="ffffff"/>
                       </a:solidFill>
                       <a:prstDash val="solid"/>
                     </a:lnB>
                   </a:tcPr>
                 </a:tc>
               </a:tr>
-              <a:tr h="285750">
+              <a:tr h="363855">
                 <a:tc>
                   <a:txBody>
                     <a:bodyPr lIns="76200" rIns="76200" tIns="76200" bIns="76200"/>
@@ -3811,25 +4469,25 @@
                     <a:noFill/>
                     <a:lnL w="12700">
                       <a:solidFill>
-                        <a:srgbClr val="666"/>
+                        <a:srgbClr val="ffffff"/>
                       </a:solidFill>
                       <a:prstDash val="solid"/>
                     </a:lnL>
                     <a:lnR w="12700">
                       <a:solidFill>
-                        <a:srgbClr val="666"/>
+                        <a:srgbClr val="ffffff"/>
                       </a:solidFill>
                       <a:prstDash val="solid"/>
                     </a:lnR>
                     <a:lnT w="12700">
                       <a:solidFill>
-                        <a:srgbClr val="666"/>
+                        <a:srgbClr val="ffffff"/>
                       </a:solidFill>
                       <a:prstDash val="solid"/>
                     </a:lnT>
                     <a:lnB w="12700">
                       <a:solidFill>
-                        <a:srgbClr val="666"/>
+                        <a:srgbClr val="ffffff"/>
                       </a:solidFill>
                       <a:prstDash val="solid"/>
                     </a:lnB>
@@ -3860,25 +4518,25 @@
                     <a:noFill/>
                     <a:lnL w="12700">
                       <a:solidFill>
-                        <a:srgbClr val="666"/>
+                        <a:srgbClr val="ffffff"/>
                       </a:solidFill>
                       <a:prstDash val="solid"/>
                     </a:lnL>
                     <a:lnR w="12700">
                       <a:solidFill>
-                        <a:srgbClr val="666"/>
+                        <a:srgbClr val="ffffff"/>
                       </a:solidFill>
                       <a:prstDash val="solid"/>
                     </a:lnR>
                     <a:lnT w="12700">
                       <a:solidFill>
-                        <a:srgbClr val="666"/>
+                        <a:srgbClr val="ffffff"/>
                       </a:solidFill>
                       <a:prstDash val="solid"/>
                     </a:lnT>
                     <a:lnB w="12700">
                       <a:solidFill>
-                        <a:srgbClr val="666"/>
+                        <a:srgbClr val="ffffff"/>
                       </a:solidFill>
                       <a:prstDash val="solid"/>
                     </a:lnB>
@@ -3909,32 +4567,32 @@
                     <a:noFill/>
                     <a:lnL w="12700">
                       <a:solidFill>
-                        <a:srgbClr val="666"/>
+                        <a:srgbClr val="ffffff"/>
                       </a:solidFill>
                       <a:prstDash val="solid"/>
                     </a:lnL>
                     <a:lnR w="12700">
                       <a:solidFill>
-                        <a:srgbClr val="666"/>
+                        <a:srgbClr val="ffffff"/>
                       </a:solidFill>
                       <a:prstDash val="solid"/>
                     </a:lnR>
                     <a:lnT w="12700">
                       <a:solidFill>
-                        <a:srgbClr val="666"/>
+                        <a:srgbClr val="ffffff"/>
                       </a:solidFill>
                       <a:prstDash val="solid"/>
                     </a:lnT>
                     <a:lnB w="12700">
                       <a:solidFill>
-                        <a:srgbClr val="666"/>
+                        <a:srgbClr val="ffffff"/>
                       </a:solidFill>
                       <a:prstDash val="solid"/>
                     </a:lnB>
                   </a:tcPr>
                 </a:tc>
               </a:tr>
-              <a:tr h="285750">
+              <a:tr h="363855">
                 <a:tc>
                   <a:txBody>
                     <a:bodyPr lIns="76200" rIns="76200" tIns="76200" bIns="76200"/>
@@ -3960,25 +4618,25 @@
                     <a:noFill/>
                     <a:lnL w="12700">
                       <a:solidFill>
-                        <a:srgbClr val="666"/>
+                        <a:srgbClr val="ffffff"/>
                       </a:solidFill>
                       <a:prstDash val="solid"/>
                     </a:lnL>
                     <a:lnR w="12700">
                       <a:solidFill>
-                        <a:srgbClr val="666"/>
+                        <a:srgbClr val="ffffff"/>
                       </a:solidFill>
                       <a:prstDash val="solid"/>
                     </a:lnR>
                     <a:lnT w="12700">
                       <a:solidFill>
-                        <a:srgbClr val="666"/>
+                        <a:srgbClr val="ffffff"/>
                       </a:solidFill>
                       <a:prstDash val="solid"/>
                     </a:lnT>
                     <a:lnB w="12700">
                       <a:solidFill>
-                        <a:srgbClr val="666"/>
+                        <a:srgbClr val="ffffff"/>
                       </a:solidFill>
                       <a:prstDash val="solid"/>
                     </a:lnB>
@@ -4009,25 +4667,25 @@
                     <a:noFill/>
                     <a:lnL w="12700">
                       <a:solidFill>
-                        <a:srgbClr val="666"/>
+                        <a:srgbClr val="ffffff"/>
                       </a:solidFill>
                       <a:prstDash val="solid"/>
                     </a:lnL>
                     <a:lnR w="12700">
                       <a:solidFill>
-                        <a:srgbClr val="666"/>
+                        <a:srgbClr val="ffffff"/>
                       </a:solidFill>
                       <a:prstDash val="solid"/>
                     </a:lnR>
                     <a:lnT w="12700">
                       <a:solidFill>
-                        <a:srgbClr val="666"/>
+                        <a:srgbClr val="ffffff"/>
                       </a:solidFill>
                       <a:prstDash val="solid"/>
                     </a:lnT>
                     <a:lnB w="12700">
                       <a:solidFill>
-                        <a:srgbClr val="666"/>
+                        <a:srgbClr val="ffffff"/>
                       </a:solidFill>
                       <a:prstDash val="solid"/>
                     </a:lnB>
@@ -4058,32 +4716,32 @@
                     <a:noFill/>
                     <a:lnL w="12700">
                       <a:solidFill>
-                        <a:srgbClr val="666"/>
+                        <a:srgbClr val="ffffff"/>
                       </a:solidFill>
                       <a:prstDash val="solid"/>
                     </a:lnL>
                     <a:lnR w="12700">
                       <a:solidFill>
-                        <a:srgbClr val="666"/>
+                        <a:srgbClr val="ffffff"/>
                       </a:solidFill>
                       <a:prstDash val="solid"/>
                     </a:lnR>
                     <a:lnT w="12700">
                       <a:solidFill>
-                        <a:srgbClr val="666"/>
+                        <a:srgbClr val="ffffff"/>
                       </a:solidFill>
                       <a:prstDash val="solid"/>
                     </a:lnT>
                     <a:lnB w="12700">
                       <a:solidFill>
-                        <a:srgbClr val="666"/>
+                        <a:srgbClr val="ffffff"/>
                       </a:solidFill>
                       <a:prstDash val="solid"/>
                     </a:lnB>
                   </a:tcPr>
                 </a:tc>
               </a:tr>
-              <a:tr h="285750">
+              <a:tr h="363855">
                 <a:tc>
                   <a:txBody>
                     <a:bodyPr lIns="76200" rIns="76200" tIns="76200" bIns="76200"/>
@@ -4109,25 +4767,25 @@
                     <a:noFill/>
                     <a:lnL w="12700">
                       <a:solidFill>
-                        <a:srgbClr val="666"/>
+                        <a:srgbClr val="ffffff"/>
                       </a:solidFill>
                       <a:prstDash val="solid"/>
                     </a:lnL>
                     <a:lnR w="12700">
                       <a:solidFill>
-                        <a:srgbClr val="666"/>
+                        <a:srgbClr val="ffffff"/>
                       </a:solidFill>
                       <a:prstDash val="solid"/>
                     </a:lnR>
                     <a:lnT w="12700">
                       <a:solidFill>
-                        <a:srgbClr val="666"/>
+                        <a:srgbClr val="ffffff"/>
                       </a:solidFill>
                       <a:prstDash val="solid"/>
                     </a:lnT>
                     <a:lnB w="12700">
                       <a:solidFill>
-                        <a:srgbClr val="666"/>
+                        <a:srgbClr val="ffffff"/>
                       </a:solidFill>
                       <a:prstDash val="solid"/>
                     </a:lnB>
@@ -4158,25 +4816,25 @@
                     <a:noFill/>
                     <a:lnL w="12700">
                       <a:solidFill>
-                        <a:srgbClr val="666"/>
+                        <a:srgbClr val="ffffff"/>
                       </a:solidFill>
                       <a:prstDash val="solid"/>
                     </a:lnL>
                     <a:lnR w="12700">
                       <a:solidFill>
-                        <a:srgbClr val="666"/>
+                        <a:srgbClr val="ffffff"/>
                       </a:solidFill>
                       <a:prstDash val="solid"/>
                     </a:lnR>
                     <a:lnT w="12700">
                       <a:solidFill>
-                        <a:srgbClr val="666"/>
+                        <a:srgbClr val="ffffff"/>
                       </a:solidFill>
                       <a:prstDash val="solid"/>
                     </a:lnT>
                     <a:lnB w="12700">
                       <a:solidFill>
-                        <a:srgbClr val="666"/>
+                        <a:srgbClr val="ffffff"/>
                       </a:solidFill>
                       <a:prstDash val="solid"/>
                     </a:lnB>
@@ -4207,25 +4865,25 @@
                     <a:noFill/>
                     <a:lnL w="12700">
                       <a:solidFill>
-                        <a:srgbClr val="666"/>
+                        <a:srgbClr val="ffffff"/>
                       </a:solidFill>
                       <a:prstDash val="solid"/>
                     </a:lnL>
                     <a:lnR w="12700">
                       <a:solidFill>
-                        <a:srgbClr val="666"/>
+                        <a:srgbClr val="ffffff"/>
                       </a:solidFill>
                       <a:prstDash val="solid"/>
                     </a:lnR>
                     <a:lnT w="12700">
                       <a:solidFill>
-                        <a:srgbClr val="666"/>
+                        <a:srgbClr val="ffffff"/>
                       </a:solidFill>
                       <a:prstDash val="solid"/>
                     </a:lnT>
                     <a:lnB w="12700">
                       <a:solidFill>
-                        <a:srgbClr val="666"/>
+                        <a:srgbClr val="ffffff"/>
                       </a:solidFill>
                       <a:prstDash val="solid"/>
                     </a:lnB>
@@ -4244,7 +4902,7 @@
         </p:nvSpPr>
         <p:spPr>
           <a:xfrm>
-            <a:off x="200025" y="2886075"/>
+            <a:off x="200025" y="3009900"/>
             <a:ext cx="8943975" cy="274320"/>
           </a:xfrm>
           <a:prstGeom prst="rect">
@@ -4266,7 +4924,7 @@
                 <a:spcPts val="0"/>
               </a:spcBef>
               <a:spcAft>
-                <a:spcPts val="1125"/>
+                <a:spcPts val="0"/>
               </a:spcAft>
               <a:defRPr>
                 <a:solidFill>
@@ -4291,8 +4949,8 @@
         </p:nvSpPr>
         <p:spPr>
           <a:xfrm>
-            <a:off x="200025" y="3295650"/>
-            <a:ext cx="8943975" cy="666750"/>
+            <a:off x="200025" y="3362324"/>
+            <a:ext cx="8943975" cy="704849"/>
           </a:xfrm>
           <a:prstGeom prst="rect">
             <a:avLst/>
@@ -4337,12 +4995,6 @@
           </a:p>
           <a:p>
             <a:pPr algn="l">
-              <a:spcBef>
-                <a:spcPts val="0"/>
-              </a:spcBef>
-              <a:spcAft>
-                <a:spcPts val="0"/>
-              </a:spcAft>
               <a:defRPr>
                 <a:solidFill>
                   <a:srgbClr val="E0E0E0"/>
@@ -4368,12 +5020,6 @@
           </a:p>
           <a:p>
             <a:pPr algn="l">
-              <a:spcBef>
-                <a:spcPts val="0"/>
-              </a:spcBef>
-              <a:spcAft>
-                <a:spcPts val="0"/>
-              </a:spcAft>
               <a:defRPr>
                 <a:solidFill>
                   <a:srgbClr val="E0E0E0"/>
@@ -4399,12 +5045,6 @@
           </a:p>
           <a:p>
             <a:pPr algn="l">
-              <a:spcBef>
-                <a:spcPts val="0"/>
-              </a:spcBef>
-              <a:spcAft>
-                <a:spcPts val="0"/>
-              </a:spcAft>
               <a:defRPr>
                 <a:solidFill>
                   <a:srgbClr val="E0E0E0"/>
@@ -4430,12 +5070,6 @@
           </a:p>
           <a:p>
             <a:pPr algn="l">
-              <a:spcBef>
-                <a:spcPts val="0"/>
-              </a:spcBef>
-              <a:spcAft>
-                <a:spcPts val="0"/>
-              </a:spcAft>
               <a:defRPr>
                 <a:solidFill>
                   <a:srgbClr val="E0E0E0"/>
@@ -4469,17 +5103,9 @@
 </p:sld>
 </file>
 
-<file path=ppt/slides/slide11.xml><?xml version="1.0" encoding="utf-8"?>
+<file path=ppt/slides/slide13.xml><?xml version="1.0" encoding="utf-8"?>
 <p:sld xmlns:a="http://schemas.openxmlformats.org/drawingml/2006/main" xmlns:p="http://schemas.openxmlformats.org/presentationml/2006/main" xmlns:r="http://schemas.openxmlformats.org/officeDocument/2006/relationships">
   <p:cSld>
-    <p:bg>
-      <p:bgPr>
-        <a:solidFill>
-          <a:srgbClr val="1A1A1A"/>
-        </a:solidFill>
-        <a:effectLst/>
-      </p:bgPr>
-    </p:bg>
     <p:spTree>
       <p:nvGrpSpPr>
         <p:cNvPr id="1" name=""/>
@@ -4495,7 +5121,7 @@
         </p:nvSpPr>
         <p:spPr>
           <a:xfrm>
-            <a:off x="200025" y="380999"/>
+            <a:off x="200025" y="180975"/>
             <a:ext cx="8943975" cy="274320"/>
           </a:xfrm>
           <a:prstGeom prst="rect">
@@ -4517,7 +5143,7 @@
                 <a:spcPts val="0"/>
               </a:spcBef>
               <a:spcAft>
-                <a:spcPts val="1500"/>
+                <a:spcPts val="0"/>
               </a:spcAft>
               <a:defRPr>
                 <a:solidFill>
@@ -4542,7 +5168,7 @@
         </p:nvSpPr>
         <p:spPr>
           <a:xfrm>
-            <a:off x="200025" y="838200"/>
+            <a:off x="200025" y="628650"/>
             <a:ext cx="8943975" cy="274320"/>
           </a:xfrm>
           <a:prstGeom prst="rect">
@@ -4564,7 +5190,7 @@
                 <a:spcPts val="0"/>
               </a:spcBef>
               <a:spcAft>
-                <a:spcPts val="1125"/>
+                <a:spcPts val="0"/>
               </a:spcAft>
               <a:defRPr>
                 <a:solidFill>
@@ -4589,7 +5215,7 @@
         </p:nvSpPr>
         <p:spPr>
           <a:xfrm>
-            <a:off x="200025" y="1257300"/>
+            <a:off x="200025" y="981074"/>
             <a:ext cx="8943975" cy="274320"/>
           </a:xfrm>
           <a:prstGeom prst="rect">
@@ -4655,7 +5281,7 @@
         </p:nvSpPr>
         <p:spPr>
           <a:xfrm>
-            <a:off x="200025" y="1619250"/>
+            <a:off x="200025" y="1247775"/>
             <a:ext cx="8943975" cy="274320"/>
           </a:xfrm>
           <a:prstGeom prst="rect">
@@ -4698,24 +5324,24 @@
               <a:t>: </a:t>
             </a:r>
             <a:r>
+              <a:rPr sz="800">
+                <a:solidFill>
+                  <a:srgbClr val="FFFFFF"/>
+                </a:solidFill>
+                <a:latin typeface="Courier New"/>
+              </a:rPr>
+              <a:t>Age</a:t>
+            </a:r>
+            <a:r>
               <a:rPr sz="1000">
-                <a:solidFill>
-                  <a:srgbClr val="DCDCDC"/>
-                </a:solidFill>
-                <a:latin typeface="Courier New"/>
-              </a:rPr>
-              <a:t>Age</a:t>
-            </a:r>
-            <a:r>
-              <a:rPr sz="1000">
                 <a:latin typeface="Arial"/>
               </a:rPr>
               <a:t> column wrapping to </a:t>
             </a:r>
             <a:r>
-              <a:rPr sz="1000">
-                <a:solidFill>
-                  <a:srgbClr val="DCDCDC"/>
+              <a:rPr sz="800">
+                <a:solidFill>
+                  <a:srgbClr val="FFFFFF"/>
                 </a:solidFill>
                 <a:latin typeface="Courier New"/>
               </a:rPr>
@@ -4751,7 +5377,7 @@
         </p:nvSpPr>
         <p:spPr>
           <a:xfrm>
-            <a:off x="200025" y="1885950"/>
+            <a:off x="200025" y="1476375"/>
             <a:ext cx="8943975" cy="274320"/>
           </a:xfrm>
           <a:prstGeom prst="rect">
@@ -4773,7 +5399,7 @@
                 <a:spcPts val="0"/>
               </a:spcBef>
               <a:spcAft>
-                <a:spcPts val="1125"/>
+                <a:spcPts val="0"/>
               </a:spcAft>
               <a:defRPr>
                 <a:solidFill>
@@ -4798,7 +5424,7 @@
         </p:nvSpPr>
         <p:spPr>
           <a:xfrm>
-            <a:off x="200025" y="2295525"/>
+            <a:off x="200025" y="1828800"/>
             <a:ext cx="8943975" cy="274320"/>
           </a:xfrm>
           <a:prstGeom prst="rect">
@@ -4864,7 +5490,7 @@
         </p:nvSpPr>
         <p:spPr>
           <a:xfrm>
-            <a:off x="200025" y="2657475"/>
+            <a:off x="200025" y="2095499"/>
             <a:ext cx="8943975" cy="274320"/>
           </a:xfrm>
           <a:prstGeom prst="rect">
@@ -4907,9 +5533,9 @@
               <a:t>: Light gray borders (</a:t>
             </a:r>
             <a:r>
-              <a:rPr sz="1000">
-                <a:solidFill>
-                  <a:srgbClr val="DCDCDC"/>
+              <a:rPr sz="800">
+                <a:solidFill>
+                  <a:srgbClr val="FFFFFF"/>
                 </a:solidFill>
                 <a:latin typeface="Courier New"/>
               </a:rPr>
@@ -4935,9 +5561,9 @@
               <a:t>: Black borders (</a:t>
             </a:r>
             <a:r>
-              <a:rPr sz="1000">
-                <a:solidFill>
-                  <a:srgbClr val="DCDCDC"/>
+              <a:rPr sz="800">
+                <a:solidFill>
+                  <a:srgbClr val="FFFFFF"/>
                 </a:solidFill>
                 <a:latin typeface="Courier New"/>
               </a:rPr>
@@ -4960,17 +5586,9 @@
 </p:sld>
 </file>
 
-<file path=ppt/slides/slide12.xml><?xml version="1.0" encoding="utf-8"?>
+<file path=ppt/slides/slide14.xml><?xml version="1.0" encoding="utf-8"?>
 <p:sld xmlns:a="http://schemas.openxmlformats.org/drawingml/2006/main" xmlns:p="http://schemas.openxmlformats.org/presentationml/2006/main" xmlns:r="http://schemas.openxmlformats.org/officeDocument/2006/relationships">
   <p:cSld>
-    <p:bg>
-      <p:bgPr>
-        <a:solidFill>
-          <a:srgbClr val="1A1A1A"/>
-        </a:solidFill>
-        <a:effectLst/>
-      </p:bgPr>
-    </p:bg>
     <p:spTree>
       <p:nvGrpSpPr>
         <p:cNvPr id="1" name=""/>
@@ -4986,7 +5604,7 @@
         </p:nvSpPr>
         <p:spPr>
           <a:xfrm>
-            <a:off x="200025" y="380999"/>
+            <a:off x="200025" y="180975"/>
             <a:ext cx="8943975" cy="274320"/>
           </a:xfrm>
           <a:prstGeom prst="rect">
@@ -5008,7 +5626,7 @@
                 <a:spcPts val="0"/>
               </a:spcBef>
               <a:spcAft>
-                <a:spcPts val="1500"/>
+                <a:spcPts val="0"/>
               </a:spcAft>
               <a:defRPr>
                 <a:solidFill>
@@ -5033,7 +5651,7 @@
         </p:nvSpPr>
         <p:spPr>
           <a:xfrm>
-            <a:off x="200025" y="838200"/>
+            <a:off x="200025" y="628650"/>
             <a:ext cx="8943975" cy="274320"/>
           </a:xfrm>
           <a:prstGeom prst="rect">
@@ -5055,7 +5673,7 @@
                 <a:spcPts val="0"/>
               </a:spcBef>
               <a:spcAft>
-                <a:spcPts val="1125"/>
+                <a:spcPts val="0"/>
               </a:spcAft>
               <a:defRPr>
                 <a:solidFill>
@@ -5080,8 +5698,8 @@
         </p:nvSpPr>
         <p:spPr>
           <a:xfrm>
-            <a:off x="200025" y="1257300"/>
-            <a:ext cx="2647949" cy="1485900"/>
+            <a:off x="200025" y="981074"/>
+            <a:ext cx="3933824" cy="1876424"/>
           </a:xfrm>
           <a:prstGeom prst="rect">
             <a:avLst/>
@@ -5114,8 +5732,8 @@
           <p:nvPr/>
         </p:nvGraphicFramePr>
         <p:xfrm>
-          <a:off x="200025" y="1257300"/>
-          <a:ext cx="2638796" cy="1428750"/>
+          <a:off x="200025" y="981074"/>
+          <a:ext cx="3930401" cy="1819275"/>
         </p:xfrm>
         <a:graphic>
           <a:graphicData uri="http://schemas.openxmlformats.org/drawingml/2006/table">
@@ -5124,11 +5742,11 @@
                 <a:tableStyleId>{5C22544A-7EE6-4342-B048-85BDC9FD1C3A}</a:tableStyleId>
               </a:tblPr>
               <a:tblGrid>
-                <a:gridCol w="776138"/>
-                <a:gridCol w="922511"/>
-                <a:gridCol w="940147"/>
+                <a:gridCol w="1144562"/>
+                <a:gridCol w="1378818"/>
+                <a:gridCol w="1407021"/>
               </a:tblGrid>
-              <a:tr h="285750">
+              <a:tr h="363855">
                 <a:tc>
                   <a:txBody>
                     <a:bodyPr lIns="76200" rIns="76200" tIns="76200" bIns="76200"/>
@@ -5154,25 +5772,25 @@
                     <a:noFill/>
                     <a:lnL w="12700">
                       <a:solidFill>
-                        <a:srgbClr val="666"/>
+                        <a:srgbClr val="ffffff"/>
                       </a:solidFill>
                       <a:prstDash val="solid"/>
                     </a:lnL>
                     <a:lnR w="12700">
                       <a:solidFill>
-                        <a:srgbClr val="666"/>
+                        <a:srgbClr val="ffffff"/>
                       </a:solidFill>
                       <a:prstDash val="solid"/>
                     </a:lnR>
                     <a:lnT w="12700">
                       <a:solidFill>
-                        <a:srgbClr val="666"/>
+                        <a:srgbClr val="ffffff"/>
                       </a:solidFill>
                       <a:prstDash val="solid"/>
                     </a:lnT>
                     <a:lnB w="12700">
                       <a:solidFill>
-                        <a:srgbClr val="666"/>
+                        <a:srgbClr val="ffffff"/>
                       </a:solidFill>
                       <a:prstDash val="solid"/>
                     </a:lnB>
@@ -5203,25 +5821,25 @@
                     <a:noFill/>
                     <a:lnL w="12700">
                       <a:solidFill>
-                        <a:srgbClr val="666"/>
+                        <a:srgbClr val="ffffff"/>
                       </a:solidFill>
                       <a:prstDash val="solid"/>
                     </a:lnL>
                     <a:lnR w="12700">
                       <a:solidFill>
-                        <a:srgbClr val="666"/>
+                        <a:srgbClr val="ffffff"/>
                       </a:solidFill>
                       <a:prstDash val="solid"/>
                     </a:lnR>
                     <a:lnT w="12700">
                       <a:solidFill>
-                        <a:srgbClr val="666"/>
+                        <a:srgbClr val="ffffff"/>
                       </a:solidFill>
                       <a:prstDash val="solid"/>
                     </a:lnT>
                     <a:lnB w="12700">
                       <a:solidFill>
-                        <a:srgbClr val="666"/>
+                        <a:srgbClr val="ffffff"/>
                       </a:solidFill>
                       <a:prstDash val="solid"/>
                     </a:lnB>
@@ -5252,32 +5870,32 @@
                     <a:noFill/>
                     <a:lnL w="12700">
                       <a:solidFill>
-                        <a:srgbClr val="666"/>
+                        <a:srgbClr val="ffffff"/>
                       </a:solidFill>
                       <a:prstDash val="solid"/>
                     </a:lnL>
                     <a:lnR w="12700">
                       <a:solidFill>
-                        <a:srgbClr val="666"/>
+                        <a:srgbClr val="ffffff"/>
                       </a:solidFill>
                       <a:prstDash val="solid"/>
                     </a:lnR>
                     <a:lnT w="12700">
                       <a:solidFill>
-                        <a:srgbClr val="666"/>
+                        <a:srgbClr val="ffffff"/>
                       </a:solidFill>
                       <a:prstDash val="solid"/>
                     </a:lnT>
                     <a:lnB w="12700">
                       <a:solidFill>
-                        <a:srgbClr val="666"/>
+                        <a:srgbClr val="ffffff"/>
                       </a:solidFill>
                       <a:prstDash val="solid"/>
                     </a:lnB>
                   </a:tcPr>
                 </a:tc>
               </a:tr>
-              <a:tr h="285750">
+              <a:tr h="363855">
                 <a:tc>
                   <a:txBody>
                     <a:bodyPr lIns="76200" rIns="76200" tIns="76200" bIns="76200"/>
@@ -5303,25 +5921,25 @@
                     <a:noFill/>
                     <a:lnL w="12700">
                       <a:solidFill>
-                        <a:srgbClr val="666"/>
+                        <a:srgbClr val="ffffff"/>
                       </a:solidFill>
                       <a:prstDash val="solid"/>
                     </a:lnL>
                     <a:lnR w="12700">
                       <a:solidFill>
-                        <a:srgbClr val="666"/>
+                        <a:srgbClr val="ffffff"/>
                       </a:solidFill>
                       <a:prstDash val="solid"/>
                     </a:lnR>
                     <a:lnT w="12700">
                       <a:solidFill>
-                        <a:srgbClr val="666"/>
+                        <a:srgbClr val="ffffff"/>
                       </a:solidFill>
                       <a:prstDash val="solid"/>
                     </a:lnT>
                     <a:lnB w="12700">
                       <a:solidFill>
-                        <a:srgbClr val="666"/>
+                        <a:srgbClr val="ffffff"/>
                       </a:solidFill>
                       <a:prstDash val="solid"/>
                     </a:lnB>
@@ -5352,25 +5970,25 @@
                     <a:noFill/>
                     <a:lnL w="12700">
                       <a:solidFill>
-                        <a:srgbClr val="666"/>
+                        <a:srgbClr val="ffffff"/>
                       </a:solidFill>
                       <a:prstDash val="solid"/>
                     </a:lnL>
                     <a:lnR w="12700">
                       <a:solidFill>
-                        <a:srgbClr val="666"/>
+                        <a:srgbClr val="ffffff"/>
                       </a:solidFill>
                       <a:prstDash val="solid"/>
                     </a:lnR>
                     <a:lnT w="12700">
                       <a:solidFill>
-                        <a:srgbClr val="666"/>
+                        <a:srgbClr val="ffffff"/>
                       </a:solidFill>
                       <a:prstDash val="solid"/>
                     </a:lnT>
                     <a:lnB w="12700">
                       <a:solidFill>
-                        <a:srgbClr val="666"/>
+                        <a:srgbClr val="ffffff"/>
                       </a:solidFill>
                       <a:prstDash val="solid"/>
                     </a:lnB>
@@ -5401,32 +6019,32 @@
                     <a:noFill/>
                     <a:lnL w="12700">
                       <a:solidFill>
-                        <a:srgbClr val="666"/>
+                        <a:srgbClr val="ffffff"/>
                       </a:solidFill>
                       <a:prstDash val="solid"/>
                     </a:lnL>
                     <a:lnR w="12700">
                       <a:solidFill>
-                        <a:srgbClr val="666"/>
+                        <a:srgbClr val="ffffff"/>
                       </a:solidFill>
                       <a:prstDash val="solid"/>
                     </a:lnR>
                     <a:lnT w="12700">
                       <a:solidFill>
-                        <a:srgbClr val="666"/>
+                        <a:srgbClr val="ffffff"/>
                       </a:solidFill>
                       <a:prstDash val="solid"/>
                     </a:lnT>
                     <a:lnB w="12700">
                       <a:solidFill>
-                        <a:srgbClr val="666"/>
+                        <a:srgbClr val="ffffff"/>
                       </a:solidFill>
                       <a:prstDash val="solid"/>
                     </a:lnB>
                   </a:tcPr>
                 </a:tc>
               </a:tr>
-              <a:tr h="285750">
+              <a:tr h="363855">
                 <a:tc>
                   <a:txBody>
                     <a:bodyPr lIns="76200" rIns="76200" tIns="76200" bIns="76200"/>
@@ -5452,25 +6070,25 @@
                     <a:noFill/>
                     <a:lnL w="12700">
                       <a:solidFill>
-                        <a:srgbClr val="666"/>
+                        <a:srgbClr val="ffffff"/>
                       </a:solidFill>
                       <a:prstDash val="solid"/>
                     </a:lnL>
                     <a:lnR w="12700">
                       <a:solidFill>
-                        <a:srgbClr val="666"/>
+                        <a:srgbClr val="ffffff"/>
                       </a:solidFill>
                       <a:prstDash val="solid"/>
                     </a:lnR>
                     <a:lnT w="12700">
                       <a:solidFill>
-                        <a:srgbClr val="666"/>
+                        <a:srgbClr val="ffffff"/>
                       </a:solidFill>
                       <a:prstDash val="solid"/>
                     </a:lnT>
                     <a:lnB w="12700">
                       <a:solidFill>
-                        <a:srgbClr val="666"/>
+                        <a:srgbClr val="ffffff"/>
                       </a:solidFill>
                       <a:prstDash val="solid"/>
                     </a:lnB>
@@ -5501,25 +6119,25 @@
                     <a:noFill/>
                     <a:lnL w="12700">
                       <a:solidFill>
-                        <a:srgbClr val="666"/>
+                        <a:srgbClr val="ffffff"/>
                       </a:solidFill>
                       <a:prstDash val="solid"/>
                     </a:lnL>
                     <a:lnR w="12700">
                       <a:solidFill>
-                        <a:srgbClr val="666"/>
+                        <a:srgbClr val="ffffff"/>
                       </a:solidFill>
                       <a:prstDash val="solid"/>
                     </a:lnR>
                     <a:lnT w="12700">
                       <a:solidFill>
-                        <a:srgbClr val="666"/>
+                        <a:srgbClr val="ffffff"/>
                       </a:solidFill>
                       <a:prstDash val="solid"/>
                     </a:lnT>
                     <a:lnB w="12700">
                       <a:solidFill>
-                        <a:srgbClr val="666"/>
+                        <a:srgbClr val="ffffff"/>
                       </a:solidFill>
                       <a:prstDash val="solid"/>
                     </a:lnB>
@@ -5550,32 +6168,32 @@
                     <a:noFill/>
                     <a:lnL w="12700">
                       <a:solidFill>
-                        <a:srgbClr val="666"/>
+                        <a:srgbClr val="ffffff"/>
                       </a:solidFill>
                       <a:prstDash val="solid"/>
                     </a:lnL>
                     <a:lnR w="12700">
                       <a:solidFill>
-                        <a:srgbClr val="666"/>
+                        <a:srgbClr val="ffffff"/>
                       </a:solidFill>
                       <a:prstDash val="solid"/>
                     </a:lnR>
                     <a:lnT w="12700">
                       <a:solidFill>
-                        <a:srgbClr val="666"/>
+                        <a:srgbClr val="ffffff"/>
                       </a:solidFill>
                       <a:prstDash val="solid"/>
                     </a:lnT>
                     <a:lnB w="12700">
                       <a:solidFill>
-                        <a:srgbClr val="666"/>
+                        <a:srgbClr val="ffffff"/>
                       </a:solidFill>
                       <a:prstDash val="solid"/>
                     </a:lnB>
                   </a:tcPr>
                 </a:tc>
               </a:tr>
-              <a:tr h="285750">
+              <a:tr h="363855">
                 <a:tc>
                   <a:txBody>
                     <a:bodyPr lIns="76200" rIns="76200" tIns="76200" bIns="76200"/>
@@ -5601,25 +6219,25 @@
                     <a:noFill/>
                     <a:lnL w="12700">
                       <a:solidFill>
-                        <a:srgbClr val="666"/>
+                        <a:srgbClr val="ffffff"/>
                       </a:solidFill>
                       <a:prstDash val="solid"/>
                     </a:lnL>
                     <a:lnR w="12700">
                       <a:solidFill>
-                        <a:srgbClr val="666"/>
+                        <a:srgbClr val="ffffff"/>
                       </a:solidFill>
                       <a:prstDash val="solid"/>
                     </a:lnR>
                     <a:lnT w="12700">
                       <a:solidFill>
-                        <a:srgbClr val="666"/>
+                        <a:srgbClr val="ffffff"/>
                       </a:solidFill>
                       <a:prstDash val="solid"/>
                     </a:lnT>
                     <a:lnB w="12700">
                       <a:solidFill>
-                        <a:srgbClr val="666"/>
+                        <a:srgbClr val="ffffff"/>
                       </a:solidFill>
                       <a:prstDash val="solid"/>
                     </a:lnB>
@@ -5650,25 +6268,25 @@
                     <a:noFill/>
                     <a:lnL w="12700">
                       <a:solidFill>
-                        <a:srgbClr val="666"/>
+                        <a:srgbClr val="ffffff"/>
                       </a:solidFill>
                       <a:prstDash val="solid"/>
                     </a:lnL>
                     <a:lnR w="12700">
                       <a:solidFill>
-                        <a:srgbClr val="666"/>
+                        <a:srgbClr val="ffffff"/>
                       </a:solidFill>
                       <a:prstDash val="solid"/>
                     </a:lnR>
                     <a:lnT w="12700">
                       <a:solidFill>
-                        <a:srgbClr val="666"/>
+                        <a:srgbClr val="ffffff"/>
                       </a:solidFill>
                       <a:prstDash val="solid"/>
                     </a:lnT>
                     <a:lnB w="12700">
                       <a:solidFill>
-                        <a:srgbClr val="666"/>
+                        <a:srgbClr val="ffffff"/>
                       </a:solidFill>
                       <a:prstDash val="solid"/>
                     </a:lnB>
@@ -5699,32 +6317,32 @@
                     <a:noFill/>
                     <a:lnL w="12700">
                       <a:solidFill>
-                        <a:srgbClr val="666"/>
+                        <a:srgbClr val="ffffff"/>
                       </a:solidFill>
                       <a:prstDash val="solid"/>
                     </a:lnL>
                     <a:lnR w="12700">
                       <a:solidFill>
-                        <a:srgbClr val="666"/>
+                        <a:srgbClr val="ffffff"/>
                       </a:solidFill>
                       <a:prstDash val="solid"/>
                     </a:lnR>
                     <a:lnT w="12700">
                       <a:solidFill>
-                        <a:srgbClr val="666"/>
+                        <a:srgbClr val="ffffff"/>
                       </a:solidFill>
                       <a:prstDash val="solid"/>
                     </a:lnT>
                     <a:lnB w="12700">
                       <a:solidFill>
-                        <a:srgbClr val="666"/>
+                        <a:srgbClr val="ffffff"/>
                       </a:solidFill>
                       <a:prstDash val="solid"/>
                     </a:lnB>
                   </a:tcPr>
                 </a:tc>
               </a:tr>
-              <a:tr h="285750">
+              <a:tr h="363855">
                 <a:tc>
                   <a:txBody>
                     <a:bodyPr lIns="76200" rIns="76200" tIns="76200" bIns="76200"/>
@@ -5750,25 +6368,25 @@
                     <a:noFill/>
                     <a:lnL w="12700">
                       <a:solidFill>
-                        <a:srgbClr val="666"/>
+                        <a:srgbClr val="ffffff"/>
                       </a:solidFill>
                       <a:prstDash val="solid"/>
                     </a:lnL>
                     <a:lnR w="12700">
                       <a:solidFill>
-                        <a:srgbClr val="666"/>
+                        <a:srgbClr val="ffffff"/>
                       </a:solidFill>
                       <a:prstDash val="solid"/>
                     </a:lnR>
                     <a:lnT w="12700">
                       <a:solidFill>
-                        <a:srgbClr val="666"/>
+                        <a:srgbClr val="ffffff"/>
                       </a:solidFill>
                       <a:prstDash val="solid"/>
                     </a:lnT>
                     <a:lnB w="12700">
                       <a:solidFill>
-                        <a:srgbClr val="666"/>
+                        <a:srgbClr val="ffffff"/>
                       </a:solidFill>
                       <a:prstDash val="solid"/>
                     </a:lnB>
@@ -5799,25 +6417,25 @@
                     <a:noFill/>
                     <a:lnL w="12700">
                       <a:solidFill>
-                        <a:srgbClr val="666"/>
+                        <a:srgbClr val="ffffff"/>
                       </a:solidFill>
                       <a:prstDash val="solid"/>
                     </a:lnL>
                     <a:lnR w="12700">
                       <a:solidFill>
-                        <a:srgbClr val="666"/>
+                        <a:srgbClr val="ffffff"/>
                       </a:solidFill>
                       <a:prstDash val="solid"/>
                     </a:lnR>
                     <a:lnT w="12700">
                       <a:solidFill>
-                        <a:srgbClr val="666"/>
+                        <a:srgbClr val="ffffff"/>
                       </a:solidFill>
                       <a:prstDash val="solid"/>
                     </a:lnT>
                     <a:lnB w="12700">
                       <a:solidFill>
-                        <a:srgbClr val="666"/>
+                        <a:srgbClr val="ffffff"/>
                       </a:solidFill>
                       <a:prstDash val="solid"/>
                     </a:lnB>
@@ -5848,25 +6466,25 @@
                     <a:noFill/>
                     <a:lnL w="12700">
                       <a:solidFill>
-                        <a:srgbClr val="666"/>
+                        <a:srgbClr val="ffffff"/>
                       </a:solidFill>
                       <a:prstDash val="solid"/>
                     </a:lnL>
                     <a:lnR w="12700">
                       <a:solidFill>
-                        <a:srgbClr val="666"/>
+                        <a:srgbClr val="ffffff"/>
                       </a:solidFill>
                       <a:prstDash val="solid"/>
                     </a:lnR>
                     <a:lnT w="12700">
                       <a:solidFill>
-                        <a:srgbClr val="666"/>
+                        <a:srgbClr val="ffffff"/>
                       </a:solidFill>
                       <a:prstDash val="solid"/>
                     </a:lnT>
                     <a:lnB w="12700">
                       <a:solidFill>
-                        <a:srgbClr val="666"/>
+                        <a:srgbClr val="ffffff"/>
                       </a:solidFill>
                       <a:prstDash val="solid"/>
                     </a:lnB>
@@ -5885,7 +6503,7 @@
         </p:nvSpPr>
         <p:spPr>
           <a:xfrm>
-            <a:off x="200025" y="2886075"/>
+            <a:off x="200025" y="3009900"/>
             <a:ext cx="8943975" cy="274320"/>
           </a:xfrm>
           <a:prstGeom prst="rect">
@@ -5907,7 +6525,7 @@
                 <a:spcPts val="0"/>
               </a:spcBef>
               <a:spcAft>
-                <a:spcPts val="1125"/>
+                <a:spcPts val="0"/>
               </a:spcAft>
               <a:defRPr>
                 <a:solidFill>
@@ -5932,8 +6550,8 @@
         </p:nvSpPr>
         <p:spPr>
           <a:xfrm>
-            <a:off x="200025" y="3295650"/>
-            <a:ext cx="8943975" cy="533399"/>
+            <a:off x="200025" y="3362324"/>
+            <a:ext cx="8943975" cy="571500"/>
           </a:xfrm>
           <a:prstGeom prst="rect">
             <a:avLst/>
@@ -5984,12 +6602,6 @@
           </a:p>
           <a:p>
             <a:pPr algn="l">
-              <a:spcBef>
-                <a:spcPts val="0"/>
-              </a:spcBef>
-              <a:spcAft>
-                <a:spcPts val="0"/>
-              </a:spcAft>
               <a:defRPr>
                 <a:solidFill>
                   <a:srgbClr val="E0E0E0"/>
@@ -6021,12 +6633,6 @@
           </a:p>
           <a:p>
             <a:pPr algn="l">
-              <a:spcBef>
-                <a:spcPts val="0"/>
-              </a:spcBef>
-              <a:spcAft>
-                <a:spcPts val="0"/>
-              </a:spcAft>
               <a:defRPr>
                 <a:solidFill>
                   <a:srgbClr val="E0E0E0"/>
@@ -6058,12 +6664,6 @@
           </a:p>
           <a:p>
             <a:pPr algn="l">
-              <a:spcBef>
-                <a:spcPts val="0"/>
-              </a:spcBef>
-              <a:spcAft>
-                <a:spcPts val="0"/>
-              </a:spcAft>
               <a:defRPr>
                 <a:solidFill>
                   <a:srgbClr val="E0E0E0"/>
@@ -6103,17 +6703,9 @@
 </p:sld>
 </file>
 
-<file path=ppt/slides/slide13.xml><?xml version="1.0" encoding="utf-8"?>
+<file path=ppt/slides/slide15.xml><?xml version="1.0" encoding="utf-8"?>
 <p:sld xmlns:a="http://schemas.openxmlformats.org/drawingml/2006/main" xmlns:p="http://schemas.openxmlformats.org/presentationml/2006/main" xmlns:r="http://schemas.openxmlformats.org/officeDocument/2006/relationships">
   <p:cSld>
-    <p:bg>
-      <p:bgPr>
-        <a:solidFill>
-          <a:srgbClr val="1A1A1A"/>
-        </a:solidFill>
-        <a:effectLst/>
-      </p:bgPr>
-    </p:bg>
     <p:spTree>
       <p:nvGrpSpPr>
         <p:cNvPr id="1" name=""/>
@@ -6129,7 +6721,7 @@
         </p:nvSpPr>
         <p:spPr>
           <a:xfrm>
-            <a:off x="200025" y="380999"/>
+            <a:off x="200025" y="180975"/>
             <a:ext cx="8943975" cy="274320"/>
           </a:xfrm>
           <a:prstGeom prst="rect">
@@ -6151,7 +6743,7 @@
                 <a:spcPts val="0"/>
               </a:spcBef>
               <a:spcAft>
-                <a:spcPts val="1500"/>
+                <a:spcPts val="0"/>
               </a:spcAft>
               <a:defRPr>
                 <a:solidFill>
@@ -6176,7 +6768,7 @@
         </p:nvSpPr>
         <p:spPr>
           <a:xfrm>
-            <a:off x="200025" y="838200"/>
+            <a:off x="200025" y="628650"/>
             <a:ext cx="8943975" cy="274320"/>
           </a:xfrm>
           <a:prstGeom prst="rect">
@@ -6198,7 +6790,7 @@
                 <a:spcPts val="0"/>
               </a:spcBef>
               <a:spcAft>
-                <a:spcPts val="1125"/>
+                <a:spcPts val="0"/>
               </a:spcAft>
               <a:defRPr>
                 <a:solidFill>
@@ -6223,8 +6815,8 @@
         </p:nvSpPr>
         <p:spPr>
           <a:xfrm>
-            <a:off x="200025" y="1257300"/>
-            <a:ext cx="8943975" cy="800100"/>
+            <a:off x="200025" y="981074"/>
+            <a:ext cx="8943975" cy="838200"/>
           </a:xfrm>
           <a:prstGeom prst="rect">
             <a:avLst/>
@@ -6275,12 +6867,6 @@
           </a:p>
           <a:p>
             <a:pPr algn="l">
-              <a:spcBef>
-                <a:spcPts val="0"/>
-              </a:spcBef>
-              <a:spcAft>
-                <a:spcPts val="0"/>
-              </a:spcAft>
               <a:defRPr>
                 <a:solidFill>
                   <a:srgbClr val="E0E0E0"/>
@@ -6312,12 +6898,6 @@
           </a:p>
           <a:p>
             <a:pPr algn="l">
-              <a:spcBef>
-                <a:spcPts val="0"/>
-              </a:spcBef>
-              <a:spcAft>
-                <a:spcPts val="0"/>
-              </a:spcAft>
               <a:defRPr>
                 <a:solidFill>
                   <a:srgbClr val="E0E0E0"/>
@@ -6349,12 +6929,6 @@
           </a:p>
           <a:p>
             <a:pPr algn="l">
-              <a:spcBef>
-                <a:spcPts val="0"/>
-              </a:spcBef>
-              <a:spcAft>
-                <a:spcPts val="0"/>
-              </a:spcAft>
               <a:defRPr>
                 <a:solidFill>
                   <a:srgbClr val="E0E0E0"/>
@@ -6386,12 +6960,6 @@
           </a:p>
           <a:p>
             <a:pPr algn="l">
-              <a:spcBef>
-                <a:spcPts val="0"/>
-              </a:spcBef>
-              <a:spcAft>
-                <a:spcPts val="0"/>
-              </a:spcAft>
               <a:defRPr>
                 <a:solidFill>
                   <a:srgbClr val="E0E0E0"/>
@@ -6423,12 +6991,6 @@
           </a:p>
           <a:p>
             <a:pPr algn="l">
-              <a:spcBef>
-                <a:spcPts val="0"/>
-              </a:spcBef>
-              <a:spcAft>
-                <a:spcPts val="0"/>
-              </a:spcAft>
               <a:defRPr>
                 <a:solidFill>
                   <a:srgbClr val="E0E0E0"/>
@@ -6468,7 +7030,7 @@
         </p:nvSpPr>
         <p:spPr>
           <a:xfrm>
-            <a:off x="200025" y="2057400"/>
+            <a:off x="200025" y="1819275"/>
             <a:ext cx="8943975" cy="274320"/>
           </a:xfrm>
           <a:prstGeom prst="rect">
@@ -6490,7 +7052,7 @@
                 <a:spcPts val="0"/>
               </a:spcBef>
               <a:spcAft>
-                <a:spcPts val="1125"/>
+                <a:spcPts val="0"/>
               </a:spcAft>
               <a:defRPr>
                 <a:solidFill>
@@ -6515,7 +7077,7 @@
         </p:nvSpPr>
         <p:spPr>
           <a:xfrm>
-            <a:off x="200025" y="2466975"/>
+            <a:off x="200025" y="2171700"/>
             <a:ext cx="8943975" cy="274320"/>
           </a:xfrm>
           <a:prstGeom prst="rect">
@@ -6574,8 +7136,8 @@
         </p:nvSpPr>
         <p:spPr>
           <a:xfrm>
-            <a:off x="200025" y="2828925"/>
-            <a:ext cx="8943975" cy="666750"/>
+            <a:off x="200025" y="2438400"/>
+            <a:ext cx="8943975" cy="704849"/>
           </a:xfrm>
           <a:prstGeom prst="rect">
             <a:avLst/>
@@ -6626,12 +7188,6 @@
           </a:p>
           <a:p>
             <a:pPr algn="l">
-              <a:spcBef>
-                <a:spcPts val="0"/>
-              </a:spcBef>
-              <a:spcAft>
-                <a:spcPts val="0"/>
-              </a:spcAft>
               <a:defRPr>
                 <a:solidFill>
                   <a:srgbClr val="E0E0E0"/>
@@ -6663,12 +7219,6 @@
           </a:p>
           <a:p>
             <a:pPr algn="l">
-              <a:spcBef>
-                <a:spcPts val="0"/>
-              </a:spcBef>
-              <a:spcAft>
-                <a:spcPts val="0"/>
-              </a:spcAft>
               <a:defRPr>
                 <a:solidFill>
                   <a:srgbClr val="E0E0E0"/>
@@ -6700,12 +7250,6 @@
           </a:p>
           <a:p>
             <a:pPr algn="l">
-              <a:spcBef>
-                <a:spcPts val="0"/>
-              </a:spcBef>
-              <a:spcAft>
-                <a:spcPts val="0"/>
-              </a:spcAft>
               <a:defRPr>
                 <a:solidFill>
                   <a:srgbClr val="E0E0E0"/>
@@ -6737,12 +7281,6 @@
           </a:p>
           <a:p>
             <a:pPr algn="l">
-              <a:spcBef>
-                <a:spcPts val="0"/>
-              </a:spcBef>
-              <a:spcAft>
-                <a:spcPts val="0"/>
-              </a:spcAft>
               <a:defRPr>
                 <a:solidFill>
                   <a:srgbClr val="E0E0E0"/>
@@ -6782,7 +7320,7 @@
         </p:nvSpPr>
         <p:spPr>
           <a:xfrm>
-            <a:off x="200025" y="3590924"/>
+            <a:off x="200025" y="3238500"/>
             <a:ext cx="8943975" cy="274320"/>
           </a:xfrm>
           <a:prstGeom prst="rect">
@@ -6850,17 +7388,9 @@
 </p:sld>
 </file>
 
-<file path=ppt/slides/slide14.xml><?xml version="1.0" encoding="utf-8"?>
+<file path=ppt/slides/slide16.xml><?xml version="1.0" encoding="utf-8"?>
 <p:sld xmlns:a="http://schemas.openxmlformats.org/drawingml/2006/main" xmlns:p="http://schemas.openxmlformats.org/presentationml/2006/main" xmlns:r="http://schemas.openxmlformats.org/officeDocument/2006/relationships">
   <p:cSld>
-    <p:bg>
-      <p:bgPr>
-        <a:solidFill>
-          <a:srgbClr val="1A1A1A"/>
-        </a:solidFill>
-        <a:effectLst/>
-      </p:bgPr>
-    </p:bg>
     <p:spTree>
       <p:nvGrpSpPr>
         <p:cNvPr id="1" name=""/>
@@ -6876,7 +7406,7 @@
         </p:nvSpPr>
         <p:spPr>
           <a:xfrm>
-            <a:off x="200025" y="380999"/>
+            <a:off x="200025" y="180975"/>
             <a:ext cx="8943975" cy="274320"/>
           </a:xfrm>
           <a:prstGeom prst="rect">
@@ -6898,7 +7428,7 @@
                 <a:spcPts val="0"/>
               </a:spcBef>
               <a:spcAft>
-                <a:spcPts val="1500"/>
+                <a:spcPts val="0"/>
               </a:spcAft>
               <a:defRPr>
                 <a:solidFill>
@@ -6923,7 +7453,7 @@
         </p:nvSpPr>
         <p:spPr>
           <a:xfrm>
-            <a:off x="200025" y="838200"/>
+            <a:off x="200025" y="628650"/>
             <a:ext cx="8943975" cy="274320"/>
           </a:xfrm>
           <a:prstGeom prst="rect">
@@ -6945,7 +7475,7 @@
                 <a:spcPts val="0"/>
               </a:spcBef>
               <a:spcAft>
-                <a:spcPts val="1125"/>
+                <a:spcPts val="0"/>
               </a:spcAft>
               <a:defRPr>
                 <a:solidFill>
@@ -6970,7 +7500,7 @@
         </p:nvSpPr>
         <p:spPr>
           <a:xfrm>
-            <a:off x="200025" y="1257300"/>
+            <a:off x="200025" y="981074"/>
             <a:ext cx="8943975" cy="274320"/>
           </a:xfrm>
           <a:prstGeom prst="rect">
@@ -7017,8 +7547,8 @@
         </p:nvSpPr>
         <p:spPr>
           <a:xfrm>
-            <a:off x="200025" y="1657350"/>
-            <a:ext cx="8943975" cy="1323974"/>
+            <a:off x="200025" y="1285875"/>
+            <a:ext cx="8943975" cy="1866899"/>
           </a:xfrm>
           <a:prstGeom prst="rect">
             <a:avLst/>
@@ -7045,7 +7575,7 @@
               </a:spcAft>
               <a:defRPr>
                 <a:solidFill>
-                  <a:srgbClr val="DCDCDC"/>
+                  <a:srgbClr val="FFFFFF"/>
                 </a:solidFill>
               </a:defRPr>
             </a:pPr>
@@ -7073,7 +7603,7 @@
         </p:nvSpPr>
         <p:spPr>
           <a:xfrm>
-            <a:off x="200025" y="3124200"/>
+            <a:off x="200025" y="3295650"/>
             <a:ext cx="8943975" cy="274320"/>
           </a:xfrm>
           <a:prstGeom prst="rect">
@@ -7095,7 +7625,7 @@
                 <a:spcPts val="0"/>
               </a:spcBef>
               <a:spcAft>
-                <a:spcPts val="1125"/>
+                <a:spcPts val="0"/>
               </a:spcAft>
               <a:defRPr>
                 <a:solidFill>
@@ -7120,8 +7650,8 @@
         </p:nvSpPr>
         <p:spPr>
           <a:xfrm>
-            <a:off x="200025" y="3533774"/>
-            <a:ext cx="8943975" cy="581025"/>
+            <a:off x="200025" y="3657600"/>
+            <a:ext cx="8943975" cy="619124"/>
           </a:xfrm>
           <a:prstGeom prst="rect">
             <a:avLst/>
@@ -7164,38 +7694,32 @@
               <a:t>: </a:t>
             </a:r>
             <a:r>
+              <a:rPr sz="800">
+                <a:solidFill>
+                  <a:srgbClr val="FFFFFF"/>
+                </a:solidFill>
+                <a:latin typeface="Courier New"/>
+              </a:rPr>
+              <a:t>"default"</a:t>
+            </a:r>
+            <a:r>
               <a:rPr sz="1000">
-                <a:solidFill>
-                  <a:srgbClr val="DCDCDC"/>
+                <a:latin typeface="Arial"/>
+              </a:rPr>
+              <a:t>, </a:t>
+            </a:r>
+            <a:r>
+              <a:rPr sz="800">
+                <a:solidFill>
+                  <a:srgbClr val="FFFFFF"/>
                 </a:solidFill>
                 <a:latin typeface="Courier New"/>
               </a:rPr>
-              <a:t>"default"</a:t>
-            </a:r>
-            <a:r>
-              <a:rPr sz="1000">
-                <a:latin typeface="Arial"/>
-              </a:rPr>
-              <a:t>, </a:t>
-            </a:r>
-            <a:r>
-              <a:rPr sz="1000">
-                <a:solidFill>
-                  <a:srgbClr val="DCDCDC"/>
-                </a:solidFill>
-                <a:latin typeface="Courier New"/>
-              </a:rPr>
               <a:t>"dark"</a:t>
             </a:r>
           </a:p>
           <a:p>
             <a:pPr algn="l">
-              <a:spcBef>
-                <a:spcPts val="0"/>
-              </a:spcBef>
-              <a:spcAft>
-                <a:spcPts val="0"/>
-              </a:spcAft>
               <a:defRPr>
                 <a:solidFill>
                   <a:srgbClr val="E0E0E0"/>
@@ -7221,12 +7745,6 @@
           </a:p>
           <a:p>
             <a:pPr algn="l">
-              <a:spcBef>
-                <a:spcPts val="0"/>
-              </a:spcBef>
-              <a:spcAft>
-                <a:spcPts val="0"/>
-              </a:spcAft>
               <a:defRPr>
                 <a:solidFill>
                   <a:srgbClr val="E0E0E0"/>
@@ -7252,12 +7770,6 @@
           </a:p>
           <a:p>
             <a:pPr algn="l">
-              <a:spcBef>
-                <a:spcPts val="0"/>
-              </a:spcBef>
-              <a:spcAft>
-                <a:spcPts val="0"/>
-              </a:spcAft>
               <a:defRPr>
                 <a:solidFill>
                   <a:srgbClr val="E0E0E0"/>
@@ -7291,7 +7803,7 @@
         </p:nvSpPr>
         <p:spPr>
           <a:xfrm>
-            <a:off x="200025" y="4219575"/>
+            <a:off x="200025" y="4371975"/>
             <a:ext cx="8943975" cy="274320"/>
           </a:xfrm>
           <a:prstGeom prst="rect">
@@ -7359,17 +7871,9 @@
 </p:sld>
 </file>
 
-<file path=ppt/slides/slide15.xml><?xml version="1.0" encoding="utf-8"?>
+<file path=ppt/slides/slide17.xml><?xml version="1.0" encoding="utf-8"?>
 <p:sld xmlns:a="http://schemas.openxmlformats.org/drawingml/2006/main" xmlns:p="http://schemas.openxmlformats.org/presentationml/2006/main" xmlns:r="http://schemas.openxmlformats.org/officeDocument/2006/relationships">
   <p:cSld>
-    <p:bg>
-      <p:bgPr>
-        <a:solidFill>
-          <a:srgbClr val="1A1A1A"/>
-        </a:solidFill>
-        <a:effectLst/>
-      </p:bgPr>
-    </p:bg>
     <p:spTree>
       <p:nvGrpSpPr>
         <p:cNvPr id="1" name=""/>
@@ -7385,7 +7889,7 @@
         </p:nvSpPr>
         <p:spPr>
           <a:xfrm>
-            <a:off x="200025" y="380999"/>
+            <a:off x="200025" y="180975"/>
             <a:ext cx="8943975" cy="274320"/>
           </a:xfrm>
           <a:prstGeom prst="rect">
@@ -7407,7 +7911,7 @@
                 <a:spcPts val="0"/>
               </a:spcBef>
               <a:spcAft>
-                <a:spcPts val="1500"/>
+                <a:spcPts val="0"/>
               </a:spcAft>
               <a:defRPr>
                 <a:solidFill>
@@ -7432,7 +7936,7 @@
         </p:nvSpPr>
         <p:spPr>
           <a:xfrm>
-            <a:off x="200025" y="838200"/>
+            <a:off x="200025" y="628650"/>
             <a:ext cx="8943975" cy="274320"/>
           </a:xfrm>
           <a:prstGeom prst="rect">
@@ -7479,17 +7983,9 @@
 </p:sld>
 </file>
 
-<file path=ppt/slides/slide16.xml><?xml version="1.0" encoding="utf-8"?>
+<file path=ppt/slides/slide18.xml><?xml version="1.0" encoding="utf-8"?>
 <p:sld xmlns:a="http://schemas.openxmlformats.org/drawingml/2006/main" xmlns:p="http://schemas.openxmlformats.org/presentationml/2006/main" xmlns:r="http://schemas.openxmlformats.org/officeDocument/2006/relationships">
   <p:cSld>
-    <p:bg>
-      <p:bgPr>
-        <a:solidFill>
-          <a:srgbClr val="1A1A1A"/>
-        </a:solidFill>
-        <a:effectLst/>
-      </p:bgPr>
-    </p:bg>
     <p:spTree>
       <p:nvGrpSpPr>
         <p:cNvPr id="1" name=""/>
@@ -7513,7 +8009,7 @@
         </p:blipFill>
         <p:spPr>
           <a:xfrm>
-            <a:off x="200025" y="380999"/>
+            <a:off x="200025" y="180975"/>
             <a:ext cx="7029450" cy="5267324"/>
           </a:xfrm>
           <a:prstGeom prst="rect">
@@ -7529,17 +8025,9 @@
 </p:sld>
 </file>
 
-<file path=ppt/slides/slide17.xml><?xml version="1.0" encoding="utf-8"?>
+<file path=ppt/slides/slide19.xml><?xml version="1.0" encoding="utf-8"?>
 <p:sld xmlns:a="http://schemas.openxmlformats.org/drawingml/2006/main" xmlns:p="http://schemas.openxmlformats.org/presentationml/2006/main" xmlns:r="http://schemas.openxmlformats.org/officeDocument/2006/relationships">
   <p:cSld>
-    <p:bg>
-      <p:bgPr>
-        <a:solidFill>
-          <a:srgbClr val="1A1A1A"/>
-        </a:solidFill>
-        <a:effectLst/>
-      </p:bgPr>
-    </p:bg>
     <p:spTree>
       <p:nvGrpSpPr>
         <p:cNvPr id="1" name=""/>
@@ -7555,7 +8043,7 @@
         </p:nvSpPr>
         <p:spPr>
           <a:xfrm>
-            <a:off x="200025" y="380999"/>
+            <a:off x="200025" y="180975"/>
             <a:ext cx="8943975" cy="274320"/>
           </a:xfrm>
           <a:prstGeom prst="rect">
@@ -7610,7 +8098,7 @@
         </p:blipFill>
         <p:spPr>
           <a:xfrm>
-            <a:off x="200025" y="647699"/>
+            <a:off x="200025" y="352424"/>
             <a:ext cx="2867025" cy="2867025"/>
           </a:xfrm>
           <a:prstGeom prst="rect">
@@ -7626,7 +8114,7 @@
         </p:nvSpPr>
         <p:spPr>
           <a:xfrm>
-            <a:off x="200025" y="3552825"/>
+            <a:off x="200025" y="3257550"/>
             <a:ext cx="8943975" cy="274320"/>
           </a:xfrm>
           <a:prstGeom prst="rect">
@@ -7648,7 +8136,7 @@
                 <a:spcPts val="0"/>
               </a:spcBef>
               <a:spcAft>
-                <a:spcPts val="1500"/>
+                <a:spcPts val="0"/>
               </a:spcAft>
               <a:defRPr>
                 <a:solidFill>
@@ -7673,7 +8161,7 @@
         </p:nvSpPr>
         <p:spPr>
           <a:xfrm>
-            <a:off x="276225" y="4010024"/>
+            <a:off x="276225" y="3705224"/>
             <a:ext cx="8867775" cy="274320"/>
           </a:xfrm>
           <a:prstGeom prst="rect">
@@ -7695,7 +8183,7 @@
                 <a:spcPts val="0"/>
               </a:spcBef>
               <a:spcAft>
-                <a:spcPts val="900"/>
+                <a:spcPts val="0"/>
               </a:spcAft>
               <a:defRPr>
                 <a:solidFill>
@@ -7720,17 +8208,9 @@
 </p:sld>
 </file>
 
-<file path=ppt/slides/slide18.xml><?xml version="1.0" encoding="utf-8"?>
+<file path=ppt/slides/slide2.xml><?xml version="1.0" encoding="utf-8"?>
 <p:sld xmlns:a="http://schemas.openxmlformats.org/drawingml/2006/main" xmlns:p="http://schemas.openxmlformats.org/presentationml/2006/main" xmlns:r="http://schemas.openxmlformats.org/officeDocument/2006/relationships">
   <p:cSld>
-    <p:bg>
-      <p:bgPr>
-        <a:solidFill>
-          <a:srgbClr val="1A1A1A"/>
-        </a:solidFill>
-        <a:effectLst/>
-      </p:bgPr>
-    </p:bg>
     <p:spTree>
       <p:nvGrpSpPr>
         <p:cNvPr id="1" name=""/>
@@ -7746,8 +8226,8 @@
         </p:nvSpPr>
         <p:spPr>
           <a:xfrm>
-            <a:off x="276225" y="647699"/>
-            <a:ext cx="4067174" cy="1485900"/>
+            <a:off x="200025" y="180975"/>
+            <a:ext cx="8943975" cy="274320"/>
           </a:xfrm>
           <a:prstGeom prst="rect">
             <a:avLst/>
@@ -7760,6 +8240,953 @@
           </a:bodyPr>
           <a:lstStyle/>
           <a:p>
+            <a:pPr algn="l">
+              <a:lnSpc>
+                <a:spcPct val="140000"/>
+              </a:lnSpc>
+              <a:spcBef>
+                <a:spcPts val="0"/>
+              </a:spcBef>
+              <a:spcAft>
+                <a:spcPts val="0"/>
+              </a:spcAft>
+              <a:defRPr>
+                <a:solidFill>
+                  <a:srgbClr val="E0E0E0"/>
+                </a:solidFill>
+              </a:defRPr>
+            </a:pPr>
+            <a:r>
+              <a:rPr sz="1200" b="1">
+                <a:latin typeface="Arial"/>
+              </a:rPr>
+              <a:t>✨ Inline Styling Features</a:t>
+            </a:r>
+          </a:p>
+        </p:txBody>
+      </p:sp>
+      <p:sp>
+        <p:nvSpPr>
+          <p:cNvPr id="3" name="TextBox 2"/>
+          <p:cNvSpPr txBox="1"/>
+          <p:nvPr/>
+        </p:nvSpPr>
+        <p:spPr>
+          <a:xfrm>
+            <a:off x="200025" y="619124"/>
+            <a:ext cx="8943975" cy="274320"/>
+          </a:xfrm>
+          <a:prstGeom prst="rect">
+            <a:avLst/>
+          </a:prstGeom>
+          <a:noFill/>
+        </p:spPr>
+        <p:txBody>
+          <a:bodyPr wrap="square" lIns="0" rIns="0" tIns="0" bIns="0">
+            <a:spAutoFit/>
+          </a:bodyPr>
+          <a:lstStyle/>
+          <a:p>
+            <a:pPr algn="l">
+              <a:lnSpc>
+                <a:spcPct val="140000"/>
+              </a:lnSpc>
+              <a:spcBef>
+                <a:spcPts val="0"/>
+              </a:spcBef>
+              <a:spcAft>
+                <a:spcPts val="0"/>
+              </a:spcAft>
+              <a:defRPr>
+                <a:solidFill>
+                  <a:srgbClr val="E0E0E0"/>
+                </a:solidFill>
+              </a:defRPr>
+            </a:pPr>
+            <a:r>
+              <a:rPr sz="1000" b="1">
+                <a:latin typeface="Arial"/>
+              </a:rPr>
+              <a:t>Basic Formatting</a:t>
+            </a:r>
+          </a:p>
+        </p:txBody>
+      </p:sp>
+      <p:sp>
+        <p:nvSpPr>
+          <p:cNvPr id="4" name="TextBox 3"/>
+          <p:cNvSpPr txBox="1"/>
+          <p:nvPr/>
+        </p:nvSpPr>
+        <p:spPr>
+          <a:xfrm>
+            <a:off x="200025" y="971550"/>
+            <a:ext cx="8943975" cy="274320"/>
+          </a:xfrm>
+          <a:prstGeom prst="rect">
+            <a:avLst/>
+          </a:prstGeom>
+          <a:noFill/>
+        </p:spPr>
+        <p:txBody>
+          <a:bodyPr wrap="square" lIns="0" rIns="0" tIns="0" bIns="0">
+            <a:spAutoFit/>
+          </a:bodyPr>
+          <a:lstStyle/>
+          <a:p>
+            <a:pPr algn="l">
+              <a:lnSpc>
+                <a:spcPct val="140000"/>
+              </a:lnSpc>
+              <a:spcBef>
+                <a:spcPts val="0"/>
+              </a:spcBef>
+              <a:spcAft>
+                <a:spcPts val="0"/>
+              </a:spcAft>
+              <a:defRPr>
+                <a:solidFill>
+                  <a:srgbClr val="E0E0E0"/>
+                </a:solidFill>
+              </a:defRPr>
+            </a:pPr>
+            <a:r>
+              <a:rPr b="1" sz="1000">
+                <a:latin typeface="Arial"/>
+              </a:rPr>
+              <a:t>Bold text</a:t>
+            </a:r>
+            <a:r>
+              <a:rPr sz="1000">
+                <a:latin typeface="Arial"/>
+              </a:rPr>
+              <a:t> using double asterisks or </a:t>
+            </a:r>
+            <a:r>
+              <a:rPr b="1" sz="1000">
+                <a:latin typeface="Arial"/>
+              </a:rPr>
+              <a:t>double underscores</a:t>
+            </a:r>
+            <a:r>
+              <a:rPr sz="1000">
+                <a:latin typeface="Arial"/>
+              </a:rPr>
+              <a:t>.</a:t>
+            </a:r>
+          </a:p>
+        </p:txBody>
+      </p:sp>
+      <p:sp>
+        <p:nvSpPr>
+          <p:cNvPr id="5" name="TextBox 4"/>
+          <p:cNvSpPr txBox="1"/>
+          <p:nvPr/>
+        </p:nvSpPr>
+        <p:spPr>
+          <a:xfrm>
+            <a:off x="200025" y="1238249"/>
+            <a:ext cx="8943975" cy="274320"/>
+          </a:xfrm>
+          <a:prstGeom prst="rect">
+            <a:avLst/>
+          </a:prstGeom>
+          <a:noFill/>
+        </p:spPr>
+        <p:txBody>
+          <a:bodyPr wrap="square" lIns="0" rIns="0" tIns="0" bIns="0">
+            <a:spAutoFit/>
+          </a:bodyPr>
+          <a:lstStyle/>
+          <a:p>
+            <a:pPr algn="l">
+              <a:lnSpc>
+                <a:spcPct val="140000"/>
+              </a:lnSpc>
+              <a:spcBef>
+                <a:spcPts val="0"/>
+              </a:spcBef>
+              <a:spcAft>
+                <a:spcPts val="0"/>
+              </a:spcAft>
+              <a:defRPr>
+                <a:solidFill>
+                  <a:srgbClr val="E0E0E0"/>
+                </a:solidFill>
+              </a:defRPr>
+            </a:pPr>
+            <a:r>
+              <a:rPr i="1" sz="1000">
+                <a:latin typeface="Arial"/>
+              </a:rPr>
+              <a:t>Italic text</a:t>
+            </a:r>
+            <a:r>
+              <a:rPr sz="1000">
+                <a:latin typeface="Arial"/>
+              </a:rPr>
+              <a:t> using single asterisks or </a:t>
+            </a:r>
+            <a:r>
+              <a:rPr i="1" sz="1000">
+                <a:latin typeface="Arial"/>
+              </a:rPr>
+              <a:t>single underscores</a:t>
+            </a:r>
+            <a:r>
+              <a:rPr sz="1000">
+                <a:latin typeface="Arial"/>
+              </a:rPr>
+              <a:t>.</a:t>
+            </a:r>
+          </a:p>
+        </p:txBody>
+      </p:sp>
+      <p:sp>
+        <p:nvSpPr>
+          <p:cNvPr id="6" name="TextBox 5"/>
+          <p:cNvSpPr txBox="1"/>
+          <p:nvPr/>
+        </p:nvSpPr>
+        <p:spPr>
+          <a:xfrm>
+            <a:off x="200025" y="1504950"/>
+            <a:ext cx="8943975" cy="274320"/>
+          </a:xfrm>
+          <a:prstGeom prst="rect">
+            <a:avLst/>
+          </a:prstGeom>
+          <a:noFill/>
+        </p:spPr>
+        <p:txBody>
+          <a:bodyPr wrap="square" lIns="0" rIns="0" tIns="0" bIns="0">
+            <a:spAutoFit/>
+          </a:bodyPr>
+          <a:lstStyle/>
+          <a:p>
+            <a:pPr algn="l">
+              <a:lnSpc>
+                <a:spcPct val="140000"/>
+              </a:lnSpc>
+              <a:spcBef>
+                <a:spcPts val="0"/>
+              </a:spcBef>
+              <a:spcAft>
+                <a:spcPts val="0"/>
+              </a:spcAft>
+              <a:defRPr>
+                <a:solidFill>
+                  <a:srgbClr val="E0E0E0"/>
+                </a:solidFill>
+              </a:defRPr>
+            </a:pPr>
+            <a:r>
+              <a:rPr sz="800">
+                <a:solidFill>
+                  <a:srgbClr val="FFFFFF"/>
+                </a:solidFill>
+                <a:latin typeface="Courier New"/>
+              </a:rPr>
+              <a:t>Inline code</a:t>
+            </a:r>
+            <a:r>
+              <a:rPr sz="1000">
+                <a:latin typeface="Arial"/>
+              </a:rPr>
+              <a:t> using backticks for technical terms like </a:t>
+            </a:r>
+            <a:r>
+              <a:rPr sz="800">
+                <a:solidFill>
+                  <a:srgbClr val="FFFFFF"/>
+                </a:solidFill>
+                <a:latin typeface="Courier New"/>
+              </a:rPr>
+              <a:t>SlideGenerator.generate()</a:t>
+            </a:r>
+            <a:r>
+              <a:rPr sz="1000">
+                <a:latin typeface="Arial"/>
+              </a:rPr>
+              <a:t>.</a:t>
+            </a:r>
+          </a:p>
+        </p:txBody>
+      </p:sp>
+      <p:sp>
+        <p:nvSpPr>
+          <p:cNvPr id="7" name="TextBox 6"/>
+          <p:cNvSpPr txBox="1"/>
+          <p:nvPr/>
+        </p:nvSpPr>
+        <p:spPr>
+          <a:xfrm>
+            <a:off x="200025" y="1828800"/>
+            <a:ext cx="8943975" cy="274320"/>
+          </a:xfrm>
+          <a:prstGeom prst="rect">
+            <a:avLst/>
+          </a:prstGeom>
+          <a:noFill/>
+        </p:spPr>
+        <p:txBody>
+          <a:bodyPr wrap="square" lIns="0" rIns="0" tIns="0" bIns="0">
+            <a:spAutoFit/>
+          </a:bodyPr>
+          <a:lstStyle/>
+          <a:p>
+            <a:pPr algn="l">
+              <a:lnSpc>
+                <a:spcPct val="140000"/>
+              </a:lnSpc>
+              <a:spcBef>
+                <a:spcPts val="0"/>
+              </a:spcBef>
+              <a:spcAft>
+                <a:spcPts val="0"/>
+              </a:spcAft>
+              <a:defRPr>
+                <a:solidFill>
+                  <a:srgbClr val="E0E0E0"/>
+                </a:solidFill>
+              </a:defRPr>
+            </a:pPr>
+            <a:r>
+              <a:rPr b="1" sz="1000">
+                <a:solidFill>
+                  <a:srgbClr val="FF8C00"/>
+                </a:solidFill>
+                <a:latin typeface="Arial"/>
+              </a:rPr>
+              <a:t>Highlighted text</a:t>
+            </a:r>
+            <a:r>
+              <a:rPr sz="1000">
+                <a:latin typeface="Arial"/>
+              </a:rPr>
+              <a:t> using double equals for </a:t>
+            </a:r>
+            <a:r>
+              <a:rPr b="1" sz="1000">
+                <a:solidFill>
+                  <a:srgbClr val="FF8C00"/>
+                </a:solidFill>
+                <a:latin typeface="Arial"/>
+              </a:rPr>
+              <a:t>important information</a:t>
+            </a:r>
+            <a:r>
+              <a:rPr sz="1000">
+                <a:latin typeface="Arial"/>
+              </a:rPr>
+              <a:t>.</a:t>
+            </a:r>
+          </a:p>
+        </p:txBody>
+      </p:sp>
+      <p:sp>
+        <p:nvSpPr>
+          <p:cNvPr id="8" name="TextBox 7"/>
+          <p:cNvSpPr txBox="1"/>
+          <p:nvPr/>
+        </p:nvSpPr>
+        <p:spPr>
+          <a:xfrm>
+            <a:off x="200025" y="2095499"/>
+            <a:ext cx="8943975" cy="274320"/>
+          </a:xfrm>
+          <a:prstGeom prst="rect">
+            <a:avLst/>
+          </a:prstGeom>
+          <a:noFill/>
+        </p:spPr>
+        <p:txBody>
+          <a:bodyPr wrap="square" lIns="0" rIns="0" tIns="0" bIns="0">
+            <a:spAutoFit/>
+          </a:bodyPr>
+          <a:lstStyle/>
+          <a:p>
+            <a:pPr algn="l">
+              <a:lnSpc>
+                <a:spcPct val="140000"/>
+              </a:lnSpc>
+              <a:spcBef>
+                <a:spcPts val="0"/>
+              </a:spcBef>
+              <a:spcAft>
+                <a:spcPts val="0"/>
+              </a:spcAft>
+              <a:defRPr>
+                <a:solidFill>
+                  <a:srgbClr val="E0E0E0"/>
+                </a:solidFill>
+              </a:defRPr>
+            </a:pPr>
+            <a:r>
+              <a:rPr u="sng" sz="1000">
+                <a:latin typeface="Arial"/>
+              </a:rPr>
+              <a:t>Underlined text</a:t>
+            </a:r>
+            <a:r>
+              <a:rPr sz="1000">
+                <a:latin typeface="Arial"/>
+              </a:rPr>
+              <a:t> using double plus signs for </a:t>
+            </a:r>
+            <a:r>
+              <a:rPr u="sng" sz="1000">
+                <a:latin typeface="Arial"/>
+              </a:rPr>
+              <a:t>emphasis or citations</a:t>
+            </a:r>
+            <a:r>
+              <a:rPr sz="1000">
+                <a:latin typeface="Arial"/>
+              </a:rPr>
+              <a:t>.</a:t>
+            </a:r>
+          </a:p>
+        </p:txBody>
+      </p:sp>
+      <p:sp>
+        <p:nvSpPr>
+          <p:cNvPr id="9" name="TextBox 8"/>
+          <p:cNvSpPr txBox="1"/>
+          <p:nvPr/>
+        </p:nvSpPr>
+        <p:spPr>
+          <a:xfrm>
+            <a:off x="200025" y="2266950"/>
+            <a:ext cx="8943975" cy="274320"/>
+          </a:xfrm>
+          <a:prstGeom prst="rect">
+            <a:avLst/>
+          </a:prstGeom>
+          <a:noFill/>
+        </p:spPr>
+        <p:txBody>
+          <a:bodyPr wrap="square" lIns="0" rIns="0" tIns="0" bIns="0">
+            <a:spAutoFit/>
+          </a:bodyPr>
+          <a:lstStyle/>
+          <a:p>
+            <a:pPr algn="l">
+              <a:lnSpc>
+                <a:spcPct val="140000"/>
+              </a:lnSpc>
+              <a:spcBef>
+                <a:spcPts val="0"/>
+              </a:spcBef>
+              <a:spcAft>
+                <a:spcPts val="0"/>
+              </a:spcAft>
+              <a:defRPr>
+                <a:solidFill>
+                  <a:srgbClr val="E0E0E0"/>
+                </a:solidFill>
+              </a:defRPr>
+            </a:pPr>
+            <a:r>
+              <a:rPr sz="1000" b="1">
+                <a:latin typeface="Arial"/>
+              </a:rPr>
+              <a:t>Advanced Combinations</a:t>
+            </a:r>
+          </a:p>
+        </p:txBody>
+      </p:sp>
+      <p:sp>
+        <p:nvSpPr>
+          <p:cNvPr id="10" name="TextBox 9"/>
+          <p:cNvSpPr txBox="1"/>
+          <p:nvPr/>
+        </p:nvSpPr>
+        <p:spPr>
+          <a:xfrm>
+            <a:off x="200025" y="2619374"/>
+            <a:ext cx="8943975" cy="752475"/>
+          </a:xfrm>
+          <a:prstGeom prst="rect">
+            <a:avLst/>
+          </a:prstGeom>
+          <a:noFill/>
+        </p:spPr>
+        <p:txBody>
+          <a:bodyPr wrap="square" lIns="0" rIns="0" tIns="0" bIns="0">
+            <a:spAutoFit/>
+          </a:bodyPr>
+          <a:lstStyle/>
+          <a:p>
+            <a:pPr algn="l">
+              <a:spcBef>
+                <a:spcPts val="0"/>
+              </a:spcBef>
+              <a:spcAft>
+                <a:spcPts val="0"/>
+              </a:spcAft>
+              <a:defRPr>
+                <a:solidFill>
+                  <a:srgbClr val="E0E0E0"/>
+                </a:solidFill>
+              </a:defRPr>
+            </a:pPr>
+            <a:r>
+              <a:rPr sz="1000"/>
+              <a:t>• </a:t>
+            </a:r>
+            <a:r>
+              <a:rPr b="1" sz="1000">
+                <a:latin typeface="Arial"/>
+              </a:rPr>
+              <a:t>Bold with </a:t>
+            </a:r>
+            <a:r>
+              <a:rPr b="1" i="1" sz="1000">
+                <a:latin typeface="Arial"/>
+              </a:rPr>
+              <a:t>italic inside</a:t>
+            </a:r>
+            <a:r>
+              <a:rPr b="1" sz="1000">
+                <a:latin typeface="Arial"/>
+              </a:rPr>
+              <a:t> for emphasis</a:t>
+            </a:r>
+          </a:p>
+          <a:p>
+            <a:pPr algn="l">
+              <a:defRPr>
+                <a:solidFill>
+                  <a:srgbClr val="E0E0E0"/>
+                </a:solidFill>
+              </a:defRPr>
+            </a:pPr>
+            <a:r>
+              <a:rPr sz="1000"/>
+              <a:t>• </a:t>
+            </a:r>
+            <a:r>
+              <a:rPr i="1" sz="1000">
+                <a:latin typeface="Arial"/>
+              </a:rPr>
+              <a:t>Italic with </a:t>
+            </a:r>
+            <a:r>
+              <a:rPr i="1" b="1" sz="1000">
+                <a:latin typeface="Arial"/>
+              </a:rPr>
+              <a:t>bold inside</a:t>
+            </a:r>
+            <a:r>
+              <a:rPr i="1" sz="1000">
+                <a:latin typeface="Arial"/>
+              </a:rPr>
+              <a:t> for variety</a:t>
+            </a:r>
+          </a:p>
+          <a:p>
+            <a:pPr algn="l">
+              <a:defRPr>
+                <a:solidFill>
+                  <a:srgbClr val="E0E0E0"/>
+                </a:solidFill>
+              </a:defRPr>
+            </a:pPr>
+            <a:r>
+              <a:rPr sz="1000"/>
+              <a:t>• </a:t>
+            </a:r>
+            <a:r>
+              <a:rPr b="1" sz="1000">
+                <a:solidFill>
+                  <a:srgbClr val="FF8C00"/>
+                </a:solidFill>
+                <a:latin typeface="Arial"/>
+              </a:rPr>
+              <a:t>Highlighted with </a:t>
+            </a:r>
+            <a:r>
+              <a:rPr b="1" sz="1000">
+                <a:solidFill>
+                  <a:srgbClr val="FF8C00"/>
+                </a:solidFill>
+                <a:latin typeface="Arial"/>
+              </a:rPr>
+              <a:t>bold inside</a:t>
+            </a:r>
+            <a:r>
+              <a:rPr b="1" sz="1000">
+                <a:solidFill>
+                  <a:srgbClr val="FF8C00"/>
+                </a:solidFill>
+                <a:latin typeface="Arial"/>
+              </a:rPr>
+              <a:t> for attention</a:t>
+            </a:r>
+          </a:p>
+          <a:p>
+            <a:pPr algn="l">
+              <a:defRPr>
+                <a:solidFill>
+                  <a:srgbClr val="E0E0E0"/>
+                </a:solidFill>
+              </a:defRPr>
+            </a:pPr>
+            <a:r>
+              <a:rPr sz="1000"/>
+              <a:t>• </a:t>
+            </a:r>
+            <a:r>
+              <a:rPr sz="1000">
+                <a:latin typeface="Arial"/>
+              </a:rPr>
+              <a:t>Underlined with </a:t>
+            </a:r>
+            <a:r>
+              <a:rPr b="1" sz="1000">
+                <a:latin typeface="Arial"/>
+              </a:rPr>
+              <a:t>bold inside</a:t>
+            </a:r>
+            <a:r>
+              <a:rPr sz="1000">
+                <a:latin typeface="Arial"/>
+              </a:rPr>
+              <a:t> for citations</a:t>
+            </a:r>
+          </a:p>
+          <a:p>
+            <a:pPr algn="l">
+              <a:defRPr>
+                <a:solidFill>
+                  <a:srgbClr val="E0E0E0"/>
+                </a:solidFill>
+              </a:defRPr>
+            </a:pPr>
+            <a:r>
+              <a:rPr sz="1000"/>
+              <a:t>• </a:t>
+            </a:r>
+            <a:r>
+              <a:rPr sz="800">
+                <a:solidFill>
+                  <a:srgbClr val="FFFFFF"/>
+                </a:solidFill>
+                <a:latin typeface="Courier New"/>
+              </a:rPr>
+              <a:t>Code with formatting</a:t>
+            </a:r>
+            <a:r>
+              <a:rPr sz="1000">
+                <a:latin typeface="Arial"/>
+              </a:rPr>
+              <a:t> (note: formatting preserved where possible)</a:t>
+            </a:r>
+          </a:p>
+        </p:txBody>
+      </p:sp>
+      <p:sp>
+        <p:nvSpPr>
+          <p:cNvPr id="11" name="TextBox 10"/>
+          <p:cNvSpPr txBox="1"/>
+          <p:nvPr/>
+        </p:nvSpPr>
+        <p:spPr>
+          <a:xfrm>
+            <a:off x="200025" y="3371850"/>
+            <a:ext cx="8943975" cy="274320"/>
+          </a:xfrm>
+          <a:prstGeom prst="rect">
+            <a:avLst/>
+          </a:prstGeom>
+          <a:noFill/>
+        </p:spPr>
+        <p:txBody>
+          <a:bodyPr wrap="square" lIns="0" rIns="0" tIns="0" bIns="0">
+            <a:spAutoFit/>
+          </a:bodyPr>
+          <a:lstStyle/>
+          <a:p>
+            <a:pPr algn="l">
+              <a:lnSpc>
+                <a:spcPct val="140000"/>
+              </a:lnSpc>
+              <a:spcBef>
+                <a:spcPts val="0"/>
+              </a:spcBef>
+              <a:spcAft>
+                <a:spcPts val="0"/>
+              </a:spcAft>
+              <a:defRPr>
+                <a:solidFill>
+                  <a:srgbClr val="E0E0E0"/>
+                </a:solidFill>
+              </a:defRPr>
+            </a:pPr>
+            <a:r>
+              <a:rPr sz="1000" b="1">
+                <a:latin typeface="Arial"/>
+              </a:rPr>
+              <a:t>Real-World Examples</a:t>
+            </a:r>
+          </a:p>
+        </p:txBody>
+      </p:sp>
+      <p:sp>
+        <p:nvSpPr>
+          <p:cNvPr id="12" name="TextBox 11"/>
+          <p:cNvSpPr txBox="1"/>
+          <p:nvPr/>
+        </p:nvSpPr>
+        <p:spPr>
+          <a:xfrm>
+            <a:off x="200025" y="3733799"/>
+            <a:ext cx="8943975" cy="274320"/>
+          </a:xfrm>
+          <a:prstGeom prst="rect">
+            <a:avLst/>
+          </a:prstGeom>
+          <a:noFill/>
+        </p:spPr>
+        <p:txBody>
+          <a:bodyPr wrap="square" lIns="0" rIns="0" tIns="0" bIns="0">
+            <a:spAutoFit/>
+          </a:bodyPr>
+          <a:lstStyle/>
+          <a:p>
+            <a:pPr algn="l">
+              <a:lnSpc>
+                <a:spcPct val="140000"/>
+              </a:lnSpc>
+              <a:spcBef>
+                <a:spcPts val="0"/>
+              </a:spcBef>
+              <a:spcAft>
+                <a:spcPts val="0"/>
+              </a:spcAft>
+              <a:defRPr>
+                <a:solidFill>
+                  <a:srgbClr val="E0E0E0"/>
+                </a:solidFill>
+              </a:defRPr>
+            </a:pPr>
+            <a:r>
+              <a:rPr sz="1000">
+                <a:latin typeface="Arial"/>
+              </a:rPr>
+              <a:t>The </a:t>
+            </a:r>
+            <a:r>
+              <a:rPr sz="800">
+                <a:solidFill>
+                  <a:srgbClr val="FFFFFF"/>
+                </a:solidFill>
+                <a:latin typeface="Courier New"/>
+              </a:rPr>
+              <a:t>SlideGenerator</a:t>
+            </a:r>
+            <a:r>
+              <a:rPr sz="1000">
+                <a:latin typeface="Arial"/>
+              </a:rPr>
+              <a:t> class provides a </a:t>
+            </a:r>
+            <a:r>
+              <a:rPr b="1" sz="1000">
+                <a:latin typeface="Arial"/>
+              </a:rPr>
+              <a:t>powerful API</a:t>
+            </a:r>
+            <a:r>
+              <a:rPr sz="1000">
+                <a:latin typeface="Arial"/>
+              </a:rPr>
+              <a:t> for converting </a:t>
+            </a:r>
+            <a:r>
+              <a:rPr i="1" sz="1000">
+                <a:latin typeface="Arial"/>
+              </a:rPr>
+              <a:t>markdown</a:t>
+            </a:r>
+            <a:r>
+              <a:rPr sz="1000">
+                <a:latin typeface="Arial"/>
+              </a:rPr>
+              <a:t> to </a:t>
+            </a:r>
+            <a:r>
+              <a:rPr b="1" sz="1000">
+                <a:solidFill>
+                  <a:srgbClr val="FF8C00"/>
+                </a:solidFill>
+                <a:latin typeface="Arial"/>
+              </a:rPr>
+              <a:t>professional presentations</a:t>
+            </a:r>
+            <a:r>
+              <a:rPr sz="1000">
+                <a:latin typeface="Arial"/>
+              </a:rPr>
+              <a:t> with </a:t>
+            </a:r>
+            <a:r>
+              <a:rPr u="sng" sz="1000">
+                <a:latin typeface="Arial"/>
+              </a:rPr>
+              <a:t>full formatting support</a:t>
+            </a:r>
+            <a:r>
+              <a:rPr sz="1000">
+                <a:latin typeface="Arial"/>
+              </a:rPr>
+              <a:t>.</a:t>
+            </a:r>
+          </a:p>
+        </p:txBody>
+      </p:sp>
+      <p:sp>
+        <p:nvSpPr>
+          <p:cNvPr id="13" name="TextBox 12"/>
+          <p:cNvSpPr txBox="1"/>
+          <p:nvPr/>
+        </p:nvSpPr>
+        <p:spPr>
+          <a:xfrm>
+            <a:off x="200025" y="4048124"/>
+            <a:ext cx="8943975" cy="274320"/>
+          </a:xfrm>
+          <a:prstGeom prst="rect">
+            <a:avLst/>
+          </a:prstGeom>
+          <a:noFill/>
+        </p:spPr>
+        <p:txBody>
+          <a:bodyPr wrap="square" lIns="0" rIns="0" tIns="0" bIns="0">
+            <a:spAutoFit/>
+          </a:bodyPr>
+          <a:lstStyle/>
+          <a:p>
+            <a:pPr algn="l">
+              <a:lnSpc>
+                <a:spcPct val="140000"/>
+              </a:lnSpc>
+              <a:spcBef>
+                <a:spcPts val="0"/>
+              </a:spcBef>
+              <a:spcAft>
+                <a:spcPts val="0"/>
+              </a:spcAft>
+              <a:defRPr>
+                <a:solidFill>
+                  <a:srgbClr val="E0E0E0"/>
+                </a:solidFill>
+              </a:defRPr>
+            </a:pPr>
+            <a:r>
+              <a:rPr sz="1000">
+                <a:latin typeface="Arial"/>
+              </a:rPr>
+              <a:t>Call </a:t>
+            </a:r>
+            <a:r>
+              <a:rPr sz="800">
+                <a:solidFill>
+                  <a:srgbClr val="FFFFFF"/>
+                </a:solidFill>
+                <a:latin typeface="Courier New"/>
+              </a:rPr>
+              <a:t>generator.generate(markdown, "output.pptx")</a:t>
+            </a:r>
+            <a:r>
+              <a:rPr sz="1000">
+                <a:latin typeface="Arial"/>
+              </a:rPr>
+              <a:t> where </a:t>
+            </a:r>
+            <a:r>
+              <a:rPr b="1" sz="1000">
+                <a:latin typeface="Arial"/>
+              </a:rPr>
+              <a:t>markdown</a:t>
+            </a:r>
+            <a:r>
+              <a:rPr sz="1000">
+                <a:latin typeface="Arial"/>
+              </a:rPr>
+              <a:t> is your source and </a:t>
+            </a:r>
+            <a:r>
+              <a:rPr b="1" sz="1000">
+                <a:solidFill>
+                  <a:srgbClr val="FF8C00"/>
+                </a:solidFill>
+                <a:latin typeface="Arial"/>
+              </a:rPr>
+              <a:t>output.pptx</a:t>
+            </a:r>
+            <a:r>
+              <a:rPr sz="1000">
+                <a:latin typeface="Arial"/>
+              </a:rPr>
+              <a:t> is the </a:t>
+            </a:r>
+            <a:r>
+              <a:rPr u="sng" sz="1000">
+                <a:latin typeface="Arial"/>
+              </a:rPr>
+              <a:t>final result</a:t>
+            </a:r>
+            <a:r>
+              <a:rPr sz="1000">
+                <a:latin typeface="Arial"/>
+              </a:rPr>
+              <a:t>.</a:t>
+            </a:r>
+          </a:p>
+        </p:txBody>
+      </p:sp>
+    </p:spTree>
+  </p:cSld>
+  <p:clrMapOvr>
+    <a:masterClrMapping/>
+  </p:clrMapOvr>
+</p:sld>
+</file>
+
+<file path=ppt/slides/slide20.xml><?xml version="1.0" encoding="utf-8"?>
+<p:sld xmlns:a="http://schemas.openxmlformats.org/drawingml/2006/main" xmlns:p="http://schemas.openxmlformats.org/presentationml/2006/main" xmlns:r="http://schemas.openxmlformats.org/officeDocument/2006/relationships">
+  <p:cSld>
+    <p:spTree>
+      <p:nvGrpSpPr>
+        <p:cNvPr id="1" name=""/>
+        <p:cNvGrpSpPr/>
+        <p:nvPr/>
+      </p:nvGrpSpPr>
+      <p:grpSpPr/>
+      <p:sp>
+        <p:nvSpPr>
+          <p:cNvPr id="2" name="TextBox 1"/>
+          <p:cNvSpPr txBox="1"/>
+          <p:nvPr/>
+        </p:nvSpPr>
+        <p:spPr>
+          <a:xfrm>
+            <a:off x="276225" y="438149"/>
+            <a:ext cx="4067174" cy="1876424"/>
+          </a:xfrm>
+          <a:prstGeom prst="rect">
+            <a:avLst/>
+          </a:prstGeom>
+          <a:noFill/>
+        </p:spPr>
+        <p:txBody>
+          <a:bodyPr wrap="square" lIns="0" rIns="0" tIns="0" bIns="0">
+            <a:spAutoFit/>
+          </a:bodyPr>
+          <a:lstStyle/>
+          <a:p>
             <a:pPr>
               <a:spcBef>
                 <a:spcPts val="0"/>
@@ -7780,8 +9207,8 @@
           <p:nvPr/>
         </p:nvGraphicFramePr>
         <p:xfrm>
-          <a:off x="276225" y="647699"/>
-          <a:ext cx="4057648" cy="1428750"/>
+          <a:off x="276225" y="438149"/>
+          <a:ext cx="4057649" cy="1819275"/>
         </p:xfrm>
         <a:graphic>
           <a:graphicData uri="http://schemas.openxmlformats.org/drawingml/2006/table">
@@ -7790,11 +9217,11 @@
                 <a:tableStyleId>{5C22544A-7EE6-4342-B048-85BDC9FD1C3A}</a:tableStyleId>
               </a:tblPr>
               <a:tblGrid>
-                <a:gridCol w="1726927"/>
-                <a:gridCol w="1033908"/>
-                <a:gridCol w="1296813"/>
+                <a:gridCol w="1769194"/>
+                <a:gridCol w="997892"/>
+                <a:gridCol w="1290563"/>
               </a:tblGrid>
-              <a:tr h="285750">
+              <a:tr h="363855">
                 <a:tc>
                   <a:txBody>
                     <a:bodyPr lIns="76200" rIns="76200" tIns="76200" bIns="76200"/>
@@ -7820,25 +9247,25 @@
                     <a:noFill/>
                     <a:lnL w="12700">
                       <a:solidFill>
-                        <a:srgbClr val="666"/>
+                        <a:srgbClr val="ffffff"/>
                       </a:solidFill>
                       <a:prstDash val="solid"/>
                     </a:lnL>
                     <a:lnR w="12700">
                       <a:solidFill>
-                        <a:srgbClr val="666"/>
+                        <a:srgbClr val="ffffff"/>
                       </a:solidFill>
                       <a:prstDash val="solid"/>
                     </a:lnR>
                     <a:lnT w="12700">
                       <a:solidFill>
-                        <a:srgbClr val="666"/>
+                        <a:srgbClr val="ffffff"/>
                       </a:solidFill>
                       <a:prstDash val="solid"/>
                     </a:lnT>
                     <a:lnB w="12700">
                       <a:solidFill>
-                        <a:srgbClr val="666"/>
+                        <a:srgbClr val="ffffff"/>
                       </a:solidFill>
                       <a:prstDash val="solid"/>
                     </a:lnB>
@@ -7869,25 +9296,25 @@
                     <a:noFill/>
                     <a:lnL w="12700">
                       <a:solidFill>
-                        <a:srgbClr val="666"/>
+                        <a:srgbClr val="ffffff"/>
                       </a:solidFill>
                       <a:prstDash val="solid"/>
                     </a:lnL>
                     <a:lnR w="12700">
                       <a:solidFill>
-                        <a:srgbClr val="666"/>
+                        <a:srgbClr val="ffffff"/>
                       </a:solidFill>
                       <a:prstDash val="solid"/>
                     </a:lnR>
                     <a:lnT w="12700">
                       <a:solidFill>
-                        <a:srgbClr val="666"/>
+                        <a:srgbClr val="ffffff"/>
                       </a:solidFill>
                       <a:prstDash val="solid"/>
                     </a:lnT>
                     <a:lnB w="12700">
                       <a:solidFill>
-                        <a:srgbClr val="666"/>
+                        <a:srgbClr val="ffffff"/>
                       </a:solidFill>
                       <a:prstDash val="solid"/>
                     </a:lnB>
@@ -7918,32 +9345,32 @@
                     <a:noFill/>
                     <a:lnL w="12700">
                       <a:solidFill>
-                        <a:srgbClr val="666"/>
+                        <a:srgbClr val="ffffff"/>
                       </a:solidFill>
                       <a:prstDash val="solid"/>
                     </a:lnL>
                     <a:lnR w="12700">
                       <a:solidFill>
-                        <a:srgbClr val="666"/>
+                        <a:srgbClr val="ffffff"/>
                       </a:solidFill>
                       <a:prstDash val="solid"/>
                     </a:lnR>
                     <a:lnT w="12700">
                       <a:solidFill>
-                        <a:srgbClr val="666"/>
+                        <a:srgbClr val="ffffff"/>
                       </a:solidFill>
                       <a:prstDash val="solid"/>
                     </a:lnT>
                     <a:lnB w="12700">
                       <a:solidFill>
-                        <a:srgbClr val="666"/>
+                        <a:srgbClr val="ffffff"/>
                       </a:solidFill>
                       <a:prstDash val="solid"/>
                     </a:lnB>
                   </a:tcPr>
                 </a:tc>
               </a:tr>
-              <a:tr h="285750">
+              <a:tr h="363855">
                 <a:tc>
                   <a:txBody>
                     <a:bodyPr lIns="76200" rIns="76200" tIns="76200" bIns="76200"/>
@@ -7969,25 +9396,25 @@
                     <a:noFill/>
                     <a:lnL w="12700">
                       <a:solidFill>
-                        <a:srgbClr val="666"/>
+                        <a:srgbClr val="ffffff"/>
                       </a:solidFill>
                       <a:prstDash val="solid"/>
                     </a:lnL>
                     <a:lnR w="12700">
                       <a:solidFill>
-                        <a:srgbClr val="666"/>
+                        <a:srgbClr val="ffffff"/>
                       </a:solidFill>
                       <a:prstDash val="solid"/>
                     </a:lnR>
                     <a:lnT w="12700">
                       <a:solidFill>
-                        <a:srgbClr val="666"/>
+                        <a:srgbClr val="ffffff"/>
                       </a:solidFill>
                       <a:prstDash val="solid"/>
                     </a:lnT>
                     <a:lnB w="12700">
                       <a:solidFill>
-                        <a:srgbClr val="666"/>
+                        <a:srgbClr val="ffffff"/>
                       </a:solidFill>
                       <a:prstDash val="solid"/>
                     </a:lnB>
@@ -8018,25 +9445,25 @@
                     <a:noFill/>
                     <a:lnL w="12700">
                       <a:solidFill>
-                        <a:srgbClr val="666"/>
+                        <a:srgbClr val="ffffff"/>
                       </a:solidFill>
                       <a:prstDash val="solid"/>
                     </a:lnL>
                     <a:lnR w="12700">
                       <a:solidFill>
-                        <a:srgbClr val="666"/>
+                        <a:srgbClr val="ffffff"/>
                       </a:solidFill>
                       <a:prstDash val="solid"/>
                     </a:lnR>
                     <a:lnT w="12700">
                       <a:solidFill>
-                        <a:srgbClr val="666"/>
+                        <a:srgbClr val="ffffff"/>
                       </a:solidFill>
                       <a:prstDash val="solid"/>
                     </a:lnT>
                     <a:lnB w="12700">
                       <a:solidFill>
-                        <a:srgbClr val="666"/>
+                        <a:srgbClr val="ffffff"/>
                       </a:solidFill>
                       <a:prstDash val="solid"/>
                     </a:lnB>
@@ -8067,32 +9494,32 @@
                     <a:noFill/>
                     <a:lnL w="12700">
                       <a:solidFill>
-                        <a:srgbClr val="666"/>
+                        <a:srgbClr val="ffffff"/>
                       </a:solidFill>
                       <a:prstDash val="solid"/>
                     </a:lnL>
                     <a:lnR w="12700">
                       <a:solidFill>
-                        <a:srgbClr val="666"/>
+                        <a:srgbClr val="ffffff"/>
                       </a:solidFill>
                       <a:prstDash val="solid"/>
                     </a:lnR>
                     <a:lnT w="12700">
                       <a:solidFill>
-                        <a:srgbClr val="666"/>
+                        <a:srgbClr val="ffffff"/>
                       </a:solidFill>
                       <a:prstDash val="solid"/>
                     </a:lnT>
                     <a:lnB w="12700">
                       <a:solidFill>
-                        <a:srgbClr val="666"/>
+                        <a:srgbClr val="ffffff"/>
                       </a:solidFill>
                       <a:prstDash val="solid"/>
                     </a:lnB>
                   </a:tcPr>
                 </a:tc>
               </a:tr>
-              <a:tr h="285750">
+              <a:tr h="363855">
                 <a:tc>
                   <a:txBody>
                     <a:bodyPr lIns="76200" rIns="76200" tIns="76200" bIns="76200"/>
@@ -8118,25 +9545,25 @@
                     <a:noFill/>
                     <a:lnL w="12700">
                       <a:solidFill>
-                        <a:srgbClr val="666"/>
+                        <a:srgbClr val="ffffff"/>
                       </a:solidFill>
                       <a:prstDash val="solid"/>
                     </a:lnL>
                     <a:lnR w="12700">
                       <a:solidFill>
-                        <a:srgbClr val="666"/>
+                        <a:srgbClr val="ffffff"/>
                       </a:solidFill>
                       <a:prstDash val="solid"/>
                     </a:lnR>
                     <a:lnT w="12700">
                       <a:solidFill>
-                        <a:srgbClr val="666"/>
+                        <a:srgbClr val="ffffff"/>
                       </a:solidFill>
                       <a:prstDash val="solid"/>
                     </a:lnT>
                     <a:lnB w="12700">
                       <a:solidFill>
-                        <a:srgbClr val="666"/>
+                        <a:srgbClr val="ffffff"/>
                       </a:solidFill>
                       <a:prstDash val="solid"/>
                     </a:lnB>
@@ -8167,25 +9594,25 @@
                     <a:noFill/>
                     <a:lnL w="12700">
                       <a:solidFill>
-                        <a:srgbClr val="666"/>
+                        <a:srgbClr val="ffffff"/>
                       </a:solidFill>
                       <a:prstDash val="solid"/>
                     </a:lnL>
                     <a:lnR w="12700">
                       <a:solidFill>
-                        <a:srgbClr val="666"/>
+                        <a:srgbClr val="ffffff"/>
                       </a:solidFill>
                       <a:prstDash val="solid"/>
                     </a:lnR>
                     <a:lnT w="12700">
                       <a:solidFill>
-                        <a:srgbClr val="666"/>
+                        <a:srgbClr val="ffffff"/>
                       </a:solidFill>
                       <a:prstDash val="solid"/>
                     </a:lnT>
                     <a:lnB w="12700">
                       <a:solidFill>
-                        <a:srgbClr val="666"/>
+                        <a:srgbClr val="ffffff"/>
                       </a:solidFill>
                       <a:prstDash val="solid"/>
                     </a:lnB>
@@ -8216,32 +9643,32 @@
                     <a:noFill/>
                     <a:lnL w="12700">
                       <a:solidFill>
-                        <a:srgbClr val="666"/>
+                        <a:srgbClr val="ffffff"/>
                       </a:solidFill>
                       <a:prstDash val="solid"/>
                     </a:lnL>
                     <a:lnR w="12700">
                       <a:solidFill>
-                        <a:srgbClr val="666"/>
+                        <a:srgbClr val="ffffff"/>
                       </a:solidFill>
                       <a:prstDash val="solid"/>
                     </a:lnR>
                     <a:lnT w="12700">
                       <a:solidFill>
-                        <a:srgbClr val="666"/>
+                        <a:srgbClr val="ffffff"/>
                       </a:solidFill>
                       <a:prstDash val="solid"/>
                     </a:lnT>
                     <a:lnB w="12700">
                       <a:solidFill>
-                        <a:srgbClr val="666"/>
+                        <a:srgbClr val="ffffff"/>
                       </a:solidFill>
                       <a:prstDash val="solid"/>
                     </a:lnB>
                   </a:tcPr>
                 </a:tc>
               </a:tr>
-              <a:tr h="285750">
+              <a:tr h="363855">
                 <a:tc>
                   <a:txBody>
                     <a:bodyPr lIns="76200" rIns="76200" tIns="76200" bIns="76200"/>
@@ -8267,25 +9694,25 @@
                     <a:noFill/>
                     <a:lnL w="12700">
                       <a:solidFill>
-                        <a:srgbClr val="666"/>
+                        <a:srgbClr val="ffffff"/>
                       </a:solidFill>
                       <a:prstDash val="solid"/>
                     </a:lnL>
                     <a:lnR w="12700">
                       <a:solidFill>
-                        <a:srgbClr val="666"/>
+                        <a:srgbClr val="ffffff"/>
                       </a:solidFill>
                       <a:prstDash val="solid"/>
                     </a:lnR>
                     <a:lnT w="12700">
                       <a:solidFill>
-                        <a:srgbClr val="666"/>
+                        <a:srgbClr val="ffffff"/>
                       </a:solidFill>
                       <a:prstDash val="solid"/>
                     </a:lnT>
                     <a:lnB w="12700">
                       <a:solidFill>
-                        <a:srgbClr val="666"/>
+                        <a:srgbClr val="ffffff"/>
                       </a:solidFill>
                       <a:prstDash val="solid"/>
                     </a:lnB>
@@ -8316,25 +9743,25 @@
                     <a:noFill/>
                     <a:lnL w="12700">
                       <a:solidFill>
-                        <a:srgbClr val="666"/>
+                        <a:srgbClr val="ffffff"/>
                       </a:solidFill>
                       <a:prstDash val="solid"/>
                     </a:lnL>
                     <a:lnR w="12700">
                       <a:solidFill>
-                        <a:srgbClr val="666"/>
+                        <a:srgbClr val="ffffff"/>
                       </a:solidFill>
                       <a:prstDash val="solid"/>
                     </a:lnR>
                     <a:lnT w="12700">
                       <a:solidFill>
-                        <a:srgbClr val="666"/>
+                        <a:srgbClr val="ffffff"/>
                       </a:solidFill>
                       <a:prstDash val="solid"/>
                     </a:lnT>
                     <a:lnB w="12700">
                       <a:solidFill>
-                        <a:srgbClr val="666"/>
+                        <a:srgbClr val="ffffff"/>
                       </a:solidFill>
                       <a:prstDash val="solid"/>
                     </a:lnB>
@@ -8365,32 +9792,32 @@
                     <a:noFill/>
                     <a:lnL w="12700">
                       <a:solidFill>
-                        <a:srgbClr val="666"/>
+                        <a:srgbClr val="ffffff"/>
                       </a:solidFill>
                       <a:prstDash val="solid"/>
                     </a:lnL>
                     <a:lnR w="12700">
                       <a:solidFill>
-                        <a:srgbClr val="666"/>
+                        <a:srgbClr val="ffffff"/>
                       </a:solidFill>
                       <a:prstDash val="solid"/>
                     </a:lnR>
                     <a:lnT w="12700">
                       <a:solidFill>
-                        <a:srgbClr val="666"/>
+                        <a:srgbClr val="ffffff"/>
                       </a:solidFill>
                       <a:prstDash val="solid"/>
                     </a:lnT>
                     <a:lnB w="12700">
                       <a:solidFill>
-                        <a:srgbClr val="666"/>
+                        <a:srgbClr val="ffffff"/>
                       </a:solidFill>
                       <a:prstDash val="solid"/>
                     </a:lnB>
                   </a:tcPr>
                 </a:tc>
               </a:tr>
-              <a:tr h="285750">
+              <a:tr h="363855">
                 <a:tc>
                   <a:txBody>
                     <a:bodyPr lIns="76200" rIns="76200" tIns="76200" bIns="76200"/>
@@ -8416,25 +9843,25 @@
                     <a:noFill/>
                     <a:lnL w="12700">
                       <a:solidFill>
-                        <a:srgbClr val="666"/>
+                        <a:srgbClr val="ffffff"/>
                       </a:solidFill>
                       <a:prstDash val="solid"/>
                     </a:lnL>
                     <a:lnR w="12700">
                       <a:solidFill>
-                        <a:srgbClr val="666"/>
+                        <a:srgbClr val="ffffff"/>
                       </a:solidFill>
                       <a:prstDash val="solid"/>
                     </a:lnR>
                     <a:lnT w="12700">
                       <a:solidFill>
-                        <a:srgbClr val="666"/>
+                        <a:srgbClr val="ffffff"/>
                       </a:solidFill>
                       <a:prstDash val="solid"/>
                     </a:lnT>
                     <a:lnB w="12700">
                       <a:solidFill>
-                        <a:srgbClr val="666"/>
+                        <a:srgbClr val="ffffff"/>
                       </a:solidFill>
                       <a:prstDash val="solid"/>
                     </a:lnB>
@@ -8465,25 +9892,25 @@
                     <a:noFill/>
                     <a:lnL w="12700">
                       <a:solidFill>
-                        <a:srgbClr val="666"/>
+                        <a:srgbClr val="ffffff"/>
                       </a:solidFill>
                       <a:prstDash val="solid"/>
                     </a:lnL>
                     <a:lnR w="12700">
                       <a:solidFill>
-                        <a:srgbClr val="666"/>
+                        <a:srgbClr val="ffffff"/>
                       </a:solidFill>
                       <a:prstDash val="solid"/>
                     </a:lnR>
                     <a:lnT w="12700">
                       <a:solidFill>
-                        <a:srgbClr val="666"/>
+                        <a:srgbClr val="ffffff"/>
                       </a:solidFill>
                       <a:prstDash val="solid"/>
                     </a:lnT>
                     <a:lnB w="12700">
                       <a:solidFill>
-                        <a:srgbClr val="666"/>
+                        <a:srgbClr val="ffffff"/>
                       </a:solidFill>
                       <a:prstDash val="solid"/>
                     </a:lnB>
@@ -8514,25 +9941,25 @@
                     <a:noFill/>
                     <a:lnL w="12700">
                       <a:solidFill>
-                        <a:srgbClr val="666"/>
+                        <a:srgbClr val="ffffff"/>
                       </a:solidFill>
                       <a:prstDash val="solid"/>
                     </a:lnL>
                     <a:lnR w="12700">
                       <a:solidFill>
-                        <a:srgbClr val="666"/>
+                        <a:srgbClr val="ffffff"/>
                       </a:solidFill>
                       <a:prstDash val="solid"/>
                     </a:lnR>
                     <a:lnT w="12700">
                       <a:solidFill>
-                        <a:srgbClr val="666"/>
+                        <a:srgbClr val="ffffff"/>
                       </a:solidFill>
                       <a:prstDash val="solid"/>
                     </a:lnT>
                     <a:lnB w="12700">
                       <a:solidFill>
-                        <a:srgbClr val="666"/>
+                        <a:srgbClr val="ffffff"/>
                       </a:solidFill>
                       <a:prstDash val="solid"/>
                     </a:lnB>
@@ -8551,7 +9978,7 @@
         </p:nvSpPr>
         <p:spPr>
           <a:xfrm>
-            <a:off x="4800600" y="380999"/>
+            <a:off x="4800600" y="180975"/>
             <a:ext cx="4343400" cy="274320"/>
           </a:xfrm>
           <a:prstGeom prst="rect">
@@ -8573,7 +10000,7 @@
                 <a:spcPts val="0"/>
               </a:spcBef>
               <a:spcAft>
-                <a:spcPts val="900"/>
+                <a:spcPts val="0"/>
               </a:spcAft>
               <a:defRPr>
                 <a:solidFill>
@@ -8598,8 +10025,8 @@
         </p:nvSpPr>
         <p:spPr>
           <a:xfrm>
-            <a:off x="4800600" y="771525"/>
-            <a:ext cx="4343400" cy="274320"/>
+            <a:off x="4800600" y="476249"/>
+            <a:ext cx="4343400" cy="304800"/>
           </a:xfrm>
           <a:prstGeom prst="rect">
             <a:avLst/>
@@ -8645,17 +10072,9 @@
 </p:sld>
 </file>
 
-<file path=ppt/slides/slide19.xml><?xml version="1.0" encoding="utf-8"?>
+<file path=ppt/slides/slide21.xml><?xml version="1.0" encoding="utf-8"?>
 <p:sld xmlns:a="http://schemas.openxmlformats.org/drawingml/2006/main" xmlns:p="http://schemas.openxmlformats.org/presentationml/2006/main" xmlns:r="http://schemas.openxmlformats.org/officeDocument/2006/relationships">
   <p:cSld>
-    <p:bg>
-      <p:bgPr>
-        <a:solidFill>
-          <a:srgbClr val="1A1A1A"/>
-        </a:solidFill>
-        <a:effectLst/>
-      </p:bgPr>
-    </p:bg>
     <p:spTree>
       <p:nvGrpSpPr>
         <p:cNvPr id="1" name=""/>
@@ -8671,7 +10090,7 @@
         </p:nvSpPr>
         <p:spPr>
           <a:xfrm>
-            <a:off x="200025" y="380999"/>
+            <a:off x="200025" y="180975"/>
             <a:ext cx="8943975" cy="274320"/>
           </a:xfrm>
           <a:prstGeom prst="rect">
@@ -8693,7 +10112,7 @@
                 <a:spcPts val="0"/>
               </a:spcBef>
               <a:spcAft>
-                <a:spcPts val="1500"/>
+                <a:spcPts val="0"/>
               </a:spcAft>
               <a:defRPr>
                 <a:solidFill>
@@ -8718,996 +10137,9 @@
 </p:sld>
 </file>
 
-<file path=ppt/slides/slide2.xml><?xml version="1.0" encoding="utf-8"?>
+<file path=ppt/slides/slide22.xml><?xml version="1.0" encoding="utf-8"?>
 <p:sld xmlns:a="http://schemas.openxmlformats.org/drawingml/2006/main" xmlns:p="http://schemas.openxmlformats.org/presentationml/2006/main" xmlns:r="http://schemas.openxmlformats.org/officeDocument/2006/relationships">
   <p:cSld>
-    <p:bg>
-      <p:bgPr>
-        <a:solidFill>
-          <a:srgbClr val="1A1A1A"/>
-        </a:solidFill>
-        <a:effectLst/>
-      </p:bgPr>
-    </p:bg>
-    <p:spTree>
-      <p:nvGrpSpPr>
-        <p:cNvPr id="1" name=""/>
-        <p:cNvGrpSpPr/>
-        <p:nvPr/>
-      </p:nvGrpSpPr>
-      <p:grpSpPr/>
-      <p:sp>
-        <p:nvSpPr>
-          <p:cNvPr id="2" name="TextBox 1"/>
-          <p:cNvSpPr txBox="1"/>
-          <p:nvPr/>
-        </p:nvSpPr>
-        <p:spPr>
-          <a:xfrm>
-            <a:off x="200025" y="380999"/>
-            <a:ext cx="8943975" cy="274320"/>
-          </a:xfrm>
-          <a:prstGeom prst="rect">
-            <a:avLst/>
-          </a:prstGeom>
-          <a:noFill/>
-        </p:spPr>
-        <p:txBody>
-          <a:bodyPr wrap="square" lIns="0" rIns="0" tIns="0" bIns="0">
-            <a:spAutoFit/>
-          </a:bodyPr>
-          <a:lstStyle/>
-          <a:p>
-            <a:pPr algn="l">
-              <a:lnSpc>
-                <a:spcPct val="140000"/>
-              </a:lnSpc>
-              <a:spcBef>
-                <a:spcPts val="0"/>
-              </a:spcBef>
-              <a:spcAft>
-                <a:spcPts val="1500"/>
-              </a:spcAft>
-              <a:defRPr>
-                <a:solidFill>
-                  <a:srgbClr val="E0E0E0"/>
-                </a:solidFill>
-              </a:defRPr>
-            </a:pPr>
-            <a:r>
-              <a:rPr sz="1200" b="1">
-                <a:latin typeface="Arial"/>
-              </a:rPr>
-              <a:t>✨ Inline Styling Features</a:t>
-            </a:r>
-          </a:p>
-        </p:txBody>
-      </p:sp>
-      <p:sp>
-        <p:nvSpPr>
-          <p:cNvPr id="3" name="TextBox 2"/>
-          <p:cNvSpPr txBox="1"/>
-          <p:nvPr/>
-        </p:nvSpPr>
-        <p:spPr>
-          <a:xfrm>
-            <a:off x="200025" y="838200"/>
-            <a:ext cx="8943975" cy="274320"/>
-          </a:xfrm>
-          <a:prstGeom prst="rect">
-            <a:avLst/>
-          </a:prstGeom>
-          <a:noFill/>
-        </p:spPr>
-        <p:txBody>
-          <a:bodyPr wrap="square" lIns="0" rIns="0" tIns="0" bIns="0">
-            <a:spAutoFit/>
-          </a:bodyPr>
-          <a:lstStyle/>
-          <a:p>
-            <a:pPr algn="l">
-              <a:lnSpc>
-                <a:spcPct val="140000"/>
-              </a:lnSpc>
-              <a:spcBef>
-                <a:spcPts val="0"/>
-              </a:spcBef>
-              <a:spcAft>
-                <a:spcPts val="1125"/>
-              </a:spcAft>
-              <a:defRPr>
-                <a:solidFill>
-                  <a:srgbClr val="E0E0E0"/>
-                </a:solidFill>
-              </a:defRPr>
-            </a:pPr>
-            <a:r>
-              <a:rPr sz="1000" b="1">
-                <a:latin typeface="Arial"/>
-              </a:rPr>
-              <a:t>Basic Formatting</a:t>
-            </a:r>
-          </a:p>
-        </p:txBody>
-      </p:sp>
-      <p:sp>
-        <p:nvSpPr>
-          <p:cNvPr id="4" name="TextBox 3"/>
-          <p:cNvSpPr txBox="1"/>
-          <p:nvPr/>
-        </p:nvSpPr>
-        <p:spPr>
-          <a:xfrm>
-            <a:off x="200025" y="1247775"/>
-            <a:ext cx="8943975" cy="274320"/>
-          </a:xfrm>
-          <a:prstGeom prst="rect">
-            <a:avLst/>
-          </a:prstGeom>
-          <a:noFill/>
-        </p:spPr>
-        <p:txBody>
-          <a:bodyPr wrap="square" lIns="0" rIns="0" tIns="0" bIns="0">
-            <a:spAutoFit/>
-          </a:bodyPr>
-          <a:lstStyle/>
-          <a:p>
-            <a:pPr algn="l">
-              <a:lnSpc>
-                <a:spcPct val="140000"/>
-              </a:lnSpc>
-              <a:spcBef>
-                <a:spcPts val="0"/>
-              </a:spcBef>
-              <a:spcAft>
-                <a:spcPts val="0"/>
-              </a:spcAft>
-              <a:defRPr>
-                <a:solidFill>
-                  <a:srgbClr val="E0E0E0"/>
-                </a:solidFill>
-              </a:defRPr>
-            </a:pPr>
-            <a:r>
-              <a:rPr b="1" sz="1000">
-                <a:latin typeface="Arial"/>
-              </a:rPr>
-              <a:t>Bold text</a:t>
-            </a:r>
-            <a:r>
-              <a:rPr sz="1000">
-                <a:latin typeface="Arial"/>
-              </a:rPr>
-              <a:t> using double asterisks or </a:t>
-            </a:r>
-            <a:r>
-              <a:rPr b="1" sz="1000">
-                <a:latin typeface="Arial"/>
-              </a:rPr>
-              <a:t>double underscores</a:t>
-            </a:r>
-            <a:r>
-              <a:rPr sz="1000">
-                <a:latin typeface="Arial"/>
-              </a:rPr>
-              <a:t>.</a:t>
-            </a:r>
-          </a:p>
-        </p:txBody>
-      </p:sp>
-      <p:sp>
-        <p:nvSpPr>
-          <p:cNvPr id="5" name="TextBox 4"/>
-          <p:cNvSpPr txBox="1"/>
-          <p:nvPr/>
-        </p:nvSpPr>
-        <p:spPr>
-          <a:xfrm>
-            <a:off x="200025" y="1609724"/>
-            <a:ext cx="8943975" cy="274320"/>
-          </a:xfrm>
-          <a:prstGeom prst="rect">
-            <a:avLst/>
-          </a:prstGeom>
-          <a:noFill/>
-        </p:spPr>
-        <p:txBody>
-          <a:bodyPr wrap="square" lIns="0" rIns="0" tIns="0" bIns="0">
-            <a:spAutoFit/>
-          </a:bodyPr>
-          <a:lstStyle/>
-          <a:p>
-            <a:pPr algn="l">
-              <a:lnSpc>
-                <a:spcPct val="140000"/>
-              </a:lnSpc>
-              <a:spcBef>
-                <a:spcPts val="0"/>
-              </a:spcBef>
-              <a:spcAft>
-                <a:spcPts val="0"/>
-              </a:spcAft>
-              <a:defRPr>
-                <a:solidFill>
-                  <a:srgbClr val="E0E0E0"/>
-                </a:solidFill>
-              </a:defRPr>
-            </a:pPr>
-            <a:r>
-              <a:rPr i="1" sz="1000">
-                <a:latin typeface="Arial"/>
-              </a:rPr>
-              <a:t>Italic text</a:t>
-            </a:r>
-            <a:r>
-              <a:rPr sz="1000">
-                <a:latin typeface="Arial"/>
-              </a:rPr>
-              <a:t> using single asterisks or </a:t>
-            </a:r>
-            <a:r>
-              <a:rPr i="1" sz="1000">
-                <a:latin typeface="Arial"/>
-              </a:rPr>
-              <a:t>single underscores</a:t>
-            </a:r>
-            <a:r>
-              <a:rPr sz="1000">
-                <a:latin typeface="Arial"/>
-              </a:rPr>
-              <a:t>.</a:t>
-            </a:r>
-          </a:p>
-        </p:txBody>
-      </p:sp>
-      <p:sp>
-        <p:nvSpPr>
-          <p:cNvPr id="6" name="TextBox 5"/>
-          <p:cNvSpPr txBox="1"/>
-          <p:nvPr/>
-        </p:nvSpPr>
-        <p:spPr>
-          <a:xfrm>
-            <a:off x="200025" y="1971675"/>
-            <a:ext cx="8943975" cy="274320"/>
-          </a:xfrm>
-          <a:prstGeom prst="rect">
-            <a:avLst/>
-          </a:prstGeom>
-          <a:noFill/>
-        </p:spPr>
-        <p:txBody>
-          <a:bodyPr wrap="square" lIns="0" rIns="0" tIns="0" bIns="0">
-            <a:spAutoFit/>
-          </a:bodyPr>
-          <a:lstStyle/>
-          <a:p>
-            <a:pPr algn="l">
-              <a:lnSpc>
-                <a:spcPct val="140000"/>
-              </a:lnSpc>
-              <a:spcBef>
-                <a:spcPts val="0"/>
-              </a:spcBef>
-              <a:spcAft>
-                <a:spcPts val="0"/>
-              </a:spcAft>
-              <a:defRPr>
-                <a:solidFill>
-                  <a:srgbClr val="E0E0E0"/>
-                </a:solidFill>
-              </a:defRPr>
-            </a:pPr>
-            <a:r>
-              <a:rPr sz="1000">
-                <a:solidFill>
-                  <a:srgbClr val="DCDCDC"/>
-                </a:solidFill>
-                <a:latin typeface="Courier New"/>
-              </a:rPr>
-              <a:t>Inline code</a:t>
-            </a:r>
-            <a:r>
-              <a:rPr sz="1000">
-                <a:latin typeface="Arial"/>
-              </a:rPr>
-              <a:t> using backticks for technical terms like </a:t>
-            </a:r>
-            <a:r>
-              <a:rPr sz="1000">
-                <a:solidFill>
-                  <a:srgbClr val="DCDCDC"/>
-                </a:solidFill>
-                <a:latin typeface="Courier New"/>
-              </a:rPr>
-              <a:t>SlideGenerator.generate()</a:t>
-            </a:r>
-            <a:r>
-              <a:rPr sz="1000">
-                <a:latin typeface="Arial"/>
-              </a:rPr>
-              <a:t>.</a:t>
-            </a:r>
-          </a:p>
-        </p:txBody>
-      </p:sp>
-      <p:sp>
-        <p:nvSpPr>
-          <p:cNvPr id="7" name="TextBox 6"/>
-          <p:cNvSpPr txBox="1"/>
-          <p:nvPr/>
-        </p:nvSpPr>
-        <p:spPr>
-          <a:xfrm>
-            <a:off x="200025" y="2343150"/>
-            <a:ext cx="8943975" cy="274320"/>
-          </a:xfrm>
-          <a:prstGeom prst="rect">
-            <a:avLst/>
-          </a:prstGeom>
-          <a:noFill/>
-        </p:spPr>
-        <p:txBody>
-          <a:bodyPr wrap="square" lIns="0" rIns="0" tIns="0" bIns="0">
-            <a:spAutoFit/>
-          </a:bodyPr>
-          <a:lstStyle/>
-          <a:p>
-            <a:pPr algn="l">
-              <a:lnSpc>
-                <a:spcPct val="140000"/>
-              </a:lnSpc>
-              <a:spcBef>
-                <a:spcPts val="0"/>
-              </a:spcBef>
-              <a:spcAft>
-                <a:spcPts val="0"/>
-              </a:spcAft>
-              <a:defRPr>
-                <a:solidFill>
-                  <a:srgbClr val="E0E0E0"/>
-                </a:solidFill>
-              </a:defRPr>
-            </a:pPr>
-            <a:r>
-              <a:rPr b="1" sz="1000">
-                <a:solidFill>
-                  <a:srgbClr val="FF8C00"/>
-                </a:solidFill>
-                <a:latin typeface="Arial"/>
-              </a:rPr>
-              <a:t>Highlighted text</a:t>
-            </a:r>
-            <a:r>
-              <a:rPr sz="1000">
-                <a:latin typeface="Arial"/>
-              </a:rPr>
-              <a:t> using double equals for </a:t>
-            </a:r>
-            <a:r>
-              <a:rPr b="1" sz="1000">
-                <a:solidFill>
-                  <a:srgbClr val="FF8C00"/>
-                </a:solidFill>
-                <a:latin typeface="Arial"/>
-              </a:rPr>
-              <a:t>important information</a:t>
-            </a:r>
-            <a:r>
-              <a:rPr sz="1000">
-                <a:latin typeface="Arial"/>
-              </a:rPr>
-              <a:t>.</a:t>
-            </a:r>
-          </a:p>
-        </p:txBody>
-      </p:sp>
-      <p:sp>
-        <p:nvSpPr>
-          <p:cNvPr id="8" name="TextBox 7"/>
-          <p:cNvSpPr txBox="1"/>
-          <p:nvPr/>
-        </p:nvSpPr>
-        <p:spPr>
-          <a:xfrm>
-            <a:off x="200025" y="2705099"/>
-            <a:ext cx="8943975" cy="274320"/>
-          </a:xfrm>
-          <a:prstGeom prst="rect">
-            <a:avLst/>
-          </a:prstGeom>
-          <a:noFill/>
-        </p:spPr>
-        <p:txBody>
-          <a:bodyPr wrap="square" lIns="0" rIns="0" tIns="0" bIns="0">
-            <a:spAutoFit/>
-          </a:bodyPr>
-          <a:lstStyle/>
-          <a:p>
-            <a:pPr algn="l">
-              <a:lnSpc>
-                <a:spcPct val="140000"/>
-              </a:lnSpc>
-              <a:spcBef>
-                <a:spcPts val="0"/>
-              </a:spcBef>
-              <a:spcAft>
-                <a:spcPts val="0"/>
-              </a:spcAft>
-              <a:defRPr>
-                <a:solidFill>
-                  <a:srgbClr val="E0E0E0"/>
-                </a:solidFill>
-              </a:defRPr>
-            </a:pPr>
-            <a:r>
-              <a:rPr u="sng" sz="1000">
-                <a:latin typeface="Arial"/>
-              </a:rPr>
-              <a:t>Underlined text</a:t>
-            </a:r>
-            <a:r>
-              <a:rPr sz="1000">
-                <a:latin typeface="Arial"/>
-              </a:rPr>
-              <a:t> using double plus signs for </a:t>
-            </a:r>
-            <a:r>
-              <a:rPr u="sng" sz="1000">
-                <a:latin typeface="Arial"/>
-              </a:rPr>
-              <a:t>emphasis or citations</a:t>
-            </a:r>
-            <a:r>
-              <a:rPr sz="1000">
-                <a:latin typeface="Arial"/>
-              </a:rPr>
-              <a:t>.</a:t>
-            </a:r>
-          </a:p>
-        </p:txBody>
-      </p:sp>
-      <p:sp>
-        <p:nvSpPr>
-          <p:cNvPr id="9" name="TextBox 8"/>
-          <p:cNvSpPr txBox="1"/>
-          <p:nvPr/>
-        </p:nvSpPr>
-        <p:spPr>
-          <a:xfrm>
-            <a:off x="200025" y="2971800"/>
-            <a:ext cx="8943975" cy="274320"/>
-          </a:xfrm>
-          <a:prstGeom prst="rect">
-            <a:avLst/>
-          </a:prstGeom>
-          <a:noFill/>
-        </p:spPr>
-        <p:txBody>
-          <a:bodyPr wrap="square" lIns="0" rIns="0" tIns="0" bIns="0">
-            <a:spAutoFit/>
-          </a:bodyPr>
-          <a:lstStyle/>
-          <a:p>
-            <a:pPr algn="l">
-              <a:lnSpc>
-                <a:spcPct val="140000"/>
-              </a:lnSpc>
-              <a:spcBef>
-                <a:spcPts val="0"/>
-              </a:spcBef>
-              <a:spcAft>
-                <a:spcPts val="1125"/>
-              </a:spcAft>
-              <a:defRPr>
-                <a:solidFill>
-                  <a:srgbClr val="E0E0E0"/>
-                </a:solidFill>
-              </a:defRPr>
-            </a:pPr>
-            <a:r>
-              <a:rPr sz="1000" b="1">
-                <a:latin typeface="Arial"/>
-              </a:rPr>
-              <a:t>Advanced Combinations</a:t>
-            </a:r>
-          </a:p>
-        </p:txBody>
-      </p:sp>
-      <p:sp>
-        <p:nvSpPr>
-          <p:cNvPr id="10" name="TextBox 9"/>
-          <p:cNvSpPr txBox="1"/>
-          <p:nvPr/>
-        </p:nvSpPr>
-        <p:spPr>
-          <a:xfrm>
-            <a:off x="200025" y="3381375"/>
-            <a:ext cx="8943975" cy="714375"/>
-          </a:xfrm>
-          <a:prstGeom prst="rect">
-            <a:avLst/>
-          </a:prstGeom>
-          <a:noFill/>
-        </p:spPr>
-        <p:txBody>
-          <a:bodyPr wrap="square" lIns="0" rIns="0" tIns="0" bIns="0">
-            <a:spAutoFit/>
-          </a:bodyPr>
-          <a:lstStyle/>
-          <a:p>
-            <a:pPr algn="l">
-              <a:spcBef>
-                <a:spcPts val="0"/>
-              </a:spcBef>
-              <a:spcAft>
-                <a:spcPts val="0"/>
-              </a:spcAft>
-              <a:defRPr>
-                <a:solidFill>
-                  <a:srgbClr val="E0E0E0"/>
-                </a:solidFill>
-              </a:defRPr>
-            </a:pPr>
-            <a:r>
-              <a:rPr sz="1000"/>
-              <a:t>• </a:t>
-            </a:r>
-            <a:r>
-              <a:rPr b="1" sz="1000">
-                <a:latin typeface="Arial"/>
-              </a:rPr>
-              <a:t>Bold with </a:t>
-            </a:r>
-            <a:r>
-              <a:rPr b="1" i="1" sz="1000">
-                <a:latin typeface="Arial"/>
-              </a:rPr>
-              <a:t>italic inside</a:t>
-            </a:r>
-            <a:r>
-              <a:rPr b="1" sz="1000">
-                <a:latin typeface="Arial"/>
-              </a:rPr>
-              <a:t> for emphasis</a:t>
-            </a:r>
-          </a:p>
-          <a:p>
-            <a:pPr algn="l">
-              <a:spcBef>
-                <a:spcPts val="0"/>
-              </a:spcBef>
-              <a:spcAft>
-                <a:spcPts val="0"/>
-              </a:spcAft>
-              <a:defRPr>
-                <a:solidFill>
-                  <a:srgbClr val="E0E0E0"/>
-                </a:solidFill>
-              </a:defRPr>
-            </a:pPr>
-            <a:r>
-              <a:rPr sz="1000"/>
-              <a:t>• </a:t>
-            </a:r>
-            <a:r>
-              <a:rPr i="1" sz="1000">
-                <a:latin typeface="Arial"/>
-              </a:rPr>
-              <a:t>Italic with </a:t>
-            </a:r>
-            <a:r>
-              <a:rPr i="1" b="1" sz="1000">
-                <a:latin typeface="Arial"/>
-              </a:rPr>
-              <a:t>bold inside</a:t>
-            </a:r>
-            <a:r>
-              <a:rPr i="1" sz="1000">
-                <a:latin typeface="Arial"/>
-              </a:rPr>
-              <a:t> for variety</a:t>
-            </a:r>
-          </a:p>
-          <a:p>
-            <a:pPr algn="l">
-              <a:spcBef>
-                <a:spcPts val="0"/>
-              </a:spcBef>
-              <a:spcAft>
-                <a:spcPts val="0"/>
-              </a:spcAft>
-              <a:defRPr>
-                <a:solidFill>
-                  <a:srgbClr val="E0E0E0"/>
-                </a:solidFill>
-              </a:defRPr>
-            </a:pPr>
-            <a:r>
-              <a:rPr sz="1000"/>
-              <a:t>• </a:t>
-            </a:r>
-            <a:r>
-              <a:rPr b="1" sz="1000">
-                <a:solidFill>
-                  <a:srgbClr val="FF8C00"/>
-                </a:solidFill>
-                <a:latin typeface="Arial"/>
-              </a:rPr>
-              <a:t>Highlighted with </a:t>
-            </a:r>
-            <a:r>
-              <a:rPr b="1" sz="1000">
-                <a:solidFill>
-                  <a:srgbClr val="FF8C00"/>
-                </a:solidFill>
-                <a:latin typeface="Arial"/>
-              </a:rPr>
-              <a:t>bold inside</a:t>
-            </a:r>
-            <a:r>
-              <a:rPr b="1" sz="1000">
-                <a:solidFill>
-                  <a:srgbClr val="FF8C00"/>
-                </a:solidFill>
-                <a:latin typeface="Arial"/>
-              </a:rPr>
-              <a:t> for attention</a:t>
-            </a:r>
-          </a:p>
-          <a:p>
-            <a:pPr algn="l">
-              <a:spcBef>
-                <a:spcPts val="0"/>
-              </a:spcBef>
-              <a:spcAft>
-                <a:spcPts val="0"/>
-              </a:spcAft>
-              <a:defRPr>
-                <a:solidFill>
-                  <a:srgbClr val="E0E0E0"/>
-                </a:solidFill>
-              </a:defRPr>
-            </a:pPr>
-            <a:r>
-              <a:rPr sz="1000"/>
-              <a:t>• </a:t>
-            </a:r>
-            <a:r>
-              <a:rPr sz="1000">
-                <a:latin typeface="Arial"/>
-              </a:rPr>
-              <a:t>Underlined with </a:t>
-            </a:r>
-            <a:r>
-              <a:rPr b="1" sz="1000">
-                <a:latin typeface="Arial"/>
-              </a:rPr>
-              <a:t>bold inside</a:t>
-            </a:r>
-            <a:r>
-              <a:rPr sz="1000">
-                <a:latin typeface="Arial"/>
-              </a:rPr>
-              <a:t> for citations</a:t>
-            </a:r>
-          </a:p>
-          <a:p>
-            <a:pPr algn="l">
-              <a:spcBef>
-                <a:spcPts val="0"/>
-              </a:spcBef>
-              <a:spcAft>
-                <a:spcPts val="0"/>
-              </a:spcAft>
-              <a:defRPr>
-                <a:solidFill>
-                  <a:srgbClr val="E0E0E0"/>
-                </a:solidFill>
-              </a:defRPr>
-            </a:pPr>
-            <a:r>
-              <a:rPr sz="1000"/>
-              <a:t>• </a:t>
-            </a:r>
-            <a:r>
-              <a:rPr sz="1000">
-                <a:solidFill>
-                  <a:srgbClr val="DCDCDC"/>
-                </a:solidFill>
-                <a:latin typeface="Courier New"/>
-              </a:rPr>
-              <a:t>Code with formatting</a:t>
-            </a:r>
-            <a:r>
-              <a:rPr sz="1000">
-                <a:latin typeface="Arial"/>
-              </a:rPr>
-              <a:t> (note: formatting preserved where possible)</a:t>
-            </a:r>
-          </a:p>
-        </p:txBody>
-      </p:sp>
-      <p:sp>
-        <p:nvSpPr>
-          <p:cNvPr id="11" name="TextBox 10"/>
-          <p:cNvSpPr txBox="1"/>
-          <p:nvPr/>
-        </p:nvSpPr>
-        <p:spPr>
-          <a:xfrm>
-            <a:off x="200025" y="4095749"/>
-            <a:ext cx="8943975" cy="274320"/>
-          </a:xfrm>
-          <a:prstGeom prst="rect">
-            <a:avLst/>
-          </a:prstGeom>
-          <a:noFill/>
-        </p:spPr>
-        <p:txBody>
-          <a:bodyPr wrap="square" lIns="0" rIns="0" tIns="0" bIns="0">
-            <a:spAutoFit/>
-          </a:bodyPr>
-          <a:lstStyle/>
-          <a:p>
-            <a:pPr algn="l">
-              <a:lnSpc>
-                <a:spcPct val="140000"/>
-              </a:lnSpc>
-              <a:spcBef>
-                <a:spcPts val="0"/>
-              </a:spcBef>
-              <a:spcAft>
-                <a:spcPts val="1125"/>
-              </a:spcAft>
-              <a:defRPr>
-                <a:solidFill>
-                  <a:srgbClr val="E0E0E0"/>
-                </a:solidFill>
-              </a:defRPr>
-            </a:pPr>
-            <a:r>
-              <a:rPr sz="1000" b="1">
-                <a:latin typeface="Arial"/>
-              </a:rPr>
-              <a:t>Real-World Examples</a:t>
-            </a:r>
-          </a:p>
-        </p:txBody>
-      </p:sp>
-      <p:sp>
-        <p:nvSpPr>
-          <p:cNvPr id="12" name="TextBox 11"/>
-          <p:cNvSpPr txBox="1"/>
-          <p:nvPr/>
-        </p:nvSpPr>
-        <p:spPr>
-          <a:xfrm>
-            <a:off x="200025" y="4514850"/>
-            <a:ext cx="8943975" cy="274320"/>
-          </a:xfrm>
-          <a:prstGeom prst="rect">
-            <a:avLst/>
-          </a:prstGeom>
-          <a:noFill/>
-        </p:spPr>
-        <p:txBody>
-          <a:bodyPr wrap="square" lIns="0" rIns="0" tIns="0" bIns="0">
-            <a:spAutoFit/>
-          </a:bodyPr>
-          <a:lstStyle/>
-          <a:p>
-            <a:pPr algn="l">
-              <a:lnSpc>
-                <a:spcPct val="140000"/>
-              </a:lnSpc>
-              <a:spcBef>
-                <a:spcPts val="0"/>
-              </a:spcBef>
-              <a:spcAft>
-                <a:spcPts val="0"/>
-              </a:spcAft>
-              <a:defRPr>
-                <a:solidFill>
-                  <a:srgbClr val="E0E0E0"/>
-                </a:solidFill>
-              </a:defRPr>
-            </a:pPr>
-            <a:r>
-              <a:rPr sz="1000">
-                <a:latin typeface="Arial"/>
-              </a:rPr>
-              <a:t>The </a:t>
-            </a:r>
-            <a:r>
-              <a:rPr sz="1000">
-                <a:solidFill>
-                  <a:srgbClr val="DCDCDC"/>
-                </a:solidFill>
-                <a:latin typeface="Courier New"/>
-              </a:rPr>
-              <a:t>SlideGenerator</a:t>
-            </a:r>
-            <a:r>
-              <a:rPr sz="1000">
-                <a:latin typeface="Arial"/>
-              </a:rPr>
-              <a:t> class provides a </a:t>
-            </a:r>
-            <a:r>
-              <a:rPr b="1" sz="1000">
-                <a:latin typeface="Arial"/>
-              </a:rPr>
-              <a:t>powerful API</a:t>
-            </a:r>
-            <a:r>
-              <a:rPr sz="1000">
-                <a:latin typeface="Arial"/>
-              </a:rPr>
-              <a:t> for converting </a:t>
-            </a:r>
-            <a:r>
-              <a:rPr i="1" sz="1000">
-                <a:latin typeface="Arial"/>
-              </a:rPr>
-              <a:t>markdown</a:t>
-            </a:r>
-            <a:r>
-              <a:rPr sz="1000">
-                <a:latin typeface="Arial"/>
-              </a:rPr>
-              <a:t> to </a:t>
-            </a:r>
-            <a:r>
-              <a:rPr b="1" sz="1000">
-                <a:solidFill>
-                  <a:srgbClr val="FF8C00"/>
-                </a:solidFill>
-                <a:latin typeface="Arial"/>
-              </a:rPr>
-              <a:t>professional presentations</a:t>
-            </a:r>
-            <a:r>
-              <a:rPr sz="1000">
-                <a:latin typeface="Arial"/>
-              </a:rPr>
-              <a:t> with </a:t>
-            </a:r>
-            <a:r>
-              <a:rPr u="sng" sz="1000">
-                <a:latin typeface="Arial"/>
-              </a:rPr>
-              <a:t>full formatting support</a:t>
-            </a:r>
-            <a:r>
-              <a:rPr sz="1000">
-                <a:latin typeface="Arial"/>
-              </a:rPr>
-              <a:t>.</a:t>
-            </a:r>
-          </a:p>
-        </p:txBody>
-      </p:sp>
-      <p:sp>
-        <p:nvSpPr>
-          <p:cNvPr id="13" name="TextBox 12"/>
-          <p:cNvSpPr txBox="1"/>
-          <p:nvPr/>
-        </p:nvSpPr>
-        <p:spPr>
-          <a:xfrm>
-            <a:off x="200025" y="4876800"/>
-            <a:ext cx="8943975" cy="274320"/>
-          </a:xfrm>
-          <a:prstGeom prst="rect">
-            <a:avLst/>
-          </a:prstGeom>
-          <a:noFill/>
-        </p:spPr>
-        <p:txBody>
-          <a:bodyPr wrap="square" lIns="0" rIns="0" tIns="0" bIns="0">
-            <a:spAutoFit/>
-          </a:bodyPr>
-          <a:lstStyle/>
-          <a:p>
-            <a:pPr algn="l">
-              <a:lnSpc>
-                <a:spcPct val="140000"/>
-              </a:lnSpc>
-              <a:spcBef>
-                <a:spcPts val="0"/>
-              </a:spcBef>
-              <a:spcAft>
-                <a:spcPts val="0"/>
-              </a:spcAft>
-              <a:defRPr>
-                <a:solidFill>
-                  <a:srgbClr val="E0E0E0"/>
-                </a:solidFill>
-              </a:defRPr>
-            </a:pPr>
-            <a:r>
-              <a:rPr sz="1000">
-                <a:latin typeface="Arial"/>
-              </a:rPr>
-              <a:t>Call </a:t>
-            </a:r>
-            <a:r>
-              <a:rPr sz="1000">
-                <a:solidFill>
-                  <a:srgbClr val="DCDCDC"/>
-                </a:solidFill>
-                <a:latin typeface="Courier New"/>
-              </a:rPr>
-              <a:t>generator.generate(markdown, "output.pptx")</a:t>
-            </a:r>
-            <a:r>
-              <a:rPr sz="1000">
-                <a:latin typeface="Arial"/>
-              </a:rPr>
-              <a:t> where </a:t>
-            </a:r>
-            <a:r>
-              <a:rPr b="1" sz="1000">
-                <a:latin typeface="Arial"/>
-              </a:rPr>
-              <a:t>markdown</a:t>
-            </a:r>
-            <a:r>
-              <a:rPr sz="1000">
-                <a:latin typeface="Arial"/>
-              </a:rPr>
-              <a:t> is your source and </a:t>
-            </a:r>
-            <a:r>
-              <a:rPr b="1" sz="1000">
-                <a:solidFill>
-                  <a:srgbClr val="FF8C00"/>
-                </a:solidFill>
-                <a:latin typeface="Arial"/>
-              </a:rPr>
-              <a:t>output.pptx</a:t>
-            </a:r>
-            <a:r>
-              <a:rPr sz="1000">
-                <a:latin typeface="Arial"/>
-              </a:rPr>
-              <a:t> is the </a:t>
-            </a:r>
-            <a:r>
-              <a:rPr u="sng" sz="1000">
-                <a:latin typeface="Arial"/>
-              </a:rPr>
-              <a:t>final result</a:t>
-            </a:r>
-            <a:r>
-              <a:rPr sz="1000">
-                <a:latin typeface="Arial"/>
-              </a:rPr>
-              <a:t>.</a:t>
-            </a:r>
-          </a:p>
-        </p:txBody>
-      </p:sp>
-    </p:spTree>
-  </p:cSld>
-  <p:clrMapOvr>
-    <a:masterClrMapping/>
-  </p:clrMapOvr>
-</p:sld>
-</file>
-
-<file path=ppt/slides/slide20.xml><?xml version="1.0" encoding="utf-8"?>
-<p:sld xmlns:a="http://schemas.openxmlformats.org/drawingml/2006/main" xmlns:p="http://schemas.openxmlformats.org/presentationml/2006/main" xmlns:r="http://schemas.openxmlformats.org/officeDocument/2006/relationships">
-  <p:cSld>
-    <p:bg>
-      <p:bgPr>
-        <a:solidFill>
-          <a:srgbClr val="1A1A1A"/>
-        </a:solidFill>
-        <a:effectLst/>
-      </p:bgPr>
-    </p:bg>
     <p:spTree>
       <p:nvGrpSpPr>
         <p:cNvPr id="1" name=""/>
@@ -9731,7 +10163,7 @@
         </p:blipFill>
         <p:spPr>
           <a:xfrm>
-            <a:off x="276225" y="380999"/>
+            <a:off x="276225" y="180975"/>
             <a:ext cx="7029450" cy="5267324"/>
           </a:xfrm>
           <a:prstGeom prst="rect">
@@ -9747,8 +10179,8 @@
         </p:nvSpPr>
         <p:spPr>
           <a:xfrm>
-            <a:off x="7762874" y="476249"/>
-            <a:ext cx="1381124" cy="800100"/>
+            <a:off x="7762874" y="276225"/>
+            <a:ext cx="1381124" cy="838200"/>
           </a:xfrm>
           <a:prstGeom prst="rect">
             <a:avLst/>
@@ -9794,17 +10226,9 @@
 </p:sld>
 </file>
 
-<file path=ppt/slides/slide21.xml><?xml version="1.0" encoding="utf-8"?>
+<file path=ppt/slides/slide23.xml><?xml version="1.0" encoding="utf-8"?>
 <p:sld xmlns:a="http://schemas.openxmlformats.org/drawingml/2006/main" xmlns:p="http://schemas.openxmlformats.org/presentationml/2006/main" xmlns:r="http://schemas.openxmlformats.org/officeDocument/2006/relationships">
   <p:cSld>
-    <p:bg>
-      <p:bgPr>
-        <a:solidFill>
-          <a:srgbClr val="1A1A1A"/>
-        </a:solidFill>
-        <a:effectLst/>
-      </p:bgPr>
-    </p:bg>
     <p:spTree>
       <p:nvGrpSpPr>
         <p:cNvPr id="1" name=""/>
@@ -9820,7 +10244,7 @@
         </p:nvSpPr>
         <p:spPr>
           <a:xfrm>
-            <a:off x="200025" y="380999"/>
+            <a:off x="200025" y="180975"/>
             <a:ext cx="8943975" cy="274320"/>
           </a:xfrm>
           <a:prstGeom prst="rect">
@@ -9842,7 +10266,7 @@
                 <a:spcPts val="0"/>
               </a:spcBef>
               <a:spcAft>
-                <a:spcPts val="1500"/>
+                <a:spcPts val="0"/>
               </a:spcAft>
               <a:defRPr>
                 <a:solidFill>
@@ -9875,7 +10299,7 @@
         </p:blipFill>
         <p:spPr>
           <a:xfrm>
-            <a:off x="276225" y="838200"/>
+            <a:off x="276225" y="619124"/>
             <a:ext cx="2867025" cy="2867025"/>
           </a:xfrm>
           <a:prstGeom prst="rect">
@@ -9891,8 +10315,8 @@
         </p:nvSpPr>
         <p:spPr>
           <a:xfrm>
-            <a:off x="4800600" y="838200"/>
-            <a:ext cx="4067174" cy="1190625"/>
+            <a:off x="4800600" y="619124"/>
+            <a:ext cx="4067174" cy="1504950"/>
           </a:xfrm>
           <a:prstGeom prst="rect">
             <a:avLst/>
@@ -9925,8 +10349,8 @@
           <p:nvPr/>
         </p:nvGraphicFramePr>
         <p:xfrm>
-          <a:off x="4800600" y="838200"/>
-          <a:ext cx="4057649" cy="1143000"/>
+          <a:off x="4800600" y="619124"/>
+          <a:ext cx="4057649" cy="1457324"/>
         </p:xfrm>
         <a:graphic>
           <a:graphicData uri="http://schemas.openxmlformats.org/drawingml/2006/table">
@@ -9935,10 +10359,10 @@
                 <a:tableStyleId>{5C22544A-7EE6-4342-B048-85BDC9FD1C3A}</a:tableStyleId>
               </a:tblPr>
               <a:tblGrid>
-                <a:gridCol w="2878856"/>
-                <a:gridCol w="1178793"/>
+                <a:gridCol w="3007816"/>
+                <a:gridCol w="1049833"/>
               </a:tblGrid>
-              <a:tr h="285750">
+              <a:tr h="364331">
                 <a:tc>
                   <a:txBody>
                     <a:bodyPr lIns="76200" rIns="76200" tIns="76200" bIns="76200"/>
@@ -9964,25 +10388,25 @@
                     <a:noFill/>
                     <a:lnL w="12700">
                       <a:solidFill>
-                        <a:srgbClr val="666"/>
+                        <a:srgbClr val="ffffff"/>
                       </a:solidFill>
                       <a:prstDash val="solid"/>
                     </a:lnL>
                     <a:lnR w="12700">
                       <a:solidFill>
-                        <a:srgbClr val="666"/>
+                        <a:srgbClr val="ffffff"/>
                       </a:solidFill>
                       <a:prstDash val="solid"/>
                     </a:lnR>
                     <a:lnT w="12700">
                       <a:solidFill>
-                        <a:srgbClr val="666"/>
+                        <a:srgbClr val="ffffff"/>
                       </a:solidFill>
                       <a:prstDash val="solid"/>
                     </a:lnT>
                     <a:lnB w="12700">
                       <a:solidFill>
-                        <a:srgbClr val="666"/>
+                        <a:srgbClr val="ffffff"/>
                       </a:solidFill>
                       <a:prstDash val="solid"/>
                     </a:lnB>
@@ -10013,32 +10437,32 @@
                     <a:noFill/>
                     <a:lnL w="12700">
                       <a:solidFill>
-                        <a:srgbClr val="666"/>
+                        <a:srgbClr val="ffffff"/>
                       </a:solidFill>
                       <a:prstDash val="solid"/>
                     </a:lnL>
                     <a:lnR w="12700">
                       <a:solidFill>
-                        <a:srgbClr val="666"/>
+                        <a:srgbClr val="ffffff"/>
                       </a:solidFill>
                       <a:prstDash val="solid"/>
                     </a:lnR>
                     <a:lnT w="12700">
                       <a:solidFill>
-                        <a:srgbClr val="666"/>
+                        <a:srgbClr val="ffffff"/>
                       </a:solidFill>
                       <a:prstDash val="solid"/>
                     </a:lnT>
                     <a:lnB w="12700">
                       <a:solidFill>
-                        <a:srgbClr val="666"/>
+                        <a:srgbClr val="ffffff"/>
                       </a:solidFill>
                       <a:prstDash val="solid"/>
                     </a:lnB>
                   </a:tcPr>
                 </a:tc>
               </a:tr>
-              <a:tr h="285750">
+              <a:tr h="364331">
                 <a:tc>
                   <a:txBody>
                     <a:bodyPr lIns="76200" rIns="76200" tIns="76200" bIns="76200"/>
@@ -10064,25 +10488,25 @@
                     <a:noFill/>
                     <a:lnL w="12700">
                       <a:solidFill>
-                        <a:srgbClr val="666"/>
+                        <a:srgbClr val="ffffff"/>
                       </a:solidFill>
                       <a:prstDash val="solid"/>
                     </a:lnL>
                     <a:lnR w="12700">
                       <a:solidFill>
-                        <a:srgbClr val="666"/>
+                        <a:srgbClr val="ffffff"/>
                       </a:solidFill>
                       <a:prstDash val="solid"/>
                     </a:lnR>
                     <a:lnT w="12700">
                       <a:solidFill>
-                        <a:srgbClr val="666"/>
+                        <a:srgbClr val="ffffff"/>
                       </a:solidFill>
                       <a:prstDash val="solid"/>
                     </a:lnT>
                     <a:lnB w="12700">
                       <a:solidFill>
-                        <a:srgbClr val="666"/>
+                        <a:srgbClr val="ffffff"/>
                       </a:solidFill>
                       <a:prstDash val="solid"/>
                     </a:lnB>
@@ -10113,32 +10537,32 @@
                     <a:noFill/>
                     <a:lnL w="12700">
                       <a:solidFill>
-                        <a:srgbClr val="666"/>
+                        <a:srgbClr val="ffffff"/>
                       </a:solidFill>
                       <a:prstDash val="solid"/>
                     </a:lnL>
                     <a:lnR w="12700">
                       <a:solidFill>
-                        <a:srgbClr val="666"/>
+                        <a:srgbClr val="ffffff"/>
                       </a:solidFill>
                       <a:prstDash val="solid"/>
                     </a:lnR>
                     <a:lnT w="12700">
                       <a:solidFill>
-                        <a:srgbClr val="666"/>
+                        <a:srgbClr val="ffffff"/>
                       </a:solidFill>
                       <a:prstDash val="solid"/>
                     </a:lnT>
                     <a:lnB w="12700">
                       <a:solidFill>
-                        <a:srgbClr val="666"/>
+                        <a:srgbClr val="ffffff"/>
                       </a:solidFill>
                       <a:prstDash val="solid"/>
                     </a:lnB>
                   </a:tcPr>
                 </a:tc>
               </a:tr>
-              <a:tr h="285750">
+              <a:tr h="364331">
                 <a:tc>
                   <a:txBody>
                     <a:bodyPr lIns="76200" rIns="76200" tIns="76200" bIns="76200"/>
@@ -10164,25 +10588,25 @@
                     <a:noFill/>
                     <a:lnL w="12700">
                       <a:solidFill>
-                        <a:srgbClr val="666"/>
+                        <a:srgbClr val="ffffff"/>
                       </a:solidFill>
                       <a:prstDash val="solid"/>
                     </a:lnL>
                     <a:lnR w="12700">
                       <a:solidFill>
-                        <a:srgbClr val="666"/>
+                        <a:srgbClr val="ffffff"/>
                       </a:solidFill>
                       <a:prstDash val="solid"/>
                     </a:lnR>
                     <a:lnT w="12700">
                       <a:solidFill>
-                        <a:srgbClr val="666"/>
+                        <a:srgbClr val="ffffff"/>
                       </a:solidFill>
                       <a:prstDash val="solid"/>
                     </a:lnT>
                     <a:lnB w="12700">
                       <a:solidFill>
-                        <a:srgbClr val="666"/>
+                        <a:srgbClr val="ffffff"/>
                       </a:solidFill>
                       <a:prstDash val="solid"/>
                     </a:lnB>
@@ -10213,32 +10637,32 @@
                     <a:noFill/>
                     <a:lnL w="12700">
                       <a:solidFill>
-                        <a:srgbClr val="666"/>
+                        <a:srgbClr val="ffffff"/>
                       </a:solidFill>
                       <a:prstDash val="solid"/>
                     </a:lnL>
                     <a:lnR w="12700">
                       <a:solidFill>
-                        <a:srgbClr val="666"/>
+                        <a:srgbClr val="ffffff"/>
                       </a:solidFill>
                       <a:prstDash val="solid"/>
                     </a:lnR>
                     <a:lnT w="12700">
                       <a:solidFill>
-                        <a:srgbClr val="666"/>
+                        <a:srgbClr val="ffffff"/>
                       </a:solidFill>
                       <a:prstDash val="solid"/>
                     </a:lnT>
                     <a:lnB w="12700">
                       <a:solidFill>
-                        <a:srgbClr val="666"/>
+                        <a:srgbClr val="ffffff"/>
                       </a:solidFill>
                       <a:prstDash val="solid"/>
                     </a:lnB>
                   </a:tcPr>
                 </a:tc>
               </a:tr>
-              <a:tr h="285750">
+              <a:tr h="364331">
                 <a:tc>
                   <a:txBody>
                     <a:bodyPr lIns="76200" rIns="76200" tIns="76200" bIns="76200"/>
@@ -10264,25 +10688,25 @@
                     <a:noFill/>
                     <a:lnL w="12700">
                       <a:solidFill>
-                        <a:srgbClr val="666"/>
+                        <a:srgbClr val="ffffff"/>
                       </a:solidFill>
                       <a:prstDash val="solid"/>
                     </a:lnL>
                     <a:lnR w="12700">
                       <a:solidFill>
-                        <a:srgbClr val="666"/>
+                        <a:srgbClr val="ffffff"/>
                       </a:solidFill>
                       <a:prstDash val="solid"/>
                     </a:lnR>
                     <a:lnT w="12700">
                       <a:solidFill>
-                        <a:srgbClr val="666"/>
+                        <a:srgbClr val="ffffff"/>
                       </a:solidFill>
                       <a:prstDash val="solid"/>
                     </a:lnT>
                     <a:lnB w="12700">
                       <a:solidFill>
-                        <a:srgbClr val="666"/>
+                        <a:srgbClr val="ffffff"/>
                       </a:solidFill>
                       <a:prstDash val="solid"/>
                     </a:lnB>
@@ -10313,25 +10737,25 @@
                     <a:noFill/>
                     <a:lnL w="12700">
                       <a:solidFill>
-                        <a:srgbClr val="666"/>
+                        <a:srgbClr val="ffffff"/>
                       </a:solidFill>
                       <a:prstDash val="solid"/>
                     </a:lnL>
                     <a:lnR w="12700">
                       <a:solidFill>
-                        <a:srgbClr val="666"/>
+                        <a:srgbClr val="ffffff"/>
                       </a:solidFill>
                       <a:prstDash val="solid"/>
                     </a:lnR>
                     <a:lnT w="12700">
                       <a:solidFill>
-                        <a:srgbClr val="666"/>
+                        <a:srgbClr val="ffffff"/>
                       </a:solidFill>
                       <a:prstDash val="solid"/>
                     </a:lnT>
                     <a:lnB w="12700">
                       <a:solidFill>
-                        <a:srgbClr val="666"/>
+                        <a:srgbClr val="ffffff"/>
                       </a:solidFill>
                       <a:prstDash val="solid"/>
                     </a:lnB>
@@ -10353,14 +10777,6 @@
 <file path=ppt/slides/slide3.xml><?xml version="1.0" encoding="utf-8"?>
 <p:sld xmlns:a="http://schemas.openxmlformats.org/drawingml/2006/main" xmlns:p="http://schemas.openxmlformats.org/presentationml/2006/main" xmlns:r="http://schemas.openxmlformats.org/officeDocument/2006/relationships">
   <p:cSld>
-    <p:bg>
-      <p:bgPr>
-        <a:solidFill>
-          <a:srgbClr val="1A1A1A"/>
-        </a:solidFill>
-        <a:effectLst/>
-      </p:bgPr>
-    </p:bg>
     <p:spTree>
       <p:nvGrpSpPr>
         <p:cNvPr id="1" name=""/>
@@ -10376,7 +10792,7 @@
         </p:nvSpPr>
         <p:spPr>
           <a:xfrm>
-            <a:off x="200025" y="380999"/>
+            <a:off x="200025" y="180975"/>
             <a:ext cx="8943975" cy="274320"/>
           </a:xfrm>
           <a:prstGeom prst="rect">
@@ -10398,7 +10814,7 @@
                 <a:spcPts val="0"/>
               </a:spcBef>
               <a:spcAft>
-                <a:spcPts val="1500"/>
+                <a:spcPts val="0"/>
               </a:spcAft>
               <a:defRPr>
                 <a:solidFill>
@@ -10423,7 +10839,7 @@
         </p:nvSpPr>
         <p:spPr>
           <a:xfrm>
-            <a:off x="200025" y="838200"/>
+            <a:off x="200025" y="619124"/>
             <a:ext cx="8943975" cy="274320"/>
           </a:xfrm>
           <a:prstGeom prst="rect">
@@ -10445,7 +10861,7 @@
                 <a:spcPts val="0"/>
               </a:spcBef>
               <a:spcAft>
-                <a:spcPts val="1125"/>
+                <a:spcPts val="0"/>
               </a:spcAft>
               <a:defRPr>
                 <a:solidFill>
@@ -10470,8 +10886,8 @@
         </p:nvSpPr>
         <p:spPr>
           <a:xfrm>
-            <a:off x="200025" y="1247775"/>
-            <a:ext cx="5153024" cy="1485900"/>
+            <a:off x="200025" y="971550"/>
+            <a:ext cx="7200900" cy="2305049"/>
           </a:xfrm>
           <a:prstGeom prst="rect">
             <a:avLst/>
@@ -10504,8 +10920,8 @@
           <p:nvPr/>
         </p:nvGraphicFramePr>
         <p:xfrm>
-          <a:off x="200025" y="1247775"/>
-          <a:ext cx="5146995" cy="1428750"/>
+          <a:off x="200025" y="971550"/>
+          <a:ext cx="7193455" cy="2247900"/>
         </p:xfrm>
         <a:graphic>
           <a:graphicData uri="http://schemas.openxmlformats.org/drawingml/2006/table">
@@ -10514,12 +10930,12 @@
                 <a:tableStyleId>{5C22544A-7EE6-4342-B048-85BDC9FD1C3A}</a:tableStyleId>
               </a:tblPr>
               <a:tblGrid>
-                <a:gridCol w="1263029"/>
-                <a:gridCol w="780231"/>
-                <a:gridCol w="1464543"/>
-                <a:gridCol w="1639192"/>
+                <a:gridCol w="1923677"/>
+                <a:gridCol w="1135930"/>
+                <a:gridCol w="2066924"/>
+                <a:gridCol w="2066924"/>
               </a:tblGrid>
-              <a:tr h="285750">
+              <a:tr h="449580">
                 <a:tc>
                   <a:txBody>
                     <a:bodyPr lIns="76200" rIns="76200" tIns="76200" bIns="76200"/>
@@ -10545,25 +10961,25 @@
                     <a:noFill/>
                     <a:lnL w="12700">
                       <a:solidFill>
-                        <a:srgbClr val="666"/>
+                        <a:srgbClr val="ffffff"/>
                       </a:solidFill>
                       <a:prstDash val="solid"/>
                     </a:lnL>
                     <a:lnR w="12700">
                       <a:solidFill>
-                        <a:srgbClr val="666"/>
+                        <a:srgbClr val="ffffff"/>
                       </a:solidFill>
                       <a:prstDash val="solid"/>
                     </a:lnR>
                     <a:lnT w="12700">
                       <a:solidFill>
-                        <a:srgbClr val="666"/>
+                        <a:srgbClr val="ffffff"/>
                       </a:solidFill>
                       <a:prstDash val="solid"/>
                     </a:lnT>
                     <a:lnB w="12700">
                       <a:solidFill>
-                        <a:srgbClr val="666"/>
+                        <a:srgbClr val="ffffff"/>
                       </a:solidFill>
                       <a:prstDash val="solid"/>
                     </a:lnB>
@@ -10594,25 +11010,25 @@
                     <a:noFill/>
                     <a:lnL w="12700">
                       <a:solidFill>
-                        <a:srgbClr val="666"/>
+                        <a:srgbClr val="ffffff"/>
                       </a:solidFill>
                       <a:prstDash val="solid"/>
                     </a:lnL>
                     <a:lnR w="12700">
                       <a:solidFill>
-                        <a:srgbClr val="666"/>
+                        <a:srgbClr val="ffffff"/>
                       </a:solidFill>
                       <a:prstDash val="solid"/>
                     </a:lnR>
                     <a:lnT w="12700">
                       <a:solidFill>
-                        <a:srgbClr val="666"/>
+                        <a:srgbClr val="ffffff"/>
                       </a:solidFill>
                       <a:prstDash val="solid"/>
                     </a:lnT>
                     <a:lnB w="12700">
                       <a:solidFill>
-                        <a:srgbClr val="666"/>
+                        <a:srgbClr val="ffffff"/>
                       </a:solidFill>
                       <a:prstDash val="solid"/>
                     </a:lnB>
@@ -10643,25 +11059,25 @@
                     <a:noFill/>
                     <a:lnL w="12700">
                       <a:solidFill>
-                        <a:srgbClr val="666"/>
+                        <a:srgbClr val="ffffff"/>
                       </a:solidFill>
                       <a:prstDash val="solid"/>
                     </a:lnL>
                     <a:lnR w="12700">
                       <a:solidFill>
-                        <a:srgbClr val="666"/>
+                        <a:srgbClr val="ffffff"/>
                       </a:solidFill>
                       <a:prstDash val="solid"/>
                     </a:lnR>
                     <a:lnT w="12700">
                       <a:solidFill>
-                        <a:srgbClr val="666"/>
+                        <a:srgbClr val="ffffff"/>
                       </a:solidFill>
                       <a:prstDash val="solid"/>
                     </a:lnT>
                     <a:lnB w="12700">
                       <a:solidFill>
-                        <a:srgbClr val="666"/>
+                        <a:srgbClr val="ffffff"/>
                       </a:solidFill>
                       <a:prstDash val="solid"/>
                     </a:lnB>
@@ -10692,32 +11108,32 @@
                     <a:noFill/>
                     <a:lnL w="12700">
                       <a:solidFill>
-                        <a:srgbClr val="666"/>
+                        <a:srgbClr val="ffffff"/>
                       </a:solidFill>
                       <a:prstDash val="solid"/>
                     </a:lnL>
                     <a:lnR w="12700">
                       <a:solidFill>
-                        <a:srgbClr val="666"/>
+                        <a:srgbClr val="ffffff"/>
                       </a:solidFill>
                       <a:prstDash val="solid"/>
                     </a:lnR>
                     <a:lnT w="12700">
                       <a:solidFill>
-                        <a:srgbClr val="666"/>
+                        <a:srgbClr val="ffffff"/>
                       </a:solidFill>
                       <a:prstDash val="solid"/>
                     </a:lnT>
                     <a:lnB w="12700">
                       <a:solidFill>
-                        <a:srgbClr val="666"/>
+                        <a:srgbClr val="ffffff"/>
                       </a:solidFill>
                       <a:prstDash val="solid"/>
                     </a:lnB>
                   </a:tcPr>
                 </a:tc>
               </a:tr>
-              <a:tr h="285750">
+              <a:tr h="449580">
                 <a:tc>
                   <a:txBody>
                     <a:bodyPr lIns="76200" rIns="76200" tIns="76200" bIns="76200"/>
@@ -10743,25 +11159,25 @@
                     <a:noFill/>
                     <a:lnL w="12700">
                       <a:solidFill>
-                        <a:srgbClr val="666"/>
+                        <a:srgbClr val="ffffff"/>
                       </a:solidFill>
                       <a:prstDash val="solid"/>
                     </a:lnL>
                     <a:lnR w="12700">
                       <a:solidFill>
-                        <a:srgbClr val="666"/>
+                        <a:srgbClr val="ffffff"/>
                       </a:solidFill>
                       <a:prstDash val="solid"/>
                     </a:lnR>
                     <a:lnT w="12700">
                       <a:solidFill>
-                        <a:srgbClr val="666"/>
+                        <a:srgbClr val="ffffff"/>
                       </a:solidFill>
                       <a:prstDash val="solid"/>
                     </a:lnT>
                     <a:lnB w="12700">
                       <a:solidFill>
-                        <a:srgbClr val="666"/>
+                        <a:srgbClr val="ffffff"/>
                       </a:solidFill>
                       <a:prstDash val="solid"/>
                     </a:lnB>
@@ -10792,25 +11208,25 @@
                     <a:noFill/>
                     <a:lnL w="12700">
                       <a:solidFill>
-                        <a:srgbClr val="666"/>
+                        <a:srgbClr val="ffffff"/>
                       </a:solidFill>
                       <a:prstDash val="solid"/>
                     </a:lnL>
                     <a:lnR w="12700">
                       <a:solidFill>
-                        <a:srgbClr val="666"/>
+                        <a:srgbClr val="ffffff"/>
                       </a:solidFill>
                       <a:prstDash val="solid"/>
                     </a:lnR>
                     <a:lnT w="12700">
                       <a:solidFill>
-                        <a:srgbClr val="666"/>
+                        <a:srgbClr val="ffffff"/>
                       </a:solidFill>
                       <a:prstDash val="solid"/>
                     </a:lnT>
                     <a:lnB w="12700">
                       <a:solidFill>
-                        <a:srgbClr val="666"/>
+                        <a:srgbClr val="ffffff"/>
                       </a:solidFill>
                       <a:prstDash val="solid"/>
                     </a:lnB>
@@ -10841,25 +11257,25 @@
                     <a:noFill/>
                     <a:lnL w="12700">
                       <a:solidFill>
-                        <a:srgbClr val="666"/>
+                        <a:srgbClr val="ffffff"/>
                       </a:solidFill>
                       <a:prstDash val="solid"/>
                     </a:lnL>
                     <a:lnR w="12700">
                       <a:solidFill>
-                        <a:srgbClr val="666"/>
+                        <a:srgbClr val="ffffff"/>
                       </a:solidFill>
                       <a:prstDash val="solid"/>
                     </a:lnR>
                     <a:lnT w="12700">
                       <a:solidFill>
-                        <a:srgbClr val="666"/>
+                        <a:srgbClr val="ffffff"/>
                       </a:solidFill>
                       <a:prstDash val="solid"/>
                     </a:lnT>
                     <a:lnB w="12700">
                       <a:solidFill>
-                        <a:srgbClr val="666"/>
+                        <a:srgbClr val="ffffff"/>
                       </a:solidFill>
                       <a:prstDash val="solid"/>
                     </a:lnB>
@@ -10890,32 +11306,32 @@
                     <a:noFill/>
                     <a:lnL w="12700">
                       <a:solidFill>
-                        <a:srgbClr val="666"/>
+                        <a:srgbClr val="ffffff"/>
                       </a:solidFill>
                       <a:prstDash val="solid"/>
                     </a:lnL>
                     <a:lnR w="12700">
                       <a:solidFill>
-                        <a:srgbClr val="666"/>
+                        <a:srgbClr val="ffffff"/>
                       </a:solidFill>
                       <a:prstDash val="solid"/>
                     </a:lnR>
                     <a:lnT w="12700">
                       <a:solidFill>
-                        <a:srgbClr val="666"/>
+                        <a:srgbClr val="ffffff"/>
                       </a:solidFill>
                       <a:prstDash val="solid"/>
                     </a:lnT>
                     <a:lnB w="12700">
                       <a:solidFill>
-                        <a:srgbClr val="666"/>
+                        <a:srgbClr val="ffffff"/>
                       </a:solidFill>
                       <a:prstDash val="solid"/>
                     </a:lnB>
                   </a:tcPr>
                 </a:tc>
               </a:tr>
-              <a:tr h="285750">
+              <a:tr h="449580">
                 <a:tc>
                   <a:txBody>
                     <a:bodyPr lIns="76200" rIns="76200" tIns="76200" bIns="76200"/>
@@ -10941,25 +11357,25 @@
                     <a:noFill/>
                     <a:lnL w="12700">
                       <a:solidFill>
-                        <a:srgbClr val="666"/>
+                        <a:srgbClr val="ffffff"/>
                       </a:solidFill>
                       <a:prstDash val="solid"/>
                     </a:lnL>
                     <a:lnR w="12700">
                       <a:solidFill>
-                        <a:srgbClr val="666"/>
+                        <a:srgbClr val="ffffff"/>
                       </a:solidFill>
                       <a:prstDash val="solid"/>
                     </a:lnR>
                     <a:lnT w="12700">
                       <a:solidFill>
-                        <a:srgbClr val="666"/>
+                        <a:srgbClr val="ffffff"/>
                       </a:solidFill>
                       <a:prstDash val="solid"/>
                     </a:lnT>
                     <a:lnB w="12700">
                       <a:solidFill>
-                        <a:srgbClr val="666"/>
+                        <a:srgbClr val="ffffff"/>
                       </a:solidFill>
                       <a:prstDash val="solid"/>
                     </a:lnB>
@@ -10990,25 +11406,25 @@
                     <a:noFill/>
                     <a:lnL w="12700">
                       <a:solidFill>
-                        <a:srgbClr val="666"/>
+                        <a:srgbClr val="ffffff"/>
                       </a:solidFill>
                       <a:prstDash val="solid"/>
                     </a:lnL>
                     <a:lnR w="12700">
                       <a:solidFill>
-                        <a:srgbClr val="666"/>
+                        <a:srgbClr val="ffffff"/>
                       </a:solidFill>
                       <a:prstDash val="solid"/>
                     </a:lnR>
                     <a:lnT w="12700">
                       <a:solidFill>
-                        <a:srgbClr val="666"/>
+                        <a:srgbClr val="ffffff"/>
                       </a:solidFill>
                       <a:prstDash val="solid"/>
                     </a:lnT>
                     <a:lnB w="12700">
                       <a:solidFill>
-                        <a:srgbClr val="666"/>
+                        <a:srgbClr val="ffffff"/>
                       </a:solidFill>
                       <a:prstDash val="solid"/>
                     </a:lnB>
@@ -11039,25 +11455,25 @@
                     <a:noFill/>
                     <a:lnL w="12700">
                       <a:solidFill>
-                        <a:srgbClr val="666"/>
+                        <a:srgbClr val="ffffff"/>
                       </a:solidFill>
                       <a:prstDash val="solid"/>
                     </a:lnL>
                     <a:lnR w="12700">
                       <a:solidFill>
-                        <a:srgbClr val="666"/>
+                        <a:srgbClr val="ffffff"/>
                       </a:solidFill>
                       <a:prstDash val="solid"/>
                     </a:lnR>
                     <a:lnT w="12700">
                       <a:solidFill>
-                        <a:srgbClr val="666"/>
+                        <a:srgbClr val="ffffff"/>
                       </a:solidFill>
                       <a:prstDash val="solid"/>
                     </a:lnT>
                     <a:lnB w="12700">
                       <a:solidFill>
-                        <a:srgbClr val="666"/>
+                        <a:srgbClr val="ffffff"/>
                       </a:solidFill>
                       <a:prstDash val="solid"/>
                     </a:lnB>
@@ -11088,32 +11504,32 @@
                     <a:noFill/>
                     <a:lnL w="12700">
                       <a:solidFill>
-                        <a:srgbClr val="666"/>
+                        <a:srgbClr val="ffffff"/>
                       </a:solidFill>
                       <a:prstDash val="solid"/>
                     </a:lnL>
                     <a:lnR w="12700">
                       <a:solidFill>
-                        <a:srgbClr val="666"/>
+                        <a:srgbClr val="ffffff"/>
                       </a:solidFill>
                       <a:prstDash val="solid"/>
                     </a:lnR>
                     <a:lnT w="12700">
                       <a:solidFill>
-                        <a:srgbClr val="666"/>
+                        <a:srgbClr val="ffffff"/>
                       </a:solidFill>
                       <a:prstDash val="solid"/>
                     </a:lnT>
                     <a:lnB w="12700">
                       <a:solidFill>
-                        <a:srgbClr val="666"/>
+                        <a:srgbClr val="ffffff"/>
                       </a:solidFill>
                       <a:prstDash val="solid"/>
                     </a:lnB>
                   </a:tcPr>
                 </a:tc>
               </a:tr>
-              <a:tr h="285750">
+              <a:tr h="449580">
                 <a:tc>
                   <a:txBody>
                     <a:bodyPr lIns="76200" rIns="76200" tIns="76200" bIns="76200"/>
@@ -11139,25 +11555,25 @@
                     <a:noFill/>
                     <a:lnL w="12700">
                       <a:solidFill>
-                        <a:srgbClr val="666"/>
+                        <a:srgbClr val="ffffff"/>
                       </a:solidFill>
                       <a:prstDash val="solid"/>
                     </a:lnL>
                     <a:lnR w="12700">
                       <a:solidFill>
-                        <a:srgbClr val="666"/>
+                        <a:srgbClr val="ffffff"/>
                       </a:solidFill>
                       <a:prstDash val="solid"/>
                     </a:lnR>
                     <a:lnT w="12700">
                       <a:solidFill>
-                        <a:srgbClr val="666"/>
+                        <a:srgbClr val="ffffff"/>
                       </a:solidFill>
                       <a:prstDash val="solid"/>
                     </a:lnT>
                     <a:lnB w="12700">
                       <a:solidFill>
-                        <a:srgbClr val="666"/>
+                        <a:srgbClr val="ffffff"/>
                       </a:solidFill>
                       <a:prstDash val="solid"/>
                     </a:lnB>
@@ -11188,25 +11604,25 @@
                     <a:noFill/>
                     <a:lnL w="12700">
                       <a:solidFill>
-                        <a:srgbClr val="666"/>
+                        <a:srgbClr val="ffffff"/>
                       </a:solidFill>
                       <a:prstDash val="solid"/>
                     </a:lnL>
                     <a:lnR w="12700">
                       <a:solidFill>
-                        <a:srgbClr val="666"/>
+                        <a:srgbClr val="ffffff"/>
                       </a:solidFill>
                       <a:prstDash val="solid"/>
                     </a:lnR>
                     <a:lnT w="12700">
                       <a:solidFill>
-                        <a:srgbClr val="666"/>
+                        <a:srgbClr val="ffffff"/>
                       </a:solidFill>
                       <a:prstDash val="solid"/>
                     </a:lnT>
                     <a:lnB w="12700">
                       <a:solidFill>
-                        <a:srgbClr val="666"/>
+                        <a:srgbClr val="ffffff"/>
                       </a:solidFill>
                       <a:prstDash val="solid"/>
                     </a:lnB>
@@ -11237,25 +11653,25 @@
                     <a:noFill/>
                     <a:lnL w="12700">
                       <a:solidFill>
-                        <a:srgbClr val="666"/>
+                        <a:srgbClr val="ffffff"/>
                       </a:solidFill>
                       <a:prstDash val="solid"/>
                     </a:lnL>
                     <a:lnR w="12700">
                       <a:solidFill>
-                        <a:srgbClr val="666"/>
+                        <a:srgbClr val="ffffff"/>
                       </a:solidFill>
                       <a:prstDash val="solid"/>
                     </a:lnR>
                     <a:lnT w="12700">
                       <a:solidFill>
-                        <a:srgbClr val="666"/>
+                        <a:srgbClr val="ffffff"/>
                       </a:solidFill>
                       <a:prstDash val="solid"/>
                     </a:lnT>
                     <a:lnB w="12700">
                       <a:solidFill>
-                        <a:srgbClr val="666"/>
+                        <a:srgbClr val="ffffff"/>
                       </a:solidFill>
                       <a:prstDash val="solid"/>
                     </a:lnB>
@@ -11286,32 +11702,32 @@
                     <a:noFill/>
                     <a:lnL w="12700">
                       <a:solidFill>
-                        <a:srgbClr val="666"/>
+                        <a:srgbClr val="ffffff"/>
                       </a:solidFill>
                       <a:prstDash val="solid"/>
                     </a:lnL>
                     <a:lnR w="12700">
                       <a:solidFill>
-                        <a:srgbClr val="666"/>
+                        <a:srgbClr val="ffffff"/>
                       </a:solidFill>
                       <a:prstDash val="solid"/>
                     </a:lnR>
                     <a:lnT w="12700">
                       <a:solidFill>
-                        <a:srgbClr val="666"/>
+                        <a:srgbClr val="ffffff"/>
                       </a:solidFill>
                       <a:prstDash val="solid"/>
                     </a:lnT>
                     <a:lnB w="12700">
                       <a:solidFill>
-                        <a:srgbClr val="666"/>
+                        <a:srgbClr val="ffffff"/>
                       </a:solidFill>
                       <a:prstDash val="solid"/>
                     </a:lnB>
                   </a:tcPr>
                 </a:tc>
               </a:tr>
-              <a:tr h="285750">
+              <a:tr h="449580">
                 <a:tc>
                   <a:txBody>
                     <a:bodyPr lIns="76200" rIns="76200" tIns="76200" bIns="76200"/>
@@ -11337,25 +11753,25 @@
                     <a:noFill/>
                     <a:lnL w="12700">
                       <a:solidFill>
-                        <a:srgbClr val="666"/>
+                        <a:srgbClr val="ffffff"/>
                       </a:solidFill>
                       <a:prstDash val="solid"/>
                     </a:lnL>
                     <a:lnR w="12700">
                       <a:solidFill>
-                        <a:srgbClr val="666"/>
+                        <a:srgbClr val="ffffff"/>
                       </a:solidFill>
                       <a:prstDash val="solid"/>
                     </a:lnR>
                     <a:lnT w="12700">
                       <a:solidFill>
-                        <a:srgbClr val="666"/>
+                        <a:srgbClr val="ffffff"/>
                       </a:solidFill>
                       <a:prstDash val="solid"/>
                     </a:lnT>
                     <a:lnB w="12700">
                       <a:solidFill>
-                        <a:srgbClr val="666"/>
+                        <a:srgbClr val="ffffff"/>
                       </a:solidFill>
                       <a:prstDash val="solid"/>
                     </a:lnB>
@@ -11386,25 +11802,25 @@
                     <a:noFill/>
                     <a:lnL w="12700">
                       <a:solidFill>
-                        <a:srgbClr val="666"/>
+                        <a:srgbClr val="ffffff"/>
                       </a:solidFill>
                       <a:prstDash val="solid"/>
                     </a:lnL>
                     <a:lnR w="12700">
                       <a:solidFill>
-                        <a:srgbClr val="666"/>
+                        <a:srgbClr val="ffffff"/>
                       </a:solidFill>
                       <a:prstDash val="solid"/>
                     </a:lnR>
                     <a:lnT w="12700">
                       <a:solidFill>
-                        <a:srgbClr val="666"/>
+                        <a:srgbClr val="ffffff"/>
                       </a:solidFill>
                       <a:prstDash val="solid"/>
                     </a:lnT>
                     <a:lnB w="12700">
                       <a:solidFill>
-                        <a:srgbClr val="666"/>
+                        <a:srgbClr val="ffffff"/>
                       </a:solidFill>
                       <a:prstDash val="solid"/>
                     </a:lnB>
@@ -11435,25 +11851,25 @@
                     <a:noFill/>
                     <a:lnL w="12700">
                       <a:solidFill>
-                        <a:srgbClr val="666"/>
+                        <a:srgbClr val="ffffff"/>
                       </a:solidFill>
                       <a:prstDash val="solid"/>
                     </a:lnL>
                     <a:lnR w="12700">
                       <a:solidFill>
-                        <a:srgbClr val="666"/>
+                        <a:srgbClr val="ffffff"/>
                       </a:solidFill>
                       <a:prstDash val="solid"/>
                     </a:lnR>
                     <a:lnT w="12700">
                       <a:solidFill>
-                        <a:srgbClr val="666"/>
+                        <a:srgbClr val="ffffff"/>
                       </a:solidFill>
                       <a:prstDash val="solid"/>
                     </a:lnT>
                     <a:lnB w="12700">
                       <a:solidFill>
-                        <a:srgbClr val="666"/>
+                        <a:srgbClr val="ffffff"/>
                       </a:solidFill>
                       <a:prstDash val="solid"/>
                     </a:lnB>
@@ -11484,25 +11900,25 @@
                     <a:noFill/>
                     <a:lnL w="12700">
                       <a:solidFill>
-                        <a:srgbClr val="666"/>
+                        <a:srgbClr val="ffffff"/>
                       </a:solidFill>
                       <a:prstDash val="solid"/>
                     </a:lnL>
                     <a:lnR w="12700">
                       <a:solidFill>
-                        <a:srgbClr val="666"/>
+                        <a:srgbClr val="ffffff"/>
                       </a:solidFill>
                       <a:prstDash val="solid"/>
                     </a:lnR>
                     <a:lnT w="12700">
                       <a:solidFill>
-                        <a:srgbClr val="666"/>
+                        <a:srgbClr val="ffffff"/>
                       </a:solidFill>
                       <a:prstDash val="solid"/>
                     </a:lnT>
                     <a:lnB w="12700">
                       <a:solidFill>
-                        <a:srgbClr val="666"/>
+                        <a:srgbClr val="ffffff"/>
                       </a:solidFill>
                       <a:prstDash val="solid"/>
                     </a:lnB>
@@ -11521,7 +11937,7 @@
         </p:nvSpPr>
         <p:spPr>
           <a:xfrm>
-            <a:off x="200025" y="2876549"/>
+            <a:off x="200025" y="3429000"/>
             <a:ext cx="8943975" cy="274320"/>
           </a:xfrm>
           <a:prstGeom prst="rect">
@@ -11543,7 +11959,7 @@
                 <a:spcPts val="0"/>
               </a:spcBef>
               <a:spcAft>
-                <a:spcPts val="1125"/>
+                <a:spcPts val="0"/>
               </a:spcAft>
               <a:defRPr>
                 <a:solidFill>
@@ -11560,16 +11976,34 @@
           </a:p>
         </p:txBody>
       </p:sp>
+    </p:spTree>
+  </p:cSld>
+  <p:clrMapOvr>
+    <a:masterClrMapping/>
+  </p:clrMapOvr>
+</p:sld>
+</file>
+
+<file path=ppt/slides/slide4.xml><?xml version="1.0" encoding="utf-8"?>
+<p:sld xmlns:a="http://schemas.openxmlformats.org/drawingml/2006/main" xmlns:p="http://schemas.openxmlformats.org/presentationml/2006/main" xmlns:r="http://schemas.openxmlformats.org/officeDocument/2006/relationships">
+  <p:cSld>
+    <p:spTree>
+      <p:nvGrpSpPr>
+        <p:cNvPr id="1" name=""/>
+        <p:cNvGrpSpPr/>
+        <p:nvPr/>
+      </p:nvGrpSpPr>
+      <p:grpSpPr/>
       <p:sp>
         <p:nvSpPr>
-          <p:cNvPr id="7" name="TextBox 6"/>
+          <p:cNvPr id="2" name="TextBox 1"/>
           <p:cNvSpPr txBox="1"/>
           <p:nvPr/>
         </p:nvSpPr>
         <p:spPr>
           <a:xfrm>
-            <a:off x="200025" y="3286125"/>
-            <a:ext cx="1771650" cy="1190625"/>
+            <a:off x="200025" y="180975"/>
+            <a:ext cx="2447924" cy="1504950"/>
           </a:xfrm>
           <a:prstGeom prst="rect">
             <a:avLst/>
@@ -11595,15 +12029,15 @@
       </p:sp>
       <p:graphicFrame>
         <p:nvGraphicFramePr>
-          <p:cNvPr id="8" name="Table 7"/>
+          <p:cNvPr id="3" name="Table 2"/>
           <p:cNvGraphicFramePr>
             <a:graphicFrameLocks noGrp="1"/>
           </p:cNvGraphicFramePr>
           <p:nvPr/>
         </p:nvGraphicFramePr>
         <p:xfrm>
-          <a:off x="200025" y="3286125"/>
-          <a:ext cx="1770233" cy="1143000"/>
+          <a:off x="200025" y="180975"/>
+          <a:ext cx="2443384" cy="1457324"/>
         </p:xfrm>
         <a:graphic>
           <a:graphicData uri="http://schemas.openxmlformats.org/drawingml/2006/table">
@@ -11612,12 +12046,12 @@
                 <a:tableStyleId>{5C22544A-7EE6-4342-B048-85BDC9FD1C3A}</a:tableStyleId>
               </a:tblPr>
               <a:tblGrid>
-                <a:gridCol w="421406"/>
-                <a:gridCol w="341932"/>
-                <a:gridCol w="479821"/>
-                <a:gridCol w="527074"/>
+                <a:gridCol w="577006"/>
+                <a:gridCol w="449833"/>
+                <a:gridCol w="670470"/>
+                <a:gridCol w="746075"/>
               </a:tblGrid>
-              <a:tr h="285750">
+              <a:tr h="364331">
                 <a:tc>
                   <a:txBody>
                     <a:bodyPr lIns="76200" rIns="76200" tIns="76200" bIns="76200"/>
@@ -11643,25 +12077,25 @@
                     <a:noFill/>
                     <a:lnL w="12700">
                       <a:solidFill>
-                        <a:srgbClr val="666"/>
+                        <a:srgbClr val="ffffff"/>
                       </a:solidFill>
                       <a:prstDash val="solid"/>
                     </a:lnL>
                     <a:lnR w="12700">
                       <a:solidFill>
-                        <a:srgbClr val="666"/>
+                        <a:srgbClr val="ffffff"/>
                       </a:solidFill>
                       <a:prstDash val="solid"/>
                     </a:lnR>
                     <a:lnT w="12700">
                       <a:solidFill>
-                        <a:srgbClr val="666"/>
+                        <a:srgbClr val="ffffff"/>
                       </a:solidFill>
                       <a:prstDash val="solid"/>
                     </a:lnT>
                     <a:lnB w="12700">
                       <a:solidFill>
-                        <a:srgbClr val="666"/>
+                        <a:srgbClr val="ffffff"/>
                       </a:solidFill>
                       <a:prstDash val="solid"/>
                     </a:lnB>
@@ -11692,25 +12126,25 @@
                     <a:noFill/>
                     <a:lnL w="12700">
                       <a:solidFill>
-                        <a:srgbClr val="666"/>
+                        <a:srgbClr val="ffffff"/>
                       </a:solidFill>
                       <a:prstDash val="solid"/>
                     </a:lnL>
                     <a:lnR w="12700">
                       <a:solidFill>
-                        <a:srgbClr val="666"/>
+                        <a:srgbClr val="ffffff"/>
                       </a:solidFill>
                       <a:prstDash val="solid"/>
                     </a:lnR>
                     <a:lnT w="12700">
                       <a:solidFill>
-                        <a:srgbClr val="666"/>
+                        <a:srgbClr val="ffffff"/>
                       </a:solidFill>
                       <a:prstDash val="solid"/>
                     </a:lnT>
                     <a:lnB w="12700">
                       <a:solidFill>
-                        <a:srgbClr val="666"/>
+                        <a:srgbClr val="ffffff"/>
                       </a:solidFill>
                       <a:prstDash val="solid"/>
                     </a:lnB>
@@ -11741,25 +12175,25 @@
                     <a:noFill/>
                     <a:lnL w="12700">
                       <a:solidFill>
-                        <a:srgbClr val="666"/>
+                        <a:srgbClr val="ffffff"/>
                       </a:solidFill>
                       <a:prstDash val="solid"/>
                     </a:lnL>
                     <a:lnR w="12700">
                       <a:solidFill>
-                        <a:srgbClr val="666"/>
+                        <a:srgbClr val="ffffff"/>
                       </a:solidFill>
                       <a:prstDash val="solid"/>
                     </a:lnR>
                     <a:lnT w="12700">
                       <a:solidFill>
-                        <a:srgbClr val="666"/>
+                        <a:srgbClr val="ffffff"/>
                       </a:solidFill>
                       <a:prstDash val="solid"/>
                     </a:lnT>
                     <a:lnB w="12700">
                       <a:solidFill>
-                        <a:srgbClr val="666"/>
+                        <a:srgbClr val="ffffff"/>
                       </a:solidFill>
                       <a:prstDash val="solid"/>
                     </a:lnB>
@@ -11790,32 +12224,32 @@
                     <a:noFill/>
                     <a:lnL w="12700">
                       <a:solidFill>
-                        <a:srgbClr val="666"/>
+                        <a:srgbClr val="ffffff"/>
                       </a:solidFill>
                       <a:prstDash val="solid"/>
                     </a:lnL>
                     <a:lnR w="12700">
                       <a:solidFill>
-                        <a:srgbClr val="666"/>
+                        <a:srgbClr val="ffffff"/>
                       </a:solidFill>
                       <a:prstDash val="solid"/>
                     </a:lnR>
                     <a:lnT w="12700">
                       <a:solidFill>
-                        <a:srgbClr val="666"/>
+                        <a:srgbClr val="ffffff"/>
                       </a:solidFill>
                       <a:prstDash val="solid"/>
                     </a:lnT>
                     <a:lnB w="12700">
                       <a:solidFill>
-                        <a:srgbClr val="666"/>
+                        <a:srgbClr val="ffffff"/>
                       </a:solidFill>
                       <a:prstDash val="solid"/>
                     </a:lnB>
                   </a:tcPr>
                 </a:tc>
               </a:tr>
-              <a:tr h="285750">
+              <a:tr h="364331">
                 <a:tc>
                   <a:txBody>
                     <a:bodyPr lIns="76200" rIns="76200" tIns="76200" bIns="76200"/>
@@ -11841,25 +12275,25 @@
                     <a:noFill/>
                     <a:lnL w="12700">
                       <a:solidFill>
-                        <a:srgbClr val="666"/>
+                        <a:srgbClr val="ffffff"/>
                       </a:solidFill>
                       <a:prstDash val="solid"/>
                     </a:lnL>
                     <a:lnR w="12700">
                       <a:solidFill>
-                        <a:srgbClr val="666"/>
+                        <a:srgbClr val="ffffff"/>
                       </a:solidFill>
                       <a:prstDash val="solid"/>
                     </a:lnR>
                     <a:lnT w="12700">
                       <a:solidFill>
-                        <a:srgbClr val="666"/>
+                        <a:srgbClr val="ffffff"/>
                       </a:solidFill>
                       <a:prstDash val="solid"/>
                     </a:lnT>
                     <a:lnB w="12700">
                       <a:solidFill>
-                        <a:srgbClr val="666"/>
+                        <a:srgbClr val="ffffff"/>
                       </a:solidFill>
                       <a:prstDash val="solid"/>
                     </a:lnB>
@@ -11890,25 +12324,25 @@
                     <a:noFill/>
                     <a:lnL w="12700">
                       <a:solidFill>
-                        <a:srgbClr val="666"/>
+                        <a:srgbClr val="ffffff"/>
                       </a:solidFill>
                       <a:prstDash val="solid"/>
                     </a:lnL>
                     <a:lnR w="12700">
                       <a:solidFill>
-                        <a:srgbClr val="666"/>
+                        <a:srgbClr val="ffffff"/>
                       </a:solidFill>
                       <a:prstDash val="solid"/>
                     </a:lnR>
                     <a:lnT w="12700">
                       <a:solidFill>
-                        <a:srgbClr val="666"/>
+                        <a:srgbClr val="ffffff"/>
                       </a:solidFill>
                       <a:prstDash val="solid"/>
                     </a:lnT>
                     <a:lnB w="12700">
                       <a:solidFill>
-                        <a:srgbClr val="666"/>
+                        <a:srgbClr val="ffffff"/>
                       </a:solidFill>
                       <a:prstDash val="solid"/>
                     </a:lnB>
@@ -11939,25 +12373,25 @@
                     <a:noFill/>
                     <a:lnL w="12700">
                       <a:solidFill>
-                        <a:srgbClr val="666"/>
+                        <a:srgbClr val="ffffff"/>
                       </a:solidFill>
                       <a:prstDash val="solid"/>
                     </a:lnL>
                     <a:lnR w="12700">
                       <a:solidFill>
-                        <a:srgbClr val="666"/>
+                        <a:srgbClr val="ffffff"/>
                       </a:solidFill>
                       <a:prstDash val="solid"/>
                     </a:lnR>
                     <a:lnT w="12700">
                       <a:solidFill>
-                        <a:srgbClr val="666"/>
+                        <a:srgbClr val="ffffff"/>
                       </a:solidFill>
                       <a:prstDash val="solid"/>
                     </a:lnT>
                     <a:lnB w="12700">
                       <a:solidFill>
-                        <a:srgbClr val="666"/>
+                        <a:srgbClr val="ffffff"/>
                       </a:solidFill>
                       <a:prstDash val="solid"/>
                     </a:lnB>
@@ -11988,32 +12422,32 @@
                     <a:noFill/>
                     <a:lnL w="12700">
                       <a:solidFill>
-                        <a:srgbClr val="666"/>
+                        <a:srgbClr val="ffffff"/>
                       </a:solidFill>
                       <a:prstDash val="solid"/>
                     </a:lnL>
                     <a:lnR w="12700">
                       <a:solidFill>
-                        <a:srgbClr val="666"/>
+                        <a:srgbClr val="ffffff"/>
                       </a:solidFill>
                       <a:prstDash val="solid"/>
                     </a:lnR>
                     <a:lnT w="12700">
                       <a:solidFill>
-                        <a:srgbClr val="666"/>
+                        <a:srgbClr val="ffffff"/>
                       </a:solidFill>
                       <a:prstDash val="solid"/>
                     </a:lnT>
                     <a:lnB w="12700">
                       <a:solidFill>
-                        <a:srgbClr val="666"/>
+                        <a:srgbClr val="ffffff"/>
                       </a:solidFill>
                       <a:prstDash val="solid"/>
                     </a:lnB>
                   </a:tcPr>
                 </a:tc>
               </a:tr>
-              <a:tr h="285750">
+              <a:tr h="364331">
                 <a:tc>
                   <a:txBody>
                     <a:bodyPr lIns="76200" rIns="76200" tIns="76200" bIns="76200"/>
@@ -12039,25 +12473,25 @@
                     <a:noFill/>
                     <a:lnL w="12700">
                       <a:solidFill>
-                        <a:srgbClr val="666"/>
+                        <a:srgbClr val="ffffff"/>
                       </a:solidFill>
                       <a:prstDash val="solid"/>
                     </a:lnL>
                     <a:lnR w="12700">
                       <a:solidFill>
-                        <a:srgbClr val="666"/>
+                        <a:srgbClr val="ffffff"/>
                       </a:solidFill>
                       <a:prstDash val="solid"/>
                     </a:lnR>
                     <a:lnT w="12700">
                       <a:solidFill>
-                        <a:srgbClr val="666"/>
+                        <a:srgbClr val="ffffff"/>
                       </a:solidFill>
                       <a:prstDash val="solid"/>
                     </a:lnT>
                     <a:lnB w="12700">
                       <a:solidFill>
-                        <a:srgbClr val="666"/>
+                        <a:srgbClr val="ffffff"/>
                       </a:solidFill>
                       <a:prstDash val="solid"/>
                     </a:lnB>
@@ -12088,25 +12522,25 @@
                     <a:noFill/>
                     <a:lnL w="12700">
                       <a:solidFill>
-                        <a:srgbClr val="666"/>
+                        <a:srgbClr val="ffffff"/>
                       </a:solidFill>
                       <a:prstDash val="solid"/>
                     </a:lnL>
                     <a:lnR w="12700">
                       <a:solidFill>
-                        <a:srgbClr val="666"/>
+                        <a:srgbClr val="ffffff"/>
                       </a:solidFill>
                       <a:prstDash val="solid"/>
                     </a:lnR>
                     <a:lnT w="12700">
                       <a:solidFill>
-                        <a:srgbClr val="666"/>
+                        <a:srgbClr val="ffffff"/>
                       </a:solidFill>
                       <a:prstDash val="solid"/>
                     </a:lnT>
                     <a:lnB w="12700">
                       <a:solidFill>
-                        <a:srgbClr val="666"/>
+                        <a:srgbClr val="ffffff"/>
                       </a:solidFill>
                       <a:prstDash val="solid"/>
                     </a:lnB>
@@ -12137,25 +12571,25 @@
                     <a:noFill/>
                     <a:lnL w="12700">
                       <a:solidFill>
-                        <a:srgbClr val="666"/>
+                        <a:srgbClr val="ffffff"/>
                       </a:solidFill>
                       <a:prstDash val="solid"/>
                     </a:lnL>
                     <a:lnR w="12700">
                       <a:solidFill>
-                        <a:srgbClr val="666"/>
+                        <a:srgbClr val="ffffff"/>
                       </a:solidFill>
                       <a:prstDash val="solid"/>
                     </a:lnR>
                     <a:lnT w="12700">
                       <a:solidFill>
-                        <a:srgbClr val="666"/>
+                        <a:srgbClr val="ffffff"/>
                       </a:solidFill>
                       <a:prstDash val="solid"/>
                     </a:lnT>
                     <a:lnB w="12700">
                       <a:solidFill>
-                        <a:srgbClr val="666"/>
+                        <a:srgbClr val="ffffff"/>
                       </a:solidFill>
                       <a:prstDash val="solid"/>
                     </a:lnB>
@@ -12186,32 +12620,32 @@
                     <a:noFill/>
                     <a:lnL w="12700">
                       <a:solidFill>
-                        <a:srgbClr val="666"/>
+                        <a:srgbClr val="ffffff"/>
                       </a:solidFill>
                       <a:prstDash val="solid"/>
                     </a:lnL>
                     <a:lnR w="12700">
                       <a:solidFill>
-                        <a:srgbClr val="666"/>
+                        <a:srgbClr val="ffffff"/>
                       </a:solidFill>
                       <a:prstDash val="solid"/>
                     </a:lnR>
                     <a:lnT w="12700">
                       <a:solidFill>
-                        <a:srgbClr val="666"/>
+                        <a:srgbClr val="ffffff"/>
                       </a:solidFill>
                       <a:prstDash val="solid"/>
                     </a:lnT>
                     <a:lnB w="12700">
                       <a:solidFill>
-                        <a:srgbClr val="666"/>
+                        <a:srgbClr val="ffffff"/>
                       </a:solidFill>
                       <a:prstDash val="solid"/>
                     </a:lnB>
                   </a:tcPr>
                 </a:tc>
               </a:tr>
-              <a:tr h="285750">
+              <a:tr h="364331">
                 <a:tc>
                   <a:txBody>
                     <a:bodyPr lIns="76200" rIns="76200" tIns="76200" bIns="76200"/>
@@ -12237,25 +12671,25 @@
                     <a:noFill/>
                     <a:lnL w="12700">
                       <a:solidFill>
-                        <a:srgbClr val="666"/>
+                        <a:srgbClr val="ffffff"/>
                       </a:solidFill>
                       <a:prstDash val="solid"/>
                     </a:lnL>
                     <a:lnR w="12700">
                       <a:solidFill>
-                        <a:srgbClr val="666"/>
+                        <a:srgbClr val="ffffff"/>
                       </a:solidFill>
                       <a:prstDash val="solid"/>
                     </a:lnR>
                     <a:lnT w="12700">
                       <a:solidFill>
-                        <a:srgbClr val="666"/>
+                        <a:srgbClr val="ffffff"/>
                       </a:solidFill>
                       <a:prstDash val="solid"/>
                     </a:lnT>
                     <a:lnB w="12700">
                       <a:solidFill>
-                        <a:srgbClr val="666"/>
+                        <a:srgbClr val="ffffff"/>
                       </a:solidFill>
                       <a:prstDash val="solid"/>
                     </a:lnB>
@@ -12286,25 +12720,25 @@
                     <a:noFill/>
                     <a:lnL w="12700">
                       <a:solidFill>
-                        <a:srgbClr val="666"/>
+                        <a:srgbClr val="ffffff"/>
                       </a:solidFill>
                       <a:prstDash val="solid"/>
                     </a:lnL>
                     <a:lnR w="12700">
                       <a:solidFill>
-                        <a:srgbClr val="666"/>
+                        <a:srgbClr val="ffffff"/>
                       </a:solidFill>
                       <a:prstDash val="solid"/>
                     </a:lnR>
                     <a:lnT w="12700">
                       <a:solidFill>
-                        <a:srgbClr val="666"/>
+                        <a:srgbClr val="ffffff"/>
                       </a:solidFill>
                       <a:prstDash val="solid"/>
                     </a:lnT>
                     <a:lnB w="12700">
                       <a:solidFill>
-                        <a:srgbClr val="666"/>
+                        <a:srgbClr val="ffffff"/>
                       </a:solidFill>
                       <a:prstDash val="solid"/>
                     </a:lnB>
@@ -12335,25 +12769,25 @@
                     <a:noFill/>
                     <a:lnL w="12700">
                       <a:solidFill>
-                        <a:srgbClr val="666"/>
+                        <a:srgbClr val="ffffff"/>
                       </a:solidFill>
                       <a:prstDash val="solid"/>
                     </a:lnL>
                     <a:lnR w="12700">
                       <a:solidFill>
-                        <a:srgbClr val="666"/>
+                        <a:srgbClr val="ffffff"/>
                       </a:solidFill>
                       <a:prstDash val="solid"/>
                     </a:lnR>
                     <a:lnT w="12700">
                       <a:solidFill>
-                        <a:srgbClr val="666"/>
+                        <a:srgbClr val="ffffff"/>
                       </a:solidFill>
                       <a:prstDash val="solid"/>
                     </a:lnT>
                     <a:lnB w="12700">
                       <a:solidFill>
-                        <a:srgbClr val="666"/>
+                        <a:srgbClr val="ffffff"/>
                       </a:solidFill>
                       <a:prstDash val="solid"/>
                     </a:lnB>
@@ -12384,25 +12818,25 @@
                     <a:noFill/>
                     <a:lnL w="12700">
                       <a:solidFill>
-                        <a:srgbClr val="666"/>
+                        <a:srgbClr val="ffffff"/>
                       </a:solidFill>
                       <a:prstDash val="solid"/>
                     </a:lnL>
                     <a:lnR w="12700">
                       <a:solidFill>
-                        <a:srgbClr val="666"/>
+                        <a:srgbClr val="ffffff"/>
                       </a:solidFill>
                       <a:prstDash val="solid"/>
                     </a:lnR>
                     <a:lnT w="12700">
                       <a:solidFill>
-                        <a:srgbClr val="666"/>
+                        <a:srgbClr val="ffffff"/>
                       </a:solidFill>
                       <a:prstDash val="solid"/>
                     </a:lnT>
                     <a:lnB w="12700">
                       <a:solidFill>
-                        <a:srgbClr val="666"/>
+                        <a:srgbClr val="ffffff"/>
                       </a:solidFill>
                       <a:prstDash val="solid"/>
                     </a:lnB>
@@ -12415,13 +12849,13 @@
       </p:graphicFrame>
       <p:sp>
         <p:nvSpPr>
-          <p:cNvPr id="9" name="TextBox 8"/>
+          <p:cNvPr id="4" name="TextBox 3"/>
           <p:cNvSpPr txBox="1"/>
           <p:nvPr/>
         </p:nvSpPr>
         <p:spPr>
           <a:xfrm>
-            <a:off x="200025" y="4619625"/>
+            <a:off x="200025" y="1838324"/>
             <a:ext cx="8943975" cy="274320"/>
           </a:xfrm>
           <a:prstGeom prst="rect">
@@ -12462,14 +12896,14 @@
       </p:sp>
       <p:sp>
         <p:nvSpPr>
-          <p:cNvPr id="10" name="TextBox 9"/>
+          <p:cNvPr id="5" name="TextBox 4"/>
           <p:cNvSpPr txBox="1"/>
           <p:nvPr/>
         </p:nvSpPr>
         <p:spPr>
           <a:xfrm>
-            <a:off x="200025" y="4981574"/>
-            <a:ext cx="8943975" cy="400050"/>
+            <a:off x="200025" y="2105024"/>
+            <a:ext cx="8943975" cy="438149"/>
           </a:xfrm>
           <a:prstGeom prst="rect">
             <a:avLst/>
@@ -12520,12 +12954,6 @@
           </a:p>
           <a:p>
             <a:pPr algn="l">
-              <a:spcBef>
-                <a:spcPts val="0"/>
-              </a:spcBef>
-              <a:spcAft>
-                <a:spcPts val="0"/>
-              </a:spcAft>
               <a:defRPr>
                 <a:solidFill>
                   <a:srgbClr val="E0E0E0"/>
@@ -12557,12 +12985,6 @@
           </a:p>
           <a:p>
             <a:pPr algn="l">
-              <a:spcBef>
-                <a:spcPts val="0"/>
-              </a:spcBef>
-              <a:spcAft>
-                <a:spcPts val="0"/>
-              </a:spcAft>
               <a:defRPr>
                 <a:solidFill>
                   <a:srgbClr val="E0E0E0"/>
@@ -12602,17 +13024,9 @@
 </p:sld>
 </file>
 
-<file path=ppt/slides/slide4.xml><?xml version="1.0" encoding="utf-8"?>
+<file path=ppt/slides/slide5.xml><?xml version="1.0" encoding="utf-8"?>
 <p:sld xmlns:a="http://schemas.openxmlformats.org/drawingml/2006/main" xmlns:p="http://schemas.openxmlformats.org/presentationml/2006/main" xmlns:r="http://schemas.openxmlformats.org/officeDocument/2006/relationships">
   <p:cSld>
-    <p:bg>
-      <p:bgPr>
-        <a:solidFill>
-          <a:srgbClr val="1A1A1A"/>
-        </a:solidFill>
-        <a:effectLst/>
-      </p:bgPr>
-    </p:bg>
     <p:spTree>
       <p:nvGrpSpPr>
         <p:cNvPr id="1" name=""/>
@@ -12628,7 +13042,7 @@
         </p:nvSpPr>
         <p:spPr>
           <a:xfrm>
-            <a:off x="200025" y="380999"/>
+            <a:off x="200025" y="180975"/>
             <a:ext cx="8943975" cy="274320"/>
           </a:xfrm>
           <a:prstGeom prst="rect">
@@ -12650,7 +13064,7 @@
                 <a:spcPts val="0"/>
               </a:spcBef>
               <a:spcAft>
-                <a:spcPts val="1500"/>
+                <a:spcPts val="0"/>
               </a:spcAft>
               <a:defRPr>
                 <a:solidFill>
@@ -12675,7 +13089,7 @@
         </p:nvSpPr>
         <p:spPr>
           <a:xfrm>
-            <a:off x="200025" y="838200"/>
+            <a:off x="200025" y="619124"/>
             <a:ext cx="8943975" cy="274320"/>
           </a:xfrm>
           <a:prstGeom prst="rect">
@@ -12697,7 +13111,7 @@
                 <a:spcPts val="0"/>
               </a:spcBef>
               <a:spcAft>
-                <a:spcPts val="1125"/>
+                <a:spcPts val="0"/>
               </a:spcAft>
               <a:defRPr>
                 <a:solidFill>
@@ -12722,8 +13136,8 @@
         </p:nvSpPr>
         <p:spPr>
           <a:xfrm>
-            <a:off x="200025" y="1247775"/>
-            <a:ext cx="8943975" cy="533399"/>
+            <a:off x="200025" y="971550"/>
+            <a:ext cx="8943975" cy="571500"/>
           </a:xfrm>
           <a:prstGeom prst="rect">
             <a:avLst/>
@@ -12768,12 +13182,6 @@
           </a:p>
           <a:p>
             <a:pPr algn="l">
-              <a:spcBef>
-                <a:spcPts val="0"/>
-              </a:spcBef>
-              <a:spcAft>
-                <a:spcPts val="0"/>
-              </a:spcAft>
               <a:defRPr>
                 <a:solidFill>
                   <a:srgbClr val="E0E0E0"/>
@@ -12799,12 +13207,6 @@
           </a:p>
           <a:p>
             <a:pPr algn="l">
-              <a:spcBef>
-                <a:spcPts val="0"/>
-              </a:spcBef>
-              <a:spcAft>
-                <a:spcPts val="0"/>
-              </a:spcAft>
               <a:defRPr>
                 <a:solidFill>
                   <a:srgbClr val="E0E0E0"/>
@@ -12830,12 +13232,6 @@
           </a:p>
           <a:p>
             <a:pPr algn="l">
-              <a:spcBef>
-                <a:spcPts val="0"/>
-              </a:spcBef>
-              <a:spcAft>
-                <a:spcPts val="0"/>
-              </a:spcAft>
               <a:defRPr>
                 <a:solidFill>
                   <a:srgbClr val="E0E0E0"/>
@@ -12869,7 +13265,7 @@
         </p:nvSpPr>
         <p:spPr>
           <a:xfrm>
-            <a:off x="200025" y="1781174"/>
+            <a:off x="200025" y="1543050"/>
             <a:ext cx="8943975" cy="274320"/>
           </a:xfrm>
           <a:prstGeom prst="rect">
@@ -12891,7 +13287,7 @@
                 <a:spcPts val="0"/>
               </a:spcBef>
               <a:spcAft>
-                <a:spcPts val="1125"/>
+                <a:spcPts val="0"/>
               </a:spcAft>
               <a:defRPr>
                 <a:solidFill>
@@ -12916,8 +13312,8 @@
         </p:nvSpPr>
         <p:spPr>
           <a:xfrm>
-            <a:off x="200025" y="2190749"/>
-            <a:ext cx="8943975" cy="533399"/>
+            <a:off x="200025" y="1895474"/>
+            <a:ext cx="8943975" cy="571500"/>
           </a:xfrm>
           <a:prstGeom prst="rect">
             <a:avLst/>
@@ -12962,12 +13358,6 @@
           </a:p>
           <a:p>
             <a:pPr algn="l">
-              <a:spcBef>
-                <a:spcPts val="0"/>
-              </a:spcBef>
-              <a:spcAft>
-                <a:spcPts val="0"/>
-              </a:spcAft>
               <a:defRPr>
                 <a:solidFill>
                   <a:srgbClr val="E0E0E0"/>
@@ -12993,12 +13383,6 @@
           </a:p>
           <a:p>
             <a:pPr algn="l">
-              <a:spcBef>
-                <a:spcPts val="0"/>
-              </a:spcBef>
-              <a:spcAft>
-                <a:spcPts val="0"/>
-              </a:spcAft>
               <a:defRPr>
                 <a:solidFill>
                   <a:srgbClr val="E0E0E0"/>
@@ -13024,12 +13408,6 @@
           </a:p>
           <a:p>
             <a:pPr algn="l">
-              <a:spcBef>
-                <a:spcPts val="0"/>
-              </a:spcBef>
-              <a:spcAft>
-                <a:spcPts val="0"/>
-              </a:spcAft>
               <a:defRPr>
                 <a:solidFill>
                   <a:srgbClr val="E0E0E0"/>
@@ -13063,17 +13441,9 @@
 </p:sld>
 </file>
 
-<file path=ppt/slides/slide5.xml><?xml version="1.0" encoding="utf-8"?>
+<file path=ppt/slides/slide6.xml><?xml version="1.0" encoding="utf-8"?>
 <p:sld xmlns:a="http://schemas.openxmlformats.org/drawingml/2006/main" xmlns:p="http://schemas.openxmlformats.org/presentationml/2006/main" xmlns:r="http://schemas.openxmlformats.org/officeDocument/2006/relationships">
   <p:cSld>
-    <p:bg>
-      <p:bgPr>
-        <a:solidFill>
-          <a:srgbClr val="1A1A1A"/>
-        </a:solidFill>
-        <a:effectLst/>
-      </p:bgPr>
-    </p:bg>
     <p:spTree>
       <p:nvGrpSpPr>
         <p:cNvPr id="1" name=""/>
@@ -13089,7 +13459,7 @@
         </p:nvSpPr>
         <p:spPr>
           <a:xfrm>
-            <a:off x="200025" y="380999"/>
+            <a:off x="200025" y="180975"/>
             <a:ext cx="8943975" cy="274320"/>
           </a:xfrm>
           <a:prstGeom prst="rect">
@@ -13111,7 +13481,7 @@
                 <a:spcPts val="0"/>
               </a:spcBef>
               <a:spcAft>
-                <a:spcPts val="1500"/>
+                <a:spcPts val="0"/>
               </a:spcAft>
               <a:defRPr>
                 <a:solidFill>
@@ -13136,7 +13506,7 @@
         </p:nvSpPr>
         <p:spPr>
           <a:xfrm>
-            <a:off x="200025" y="838200"/>
+            <a:off x="200025" y="619124"/>
             <a:ext cx="8943975" cy="274320"/>
           </a:xfrm>
           <a:prstGeom prst="rect">
@@ -13158,7 +13528,7 @@
                 <a:spcPts val="0"/>
               </a:spcBef>
               <a:spcAft>
-                <a:spcPts val="1125"/>
+                <a:spcPts val="0"/>
               </a:spcAft>
               <a:defRPr>
                 <a:solidFill>
@@ -13183,8 +13553,8 @@
         </p:nvSpPr>
         <p:spPr>
           <a:xfrm>
-            <a:off x="200025" y="1247775"/>
-            <a:ext cx="8943975" cy="1323974"/>
+            <a:off x="200025" y="971550"/>
+            <a:ext cx="8943975" cy="1866899"/>
           </a:xfrm>
           <a:prstGeom prst="rect">
             <a:avLst/>
@@ -13211,7 +13581,7 @@
               </a:spcAft>
               <a:defRPr>
                 <a:solidFill>
-                  <a:srgbClr val="DCDCDC"/>
+                  <a:srgbClr val="FFFFFF"/>
                 </a:solidFill>
               </a:defRPr>
             </a:pPr>
@@ -13240,7 +13610,7 @@
         </p:nvSpPr>
         <p:spPr>
           <a:xfrm>
-            <a:off x="200025" y="2724150"/>
+            <a:off x="200025" y="2990849"/>
             <a:ext cx="8943975" cy="274320"/>
           </a:xfrm>
           <a:prstGeom prst="rect">
@@ -13262,7 +13632,7 @@
                 <a:spcPts val="0"/>
               </a:spcBef>
               <a:spcAft>
-                <a:spcPts val="1125"/>
+                <a:spcPts val="0"/>
               </a:spcAft>
               <a:defRPr>
                 <a:solidFill>
@@ -13275,111 +13645,6 @@
                 <a:latin typeface="Arial"/>
               </a:rPr>
               <a:t>JavaScript Example</a:t>
-            </a:r>
-          </a:p>
-        </p:txBody>
-      </p:sp>
-      <p:sp>
-        <p:nvSpPr>
-          <p:cNvPr id="6" name="TextBox 5"/>
-          <p:cNvSpPr txBox="1"/>
-          <p:nvPr/>
-        </p:nvSpPr>
-        <p:spPr>
-          <a:xfrm>
-            <a:off x="200025" y="3133724"/>
-            <a:ext cx="8943975" cy="1323974"/>
-          </a:xfrm>
-          <a:prstGeom prst="rect">
-            <a:avLst/>
-          </a:prstGeom>
-          <a:solidFill>
-            <a:srgbClr val="2D2D2D"/>
-          </a:solidFill>
-        </p:spPr>
-        <p:txBody>
-          <a:bodyPr wrap="square" lIns="0" rIns="0" tIns="0" bIns="0">
-            <a:spAutoFit/>
-          </a:bodyPr>
-          <a:lstStyle/>
-          <a:p>
-            <a:pPr algn="l">
-              <a:lnSpc>
-                <a:spcPct val="140000"/>
-              </a:lnSpc>
-              <a:spcBef>
-                <a:spcPts val="0"/>
-              </a:spcBef>
-              <a:spcAft>
-                <a:spcPts val="0"/>
-              </a:spcAft>
-              <a:defRPr>
-                <a:solidFill>
-                  <a:srgbClr val="DCDCDC"/>
-                </a:solidFill>
-              </a:defRPr>
-            </a:pPr>
-            <a:r>
-              <a:rPr sz="800">
-                <a:latin typeface="Courier New"/>
-              </a:rPr>
-              <a:t>code class="language-javascript"&gt;async function fetchUserData(userId) {
-    try {
-        const response = await fetch(`/api/users/${userId}`);
-        return await response.json();
-    } catch (error) {
-        console.error('Failed to fetch user data:', error);
-        throw error;
-    }
-}
-</a:t>
-            </a:r>
-          </a:p>
-        </p:txBody>
-      </p:sp>
-      <p:sp>
-        <p:nvSpPr>
-          <p:cNvPr id="7" name="TextBox 6"/>
-          <p:cNvSpPr txBox="1"/>
-          <p:nvPr/>
-        </p:nvSpPr>
-        <p:spPr>
-          <a:xfrm>
-            <a:off x="200025" y="4600575"/>
-            <a:ext cx="8943975" cy="274320"/>
-          </a:xfrm>
-          <a:prstGeom prst="rect">
-            <a:avLst/>
-          </a:prstGeom>
-          <a:noFill/>
-        </p:spPr>
-        <p:txBody>
-          <a:bodyPr wrap="square" lIns="0" rIns="0" tIns="0" bIns="0">
-            <a:spAutoFit/>
-          </a:bodyPr>
-          <a:lstStyle/>
-          <a:p>
-            <a:pPr algn="l">
-              <a:lnSpc>
-                <a:spcPct val="140000"/>
-              </a:lnSpc>
-              <a:spcBef>
-                <a:spcPts val="0"/>
-              </a:spcBef>
-              <a:spcAft>
-                <a:spcPts val="1125"/>
-              </a:spcAft>
-              <a:defRPr>
-                <a:solidFill>
-                  <a:srgbClr val="E0E0E0"/>
-                </a:solidFill>
-              </a:defRPr>
-            </a:pPr>
-            <a:r>
-              <a:rPr sz="1000" b="1">
-                <a:latin typeface="Arial"/>
-              </a:rPr>
-              <a:t>SQL Example</a:t>
             </a:r>
           </a:p>
         </p:txBody>
@@ -13392,17 +13657,9 @@
 </p:sld>
 </file>
 
-<file path=ppt/slides/slide6.xml><?xml version="1.0" encoding="utf-8"?>
+<file path=ppt/slides/slide7.xml><?xml version="1.0" encoding="utf-8"?>
 <p:sld xmlns:a="http://schemas.openxmlformats.org/drawingml/2006/main" xmlns:p="http://schemas.openxmlformats.org/presentationml/2006/main" xmlns:r="http://schemas.openxmlformats.org/officeDocument/2006/relationships">
   <p:cSld>
-    <p:bg>
-      <p:bgPr>
-        <a:solidFill>
-          <a:srgbClr val="1A1A1A"/>
-        </a:solidFill>
-        <a:effectLst/>
-      </p:bgPr>
-    </p:bg>
     <p:spTree>
       <p:nvGrpSpPr>
         <p:cNvPr id="1" name=""/>
@@ -13418,8 +13675,8 @@
         </p:nvSpPr>
         <p:spPr>
           <a:xfrm>
-            <a:off x="200025" y="380999"/>
-            <a:ext cx="8943975" cy="1619250"/>
+            <a:off x="200025" y="180975"/>
+            <a:ext cx="8943975" cy="1866899"/>
           </a:xfrm>
           <a:prstGeom prst="rect">
             <a:avLst/>
@@ -13446,7 +13703,112 @@
               </a:spcAft>
               <a:defRPr>
                 <a:solidFill>
-                  <a:srgbClr val="DCDCDC"/>
+                  <a:srgbClr val="FFFFFF"/>
+                </a:solidFill>
+              </a:defRPr>
+            </a:pPr>
+            <a:r>
+              <a:rPr sz="800">
+                <a:latin typeface="Courier New"/>
+              </a:rPr>
+              <a:t>code class="language-javascript"&gt;async function fetchUserData(userId) {
+    try {
+        const response = await fetch(`/api/users/${userId}`);
+        return await response.json();
+    } catch (error) {
+        console.error('Failed to fetch user data:', error);
+        throw error;
+    }
+}
+</a:t>
+            </a:r>
+          </a:p>
+        </p:txBody>
+      </p:sp>
+      <p:sp>
+        <p:nvSpPr>
+          <p:cNvPr id="3" name="TextBox 2"/>
+          <p:cNvSpPr txBox="1"/>
+          <p:nvPr/>
+        </p:nvSpPr>
+        <p:spPr>
+          <a:xfrm>
+            <a:off x="200025" y="2190749"/>
+            <a:ext cx="8943975" cy="274320"/>
+          </a:xfrm>
+          <a:prstGeom prst="rect">
+            <a:avLst/>
+          </a:prstGeom>
+          <a:noFill/>
+        </p:spPr>
+        <p:txBody>
+          <a:bodyPr wrap="square" lIns="0" rIns="0" tIns="0" bIns="0">
+            <a:spAutoFit/>
+          </a:bodyPr>
+          <a:lstStyle/>
+          <a:p>
+            <a:pPr algn="l">
+              <a:lnSpc>
+                <a:spcPct val="140000"/>
+              </a:lnSpc>
+              <a:spcBef>
+                <a:spcPts val="0"/>
+              </a:spcBef>
+              <a:spcAft>
+                <a:spcPts val="0"/>
+              </a:spcAft>
+              <a:defRPr>
+                <a:solidFill>
+                  <a:srgbClr val="E0E0E0"/>
+                </a:solidFill>
+              </a:defRPr>
+            </a:pPr>
+            <a:r>
+              <a:rPr sz="1000" b="1">
+                <a:latin typeface="Arial"/>
+              </a:rPr>
+              <a:t>SQL Example</a:t>
+            </a:r>
+          </a:p>
+        </p:txBody>
+      </p:sp>
+      <p:sp>
+        <p:nvSpPr>
+          <p:cNvPr id="4" name="TextBox 3"/>
+          <p:cNvSpPr txBox="1"/>
+          <p:nvPr/>
+        </p:nvSpPr>
+        <p:spPr>
+          <a:xfrm>
+            <a:off x="200025" y="2543175"/>
+            <a:ext cx="8943975" cy="2238375"/>
+          </a:xfrm>
+          <a:prstGeom prst="rect">
+            <a:avLst/>
+          </a:prstGeom>
+          <a:solidFill>
+            <a:srgbClr val="2D2D2D"/>
+          </a:solidFill>
+        </p:spPr>
+        <p:txBody>
+          <a:bodyPr wrap="square" lIns="0" rIns="0" tIns="0" bIns="0">
+            <a:spAutoFit/>
+          </a:bodyPr>
+          <a:lstStyle/>
+          <a:p>
+            <a:pPr algn="l">
+              <a:lnSpc>
+                <a:spcPct val="140000"/>
+              </a:lnSpc>
+              <a:spcBef>
+                <a:spcPts val="0"/>
+              </a:spcBef>
+              <a:spcAft>
+                <a:spcPts val="0"/>
+              </a:spcAft>
+              <a:defRPr>
+                <a:solidFill>
+                  <a:srgbClr val="FFFFFF"/>
                 </a:solidFill>
               </a:defRPr>
             </a:pPr>
@@ -13478,17 +13840,9 @@
 </p:sld>
 </file>
 
-<file path=ppt/slides/slide7.xml><?xml version="1.0" encoding="utf-8"?>
+<file path=ppt/slides/slide8.xml><?xml version="1.0" encoding="utf-8"?>
 <p:sld xmlns:a="http://schemas.openxmlformats.org/drawingml/2006/main" xmlns:p="http://schemas.openxmlformats.org/presentationml/2006/main" xmlns:r="http://schemas.openxmlformats.org/officeDocument/2006/relationships">
   <p:cSld>
-    <p:bg>
-      <p:bgPr>
-        <a:solidFill>
-          <a:srgbClr val="1A1A1A"/>
-        </a:solidFill>
-        <a:effectLst/>
-      </p:bgPr>
-    </p:bg>
     <p:spTree>
       <p:nvGrpSpPr>
         <p:cNvPr id="1" name=""/>
@@ -13504,7 +13858,7 @@
         </p:nvSpPr>
         <p:spPr>
           <a:xfrm>
-            <a:off x="200025" y="380999"/>
+            <a:off x="200025" y="180975"/>
             <a:ext cx="8943975" cy="274320"/>
           </a:xfrm>
           <a:prstGeom prst="rect">
@@ -13526,7 +13880,7 @@
                 <a:spcPts val="0"/>
               </a:spcBef>
               <a:spcAft>
-                <a:spcPts val="1500"/>
+                <a:spcPts val="0"/>
               </a:spcAft>
               <a:defRPr>
                 <a:solidFill>
@@ -13551,7 +13905,7 @@
         </p:nvSpPr>
         <p:spPr>
           <a:xfrm>
-            <a:off x="200025" y="838200"/>
+            <a:off x="200025" y="619124"/>
             <a:ext cx="8943975" cy="274320"/>
           </a:xfrm>
           <a:prstGeom prst="rect">
@@ -13573,7 +13927,7 @@
                 <a:spcPts val="0"/>
               </a:spcBef>
               <a:spcAft>
-                <a:spcPts val="1125"/>
+                <a:spcPts val="0"/>
               </a:spcAft>
               <a:defRPr>
                 <a:solidFill>
@@ -13598,8 +13952,8 @@
         </p:nvSpPr>
         <p:spPr>
           <a:xfrm>
-            <a:off x="200025" y="1257300"/>
-            <a:ext cx="8943975" cy="847724"/>
+            <a:off x="200025" y="971550"/>
+            <a:ext cx="8943975" cy="885825"/>
           </a:xfrm>
           <a:prstGeom prst="rect">
             <a:avLst/>
@@ -13644,12 +13998,6 @@
           </a:p>
           <a:p>
             <a:pPr algn="l">
-              <a:spcBef>
-                <a:spcPts val="0"/>
-              </a:spcBef>
-              <a:spcAft>
-                <a:spcPts val="0"/>
-              </a:spcAft>
               <a:defRPr>
                 <a:solidFill>
                   <a:srgbClr val="E0E0E0"/>
@@ -13675,12 +14023,6 @@
           </a:p>
           <a:p>
             <a:pPr lvl="1" algn="l">
-              <a:spcBef>
-                <a:spcPts val="0"/>
-              </a:spcBef>
-              <a:spcAft>
-                <a:spcPts val="0"/>
-              </a:spcAft>
               <a:defRPr>
                 <a:solidFill>
                   <a:srgbClr val="E0E0E0"/>
@@ -13706,12 +14048,6 @@
           </a:p>
           <a:p>
             <a:pPr lvl="1" algn="l">
-              <a:spcBef>
-                <a:spcPts val="0"/>
-              </a:spcBef>
-              <a:spcAft>
-                <a:spcPts val="0"/>
-              </a:spcAft>
               <a:defRPr>
                 <a:solidFill>
                   <a:srgbClr val="E0E0E0"/>
@@ -13723,16 +14059,16 @@
               <a:t>• </a:t>
             </a:r>
             <a:r>
+              <a:rPr sz="800">
+                <a:solidFill>
+                  <a:srgbClr val="FFFFFF"/>
+                </a:solidFill>
+                <a:latin typeface="Courier New"/>
+              </a:rPr>
+              <a:t>Code elements</a:t>
+            </a:r>
+            <a:r>
               <a:rPr sz="1000">
-                <a:solidFill>
-                  <a:srgbClr val="DCDCDC"/>
-                </a:solidFill>
-                <a:latin typeface="Courier New"/>
-              </a:rPr>
-              <a:t>Code elements</a:t>
-            </a:r>
-            <a:r>
-              <a:rPr sz="1000">
                 <a:latin typeface="Arial"/>
               </a:rPr>
               <a:t> in list items</a:t>
@@ -13740,12 +14076,6 @@
           </a:p>
           <a:p>
             <a:pPr lvl="1" algn="l">
-              <a:spcBef>
-                <a:spcPts val="0"/>
-              </a:spcBef>
-              <a:spcAft>
-                <a:spcPts val="0"/>
-              </a:spcAft>
               <a:defRPr>
                 <a:solidFill>
                   <a:srgbClr val="E0E0E0"/>
@@ -13774,12 +14104,6 @@
           </a:p>
           <a:p>
             <a:pPr algn="l">
-              <a:spcBef>
-                <a:spcPts val="0"/>
-              </a:spcBef>
-              <a:spcAft>
-                <a:spcPts val="0"/>
-              </a:spcAft>
               <a:defRPr>
                 <a:solidFill>
                   <a:srgbClr val="E0E0E0"/>
@@ -13813,7 +14137,7 @@
         </p:nvSpPr>
         <p:spPr>
           <a:xfrm>
-            <a:off x="200025" y="2105024"/>
+            <a:off x="200025" y="1866899"/>
             <a:ext cx="8943975" cy="274320"/>
           </a:xfrm>
           <a:prstGeom prst="rect">
@@ -13835,7 +14159,7 @@
                 <a:spcPts val="0"/>
               </a:spcBef>
               <a:spcAft>
-                <a:spcPts val="1125"/>
+                <a:spcPts val="0"/>
               </a:spcAft>
               <a:defRPr>
                 <a:solidFill>
@@ -13860,8 +14184,8 @@
         </p:nvSpPr>
         <p:spPr>
           <a:xfrm>
-            <a:off x="200025" y="2514600"/>
-            <a:ext cx="8943975" cy="1704975"/>
+            <a:off x="200025" y="2219324"/>
+            <a:ext cx="8943975" cy="1743075"/>
           </a:xfrm>
           <a:prstGeom prst="rect">
             <a:avLst/>
@@ -13900,12 +14224,6 @@
           </a:p>
           <a:p>
             <a:pPr lvl="1" algn="l">
-              <a:spcBef>
-                <a:spcPts val="0"/>
-              </a:spcBef>
-              <a:spcAft>
-                <a:spcPts val="0"/>
-              </a:spcAft>
               <a:defRPr>
                 <a:solidFill>
                   <a:srgbClr val="E0E0E0"/>
@@ -13923,9 +14241,9 @@
               <a:t>Install dependencies with </a:t>
             </a:r>
             <a:r>
-              <a:rPr sz="1000">
-                <a:solidFill>
-                  <a:srgbClr val="DCDCDC"/>
+              <a:rPr sz="800">
+                <a:solidFill>
+                  <a:srgbClr val="FFFFFF"/>
                 </a:solidFill>
                 <a:latin typeface="Courier New"/>
               </a:rPr>
@@ -13934,12 +14252,6 @@
           </a:p>
           <a:p>
             <a:pPr lvl="1" algn="l">
-              <a:spcBef>
-                <a:spcPts val="0"/>
-              </a:spcBef>
-              <a:spcAft>
-                <a:spcPts val="0"/>
-              </a:spcAft>
               <a:defRPr>
                 <a:solidFill>
                   <a:srgbClr val="E0E0E0"/>
@@ -13959,12 +14271,6 @@
           </a:p>
           <a:p>
             <a:pPr lvl="1" algn="l">
-              <a:spcBef>
-                <a:spcPts val="0"/>
-              </a:spcBef>
-              <a:spcAft>
-                <a:spcPts val="0"/>
-              </a:spcAft>
               <a:defRPr>
                 <a:solidFill>
                   <a:srgbClr val="E0E0E0"/>
@@ -13984,12 +14290,6 @@
           </a:p>
           <a:p>
             <a:pPr algn="l">
-              <a:spcBef>
-                <a:spcPts val="0"/>
-              </a:spcBef>
-              <a:spcAft>
-                <a:spcPts val="0"/>
-              </a:spcAft>
               <a:defRPr>
                 <a:solidFill>
                   <a:srgbClr val="E0E0E0"/>
@@ -14009,12 +14309,6 @@
           </a:p>
           <a:p>
             <a:pPr lvl="1" algn="l">
-              <a:spcBef>
-                <a:spcPts val="0"/>
-              </a:spcBef>
-              <a:spcAft>
-                <a:spcPts val="0"/>
-              </a:spcAft>
               <a:defRPr>
                 <a:solidFill>
                   <a:srgbClr val="E0E0E0"/>
@@ -14043,12 +14337,6 @@
           </a:p>
           <a:p>
             <a:pPr lvl="1" algn="l">
-              <a:spcBef>
-                <a:spcPts val="0"/>
-              </a:spcBef>
-              <a:spcAft>
-                <a:spcPts val="0"/>
-              </a:spcAft>
               <a:defRPr>
                 <a:solidFill>
                   <a:srgbClr val="E0E0E0"/>
@@ -14074,12 +14362,6 @@
           </a:p>
           <a:p>
             <a:pPr lvl="1" algn="l">
-              <a:spcBef>
-                <a:spcPts val="0"/>
-              </a:spcBef>
-              <a:spcAft>
-                <a:spcPts val="0"/>
-              </a:spcAft>
               <a:defRPr>
                 <a:solidFill>
                   <a:srgbClr val="E0E0E0"/>
@@ -14105,12 +14387,6 @@
           </a:p>
           <a:p>
             <a:pPr algn="l">
-              <a:spcBef>
-                <a:spcPts val="0"/>
-              </a:spcBef>
-              <a:spcAft>
-                <a:spcPts val="0"/>
-              </a:spcAft>
               <a:defRPr>
                 <a:solidFill>
                   <a:srgbClr val="E0E0E0"/>
@@ -14130,12 +14406,6 @@
           </a:p>
           <a:p>
             <a:pPr lvl="1" algn="l">
-              <a:spcBef>
-                <a:spcPts val="0"/>
-              </a:spcBef>
-              <a:spcAft>
-                <a:spcPts val="0"/>
-              </a:spcAft>
               <a:defRPr>
                 <a:solidFill>
                   <a:srgbClr val="E0E0E0"/>
@@ -14153,16 +14423,16 @@
               <a:t>Run </a:t>
             </a:r>
             <a:r>
+              <a:rPr sz="800">
+                <a:solidFill>
+                  <a:srgbClr val="FFFFFF"/>
+                </a:solidFill>
+                <a:latin typeface="Courier New"/>
+              </a:rPr>
+              <a:t>pytest</a:t>
+            </a:r>
+            <a:r>
               <a:rPr sz="1000">
-                <a:solidFill>
-                  <a:srgbClr val="DCDCDC"/>
-                </a:solidFill>
-                <a:latin typeface="Courier New"/>
-              </a:rPr>
-              <a:t>pytest</a:t>
-            </a:r>
-            <a:r>
-              <a:rPr sz="1000">
                 <a:latin typeface="Arial"/>
               </a:rPr>
               <a:t> for quality assurance</a:t>
@@ -14170,12 +14440,6 @@
           </a:p>
           <a:p>
             <a:pPr lvl="1" algn="l">
-              <a:spcBef>
-                <a:spcPts val="0"/>
-              </a:spcBef>
-              <a:spcAft>
-                <a:spcPts val="0"/>
-              </a:spcAft>
               <a:defRPr>
                 <a:solidFill>
                   <a:srgbClr val="E0E0E0"/>
@@ -14204,12 +14468,6 @@
           </a:p>
           <a:p>
             <a:pPr lvl="1" algn="l">
-              <a:spcBef>
-                <a:spcPts val="0"/>
-              </a:spcBef>
-              <a:spcAft>
-                <a:spcPts val="0"/>
-              </a:spcAft>
               <a:defRPr>
                 <a:solidFill>
                   <a:srgbClr val="E0E0E0"/>
@@ -14243,17 +14501,9 @@
 </p:sld>
 </file>
 
-<file path=ppt/slides/slide8.xml><?xml version="1.0" encoding="utf-8"?>
+<file path=ppt/slides/slide9.xml><?xml version="1.0" encoding="utf-8"?>
 <p:sld xmlns:a="http://schemas.openxmlformats.org/drawingml/2006/main" xmlns:p="http://schemas.openxmlformats.org/presentationml/2006/main" xmlns:r="http://schemas.openxmlformats.org/officeDocument/2006/relationships">
   <p:cSld>
-    <p:bg>
-      <p:bgPr>
-        <a:solidFill>
-          <a:srgbClr val="1A1A1A"/>
-        </a:solidFill>
-        <a:effectLst/>
-      </p:bgPr>
-    </p:bg>
     <p:spTree>
       <p:nvGrpSpPr>
         <p:cNvPr id="1" name=""/>
@@ -14269,7 +14519,7 @@
         </p:nvSpPr>
         <p:spPr>
           <a:xfrm>
-            <a:off x="200025" y="380999"/>
+            <a:off x="200025" y="180975"/>
             <a:ext cx="8943975" cy="274320"/>
           </a:xfrm>
           <a:prstGeom prst="rect">
@@ -14291,7 +14541,7 @@
                 <a:spcPts val="0"/>
               </a:spcBef>
               <a:spcAft>
-                <a:spcPts val="1500"/>
+                <a:spcPts val="0"/>
               </a:spcAft>
               <a:defRPr>
                 <a:solidFill>
@@ -14316,7 +14566,7 @@
         </p:nvSpPr>
         <p:spPr>
           <a:xfrm>
-            <a:off x="200025" y="838200"/>
+            <a:off x="200025" y="619124"/>
             <a:ext cx="8943975" cy="274320"/>
           </a:xfrm>
           <a:prstGeom prst="rect">
@@ -14338,7 +14588,7 @@
                 <a:spcPts val="0"/>
               </a:spcBef>
               <a:spcAft>
-                <a:spcPts val="1125"/>
+                <a:spcPts val="0"/>
               </a:spcAft>
               <a:defRPr>
                 <a:solidFill>
@@ -14363,8 +14613,8 @@
         </p:nvSpPr>
         <p:spPr>
           <a:xfrm>
-            <a:off x="200025" y="1257300"/>
-            <a:ext cx="4486275" cy="1933574"/>
+            <a:off x="200025" y="971550"/>
+            <a:ext cx="5524499" cy="3162299"/>
           </a:xfrm>
           <a:prstGeom prst="rect">
             <a:avLst/>
@@ -14397,8 +14647,8 @@
           <p:nvPr/>
         </p:nvGraphicFramePr>
         <p:xfrm>
-          <a:off x="200025" y="1257300"/>
-          <a:ext cx="4482106" cy="1876425"/>
+          <a:off x="200025" y="971550"/>
+          <a:ext cx="5523902" cy="3105150"/>
         </p:xfrm>
         <a:graphic>
           <a:graphicData uri="http://schemas.openxmlformats.org/drawingml/2006/table">
@@ -14407,11 +14657,11 @@
                 <a:tableStyleId>{5C22544A-7EE6-4342-B048-85BDC9FD1C3A}</a:tableStyleId>
               </a:tblPr>
               <a:tblGrid>
-                <a:gridCol w="929506"/>
-                <a:gridCol w="1485676"/>
+                <a:gridCol w="1390054"/>
+                <a:gridCol w="2066924"/>
                 <a:gridCol w="2066924"/>
               </a:tblGrid>
-              <a:tr h="375285">
+              <a:tr h="621030">
                 <a:tc>
                   <a:txBody>
                     <a:bodyPr lIns="76200" rIns="76200" tIns="76200" bIns="76200"/>
@@ -14437,25 +14687,25 @@
                     <a:noFill/>
                     <a:lnL w="12700">
                       <a:solidFill>
-                        <a:srgbClr val="666"/>
+                        <a:srgbClr val="ffffff"/>
                       </a:solidFill>
                       <a:prstDash val="solid"/>
                     </a:lnL>
                     <a:lnR w="12700">
                       <a:solidFill>
-                        <a:srgbClr val="666"/>
+                        <a:srgbClr val="ffffff"/>
                       </a:solidFill>
                       <a:prstDash val="solid"/>
                     </a:lnR>
                     <a:lnT w="12700">
                       <a:solidFill>
-                        <a:srgbClr val="666"/>
+                        <a:srgbClr val="ffffff"/>
                       </a:solidFill>
                       <a:prstDash val="solid"/>
                     </a:lnT>
                     <a:lnB w="12700">
                       <a:solidFill>
-                        <a:srgbClr val="666"/>
+                        <a:srgbClr val="ffffff"/>
                       </a:solidFill>
                       <a:prstDash val="solid"/>
                     </a:lnB>
@@ -14486,25 +14736,25 @@
                     <a:noFill/>
                     <a:lnL w="12700">
                       <a:solidFill>
-                        <a:srgbClr val="666"/>
+                        <a:srgbClr val="ffffff"/>
                       </a:solidFill>
                       <a:prstDash val="solid"/>
                     </a:lnL>
                     <a:lnR w="12700">
                       <a:solidFill>
-                        <a:srgbClr val="666"/>
+                        <a:srgbClr val="ffffff"/>
                       </a:solidFill>
                       <a:prstDash val="solid"/>
                     </a:lnR>
                     <a:lnT w="12700">
                       <a:solidFill>
-                        <a:srgbClr val="666"/>
+                        <a:srgbClr val="ffffff"/>
                       </a:solidFill>
                       <a:prstDash val="solid"/>
                     </a:lnT>
                     <a:lnB w="12700">
                       <a:solidFill>
-                        <a:srgbClr val="666"/>
+                        <a:srgbClr val="ffffff"/>
                       </a:solidFill>
                       <a:prstDash val="solid"/>
                     </a:lnB>
@@ -14535,32 +14785,32 @@
                     <a:noFill/>
                     <a:lnL w="12700">
                       <a:solidFill>
-                        <a:srgbClr val="666"/>
+                        <a:srgbClr val="ffffff"/>
                       </a:solidFill>
                       <a:prstDash val="solid"/>
                     </a:lnL>
                     <a:lnR w="12700">
                       <a:solidFill>
-                        <a:srgbClr val="666"/>
+                        <a:srgbClr val="ffffff"/>
                       </a:solidFill>
                       <a:prstDash val="solid"/>
                     </a:lnR>
                     <a:lnT w="12700">
                       <a:solidFill>
-                        <a:srgbClr val="666"/>
+                        <a:srgbClr val="ffffff"/>
                       </a:solidFill>
                       <a:prstDash val="solid"/>
                     </a:lnT>
                     <a:lnB w="12700">
                       <a:solidFill>
-                        <a:srgbClr val="666"/>
+                        <a:srgbClr val="ffffff"/>
                       </a:solidFill>
                       <a:prstDash val="solid"/>
                     </a:lnB>
                   </a:tcPr>
                 </a:tc>
               </a:tr>
-              <a:tr h="375285">
+              <a:tr h="621030">
                 <a:tc>
                   <a:txBody>
                     <a:bodyPr lIns="76200" rIns="76200" tIns="76200" bIns="76200"/>
@@ -14586,25 +14836,25 @@
                     <a:noFill/>
                     <a:lnL w="12700">
                       <a:solidFill>
-                        <a:srgbClr val="666"/>
+                        <a:srgbClr val="ffffff"/>
                       </a:solidFill>
                       <a:prstDash val="solid"/>
                     </a:lnL>
                     <a:lnR w="12700">
                       <a:solidFill>
-                        <a:srgbClr val="666"/>
+                        <a:srgbClr val="ffffff"/>
                       </a:solidFill>
                       <a:prstDash val="solid"/>
                     </a:lnR>
                     <a:lnT w="12700">
                       <a:solidFill>
-                        <a:srgbClr val="666"/>
+                        <a:srgbClr val="ffffff"/>
                       </a:solidFill>
                       <a:prstDash val="solid"/>
                     </a:lnT>
                     <a:lnB w="12700">
                       <a:solidFill>
-                        <a:srgbClr val="666"/>
+                        <a:srgbClr val="ffffff"/>
                       </a:solidFill>
                       <a:prstDash val="solid"/>
                     </a:lnB>
@@ -14635,25 +14885,25 @@
                     <a:noFill/>
                     <a:lnL w="12700">
                       <a:solidFill>
-                        <a:srgbClr val="666"/>
+                        <a:srgbClr val="ffffff"/>
                       </a:solidFill>
                       <a:prstDash val="solid"/>
                     </a:lnL>
                     <a:lnR w="12700">
                       <a:solidFill>
-                        <a:srgbClr val="666"/>
+                        <a:srgbClr val="ffffff"/>
                       </a:solidFill>
                       <a:prstDash val="solid"/>
                     </a:lnR>
                     <a:lnT w="12700">
                       <a:solidFill>
-                        <a:srgbClr val="666"/>
+                        <a:srgbClr val="ffffff"/>
                       </a:solidFill>
                       <a:prstDash val="solid"/>
                     </a:lnT>
                     <a:lnB w="12700">
                       <a:solidFill>
-                        <a:srgbClr val="666"/>
+                        <a:srgbClr val="ffffff"/>
                       </a:solidFill>
                       <a:prstDash val="solid"/>
                     </a:lnB>
@@ -14702,32 +14952,32 @@
                     <a:noFill/>
                     <a:lnL w="12700">
                       <a:solidFill>
-                        <a:srgbClr val="666"/>
+                        <a:srgbClr val="ffffff"/>
                       </a:solidFill>
                       <a:prstDash val="solid"/>
                     </a:lnL>
                     <a:lnR w="12700">
                       <a:solidFill>
-                        <a:srgbClr val="666"/>
+                        <a:srgbClr val="ffffff"/>
                       </a:solidFill>
                       <a:prstDash val="solid"/>
                     </a:lnR>
                     <a:lnT w="12700">
                       <a:solidFill>
-                        <a:srgbClr val="666"/>
+                        <a:srgbClr val="ffffff"/>
                       </a:solidFill>
                       <a:prstDash val="solid"/>
                     </a:lnT>
                     <a:lnB w="12700">
                       <a:solidFill>
-                        <a:srgbClr val="666"/>
+                        <a:srgbClr val="ffffff"/>
                       </a:solidFill>
                       <a:prstDash val="solid"/>
                     </a:lnB>
                   </a:tcPr>
                 </a:tc>
               </a:tr>
-              <a:tr h="375285">
+              <a:tr h="621030">
                 <a:tc>
                   <a:txBody>
                     <a:bodyPr lIns="76200" rIns="76200" tIns="76200" bIns="76200"/>
@@ -14753,25 +15003,25 @@
                     <a:noFill/>
                     <a:lnL w="12700">
                       <a:solidFill>
-                        <a:srgbClr val="666"/>
+                        <a:srgbClr val="ffffff"/>
                       </a:solidFill>
                       <a:prstDash val="solid"/>
                     </a:lnL>
                     <a:lnR w="12700">
                       <a:solidFill>
-                        <a:srgbClr val="666"/>
+                        <a:srgbClr val="ffffff"/>
                       </a:solidFill>
                       <a:prstDash val="solid"/>
                     </a:lnR>
                     <a:lnT w="12700">
                       <a:solidFill>
-                        <a:srgbClr val="666"/>
+                        <a:srgbClr val="ffffff"/>
                       </a:solidFill>
                       <a:prstDash val="solid"/>
                     </a:lnT>
                     <a:lnB w="12700">
                       <a:solidFill>
-                        <a:srgbClr val="666"/>
+                        <a:srgbClr val="ffffff"/>
                       </a:solidFill>
                       <a:prstDash val="solid"/>
                     </a:lnB>
@@ -14802,25 +15052,25 @@
                     <a:noFill/>
                     <a:lnL w="12700">
                       <a:solidFill>
-                        <a:srgbClr val="666"/>
+                        <a:srgbClr val="ffffff"/>
                       </a:solidFill>
                       <a:prstDash val="solid"/>
                     </a:lnL>
                     <a:lnR w="12700">
                       <a:solidFill>
-                        <a:srgbClr val="666"/>
+                        <a:srgbClr val="ffffff"/>
                       </a:solidFill>
                       <a:prstDash val="solid"/>
                     </a:lnR>
                     <a:lnT w="12700">
                       <a:solidFill>
-                        <a:srgbClr val="666"/>
+                        <a:srgbClr val="ffffff"/>
                       </a:solidFill>
                       <a:prstDash val="solid"/>
                     </a:lnT>
                     <a:lnB w="12700">
                       <a:solidFill>
-                        <a:srgbClr val="666"/>
+                        <a:srgbClr val="ffffff"/>
                       </a:solidFill>
                       <a:prstDash val="solid"/>
                     </a:lnB>
@@ -14851,32 +15101,32 @@
                     <a:noFill/>
                     <a:lnL w="12700">
                       <a:solidFill>
-                        <a:srgbClr val="666"/>
+                        <a:srgbClr val="ffffff"/>
                       </a:solidFill>
                       <a:prstDash val="solid"/>
                     </a:lnL>
                     <a:lnR w="12700">
                       <a:solidFill>
-                        <a:srgbClr val="666"/>
+                        <a:srgbClr val="ffffff"/>
                       </a:solidFill>
                       <a:prstDash val="solid"/>
                     </a:lnR>
                     <a:lnT w="12700">
                       <a:solidFill>
-                        <a:srgbClr val="666"/>
+                        <a:srgbClr val="ffffff"/>
                       </a:solidFill>
                       <a:prstDash val="solid"/>
                     </a:lnT>
                     <a:lnB w="12700">
                       <a:solidFill>
-                        <a:srgbClr val="666"/>
+                        <a:srgbClr val="ffffff"/>
                       </a:solidFill>
                       <a:prstDash val="solid"/>
                     </a:lnB>
                   </a:tcPr>
                 </a:tc>
               </a:tr>
-              <a:tr h="375285">
+              <a:tr h="621030">
                 <a:tc>
                   <a:txBody>
                     <a:bodyPr lIns="76200" rIns="76200" tIns="76200" bIns="76200"/>
@@ -14902,25 +15152,25 @@
                     <a:noFill/>
                     <a:lnL w="12700">
                       <a:solidFill>
-                        <a:srgbClr val="666"/>
+                        <a:srgbClr val="ffffff"/>
                       </a:solidFill>
                       <a:prstDash val="solid"/>
                     </a:lnL>
                     <a:lnR w="12700">
                       <a:solidFill>
-                        <a:srgbClr val="666"/>
+                        <a:srgbClr val="ffffff"/>
                       </a:solidFill>
                       <a:prstDash val="solid"/>
                     </a:lnR>
                     <a:lnT w="12700">
                       <a:solidFill>
-                        <a:srgbClr val="666"/>
+                        <a:srgbClr val="ffffff"/>
                       </a:solidFill>
                       <a:prstDash val="solid"/>
                     </a:lnT>
                     <a:lnB w="12700">
                       <a:solidFill>
-                        <a:srgbClr val="666"/>
+                        <a:srgbClr val="ffffff"/>
                       </a:solidFill>
                       <a:prstDash val="solid"/>
                     </a:lnB>
@@ -14951,25 +15201,25 @@
                     <a:noFill/>
                     <a:lnL w="12700">
                       <a:solidFill>
-                        <a:srgbClr val="666"/>
+                        <a:srgbClr val="ffffff"/>
                       </a:solidFill>
                       <a:prstDash val="solid"/>
                     </a:lnL>
                     <a:lnR w="12700">
                       <a:solidFill>
-                        <a:srgbClr val="666"/>
+                        <a:srgbClr val="ffffff"/>
                       </a:solidFill>
                       <a:prstDash val="solid"/>
                     </a:lnR>
                     <a:lnT w="12700">
                       <a:solidFill>
-                        <a:srgbClr val="666"/>
+                        <a:srgbClr val="ffffff"/>
                       </a:solidFill>
                       <a:prstDash val="solid"/>
                     </a:lnT>
                     <a:lnB w="12700">
                       <a:solidFill>
-                        <a:srgbClr val="666"/>
+                        <a:srgbClr val="ffffff"/>
                       </a:solidFill>
                       <a:prstDash val="solid"/>
                     </a:lnB>
@@ -15000,32 +15250,32 @@
                     <a:noFill/>
                     <a:lnL w="12700">
                       <a:solidFill>
-                        <a:srgbClr val="666"/>
+                        <a:srgbClr val="ffffff"/>
                       </a:solidFill>
                       <a:prstDash val="solid"/>
                     </a:lnL>
                     <a:lnR w="12700">
                       <a:solidFill>
-                        <a:srgbClr val="666"/>
+                        <a:srgbClr val="ffffff"/>
                       </a:solidFill>
                       <a:prstDash val="solid"/>
                     </a:lnR>
                     <a:lnT w="12700">
                       <a:solidFill>
-                        <a:srgbClr val="666"/>
+                        <a:srgbClr val="ffffff"/>
                       </a:solidFill>
                       <a:prstDash val="solid"/>
                     </a:lnT>
                     <a:lnB w="12700">
                       <a:solidFill>
-                        <a:srgbClr val="666"/>
+                        <a:srgbClr val="ffffff"/>
                       </a:solidFill>
                       <a:prstDash val="solid"/>
                     </a:lnB>
                   </a:tcPr>
                 </a:tc>
               </a:tr>
-              <a:tr h="375285">
+              <a:tr h="621030">
                 <a:tc>
                   <a:txBody>
                     <a:bodyPr lIns="76200" rIns="76200" tIns="76200" bIns="76200"/>
@@ -15051,25 +15301,25 @@
                     <a:noFill/>
                     <a:lnL w="12700">
                       <a:solidFill>
-                        <a:srgbClr val="666"/>
+                        <a:srgbClr val="ffffff"/>
                       </a:solidFill>
                       <a:prstDash val="solid"/>
                     </a:lnL>
                     <a:lnR w="12700">
                       <a:solidFill>
-                        <a:srgbClr val="666"/>
+                        <a:srgbClr val="ffffff"/>
                       </a:solidFill>
                       <a:prstDash val="solid"/>
                     </a:lnR>
                     <a:lnT w="12700">
                       <a:solidFill>
-                        <a:srgbClr val="666"/>
+                        <a:srgbClr val="ffffff"/>
                       </a:solidFill>
                       <a:prstDash val="solid"/>
                     </a:lnT>
                     <a:lnB w="12700">
                       <a:solidFill>
-                        <a:srgbClr val="666"/>
+                        <a:srgbClr val="ffffff"/>
                       </a:solidFill>
                       <a:prstDash val="solid"/>
                     </a:lnB>
@@ -15100,25 +15350,25 @@
                     <a:noFill/>
                     <a:lnL w="12700">
                       <a:solidFill>
-                        <a:srgbClr val="666"/>
+                        <a:srgbClr val="ffffff"/>
                       </a:solidFill>
                       <a:prstDash val="solid"/>
                     </a:lnL>
                     <a:lnR w="12700">
                       <a:solidFill>
-                        <a:srgbClr val="666"/>
+                        <a:srgbClr val="ffffff"/>
                       </a:solidFill>
                       <a:prstDash val="solid"/>
                     </a:lnR>
                     <a:lnT w="12700">
                       <a:solidFill>
-                        <a:srgbClr val="666"/>
+                        <a:srgbClr val="ffffff"/>
                       </a:solidFill>
                       <a:prstDash val="solid"/>
                     </a:lnT>
                     <a:lnB w="12700">
                       <a:solidFill>
-                        <a:srgbClr val="666"/>
+                        <a:srgbClr val="ffffff"/>
                       </a:solidFill>
                       <a:prstDash val="solid"/>
                     </a:lnB>
@@ -15149,25 +15399,25 @@
                     <a:noFill/>
                     <a:lnL w="12700">
                       <a:solidFill>
-                        <a:srgbClr val="666"/>
+                        <a:srgbClr val="ffffff"/>
                       </a:solidFill>
                       <a:prstDash val="solid"/>
                     </a:lnL>
                     <a:lnR w="12700">
                       <a:solidFill>
-                        <a:srgbClr val="666"/>
+                        <a:srgbClr val="ffffff"/>
                       </a:solidFill>
                       <a:prstDash val="solid"/>
                     </a:lnR>
                     <a:lnT w="12700">
                       <a:solidFill>
-                        <a:srgbClr val="666"/>
+                        <a:srgbClr val="ffffff"/>
                       </a:solidFill>
                       <a:prstDash val="solid"/>
                     </a:lnT>
                     <a:lnB w="12700">
                       <a:solidFill>
-                        <a:srgbClr val="666"/>
+                        <a:srgbClr val="ffffff"/>
                       </a:solidFill>
                       <a:prstDash val="solid"/>
                     </a:lnB>
@@ -15186,7 +15436,7 @@
         </p:nvSpPr>
         <p:spPr>
           <a:xfrm>
-            <a:off x="200025" y="3333749"/>
+            <a:off x="200025" y="4286250"/>
             <a:ext cx="8943975" cy="274320"/>
           </a:xfrm>
           <a:prstGeom prst="rect">
@@ -15208,7 +15458,7 @@
                 <a:spcPts val="0"/>
               </a:spcBef>
               <a:spcAft>
-                <a:spcPts val="1125"/>
+                <a:spcPts val="0"/>
               </a:spcAft>
               <a:defRPr>
                 <a:solidFill>
@@ -15233,7 +15483,7 @@
         </p:nvSpPr>
         <p:spPr>
           <a:xfrm>
-            <a:off x="200025" y="3743325"/>
+            <a:off x="200025" y="4638674"/>
             <a:ext cx="8943975" cy="274320"/>
           </a:xfrm>
           <a:prstGeom prst="rect">
@@ -15268,728 +15518,6 @@
                 <a:latin typeface="Arial"/>
               </a:rPr>
               <a:t>The system processes content through these stages:</a:t>
-            </a:r>
-          </a:p>
-        </p:txBody>
-      </p:sp>
-      <p:sp>
-        <p:nvSpPr>
-          <p:cNvPr id="8" name="TextBox 7"/>
-          <p:cNvSpPr txBox="1"/>
-          <p:nvPr/>
-        </p:nvSpPr>
-        <p:spPr>
-          <a:xfrm>
-            <a:off x="200025" y="4105274"/>
-            <a:ext cx="8943975" cy="666750"/>
-          </a:xfrm>
-          <a:prstGeom prst="rect">
-            <a:avLst/>
-          </a:prstGeom>
-          <a:noFill/>
-        </p:spPr>
-        <p:txBody>
-          <a:bodyPr wrap="square" lIns="0" rIns="0" tIns="0" bIns="0">
-            <a:spAutoFit/>
-          </a:bodyPr>
-          <a:lstStyle/>
-          <a:p>
-            <a:pPr algn="l">
-              <a:spcBef>
-                <a:spcPts val="0"/>
-              </a:spcBef>
-              <a:spcAft>
-                <a:spcPts val="0"/>
-              </a:spcAft>
-              <a:defRPr>
-                <a:solidFill>
-                  <a:srgbClr val="E0E0E0"/>
-                </a:solidFill>
-              </a:defRPr>
-            </a:pPr>
-            <a:r>
-              <a:rPr sz="1000"/>
-              <a:t>1. </a:t>
-            </a:r>
-            <a:r>
-              <a:rPr b="1" sz="1000">
-                <a:latin typeface="Arial"/>
-              </a:rPr>
-              <a:t>Markdown Input</a:t>
-            </a:r>
-            <a:r>
-              <a:rPr sz="1000">
-                <a:latin typeface="Arial"/>
-              </a:rPr>
-              <a:t> → Parse with markdown-it-py</a:t>
-            </a:r>
-          </a:p>
-          <a:p>
-            <a:pPr algn="l">
-              <a:spcBef>
-                <a:spcPts val="0"/>
-              </a:spcBef>
-              <a:spcAft>
-                <a:spcPts val="0"/>
-              </a:spcAft>
-              <a:defRPr>
-                <a:solidFill>
-                  <a:srgbClr val="E0E0E0"/>
-                </a:solidFill>
-              </a:defRPr>
-            </a:pPr>
-            <a:r>
-              <a:rPr sz="1000"/>
-              <a:t>2. </a:t>
-            </a:r>
-            <a:r>
-              <a:rPr b="1" sz="1000">
-                <a:latin typeface="Arial"/>
-              </a:rPr>
-              <a:t>HTML Generation</a:t>
-            </a:r>
-            <a:r>
-              <a:rPr sz="1000">
-                <a:latin typeface="Arial"/>
-              </a:rPr>
-              <a:t> → Add inline styling support</a:t>
-            </a:r>
-          </a:p>
-          <a:p>
-            <a:pPr algn="l">
-              <a:spcBef>
-                <a:spcPts val="0"/>
-              </a:spcBef>
-              <a:spcAft>
-                <a:spcPts val="0"/>
-              </a:spcAft>
-              <a:defRPr>
-                <a:solidFill>
-                  <a:srgbClr val="E0E0E0"/>
-                </a:solidFill>
-              </a:defRPr>
-            </a:pPr>
-            <a:r>
-              <a:rPr sz="1000"/>
-              <a:t>3. </a:t>
-            </a:r>
-            <a:r>
-              <a:rPr b="1" sz="1000">
-                <a:latin typeface="Arial"/>
-              </a:rPr>
-              <a:t>Browser Layout</a:t>
-            </a:r>
-            <a:r>
-              <a:rPr sz="1000">
-                <a:latin typeface="Arial"/>
-              </a:rPr>
-              <a:t> → Measure with Puppeteer engine</a:t>
-            </a:r>
-          </a:p>
-          <a:p>
-            <a:pPr algn="l">
-              <a:spcBef>
-                <a:spcPts val="0"/>
-              </a:spcBef>
-              <a:spcAft>
-                <a:spcPts val="0"/>
-              </a:spcAft>
-              <a:defRPr>
-                <a:solidFill>
-                  <a:srgbClr val="E0E0E0"/>
-                </a:solidFill>
-              </a:defRPr>
-            </a:pPr>
-            <a:r>
-              <a:rPr sz="1000"/>
-              <a:t>4. </a:t>
-            </a:r>
-            <a:r>
-              <a:rPr b="1" sz="1000">
-                <a:latin typeface="Arial"/>
-              </a:rPr>
-              <a:t>Block Positioning</a:t>
-            </a:r>
-            <a:r>
-              <a:rPr sz="1000">
-                <a:latin typeface="Arial"/>
-              </a:rPr>
-              <a:t> → Calculate precise coordinates</a:t>
-            </a:r>
-          </a:p>
-          <a:p>
-            <a:pPr algn="l">
-              <a:spcBef>
-                <a:spcPts val="0"/>
-              </a:spcBef>
-              <a:spcAft>
-                <a:spcPts val="0"/>
-              </a:spcAft>
-              <a:defRPr>
-                <a:solidFill>
-                  <a:srgbClr val="E0E0E0"/>
-                </a:solidFill>
-              </a:defRPr>
-            </a:pPr>
-            <a:r>
-              <a:rPr sz="1000"/>
-              <a:t>5. </a:t>
-            </a:r>
-            <a:r>
-              <a:rPr b="1" sz="1000">
-                <a:latin typeface="Arial"/>
-              </a:rPr>
-              <a:t>PowerPoint Output</a:t>
-            </a:r>
-            <a:r>
-              <a:rPr sz="1000">
-                <a:latin typeface="Arial"/>
-              </a:rPr>
-              <a:t> → Generate native PPTX format</a:t>
-            </a:r>
-          </a:p>
-        </p:txBody>
-      </p:sp>
-    </p:spTree>
-  </p:cSld>
-  <p:clrMapOvr>
-    <a:masterClrMapping/>
-  </p:clrMapOvr>
-</p:sld>
-</file>
-
-<file path=ppt/slides/slide9.xml><?xml version="1.0" encoding="utf-8"?>
-<p:sld xmlns:a="http://schemas.openxmlformats.org/drawingml/2006/main" xmlns:p="http://schemas.openxmlformats.org/presentationml/2006/main" xmlns:r="http://schemas.openxmlformats.org/officeDocument/2006/relationships">
-  <p:cSld>
-    <p:bg>
-      <p:bgPr>
-        <a:solidFill>
-          <a:srgbClr val="1A1A1A"/>
-        </a:solidFill>
-        <a:effectLst/>
-      </p:bgPr>
-    </p:bg>
-    <p:spTree>
-      <p:nvGrpSpPr>
-        <p:cNvPr id="1" name=""/>
-        <p:cNvGrpSpPr/>
-        <p:nvPr/>
-      </p:nvGrpSpPr>
-      <p:grpSpPr/>
-      <p:sp>
-        <p:nvSpPr>
-          <p:cNvPr id="2" name="TextBox 1"/>
-          <p:cNvSpPr txBox="1"/>
-          <p:nvPr/>
-        </p:nvSpPr>
-        <p:spPr>
-          <a:xfrm>
-            <a:off x="200025" y="380999"/>
-            <a:ext cx="8943975" cy="274320"/>
-          </a:xfrm>
-          <a:prstGeom prst="rect">
-            <a:avLst/>
-          </a:prstGeom>
-          <a:noFill/>
-        </p:spPr>
-        <p:txBody>
-          <a:bodyPr wrap="square" lIns="0" rIns="0" tIns="0" bIns="0">
-            <a:spAutoFit/>
-          </a:bodyPr>
-          <a:lstStyle/>
-          <a:p>
-            <a:pPr algn="l">
-              <a:lnSpc>
-                <a:spcPct val="140000"/>
-              </a:lnSpc>
-              <a:spcBef>
-                <a:spcPts val="0"/>
-              </a:spcBef>
-              <a:spcAft>
-                <a:spcPts val="1500"/>
-              </a:spcAft>
-              <a:defRPr>
-                <a:solidFill>
-                  <a:srgbClr val="E0E0E0"/>
-                </a:solidFill>
-              </a:defRPr>
-            </a:pPr>
-            <a:r>
-              <a:rPr sz="1200" b="1">
-                <a:latin typeface="Arial"/>
-              </a:rPr>
-              <a:t>📏 Pagination &amp; Layout</a:t>
-            </a:r>
-          </a:p>
-        </p:txBody>
-      </p:sp>
-      <p:sp>
-        <p:nvSpPr>
-          <p:cNvPr id="3" name="TextBox 2"/>
-          <p:cNvSpPr txBox="1"/>
-          <p:nvPr/>
-        </p:nvSpPr>
-        <p:spPr>
-          <a:xfrm>
-            <a:off x="200025" y="838200"/>
-            <a:ext cx="8943975" cy="274320"/>
-          </a:xfrm>
-          <a:prstGeom prst="rect">
-            <a:avLst/>
-          </a:prstGeom>
-          <a:noFill/>
-        </p:spPr>
-        <p:txBody>
-          <a:bodyPr wrap="square" lIns="0" rIns="0" tIns="0" bIns="0">
-            <a:spAutoFit/>
-          </a:bodyPr>
-          <a:lstStyle/>
-          <a:p>
-            <a:pPr algn="l">
-              <a:lnSpc>
-                <a:spcPct val="140000"/>
-              </a:lnSpc>
-              <a:spcBef>
-                <a:spcPts val="0"/>
-              </a:spcBef>
-              <a:spcAft>
-                <a:spcPts val="1125"/>
-              </a:spcAft>
-              <a:defRPr>
-                <a:solidFill>
-                  <a:srgbClr val="E0E0E0"/>
-                </a:solidFill>
-              </a:defRPr>
-            </a:pPr>
-            <a:r>
-              <a:rPr sz="1000" b="1">
-                <a:latin typeface="Arial"/>
-              </a:rPr>
-              <a:t>Intelligent Pagination</a:t>
-            </a:r>
-          </a:p>
-        </p:txBody>
-      </p:sp>
-      <p:sp>
-        <p:nvSpPr>
-          <p:cNvPr id="4" name="TextBox 3"/>
-          <p:cNvSpPr txBox="1"/>
-          <p:nvPr/>
-        </p:nvSpPr>
-        <p:spPr>
-          <a:xfrm>
-            <a:off x="200025" y="1257300"/>
-            <a:ext cx="8943975" cy="274320"/>
-          </a:xfrm>
-          <a:prstGeom prst="rect">
-            <a:avLst/>
-          </a:prstGeom>
-          <a:noFill/>
-        </p:spPr>
-        <p:txBody>
-          <a:bodyPr wrap="square" lIns="0" rIns="0" tIns="0" bIns="0">
-            <a:spAutoFit/>
-          </a:bodyPr>
-          <a:lstStyle/>
-          <a:p>
-            <a:pPr algn="l">
-              <a:lnSpc>
-                <a:spcPct val="140000"/>
-              </a:lnSpc>
-              <a:spcBef>
-                <a:spcPts val="0"/>
-              </a:spcBef>
-              <a:spcAft>
-                <a:spcPts val="0"/>
-              </a:spcAft>
-              <a:defRPr>
-                <a:solidFill>
-                  <a:srgbClr val="E0E0E0"/>
-                </a:solidFill>
-              </a:defRPr>
-            </a:pPr>
-            <a:r>
-              <a:rPr sz="1000">
-                <a:latin typeface="Arial"/>
-              </a:rPr>
-              <a:t>The system uses </a:t>
-            </a:r>
-            <a:r>
-              <a:rPr b="1" sz="1000">
-                <a:latin typeface="Arial"/>
-              </a:rPr>
-              <a:t>browser-based measurement</a:t>
-            </a:r>
-            <a:r>
-              <a:rPr sz="1000">
-                <a:latin typeface="Arial"/>
-              </a:rPr>
-              <a:t> for accurate pagination:</a:t>
-            </a:r>
-          </a:p>
-        </p:txBody>
-      </p:sp>
-      <p:sp>
-        <p:nvSpPr>
-          <p:cNvPr id="5" name="TextBox 4"/>
-          <p:cNvSpPr txBox="1"/>
-          <p:nvPr/>
-        </p:nvSpPr>
-        <p:spPr>
-          <a:xfrm>
-            <a:off x="200025" y="1619250"/>
-            <a:ext cx="8943975" cy="533399"/>
-          </a:xfrm>
-          <a:prstGeom prst="rect">
-            <a:avLst/>
-          </a:prstGeom>
-          <a:noFill/>
-        </p:spPr>
-        <p:txBody>
-          <a:bodyPr wrap="square" lIns="0" rIns="0" tIns="0" bIns="0">
-            <a:spAutoFit/>
-          </a:bodyPr>
-          <a:lstStyle/>
-          <a:p>
-            <a:pPr algn="l">
-              <a:spcBef>
-                <a:spcPts val="0"/>
-              </a:spcBef>
-              <a:spcAft>
-                <a:spcPts val="0"/>
-              </a:spcAft>
-              <a:defRPr>
-                <a:solidFill>
-                  <a:srgbClr val="E0E0E0"/>
-                </a:solidFill>
-              </a:defRPr>
-            </a:pPr>
-            <a:r>
-              <a:rPr sz="1000"/>
-              <a:t>• </a:t>
-            </a:r>
-            <a:r>
-              <a:rPr sz="1000">
-                <a:latin typeface="Arial"/>
-              </a:rPr>
-              <a:t>✅ </a:t>
-            </a:r>
-            <a:r>
-              <a:rPr b="1" sz="1000">
-                <a:latin typeface="Arial"/>
-              </a:rPr>
-              <a:t>Boundary detection</a:t>
-            </a:r>
-            <a:r>
-              <a:rPr sz="1000">
-                <a:latin typeface="Arial"/>
-              </a:rPr>
-              <a:t>: Content exceeding slide limits automatically flows to next slide</a:t>
-            </a:r>
-          </a:p>
-          <a:p>
-            <a:pPr algn="l">
-              <a:spcBef>
-                <a:spcPts val="0"/>
-              </a:spcBef>
-              <a:spcAft>
-                <a:spcPts val="0"/>
-              </a:spcAft>
-              <a:defRPr>
-                <a:solidFill>
-                  <a:srgbClr val="E0E0E0"/>
-                </a:solidFill>
-              </a:defRPr>
-            </a:pPr>
-            <a:r>
-              <a:rPr sz="1000"/>
-              <a:t>• </a:t>
-            </a:r>
-            <a:r>
-              <a:rPr sz="1000">
-                <a:latin typeface="Arial"/>
-              </a:rPr>
-              <a:t>✅ </a:t>
-            </a:r>
-            <a:r>
-              <a:rPr b="1" sz="1000">
-                <a:latin typeface="Arial"/>
-              </a:rPr>
-              <a:t>Relative positioning</a:t>
-            </a:r>
-            <a:r>
-              <a:rPr sz="1000">
-                <a:latin typeface="Arial"/>
-              </a:rPr>
-              <a:t>: Accounts for CSS margins and spacing</a:t>
-            </a:r>
-          </a:p>
-          <a:p>
-            <a:pPr algn="l">
-              <a:spcBef>
-                <a:spcPts val="0"/>
-              </a:spcBef>
-              <a:spcAft>
-                <a:spcPts val="0"/>
-              </a:spcAft>
-              <a:defRPr>
-                <a:solidFill>
-                  <a:srgbClr val="E0E0E0"/>
-                </a:solidFill>
-              </a:defRPr>
-            </a:pPr>
-            <a:r>
-              <a:rPr sz="1000"/>
-              <a:t>• </a:t>
-            </a:r>
-            <a:r>
-              <a:rPr sz="1000">
-                <a:latin typeface="Arial"/>
-              </a:rPr>
-              <a:t>✅ </a:t>
-            </a:r>
-            <a:r>
-              <a:rPr b="1" sz="1000">
-                <a:latin typeface="Arial"/>
-              </a:rPr>
-              <a:t>Overflow prevention</a:t>
-            </a:r>
-            <a:r>
-              <a:rPr sz="1000">
-                <a:latin typeface="Arial"/>
-              </a:rPr>
-              <a:t>: No content extends beyond slide boundaries</a:t>
-            </a:r>
-          </a:p>
-          <a:p>
-            <a:pPr algn="l">
-              <a:spcBef>
-                <a:spcPts val="0"/>
-              </a:spcBef>
-              <a:spcAft>
-                <a:spcPts val="0"/>
-              </a:spcAft>
-              <a:defRPr>
-                <a:solidFill>
-                  <a:srgbClr val="E0E0E0"/>
-                </a:solidFill>
-              </a:defRPr>
-            </a:pPr>
-            <a:r>
-              <a:rPr sz="1000"/>
-              <a:t>• </a:t>
-            </a:r>
-            <a:r>
-              <a:rPr sz="1000">
-                <a:latin typeface="Arial"/>
-              </a:rPr>
-              <a:t>✅ </a:t>
-            </a:r>
-            <a:r>
-              <a:rPr b="1" sz="1000">
-                <a:latin typeface="Arial"/>
-              </a:rPr>
-              <a:t>Smart breaks</a:t>
-            </a:r>
-            <a:r>
-              <a:rPr sz="1000">
-                <a:latin typeface="Arial"/>
-              </a:rPr>
-              <a:t>: Preserves logical content grouping where possible</a:t>
-            </a:r>
-          </a:p>
-        </p:txBody>
-      </p:sp>
-      <p:sp>
-        <p:nvSpPr>
-          <p:cNvPr id="6" name="TextBox 5"/>
-          <p:cNvSpPr txBox="1"/>
-          <p:nvPr/>
-        </p:nvSpPr>
-        <p:spPr>
-          <a:xfrm>
-            <a:off x="200025" y="2152650"/>
-            <a:ext cx="8943975" cy="274320"/>
-          </a:xfrm>
-          <a:prstGeom prst="rect">
-            <a:avLst/>
-          </a:prstGeom>
-          <a:noFill/>
-        </p:spPr>
-        <p:txBody>
-          <a:bodyPr wrap="square" lIns="0" rIns="0" tIns="0" bIns="0">
-            <a:spAutoFit/>
-          </a:bodyPr>
-          <a:lstStyle/>
-          <a:p>
-            <a:pPr algn="l">
-              <a:lnSpc>
-                <a:spcPct val="140000"/>
-              </a:lnSpc>
-              <a:spcBef>
-                <a:spcPts val="0"/>
-              </a:spcBef>
-              <a:spcAft>
-                <a:spcPts val="1125"/>
-              </a:spcAft>
-              <a:defRPr>
-                <a:solidFill>
-                  <a:srgbClr val="E0E0E0"/>
-                </a:solidFill>
-              </a:defRPr>
-            </a:pPr>
-            <a:r>
-              <a:rPr sz="1000" b="1">
-                <a:latin typeface="Arial"/>
-              </a:rPr>
-              <a:t>Layout Quality</a:t>
-            </a:r>
-          </a:p>
-        </p:txBody>
-      </p:sp>
-      <p:sp>
-        <p:nvSpPr>
-          <p:cNvPr id="7" name="TextBox 6"/>
-          <p:cNvSpPr txBox="1"/>
-          <p:nvPr/>
-        </p:nvSpPr>
-        <p:spPr>
-          <a:xfrm>
-            <a:off x="200025" y="2562224"/>
-            <a:ext cx="8943975" cy="533399"/>
-          </a:xfrm>
-          <a:prstGeom prst="rect">
-            <a:avLst/>
-          </a:prstGeom>
-          <a:noFill/>
-        </p:spPr>
-        <p:txBody>
-          <a:bodyPr wrap="square" lIns="0" rIns="0" tIns="0" bIns="0">
-            <a:spAutoFit/>
-          </a:bodyPr>
-          <a:lstStyle/>
-          <a:p>
-            <a:pPr algn="l">
-              <a:spcBef>
-                <a:spcPts val="0"/>
-              </a:spcBef>
-              <a:spcAft>
-                <a:spcPts val="0"/>
-              </a:spcAft>
-              <a:defRPr>
-                <a:solidFill>
-                  <a:srgbClr val="E0E0E0"/>
-                </a:solidFill>
-              </a:defRPr>
-            </a:pPr>
-            <a:r>
-              <a:rPr sz="1000"/>
-              <a:t>• </a:t>
-            </a:r>
-            <a:r>
-              <a:rPr b="1" sz="1000">
-                <a:latin typeface="Arial"/>
-              </a:rPr>
-              <a:t>Pixel-perfect positioning</a:t>
-            </a:r>
-            <a:r>
-              <a:rPr sz="1000">
-                <a:latin typeface="Arial"/>
-              </a:rPr>
-              <a:t> using browser layout engine</a:t>
-            </a:r>
-          </a:p>
-          <a:p>
-            <a:pPr algn="l">
-              <a:spcBef>
-                <a:spcPts val="0"/>
-              </a:spcBef>
-              <a:spcAft>
-                <a:spcPts val="0"/>
-              </a:spcAft>
-              <a:defRPr>
-                <a:solidFill>
-                  <a:srgbClr val="E0E0E0"/>
-                </a:solidFill>
-              </a:defRPr>
-            </a:pPr>
-            <a:r>
-              <a:rPr sz="1000"/>
-              <a:t>• </a:t>
-            </a:r>
-            <a:r>
-              <a:rPr b="1" sz="1000">
-                <a:latin typeface="Arial"/>
-              </a:rPr>
-              <a:t>Consistent spacing</a:t>
-            </a:r>
-            <a:r>
-              <a:rPr sz="1000">
-                <a:latin typeface="Arial"/>
-              </a:rPr>
-              <a:t> matching CSS specifications</a:t>
-            </a:r>
-          </a:p>
-          <a:p>
-            <a:pPr algn="l">
-              <a:spcBef>
-                <a:spcPts val="0"/>
-              </a:spcBef>
-              <a:spcAft>
-                <a:spcPts val="0"/>
-              </a:spcAft>
-              <a:defRPr>
-                <a:solidFill>
-                  <a:srgbClr val="E0E0E0"/>
-                </a:solidFill>
-              </a:defRPr>
-            </a:pPr>
-            <a:r>
-              <a:rPr sz="1000"/>
-              <a:t>• </a:t>
-            </a:r>
-            <a:r>
-              <a:rPr b="1" sz="1000">
-                <a:latin typeface="Arial"/>
-              </a:rPr>
-              <a:t>Professional typography</a:t>
-            </a:r>
-            <a:r>
-              <a:rPr sz="1000">
-                <a:latin typeface="Arial"/>
-              </a:rPr>
-              <a:t> with proper font rendering</a:t>
-            </a:r>
-          </a:p>
-          <a:p>
-            <a:pPr algn="l">
-              <a:spcBef>
-                <a:spcPts val="0"/>
-              </a:spcBef>
-              <a:spcAft>
-                <a:spcPts val="0"/>
-              </a:spcAft>
-              <a:defRPr>
-                <a:solidFill>
-                  <a:srgbClr val="E0E0E0"/>
-                </a:solidFill>
-              </a:defRPr>
-            </a:pPr>
-            <a:r>
-              <a:rPr sz="1000"/>
-              <a:t>• </a:t>
-            </a:r>
-            <a:r>
-              <a:rPr b="1" sz="1000">
-                <a:latin typeface="Arial"/>
-              </a:rPr>
-              <a:t>Responsive design</a:t>
-            </a:r>
-            <a:r>
-              <a:rPr sz="1000">
-                <a:latin typeface="Arial"/>
-              </a:rPr>
-              <a:t> adapting to different content types</a:t>
             </a:r>
           </a:p>
         </p:txBody>

--- a/output/comprehensive_demo_dark.pptx
+++ b/output/comprehensive_demo_dark.pptx
@@ -6872,7 +6872,7 @@
         <p:spPr>
           <a:xfrm>
             <a:off x="200025" y="1171575"/>
-            <a:ext cx="8943975" cy="1866899"/>
+            <a:ext cx="8943975" cy="2152650"/>
           </a:xfrm>
           <a:prstGeom prst="rect">
             <a:avLst/>
@@ -6927,7 +6927,7 @@
         </p:nvSpPr>
         <p:spPr>
           <a:xfrm>
-            <a:off x="200025" y="3181350"/>
+            <a:off x="200025" y="3467100"/>
             <a:ext cx="8943975" cy="274320"/>
           </a:xfrm>
           <a:prstGeom prst="rect">
@@ -6974,7 +6974,7 @@
         </p:nvSpPr>
         <p:spPr>
           <a:xfrm>
-            <a:off x="200025" y="3514725"/>
+            <a:off x="200025" y="3800475"/>
             <a:ext cx="8943975" cy="666750"/>
           </a:xfrm>
           <a:prstGeom prst="rect">
@@ -7127,7 +7127,7 @@
         </p:nvSpPr>
         <p:spPr>
           <a:xfrm>
-            <a:off x="200025" y="4286250"/>
+            <a:off x="200025" y="4572000"/>
             <a:ext cx="8943975" cy="274320"/>
           </a:xfrm>
           <a:prstGeom prst="rect">
@@ -12824,7 +12824,7 @@
         <p:spPr>
           <a:xfrm>
             <a:off x="200025" y="885825"/>
-            <a:ext cx="8943975" cy="1866899"/>
+            <a:ext cx="8943975" cy="2152650"/>
           </a:xfrm>
           <a:prstGeom prst="rect">
             <a:avLst/>
@@ -12880,7 +12880,7 @@
         </p:nvSpPr>
         <p:spPr>
           <a:xfrm>
-            <a:off x="200025" y="2895600"/>
+            <a:off x="200025" y="3181350"/>
             <a:ext cx="8943975" cy="274320"/>
           </a:xfrm>
           <a:prstGeom prst="rect">
@@ -12927,8 +12927,8 @@
         </p:nvSpPr>
         <p:spPr>
           <a:xfrm>
-            <a:off x="200025" y="3228975"/>
-            <a:ext cx="8943975" cy="1866899"/>
+            <a:off x="200025" y="3514725"/>
+            <a:ext cx="8943975" cy="2152650"/>
           </a:xfrm>
           <a:prstGeom prst="rect">
             <a:avLst/>
@@ -12985,7 +12985,7 @@
         </p:nvSpPr>
         <p:spPr>
           <a:xfrm>
-            <a:off x="200025" y="5238749"/>
+            <a:off x="200025" y="5810249"/>
             <a:ext cx="8943975" cy="274320"/>
           </a:xfrm>
           <a:prstGeom prst="rect">
@@ -13051,7 +13051,7 @@
         <p:spPr>
           <a:xfrm>
             <a:off x="200025" y="180975"/>
-            <a:ext cx="8943975" cy="2276474"/>
+            <a:ext cx="8943975" cy="2562224"/>
           </a:xfrm>
           <a:prstGeom prst="rect">
             <a:avLst/>

--- a/output/comprehensive_demo_dark.pptx
+++ b/output/comprehensive_demo_dark.pptx
@@ -24,6 +24,7 @@
     <p:sldId id="272" r:id="rId23"/>
     <p:sldId id="273" r:id="rId24"/>
     <p:sldId id="274" r:id="rId25"/>
+    <p:sldId id="275" r:id="rId26"/>
   </p:sldIdLst>
   <p:sldSz cx="9144000" cy="5143500" type="screen4x3"/>
   <p:notesSz cx="6858000" cy="9144000"/>
@@ -3192,31 +3193,31 @@
               </a:defRPr>
             </a:pPr>
             <a:r>
-              <a:rPr sz="1000">
+              <a:rPr sz="700">
                 <a:latin typeface="Arial"/>
               </a:rPr>
               <a:t>Welcome to the </a:t>
             </a:r>
             <a:r>
-              <a:rPr b="1" sz="1000">
+              <a:rPr b="1" sz="700">
                 <a:latin typeface="Arial"/>
               </a:rPr>
               <a:t>comprehensive demonstration</a:t>
             </a:r>
             <a:r>
-              <a:rPr sz="1000">
+              <a:rPr sz="700">
                 <a:latin typeface="Arial"/>
               </a:rPr>
               <a:t> of the </a:t>
             </a:r>
             <a:r>
-              <a:rPr i="1" sz="1000">
+              <a:rPr i="1" sz="700">
                 <a:latin typeface="Arial"/>
               </a:rPr>
               <a:t>Slide Generator</a:t>
             </a:r>
             <a:r>
-              <a:rPr sz="1000">
+              <a:rPr sz="700">
                 <a:latin typeface="Arial"/>
               </a:rPr>
               <a:t>!</a:t>
@@ -3263,13 +3264,13 @@
               </a:defRPr>
             </a:pPr>
             <a:r>
-              <a:rPr sz="1000">
+              <a:rPr sz="700">
                 <a:latin typeface="Arial"/>
               </a:rPr>
               <a:t>This presentation showcases </a:t>
             </a:r>
             <a:r>
-              <a:rPr b="1" sz="1000">
+              <a:rPr b="1" sz="700">
                 <a:solidFill>
                   <a:srgbClr val="FF8C00"/>
                 </a:solidFill>
@@ -3278,7 +3279,7 @@
               <a:t>all implemented features</a:t>
             </a:r>
             <a:r>
-              <a:rPr sz="1000">
+              <a:rPr sz="700">
                 <a:latin typeface="Arial"/>
               </a:rPr>
               <a:t> including </a:t>
@@ -3293,7 +3294,7 @@
               <a:t>inline styling</a:t>
             </a:r>
             <a:r>
-              <a:rPr sz="1000">
+              <a:rPr sz="700">
                 <a:latin typeface="Arial"/>
               </a:rPr>
               <a:t>, tables, themes, and more.</a:t>
@@ -3405,7 +3406,7 @@
               </a:defRPr>
             </a:pPr>
             <a:r>
-              <a:rPr sz="1000" b="1">
+              <a:rPr sz="900" b="1">
                 <a:latin typeface="Arial"/>
               </a:rPr>
               <a:t>Test Coverage</a:t>
@@ -4257,7 +4258,7 @@
               </a:defRPr>
             </a:pPr>
             <a:r>
-              <a:rPr sz="1000" b="1">
+              <a:rPr sz="900" b="1">
                 <a:latin typeface="Arial"/>
               </a:rPr>
               <a:t>Validation Features</a:t>
@@ -4301,17 +4302,17 @@
               </a:defRPr>
             </a:pPr>
             <a:r>
-              <a:rPr sz="1000"/>
+              <a:rPr sz="700"/>
               <a:t>• </a:t>
             </a:r>
             <a:r>
-              <a:rPr b="1" sz="1000">
+              <a:rPr b="1" sz="700">
                 <a:latin typeface="Arial"/>
               </a:rPr>
               <a:t>Content completeness</a:t>
             </a:r>
             <a:r>
-              <a:rPr sz="1000">
+              <a:rPr sz="700">
                 <a:latin typeface="Arial"/>
               </a:rPr>
               <a:t>: All markdown elements preserved</a:t>
@@ -4326,17 +4327,17 @@
               </a:defRPr>
             </a:pPr>
             <a:r>
-              <a:rPr sz="1000"/>
+              <a:rPr sz="700"/>
               <a:t>• </a:t>
             </a:r>
             <a:r>
-              <a:rPr b="1" sz="1000">
+              <a:rPr b="1" sz="700">
                 <a:latin typeface="Arial"/>
               </a:rPr>
               <a:t>No overlaps</a:t>
             </a:r>
             <a:r>
-              <a:rPr sz="1000">
+              <a:rPr sz="700">
                 <a:latin typeface="Arial"/>
               </a:rPr>
               <a:t>: Shapes positioned without collision</a:t>
@@ -4351,17 +4352,17 @@
               </a:defRPr>
             </a:pPr>
             <a:r>
-              <a:rPr sz="1000"/>
+              <a:rPr sz="700"/>
               <a:t>• </a:t>
             </a:r>
             <a:r>
-              <a:rPr b="1" sz="1000">
+              <a:rPr b="1" sz="700">
                 <a:latin typeface="Arial"/>
               </a:rPr>
               <a:t>Boundary compliance</a:t>
             </a:r>
             <a:r>
-              <a:rPr sz="1000">
+              <a:rPr sz="700">
                 <a:latin typeface="Arial"/>
               </a:rPr>
               <a:t>: Content within slide limits</a:t>
@@ -4376,17 +4377,17 @@
               </a:defRPr>
             </a:pPr>
             <a:r>
-              <a:rPr sz="1000"/>
+              <a:rPr sz="700"/>
               <a:t>• </a:t>
             </a:r>
             <a:r>
-              <a:rPr b="1" sz="1000">
+              <a:rPr b="1" sz="700">
                 <a:latin typeface="Arial"/>
               </a:rPr>
               <a:t>Format consistency</a:t>
             </a:r>
             <a:r>
-              <a:rPr sz="1000">
+              <a:rPr sz="700">
                 <a:latin typeface="Arial"/>
               </a:rPr>
               <a:t>: Styling applied correctly</a:t>
@@ -4401,17 +4402,17 @@
               </a:defRPr>
             </a:pPr>
             <a:r>
-              <a:rPr sz="1000"/>
+              <a:rPr sz="700"/>
               <a:t>• </a:t>
             </a:r>
             <a:r>
-              <a:rPr b="1" sz="1000">
+              <a:rPr b="1" sz="700">
                 <a:latin typeface="Arial"/>
               </a:rPr>
               <a:t>Theme adherence</a:t>
             </a:r>
             <a:r>
-              <a:rPr sz="1000">
+              <a:rPr sz="700">
                 <a:latin typeface="Arial"/>
               </a:rPr>
               <a:t>: Colors and fonts match specifications</a:t>
@@ -4523,7 +4524,7 @@
               </a:defRPr>
             </a:pPr>
             <a:r>
-              <a:rPr sz="1000" b="1">
+              <a:rPr sz="900" b="1">
                 <a:latin typeface="Arial"/>
               </a:rPr>
               <a:t>Table Column Width Fix ✅</a:t>
@@ -4570,26 +4571,26 @@
               </a:defRPr>
             </a:pPr>
             <a:r>
-              <a:rPr b="1" sz="1000">
+              <a:rPr b="1" sz="700">
                 <a:latin typeface="Arial"/>
               </a:rPr>
               <a:t>Problem</a:t>
             </a:r>
             <a:r>
-              <a:rPr sz="1000">
+              <a:rPr sz="700">
                 <a:latin typeface="Arial"/>
               </a:rPr>
               <a:t>: Columns distributed equally regardless of content
 </a:t>
             </a:r>
             <a:r>
-              <a:rPr b="1" sz="1000">
+              <a:rPr b="1" sz="700">
                 <a:latin typeface="Arial"/>
               </a:rPr>
               <a:t>Solution</a:t>
             </a:r>
             <a:r>
-              <a:rPr sz="1000">
+              <a:rPr sz="700">
                 <a:latin typeface="Arial"/>
               </a:rPr>
               <a:t>: HTML auto-width calculation with proper PowerPoint integration</a:t>
@@ -4636,13 +4637,13 @@
               </a:defRPr>
             </a:pPr>
             <a:r>
-              <a:rPr b="1" sz="1000">
+              <a:rPr b="1" sz="700">
                 <a:latin typeface="Arial"/>
               </a:rPr>
               <a:t>Before</a:t>
             </a:r>
             <a:r>
-              <a:rPr sz="1000">
+              <a:rPr sz="700">
                 <a:latin typeface="Arial"/>
               </a:rPr>
               <a:t>: </a:t>
@@ -4657,7 +4658,7 @@
               <a:t>Age</a:t>
             </a:r>
             <a:r>
-              <a:rPr sz="1000">
+              <a:rPr sz="700">
                 <a:latin typeface="Arial"/>
               </a:rPr>
               <a:t> column wrapping to </a:t>
@@ -4672,20 +4673,20 @@
               <a:t>Ag\ne</a:t>
             </a:r>
             <a:r>
-              <a:rPr sz="1000">
+              <a:rPr sz="700">
                 <a:latin typeface="Arial"/>
               </a:rPr>
               <a:t> due to equal distribution
 </a:t>
             </a:r>
             <a:r>
-              <a:rPr b="1" sz="1000">
+              <a:rPr b="1" sz="700">
                 <a:latin typeface="Arial"/>
               </a:rPr>
               <a:t>After</a:t>
             </a:r>
             <a:r>
-              <a:rPr sz="1000">
+              <a:rPr sz="700">
                 <a:latin typeface="Arial"/>
               </a:rPr>
               <a:t>: Smart width allocation based on content (60px, 47px, 51px)</a:t>
@@ -4732,7 +4733,7 @@
               </a:defRPr>
             </a:pPr>
             <a:r>
-              <a:rPr sz="1000" b="1">
+              <a:rPr sz="900" b="1">
                 <a:latin typeface="Arial"/>
               </a:rPr>
               <a:t>Dark Theme Border Fix ✅</a:t>
@@ -4779,26 +4780,26 @@
               </a:defRPr>
             </a:pPr>
             <a:r>
-              <a:rPr b="1" sz="1000">
+              <a:rPr b="1" sz="700">
                 <a:latin typeface="Arial"/>
               </a:rPr>
               <a:t>Problem</a:t>
             </a:r>
             <a:r>
-              <a:rPr sz="1000">
+              <a:rPr sz="700">
                 <a:latin typeface="Arial"/>
               </a:rPr>
               <a:t>: Black borders invisible on dark background
 </a:t>
             </a:r>
             <a:r>
-              <a:rPr b="1" sz="1000">
+              <a:rPr b="1" sz="700">
                 <a:latin typeface="Arial"/>
               </a:rPr>
               <a:t>Solution</a:t>
             </a:r>
             <a:r>
-              <a:rPr sz="1000">
+              <a:rPr sz="700">
                 <a:latin typeface="Arial"/>
               </a:rPr>
               <a:t>: Theme-aware border colors with XML manipulation</a:t>
@@ -4845,13 +4846,13 @@
               </a:defRPr>
             </a:pPr>
             <a:r>
-              <a:rPr b="1" sz="1000">
+              <a:rPr b="1" sz="700">
                 <a:latin typeface="Arial"/>
               </a:rPr>
               <a:t>Dark Theme</a:t>
             </a:r>
             <a:r>
-              <a:rPr sz="1000">
+              <a:rPr sz="700">
                 <a:latin typeface="Arial"/>
               </a:rPr>
               <a:t>: Light gray borders (</a:t>
@@ -4866,20 +4867,20 @@
               <a:t>#e0e0e0</a:t>
             </a:r>
             <a:r>
-              <a:rPr sz="1000">
+              <a:rPr sz="700">
                 <a:latin typeface="Arial"/>
               </a:rPr>
               <a:t>) for visibility
 </a:t>
             </a:r>
             <a:r>
-              <a:rPr b="1" sz="1000">
+              <a:rPr b="1" sz="700">
                 <a:latin typeface="Arial"/>
               </a:rPr>
               <a:t>Default Theme</a:t>
             </a:r>
             <a:r>
-              <a:rPr sz="1000">
+              <a:rPr sz="700">
                 <a:latin typeface="Arial"/>
               </a:rPr>
               <a:t>: Black borders (</a:t>
@@ -4894,7 +4895,7 @@
               <a:t>#000</a:t>
             </a:r>
             <a:r>
-              <a:rPr sz="1000">
+              <a:rPr sz="700">
                 <a:latin typeface="Arial"/>
               </a:rPr>
               <a:t>) for definition</a:t>
@@ -5006,7 +5007,7 @@
               </a:defRPr>
             </a:pPr>
             <a:r>
-              <a:rPr sz="1000" b="1">
+              <a:rPr sz="900" b="1">
                 <a:latin typeface="Arial"/>
               </a:rPr>
               <a:t>Processing Speed</a:t>
@@ -5858,7 +5859,7 @@
               </a:defRPr>
             </a:pPr>
             <a:r>
-              <a:rPr sz="1000" b="1">
+              <a:rPr sz="900" b="1">
                 <a:latin typeface="Arial"/>
               </a:rPr>
               <a:t>Quality Metrics</a:t>
@@ -5902,23 +5903,23 @@
               </a:defRPr>
             </a:pPr>
             <a:r>
-              <a:rPr sz="1000"/>
+              <a:rPr sz="700"/>
               <a:t>• </a:t>
             </a:r>
             <a:r>
-              <a:rPr sz="1000">
+              <a:rPr sz="700">
                 <a:latin typeface="Arial"/>
               </a:rPr>
               <a:t>✅ </a:t>
             </a:r>
             <a:r>
-              <a:rPr b="1" sz="1000">
+              <a:rPr b="1" sz="700">
                 <a:latin typeface="Arial"/>
               </a:rPr>
               <a:t>99.8% formatting accuracy</a:t>
             </a:r>
             <a:r>
-              <a:rPr sz="1000">
+              <a:rPr sz="700">
                 <a:latin typeface="Arial"/>
               </a:rPr>
               <a:t> across all content types</a:t>
@@ -5933,23 +5934,23 @@
               </a:defRPr>
             </a:pPr>
             <a:r>
-              <a:rPr sz="1000"/>
+              <a:rPr sz="700"/>
               <a:t>• </a:t>
             </a:r>
             <a:r>
-              <a:rPr sz="1000">
+              <a:rPr sz="700">
                 <a:latin typeface="Arial"/>
               </a:rPr>
               <a:t>✅ </a:t>
             </a:r>
             <a:r>
-              <a:rPr b="1" sz="1000">
+              <a:rPr b="1" sz="700">
                 <a:latin typeface="Arial"/>
               </a:rPr>
               <a:t>Zero overlaps</a:t>
             </a:r>
             <a:r>
-              <a:rPr sz="1000">
+              <a:rPr sz="700">
                 <a:latin typeface="Arial"/>
               </a:rPr>
               <a:t> in generated presentations</a:t>
@@ -5964,23 +5965,23 @@
               </a:defRPr>
             </a:pPr>
             <a:r>
-              <a:rPr sz="1000"/>
+              <a:rPr sz="700"/>
               <a:t>• </a:t>
             </a:r>
             <a:r>
-              <a:rPr sz="1000">
+              <a:rPr sz="700">
                 <a:latin typeface="Arial"/>
               </a:rPr>
               <a:t>✅ </a:t>
             </a:r>
             <a:r>
-              <a:rPr b="1" sz="1000">
+              <a:rPr b="1" sz="700">
                 <a:latin typeface="Arial"/>
               </a:rPr>
               <a:t>100% boundary compliance</a:t>
             </a:r>
             <a:r>
-              <a:rPr sz="1000">
+              <a:rPr sz="700">
                 <a:latin typeface="Arial"/>
               </a:rPr>
               <a:t> - no content overflow</a:t>
@@ -5995,23 +5996,23 @@
               </a:defRPr>
             </a:pPr>
             <a:r>
-              <a:rPr sz="1000"/>
+              <a:rPr sz="700"/>
               <a:t>• </a:t>
             </a:r>
             <a:r>
-              <a:rPr sz="1000">
+              <a:rPr sz="700">
                 <a:latin typeface="Arial"/>
               </a:rPr>
               <a:t>✅ </a:t>
             </a:r>
             <a:r>
-              <a:rPr b="1" sz="1000">
+              <a:rPr b="1" sz="700">
                 <a:latin typeface="Arial"/>
               </a:rPr>
               <a:t>Perfect theme consistency</a:t>
             </a:r>
             <a:r>
-              <a:rPr sz="1000">
+              <a:rPr sz="700">
                 <a:latin typeface="Arial"/>
               </a:rPr>
               <a:t> across all elements</a:t>
@@ -6123,7 +6124,7 @@
               </a:defRPr>
             </a:pPr>
             <a:r>
-              <a:rPr sz="1000" b="1">
+              <a:rPr sz="900" b="1">
                 <a:latin typeface="Arial"/>
               </a:rPr>
               <a:t>What You've Experienced</a:t>
@@ -6167,23 +6168,23 @@
               </a:defRPr>
             </a:pPr>
             <a:r>
-              <a:rPr sz="1000"/>
+              <a:rPr sz="700"/>
               <a:t>• </a:t>
             </a:r>
             <a:r>
-              <a:rPr sz="1000">
+              <a:rPr sz="700">
                 <a:latin typeface="Arial"/>
               </a:rPr>
               <a:t>✅ </a:t>
             </a:r>
             <a:r>
-              <a:rPr b="1" sz="1000">
+              <a:rPr b="1" sz="700">
                 <a:latin typeface="Arial"/>
               </a:rPr>
               <a:t>Complete inline styling</a:t>
             </a:r>
             <a:r>
-              <a:rPr sz="1000">
+              <a:rPr sz="700">
                 <a:latin typeface="Arial"/>
               </a:rPr>
               <a:t> - bold, italic, code, highlights</a:t>
@@ -6198,23 +6199,23 @@
               </a:defRPr>
             </a:pPr>
             <a:r>
-              <a:rPr sz="1000"/>
+              <a:rPr sz="700"/>
               <a:t>• </a:t>
             </a:r>
             <a:r>
-              <a:rPr sz="1000">
+              <a:rPr sz="700">
                 <a:latin typeface="Arial"/>
               </a:rPr>
               <a:t>✅ </a:t>
             </a:r>
             <a:r>
-              <a:rPr b="1" sz="1000">
+              <a:rPr b="1" sz="700">
                 <a:latin typeface="Arial"/>
               </a:rPr>
               <a:t>Smart table rendering</a:t>
             </a:r>
             <a:r>
-              <a:rPr sz="1000">
+              <a:rPr sz="700">
                 <a:latin typeface="Arial"/>
               </a:rPr>
               <a:t> - HTML auto-width with theme-aware borders</a:t>
@@ -6229,23 +6230,23 @@
               </a:defRPr>
             </a:pPr>
             <a:r>
-              <a:rPr sz="1000"/>
+              <a:rPr sz="700"/>
               <a:t>• </a:t>
             </a:r>
             <a:r>
-              <a:rPr sz="1000">
+              <a:rPr sz="700">
                 <a:latin typeface="Arial"/>
               </a:rPr>
               <a:t>✅ </a:t>
             </a:r>
             <a:r>
-              <a:rPr b="1" sz="1000">
+              <a:rPr b="1" sz="700">
                 <a:latin typeface="Arial"/>
               </a:rPr>
               <a:t>Professional code blocks</a:t>
             </a:r>
             <a:r>
-              <a:rPr sz="1000">
+              <a:rPr sz="700">
                 <a:latin typeface="Arial"/>
               </a:rPr>
               <a:t> - syntax highlighting and proper formatting</a:t>
@@ -6260,23 +6261,23 @@
               </a:defRPr>
             </a:pPr>
             <a:r>
-              <a:rPr sz="1000"/>
+              <a:rPr sz="700"/>
               <a:t>• </a:t>
             </a:r>
             <a:r>
-              <a:rPr sz="1000">
+              <a:rPr sz="700">
                 <a:latin typeface="Arial"/>
               </a:rPr>
               <a:t>✅ </a:t>
             </a:r>
             <a:r>
-              <a:rPr b="1" sz="1000">
+              <a:rPr b="1" sz="700">
                 <a:latin typeface="Arial"/>
               </a:rPr>
               <a:t>Intelligent pagination</a:t>
             </a:r>
             <a:r>
-              <a:rPr sz="1000">
+              <a:rPr sz="700">
                 <a:latin typeface="Arial"/>
               </a:rPr>
               <a:t> - browser-based measurement and positioning</a:t>
@@ -6291,23 +6292,23 @@
               </a:defRPr>
             </a:pPr>
             <a:r>
-              <a:rPr sz="1000"/>
+              <a:rPr sz="700"/>
               <a:t>• </a:t>
             </a:r>
             <a:r>
-              <a:rPr sz="1000">
+              <a:rPr sz="700">
                 <a:latin typeface="Arial"/>
               </a:rPr>
               <a:t>✅ </a:t>
             </a:r>
             <a:r>
-              <a:rPr b="1" sz="1000">
+              <a:rPr b="1" sz="700">
                 <a:latin typeface="Arial"/>
               </a:rPr>
               <a:t>Theme support</a:t>
             </a:r>
             <a:r>
-              <a:rPr sz="1000">
+              <a:rPr sz="700">
                 <a:latin typeface="Arial"/>
               </a:rPr>
               <a:t> - default and dark themes with full consistency</a:t>
@@ -6322,23 +6323,23 @@
               </a:defRPr>
             </a:pPr>
             <a:r>
-              <a:rPr sz="1000"/>
+              <a:rPr sz="700"/>
               <a:t>• </a:t>
             </a:r>
             <a:r>
-              <a:rPr sz="1000">
+              <a:rPr sz="700">
                 <a:latin typeface="Arial"/>
               </a:rPr>
               <a:t>✅ </a:t>
             </a:r>
             <a:r>
-              <a:rPr b="1" sz="1000">
+              <a:rPr b="1" sz="700">
                 <a:latin typeface="Arial"/>
               </a:rPr>
               <a:t>Quality assurance</a:t>
             </a:r>
             <a:r>
-              <a:rPr sz="1000">
+              <a:rPr sz="700">
                 <a:latin typeface="Arial"/>
               </a:rPr>
               <a:t> - comprehensive testing and validation</a:t>
@@ -6385,7 +6386,7 @@
               </a:defRPr>
             </a:pPr>
             <a:r>
-              <a:rPr sz="1000" b="1">
+              <a:rPr sz="900" b="1">
                 <a:latin typeface="Arial"/>
               </a:rPr>
               <a:t>Ready for Production</a:t>
@@ -6432,19 +6433,19 @@
               </a:defRPr>
             </a:pPr>
             <a:r>
-              <a:rPr sz="1000">
+              <a:rPr sz="700">
                 <a:latin typeface="Arial"/>
               </a:rPr>
               <a:t>This slide generator is </a:t>
             </a:r>
             <a:r>
-              <a:rPr b="1" sz="1000">
+              <a:rPr b="1" sz="700">
                 <a:latin typeface="Arial"/>
               </a:rPr>
               <a:t>production-ready</a:t>
             </a:r>
             <a:r>
-              <a:rPr sz="1000">
+              <a:rPr sz="700">
                 <a:latin typeface="Arial"/>
               </a:rPr>
               <a:t> with:</a:t>
@@ -6488,23 +6489,23 @@
               </a:defRPr>
             </a:pPr>
             <a:r>
-              <a:rPr sz="1000"/>
+              <a:rPr sz="700"/>
               <a:t>• </a:t>
             </a:r>
             <a:r>
-              <a:rPr sz="1000">
+              <a:rPr sz="700">
                 <a:latin typeface="Arial"/>
               </a:rPr>
               <a:t>🚀 </a:t>
             </a:r>
             <a:r>
-              <a:rPr b="1" sz="1000">
+              <a:rPr b="1" sz="700">
                 <a:latin typeface="Arial"/>
               </a:rPr>
               <a:t>High performance</a:t>
             </a:r>
             <a:r>
-              <a:rPr sz="1000">
+              <a:rPr sz="700">
                 <a:latin typeface="Arial"/>
               </a:rPr>
               <a:t> browser-based rendering</a:t>
@@ -6519,23 +6520,23 @@
               </a:defRPr>
             </a:pPr>
             <a:r>
-              <a:rPr sz="1000"/>
+              <a:rPr sz="700"/>
               <a:t>• </a:t>
             </a:r>
             <a:r>
-              <a:rPr sz="1000">
+              <a:rPr sz="700">
                 <a:latin typeface="Arial"/>
               </a:rPr>
               <a:t>🎯 </a:t>
             </a:r>
             <a:r>
-              <a:rPr b="1" sz="1000">
+              <a:rPr b="1" sz="700">
                 <a:latin typeface="Arial"/>
               </a:rPr>
               <a:t>Pixel-perfect accuracy</a:t>
             </a:r>
             <a:r>
-              <a:rPr sz="1000">
+              <a:rPr sz="700">
                 <a:latin typeface="Arial"/>
               </a:rPr>
               <a:t> in layout and positioning</a:t>
@@ -6550,23 +6551,23 @@
               </a:defRPr>
             </a:pPr>
             <a:r>
-              <a:rPr sz="1000"/>
+              <a:rPr sz="700"/>
               <a:t>• </a:t>
             </a:r>
             <a:r>
-              <a:rPr sz="1000">
+              <a:rPr sz="700">
                 <a:latin typeface="Arial"/>
               </a:rPr>
               <a:t>🎨 </a:t>
             </a:r>
             <a:r>
-              <a:rPr b="1" sz="1000">
+              <a:rPr b="1" sz="700">
                 <a:latin typeface="Arial"/>
               </a:rPr>
               <a:t>Professional themes</a:t>
             </a:r>
             <a:r>
-              <a:rPr sz="1000">
+              <a:rPr sz="700">
                 <a:latin typeface="Arial"/>
               </a:rPr>
               <a:t> with consistent styling</a:t>
@@ -6581,23 +6582,23 @@
               </a:defRPr>
             </a:pPr>
             <a:r>
-              <a:rPr sz="1000"/>
+              <a:rPr sz="700"/>
               <a:t>• </a:t>
             </a:r>
             <a:r>
-              <a:rPr sz="1000">
+              <a:rPr sz="700">
                 <a:latin typeface="Arial"/>
               </a:rPr>
               <a:t>🔧 </a:t>
             </a:r>
             <a:r>
-              <a:rPr b="1" sz="1000">
+              <a:rPr b="1" sz="700">
                 <a:latin typeface="Arial"/>
               </a:rPr>
               <a:t>Robust architecture</a:t>
             </a:r>
             <a:r>
-              <a:rPr sz="1000">
+              <a:rPr sz="700">
                 <a:latin typeface="Arial"/>
               </a:rPr>
               <a:t> with comprehensive error handling</a:t>
@@ -6612,23 +6613,23 @@
               </a:defRPr>
             </a:pPr>
             <a:r>
-              <a:rPr sz="1000"/>
+              <a:rPr sz="700"/>
               <a:t>• </a:t>
             </a:r>
             <a:r>
-              <a:rPr sz="1000">
+              <a:rPr sz="700">
                 <a:latin typeface="Arial"/>
               </a:rPr>
               <a:t>✅ </a:t>
             </a:r>
             <a:r>
-              <a:rPr b="1" sz="1000">
+              <a:rPr b="1" sz="700">
                 <a:latin typeface="Arial"/>
               </a:rPr>
               <a:t>Extensive testing</a:t>
             </a:r>
             <a:r>
-              <a:rPr sz="1000">
+              <a:rPr sz="700">
                 <a:latin typeface="Arial"/>
               </a:rPr>
               <a:t> ensuring reliability and quality</a:t>
@@ -6675,19 +6676,19 @@
               </a:defRPr>
             </a:pPr>
             <a:r>
-              <a:rPr b="1" sz="1000">
+              <a:rPr b="1" sz="700">
                 <a:latin typeface="Arial"/>
               </a:rPr>
               <a:t>Thank you</a:t>
             </a:r>
             <a:r>
-              <a:rPr sz="1000">
+              <a:rPr sz="700">
                 <a:latin typeface="Arial"/>
               </a:rPr>
               <a:t> for exploring the </a:t>
             </a:r>
             <a:r>
-              <a:rPr b="1" sz="1000">
+              <a:rPr b="1" sz="700">
                 <a:solidFill>
                   <a:srgbClr val="FF8C00"/>
                 </a:solidFill>
@@ -6696,7 +6697,7 @@
               <a:t>complete feature set</a:t>
             </a:r>
             <a:r>
-              <a:rPr sz="1000">
+              <a:rPr sz="700">
                 <a:latin typeface="Arial"/>
               </a:rPr>
               <a:t>!</a:t>
@@ -6808,7 +6809,7 @@
               </a:defRPr>
             </a:pPr>
             <a:r>
-              <a:rPr sz="1000" b="1">
+              <a:rPr sz="900" b="1">
                 <a:latin typeface="Arial"/>
               </a:rPr>
               <a:t>API Usage</a:t>
@@ -6855,7 +6856,7 @@
               </a:defRPr>
             </a:pPr>
             <a:r>
-              <a:rPr sz="1000">
+              <a:rPr sz="700">
                 <a:latin typeface="Arial"/>
               </a:rPr>
               <a:t>Basic usage example:</a:t>
@@ -6958,7 +6959,7 @@
               </a:defRPr>
             </a:pPr>
             <a:r>
-              <a:rPr sz="1000" b="1">
+              <a:rPr sz="900" b="1">
                 <a:latin typeface="Arial"/>
               </a:rPr>
               <a:t>Configuration Options</a:t>
@@ -7002,17 +7003,17 @@
               </a:defRPr>
             </a:pPr>
             <a:r>
-              <a:rPr sz="1000"/>
+              <a:rPr sz="700"/>
               <a:t>• </a:t>
             </a:r>
             <a:r>
-              <a:rPr b="1" sz="1000">
+              <a:rPr b="1" sz="700">
                 <a:latin typeface="Arial"/>
               </a:rPr>
               <a:t>Themes</a:t>
             </a:r>
             <a:r>
-              <a:rPr sz="1000">
+              <a:rPr sz="700">
                 <a:latin typeface="Arial"/>
               </a:rPr>
               <a:t>: </a:t>
@@ -7027,7 +7028,7 @@
               <a:t>"default"</a:t>
             </a:r>
             <a:r>
-              <a:rPr sz="1000">
+              <a:rPr sz="700">
                 <a:latin typeface="Arial"/>
               </a:rPr>
               <a:t>, </a:t>
@@ -7051,17 +7052,17 @@
               </a:defRPr>
             </a:pPr>
             <a:r>
-              <a:rPr sz="1000"/>
+              <a:rPr sz="700"/>
               <a:t>• </a:t>
             </a:r>
             <a:r>
-              <a:rPr b="1" sz="1000">
+              <a:rPr b="1" sz="700">
                 <a:latin typeface="Arial"/>
               </a:rPr>
               <a:t>Debug mode</a:t>
             </a:r>
             <a:r>
-              <a:rPr sz="1000">
+              <a:rPr sz="700">
                 <a:latin typeface="Arial"/>
               </a:rPr>
               <a:t>: Detailed processing information</a:t>
@@ -7076,17 +7077,17 @@
               </a:defRPr>
             </a:pPr>
             <a:r>
-              <a:rPr sz="1000"/>
+              <a:rPr sz="700"/>
               <a:t>• </a:t>
             </a:r>
             <a:r>
-              <a:rPr b="1" sz="1000">
+              <a:rPr b="1" sz="700">
                 <a:latin typeface="Arial"/>
               </a:rPr>
               <a:t>Output formats</a:t>
             </a:r>
             <a:r>
-              <a:rPr sz="1000">
+              <a:rPr sz="700">
                 <a:latin typeface="Arial"/>
               </a:rPr>
               <a:t>: PowerPoint (.pptx) with full compatibility</a:t>
@@ -7101,17 +7102,17 @@
               </a:defRPr>
             </a:pPr>
             <a:r>
-              <a:rPr sz="1000"/>
+              <a:rPr sz="700"/>
               <a:t>• </a:t>
             </a:r>
             <a:r>
-              <a:rPr b="1" sz="1000">
+              <a:rPr b="1" sz="700">
                 <a:latin typeface="Arial"/>
               </a:rPr>
               <a:t>Custom styling</a:t>
             </a:r>
             <a:r>
-              <a:rPr sz="1000">
+              <a:rPr sz="700">
                 <a:latin typeface="Arial"/>
               </a:rPr>
               <a:t>: CSS-based theme configuration</a:t>
@@ -7158,19 +7159,19 @@
               </a:defRPr>
             </a:pPr>
             <a:r>
-              <a:rPr b="1" sz="1000">
+              <a:rPr b="1" sz="700">
                 <a:latin typeface="Arial"/>
               </a:rPr>
               <a:t>End of demonstration</a:t>
             </a:r>
             <a:r>
-              <a:rPr sz="1000">
+              <a:rPr sz="700">
                 <a:latin typeface="Arial"/>
               </a:rPr>
               <a:t> - </a:t>
             </a:r>
             <a:r>
-              <a:rPr b="1" sz="1000">
+              <a:rPr b="1" sz="700">
                 <a:solidFill>
                   <a:srgbClr val="FF8C00"/>
                 </a:solidFill>
@@ -7179,7 +7180,7 @@
               <a:t>All features showcased</a:t>
             </a:r>
             <a:r>
-              <a:rPr sz="1000">
+              <a:rPr sz="700">
                 <a:latin typeface="Arial"/>
               </a:rPr>
               <a:t>! 🎊</a:t>
@@ -7291,7 +7292,7 @@
               </a:defRPr>
             </a:pPr>
             <a:r>
-              <a:rPr sz="1000">
+              <a:rPr sz="700">
                 <a:latin typeface="Arial"/>
               </a:rPr>
               <a:t>Bar chart (80% width):</a:t>
@@ -7316,7 +7317,7 @@
         <p:spPr>
           <a:xfrm>
             <a:off x="200025" y="704849"/>
-            <a:ext cx="3809999" cy="2857500"/>
+            <a:ext cx="6056629" cy="4542472"/>
           </a:xfrm>
           <a:prstGeom prst="rect">
             <a:avLst/>
@@ -7362,7 +7363,7 @@
               </a:defRPr>
             </a:pPr>
             <a:r>
-              <a:rPr sz="1000">
+              <a:rPr sz="700">
                 <a:latin typeface="Arial"/>
               </a:rPr>
               <a:t>Pie chart (60% height):</a:t>
@@ -7405,7 +7406,7 @@
         <p:spPr>
           <a:xfrm>
             <a:off x="200025" y="180975"/>
-            <a:ext cx="2857500" cy="2857500"/>
+            <a:ext cx="2868929" cy="2868929"/>
           </a:xfrm>
           <a:prstGeom prst="rect">
             <a:avLst/>
@@ -7498,7 +7499,7 @@
               </a:defRPr>
             </a:pPr>
             <a:r>
-              <a:rPr sz="1000" b="1">
+              <a:rPr sz="800" b="1">
                 <a:latin typeface="Arial"/>
               </a:rPr>
               <a:t>📋 Project Status Table</a:t>
@@ -7506,33 +7507,15 @@
           </a:p>
         </p:txBody>
       </p:sp>
-    </p:spTree>
-  </p:cSld>
-  <p:clrMapOvr>
-    <a:masterClrMapping/>
-  </p:clrMapOvr>
-</p:sld>
-</file>
-
-<file path=ppt/slides/slide17.xml><?xml version="1.0" encoding="utf-8"?>
-<p:sld xmlns:a="http://schemas.openxmlformats.org/drawingml/2006/main" xmlns:p="http://schemas.openxmlformats.org/presentationml/2006/main" xmlns:r="http://schemas.openxmlformats.org/officeDocument/2006/relationships">
-  <p:cSld>
-    <p:spTree>
-      <p:nvGrpSpPr>
-        <p:cNvPr id="1" name=""/>
-        <p:cNvGrpSpPr/>
-        <p:nvPr/>
-      </p:nvGrpSpPr>
-      <p:grpSpPr/>
       <p:sp>
         <p:nvSpPr>
-          <p:cNvPr id="2" name="TextBox 1"/>
+          <p:cNvPr id="5" name="TextBox 4"/>
           <p:cNvSpPr txBox="1"/>
           <p:nvPr/>
         </p:nvSpPr>
         <p:spPr>
           <a:xfrm>
-            <a:off x="276225" y="428625"/>
+            <a:off x="276225" y="3733799"/>
             <a:ext cx="1800225" cy="1485900"/>
           </a:xfrm>
           <a:prstGeom prst="rect">
@@ -7559,14 +7542,14 @@
       </p:sp>
       <p:graphicFrame>
         <p:nvGraphicFramePr>
-          <p:cNvPr id="3" name="Table 2"/>
+          <p:cNvPr id="6" name="Table 5"/>
           <p:cNvGraphicFramePr>
             <a:graphicFrameLocks noGrp="1"/>
           </p:cNvGraphicFramePr>
           <p:nvPr/>
         </p:nvGraphicFramePr>
         <p:xfrm>
-          <a:off x="276225" y="428625"/>
+          <a:off x="276225" y="3733799"/>
           <a:ext cx="1798959" cy="1428750"/>
         </p:xfrm>
         <a:graphic>
@@ -8331,13 +8314,13 @@
       </p:graphicFrame>
       <p:sp>
         <p:nvSpPr>
-          <p:cNvPr id="4" name="TextBox 3"/>
+          <p:cNvPr id="7" name="TextBox 6"/>
           <p:cNvSpPr txBox="1"/>
           <p:nvPr/>
         </p:nvSpPr>
         <p:spPr>
           <a:xfrm>
-            <a:off x="4800600" y="180975"/>
+            <a:off x="4800600" y="3486150"/>
             <a:ext cx="4343400" cy="274320"/>
           </a:xfrm>
           <a:prstGeom prst="rect">
@@ -8368,7 +8351,7 @@
               </a:defRPr>
             </a:pPr>
             <a:r>
-              <a:rPr sz="1000" b="1">
+              <a:rPr sz="800" b="1">
                 <a:latin typeface="Arial"/>
               </a:rPr>
               <a:t>✍️ Notes</a:t>
@@ -8378,13 +8361,13 @@
       </p:sp>
       <p:sp>
         <p:nvSpPr>
-          <p:cNvPr id="5" name="TextBox 4"/>
+          <p:cNvPr id="8" name="TextBox 7"/>
           <p:cNvSpPr txBox="1"/>
           <p:nvPr/>
         </p:nvSpPr>
         <p:spPr>
           <a:xfrm>
-            <a:off x="4800600" y="457200"/>
+            <a:off x="4800600" y="3762374"/>
             <a:ext cx="4343400" cy="295274"/>
           </a:xfrm>
           <a:prstGeom prst="rect">
@@ -8415,10 +8398,146 @@
               </a:defRPr>
             </a:pPr>
             <a:r>
-              <a:rPr sz="1000">
+              <a:rPr sz="700">
                 <a:latin typeface="Arial"/>
               </a:rPr>
               <a:t>All core features are either complete or in progress. Remaining items are performance tuning and UX polish.</a:t>
+            </a:r>
+          </a:p>
+        </p:txBody>
+      </p:sp>
+    </p:spTree>
+  </p:cSld>
+  <p:clrMapOvr>
+    <a:masterClrMapping/>
+  </p:clrMapOvr>
+</p:sld>
+</file>
+
+<file path=ppt/slides/slide17.xml><?xml version="1.0" encoding="utf-8"?>
+<p:sld xmlns:a="http://schemas.openxmlformats.org/drawingml/2006/main" xmlns:p="http://schemas.openxmlformats.org/presentationml/2006/main" xmlns:r="http://schemas.openxmlformats.org/officeDocument/2006/relationships">
+  <p:cSld>
+    <p:spTree>
+      <p:nvGrpSpPr>
+        <p:cNvPr id="1" name=""/>
+        <p:cNvGrpSpPr/>
+        <p:nvPr/>
+      </p:nvGrpSpPr>
+      <p:grpSpPr/>
+      <p:sp>
+        <p:nvSpPr>
+          <p:cNvPr id="2" name="TextBox 1"/>
+          <p:cNvSpPr txBox="1"/>
+          <p:nvPr/>
+        </p:nvSpPr>
+        <p:spPr>
+          <a:xfrm>
+            <a:off x="200025" y="180975"/>
+            <a:ext cx="8943975" cy="274320"/>
+          </a:xfrm>
+          <a:prstGeom prst="rect">
+            <a:avLst/>
+          </a:prstGeom>
+          <a:noFill/>
+        </p:spPr>
+        <p:txBody>
+          <a:bodyPr wrap="square" lIns="0" rIns="0" tIns="0" bIns="0">
+            <a:spAutoFit/>
+          </a:bodyPr>
+          <a:lstStyle/>
+          <a:p>
+            <a:pPr algn="l">
+              <a:lnSpc>
+                <a:spcPct val="100000"/>
+              </a:lnSpc>
+              <a:spcBef>
+                <a:spcPts val="0"/>
+              </a:spcBef>
+              <a:spcAft>
+                <a:spcPts val="0"/>
+              </a:spcAft>
+              <a:defRPr>
+                <a:solidFill>
+                  <a:srgbClr val="E0E0E0"/>
+                </a:solidFill>
+              </a:defRPr>
+            </a:pPr>
+            <a:r>
+              <a:rPr sz="1200" b="1">
+                <a:latin typeface="Arial"/>
+              </a:rPr>
+              <a:t>📈 Figures Demo (Columns)</a:t>
+            </a:r>
+          </a:p>
+        </p:txBody>
+      </p:sp>
+      <p:pic>
+        <p:nvPicPr>
+          <p:cNvPr id="3" name="Picture 2" descr="chart_bar.png"/>
+          <p:cNvPicPr>
+            <a:picLocks noChangeAspect="1"/>
+          </p:cNvPicPr>
+          <p:nvPr/>
+        </p:nvPicPr>
+        <p:blipFill>
+          <a:blip r:embed="rId2"/>
+          <a:stretch>
+            <a:fillRect/>
+          </a:stretch>
+        </p:blipFill>
+        <p:spPr>
+          <a:xfrm>
+            <a:off x="276225" y="561974"/>
+            <a:ext cx="3375660" cy="2531745"/>
+          </a:xfrm>
+          <a:prstGeom prst="rect">
+            <a:avLst/>
+          </a:prstGeom>
+        </p:spPr>
+      </p:pic>
+      <p:sp>
+        <p:nvSpPr>
+          <p:cNvPr id="4" name="TextBox 3"/>
+          <p:cNvSpPr txBox="1"/>
+          <p:nvPr/>
+        </p:nvSpPr>
+        <p:spPr>
+          <a:xfrm>
+            <a:off x="4800600" y="657225"/>
+            <a:ext cx="4343400" cy="295274"/>
+          </a:xfrm>
+          <a:prstGeom prst="rect">
+            <a:avLst/>
+          </a:prstGeom>
+          <a:noFill/>
+        </p:spPr>
+        <p:txBody>
+          <a:bodyPr wrap="square" lIns="0" rIns="0" tIns="0" bIns="0">
+            <a:spAutoFit/>
+          </a:bodyPr>
+          <a:lstStyle/>
+          <a:p>
+            <a:pPr algn="l">
+              <a:lnSpc>
+                <a:spcPct val="100000"/>
+              </a:lnSpc>
+              <a:spcBef>
+                <a:spcPts val="0"/>
+              </a:spcBef>
+              <a:spcAft>
+                <a:spcPts val="0"/>
+              </a:spcAft>
+              <a:defRPr>
+                <a:solidFill>
+                  <a:srgbClr val="E0E0E0"/>
+                </a:solidFill>
+              </a:defRPr>
+            </a:pPr>
+            <a:r>
+              <a:rPr sz="700">
+                <a:latin typeface="Arial"/>
+              </a:rPr>
+              <a:t>The bar chart shows relative task completion percentages. Authentication and API docs are finished; analytics is lagging.</a:t>
             </a:r>
           </a:p>
         </p:txBody>
@@ -8483,142 +8602,6 @@
               <a:rPr sz="1200" b="1">
                 <a:latin typeface="Arial"/>
               </a:rPr>
-              <a:t>📈 Figures Demo (Columns)</a:t>
-            </a:r>
-          </a:p>
-        </p:txBody>
-      </p:sp>
-      <p:pic>
-        <p:nvPicPr>
-          <p:cNvPr id="3" name="Picture 2" descr="chart_bar.png"/>
-          <p:cNvPicPr>
-            <a:picLocks noChangeAspect="1"/>
-          </p:cNvPicPr>
-          <p:nvPr/>
-        </p:nvPicPr>
-        <p:blipFill>
-          <a:blip r:embed="rId2"/>
-          <a:stretch>
-            <a:fillRect/>
-          </a:stretch>
-        </p:blipFill>
-        <p:spPr>
-          <a:xfrm>
-            <a:off x="276225" y="561974"/>
-            <a:ext cx="3248024" cy="2438400"/>
-          </a:xfrm>
-          <a:prstGeom prst="rect">
-            <a:avLst/>
-          </a:prstGeom>
-        </p:spPr>
-      </p:pic>
-      <p:sp>
-        <p:nvSpPr>
-          <p:cNvPr id="4" name="TextBox 3"/>
-          <p:cNvSpPr txBox="1"/>
-          <p:nvPr/>
-        </p:nvSpPr>
-        <p:spPr>
-          <a:xfrm>
-            <a:off x="4800600" y="657225"/>
-            <a:ext cx="4343400" cy="295274"/>
-          </a:xfrm>
-          <a:prstGeom prst="rect">
-            <a:avLst/>
-          </a:prstGeom>
-          <a:noFill/>
-        </p:spPr>
-        <p:txBody>
-          <a:bodyPr wrap="square" lIns="0" rIns="0" tIns="0" bIns="0">
-            <a:spAutoFit/>
-          </a:bodyPr>
-          <a:lstStyle/>
-          <a:p>
-            <a:pPr algn="l">
-              <a:lnSpc>
-                <a:spcPct val="100000"/>
-              </a:lnSpc>
-              <a:spcBef>
-                <a:spcPts val="0"/>
-              </a:spcBef>
-              <a:spcAft>
-                <a:spcPts val="0"/>
-              </a:spcAft>
-              <a:defRPr>
-                <a:solidFill>
-                  <a:srgbClr val="E0E0E0"/>
-                </a:solidFill>
-              </a:defRPr>
-            </a:pPr>
-            <a:r>
-              <a:rPr sz="1000">
-                <a:latin typeface="Arial"/>
-              </a:rPr>
-              <a:t>The bar chart shows relative task completion percentages. Authentication and API docs are finished; analytics is lagging.</a:t>
-            </a:r>
-          </a:p>
-        </p:txBody>
-      </p:sp>
-    </p:spTree>
-  </p:cSld>
-  <p:clrMapOvr>
-    <a:masterClrMapping/>
-  </p:clrMapOvr>
-</p:sld>
-</file>
-
-<file path=ppt/slides/slide19.xml><?xml version="1.0" encoding="utf-8"?>
-<p:sld xmlns:a="http://schemas.openxmlformats.org/drawingml/2006/main" xmlns:p="http://schemas.openxmlformats.org/presentationml/2006/main" xmlns:r="http://schemas.openxmlformats.org/officeDocument/2006/relationships">
-  <p:cSld>
-    <p:spTree>
-      <p:nvGrpSpPr>
-        <p:cNvPr id="1" name=""/>
-        <p:cNvGrpSpPr/>
-        <p:nvPr/>
-      </p:nvGrpSpPr>
-      <p:grpSpPr/>
-      <p:sp>
-        <p:nvSpPr>
-          <p:cNvPr id="2" name="TextBox 1"/>
-          <p:cNvSpPr txBox="1"/>
-          <p:nvPr/>
-        </p:nvSpPr>
-        <p:spPr>
-          <a:xfrm>
-            <a:off x="200025" y="180975"/>
-            <a:ext cx="8943975" cy="274320"/>
-          </a:xfrm>
-          <a:prstGeom prst="rect">
-            <a:avLst/>
-          </a:prstGeom>
-          <a:noFill/>
-        </p:spPr>
-        <p:txBody>
-          <a:bodyPr wrap="square" lIns="0" rIns="0" tIns="0" bIns="0">
-            <a:spAutoFit/>
-          </a:bodyPr>
-          <a:lstStyle/>
-          <a:p>
-            <a:pPr algn="l">
-              <a:lnSpc>
-                <a:spcPct val="100000"/>
-              </a:lnSpc>
-              <a:spcBef>
-                <a:spcPts val="0"/>
-              </a:spcBef>
-              <a:spcAft>
-                <a:spcPts val="0"/>
-              </a:spcAft>
-              <a:defRPr>
-                <a:solidFill>
-                  <a:srgbClr val="E0E0E0"/>
-                </a:solidFill>
-              </a:defRPr>
-            </a:pPr>
-            <a:r>
-              <a:rPr sz="1200" b="1">
-                <a:latin typeface="Arial"/>
-              </a:rPr>
               <a:t>🖼️ Figure + Table Demo</a:t>
             </a:r>
           </a:p>
@@ -8641,7 +8624,7 @@
         <p:spPr>
           <a:xfrm>
             <a:off x="276225" y="561974"/>
-            <a:ext cx="2857500" cy="2857500"/>
+            <a:ext cx="2868929" cy="2868929"/>
           </a:xfrm>
           <a:prstGeom prst="rect">
             <a:avLst/>
@@ -9115,6 +9098,1017 @@
 </p:sld>
 </file>
 
+<file path=ppt/slides/slide19.xml><?xml version="1.0" encoding="utf-8"?>
+<p:sld xmlns:a="http://schemas.openxmlformats.org/drawingml/2006/main" xmlns:p="http://schemas.openxmlformats.org/presentationml/2006/main" xmlns:r="http://schemas.openxmlformats.org/officeDocument/2006/relationships">
+  <p:cSld>
+    <p:spTree>
+      <p:nvGrpSpPr>
+        <p:cNvPr id="1" name=""/>
+        <p:cNvGrpSpPr/>
+        <p:nvPr/>
+      </p:nvGrpSpPr>
+      <p:grpSpPr/>
+      <p:sp>
+        <p:nvSpPr>
+          <p:cNvPr id="2" name="TextBox 1"/>
+          <p:cNvSpPr txBox="1"/>
+          <p:nvPr/>
+        </p:nvSpPr>
+        <p:spPr>
+          <a:xfrm>
+            <a:off x="200025" y="180975"/>
+            <a:ext cx="8943975" cy="274320"/>
+          </a:xfrm>
+          <a:prstGeom prst="rect">
+            <a:avLst/>
+          </a:prstGeom>
+          <a:noFill/>
+        </p:spPr>
+        <p:txBody>
+          <a:bodyPr wrap="square" lIns="0" rIns="0" tIns="0" bIns="0">
+            <a:spAutoFit/>
+          </a:bodyPr>
+          <a:lstStyle/>
+          <a:p>
+            <a:pPr algn="l">
+              <a:lnSpc>
+                <a:spcPct val="100000"/>
+              </a:lnSpc>
+              <a:spcBef>
+                <a:spcPts val="0"/>
+              </a:spcBef>
+              <a:spcAft>
+                <a:spcPts val="0"/>
+              </a:spcAft>
+              <a:defRPr>
+                <a:solidFill>
+                  <a:srgbClr val="E0E0E0"/>
+                </a:solidFill>
+              </a:defRPr>
+            </a:pPr>
+            <a:r>
+              <a:rPr sz="1200" b="1">
+                <a:latin typeface="Arial"/>
+              </a:rPr>
+              <a:t>Two-column slide (60% / 40%)</a:t>
+            </a:r>
+          </a:p>
+        </p:txBody>
+      </p:sp>
+      <p:sp>
+        <p:nvSpPr>
+          <p:cNvPr id="3" name="TextBox 2"/>
+          <p:cNvSpPr txBox="1"/>
+          <p:nvPr/>
+        </p:nvSpPr>
+        <p:spPr>
+          <a:xfrm>
+            <a:off x="276225" y="561974"/>
+            <a:ext cx="8867775" cy="274320"/>
+          </a:xfrm>
+          <a:prstGeom prst="rect">
+            <a:avLst/>
+          </a:prstGeom>
+          <a:noFill/>
+        </p:spPr>
+        <p:txBody>
+          <a:bodyPr wrap="square" lIns="0" rIns="0" tIns="0" bIns="0">
+            <a:spAutoFit/>
+          </a:bodyPr>
+          <a:lstStyle/>
+          <a:p>
+            <a:pPr algn="l">
+              <a:lnSpc>
+                <a:spcPct val="100000"/>
+              </a:lnSpc>
+              <a:spcBef>
+                <a:spcPts val="0"/>
+              </a:spcBef>
+              <a:spcAft>
+                <a:spcPts val="0"/>
+              </a:spcAft>
+              <a:defRPr>
+                <a:solidFill>
+                  <a:srgbClr val="E0E0E0"/>
+                </a:solidFill>
+              </a:defRPr>
+            </a:pPr>
+            <a:r>
+              <a:rPr sz="800" b="1">
+                <a:latin typeface="Arial"/>
+              </a:rPr>
+              <a:t>📋 Project Status Table</a:t>
+            </a:r>
+          </a:p>
+        </p:txBody>
+      </p:sp>
+      <p:sp>
+        <p:nvSpPr>
+          <p:cNvPr id="4" name="TextBox 3"/>
+          <p:cNvSpPr txBox="1"/>
+          <p:nvPr/>
+        </p:nvSpPr>
+        <p:spPr>
+          <a:xfrm>
+            <a:off x="276225" y="828675"/>
+            <a:ext cx="1800225" cy="1485900"/>
+          </a:xfrm>
+          <a:prstGeom prst="rect">
+            <a:avLst/>
+          </a:prstGeom>
+          <a:noFill/>
+        </p:spPr>
+        <p:txBody>
+          <a:bodyPr wrap="square" lIns="0" rIns="0" tIns="0" bIns="0">
+            <a:spAutoFit/>
+          </a:bodyPr>
+          <a:lstStyle/>
+          <a:p>
+            <a:pPr>
+              <a:spcBef>
+                <a:spcPts val="0"/>
+              </a:spcBef>
+              <a:spcAft>
+                <a:spcPts val="0"/>
+              </a:spcAft>
+            </a:pPr>
+          </a:p>
+        </p:txBody>
+      </p:sp>
+      <p:graphicFrame>
+        <p:nvGraphicFramePr>
+          <p:cNvPr id="5" name="Table 4"/>
+          <p:cNvGraphicFramePr>
+            <a:graphicFrameLocks noGrp="1"/>
+          </p:cNvGraphicFramePr>
+          <p:nvPr/>
+        </p:nvGraphicFramePr>
+        <p:xfrm>
+          <a:off x="276225" y="828675"/>
+          <a:ext cx="1798959" cy="1428750"/>
+        </p:xfrm>
+        <a:graphic>
+          <a:graphicData uri="http://schemas.openxmlformats.org/drawingml/2006/table">
+            <a:tbl>
+              <a:tblPr>
+                <a:tableStyleId>{5C22544A-7EE6-4342-B048-85BDC9FD1C3A}</a:tableStyleId>
+              </a:tblPr>
+              <a:tblGrid>
+                <a:gridCol w="765646"/>
+                <a:gridCol w="458390"/>
+                <a:gridCol w="574923"/>
+              </a:tblGrid>
+              <a:tr h="285750">
+                <a:tc>
+                  <a:txBody>
+                    <a:bodyPr lIns="76200" rIns="76200" tIns="76200" bIns="76200"/>
+                    <a:lstStyle/>
+                    <a:p>
+                      <a:pPr>
+                        <a:lnSpc>
+                          <a:spcPct val="100000"/>
+                        </a:lnSpc>
+                      </a:pPr>
+                      <a:r>
+                        <a:rPr b="1" sz="800">
+                          <a:solidFill>
+                            <a:srgbClr val="FFFFFF"/>
+                          </a:solidFill>
+                          <a:latin typeface="Arial"/>
+                        </a:rPr>
+                        <a:t>Task</a:t>
+                      </a:r>
+                    </a:p>
+                  </a:txBody>
+                  <a:tcPr>
+                    <a:noFill/>
+                    <a:lnL w="12700">
+                      <a:solidFill>
+                        <a:srgbClr val="ffffff"/>
+                      </a:solidFill>
+                      <a:prstDash val="solid"/>
+                    </a:lnL>
+                    <a:lnR w="12700">
+                      <a:solidFill>
+                        <a:srgbClr val="ffffff"/>
+                      </a:solidFill>
+                      <a:prstDash val="solid"/>
+                    </a:lnR>
+                    <a:lnT w="12700">
+                      <a:solidFill>
+                        <a:srgbClr val="ffffff"/>
+                      </a:solidFill>
+                      <a:prstDash val="solid"/>
+                    </a:lnT>
+                    <a:lnB w="12700">
+                      <a:solidFill>
+                        <a:srgbClr val="ffffff"/>
+                      </a:solidFill>
+                      <a:prstDash val="solid"/>
+                    </a:lnB>
+                  </a:tcPr>
+                </a:tc>
+                <a:tc>
+                  <a:txBody>
+                    <a:bodyPr lIns="76200" rIns="76200" tIns="76200" bIns="76200"/>
+                    <a:lstStyle/>
+                    <a:p>
+                      <a:pPr>
+                        <a:lnSpc>
+                          <a:spcPct val="100000"/>
+                        </a:lnSpc>
+                      </a:pPr>
+                      <a:r>
+                        <a:rPr b="1" sz="800">
+                          <a:solidFill>
+                            <a:srgbClr val="FFFFFF"/>
+                          </a:solidFill>
+                          <a:latin typeface="Arial"/>
+                        </a:rPr>
+                        <a:t>Owner</a:t>
+                      </a:r>
+                    </a:p>
+                  </a:txBody>
+                  <a:tcPr>
+                    <a:noFill/>
+                    <a:lnL w="12700">
+                      <a:solidFill>
+                        <a:srgbClr val="ffffff"/>
+                      </a:solidFill>
+                      <a:prstDash val="solid"/>
+                    </a:lnL>
+                    <a:lnR w="12700">
+                      <a:solidFill>
+                        <a:srgbClr val="ffffff"/>
+                      </a:solidFill>
+                      <a:prstDash val="solid"/>
+                    </a:lnR>
+                    <a:lnT w="12700">
+                      <a:solidFill>
+                        <a:srgbClr val="ffffff"/>
+                      </a:solidFill>
+                      <a:prstDash val="solid"/>
+                    </a:lnT>
+                    <a:lnB w="12700">
+                      <a:solidFill>
+                        <a:srgbClr val="ffffff"/>
+                      </a:solidFill>
+                      <a:prstDash val="solid"/>
+                    </a:lnB>
+                  </a:tcPr>
+                </a:tc>
+                <a:tc>
+                  <a:txBody>
+                    <a:bodyPr lIns="76200" rIns="76200" tIns="76200" bIns="76200"/>
+                    <a:lstStyle/>
+                    <a:p>
+                      <a:pPr>
+                        <a:lnSpc>
+                          <a:spcPct val="100000"/>
+                        </a:lnSpc>
+                      </a:pPr>
+                      <a:r>
+                        <a:rPr b="1" sz="800">
+                          <a:solidFill>
+                            <a:srgbClr val="FFFFFF"/>
+                          </a:solidFill>
+                          <a:latin typeface="Arial"/>
+                        </a:rPr>
+                        <a:t>Progress</a:t>
+                      </a:r>
+                    </a:p>
+                  </a:txBody>
+                  <a:tcPr>
+                    <a:noFill/>
+                    <a:lnL w="12700">
+                      <a:solidFill>
+                        <a:srgbClr val="ffffff"/>
+                      </a:solidFill>
+                      <a:prstDash val="solid"/>
+                    </a:lnL>
+                    <a:lnR w="12700">
+                      <a:solidFill>
+                        <a:srgbClr val="ffffff"/>
+                      </a:solidFill>
+                      <a:prstDash val="solid"/>
+                    </a:lnR>
+                    <a:lnT w="12700">
+                      <a:solidFill>
+                        <a:srgbClr val="ffffff"/>
+                      </a:solidFill>
+                      <a:prstDash val="solid"/>
+                    </a:lnT>
+                    <a:lnB w="12700">
+                      <a:solidFill>
+                        <a:srgbClr val="ffffff"/>
+                      </a:solidFill>
+                      <a:prstDash val="solid"/>
+                    </a:lnB>
+                  </a:tcPr>
+                </a:tc>
+              </a:tr>
+              <a:tr h="285750">
+                <a:tc>
+                  <a:txBody>
+                    <a:bodyPr lIns="76200" rIns="76200" tIns="76200" bIns="76200"/>
+                    <a:lstStyle/>
+                    <a:p>
+                      <a:pPr>
+                        <a:lnSpc>
+                          <a:spcPct val="100000"/>
+                        </a:lnSpc>
+                      </a:pPr>
+                      <a:r>
+                        <a:rPr sz="800">
+                          <a:solidFill>
+                            <a:srgbClr val="FFFFFF"/>
+                          </a:solidFill>
+                          <a:latin typeface="Arial"/>
+                        </a:rPr>
+                        <a:t>Authentication</a:t>
+                      </a:r>
+                    </a:p>
+                  </a:txBody>
+                  <a:tcPr>
+                    <a:noFill/>
+                    <a:lnL w="12700">
+                      <a:solidFill>
+                        <a:srgbClr val="ffffff"/>
+                      </a:solidFill>
+                      <a:prstDash val="solid"/>
+                    </a:lnL>
+                    <a:lnR w="12700">
+                      <a:solidFill>
+                        <a:srgbClr val="ffffff"/>
+                      </a:solidFill>
+                      <a:prstDash val="solid"/>
+                    </a:lnR>
+                    <a:lnT w="12700">
+                      <a:solidFill>
+                        <a:srgbClr val="ffffff"/>
+                      </a:solidFill>
+                      <a:prstDash val="solid"/>
+                    </a:lnT>
+                    <a:lnB w="12700">
+                      <a:solidFill>
+                        <a:srgbClr val="ffffff"/>
+                      </a:solidFill>
+                      <a:prstDash val="solid"/>
+                    </a:lnB>
+                  </a:tcPr>
+                </a:tc>
+                <a:tc>
+                  <a:txBody>
+                    <a:bodyPr lIns="76200" rIns="76200" tIns="76200" bIns="76200"/>
+                    <a:lstStyle/>
+                    <a:p>
+                      <a:pPr>
+                        <a:lnSpc>
+                          <a:spcPct val="100000"/>
+                        </a:lnSpc>
+                      </a:pPr>
+                      <a:r>
+                        <a:rPr sz="800">
+                          <a:solidFill>
+                            <a:srgbClr val="FFFFFF"/>
+                          </a:solidFill>
+                          <a:latin typeface="Arial"/>
+                        </a:rPr>
+                        <a:t>Alice</a:t>
+                      </a:r>
+                    </a:p>
+                  </a:txBody>
+                  <a:tcPr>
+                    <a:noFill/>
+                    <a:lnL w="12700">
+                      <a:solidFill>
+                        <a:srgbClr val="ffffff"/>
+                      </a:solidFill>
+                      <a:prstDash val="solid"/>
+                    </a:lnL>
+                    <a:lnR w="12700">
+                      <a:solidFill>
+                        <a:srgbClr val="ffffff"/>
+                      </a:solidFill>
+                      <a:prstDash val="solid"/>
+                    </a:lnR>
+                    <a:lnT w="12700">
+                      <a:solidFill>
+                        <a:srgbClr val="ffffff"/>
+                      </a:solidFill>
+                      <a:prstDash val="solid"/>
+                    </a:lnT>
+                    <a:lnB w="12700">
+                      <a:solidFill>
+                        <a:srgbClr val="ffffff"/>
+                      </a:solidFill>
+                      <a:prstDash val="solid"/>
+                    </a:lnB>
+                  </a:tcPr>
+                </a:tc>
+                <a:tc>
+                  <a:txBody>
+                    <a:bodyPr lIns="76200" rIns="76200" tIns="76200" bIns="76200"/>
+                    <a:lstStyle/>
+                    <a:p>
+                      <a:pPr>
+                        <a:lnSpc>
+                          <a:spcPct val="100000"/>
+                        </a:lnSpc>
+                      </a:pPr>
+                      <a:r>
+                        <a:rPr sz="800">
+                          <a:solidFill>
+                            <a:srgbClr val="FFFFFF"/>
+                          </a:solidFill>
+                          <a:latin typeface="Arial"/>
+                        </a:rPr>
+                        <a:t>100%</a:t>
+                      </a:r>
+                    </a:p>
+                  </a:txBody>
+                  <a:tcPr>
+                    <a:noFill/>
+                    <a:lnL w="12700">
+                      <a:solidFill>
+                        <a:srgbClr val="ffffff"/>
+                      </a:solidFill>
+                      <a:prstDash val="solid"/>
+                    </a:lnL>
+                    <a:lnR w="12700">
+                      <a:solidFill>
+                        <a:srgbClr val="ffffff"/>
+                      </a:solidFill>
+                      <a:prstDash val="solid"/>
+                    </a:lnR>
+                    <a:lnT w="12700">
+                      <a:solidFill>
+                        <a:srgbClr val="ffffff"/>
+                      </a:solidFill>
+                      <a:prstDash val="solid"/>
+                    </a:lnT>
+                    <a:lnB w="12700">
+                      <a:solidFill>
+                        <a:srgbClr val="ffffff"/>
+                      </a:solidFill>
+                      <a:prstDash val="solid"/>
+                    </a:lnB>
+                  </a:tcPr>
+                </a:tc>
+              </a:tr>
+              <a:tr h="285750">
+                <a:tc>
+                  <a:txBody>
+                    <a:bodyPr lIns="76200" rIns="76200" tIns="76200" bIns="76200"/>
+                    <a:lstStyle/>
+                    <a:p>
+                      <a:pPr>
+                        <a:lnSpc>
+                          <a:spcPct val="100000"/>
+                        </a:lnSpc>
+                      </a:pPr>
+                      <a:r>
+                        <a:rPr sz="800">
+                          <a:solidFill>
+                            <a:srgbClr val="FFFFFF"/>
+                          </a:solidFill>
+                          <a:latin typeface="Arial"/>
+                        </a:rPr>
+                        <a:t>Database</a:t>
+                      </a:r>
+                    </a:p>
+                  </a:txBody>
+                  <a:tcPr>
+                    <a:noFill/>
+                    <a:lnL w="12700">
+                      <a:solidFill>
+                        <a:srgbClr val="ffffff"/>
+                      </a:solidFill>
+                      <a:prstDash val="solid"/>
+                    </a:lnL>
+                    <a:lnR w="12700">
+                      <a:solidFill>
+                        <a:srgbClr val="ffffff"/>
+                      </a:solidFill>
+                      <a:prstDash val="solid"/>
+                    </a:lnR>
+                    <a:lnT w="12700">
+                      <a:solidFill>
+                        <a:srgbClr val="ffffff"/>
+                      </a:solidFill>
+                      <a:prstDash val="solid"/>
+                    </a:lnT>
+                    <a:lnB w="12700">
+                      <a:solidFill>
+                        <a:srgbClr val="ffffff"/>
+                      </a:solidFill>
+                      <a:prstDash val="solid"/>
+                    </a:lnB>
+                  </a:tcPr>
+                </a:tc>
+                <a:tc>
+                  <a:txBody>
+                    <a:bodyPr lIns="76200" rIns="76200" tIns="76200" bIns="76200"/>
+                    <a:lstStyle/>
+                    <a:p>
+                      <a:pPr>
+                        <a:lnSpc>
+                          <a:spcPct val="100000"/>
+                        </a:lnSpc>
+                      </a:pPr>
+                      <a:r>
+                        <a:rPr sz="800">
+                          <a:solidFill>
+                            <a:srgbClr val="FFFFFF"/>
+                          </a:solidFill>
+                          <a:latin typeface="Arial"/>
+                        </a:rPr>
+                        <a:t>Bob</a:t>
+                      </a:r>
+                    </a:p>
+                  </a:txBody>
+                  <a:tcPr>
+                    <a:noFill/>
+                    <a:lnL w="12700">
+                      <a:solidFill>
+                        <a:srgbClr val="ffffff"/>
+                      </a:solidFill>
+                      <a:prstDash val="solid"/>
+                    </a:lnL>
+                    <a:lnR w="12700">
+                      <a:solidFill>
+                        <a:srgbClr val="ffffff"/>
+                      </a:solidFill>
+                      <a:prstDash val="solid"/>
+                    </a:lnR>
+                    <a:lnT w="12700">
+                      <a:solidFill>
+                        <a:srgbClr val="ffffff"/>
+                      </a:solidFill>
+                      <a:prstDash val="solid"/>
+                    </a:lnT>
+                    <a:lnB w="12700">
+                      <a:solidFill>
+                        <a:srgbClr val="ffffff"/>
+                      </a:solidFill>
+                      <a:prstDash val="solid"/>
+                    </a:lnB>
+                  </a:tcPr>
+                </a:tc>
+                <a:tc>
+                  <a:txBody>
+                    <a:bodyPr lIns="76200" rIns="76200" tIns="76200" bIns="76200"/>
+                    <a:lstStyle/>
+                    <a:p>
+                      <a:pPr>
+                        <a:lnSpc>
+                          <a:spcPct val="100000"/>
+                        </a:lnSpc>
+                      </a:pPr>
+                      <a:r>
+                        <a:rPr sz="800">
+                          <a:solidFill>
+                            <a:srgbClr val="FFFFFF"/>
+                          </a:solidFill>
+                          <a:latin typeface="Arial"/>
+                        </a:rPr>
+                        <a:t>80%</a:t>
+                      </a:r>
+                    </a:p>
+                  </a:txBody>
+                  <a:tcPr>
+                    <a:noFill/>
+                    <a:lnL w="12700">
+                      <a:solidFill>
+                        <a:srgbClr val="ffffff"/>
+                      </a:solidFill>
+                      <a:prstDash val="solid"/>
+                    </a:lnL>
+                    <a:lnR w="12700">
+                      <a:solidFill>
+                        <a:srgbClr val="ffffff"/>
+                      </a:solidFill>
+                      <a:prstDash val="solid"/>
+                    </a:lnR>
+                    <a:lnT w="12700">
+                      <a:solidFill>
+                        <a:srgbClr val="ffffff"/>
+                      </a:solidFill>
+                      <a:prstDash val="solid"/>
+                    </a:lnT>
+                    <a:lnB w="12700">
+                      <a:solidFill>
+                        <a:srgbClr val="ffffff"/>
+                      </a:solidFill>
+                      <a:prstDash val="solid"/>
+                    </a:lnB>
+                  </a:tcPr>
+                </a:tc>
+              </a:tr>
+              <a:tr h="285750">
+                <a:tc>
+                  <a:txBody>
+                    <a:bodyPr lIns="76200" rIns="76200" tIns="76200" bIns="76200"/>
+                    <a:lstStyle/>
+                    <a:p>
+                      <a:pPr>
+                        <a:lnSpc>
+                          <a:spcPct val="100000"/>
+                        </a:lnSpc>
+                      </a:pPr>
+                      <a:r>
+                        <a:rPr sz="800">
+                          <a:solidFill>
+                            <a:srgbClr val="FFFFFF"/>
+                          </a:solidFill>
+                          <a:latin typeface="Arial"/>
+                        </a:rPr>
+                        <a:t>API Docs</a:t>
+                      </a:r>
+                    </a:p>
+                  </a:txBody>
+                  <a:tcPr>
+                    <a:noFill/>
+                    <a:lnL w="12700">
+                      <a:solidFill>
+                        <a:srgbClr val="ffffff"/>
+                      </a:solidFill>
+                      <a:prstDash val="solid"/>
+                    </a:lnL>
+                    <a:lnR w="12700">
+                      <a:solidFill>
+                        <a:srgbClr val="ffffff"/>
+                      </a:solidFill>
+                      <a:prstDash val="solid"/>
+                    </a:lnR>
+                    <a:lnT w="12700">
+                      <a:solidFill>
+                        <a:srgbClr val="ffffff"/>
+                      </a:solidFill>
+                      <a:prstDash val="solid"/>
+                    </a:lnT>
+                    <a:lnB w="12700">
+                      <a:solidFill>
+                        <a:srgbClr val="ffffff"/>
+                      </a:solidFill>
+                      <a:prstDash val="solid"/>
+                    </a:lnB>
+                  </a:tcPr>
+                </a:tc>
+                <a:tc>
+                  <a:txBody>
+                    <a:bodyPr lIns="76200" rIns="76200" tIns="76200" bIns="76200"/>
+                    <a:lstStyle/>
+                    <a:p>
+                      <a:pPr>
+                        <a:lnSpc>
+                          <a:spcPct val="100000"/>
+                        </a:lnSpc>
+                      </a:pPr>
+                      <a:r>
+                        <a:rPr sz="800">
+                          <a:solidFill>
+                            <a:srgbClr val="FFFFFF"/>
+                          </a:solidFill>
+                          <a:latin typeface="Arial"/>
+                        </a:rPr>
+                        <a:t>Carol</a:t>
+                      </a:r>
+                    </a:p>
+                  </a:txBody>
+                  <a:tcPr>
+                    <a:noFill/>
+                    <a:lnL w="12700">
+                      <a:solidFill>
+                        <a:srgbClr val="ffffff"/>
+                      </a:solidFill>
+                      <a:prstDash val="solid"/>
+                    </a:lnL>
+                    <a:lnR w="12700">
+                      <a:solidFill>
+                        <a:srgbClr val="ffffff"/>
+                      </a:solidFill>
+                      <a:prstDash val="solid"/>
+                    </a:lnR>
+                    <a:lnT w="12700">
+                      <a:solidFill>
+                        <a:srgbClr val="ffffff"/>
+                      </a:solidFill>
+                      <a:prstDash val="solid"/>
+                    </a:lnT>
+                    <a:lnB w="12700">
+                      <a:solidFill>
+                        <a:srgbClr val="ffffff"/>
+                      </a:solidFill>
+                      <a:prstDash val="solid"/>
+                    </a:lnB>
+                  </a:tcPr>
+                </a:tc>
+                <a:tc>
+                  <a:txBody>
+                    <a:bodyPr lIns="76200" rIns="76200" tIns="76200" bIns="76200"/>
+                    <a:lstStyle/>
+                    <a:p>
+                      <a:pPr>
+                        <a:lnSpc>
+                          <a:spcPct val="100000"/>
+                        </a:lnSpc>
+                      </a:pPr>
+                      <a:r>
+                        <a:rPr sz="800">
+                          <a:solidFill>
+                            <a:srgbClr val="FFFFFF"/>
+                          </a:solidFill>
+                          <a:latin typeface="Arial"/>
+                        </a:rPr>
+                        <a:t>100%</a:t>
+                      </a:r>
+                    </a:p>
+                  </a:txBody>
+                  <a:tcPr>
+                    <a:noFill/>
+                    <a:lnL w="12700">
+                      <a:solidFill>
+                        <a:srgbClr val="ffffff"/>
+                      </a:solidFill>
+                      <a:prstDash val="solid"/>
+                    </a:lnL>
+                    <a:lnR w="12700">
+                      <a:solidFill>
+                        <a:srgbClr val="ffffff"/>
+                      </a:solidFill>
+                      <a:prstDash val="solid"/>
+                    </a:lnR>
+                    <a:lnT w="12700">
+                      <a:solidFill>
+                        <a:srgbClr val="ffffff"/>
+                      </a:solidFill>
+                      <a:prstDash val="solid"/>
+                    </a:lnT>
+                    <a:lnB w="12700">
+                      <a:solidFill>
+                        <a:srgbClr val="ffffff"/>
+                      </a:solidFill>
+                      <a:prstDash val="solid"/>
+                    </a:lnB>
+                  </a:tcPr>
+                </a:tc>
+              </a:tr>
+              <a:tr h="285750">
+                <a:tc>
+                  <a:txBody>
+                    <a:bodyPr lIns="76200" rIns="76200" tIns="76200" bIns="76200"/>
+                    <a:lstStyle/>
+                    <a:p>
+                      <a:pPr>
+                        <a:lnSpc>
+                          <a:spcPct val="100000"/>
+                        </a:lnSpc>
+                      </a:pPr>
+                      <a:r>
+                        <a:rPr sz="800">
+                          <a:solidFill>
+                            <a:srgbClr val="FFFFFF"/>
+                          </a:solidFill>
+                          <a:latin typeface="Arial"/>
+                        </a:rPr>
+                        <a:t>Analytics</a:t>
+                      </a:r>
+                    </a:p>
+                  </a:txBody>
+                  <a:tcPr>
+                    <a:noFill/>
+                    <a:lnL w="12700">
+                      <a:solidFill>
+                        <a:srgbClr val="ffffff"/>
+                      </a:solidFill>
+                      <a:prstDash val="solid"/>
+                    </a:lnL>
+                    <a:lnR w="12700">
+                      <a:solidFill>
+                        <a:srgbClr val="ffffff"/>
+                      </a:solidFill>
+                      <a:prstDash val="solid"/>
+                    </a:lnR>
+                    <a:lnT w="12700">
+                      <a:solidFill>
+                        <a:srgbClr val="ffffff"/>
+                      </a:solidFill>
+                      <a:prstDash val="solid"/>
+                    </a:lnT>
+                    <a:lnB w="12700">
+                      <a:solidFill>
+                        <a:srgbClr val="ffffff"/>
+                      </a:solidFill>
+                      <a:prstDash val="solid"/>
+                    </a:lnB>
+                  </a:tcPr>
+                </a:tc>
+                <a:tc>
+                  <a:txBody>
+                    <a:bodyPr lIns="76200" rIns="76200" tIns="76200" bIns="76200"/>
+                    <a:lstStyle/>
+                    <a:p>
+                      <a:pPr>
+                        <a:lnSpc>
+                          <a:spcPct val="100000"/>
+                        </a:lnSpc>
+                      </a:pPr>
+                      <a:r>
+                        <a:rPr sz="800">
+                          <a:solidFill>
+                            <a:srgbClr val="FFFFFF"/>
+                          </a:solidFill>
+                          <a:latin typeface="Arial"/>
+                        </a:rPr>
+                        <a:t>Dave</a:t>
+                      </a:r>
+                    </a:p>
+                  </a:txBody>
+                  <a:tcPr>
+                    <a:noFill/>
+                    <a:lnL w="12700">
+                      <a:solidFill>
+                        <a:srgbClr val="ffffff"/>
+                      </a:solidFill>
+                      <a:prstDash val="solid"/>
+                    </a:lnL>
+                    <a:lnR w="12700">
+                      <a:solidFill>
+                        <a:srgbClr val="ffffff"/>
+                      </a:solidFill>
+                      <a:prstDash val="solid"/>
+                    </a:lnR>
+                    <a:lnT w="12700">
+                      <a:solidFill>
+                        <a:srgbClr val="ffffff"/>
+                      </a:solidFill>
+                      <a:prstDash val="solid"/>
+                    </a:lnT>
+                    <a:lnB w="12700">
+                      <a:solidFill>
+                        <a:srgbClr val="ffffff"/>
+                      </a:solidFill>
+                      <a:prstDash val="solid"/>
+                    </a:lnB>
+                  </a:tcPr>
+                </a:tc>
+                <a:tc>
+                  <a:txBody>
+                    <a:bodyPr lIns="76200" rIns="76200" tIns="76200" bIns="76200"/>
+                    <a:lstStyle/>
+                    <a:p>
+                      <a:pPr>
+                        <a:lnSpc>
+                          <a:spcPct val="100000"/>
+                        </a:lnSpc>
+                      </a:pPr>
+                      <a:r>
+                        <a:rPr sz="800">
+                          <a:solidFill>
+                            <a:srgbClr val="FFFFFF"/>
+                          </a:solidFill>
+                          <a:latin typeface="Arial"/>
+                        </a:rPr>
+                        <a:t>60%</a:t>
+                      </a:r>
+                    </a:p>
+                  </a:txBody>
+                  <a:tcPr>
+                    <a:noFill/>
+                    <a:lnL w="12700">
+                      <a:solidFill>
+                        <a:srgbClr val="ffffff"/>
+                      </a:solidFill>
+                      <a:prstDash val="solid"/>
+                    </a:lnL>
+                    <a:lnR w="12700">
+                      <a:solidFill>
+                        <a:srgbClr val="ffffff"/>
+                      </a:solidFill>
+                      <a:prstDash val="solid"/>
+                    </a:lnR>
+                    <a:lnT w="12700">
+                      <a:solidFill>
+                        <a:srgbClr val="ffffff"/>
+                      </a:solidFill>
+                      <a:prstDash val="solid"/>
+                    </a:lnT>
+                    <a:lnB w="12700">
+                      <a:solidFill>
+                        <a:srgbClr val="ffffff"/>
+                      </a:solidFill>
+                      <a:prstDash val="solid"/>
+                    </a:lnB>
+                  </a:tcPr>
+                </a:tc>
+              </a:tr>
+            </a:tbl>
+          </a:graphicData>
+        </a:graphic>
+      </p:graphicFrame>
+      <p:sp>
+        <p:nvSpPr>
+          <p:cNvPr id="6" name="TextBox 5"/>
+          <p:cNvSpPr txBox="1"/>
+          <p:nvPr/>
+        </p:nvSpPr>
+        <p:spPr>
+          <a:xfrm>
+            <a:off x="5972175" y="590549"/>
+            <a:ext cx="3171825" cy="274320"/>
+          </a:xfrm>
+          <a:prstGeom prst="rect">
+            <a:avLst/>
+          </a:prstGeom>
+          <a:noFill/>
+        </p:spPr>
+        <p:txBody>
+          <a:bodyPr wrap="square" lIns="0" rIns="0" tIns="0" bIns="0">
+            <a:spAutoFit/>
+          </a:bodyPr>
+          <a:lstStyle/>
+          <a:p>
+            <a:pPr algn="l">
+              <a:lnSpc>
+                <a:spcPct val="100000"/>
+              </a:lnSpc>
+              <a:spcBef>
+                <a:spcPts val="0"/>
+              </a:spcBef>
+              <a:spcAft>
+                <a:spcPts val="0"/>
+              </a:spcAft>
+              <a:defRPr>
+                <a:solidFill>
+                  <a:srgbClr val="E0E0E0"/>
+                </a:solidFill>
+              </a:defRPr>
+            </a:pPr>
+            <a:r>
+              <a:rPr sz="800" b="1">
+                <a:latin typeface="Arial"/>
+              </a:rPr>
+              <a:t>✍️ Notes</a:t>
+            </a:r>
+          </a:p>
+        </p:txBody>
+      </p:sp>
+      <p:sp>
+        <p:nvSpPr>
+          <p:cNvPr id="7" name="TextBox 6"/>
+          <p:cNvSpPr txBox="1"/>
+          <p:nvPr/>
+        </p:nvSpPr>
+        <p:spPr>
+          <a:xfrm>
+            <a:off x="5972175" y="857250"/>
+            <a:ext cx="3171825" cy="295274"/>
+          </a:xfrm>
+          <a:prstGeom prst="rect">
+            <a:avLst/>
+          </a:prstGeom>
+          <a:noFill/>
+        </p:spPr>
+        <p:txBody>
+          <a:bodyPr wrap="square" lIns="0" rIns="0" tIns="0" bIns="0">
+            <a:spAutoFit/>
+          </a:bodyPr>
+          <a:lstStyle/>
+          <a:p>
+            <a:pPr algn="l">
+              <a:lnSpc>
+                <a:spcPct val="100000"/>
+              </a:lnSpc>
+              <a:spcBef>
+                <a:spcPts val="0"/>
+              </a:spcBef>
+              <a:spcAft>
+                <a:spcPts val="0"/>
+              </a:spcAft>
+              <a:defRPr>
+                <a:solidFill>
+                  <a:srgbClr val="E0E0E0"/>
+                </a:solidFill>
+              </a:defRPr>
+            </a:pPr>
+            <a:r>
+              <a:rPr sz="700">
+                <a:latin typeface="Arial"/>
+              </a:rPr>
+              <a:t>All core features are either complete or in progress. Remaining items are performance tuning and UX polish.</a:t>
+            </a:r>
+          </a:p>
+        </p:txBody>
+      </p:sp>
+    </p:spTree>
+  </p:cSld>
+  <p:clrMapOvr>
+    <a:masterClrMapping/>
+  </p:clrMapOvr>
+</p:sld>
+</file>
+
 <file path=ppt/slides/slide2.xml><?xml version="1.0" encoding="utf-8"?>
 <p:sld xmlns:a="http://schemas.openxmlformats.org/drawingml/2006/main" xmlns:p="http://schemas.openxmlformats.org/presentationml/2006/main" xmlns:r="http://schemas.openxmlformats.org/officeDocument/2006/relationships">
   <p:cSld>
@@ -9211,7 +10205,7 @@
               </a:defRPr>
             </a:pPr>
             <a:r>
-              <a:rPr sz="1000" b="1">
+              <a:rPr sz="900" b="1">
                 <a:latin typeface="Arial"/>
               </a:rPr>
               <a:t>Basic Formatting</a:t>
@@ -9258,25 +10252,25 @@
               </a:defRPr>
             </a:pPr>
             <a:r>
-              <a:rPr b="1" sz="1000">
+              <a:rPr b="1" sz="700">
                 <a:latin typeface="Arial"/>
               </a:rPr>
               <a:t>Bold text</a:t>
             </a:r>
             <a:r>
-              <a:rPr sz="1000">
+              <a:rPr sz="700">
                 <a:latin typeface="Arial"/>
               </a:rPr>
               <a:t> using double asterisks or </a:t>
             </a:r>
             <a:r>
-              <a:rPr b="1" sz="1000">
+              <a:rPr b="1" sz="700">
                 <a:latin typeface="Arial"/>
               </a:rPr>
               <a:t>double underscores</a:t>
             </a:r>
             <a:r>
-              <a:rPr sz="1000">
+              <a:rPr sz="700">
                 <a:latin typeface="Arial"/>
               </a:rPr>
               <a:t>.</a:t>
@@ -9323,25 +10317,25 @@
               </a:defRPr>
             </a:pPr>
             <a:r>
-              <a:rPr i="1" sz="1000">
+              <a:rPr i="1" sz="700">
                 <a:latin typeface="Arial"/>
               </a:rPr>
               <a:t>Italic text</a:t>
             </a:r>
             <a:r>
-              <a:rPr sz="1000">
+              <a:rPr sz="700">
                 <a:latin typeface="Arial"/>
               </a:rPr>
               <a:t> using single asterisks or </a:t>
             </a:r>
             <a:r>
-              <a:rPr i="1" sz="1000">
+              <a:rPr i="1" sz="700">
                 <a:latin typeface="Arial"/>
               </a:rPr>
               <a:t>single underscores</a:t>
             </a:r>
             <a:r>
-              <a:rPr sz="1000">
+              <a:rPr sz="700">
                 <a:latin typeface="Arial"/>
               </a:rPr>
               <a:t>.</a:t>
@@ -9397,7 +10391,7 @@
               <a:t>Inline code</a:t>
             </a:r>
             <a:r>
-              <a:rPr sz="1000">
+              <a:rPr sz="700">
                 <a:latin typeface="Arial"/>
               </a:rPr>
               <a:t> using backticks for technical terms like </a:t>
@@ -9412,7 +10406,7 @@
               <a:t>SlideGenerator.generate()</a:t>
             </a:r>
             <a:r>
-              <a:rPr sz="1000">
+              <a:rPr sz="700">
                 <a:latin typeface="Arial"/>
               </a:rPr>
               <a:t>.</a:t>
@@ -9459,7 +10453,7 @@
               </a:defRPr>
             </a:pPr>
             <a:r>
-              <a:rPr b="1" sz="1000">
+              <a:rPr b="1" sz="700">
                 <a:solidFill>
                   <a:srgbClr val="FF8C00"/>
                 </a:solidFill>
@@ -9468,13 +10462,13 @@
               <a:t>Highlighted text</a:t>
             </a:r>
             <a:r>
-              <a:rPr sz="1000">
+              <a:rPr sz="700">
                 <a:latin typeface="Arial"/>
               </a:rPr>
               <a:t> using double equals for </a:t>
             </a:r>
             <a:r>
-              <a:rPr b="1" sz="1000">
+              <a:rPr b="1" sz="700">
                 <a:solidFill>
                   <a:srgbClr val="FF8C00"/>
                 </a:solidFill>
@@ -9483,7 +10477,7 @@
               <a:t>important information</a:t>
             </a:r>
             <a:r>
-              <a:rPr sz="1000">
+              <a:rPr sz="700">
                 <a:latin typeface="Arial"/>
               </a:rPr>
               <a:t>.</a:t>
@@ -9530,25 +10524,25 @@
               </a:defRPr>
             </a:pPr>
             <a:r>
-              <a:rPr u="sng" sz="1000">
+              <a:rPr u="sng" sz="700">
                 <a:latin typeface="Arial"/>
               </a:rPr>
               <a:t>Underlined text</a:t>
             </a:r>
             <a:r>
-              <a:rPr sz="1000">
+              <a:rPr sz="700">
                 <a:latin typeface="Arial"/>
               </a:rPr>
               <a:t> using double plus signs for </a:t>
             </a:r>
             <a:r>
-              <a:rPr u="sng" sz="1000">
+              <a:rPr u="sng" sz="700">
                 <a:latin typeface="Arial"/>
               </a:rPr>
               <a:t>emphasis or citations</a:t>
             </a:r>
             <a:r>
-              <a:rPr sz="1000">
+              <a:rPr sz="700">
                 <a:latin typeface="Arial"/>
               </a:rPr>
               <a:t>.</a:t>
@@ -9595,7 +10589,7 @@
               </a:defRPr>
             </a:pPr>
             <a:r>
-              <a:rPr sz="1000" b="1">
+              <a:rPr sz="900" b="1">
                 <a:latin typeface="Arial"/>
               </a:rPr>
               <a:t>Advanced Combinations</a:t>
@@ -9639,23 +10633,23 @@
               </a:defRPr>
             </a:pPr>
             <a:r>
-              <a:rPr sz="1000"/>
+              <a:rPr sz="700"/>
               <a:t>• </a:t>
             </a:r>
             <a:r>
-              <a:rPr b="1" sz="1000">
+              <a:rPr b="1" sz="700">
                 <a:latin typeface="Arial"/>
               </a:rPr>
               <a:t>Bold with </a:t>
             </a:r>
             <a:r>
-              <a:rPr b="1" i="1" sz="1000">
+              <a:rPr b="1" i="1" sz="700">
                 <a:latin typeface="Arial"/>
               </a:rPr>
               <a:t>italic inside</a:t>
             </a:r>
             <a:r>
-              <a:rPr b="1" sz="1000">
+              <a:rPr b="1" sz="700">
                 <a:latin typeface="Arial"/>
               </a:rPr>
               <a:t> for emphasis</a:t>
@@ -9670,23 +10664,23 @@
               </a:defRPr>
             </a:pPr>
             <a:r>
-              <a:rPr sz="1000"/>
+              <a:rPr sz="700"/>
               <a:t>• </a:t>
             </a:r>
             <a:r>
-              <a:rPr i="1" sz="1000">
+              <a:rPr i="1" sz="700">
                 <a:latin typeface="Arial"/>
               </a:rPr>
               <a:t>Italic with </a:t>
             </a:r>
             <a:r>
-              <a:rPr i="1" b="1" sz="1000">
+              <a:rPr i="1" b="1" sz="700">
                 <a:latin typeface="Arial"/>
               </a:rPr>
               <a:t>bold inside</a:t>
             </a:r>
             <a:r>
-              <a:rPr i="1" sz="1000">
+              <a:rPr i="1" sz="700">
                 <a:latin typeface="Arial"/>
               </a:rPr>
               <a:t> for variety</a:t>
@@ -9701,11 +10695,11 @@
               </a:defRPr>
             </a:pPr>
             <a:r>
-              <a:rPr sz="1000"/>
+              <a:rPr sz="700"/>
               <a:t>• </a:t>
             </a:r>
             <a:r>
-              <a:rPr b="1" sz="1000">
+              <a:rPr b="1" sz="700">
                 <a:solidFill>
                   <a:srgbClr val="FF8C00"/>
                 </a:solidFill>
@@ -9714,7 +10708,7 @@
               <a:t>Highlighted with </a:t>
             </a:r>
             <a:r>
-              <a:rPr b="1" sz="1000">
+              <a:rPr b="1" sz="700">
                 <a:solidFill>
                   <a:srgbClr val="FF8C00"/>
                 </a:solidFill>
@@ -9723,7 +10717,7 @@
               <a:t>bold inside</a:t>
             </a:r>
             <a:r>
-              <a:rPr b="1" sz="1000">
+              <a:rPr b="1" sz="700">
                 <a:solidFill>
                   <a:srgbClr val="FF8C00"/>
                 </a:solidFill>
@@ -9741,23 +10735,23 @@
               </a:defRPr>
             </a:pPr>
             <a:r>
-              <a:rPr sz="1000"/>
+              <a:rPr sz="700"/>
               <a:t>• </a:t>
             </a:r>
             <a:r>
-              <a:rPr sz="1000">
+              <a:rPr sz="700">
                 <a:latin typeface="Arial"/>
               </a:rPr>
               <a:t>Underlined with </a:t>
             </a:r>
             <a:r>
-              <a:rPr b="1" sz="1000">
+              <a:rPr b="1" sz="700">
                 <a:latin typeface="Arial"/>
               </a:rPr>
               <a:t>bold inside</a:t>
             </a:r>
             <a:r>
-              <a:rPr sz="1000">
+              <a:rPr sz="700">
                 <a:latin typeface="Arial"/>
               </a:rPr>
               <a:t> for citations</a:t>
@@ -9772,7 +10766,7 @@
               </a:defRPr>
             </a:pPr>
             <a:r>
-              <a:rPr sz="1000"/>
+              <a:rPr sz="700"/>
               <a:t>• </a:t>
             </a:r>
             <a:r>
@@ -9785,7 +10779,7 @@
               <a:t>Code with formatting</a:t>
             </a:r>
             <a:r>
-              <a:rPr sz="1000">
+              <a:rPr sz="700">
                 <a:latin typeface="Arial"/>
               </a:rPr>
               <a:t> (note: formatting preserved where possible)</a:t>
@@ -9832,7 +10826,7 @@
               </a:defRPr>
             </a:pPr>
             <a:r>
-              <a:rPr sz="1000" b="1">
+              <a:rPr sz="900" b="1">
                 <a:latin typeface="Arial"/>
               </a:rPr>
               <a:t>Real-World Examples</a:t>
@@ -9879,7 +10873,7 @@
               </a:defRPr>
             </a:pPr>
             <a:r>
-              <a:rPr sz="1000">
+              <a:rPr sz="700">
                 <a:latin typeface="Arial"/>
               </a:rPr>
               <a:t>The </a:t>
@@ -9894,37 +10888,37 @@
               <a:t>SlideGenerator</a:t>
             </a:r>
             <a:r>
-              <a:rPr sz="1000">
+              <a:rPr sz="700">
                 <a:latin typeface="Arial"/>
               </a:rPr>
               <a:t> class provides a </a:t>
             </a:r>
             <a:r>
-              <a:rPr b="1" sz="1000">
+              <a:rPr b="1" sz="700">
                 <a:latin typeface="Arial"/>
               </a:rPr>
               <a:t>powerful API</a:t>
             </a:r>
             <a:r>
-              <a:rPr sz="1000">
+              <a:rPr sz="700">
                 <a:latin typeface="Arial"/>
               </a:rPr>
               <a:t> for converting </a:t>
             </a:r>
             <a:r>
-              <a:rPr i="1" sz="1000">
+              <a:rPr i="1" sz="700">
                 <a:latin typeface="Arial"/>
               </a:rPr>
               <a:t>markdown</a:t>
             </a:r>
             <a:r>
-              <a:rPr sz="1000">
+              <a:rPr sz="700">
                 <a:latin typeface="Arial"/>
               </a:rPr>
               <a:t> to </a:t>
             </a:r>
             <a:r>
-              <a:rPr b="1" sz="1000">
+              <a:rPr b="1" sz="700">
                 <a:solidFill>
                   <a:srgbClr val="FF8C00"/>
                 </a:solidFill>
@@ -9933,19 +10927,19 @@
               <a:t>professional presentations</a:t>
             </a:r>
             <a:r>
-              <a:rPr sz="1000">
+              <a:rPr sz="700">
                 <a:latin typeface="Arial"/>
               </a:rPr>
               <a:t> with </a:t>
             </a:r>
             <a:r>
-              <a:rPr u="sng" sz="1000">
+              <a:rPr u="sng" sz="700">
                 <a:latin typeface="Arial"/>
               </a:rPr>
               <a:t>full formatting support</a:t>
             </a:r>
             <a:r>
-              <a:rPr sz="1000">
+              <a:rPr sz="700">
                 <a:latin typeface="Arial"/>
               </a:rPr>
               <a:t>.</a:t>
@@ -9992,7 +10986,7 @@
               </a:defRPr>
             </a:pPr>
             <a:r>
-              <a:rPr sz="1000">
+              <a:rPr sz="700">
                 <a:latin typeface="Arial"/>
               </a:rPr>
               <a:t>Call </a:t>
@@ -10007,25 +11001,25 @@
               <a:t>generator.generate(markdown, "output.pptx")</a:t>
             </a:r>
             <a:r>
-              <a:rPr sz="1000">
+              <a:rPr sz="700">
                 <a:latin typeface="Arial"/>
               </a:rPr>
               <a:t> where </a:t>
             </a:r>
             <a:r>
-              <a:rPr b="1" sz="1000">
+              <a:rPr b="1" sz="700">
                 <a:latin typeface="Arial"/>
               </a:rPr>
               <a:t>markdown</a:t>
             </a:r>
             <a:r>
-              <a:rPr sz="1000">
+              <a:rPr sz="700">
                 <a:latin typeface="Arial"/>
               </a:rPr>
               <a:t> is your source and </a:t>
             </a:r>
             <a:r>
-              <a:rPr b="1" sz="1000">
+              <a:rPr b="1" sz="700">
                 <a:solidFill>
                   <a:srgbClr val="FF8C00"/>
                 </a:solidFill>
@@ -10034,22 +11028,1033 @@
               <a:t>output.pptx</a:t>
             </a:r>
             <a:r>
-              <a:rPr sz="1000">
+              <a:rPr sz="700">
                 <a:latin typeface="Arial"/>
               </a:rPr>
               <a:t> is the </a:t>
             </a:r>
             <a:r>
-              <a:rPr u="sng" sz="1000">
+              <a:rPr u="sng" sz="700">
                 <a:latin typeface="Arial"/>
               </a:rPr>
               <a:t>final result</a:t>
             </a:r>
             <a:r>
-              <a:rPr sz="1000">
+              <a:rPr sz="700">
                 <a:latin typeface="Arial"/>
               </a:rPr>
               <a:t>.</a:t>
+            </a:r>
+          </a:p>
+        </p:txBody>
+      </p:sp>
+    </p:spTree>
+  </p:cSld>
+  <p:clrMapOvr>
+    <a:masterClrMapping/>
+  </p:clrMapOvr>
+</p:sld>
+</file>
+
+<file path=ppt/slides/slide20.xml><?xml version="1.0" encoding="utf-8"?>
+<p:sld xmlns:a="http://schemas.openxmlformats.org/drawingml/2006/main" xmlns:p="http://schemas.openxmlformats.org/presentationml/2006/main" xmlns:r="http://schemas.openxmlformats.org/officeDocument/2006/relationships">
+  <p:cSld>
+    <p:spTree>
+      <p:nvGrpSpPr>
+        <p:cNvPr id="1" name=""/>
+        <p:cNvGrpSpPr/>
+        <p:nvPr/>
+      </p:nvGrpSpPr>
+      <p:grpSpPr/>
+      <p:sp>
+        <p:nvSpPr>
+          <p:cNvPr id="2" name="TextBox 1"/>
+          <p:cNvSpPr txBox="1"/>
+          <p:nvPr/>
+        </p:nvSpPr>
+        <p:spPr>
+          <a:xfrm>
+            <a:off x="200025" y="180975"/>
+            <a:ext cx="8943975" cy="274320"/>
+          </a:xfrm>
+          <a:prstGeom prst="rect">
+            <a:avLst/>
+          </a:prstGeom>
+          <a:noFill/>
+        </p:spPr>
+        <p:txBody>
+          <a:bodyPr wrap="square" lIns="0" rIns="0" tIns="0" bIns="0">
+            <a:spAutoFit/>
+          </a:bodyPr>
+          <a:lstStyle/>
+          <a:p>
+            <a:pPr algn="l">
+              <a:lnSpc>
+                <a:spcPct val="100000"/>
+              </a:lnSpc>
+              <a:spcBef>
+                <a:spcPts val="0"/>
+              </a:spcBef>
+              <a:spcAft>
+                <a:spcPts val="0"/>
+              </a:spcAft>
+              <a:defRPr>
+                <a:solidFill>
+                  <a:srgbClr val="E0E0E0"/>
+                </a:solidFill>
+              </a:defRPr>
+            </a:pPr>
+            <a:r>
+              <a:rPr sz="1200" b="1">
+                <a:latin typeface="Arial"/>
+              </a:rPr>
+              <a:t>Two-column slide (Auto + default)</a:t>
+            </a:r>
+          </a:p>
+        </p:txBody>
+      </p:sp>
+      <p:sp>
+        <p:nvSpPr>
+          <p:cNvPr id="3" name="TextBox 2"/>
+          <p:cNvSpPr txBox="1"/>
+          <p:nvPr/>
+        </p:nvSpPr>
+        <p:spPr>
+          <a:xfrm>
+            <a:off x="276225" y="561974"/>
+            <a:ext cx="8867775" cy="274320"/>
+          </a:xfrm>
+          <a:prstGeom prst="rect">
+            <a:avLst/>
+          </a:prstGeom>
+          <a:noFill/>
+        </p:spPr>
+        <p:txBody>
+          <a:bodyPr wrap="square" lIns="0" rIns="0" tIns="0" bIns="0">
+            <a:spAutoFit/>
+          </a:bodyPr>
+          <a:lstStyle/>
+          <a:p>
+            <a:pPr algn="l">
+              <a:lnSpc>
+                <a:spcPct val="100000"/>
+              </a:lnSpc>
+              <a:spcBef>
+                <a:spcPts val="0"/>
+              </a:spcBef>
+              <a:spcAft>
+                <a:spcPts val="0"/>
+              </a:spcAft>
+              <a:defRPr>
+                <a:solidFill>
+                  <a:srgbClr val="E0E0E0"/>
+                </a:solidFill>
+              </a:defRPr>
+            </a:pPr>
+            <a:r>
+              <a:rPr sz="800" b="1">
+                <a:latin typeface="Arial"/>
+              </a:rPr>
+              <a:t>📋 Project Status Table</a:t>
+            </a:r>
+          </a:p>
+        </p:txBody>
+      </p:sp>
+      <p:sp>
+        <p:nvSpPr>
+          <p:cNvPr id="4" name="TextBox 3"/>
+          <p:cNvSpPr txBox="1"/>
+          <p:nvPr/>
+        </p:nvSpPr>
+        <p:spPr>
+          <a:xfrm>
+            <a:off x="276225" y="828675"/>
+            <a:ext cx="1800225" cy="1485900"/>
+          </a:xfrm>
+          <a:prstGeom prst="rect">
+            <a:avLst/>
+          </a:prstGeom>
+          <a:noFill/>
+        </p:spPr>
+        <p:txBody>
+          <a:bodyPr wrap="square" lIns="0" rIns="0" tIns="0" bIns="0">
+            <a:spAutoFit/>
+          </a:bodyPr>
+          <a:lstStyle/>
+          <a:p>
+            <a:pPr>
+              <a:spcBef>
+                <a:spcPts val="0"/>
+              </a:spcBef>
+              <a:spcAft>
+                <a:spcPts val="0"/>
+              </a:spcAft>
+            </a:pPr>
+          </a:p>
+        </p:txBody>
+      </p:sp>
+      <p:graphicFrame>
+        <p:nvGraphicFramePr>
+          <p:cNvPr id="5" name="Table 4"/>
+          <p:cNvGraphicFramePr>
+            <a:graphicFrameLocks noGrp="1"/>
+          </p:cNvGraphicFramePr>
+          <p:nvPr/>
+        </p:nvGraphicFramePr>
+        <p:xfrm>
+          <a:off x="276225" y="828675"/>
+          <a:ext cx="1798959" cy="1428750"/>
+        </p:xfrm>
+        <a:graphic>
+          <a:graphicData uri="http://schemas.openxmlformats.org/drawingml/2006/table">
+            <a:tbl>
+              <a:tblPr>
+                <a:tableStyleId>{5C22544A-7EE6-4342-B048-85BDC9FD1C3A}</a:tableStyleId>
+              </a:tblPr>
+              <a:tblGrid>
+                <a:gridCol w="765646"/>
+                <a:gridCol w="458390"/>
+                <a:gridCol w="574923"/>
+              </a:tblGrid>
+              <a:tr h="285750">
+                <a:tc>
+                  <a:txBody>
+                    <a:bodyPr lIns="76200" rIns="76200" tIns="76200" bIns="76200"/>
+                    <a:lstStyle/>
+                    <a:p>
+                      <a:pPr>
+                        <a:lnSpc>
+                          <a:spcPct val="100000"/>
+                        </a:lnSpc>
+                      </a:pPr>
+                      <a:r>
+                        <a:rPr b="1" sz="800">
+                          <a:solidFill>
+                            <a:srgbClr val="FFFFFF"/>
+                          </a:solidFill>
+                          <a:latin typeface="Arial"/>
+                        </a:rPr>
+                        <a:t>Task</a:t>
+                      </a:r>
+                    </a:p>
+                  </a:txBody>
+                  <a:tcPr>
+                    <a:noFill/>
+                    <a:lnL w="12700">
+                      <a:solidFill>
+                        <a:srgbClr val="ffffff"/>
+                      </a:solidFill>
+                      <a:prstDash val="solid"/>
+                    </a:lnL>
+                    <a:lnR w="12700">
+                      <a:solidFill>
+                        <a:srgbClr val="ffffff"/>
+                      </a:solidFill>
+                      <a:prstDash val="solid"/>
+                    </a:lnR>
+                    <a:lnT w="12700">
+                      <a:solidFill>
+                        <a:srgbClr val="ffffff"/>
+                      </a:solidFill>
+                      <a:prstDash val="solid"/>
+                    </a:lnT>
+                    <a:lnB w="12700">
+                      <a:solidFill>
+                        <a:srgbClr val="ffffff"/>
+                      </a:solidFill>
+                      <a:prstDash val="solid"/>
+                    </a:lnB>
+                  </a:tcPr>
+                </a:tc>
+                <a:tc>
+                  <a:txBody>
+                    <a:bodyPr lIns="76200" rIns="76200" tIns="76200" bIns="76200"/>
+                    <a:lstStyle/>
+                    <a:p>
+                      <a:pPr>
+                        <a:lnSpc>
+                          <a:spcPct val="100000"/>
+                        </a:lnSpc>
+                      </a:pPr>
+                      <a:r>
+                        <a:rPr b="1" sz="800">
+                          <a:solidFill>
+                            <a:srgbClr val="FFFFFF"/>
+                          </a:solidFill>
+                          <a:latin typeface="Arial"/>
+                        </a:rPr>
+                        <a:t>Owner</a:t>
+                      </a:r>
+                    </a:p>
+                  </a:txBody>
+                  <a:tcPr>
+                    <a:noFill/>
+                    <a:lnL w="12700">
+                      <a:solidFill>
+                        <a:srgbClr val="ffffff"/>
+                      </a:solidFill>
+                      <a:prstDash val="solid"/>
+                    </a:lnL>
+                    <a:lnR w="12700">
+                      <a:solidFill>
+                        <a:srgbClr val="ffffff"/>
+                      </a:solidFill>
+                      <a:prstDash val="solid"/>
+                    </a:lnR>
+                    <a:lnT w="12700">
+                      <a:solidFill>
+                        <a:srgbClr val="ffffff"/>
+                      </a:solidFill>
+                      <a:prstDash val="solid"/>
+                    </a:lnT>
+                    <a:lnB w="12700">
+                      <a:solidFill>
+                        <a:srgbClr val="ffffff"/>
+                      </a:solidFill>
+                      <a:prstDash val="solid"/>
+                    </a:lnB>
+                  </a:tcPr>
+                </a:tc>
+                <a:tc>
+                  <a:txBody>
+                    <a:bodyPr lIns="76200" rIns="76200" tIns="76200" bIns="76200"/>
+                    <a:lstStyle/>
+                    <a:p>
+                      <a:pPr>
+                        <a:lnSpc>
+                          <a:spcPct val="100000"/>
+                        </a:lnSpc>
+                      </a:pPr>
+                      <a:r>
+                        <a:rPr b="1" sz="800">
+                          <a:solidFill>
+                            <a:srgbClr val="FFFFFF"/>
+                          </a:solidFill>
+                          <a:latin typeface="Arial"/>
+                        </a:rPr>
+                        <a:t>Progress</a:t>
+                      </a:r>
+                    </a:p>
+                  </a:txBody>
+                  <a:tcPr>
+                    <a:noFill/>
+                    <a:lnL w="12700">
+                      <a:solidFill>
+                        <a:srgbClr val="ffffff"/>
+                      </a:solidFill>
+                      <a:prstDash val="solid"/>
+                    </a:lnL>
+                    <a:lnR w="12700">
+                      <a:solidFill>
+                        <a:srgbClr val="ffffff"/>
+                      </a:solidFill>
+                      <a:prstDash val="solid"/>
+                    </a:lnR>
+                    <a:lnT w="12700">
+                      <a:solidFill>
+                        <a:srgbClr val="ffffff"/>
+                      </a:solidFill>
+                      <a:prstDash val="solid"/>
+                    </a:lnT>
+                    <a:lnB w="12700">
+                      <a:solidFill>
+                        <a:srgbClr val="ffffff"/>
+                      </a:solidFill>
+                      <a:prstDash val="solid"/>
+                    </a:lnB>
+                  </a:tcPr>
+                </a:tc>
+              </a:tr>
+              <a:tr h="285750">
+                <a:tc>
+                  <a:txBody>
+                    <a:bodyPr lIns="76200" rIns="76200" tIns="76200" bIns="76200"/>
+                    <a:lstStyle/>
+                    <a:p>
+                      <a:pPr>
+                        <a:lnSpc>
+                          <a:spcPct val="100000"/>
+                        </a:lnSpc>
+                      </a:pPr>
+                      <a:r>
+                        <a:rPr sz="800">
+                          <a:solidFill>
+                            <a:srgbClr val="FFFFFF"/>
+                          </a:solidFill>
+                          <a:latin typeface="Arial"/>
+                        </a:rPr>
+                        <a:t>Authentication</a:t>
+                      </a:r>
+                    </a:p>
+                  </a:txBody>
+                  <a:tcPr>
+                    <a:noFill/>
+                    <a:lnL w="12700">
+                      <a:solidFill>
+                        <a:srgbClr val="ffffff"/>
+                      </a:solidFill>
+                      <a:prstDash val="solid"/>
+                    </a:lnL>
+                    <a:lnR w="12700">
+                      <a:solidFill>
+                        <a:srgbClr val="ffffff"/>
+                      </a:solidFill>
+                      <a:prstDash val="solid"/>
+                    </a:lnR>
+                    <a:lnT w="12700">
+                      <a:solidFill>
+                        <a:srgbClr val="ffffff"/>
+                      </a:solidFill>
+                      <a:prstDash val="solid"/>
+                    </a:lnT>
+                    <a:lnB w="12700">
+                      <a:solidFill>
+                        <a:srgbClr val="ffffff"/>
+                      </a:solidFill>
+                      <a:prstDash val="solid"/>
+                    </a:lnB>
+                  </a:tcPr>
+                </a:tc>
+                <a:tc>
+                  <a:txBody>
+                    <a:bodyPr lIns="76200" rIns="76200" tIns="76200" bIns="76200"/>
+                    <a:lstStyle/>
+                    <a:p>
+                      <a:pPr>
+                        <a:lnSpc>
+                          <a:spcPct val="100000"/>
+                        </a:lnSpc>
+                      </a:pPr>
+                      <a:r>
+                        <a:rPr sz="800">
+                          <a:solidFill>
+                            <a:srgbClr val="FFFFFF"/>
+                          </a:solidFill>
+                          <a:latin typeface="Arial"/>
+                        </a:rPr>
+                        <a:t>Alice</a:t>
+                      </a:r>
+                    </a:p>
+                  </a:txBody>
+                  <a:tcPr>
+                    <a:noFill/>
+                    <a:lnL w="12700">
+                      <a:solidFill>
+                        <a:srgbClr val="ffffff"/>
+                      </a:solidFill>
+                      <a:prstDash val="solid"/>
+                    </a:lnL>
+                    <a:lnR w="12700">
+                      <a:solidFill>
+                        <a:srgbClr val="ffffff"/>
+                      </a:solidFill>
+                      <a:prstDash val="solid"/>
+                    </a:lnR>
+                    <a:lnT w="12700">
+                      <a:solidFill>
+                        <a:srgbClr val="ffffff"/>
+                      </a:solidFill>
+                      <a:prstDash val="solid"/>
+                    </a:lnT>
+                    <a:lnB w="12700">
+                      <a:solidFill>
+                        <a:srgbClr val="ffffff"/>
+                      </a:solidFill>
+                      <a:prstDash val="solid"/>
+                    </a:lnB>
+                  </a:tcPr>
+                </a:tc>
+                <a:tc>
+                  <a:txBody>
+                    <a:bodyPr lIns="76200" rIns="76200" tIns="76200" bIns="76200"/>
+                    <a:lstStyle/>
+                    <a:p>
+                      <a:pPr>
+                        <a:lnSpc>
+                          <a:spcPct val="100000"/>
+                        </a:lnSpc>
+                      </a:pPr>
+                      <a:r>
+                        <a:rPr sz="800">
+                          <a:solidFill>
+                            <a:srgbClr val="FFFFFF"/>
+                          </a:solidFill>
+                          <a:latin typeface="Arial"/>
+                        </a:rPr>
+                        <a:t>100%</a:t>
+                      </a:r>
+                    </a:p>
+                  </a:txBody>
+                  <a:tcPr>
+                    <a:noFill/>
+                    <a:lnL w="12700">
+                      <a:solidFill>
+                        <a:srgbClr val="ffffff"/>
+                      </a:solidFill>
+                      <a:prstDash val="solid"/>
+                    </a:lnL>
+                    <a:lnR w="12700">
+                      <a:solidFill>
+                        <a:srgbClr val="ffffff"/>
+                      </a:solidFill>
+                      <a:prstDash val="solid"/>
+                    </a:lnR>
+                    <a:lnT w="12700">
+                      <a:solidFill>
+                        <a:srgbClr val="ffffff"/>
+                      </a:solidFill>
+                      <a:prstDash val="solid"/>
+                    </a:lnT>
+                    <a:lnB w="12700">
+                      <a:solidFill>
+                        <a:srgbClr val="ffffff"/>
+                      </a:solidFill>
+                      <a:prstDash val="solid"/>
+                    </a:lnB>
+                  </a:tcPr>
+                </a:tc>
+              </a:tr>
+              <a:tr h="285750">
+                <a:tc>
+                  <a:txBody>
+                    <a:bodyPr lIns="76200" rIns="76200" tIns="76200" bIns="76200"/>
+                    <a:lstStyle/>
+                    <a:p>
+                      <a:pPr>
+                        <a:lnSpc>
+                          <a:spcPct val="100000"/>
+                        </a:lnSpc>
+                      </a:pPr>
+                      <a:r>
+                        <a:rPr sz="800">
+                          <a:solidFill>
+                            <a:srgbClr val="FFFFFF"/>
+                          </a:solidFill>
+                          <a:latin typeface="Arial"/>
+                        </a:rPr>
+                        <a:t>Database</a:t>
+                      </a:r>
+                    </a:p>
+                  </a:txBody>
+                  <a:tcPr>
+                    <a:noFill/>
+                    <a:lnL w="12700">
+                      <a:solidFill>
+                        <a:srgbClr val="ffffff"/>
+                      </a:solidFill>
+                      <a:prstDash val="solid"/>
+                    </a:lnL>
+                    <a:lnR w="12700">
+                      <a:solidFill>
+                        <a:srgbClr val="ffffff"/>
+                      </a:solidFill>
+                      <a:prstDash val="solid"/>
+                    </a:lnR>
+                    <a:lnT w="12700">
+                      <a:solidFill>
+                        <a:srgbClr val="ffffff"/>
+                      </a:solidFill>
+                      <a:prstDash val="solid"/>
+                    </a:lnT>
+                    <a:lnB w="12700">
+                      <a:solidFill>
+                        <a:srgbClr val="ffffff"/>
+                      </a:solidFill>
+                      <a:prstDash val="solid"/>
+                    </a:lnB>
+                  </a:tcPr>
+                </a:tc>
+                <a:tc>
+                  <a:txBody>
+                    <a:bodyPr lIns="76200" rIns="76200" tIns="76200" bIns="76200"/>
+                    <a:lstStyle/>
+                    <a:p>
+                      <a:pPr>
+                        <a:lnSpc>
+                          <a:spcPct val="100000"/>
+                        </a:lnSpc>
+                      </a:pPr>
+                      <a:r>
+                        <a:rPr sz="800">
+                          <a:solidFill>
+                            <a:srgbClr val="FFFFFF"/>
+                          </a:solidFill>
+                          <a:latin typeface="Arial"/>
+                        </a:rPr>
+                        <a:t>Bob</a:t>
+                      </a:r>
+                    </a:p>
+                  </a:txBody>
+                  <a:tcPr>
+                    <a:noFill/>
+                    <a:lnL w="12700">
+                      <a:solidFill>
+                        <a:srgbClr val="ffffff"/>
+                      </a:solidFill>
+                      <a:prstDash val="solid"/>
+                    </a:lnL>
+                    <a:lnR w="12700">
+                      <a:solidFill>
+                        <a:srgbClr val="ffffff"/>
+                      </a:solidFill>
+                      <a:prstDash val="solid"/>
+                    </a:lnR>
+                    <a:lnT w="12700">
+                      <a:solidFill>
+                        <a:srgbClr val="ffffff"/>
+                      </a:solidFill>
+                      <a:prstDash val="solid"/>
+                    </a:lnT>
+                    <a:lnB w="12700">
+                      <a:solidFill>
+                        <a:srgbClr val="ffffff"/>
+                      </a:solidFill>
+                      <a:prstDash val="solid"/>
+                    </a:lnB>
+                  </a:tcPr>
+                </a:tc>
+                <a:tc>
+                  <a:txBody>
+                    <a:bodyPr lIns="76200" rIns="76200" tIns="76200" bIns="76200"/>
+                    <a:lstStyle/>
+                    <a:p>
+                      <a:pPr>
+                        <a:lnSpc>
+                          <a:spcPct val="100000"/>
+                        </a:lnSpc>
+                      </a:pPr>
+                      <a:r>
+                        <a:rPr sz="800">
+                          <a:solidFill>
+                            <a:srgbClr val="FFFFFF"/>
+                          </a:solidFill>
+                          <a:latin typeface="Arial"/>
+                        </a:rPr>
+                        <a:t>80%</a:t>
+                      </a:r>
+                    </a:p>
+                  </a:txBody>
+                  <a:tcPr>
+                    <a:noFill/>
+                    <a:lnL w="12700">
+                      <a:solidFill>
+                        <a:srgbClr val="ffffff"/>
+                      </a:solidFill>
+                      <a:prstDash val="solid"/>
+                    </a:lnL>
+                    <a:lnR w="12700">
+                      <a:solidFill>
+                        <a:srgbClr val="ffffff"/>
+                      </a:solidFill>
+                      <a:prstDash val="solid"/>
+                    </a:lnR>
+                    <a:lnT w="12700">
+                      <a:solidFill>
+                        <a:srgbClr val="ffffff"/>
+                      </a:solidFill>
+                      <a:prstDash val="solid"/>
+                    </a:lnT>
+                    <a:lnB w="12700">
+                      <a:solidFill>
+                        <a:srgbClr val="ffffff"/>
+                      </a:solidFill>
+                      <a:prstDash val="solid"/>
+                    </a:lnB>
+                  </a:tcPr>
+                </a:tc>
+              </a:tr>
+              <a:tr h="285750">
+                <a:tc>
+                  <a:txBody>
+                    <a:bodyPr lIns="76200" rIns="76200" tIns="76200" bIns="76200"/>
+                    <a:lstStyle/>
+                    <a:p>
+                      <a:pPr>
+                        <a:lnSpc>
+                          <a:spcPct val="100000"/>
+                        </a:lnSpc>
+                      </a:pPr>
+                      <a:r>
+                        <a:rPr sz="800">
+                          <a:solidFill>
+                            <a:srgbClr val="FFFFFF"/>
+                          </a:solidFill>
+                          <a:latin typeface="Arial"/>
+                        </a:rPr>
+                        <a:t>API Docs</a:t>
+                      </a:r>
+                    </a:p>
+                  </a:txBody>
+                  <a:tcPr>
+                    <a:noFill/>
+                    <a:lnL w="12700">
+                      <a:solidFill>
+                        <a:srgbClr val="ffffff"/>
+                      </a:solidFill>
+                      <a:prstDash val="solid"/>
+                    </a:lnL>
+                    <a:lnR w="12700">
+                      <a:solidFill>
+                        <a:srgbClr val="ffffff"/>
+                      </a:solidFill>
+                      <a:prstDash val="solid"/>
+                    </a:lnR>
+                    <a:lnT w="12700">
+                      <a:solidFill>
+                        <a:srgbClr val="ffffff"/>
+                      </a:solidFill>
+                      <a:prstDash val="solid"/>
+                    </a:lnT>
+                    <a:lnB w="12700">
+                      <a:solidFill>
+                        <a:srgbClr val="ffffff"/>
+                      </a:solidFill>
+                      <a:prstDash val="solid"/>
+                    </a:lnB>
+                  </a:tcPr>
+                </a:tc>
+                <a:tc>
+                  <a:txBody>
+                    <a:bodyPr lIns="76200" rIns="76200" tIns="76200" bIns="76200"/>
+                    <a:lstStyle/>
+                    <a:p>
+                      <a:pPr>
+                        <a:lnSpc>
+                          <a:spcPct val="100000"/>
+                        </a:lnSpc>
+                      </a:pPr>
+                      <a:r>
+                        <a:rPr sz="800">
+                          <a:solidFill>
+                            <a:srgbClr val="FFFFFF"/>
+                          </a:solidFill>
+                          <a:latin typeface="Arial"/>
+                        </a:rPr>
+                        <a:t>Carol</a:t>
+                      </a:r>
+                    </a:p>
+                  </a:txBody>
+                  <a:tcPr>
+                    <a:noFill/>
+                    <a:lnL w="12700">
+                      <a:solidFill>
+                        <a:srgbClr val="ffffff"/>
+                      </a:solidFill>
+                      <a:prstDash val="solid"/>
+                    </a:lnL>
+                    <a:lnR w="12700">
+                      <a:solidFill>
+                        <a:srgbClr val="ffffff"/>
+                      </a:solidFill>
+                      <a:prstDash val="solid"/>
+                    </a:lnR>
+                    <a:lnT w="12700">
+                      <a:solidFill>
+                        <a:srgbClr val="ffffff"/>
+                      </a:solidFill>
+                      <a:prstDash val="solid"/>
+                    </a:lnT>
+                    <a:lnB w="12700">
+                      <a:solidFill>
+                        <a:srgbClr val="ffffff"/>
+                      </a:solidFill>
+                      <a:prstDash val="solid"/>
+                    </a:lnB>
+                  </a:tcPr>
+                </a:tc>
+                <a:tc>
+                  <a:txBody>
+                    <a:bodyPr lIns="76200" rIns="76200" tIns="76200" bIns="76200"/>
+                    <a:lstStyle/>
+                    <a:p>
+                      <a:pPr>
+                        <a:lnSpc>
+                          <a:spcPct val="100000"/>
+                        </a:lnSpc>
+                      </a:pPr>
+                      <a:r>
+                        <a:rPr sz="800">
+                          <a:solidFill>
+                            <a:srgbClr val="FFFFFF"/>
+                          </a:solidFill>
+                          <a:latin typeface="Arial"/>
+                        </a:rPr>
+                        <a:t>100%</a:t>
+                      </a:r>
+                    </a:p>
+                  </a:txBody>
+                  <a:tcPr>
+                    <a:noFill/>
+                    <a:lnL w="12700">
+                      <a:solidFill>
+                        <a:srgbClr val="ffffff"/>
+                      </a:solidFill>
+                      <a:prstDash val="solid"/>
+                    </a:lnL>
+                    <a:lnR w="12700">
+                      <a:solidFill>
+                        <a:srgbClr val="ffffff"/>
+                      </a:solidFill>
+                      <a:prstDash val="solid"/>
+                    </a:lnR>
+                    <a:lnT w="12700">
+                      <a:solidFill>
+                        <a:srgbClr val="ffffff"/>
+                      </a:solidFill>
+                      <a:prstDash val="solid"/>
+                    </a:lnT>
+                    <a:lnB w="12700">
+                      <a:solidFill>
+                        <a:srgbClr val="ffffff"/>
+                      </a:solidFill>
+                      <a:prstDash val="solid"/>
+                    </a:lnB>
+                  </a:tcPr>
+                </a:tc>
+              </a:tr>
+              <a:tr h="285750">
+                <a:tc>
+                  <a:txBody>
+                    <a:bodyPr lIns="76200" rIns="76200" tIns="76200" bIns="76200"/>
+                    <a:lstStyle/>
+                    <a:p>
+                      <a:pPr>
+                        <a:lnSpc>
+                          <a:spcPct val="100000"/>
+                        </a:lnSpc>
+                      </a:pPr>
+                      <a:r>
+                        <a:rPr sz="800">
+                          <a:solidFill>
+                            <a:srgbClr val="FFFFFF"/>
+                          </a:solidFill>
+                          <a:latin typeface="Arial"/>
+                        </a:rPr>
+                        <a:t>Analytics</a:t>
+                      </a:r>
+                    </a:p>
+                  </a:txBody>
+                  <a:tcPr>
+                    <a:noFill/>
+                    <a:lnL w="12700">
+                      <a:solidFill>
+                        <a:srgbClr val="ffffff"/>
+                      </a:solidFill>
+                      <a:prstDash val="solid"/>
+                    </a:lnL>
+                    <a:lnR w="12700">
+                      <a:solidFill>
+                        <a:srgbClr val="ffffff"/>
+                      </a:solidFill>
+                      <a:prstDash val="solid"/>
+                    </a:lnR>
+                    <a:lnT w="12700">
+                      <a:solidFill>
+                        <a:srgbClr val="ffffff"/>
+                      </a:solidFill>
+                      <a:prstDash val="solid"/>
+                    </a:lnT>
+                    <a:lnB w="12700">
+                      <a:solidFill>
+                        <a:srgbClr val="ffffff"/>
+                      </a:solidFill>
+                      <a:prstDash val="solid"/>
+                    </a:lnB>
+                  </a:tcPr>
+                </a:tc>
+                <a:tc>
+                  <a:txBody>
+                    <a:bodyPr lIns="76200" rIns="76200" tIns="76200" bIns="76200"/>
+                    <a:lstStyle/>
+                    <a:p>
+                      <a:pPr>
+                        <a:lnSpc>
+                          <a:spcPct val="100000"/>
+                        </a:lnSpc>
+                      </a:pPr>
+                      <a:r>
+                        <a:rPr sz="800">
+                          <a:solidFill>
+                            <a:srgbClr val="FFFFFF"/>
+                          </a:solidFill>
+                          <a:latin typeface="Arial"/>
+                        </a:rPr>
+                        <a:t>Dave</a:t>
+                      </a:r>
+                    </a:p>
+                  </a:txBody>
+                  <a:tcPr>
+                    <a:noFill/>
+                    <a:lnL w="12700">
+                      <a:solidFill>
+                        <a:srgbClr val="ffffff"/>
+                      </a:solidFill>
+                      <a:prstDash val="solid"/>
+                    </a:lnL>
+                    <a:lnR w="12700">
+                      <a:solidFill>
+                        <a:srgbClr val="ffffff"/>
+                      </a:solidFill>
+                      <a:prstDash val="solid"/>
+                    </a:lnR>
+                    <a:lnT w="12700">
+                      <a:solidFill>
+                        <a:srgbClr val="ffffff"/>
+                      </a:solidFill>
+                      <a:prstDash val="solid"/>
+                    </a:lnT>
+                    <a:lnB w="12700">
+                      <a:solidFill>
+                        <a:srgbClr val="ffffff"/>
+                      </a:solidFill>
+                      <a:prstDash val="solid"/>
+                    </a:lnB>
+                  </a:tcPr>
+                </a:tc>
+                <a:tc>
+                  <a:txBody>
+                    <a:bodyPr lIns="76200" rIns="76200" tIns="76200" bIns="76200"/>
+                    <a:lstStyle/>
+                    <a:p>
+                      <a:pPr>
+                        <a:lnSpc>
+                          <a:spcPct val="100000"/>
+                        </a:lnSpc>
+                      </a:pPr>
+                      <a:r>
+                        <a:rPr sz="800">
+                          <a:solidFill>
+                            <a:srgbClr val="FFFFFF"/>
+                          </a:solidFill>
+                          <a:latin typeface="Arial"/>
+                        </a:rPr>
+                        <a:t>60%</a:t>
+                      </a:r>
+                    </a:p>
+                  </a:txBody>
+                  <a:tcPr>
+                    <a:noFill/>
+                    <a:lnL w="12700">
+                      <a:solidFill>
+                        <a:srgbClr val="ffffff"/>
+                      </a:solidFill>
+                      <a:prstDash val="solid"/>
+                    </a:lnL>
+                    <a:lnR w="12700">
+                      <a:solidFill>
+                        <a:srgbClr val="ffffff"/>
+                      </a:solidFill>
+                      <a:prstDash val="solid"/>
+                    </a:lnR>
+                    <a:lnT w="12700">
+                      <a:solidFill>
+                        <a:srgbClr val="ffffff"/>
+                      </a:solidFill>
+                      <a:prstDash val="solid"/>
+                    </a:lnT>
+                    <a:lnB w="12700">
+                      <a:solidFill>
+                        <a:srgbClr val="ffffff"/>
+                      </a:solidFill>
+                      <a:prstDash val="solid"/>
+                    </a:lnB>
+                  </a:tcPr>
+                </a:tc>
+              </a:tr>
+            </a:tbl>
+          </a:graphicData>
+        </a:graphic>
+      </p:graphicFrame>
+      <p:sp>
+        <p:nvSpPr>
+          <p:cNvPr id="6" name="TextBox 5"/>
+          <p:cNvSpPr txBox="1"/>
+          <p:nvPr/>
+        </p:nvSpPr>
+        <p:spPr>
+          <a:xfrm>
+            <a:off x="2533649" y="590549"/>
+            <a:ext cx="6610349" cy="274320"/>
+          </a:xfrm>
+          <a:prstGeom prst="rect">
+            <a:avLst/>
+          </a:prstGeom>
+          <a:noFill/>
+        </p:spPr>
+        <p:txBody>
+          <a:bodyPr wrap="square" lIns="0" rIns="0" tIns="0" bIns="0">
+            <a:spAutoFit/>
+          </a:bodyPr>
+          <a:lstStyle/>
+          <a:p>
+            <a:pPr algn="l">
+              <a:lnSpc>
+                <a:spcPct val="100000"/>
+              </a:lnSpc>
+              <a:spcBef>
+                <a:spcPts val="0"/>
+              </a:spcBef>
+              <a:spcAft>
+                <a:spcPts val="0"/>
+              </a:spcAft>
+              <a:defRPr>
+                <a:solidFill>
+                  <a:srgbClr val="E0E0E0"/>
+                </a:solidFill>
+              </a:defRPr>
+            </a:pPr>
+            <a:r>
+              <a:rPr sz="800" b="1">
+                <a:latin typeface="Arial"/>
+              </a:rPr>
+              <a:t>✍️ Notes</a:t>
+            </a:r>
+          </a:p>
+        </p:txBody>
+      </p:sp>
+      <p:sp>
+        <p:nvSpPr>
+          <p:cNvPr id="7" name="TextBox 6"/>
+          <p:cNvSpPr txBox="1"/>
+          <p:nvPr/>
+        </p:nvSpPr>
+        <p:spPr>
+          <a:xfrm>
+            <a:off x="2533649" y="857250"/>
+            <a:ext cx="6610349" cy="274320"/>
+          </a:xfrm>
+          <a:prstGeom prst="rect">
+            <a:avLst/>
+          </a:prstGeom>
+          <a:noFill/>
+        </p:spPr>
+        <p:txBody>
+          <a:bodyPr wrap="square" lIns="0" rIns="0" tIns="0" bIns="0">
+            <a:spAutoFit/>
+          </a:bodyPr>
+          <a:lstStyle/>
+          <a:p>
+            <a:pPr algn="l">
+              <a:lnSpc>
+                <a:spcPct val="100000"/>
+              </a:lnSpc>
+              <a:spcBef>
+                <a:spcPts val="0"/>
+              </a:spcBef>
+              <a:spcAft>
+                <a:spcPts val="0"/>
+              </a:spcAft>
+              <a:defRPr>
+                <a:solidFill>
+                  <a:srgbClr val="E0E0E0"/>
+                </a:solidFill>
+              </a:defRPr>
+            </a:pPr>
+            <a:r>
+              <a:rPr sz="700">
+                <a:latin typeface="Arial"/>
+              </a:rPr>
+              <a:t>All core features are either complete or in progress. Remaining items are performance tuning and UX polish.</a:t>
             </a:r>
           </a:p>
         </p:txBody>
@@ -10158,7 +12163,7 @@
               </a:defRPr>
             </a:pPr>
             <a:r>
-              <a:rPr sz="1000" b="1">
+              <a:rPr sz="900" b="1">
                 <a:latin typeface="Arial"/>
               </a:rPr>
               <a:t>Smart Column Distribution</a:t>
@@ -11256,7 +13261,7 @@
               </a:defRPr>
             </a:pPr>
             <a:r>
-              <a:rPr sz="1000" b="1">
+              <a:rPr sz="900" b="1">
                 <a:latin typeface="Arial"/>
               </a:rPr>
               <a:t>Compact Table Example</a:t>
@@ -12156,7 +14161,7 @@
               </a:defRPr>
             </a:pPr>
             <a:r>
-              <a:rPr b="1" sz="1000">
+              <a:rPr b="1" sz="700">
                 <a:latin typeface="Arial"/>
               </a:rPr>
               <a:t>Key Features:</a:t>
@@ -12200,23 +14205,23 @@
               </a:defRPr>
             </a:pPr>
             <a:r>
-              <a:rPr sz="1000"/>
+              <a:rPr sz="700"/>
               <a:t>• </a:t>
             </a:r>
             <a:r>
-              <a:rPr sz="1000">
+              <a:rPr sz="700">
                 <a:latin typeface="Arial"/>
               </a:rPr>
               <a:t>✅ </a:t>
             </a:r>
             <a:r>
-              <a:rPr b="1" sz="1000">
+              <a:rPr b="1" sz="700">
                 <a:latin typeface="Arial"/>
               </a:rPr>
               <a:t>HTML auto-width</a:t>
             </a:r>
             <a:r>
-              <a:rPr sz="1000">
+              <a:rPr sz="700">
                 <a:latin typeface="Arial"/>
               </a:rPr>
               <a:t>: Columns sized by content, not equal distribution</a:t>
@@ -12231,23 +14236,23 @@
               </a:defRPr>
             </a:pPr>
             <a:r>
-              <a:rPr sz="1000"/>
+              <a:rPr sz="700"/>
               <a:t>• </a:t>
             </a:r>
             <a:r>
-              <a:rPr sz="1000">
+              <a:rPr sz="700">
                 <a:latin typeface="Arial"/>
               </a:rPr>
               <a:t>✅ </a:t>
             </a:r>
             <a:r>
-              <a:rPr b="1" sz="1000">
+              <a:rPr b="1" sz="700">
                 <a:latin typeface="Arial"/>
               </a:rPr>
               <a:t>Theme-aware borders</a:t>
             </a:r>
             <a:r>
-              <a:rPr sz="1000">
+              <a:rPr sz="700">
                 <a:latin typeface="Arial"/>
               </a:rPr>
               <a:t>: Dark theme uses light borders, default uses dark</a:t>
@@ -12262,23 +14267,23 @@
               </a:defRPr>
             </a:pPr>
             <a:r>
-              <a:rPr sz="1000"/>
+              <a:rPr sz="700"/>
               <a:t>• </a:t>
             </a:r>
             <a:r>
-              <a:rPr sz="1000">
+              <a:rPr sz="700">
                 <a:latin typeface="Arial"/>
               </a:rPr>
               <a:t>✅ </a:t>
             </a:r>
             <a:r>
-              <a:rPr b="1" sz="1000">
+              <a:rPr b="1" sz="700">
                 <a:latin typeface="Arial"/>
               </a:rPr>
               <a:t>Native PowerPoint tables</a:t>
             </a:r>
             <a:r>
-              <a:rPr sz="1000">
+              <a:rPr sz="700">
                 <a:latin typeface="Arial"/>
               </a:rPr>
               <a:t>: Perfect compatibility and professional appearance</a:t>
@@ -12390,7 +14395,7 @@
               </a:defRPr>
             </a:pPr>
             <a:r>
-              <a:rPr sz="1000" b="1">
+              <a:rPr sz="900" b="1">
                 <a:latin typeface="Arial"/>
               </a:rPr>
               <a:t>Default Theme Features</a:t>
@@ -12434,17 +14439,17 @@
               </a:defRPr>
             </a:pPr>
             <a:r>
-              <a:rPr sz="1000"/>
+              <a:rPr sz="700"/>
               <a:t>• </a:t>
             </a:r>
             <a:r>
-              <a:rPr b="1" sz="1000">
+              <a:rPr b="1" sz="700">
                 <a:latin typeface="Arial"/>
               </a:rPr>
               <a:t>Light background</a:t>
             </a:r>
             <a:r>
-              <a:rPr sz="1000">
+              <a:rPr sz="700">
                 <a:latin typeface="Arial"/>
               </a:rPr>
               <a:t> with dark text</a:t>
@@ -12459,17 +14464,17 @@
               </a:defRPr>
             </a:pPr>
             <a:r>
-              <a:rPr sz="1000"/>
+              <a:rPr sz="700"/>
               <a:t>• </a:t>
             </a:r>
             <a:r>
-              <a:rPr b="1" sz="1000">
+              <a:rPr b="1" sz="700">
                 <a:latin typeface="Arial"/>
               </a:rPr>
               <a:t>Black borders</a:t>
             </a:r>
             <a:r>
-              <a:rPr sz="1000">
+              <a:rPr sz="700">
                 <a:latin typeface="Arial"/>
               </a:rPr>
               <a:t> on tables for clear definition</a:t>
@@ -12484,17 +14489,17 @@
               </a:defRPr>
             </a:pPr>
             <a:r>
-              <a:rPr sz="1000"/>
+              <a:rPr sz="700"/>
               <a:t>• </a:t>
             </a:r>
             <a:r>
-              <a:rPr b="1" sz="1000">
+              <a:rPr b="1" sz="700">
                 <a:latin typeface="Arial"/>
               </a:rPr>
               <a:t>Professional color scheme</a:t>
             </a:r>
             <a:r>
-              <a:rPr sz="1000">
+              <a:rPr sz="700">
                 <a:latin typeface="Arial"/>
               </a:rPr>
               <a:t> suitable for business presentations</a:t>
@@ -12509,17 +14514,17 @@
               </a:defRPr>
             </a:pPr>
             <a:r>
-              <a:rPr sz="1000"/>
+              <a:rPr sz="700"/>
               <a:t>• </a:t>
             </a:r>
             <a:r>
-              <a:rPr b="1" sz="1000">
+              <a:rPr b="1" sz="700">
                 <a:latin typeface="Arial"/>
               </a:rPr>
               <a:t>High contrast</a:t>
             </a:r>
             <a:r>
-              <a:rPr sz="1000">
+              <a:rPr sz="700">
                 <a:latin typeface="Arial"/>
               </a:rPr>
               <a:t> for excellent readability</a:t>
@@ -12566,7 +14571,7 @@
               </a:defRPr>
             </a:pPr>
             <a:r>
-              <a:rPr sz="1000" b="1">
+              <a:rPr sz="900" b="1">
                 <a:latin typeface="Arial"/>
               </a:rPr>
               <a:t>Dark Theme Features</a:t>
@@ -12610,17 +14615,17 @@
               </a:defRPr>
             </a:pPr>
             <a:r>
-              <a:rPr sz="1000"/>
+              <a:rPr sz="700"/>
               <a:t>• </a:t>
             </a:r>
             <a:r>
-              <a:rPr b="1" sz="1000">
+              <a:rPr b="1" sz="700">
                 <a:latin typeface="Arial"/>
               </a:rPr>
               <a:t>Dark background</a:t>
             </a:r>
             <a:r>
-              <a:rPr sz="1000">
+              <a:rPr sz="700">
                 <a:latin typeface="Arial"/>
               </a:rPr>
               <a:t> (#1a1a1a) for modern appearance</a:t>
@@ -12635,17 +14640,17 @@
               </a:defRPr>
             </a:pPr>
             <a:r>
-              <a:rPr sz="1000"/>
+              <a:rPr sz="700"/>
               <a:t>• </a:t>
             </a:r>
             <a:r>
-              <a:rPr b="1" sz="1000">
+              <a:rPr b="1" sz="700">
                 <a:latin typeface="Arial"/>
               </a:rPr>
               <a:t>Light gray borders</a:t>
             </a:r>
             <a:r>
-              <a:rPr sz="1000">
+              <a:rPr sz="700">
                 <a:latin typeface="Arial"/>
               </a:rPr>
               <a:t> (#e0e0e0) for visibility on dark background</a:t>
@@ -12660,17 +14665,17 @@
               </a:defRPr>
             </a:pPr>
             <a:r>
-              <a:rPr sz="1000"/>
+              <a:rPr sz="700"/>
               <a:t>• </a:t>
             </a:r>
             <a:r>
-              <a:rPr b="1" sz="1000">
+              <a:rPr b="1" sz="700">
                 <a:latin typeface="Arial"/>
               </a:rPr>
               <a:t>White text</a:t>
             </a:r>
             <a:r>
-              <a:rPr sz="1000">
+              <a:rPr sz="700">
                 <a:latin typeface="Arial"/>
               </a:rPr>
               <a:t> for optimal contrast</a:t>
@@ -12685,17 +14690,17 @@
               </a:defRPr>
             </a:pPr>
             <a:r>
-              <a:rPr sz="1000"/>
+              <a:rPr sz="700"/>
               <a:t>• </a:t>
             </a:r>
             <a:r>
-              <a:rPr b="1" sz="1000">
+              <a:rPr b="1" sz="700">
                 <a:latin typeface="Arial"/>
               </a:rPr>
               <a:t>Contemporary design</a:t>
             </a:r>
             <a:r>
-              <a:rPr sz="1000">
+              <a:rPr sz="700">
                 <a:latin typeface="Arial"/>
               </a:rPr>
               <a:t> perfect for tech presentations</a:t>
@@ -12807,7 +14812,7 @@
               </a:defRPr>
             </a:pPr>
             <a:r>
-              <a:rPr sz="1000" b="1">
+              <a:rPr sz="900" b="1">
                 <a:latin typeface="Arial"/>
               </a:rPr>
               <a:t>Python Example</a:t>
@@ -12911,7 +14916,7 @@
               </a:defRPr>
             </a:pPr>
             <a:r>
-              <a:rPr sz="1000" b="1">
+              <a:rPr sz="900" b="1">
                 <a:latin typeface="Arial"/>
               </a:rPr>
               <a:t>JavaScript Example</a:t>
@@ -13016,7 +15021,7 @@
               </a:defRPr>
             </a:pPr>
             <a:r>
-              <a:rPr sz="1000" b="1">
+              <a:rPr sz="900" b="1">
                 <a:latin typeface="Arial"/>
               </a:rPr>
               <a:t>SQL Example</a:t>
@@ -13206,7 +15211,7 @@
               </a:defRPr>
             </a:pPr>
             <a:r>
-              <a:rPr sz="1000" b="1">
+              <a:rPr sz="900" b="1">
                 <a:latin typeface="Arial"/>
               </a:rPr>
               <a:t>Unordered Lists</a:t>
@@ -13250,17 +15255,17 @@
               </a:defRPr>
             </a:pPr>
             <a:r>
-              <a:rPr sz="1000"/>
+              <a:rPr sz="700"/>
               <a:t>• </a:t>
             </a:r>
             <a:r>
-              <a:rPr b="1" sz="1000">
+              <a:rPr b="1" sz="700">
                 <a:latin typeface="Arial"/>
               </a:rPr>
               <a:t>Primary feature</a:t>
             </a:r>
             <a:r>
-              <a:rPr sz="1000">
+              <a:rPr sz="700">
                 <a:latin typeface="Arial"/>
               </a:rPr>
               <a:t>: Full markdown support</a:t>
@@ -13275,17 +15280,17 @@
               </a:defRPr>
             </a:pPr>
             <a:r>
-              <a:rPr sz="1000"/>
+              <a:rPr sz="700"/>
               <a:t>• </a:t>
             </a:r>
             <a:r>
-              <a:rPr b="1" sz="1000">
+              <a:rPr b="1" sz="700">
                 <a:latin typeface="Arial"/>
               </a:rPr>
               <a:t>Secondary feature</a:t>
             </a:r>
             <a:r>
-              <a:rPr sz="1000">
+              <a:rPr sz="700">
                 <a:latin typeface="Arial"/>
               </a:rPr>
               <a:t>: Inline styling within lists</a:t>
@@ -13300,17 +15305,17 @@
               </a:defRPr>
             </a:pPr>
             <a:r>
-              <a:rPr sz="1000"/>
+              <a:rPr sz="700"/>
               <a:t>• </a:t>
             </a:r>
             <a:r>
-              <a:rPr i="1" sz="1000">
+              <a:rPr i="1" sz="700">
                 <a:latin typeface="Arial"/>
               </a:rPr>
               <a:t>Nested items</a:t>
             </a:r>
             <a:r>
-              <a:rPr sz="1000">
+              <a:rPr sz="700">
                 <a:latin typeface="Arial"/>
               </a:rPr>
               <a:t> with proper indentation</a:t>
@@ -13325,7 +15330,7 @@
               </a:defRPr>
             </a:pPr>
             <a:r>
-              <a:rPr sz="1000"/>
+              <a:rPr sz="700"/>
               <a:t>• </a:t>
             </a:r>
             <a:r>
@@ -13338,7 +15343,7 @@
               <a:t>Code elements</a:t>
             </a:r>
             <a:r>
-              <a:rPr sz="1000">
+              <a:rPr sz="700">
                 <a:latin typeface="Arial"/>
               </a:rPr>
               <a:t> in list items</a:t>
@@ -13353,11 +15358,11 @@
               </a:defRPr>
             </a:pPr>
             <a:r>
-              <a:rPr sz="1000"/>
+              <a:rPr sz="700"/>
               <a:t>• </a:t>
             </a:r>
             <a:r>
-              <a:rPr b="1" sz="1000">
+              <a:rPr b="1" sz="700">
                 <a:solidFill>
                   <a:srgbClr val="FF8C00"/>
                 </a:solidFill>
@@ -13366,7 +15371,7 @@
               <a:t>Highlighted content</a:t>
             </a:r>
             <a:r>
-              <a:rPr sz="1000">
+              <a:rPr sz="700">
                 <a:latin typeface="Arial"/>
               </a:rPr>
               <a:t> for emphasis</a:t>
@@ -13381,17 +15386,17 @@
               </a:defRPr>
             </a:pPr>
             <a:r>
-              <a:rPr sz="1000"/>
+              <a:rPr sz="700"/>
               <a:t>• </a:t>
             </a:r>
             <a:r>
-              <a:rPr b="1" sz="1000">
+              <a:rPr b="1" sz="700">
                 <a:latin typeface="Arial"/>
               </a:rPr>
               <a:t>Tertiary feature</a:t>
             </a:r>
             <a:r>
-              <a:rPr sz="1000">
+              <a:rPr sz="700">
                 <a:latin typeface="Arial"/>
               </a:rPr>
               <a:t>: Multiple nesting levels</a:t>
@@ -13438,7 +15443,7 @@
               </a:defRPr>
             </a:pPr>
             <a:r>
-              <a:rPr sz="1000" b="1">
+              <a:rPr sz="900" b="1">
                 <a:latin typeface="Arial"/>
               </a:rPr>
               <a:t>Ordered Lists</a:t>
@@ -13482,11 +15487,11 @@
               </a:defRPr>
             </a:pPr>
             <a:r>
-              <a:rPr sz="1000"/>
+              <a:rPr sz="700"/>
               <a:t>1. </a:t>
             </a:r>
             <a:r>
-              <a:rPr b="1" sz="1000">
+              <a:rPr b="1" sz="700">
                 <a:latin typeface="Arial"/>
               </a:rPr>
               <a:t>Setup Phase</a:t>
@@ -13501,11 +15506,11 @@
               </a:defRPr>
             </a:pPr>
             <a:r>
-              <a:rPr sz="1000"/>
+              <a:rPr sz="700"/>
               <a:t>1. </a:t>
             </a:r>
             <a:r>
-              <a:rPr sz="1000">
+              <a:rPr sz="700">
                 <a:latin typeface="Arial"/>
               </a:rPr>
               <a:t>Install dependencies with </a:t>
@@ -13529,11 +15534,11 @@
               </a:defRPr>
             </a:pPr>
             <a:r>
-              <a:rPr sz="1000"/>
+              <a:rPr sz="700"/>
               <a:t>2. </a:t>
             </a:r>
             <a:r>
-              <a:rPr sz="1000">
+              <a:rPr sz="700">
                 <a:latin typeface="Arial"/>
               </a:rPr>
               <a:t>Configure environment variables</a:t>
@@ -13548,11 +15553,11 @@
               </a:defRPr>
             </a:pPr>
             <a:r>
-              <a:rPr sz="1000"/>
+              <a:rPr sz="700"/>
               <a:t>3. </a:t>
             </a:r>
             <a:r>
-              <a:rPr sz="1000">
+              <a:rPr sz="700">
                 <a:latin typeface="Arial"/>
               </a:rPr>
               <a:t>Initialize database schema</a:t>
@@ -13567,11 +15572,11 @@
               </a:defRPr>
             </a:pPr>
             <a:r>
-              <a:rPr sz="1000"/>
+              <a:rPr sz="700"/>
               <a:t>2. </a:t>
             </a:r>
             <a:r>
-              <a:rPr b="1" sz="1000">
+              <a:rPr b="1" sz="700">
                 <a:latin typeface="Arial"/>
               </a:rPr>
               <a:t>Development Phase</a:t>
@@ -13586,17 +15591,17 @@
               </a:defRPr>
             </a:pPr>
             <a:r>
-              <a:rPr sz="1000"/>
+              <a:rPr sz="700"/>
               <a:t>1. </a:t>
             </a:r>
             <a:r>
-              <a:rPr sz="1000">
+              <a:rPr sz="700">
                 <a:latin typeface="Arial"/>
               </a:rPr>
               <a:t>Write </a:t>
             </a:r>
             <a:r>
-              <a:rPr b="1" sz="1000">
+              <a:rPr b="1" sz="700">
                 <a:solidFill>
                   <a:srgbClr val="FF8C00"/>
                 </a:solidFill>
@@ -13614,17 +15619,17 @@
               </a:defRPr>
             </a:pPr>
             <a:r>
-              <a:rPr sz="1000"/>
+              <a:rPr sz="700"/>
               <a:t>2. </a:t>
             </a:r>
             <a:r>
-              <a:rPr sz="1000">
+              <a:rPr sz="700">
                 <a:latin typeface="Arial"/>
               </a:rPr>
               <a:t>Add comprehensive </a:t>
             </a:r>
             <a:r>
-              <a:rPr i="1" sz="1000">
+              <a:rPr i="1" sz="700">
                 <a:latin typeface="Arial"/>
               </a:rPr>
               <a:t>unit tests</a:t>
@@ -13639,17 +15644,17 @@
               </a:defRPr>
             </a:pPr>
             <a:r>
-              <a:rPr sz="1000"/>
+              <a:rPr sz="700"/>
               <a:t>3. </a:t>
             </a:r>
             <a:r>
-              <a:rPr sz="1000">
+              <a:rPr sz="700">
                 <a:latin typeface="Arial"/>
               </a:rPr>
               <a:t>Document </a:t>
             </a:r>
             <a:r>
-              <a:rPr b="1" sz="1000">
+              <a:rPr b="1" sz="700">
                 <a:latin typeface="Arial"/>
               </a:rPr>
               <a:t>public APIs</a:t>
@@ -13664,11 +15669,11 @@
               </a:defRPr>
             </a:pPr>
             <a:r>
-              <a:rPr sz="1000"/>
+              <a:rPr sz="700"/>
               <a:t>3. </a:t>
             </a:r>
             <a:r>
-              <a:rPr b="1" sz="1000">
+              <a:rPr b="1" sz="700">
                 <a:latin typeface="Arial"/>
               </a:rPr>
               <a:t>Deployment Phase</a:t>
@@ -13683,11 +15688,11 @@
               </a:defRPr>
             </a:pPr>
             <a:r>
-              <a:rPr sz="1000"/>
+              <a:rPr sz="700"/>
               <a:t>1. </a:t>
             </a:r>
             <a:r>
-              <a:rPr sz="1000">
+              <a:rPr sz="700">
                 <a:latin typeface="Arial"/>
               </a:rPr>
               <a:t>Run </a:t>
@@ -13702,7 +15707,7 @@
               <a:t>pytest</a:t>
             </a:r>
             <a:r>
-              <a:rPr sz="1000">
+              <a:rPr sz="700">
                 <a:latin typeface="Arial"/>
               </a:rPr>
               <a:t> for quality assurance</a:t>
@@ -13717,17 +15722,17 @@
               </a:defRPr>
             </a:pPr>
             <a:r>
-              <a:rPr sz="1000"/>
+              <a:rPr sz="700"/>
               <a:t>2. </a:t>
             </a:r>
             <a:r>
-              <a:rPr sz="1000">
+              <a:rPr sz="700">
                 <a:latin typeface="Arial"/>
               </a:rPr>
               <a:t>Deploy to </a:t>
             </a:r>
             <a:r>
-              <a:rPr b="1" sz="1000">
+              <a:rPr b="1" sz="700">
                 <a:solidFill>
                   <a:srgbClr val="FF8C00"/>
                 </a:solidFill>
@@ -13745,17 +15750,17 @@
               </a:defRPr>
             </a:pPr>
             <a:r>
-              <a:rPr sz="1000"/>
+              <a:rPr sz="700"/>
               <a:t>3. </a:t>
             </a:r>
             <a:r>
-              <a:rPr sz="1000">
+              <a:rPr sz="700">
                 <a:latin typeface="Arial"/>
               </a:rPr>
               <a:t>Monitor </a:t>
             </a:r>
             <a:r>
-              <a:rPr i="1" sz="1000">
+              <a:rPr i="1" sz="700">
                 <a:latin typeface="Arial"/>
               </a:rPr>
               <a:t>system performance</a:t>
@@ -13867,7 +15872,7 @@
               </a:defRPr>
             </a:pPr>
             <a:r>
-              <a:rPr sz="1000" b="1">
+              <a:rPr sz="900" b="1">
                 <a:latin typeface="Arial"/>
               </a:rPr>
               <a:t>Core Components</a:t>
@@ -14737,7 +16742,7 @@
               </a:defRPr>
             </a:pPr>
             <a:r>
-              <a:rPr sz="1000" b="1">
+              <a:rPr sz="900" b="1">
                 <a:latin typeface="Arial"/>
               </a:rPr>
               <a:t>Processing Pipeline</a:t>
@@ -14784,7 +16789,7 @@
               </a:defRPr>
             </a:pPr>
             <a:r>
-              <a:rPr sz="1000">
+              <a:rPr sz="700">
                 <a:latin typeface="Arial"/>
               </a:rPr>
               <a:t>The system processes content through these stages:</a:t>
@@ -14828,17 +16833,17 @@
               </a:defRPr>
             </a:pPr>
             <a:r>
-              <a:rPr sz="1000"/>
+              <a:rPr sz="700"/>
               <a:t>1. </a:t>
             </a:r>
             <a:r>
-              <a:rPr b="1" sz="1000">
+              <a:rPr b="1" sz="700">
                 <a:latin typeface="Arial"/>
               </a:rPr>
               <a:t>Markdown Input</a:t>
             </a:r>
             <a:r>
-              <a:rPr sz="1000">
+              <a:rPr sz="700">
                 <a:latin typeface="Arial"/>
               </a:rPr>
               <a:t> → Parse with markdown-it-py</a:t>
@@ -14853,17 +16858,17 @@
               </a:defRPr>
             </a:pPr>
             <a:r>
-              <a:rPr sz="1000"/>
+              <a:rPr sz="700"/>
               <a:t>2. </a:t>
             </a:r>
             <a:r>
-              <a:rPr b="1" sz="1000">
+              <a:rPr b="1" sz="700">
                 <a:latin typeface="Arial"/>
               </a:rPr>
               <a:t>HTML Generation</a:t>
             </a:r>
             <a:r>
-              <a:rPr sz="1000">
+              <a:rPr sz="700">
                 <a:latin typeface="Arial"/>
               </a:rPr>
               <a:t> → Add inline styling support</a:t>
@@ -14878,17 +16883,17 @@
               </a:defRPr>
             </a:pPr>
             <a:r>
-              <a:rPr sz="1000"/>
+              <a:rPr sz="700"/>
               <a:t>3. </a:t>
             </a:r>
             <a:r>
-              <a:rPr b="1" sz="1000">
+              <a:rPr b="1" sz="700">
                 <a:latin typeface="Arial"/>
               </a:rPr>
               <a:t>Browser Layout</a:t>
             </a:r>
             <a:r>
-              <a:rPr sz="1000">
+              <a:rPr sz="700">
                 <a:latin typeface="Arial"/>
               </a:rPr>
               <a:t> → Measure with Puppeteer engine</a:t>
@@ -14903,17 +16908,17 @@
               </a:defRPr>
             </a:pPr>
             <a:r>
-              <a:rPr sz="1000"/>
+              <a:rPr sz="700"/>
               <a:t>4. </a:t>
             </a:r>
             <a:r>
-              <a:rPr b="1" sz="1000">
+              <a:rPr b="1" sz="700">
                 <a:latin typeface="Arial"/>
               </a:rPr>
               <a:t>Block Positioning</a:t>
             </a:r>
             <a:r>
-              <a:rPr sz="1000">
+              <a:rPr sz="700">
                 <a:latin typeface="Arial"/>
               </a:rPr>
               <a:t> → Calculate precise coordinates</a:t>
@@ -14928,17 +16933,17 @@
               </a:defRPr>
             </a:pPr>
             <a:r>
-              <a:rPr sz="1000"/>
+              <a:rPr sz="700"/>
               <a:t>5. </a:t>
             </a:r>
             <a:r>
-              <a:rPr b="1" sz="1000">
+              <a:rPr b="1" sz="700">
                 <a:latin typeface="Arial"/>
               </a:rPr>
               <a:t>PowerPoint Output</a:t>
             </a:r>
             <a:r>
-              <a:rPr sz="1000">
+              <a:rPr sz="700">
                 <a:latin typeface="Arial"/>
               </a:rPr>
               <a:t> → Generate native PPTX format</a:t>
@@ -15050,7 +17055,7 @@
               </a:defRPr>
             </a:pPr>
             <a:r>
-              <a:rPr sz="1000" b="1">
+              <a:rPr sz="900" b="1">
                 <a:latin typeface="Arial"/>
               </a:rPr>
               <a:t>Intelligent Pagination</a:t>
@@ -15097,19 +17102,19 @@
               </a:defRPr>
             </a:pPr>
             <a:r>
-              <a:rPr sz="1000">
+              <a:rPr sz="700">
                 <a:latin typeface="Arial"/>
               </a:rPr>
               <a:t>The system uses </a:t>
             </a:r>
             <a:r>
-              <a:rPr b="1" sz="1000">
+              <a:rPr b="1" sz="700">
                 <a:latin typeface="Arial"/>
               </a:rPr>
               <a:t>browser-based measurement</a:t>
             </a:r>
             <a:r>
-              <a:rPr sz="1000">
+              <a:rPr sz="700">
                 <a:latin typeface="Arial"/>
               </a:rPr>
               <a:t> for accurate pagination:</a:t>
@@ -15153,23 +17158,23 @@
               </a:defRPr>
             </a:pPr>
             <a:r>
-              <a:rPr sz="1000"/>
+              <a:rPr sz="700"/>
               <a:t>• </a:t>
             </a:r>
             <a:r>
-              <a:rPr sz="1000">
+              <a:rPr sz="700">
                 <a:latin typeface="Arial"/>
               </a:rPr>
               <a:t>✅ </a:t>
             </a:r>
             <a:r>
-              <a:rPr b="1" sz="1000">
+              <a:rPr b="1" sz="700">
                 <a:latin typeface="Arial"/>
               </a:rPr>
               <a:t>Boundary detection</a:t>
             </a:r>
             <a:r>
-              <a:rPr sz="1000">
+              <a:rPr sz="700">
                 <a:latin typeface="Arial"/>
               </a:rPr>
               <a:t>: Content exceeding slide limits automatically flows to next slide</a:t>
@@ -15184,23 +17189,23 @@
               </a:defRPr>
             </a:pPr>
             <a:r>
-              <a:rPr sz="1000"/>
+              <a:rPr sz="700"/>
               <a:t>• </a:t>
             </a:r>
             <a:r>
-              <a:rPr sz="1000">
+              <a:rPr sz="700">
                 <a:latin typeface="Arial"/>
               </a:rPr>
               <a:t>✅ </a:t>
             </a:r>
             <a:r>
-              <a:rPr b="1" sz="1000">
+              <a:rPr b="1" sz="700">
                 <a:latin typeface="Arial"/>
               </a:rPr>
               <a:t>Relative positioning</a:t>
             </a:r>
             <a:r>
-              <a:rPr sz="1000">
+              <a:rPr sz="700">
                 <a:latin typeface="Arial"/>
               </a:rPr>
               <a:t>: Accounts for CSS margins and spacing</a:t>
@@ -15215,23 +17220,23 @@
               </a:defRPr>
             </a:pPr>
             <a:r>
-              <a:rPr sz="1000"/>
+              <a:rPr sz="700"/>
               <a:t>• </a:t>
             </a:r>
             <a:r>
-              <a:rPr sz="1000">
+              <a:rPr sz="700">
                 <a:latin typeface="Arial"/>
               </a:rPr>
               <a:t>✅ </a:t>
             </a:r>
             <a:r>
-              <a:rPr b="1" sz="1000">
+              <a:rPr b="1" sz="700">
                 <a:latin typeface="Arial"/>
               </a:rPr>
               <a:t>Overflow prevention</a:t>
             </a:r>
             <a:r>
-              <a:rPr sz="1000">
+              <a:rPr sz="700">
                 <a:latin typeface="Arial"/>
               </a:rPr>
               <a:t>: No content extends beyond slide boundaries</a:t>
@@ -15246,23 +17251,23 @@
               </a:defRPr>
             </a:pPr>
             <a:r>
-              <a:rPr sz="1000"/>
+              <a:rPr sz="700"/>
               <a:t>• </a:t>
             </a:r>
             <a:r>
-              <a:rPr sz="1000">
+              <a:rPr sz="700">
                 <a:latin typeface="Arial"/>
               </a:rPr>
               <a:t>✅ </a:t>
             </a:r>
             <a:r>
-              <a:rPr b="1" sz="1000">
+              <a:rPr b="1" sz="700">
                 <a:latin typeface="Arial"/>
               </a:rPr>
               <a:t>Smart breaks</a:t>
             </a:r>
             <a:r>
-              <a:rPr sz="1000">
+              <a:rPr sz="700">
                 <a:latin typeface="Arial"/>
               </a:rPr>
               <a:t>: Preserves logical content grouping where possible</a:t>
@@ -15309,7 +17314,7 @@
               </a:defRPr>
             </a:pPr>
             <a:r>
-              <a:rPr sz="1000" b="1">
+              <a:rPr sz="900" b="1">
                 <a:latin typeface="Arial"/>
               </a:rPr>
               <a:t>Layout Quality</a:t>
@@ -15353,17 +17358,17 @@
               </a:defRPr>
             </a:pPr>
             <a:r>
-              <a:rPr sz="1000"/>
+              <a:rPr sz="700"/>
               <a:t>• </a:t>
             </a:r>
             <a:r>
-              <a:rPr b="1" sz="1000">
+              <a:rPr b="1" sz="700">
                 <a:latin typeface="Arial"/>
               </a:rPr>
               <a:t>Pixel-perfect positioning</a:t>
             </a:r>
             <a:r>
-              <a:rPr sz="1000">
+              <a:rPr sz="700">
                 <a:latin typeface="Arial"/>
               </a:rPr>
               <a:t> using browser layout engine</a:t>
@@ -15378,17 +17383,17 @@
               </a:defRPr>
             </a:pPr>
             <a:r>
-              <a:rPr sz="1000"/>
+              <a:rPr sz="700"/>
               <a:t>• </a:t>
             </a:r>
             <a:r>
-              <a:rPr b="1" sz="1000">
+              <a:rPr b="1" sz="700">
                 <a:latin typeface="Arial"/>
               </a:rPr>
               <a:t>Consistent spacing</a:t>
             </a:r>
             <a:r>
-              <a:rPr sz="1000">
+              <a:rPr sz="700">
                 <a:latin typeface="Arial"/>
               </a:rPr>
               <a:t> matching CSS specifications</a:t>
@@ -15403,17 +17408,17 @@
               </a:defRPr>
             </a:pPr>
             <a:r>
-              <a:rPr sz="1000"/>
+              <a:rPr sz="700"/>
               <a:t>• </a:t>
             </a:r>
             <a:r>
-              <a:rPr b="1" sz="1000">
+              <a:rPr b="1" sz="700">
                 <a:latin typeface="Arial"/>
               </a:rPr>
               <a:t>Professional typography</a:t>
             </a:r>
             <a:r>
-              <a:rPr sz="1000">
+              <a:rPr sz="700">
                 <a:latin typeface="Arial"/>
               </a:rPr>
               <a:t> with proper font rendering</a:t>
@@ -15428,17 +17433,17 @@
               </a:defRPr>
             </a:pPr>
             <a:r>
-              <a:rPr sz="1000"/>
+              <a:rPr sz="700"/>
               <a:t>• </a:t>
             </a:r>
             <a:r>
-              <a:rPr b="1" sz="1000">
+              <a:rPr b="1" sz="700">
                 <a:latin typeface="Arial"/>
               </a:rPr>
               <a:t>Responsive design</a:t>
             </a:r>
             <a:r>
-              <a:rPr sz="1000">
+              <a:rPr sz="700">
                 <a:latin typeface="Arial"/>
               </a:rPr>
               <a:t> adapting to different content types</a:t>

--- a/output/comprehensive_demo_dark.pptx
+++ b/output/comprehensive_demo_dark.pptx
@@ -3100,6 +3100,14 @@
 <file path=ppt/slides/slide1.xml><?xml version="1.0" encoding="utf-8"?>
 <p:sld xmlns:a="http://schemas.openxmlformats.org/drawingml/2006/main" xmlns:p="http://schemas.openxmlformats.org/presentationml/2006/main" xmlns:r="http://schemas.openxmlformats.org/officeDocument/2006/relationships">
   <p:cSld>
+    <p:bg>
+      <p:bgPr>
+        <a:solidFill>
+          <a:srgbClr val="1A1A1A"/>
+        </a:solidFill>
+        <a:effectLst/>
+      </p:bgPr>
+    </p:bg>
     <p:spTree>
       <p:nvGrpSpPr>
         <p:cNvPr id="1" name=""/>
@@ -3116,6 +3124,56 @@
         <p:spPr>
           <a:xfrm>
             <a:off x="200025" y="180975"/>
+            <a:ext cx="8943975" cy="361950"/>
+          </a:xfrm>
+          <a:prstGeom prst="rect">
+            <a:avLst/>
+          </a:prstGeom>
+          <a:noFill/>
+        </p:spPr>
+        <p:txBody>
+          <a:bodyPr wrap="square" lIns="0" rIns="0" tIns="0" bIns="0">
+            <a:spAutoFit/>
+          </a:bodyPr>
+          <a:lstStyle/>
+          <a:p>
+            <a:pPr algn="l">
+              <a:lnSpc>
+                <a:spcPct val="100000"/>
+              </a:lnSpc>
+              <a:spcBef>
+                <a:spcPts val="0"/>
+              </a:spcBef>
+              <a:spcAft>
+                <a:spcPts val="0"/>
+              </a:spcAft>
+              <a:defRPr>
+                <a:solidFill>
+                  <a:srgbClr val="E0E0E0"/>
+                </a:solidFill>
+              </a:defRPr>
+            </a:pPr>
+            <a:r>
+              <a:rPr sz="1200" b="1">
+                <a:solidFill>
+                  <a:srgbClr val="E0E0E0"/>
+                </a:solidFill>
+                <a:latin typeface="Arial"/>
+              </a:rPr>
+              <a:t>🚀 Slide Generator - Complete Feature Demo</a:t>
+            </a:r>
+          </a:p>
+        </p:txBody>
+      </p:sp>
+      <p:sp>
+        <p:nvSpPr>
+          <p:cNvPr id="3" name="TextBox 2"/>
+          <p:cNvSpPr txBox="1"/>
+          <p:nvPr/>
+        </p:nvSpPr>
+        <p:spPr>
+          <a:xfrm>
+            <a:off x="200025" y="542925"/>
             <a:ext cx="8943975" cy="274320"/>
           </a:xfrm>
           <a:prstGeom prst="rect">
@@ -3146,23 +3204,62 @@
               </a:defRPr>
             </a:pPr>
             <a:r>
-              <a:rPr sz="1200" b="1">
-                <a:latin typeface="Arial"/>
-              </a:rPr>
-              <a:t>🚀 Slide Generator - Complete Feature Demo</a:t>
+              <a:rPr sz="700">
+                <a:solidFill>
+                  <a:srgbClr val="E0E0E0"/>
+                </a:solidFill>
+                <a:latin typeface="Arial"/>
+              </a:rPr>
+              <a:t>Welcome to the </a:t>
+            </a:r>
+            <a:r>
+              <a:rPr b="1" sz="700">
+                <a:solidFill>
+                  <a:srgbClr val="E0E0E0"/>
+                </a:solidFill>
+                <a:latin typeface="Arial"/>
+              </a:rPr>
+              <a:t>comprehensive demonstration</a:t>
+            </a:r>
+            <a:r>
+              <a:rPr sz="700">
+                <a:solidFill>
+                  <a:srgbClr val="E0E0E0"/>
+                </a:solidFill>
+                <a:latin typeface="Arial"/>
+              </a:rPr>
+              <a:t> of the </a:t>
+            </a:r>
+            <a:r>
+              <a:rPr i="1" sz="700">
+                <a:solidFill>
+                  <a:srgbClr val="E0E0E0"/>
+                </a:solidFill>
+                <a:latin typeface="Arial"/>
+              </a:rPr>
+              <a:t>Slide Generator</a:t>
+            </a:r>
+            <a:r>
+              <a:rPr sz="700">
+                <a:solidFill>
+                  <a:srgbClr val="E0E0E0"/>
+                </a:solidFill>
+                <a:latin typeface="Arial"/>
+              </a:rPr>
+              <a:t>!</a:t>
             </a:r>
           </a:p>
         </p:txBody>
       </p:sp>
       <p:sp>
         <p:nvSpPr>
-          <p:cNvPr id="3" name="TextBox 2"/>
+          <p:cNvPr id="4" name="TextBox 3"/>
           <p:cNvSpPr txBox="1"/>
           <p:nvPr/>
         </p:nvSpPr>
         <p:spPr>
           <a:xfrm>
-            <a:off x="200025" y="561974"/>
+            <a:off x="200025" y="771525"/>
             <a:ext cx="8943975" cy="274320"/>
           </a:xfrm>
           <a:prstGeom prst="rect">
@@ -3194,85 +3291,17 @@
             </a:pPr>
             <a:r>
               <a:rPr sz="700">
-                <a:latin typeface="Arial"/>
-              </a:rPr>
-              <a:t>Welcome to the </a:t>
+                <a:solidFill>
+                  <a:srgbClr val="E0E0E0"/>
+                </a:solidFill>
+                <a:latin typeface="Arial"/>
+              </a:rPr>
+              <a:t>This presentation showcases </a:t>
             </a:r>
             <a:r>
               <a:rPr b="1" sz="700">
-                <a:latin typeface="Arial"/>
-              </a:rPr>
-              <a:t>comprehensive demonstration</a:t>
-            </a:r>
-            <a:r>
-              <a:rPr sz="700">
-                <a:latin typeface="Arial"/>
-              </a:rPr>
-              <a:t> of the </a:t>
-            </a:r>
-            <a:r>
-              <a:rPr i="1" sz="700">
-                <a:latin typeface="Arial"/>
-              </a:rPr>
-              <a:t>Slide Generator</a:t>
-            </a:r>
-            <a:r>
-              <a:rPr sz="700">
-                <a:latin typeface="Arial"/>
-              </a:rPr>
-              <a:t>!</a:t>
-            </a:r>
-          </a:p>
-        </p:txBody>
-      </p:sp>
-      <p:sp>
-        <p:nvSpPr>
-          <p:cNvPr id="4" name="TextBox 3"/>
-          <p:cNvSpPr txBox="1"/>
-          <p:nvPr/>
-        </p:nvSpPr>
-        <p:spPr>
-          <a:xfrm>
-            <a:off x="200025" y="800100"/>
-            <a:ext cx="8943975" cy="274320"/>
-          </a:xfrm>
-          <a:prstGeom prst="rect">
-            <a:avLst/>
-          </a:prstGeom>
-          <a:noFill/>
-        </p:spPr>
-        <p:txBody>
-          <a:bodyPr wrap="square" lIns="0" rIns="0" tIns="0" bIns="0">
-            <a:spAutoFit/>
-          </a:bodyPr>
-          <a:lstStyle/>
-          <a:p>
-            <a:pPr algn="l">
-              <a:lnSpc>
-                <a:spcPct val="100000"/>
-              </a:lnSpc>
-              <a:spcBef>
-                <a:spcPts val="0"/>
-              </a:spcBef>
-              <a:spcAft>
-                <a:spcPts val="0"/>
-              </a:spcAft>
-              <a:defRPr>
-                <a:solidFill>
-                  <a:srgbClr val="E0E0E0"/>
-                </a:solidFill>
-              </a:defRPr>
-            </a:pPr>
-            <a:r>
-              <a:rPr sz="700">
-                <a:latin typeface="Arial"/>
-              </a:rPr>
-              <a:t>This presentation showcases </a:t>
-            </a:r>
-            <a:r>
-              <a:rPr b="1" sz="700">
-                <a:solidFill>
-                  <a:srgbClr val="FF8C00"/>
+                <a:solidFill>
+                  <a:srgbClr val="FFCC00"/>
                 </a:solidFill>
                 <a:latin typeface="Arial"/>
               </a:rPr>
@@ -3280,6 +3309,9 @@
             </a:r>
             <a:r>
               <a:rPr sz="700">
+                <a:solidFill>
+                  <a:srgbClr val="E0E0E0"/>
+                </a:solidFill>
                 <a:latin typeface="Arial"/>
               </a:rPr>
               <a:t> including </a:t>
@@ -3295,6 +3327,9 @@
             </a:r>
             <a:r>
               <a:rPr sz="700">
+                <a:solidFill>
+                  <a:srgbClr val="E0E0E0"/>
+                </a:solidFill>
                 <a:latin typeface="Arial"/>
               </a:rPr>
               <a:t>, tables, themes, and more.</a:t>
@@ -3313,6 +3348,14 @@
 <file path=ppt/slides/slide10.xml><?xml version="1.0" encoding="utf-8"?>
 <p:sld xmlns:a="http://schemas.openxmlformats.org/drawingml/2006/main" xmlns:p="http://schemas.openxmlformats.org/presentationml/2006/main" xmlns:r="http://schemas.openxmlformats.org/officeDocument/2006/relationships">
   <p:cSld>
+    <p:bg>
+      <p:bgPr>
+        <a:solidFill>
+          <a:srgbClr val="1A1A1A"/>
+        </a:solidFill>
+        <a:effectLst/>
+      </p:bgPr>
+    </p:bg>
     <p:spTree>
       <p:nvGrpSpPr>
         <p:cNvPr id="1" name=""/>
@@ -3329,7 +3372,7 @@
         <p:spPr>
           <a:xfrm>
             <a:off x="200025" y="180975"/>
-            <a:ext cx="8943975" cy="274320"/>
+            <a:ext cx="8943975" cy="361950"/>
           </a:xfrm>
           <a:prstGeom prst="rect">
             <a:avLst/>
@@ -3360,6 +3403,9 @@
             </a:pPr>
             <a:r>
               <a:rPr sz="1200" b="1">
+                <a:solidFill>
+                  <a:srgbClr val="E0E0E0"/>
+                </a:solidFill>
                 <a:latin typeface="Arial"/>
               </a:rPr>
               <a:t>🎯 Quality Assurance</a:t>
@@ -3375,8 +3421,8 @@
         </p:nvSpPr>
         <p:spPr>
           <a:xfrm>
-            <a:off x="200025" y="561974"/>
-            <a:ext cx="8943975" cy="274320"/>
+            <a:off x="200025" y="542925"/>
+            <a:ext cx="8943975" cy="304800"/>
           </a:xfrm>
           <a:prstGeom prst="rect">
             <a:avLst/>
@@ -3407,6 +3453,9 @@
             </a:pPr>
             <a:r>
               <a:rPr sz="900" b="1">
+                <a:solidFill>
+                  <a:srgbClr val="E0E0E0"/>
+                </a:solidFill>
                 <a:latin typeface="Arial"/>
               </a:rPr>
               <a:t>Test Coverage</a:t>
@@ -3422,8 +3471,8 @@
         </p:nvSpPr>
         <p:spPr>
           <a:xfrm>
-            <a:off x="200025" y="895350"/>
-            <a:ext cx="2409825" cy="1485900"/>
+            <a:off x="200025" y="857250"/>
+            <a:ext cx="2409825" cy="1628775"/>
           </a:xfrm>
           <a:prstGeom prst="rect">
             <a:avLst/>
@@ -3456,8 +3505,8 @@
           <p:nvPr/>
         </p:nvGraphicFramePr>
         <p:xfrm>
-          <a:off x="200025" y="895350"/>
-          <a:ext cx="2400670" cy="1428750"/>
+          <a:off x="200025" y="857250"/>
+          <a:ext cx="2640738" cy="1571625"/>
         </p:xfrm>
         <a:graphic>
           <a:graphicData uri="http://schemas.openxmlformats.org/drawingml/2006/table">
@@ -3466,11 +3515,11 @@
                 <a:tableStyleId>{5C22544A-7EE6-4342-B048-85BDC9FD1C3A}</a:tableStyleId>
               </a:tblPr>
               <a:tblGrid>
-                <a:gridCol w="859110"/>
-                <a:gridCol w="437033"/>
-                <a:gridCol w="1104527"/>
+                <a:gridCol w="945021"/>
+                <a:gridCol w="480737"/>
+                <a:gridCol w="1214980"/>
               </a:tblGrid>
-              <a:tr h="285750">
+              <a:tr h="314325">
                 <a:tc>
                   <a:txBody>
                     <a:bodyPr lIns="76200" rIns="76200" tIns="76200" bIns="76200"/>
@@ -3619,7 +3668,7 @@
                   </a:tcPr>
                 </a:tc>
               </a:tr>
-              <a:tr h="285750">
+              <a:tr h="314325">
                 <a:tc>
                   <a:txBody>
                     <a:bodyPr lIns="76200" rIns="76200" tIns="76200" bIns="76200"/>
@@ -3768,7 +3817,7 @@
                   </a:tcPr>
                 </a:tc>
               </a:tr>
-              <a:tr h="285750">
+              <a:tr h="314325">
                 <a:tc>
                   <a:txBody>
                     <a:bodyPr lIns="76200" rIns="76200" tIns="76200" bIns="76200"/>
@@ -3917,7 +3966,7 @@
                   </a:tcPr>
                 </a:tc>
               </a:tr>
-              <a:tr h="285750">
+              <a:tr h="314325">
                 <a:tc>
                   <a:txBody>
                     <a:bodyPr lIns="76200" rIns="76200" tIns="76200" bIns="76200"/>
@@ -4066,7 +4115,7 @@
                   </a:tcPr>
                 </a:tc>
               </a:tr>
-              <a:tr h="285750">
+              <a:tr h="314325">
                 <a:tc>
                   <a:txBody>
                     <a:bodyPr lIns="76200" rIns="76200" tIns="76200" bIns="76200"/>
@@ -4227,8 +4276,8 @@
         </p:nvSpPr>
         <p:spPr>
           <a:xfrm>
-            <a:off x="200025" y="2524125"/>
-            <a:ext cx="8943975" cy="274320"/>
+            <a:off x="200025" y="2486025"/>
+            <a:ext cx="8943975" cy="304800"/>
           </a:xfrm>
           <a:prstGeom prst="rect">
             <a:avLst/>
@@ -4259,6 +4308,9 @@
             </a:pPr>
             <a:r>
               <a:rPr sz="900" b="1">
+                <a:solidFill>
+                  <a:srgbClr val="E0E0E0"/>
+                </a:solidFill>
                 <a:latin typeface="Arial"/>
               </a:rPr>
               <a:t>Validation Features</a:t>
@@ -4274,8 +4326,8 @@
         </p:nvSpPr>
         <p:spPr>
           <a:xfrm>
-            <a:off x="200025" y="2857500"/>
-            <a:ext cx="8943975" cy="742950"/>
+            <a:off x="200025" y="2800350"/>
+            <a:ext cx="8943975" cy="685800"/>
           </a:xfrm>
           <a:prstGeom prst="rect">
             <a:avLst/>
@@ -4302,17 +4354,28 @@
               </a:defRPr>
             </a:pPr>
             <a:r>
-              <a:rPr sz="700"/>
+              <a:rPr sz="700">
+                <a:solidFill>
+                  <a:srgbClr val="E0E0E0"/>
+                </a:solidFill>
+                <a:latin typeface="Arial"/>
+              </a:rPr>
               <a:t>• </a:t>
             </a:r>
             <a:r>
               <a:rPr b="1" sz="700">
+                <a:solidFill>
+                  <a:srgbClr val="E0E0E0"/>
+                </a:solidFill>
                 <a:latin typeface="Arial"/>
               </a:rPr>
               <a:t>Content completeness</a:t>
             </a:r>
             <a:r>
               <a:rPr sz="700">
+                <a:solidFill>
+                  <a:srgbClr val="E0E0E0"/>
+                </a:solidFill>
                 <a:latin typeface="Arial"/>
               </a:rPr>
               <a:t>: All markdown elements preserved</a:t>
@@ -4327,17 +4390,28 @@
               </a:defRPr>
             </a:pPr>
             <a:r>
-              <a:rPr sz="700"/>
+              <a:rPr sz="700">
+                <a:solidFill>
+                  <a:srgbClr val="E0E0E0"/>
+                </a:solidFill>
+                <a:latin typeface="Arial"/>
+              </a:rPr>
               <a:t>• </a:t>
             </a:r>
             <a:r>
               <a:rPr b="1" sz="700">
+                <a:solidFill>
+                  <a:srgbClr val="E0E0E0"/>
+                </a:solidFill>
                 <a:latin typeface="Arial"/>
               </a:rPr>
               <a:t>No overlaps</a:t>
             </a:r>
             <a:r>
               <a:rPr sz="700">
+                <a:solidFill>
+                  <a:srgbClr val="E0E0E0"/>
+                </a:solidFill>
                 <a:latin typeface="Arial"/>
               </a:rPr>
               <a:t>: Shapes positioned without collision</a:t>
@@ -4352,17 +4426,28 @@
               </a:defRPr>
             </a:pPr>
             <a:r>
-              <a:rPr sz="700"/>
+              <a:rPr sz="700">
+                <a:solidFill>
+                  <a:srgbClr val="E0E0E0"/>
+                </a:solidFill>
+                <a:latin typeface="Arial"/>
+              </a:rPr>
               <a:t>• </a:t>
             </a:r>
             <a:r>
               <a:rPr b="1" sz="700">
+                <a:solidFill>
+                  <a:srgbClr val="E0E0E0"/>
+                </a:solidFill>
                 <a:latin typeface="Arial"/>
               </a:rPr>
               <a:t>Boundary compliance</a:t>
             </a:r>
             <a:r>
               <a:rPr sz="700">
+                <a:solidFill>
+                  <a:srgbClr val="E0E0E0"/>
+                </a:solidFill>
                 <a:latin typeface="Arial"/>
               </a:rPr>
               <a:t>: Content within slide limits</a:t>
@@ -4377,17 +4462,28 @@
               </a:defRPr>
             </a:pPr>
             <a:r>
-              <a:rPr sz="700"/>
+              <a:rPr sz="700">
+                <a:solidFill>
+                  <a:srgbClr val="E0E0E0"/>
+                </a:solidFill>
+                <a:latin typeface="Arial"/>
+              </a:rPr>
               <a:t>• </a:t>
             </a:r>
             <a:r>
               <a:rPr b="1" sz="700">
+                <a:solidFill>
+                  <a:srgbClr val="E0E0E0"/>
+                </a:solidFill>
                 <a:latin typeface="Arial"/>
               </a:rPr>
               <a:t>Format consistency</a:t>
             </a:r>
             <a:r>
               <a:rPr sz="700">
+                <a:solidFill>
+                  <a:srgbClr val="E0E0E0"/>
+                </a:solidFill>
                 <a:latin typeface="Arial"/>
               </a:rPr>
               <a:t>: Styling applied correctly</a:t>
@@ -4402,17 +4498,28 @@
               </a:defRPr>
             </a:pPr>
             <a:r>
-              <a:rPr sz="700"/>
+              <a:rPr sz="700">
+                <a:solidFill>
+                  <a:srgbClr val="E0E0E0"/>
+                </a:solidFill>
+                <a:latin typeface="Arial"/>
+              </a:rPr>
               <a:t>• </a:t>
             </a:r>
             <a:r>
               <a:rPr b="1" sz="700">
+                <a:solidFill>
+                  <a:srgbClr val="E0E0E0"/>
+                </a:solidFill>
                 <a:latin typeface="Arial"/>
               </a:rPr>
               <a:t>Theme adherence</a:t>
             </a:r>
             <a:r>
               <a:rPr sz="700">
+                <a:solidFill>
+                  <a:srgbClr val="E0E0E0"/>
+                </a:solidFill>
                 <a:latin typeface="Arial"/>
               </a:rPr>
               <a:t>: Colors and fonts match specifications</a:t>
@@ -4431,6 +4538,14 @@
 <file path=ppt/slides/slide11.xml><?xml version="1.0" encoding="utf-8"?>
 <p:sld xmlns:a="http://schemas.openxmlformats.org/drawingml/2006/main" xmlns:p="http://schemas.openxmlformats.org/presentationml/2006/main" xmlns:r="http://schemas.openxmlformats.org/officeDocument/2006/relationships">
   <p:cSld>
+    <p:bg>
+      <p:bgPr>
+        <a:solidFill>
+          <a:srgbClr val="1A1A1A"/>
+        </a:solidFill>
+        <a:effectLst/>
+      </p:bgPr>
+    </p:bg>
     <p:spTree>
       <p:nvGrpSpPr>
         <p:cNvPr id="1" name=""/>
@@ -4447,6 +4562,106 @@
         <p:spPr>
           <a:xfrm>
             <a:off x="200025" y="180975"/>
+            <a:ext cx="8943975" cy="361950"/>
+          </a:xfrm>
+          <a:prstGeom prst="rect">
+            <a:avLst/>
+          </a:prstGeom>
+          <a:noFill/>
+        </p:spPr>
+        <p:txBody>
+          <a:bodyPr wrap="square" lIns="0" rIns="0" tIns="0" bIns="0">
+            <a:spAutoFit/>
+          </a:bodyPr>
+          <a:lstStyle/>
+          <a:p>
+            <a:pPr algn="l">
+              <a:lnSpc>
+                <a:spcPct val="100000"/>
+              </a:lnSpc>
+              <a:spcBef>
+                <a:spcPts val="0"/>
+              </a:spcBef>
+              <a:spcAft>
+                <a:spcPts val="0"/>
+              </a:spcAft>
+              <a:defRPr>
+                <a:solidFill>
+                  <a:srgbClr val="E0E0E0"/>
+                </a:solidFill>
+              </a:defRPr>
+            </a:pPr>
+            <a:r>
+              <a:rPr sz="1200" b="1">
+                <a:solidFill>
+                  <a:srgbClr val="E0E0E0"/>
+                </a:solidFill>
+                <a:latin typeface="Arial"/>
+              </a:rPr>
+              <a:t>🌟 Recent Improvements</a:t>
+            </a:r>
+          </a:p>
+        </p:txBody>
+      </p:sp>
+      <p:sp>
+        <p:nvSpPr>
+          <p:cNvPr id="3" name="TextBox 2"/>
+          <p:cNvSpPr txBox="1"/>
+          <p:nvPr/>
+        </p:nvSpPr>
+        <p:spPr>
+          <a:xfrm>
+            <a:off x="200025" y="542925"/>
+            <a:ext cx="8943975" cy="304800"/>
+          </a:xfrm>
+          <a:prstGeom prst="rect">
+            <a:avLst/>
+          </a:prstGeom>
+          <a:noFill/>
+        </p:spPr>
+        <p:txBody>
+          <a:bodyPr wrap="square" lIns="0" rIns="0" tIns="0" bIns="0">
+            <a:spAutoFit/>
+          </a:bodyPr>
+          <a:lstStyle/>
+          <a:p>
+            <a:pPr algn="l">
+              <a:lnSpc>
+                <a:spcPct val="100000"/>
+              </a:lnSpc>
+              <a:spcBef>
+                <a:spcPts val="0"/>
+              </a:spcBef>
+              <a:spcAft>
+                <a:spcPts val="0"/>
+              </a:spcAft>
+              <a:defRPr>
+                <a:solidFill>
+                  <a:srgbClr val="E0E0E0"/>
+                </a:solidFill>
+              </a:defRPr>
+            </a:pPr>
+            <a:r>
+              <a:rPr sz="900" b="1">
+                <a:solidFill>
+                  <a:srgbClr val="E0E0E0"/>
+                </a:solidFill>
+                <a:latin typeface="Arial"/>
+              </a:rPr>
+              <a:t>Table Column Width Fix ✅</a:t>
+            </a:r>
+          </a:p>
+        </p:txBody>
+      </p:sp>
+      <p:sp>
+        <p:nvSpPr>
+          <p:cNvPr id="4" name="TextBox 3"/>
+          <p:cNvSpPr txBox="1"/>
+          <p:nvPr/>
+        </p:nvSpPr>
+        <p:spPr>
+          <a:xfrm>
+            <a:off x="200025" y="857250"/>
             <a:ext cx="8943975" cy="274320"/>
           </a:xfrm>
           <a:prstGeom prst="rect">
@@ -4477,23 +4692,54 @@
               </a:defRPr>
             </a:pPr>
             <a:r>
-              <a:rPr sz="1200" b="1">
-                <a:latin typeface="Arial"/>
-              </a:rPr>
-              <a:t>🌟 Recent Improvements</a:t>
+              <a:rPr b="1" sz="700">
+                <a:solidFill>
+                  <a:srgbClr val="E0E0E0"/>
+                </a:solidFill>
+                <a:latin typeface="Arial"/>
+              </a:rPr>
+              <a:t>Problem</a:t>
+            </a:r>
+            <a:r>
+              <a:rPr sz="700">
+                <a:solidFill>
+                  <a:srgbClr val="E0E0E0"/>
+                </a:solidFill>
+                <a:latin typeface="Arial"/>
+              </a:rPr>
+              <a:t>: Columns distributed equally regardless of content
+</a:t>
+            </a:r>
+            <a:r>
+              <a:rPr b="1" sz="700">
+                <a:solidFill>
+                  <a:srgbClr val="E0E0E0"/>
+                </a:solidFill>
+                <a:latin typeface="Arial"/>
+              </a:rPr>
+              <a:t>Solution</a:t>
+            </a:r>
+            <a:r>
+              <a:rPr sz="700">
+                <a:solidFill>
+                  <a:srgbClr val="E0E0E0"/>
+                </a:solidFill>
+                <a:latin typeface="Arial"/>
+              </a:rPr>
+              <a:t>: HTML auto-width calculation with proper PowerPoint integration</a:t>
             </a:r>
           </a:p>
         </p:txBody>
       </p:sp>
       <p:sp>
         <p:nvSpPr>
-          <p:cNvPr id="3" name="TextBox 2"/>
+          <p:cNvPr id="5" name="TextBox 4"/>
           <p:cNvSpPr txBox="1"/>
           <p:nvPr/>
         </p:nvSpPr>
         <p:spPr>
           <a:xfrm>
-            <a:off x="200025" y="561974"/>
+            <a:off x="200025" y="1085850"/>
             <a:ext cx="8943975" cy="274320"/>
           </a:xfrm>
           <a:prstGeom prst="rect">
@@ -4524,23 +4770,140 @@
               </a:defRPr>
             </a:pPr>
             <a:r>
-              <a:rPr sz="900" b="1">
-                <a:latin typeface="Arial"/>
-              </a:rPr>
-              <a:t>Table Column Width Fix ✅</a:t>
+              <a:rPr b="1" sz="700">
+                <a:solidFill>
+                  <a:srgbClr val="E0E0E0"/>
+                </a:solidFill>
+                <a:latin typeface="Arial"/>
+              </a:rPr>
+              <a:t>Before</a:t>
+            </a:r>
+            <a:r>
+              <a:rPr sz="700">
+                <a:solidFill>
+                  <a:srgbClr val="E0E0E0"/>
+                </a:solidFill>
+                <a:latin typeface="Arial"/>
+              </a:rPr>
+              <a:t>: </a:t>
+            </a:r>
+            <a:r>
+              <a:rPr sz="800">
+                <a:solidFill>
+                  <a:srgbClr val="FFFFFF"/>
+                </a:solidFill>
+                <a:latin typeface="Courier New"/>
+              </a:rPr>
+              <a:t>Age</a:t>
+            </a:r>
+            <a:r>
+              <a:rPr sz="700">
+                <a:solidFill>
+                  <a:srgbClr val="E0E0E0"/>
+                </a:solidFill>
+                <a:latin typeface="Arial"/>
+              </a:rPr>
+              <a:t> column wrapping to </a:t>
+            </a:r>
+            <a:r>
+              <a:rPr sz="800">
+                <a:solidFill>
+                  <a:srgbClr val="FFFFFF"/>
+                </a:solidFill>
+                <a:latin typeface="Courier New"/>
+              </a:rPr>
+              <a:t>Ag\ne</a:t>
+            </a:r>
+            <a:r>
+              <a:rPr sz="700">
+                <a:solidFill>
+                  <a:srgbClr val="E0E0E0"/>
+                </a:solidFill>
+                <a:latin typeface="Arial"/>
+              </a:rPr>
+              <a:t> due to equal distribution
+</a:t>
+            </a:r>
+            <a:r>
+              <a:rPr b="1" sz="700">
+                <a:solidFill>
+                  <a:srgbClr val="E0E0E0"/>
+                </a:solidFill>
+                <a:latin typeface="Arial"/>
+              </a:rPr>
+              <a:t>After</a:t>
+            </a:r>
+            <a:r>
+              <a:rPr sz="700">
+                <a:solidFill>
+                  <a:srgbClr val="E0E0E0"/>
+                </a:solidFill>
+                <a:latin typeface="Arial"/>
+              </a:rPr>
+              <a:t>: Smart width allocation based on content (60px, 47px, 51px)</a:t>
             </a:r>
           </a:p>
         </p:txBody>
       </p:sp>
       <p:sp>
         <p:nvSpPr>
-          <p:cNvPr id="4" name="TextBox 3"/>
+          <p:cNvPr id="6" name="TextBox 5"/>
           <p:cNvSpPr txBox="1"/>
           <p:nvPr/>
         </p:nvSpPr>
         <p:spPr>
           <a:xfrm>
-            <a:off x="200025" y="895350"/>
+            <a:off x="200025" y="1266824"/>
+            <a:ext cx="8943975" cy="304800"/>
+          </a:xfrm>
+          <a:prstGeom prst="rect">
+            <a:avLst/>
+          </a:prstGeom>
+          <a:noFill/>
+        </p:spPr>
+        <p:txBody>
+          <a:bodyPr wrap="square" lIns="0" rIns="0" tIns="0" bIns="0">
+            <a:spAutoFit/>
+          </a:bodyPr>
+          <a:lstStyle/>
+          <a:p>
+            <a:pPr algn="l">
+              <a:lnSpc>
+                <a:spcPct val="100000"/>
+              </a:lnSpc>
+              <a:spcBef>
+                <a:spcPts val="0"/>
+              </a:spcBef>
+              <a:spcAft>
+                <a:spcPts val="0"/>
+              </a:spcAft>
+              <a:defRPr>
+                <a:solidFill>
+                  <a:srgbClr val="E0E0E0"/>
+                </a:solidFill>
+              </a:defRPr>
+            </a:pPr>
+            <a:r>
+              <a:rPr sz="900" b="1">
+                <a:solidFill>
+                  <a:srgbClr val="E0E0E0"/>
+                </a:solidFill>
+                <a:latin typeface="Arial"/>
+              </a:rPr>
+              <a:t>Dark Theme Border Fix ✅</a:t>
+            </a:r>
+          </a:p>
+        </p:txBody>
+      </p:sp>
+      <p:sp>
+        <p:nvSpPr>
+          <p:cNvPr id="7" name="TextBox 6"/>
+          <p:cNvSpPr txBox="1"/>
+          <p:nvPr/>
+        </p:nvSpPr>
+        <p:spPr>
+          <a:xfrm>
+            <a:off x="200025" y="1571625"/>
             <a:ext cx="8943975" cy="274320"/>
           </a:xfrm>
           <a:prstGeom prst="rect">
@@ -4572,41 +4935,53 @@
             </a:pPr>
             <a:r>
               <a:rPr b="1" sz="700">
+                <a:solidFill>
+                  <a:srgbClr val="E0E0E0"/>
+                </a:solidFill>
                 <a:latin typeface="Arial"/>
               </a:rPr>
               <a:t>Problem</a:t>
             </a:r>
             <a:r>
               <a:rPr sz="700">
-                <a:latin typeface="Arial"/>
-              </a:rPr>
-              <a:t>: Columns distributed equally regardless of content
+                <a:solidFill>
+                  <a:srgbClr val="E0E0E0"/>
+                </a:solidFill>
+                <a:latin typeface="Arial"/>
+              </a:rPr>
+              <a:t>: Black borders invisible on dark background
 </a:t>
             </a:r>
             <a:r>
               <a:rPr b="1" sz="700">
+                <a:solidFill>
+                  <a:srgbClr val="E0E0E0"/>
+                </a:solidFill>
                 <a:latin typeface="Arial"/>
               </a:rPr>
               <a:t>Solution</a:t>
             </a:r>
             <a:r>
               <a:rPr sz="700">
-                <a:latin typeface="Arial"/>
-              </a:rPr>
-              <a:t>: HTML auto-width calculation with proper PowerPoint integration</a:t>
+                <a:solidFill>
+                  <a:srgbClr val="E0E0E0"/>
+                </a:solidFill>
+                <a:latin typeface="Arial"/>
+              </a:rPr>
+              <a:t>: Theme-aware border colors with XML manipulation</a:t>
             </a:r>
           </a:p>
         </p:txBody>
       </p:sp>
       <p:sp>
         <p:nvSpPr>
-          <p:cNvPr id="5" name="TextBox 4"/>
+          <p:cNvPr id="8" name="TextBox 7"/>
           <p:cNvSpPr txBox="1"/>
           <p:nvPr/>
         </p:nvSpPr>
         <p:spPr>
           <a:xfrm>
-            <a:off x="200025" y="1133475"/>
+            <a:off x="200025" y="1800225"/>
             <a:ext cx="8943975" cy="274320"/>
           </a:xfrm>
           <a:prstGeom prst="rect">
@@ -4638,15 +5013,21 @@
             </a:pPr>
             <a:r>
               <a:rPr b="1" sz="700">
-                <a:latin typeface="Arial"/>
-              </a:rPr>
-              <a:t>Before</a:t>
-            </a:r>
-            <a:r>
-              <a:rPr sz="700">
-                <a:latin typeface="Arial"/>
-              </a:rPr>
-              <a:t>: </a:t>
+                <a:solidFill>
+                  <a:srgbClr val="E0E0E0"/>
+                </a:solidFill>
+                <a:latin typeface="Arial"/>
+              </a:rPr>
+              <a:t>Dark Theme</a:t>
+            </a:r>
+            <a:r>
+              <a:rPr sz="700">
+                <a:solidFill>
+                  <a:srgbClr val="E0E0E0"/>
+                </a:solidFill>
+                <a:latin typeface="Arial"/>
+              </a:rPr>
+              <a:t>: Light gray borders (</a:t>
             </a:r>
             <a:r>
               <a:rPr sz="800">
@@ -4655,219 +5036,13 @@
                 </a:solidFill>
                 <a:latin typeface="Courier New"/>
               </a:rPr>
-              <a:t>Age</a:t>
-            </a:r>
-            <a:r>
-              <a:rPr sz="700">
-                <a:latin typeface="Arial"/>
-              </a:rPr>
-              <a:t> column wrapping to </a:t>
-            </a:r>
-            <a:r>
-              <a:rPr sz="800">
-                <a:solidFill>
-                  <a:srgbClr val="FFFFFF"/>
-                </a:solidFill>
-                <a:latin typeface="Courier New"/>
-              </a:rPr>
-              <a:t>Ag\ne</a:t>
-            </a:r>
-            <a:r>
-              <a:rPr sz="700">
-                <a:latin typeface="Arial"/>
-              </a:rPr>
-              <a:t> due to equal distribution
-</a:t>
-            </a:r>
-            <a:r>
-              <a:rPr b="1" sz="700">
-                <a:latin typeface="Arial"/>
-              </a:rPr>
-              <a:t>After</a:t>
-            </a:r>
-            <a:r>
-              <a:rPr sz="700">
-                <a:latin typeface="Arial"/>
-              </a:rPr>
-              <a:t>: Smart width allocation based on content (60px, 47px, 51px)</a:t>
-            </a:r>
-          </a:p>
-        </p:txBody>
-      </p:sp>
-      <p:sp>
-        <p:nvSpPr>
-          <p:cNvPr id="6" name="TextBox 5"/>
-          <p:cNvSpPr txBox="1"/>
-          <p:nvPr/>
-        </p:nvSpPr>
-        <p:spPr>
-          <a:xfrm>
-            <a:off x="200025" y="1362075"/>
-            <a:ext cx="8943975" cy="274320"/>
-          </a:xfrm>
-          <a:prstGeom prst="rect">
-            <a:avLst/>
-          </a:prstGeom>
-          <a:noFill/>
-        </p:spPr>
-        <p:txBody>
-          <a:bodyPr wrap="square" lIns="0" rIns="0" tIns="0" bIns="0">
-            <a:spAutoFit/>
-          </a:bodyPr>
-          <a:lstStyle/>
-          <a:p>
-            <a:pPr algn="l">
-              <a:lnSpc>
-                <a:spcPct val="100000"/>
-              </a:lnSpc>
-              <a:spcBef>
-                <a:spcPts val="0"/>
-              </a:spcBef>
-              <a:spcAft>
-                <a:spcPts val="0"/>
-              </a:spcAft>
-              <a:defRPr>
-                <a:solidFill>
-                  <a:srgbClr val="E0E0E0"/>
-                </a:solidFill>
-              </a:defRPr>
-            </a:pPr>
-            <a:r>
-              <a:rPr sz="900" b="1">
-                <a:latin typeface="Arial"/>
-              </a:rPr>
-              <a:t>Dark Theme Border Fix ✅</a:t>
-            </a:r>
-          </a:p>
-        </p:txBody>
-      </p:sp>
-      <p:sp>
-        <p:nvSpPr>
-          <p:cNvPr id="7" name="TextBox 6"/>
-          <p:cNvSpPr txBox="1"/>
-          <p:nvPr/>
-        </p:nvSpPr>
-        <p:spPr>
-          <a:xfrm>
-            <a:off x="200025" y="1685925"/>
-            <a:ext cx="8943975" cy="274320"/>
-          </a:xfrm>
-          <a:prstGeom prst="rect">
-            <a:avLst/>
-          </a:prstGeom>
-          <a:noFill/>
-        </p:spPr>
-        <p:txBody>
-          <a:bodyPr wrap="square" lIns="0" rIns="0" tIns="0" bIns="0">
-            <a:spAutoFit/>
-          </a:bodyPr>
-          <a:lstStyle/>
-          <a:p>
-            <a:pPr algn="l">
-              <a:lnSpc>
-                <a:spcPct val="100000"/>
-              </a:lnSpc>
-              <a:spcBef>
-                <a:spcPts val="0"/>
-              </a:spcBef>
-              <a:spcAft>
-                <a:spcPts val="0"/>
-              </a:spcAft>
-              <a:defRPr>
-                <a:solidFill>
-                  <a:srgbClr val="E0E0E0"/>
-                </a:solidFill>
-              </a:defRPr>
-            </a:pPr>
-            <a:r>
-              <a:rPr b="1" sz="700">
-                <a:latin typeface="Arial"/>
-              </a:rPr>
-              <a:t>Problem</a:t>
-            </a:r>
-            <a:r>
-              <a:rPr sz="700">
-                <a:latin typeface="Arial"/>
-              </a:rPr>
-              <a:t>: Black borders invisible on dark background
-</a:t>
-            </a:r>
-            <a:r>
-              <a:rPr b="1" sz="700">
-                <a:latin typeface="Arial"/>
-              </a:rPr>
-              <a:t>Solution</a:t>
-            </a:r>
-            <a:r>
-              <a:rPr sz="700">
-                <a:latin typeface="Arial"/>
-              </a:rPr>
-              <a:t>: Theme-aware border colors with XML manipulation</a:t>
-            </a:r>
-          </a:p>
-        </p:txBody>
-      </p:sp>
-      <p:sp>
-        <p:nvSpPr>
-          <p:cNvPr id="8" name="TextBox 7"/>
-          <p:cNvSpPr txBox="1"/>
-          <p:nvPr/>
-        </p:nvSpPr>
-        <p:spPr>
-          <a:xfrm>
-            <a:off x="200025" y="1924049"/>
-            <a:ext cx="8943975" cy="274320"/>
-          </a:xfrm>
-          <a:prstGeom prst="rect">
-            <a:avLst/>
-          </a:prstGeom>
-          <a:noFill/>
-        </p:spPr>
-        <p:txBody>
-          <a:bodyPr wrap="square" lIns="0" rIns="0" tIns="0" bIns="0">
-            <a:spAutoFit/>
-          </a:bodyPr>
-          <a:lstStyle/>
-          <a:p>
-            <a:pPr algn="l">
-              <a:lnSpc>
-                <a:spcPct val="100000"/>
-              </a:lnSpc>
-              <a:spcBef>
-                <a:spcPts val="0"/>
-              </a:spcBef>
-              <a:spcAft>
-                <a:spcPts val="0"/>
-              </a:spcAft>
-              <a:defRPr>
-                <a:solidFill>
-                  <a:srgbClr val="E0E0E0"/>
-                </a:solidFill>
-              </a:defRPr>
-            </a:pPr>
-            <a:r>
-              <a:rPr b="1" sz="700">
-                <a:latin typeface="Arial"/>
-              </a:rPr>
-              <a:t>Dark Theme</a:t>
-            </a:r>
-            <a:r>
-              <a:rPr sz="700">
-                <a:latin typeface="Arial"/>
-              </a:rPr>
-              <a:t>: Light gray borders (</a:t>
-            </a:r>
-            <a:r>
-              <a:rPr sz="800">
-                <a:solidFill>
-                  <a:srgbClr val="FFFFFF"/>
-                </a:solidFill>
-                <a:latin typeface="Courier New"/>
-              </a:rPr>
               <a:t>#e0e0e0</a:t>
             </a:r>
             <a:r>
               <a:rPr sz="700">
+                <a:solidFill>
+                  <a:srgbClr val="E0E0E0"/>
+                </a:solidFill>
                 <a:latin typeface="Arial"/>
               </a:rPr>
               <a:t>) for visibility
@@ -4875,12 +5050,18 @@
             </a:r>
             <a:r>
               <a:rPr b="1" sz="700">
+                <a:solidFill>
+                  <a:srgbClr val="E0E0E0"/>
+                </a:solidFill>
                 <a:latin typeface="Arial"/>
               </a:rPr>
               <a:t>Default Theme</a:t>
             </a:r>
             <a:r>
               <a:rPr sz="700">
+                <a:solidFill>
+                  <a:srgbClr val="E0E0E0"/>
+                </a:solidFill>
                 <a:latin typeface="Arial"/>
               </a:rPr>
               <a:t>: Black borders (</a:t>
@@ -4896,6 +5077,9 @@
             </a:r>
             <a:r>
               <a:rPr sz="700">
+                <a:solidFill>
+                  <a:srgbClr val="E0E0E0"/>
+                </a:solidFill>
                 <a:latin typeface="Arial"/>
               </a:rPr>
               <a:t>) for definition</a:t>
@@ -4914,6 +5098,14 @@
 <file path=ppt/slides/slide12.xml><?xml version="1.0" encoding="utf-8"?>
 <p:sld xmlns:a="http://schemas.openxmlformats.org/drawingml/2006/main" xmlns:p="http://schemas.openxmlformats.org/presentationml/2006/main" xmlns:r="http://schemas.openxmlformats.org/officeDocument/2006/relationships">
   <p:cSld>
+    <p:bg>
+      <p:bgPr>
+        <a:solidFill>
+          <a:srgbClr val="1A1A1A"/>
+        </a:solidFill>
+        <a:effectLst/>
+      </p:bgPr>
+    </p:bg>
     <p:spTree>
       <p:nvGrpSpPr>
         <p:cNvPr id="1" name=""/>
@@ -4930,7 +5122,7 @@
         <p:spPr>
           <a:xfrm>
             <a:off x="200025" y="180975"/>
-            <a:ext cx="8943975" cy="274320"/>
+            <a:ext cx="8943975" cy="361950"/>
           </a:xfrm>
           <a:prstGeom prst="rect">
             <a:avLst/>
@@ -4961,6 +5153,9 @@
             </a:pPr>
             <a:r>
               <a:rPr sz="1200" b="1">
+                <a:solidFill>
+                  <a:srgbClr val="E0E0E0"/>
+                </a:solidFill>
                 <a:latin typeface="Arial"/>
               </a:rPr>
               <a:t>📈 Performance Metrics</a:t>
@@ -4976,8 +5171,8 @@
         </p:nvSpPr>
         <p:spPr>
           <a:xfrm>
-            <a:off x="200025" y="561974"/>
-            <a:ext cx="8943975" cy="274320"/>
+            <a:off x="200025" y="542925"/>
+            <a:ext cx="8943975" cy="304800"/>
           </a:xfrm>
           <a:prstGeom prst="rect">
             <a:avLst/>
@@ -5008,6 +5203,9 @@
             </a:pPr>
             <a:r>
               <a:rPr sz="900" b="1">
+                <a:solidFill>
+                  <a:srgbClr val="E0E0E0"/>
+                </a:solidFill>
                 <a:latin typeface="Arial"/>
               </a:rPr>
               <a:t>Processing Speed</a:t>
@@ -5023,8 +5221,8 @@
         </p:nvSpPr>
         <p:spPr>
           <a:xfrm>
-            <a:off x="200025" y="895350"/>
-            <a:ext cx="2647949" cy="1485900"/>
+            <a:off x="200025" y="857250"/>
+            <a:ext cx="2647949" cy="1628775"/>
           </a:xfrm>
           <a:prstGeom prst="rect">
             <a:avLst/>
@@ -5057,8 +5255,8 @@
           <p:nvPr/>
         </p:nvGraphicFramePr>
         <p:xfrm>
-          <a:off x="200025" y="895350"/>
-          <a:ext cx="2638796" cy="1428750"/>
+          <a:off x="200025" y="857250"/>
+          <a:ext cx="2902675" cy="1571625"/>
         </p:xfrm>
         <a:graphic>
           <a:graphicData uri="http://schemas.openxmlformats.org/drawingml/2006/table">
@@ -5067,11 +5265,11 @@
                 <a:tableStyleId>{5C22544A-7EE6-4342-B048-85BDC9FD1C3A}</a:tableStyleId>
               </a:tblPr>
               <a:tblGrid>
-                <a:gridCol w="776138"/>
-                <a:gridCol w="922511"/>
-                <a:gridCol w="940147"/>
+                <a:gridCol w="853752"/>
+                <a:gridCol w="1014762"/>
+                <a:gridCol w="1034161"/>
               </a:tblGrid>
-              <a:tr h="285750">
+              <a:tr h="314325">
                 <a:tc>
                   <a:txBody>
                     <a:bodyPr lIns="76200" rIns="76200" tIns="76200" bIns="76200"/>
@@ -5220,7 +5418,7 @@
                   </a:tcPr>
                 </a:tc>
               </a:tr>
-              <a:tr h="285750">
+              <a:tr h="314325">
                 <a:tc>
                   <a:txBody>
                     <a:bodyPr lIns="76200" rIns="76200" tIns="76200" bIns="76200"/>
@@ -5369,7 +5567,7 @@
                   </a:tcPr>
                 </a:tc>
               </a:tr>
-              <a:tr h="285750">
+              <a:tr h="314325">
                 <a:tc>
                   <a:txBody>
                     <a:bodyPr lIns="76200" rIns="76200" tIns="76200" bIns="76200"/>
@@ -5518,7 +5716,7 @@
                   </a:tcPr>
                 </a:tc>
               </a:tr>
-              <a:tr h="285750">
+              <a:tr h="314325">
                 <a:tc>
                   <a:txBody>
                     <a:bodyPr lIns="76200" rIns="76200" tIns="76200" bIns="76200"/>
@@ -5667,7 +5865,7 @@
                   </a:tcPr>
                 </a:tc>
               </a:tr>
-              <a:tr h="285750">
+              <a:tr h="314325">
                 <a:tc>
                   <a:txBody>
                     <a:bodyPr lIns="76200" rIns="76200" tIns="76200" bIns="76200"/>
@@ -5828,8 +6026,8 @@
         </p:nvSpPr>
         <p:spPr>
           <a:xfrm>
-            <a:off x="200025" y="2524125"/>
-            <a:ext cx="8943975" cy="274320"/>
+            <a:off x="200025" y="2486025"/>
+            <a:ext cx="8943975" cy="304800"/>
           </a:xfrm>
           <a:prstGeom prst="rect">
             <a:avLst/>
@@ -5860,6 +6058,9 @@
             </a:pPr>
             <a:r>
               <a:rPr sz="900" b="1">
+                <a:solidFill>
+                  <a:srgbClr val="E0E0E0"/>
+                </a:solidFill>
                 <a:latin typeface="Arial"/>
               </a:rPr>
               <a:t>Quality Metrics</a:t>
@@ -5875,8 +6076,8 @@
         </p:nvSpPr>
         <p:spPr>
           <a:xfrm>
-            <a:off x="200025" y="2857500"/>
-            <a:ext cx="8943975" cy="590549"/>
+            <a:off x="200025" y="2800350"/>
+            <a:ext cx="8943975" cy="571500"/>
           </a:xfrm>
           <a:prstGeom prst="rect">
             <a:avLst/>
@@ -5903,23 +6104,37 @@
               </a:defRPr>
             </a:pPr>
             <a:r>
-              <a:rPr sz="700"/>
+              <a:rPr sz="700">
+                <a:solidFill>
+                  <a:srgbClr val="E0E0E0"/>
+                </a:solidFill>
+                <a:latin typeface="Arial"/>
+              </a:rPr>
               <a:t>• </a:t>
             </a:r>
             <a:r>
               <a:rPr sz="700">
+                <a:solidFill>
+                  <a:srgbClr val="E0E0E0"/>
+                </a:solidFill>
                 <a:latin typeface="Arial"/>
               </a:rPr>
               <a:t>✅ </a:t>
             </a:r>
             <a:r>
               <a:rPr b="1" sz="700">
+                <a:solidFill>
+                  <a:srgbClr val="E0E0E0"/>
+                </a:solidFill>
                 <a:latin typeface="Arial"/>
               </a:rPr>
               <a:t>99.8% formatting accuracy</a:t>
             </a:r>
             <a:r>
               <a:rPr sz="700">
+                <a:solidFill>
+                  <a:srgbClr val="E0E0E0"/>
+                </a:solidFill>
                 <a:latin typeface="Arial"/>
               </a:rPr>
               <a:t> across all content types</a:t>
@@ -5934,23 +6149,37 @@
               </a:defRPr>
             </a:pPr>
             <a:r>
-              <a:rPr sz="700"/>
+              <a:rPr sz="700">
+                <a:solidFill>
+                  <a:srgbClr val="E0E0E0"/>
+                </a:solidFill>
+                <a:latin typeface="Arial"/>
+              </a:rPr>
               <a:t>• </a:t>
             </a:r>
             <a:r>
               <a:rPr sz="700">
+                <a:solidFill>
+                  <a:srgbClr val="E0E0E0"/>
+                </a:solidFill>
                 <a:latin typeface="Arial"/>
               </a:rPr>
               <a:t>✅ </a:t>
             </a:r>
             <a:r>
               <a:rPr b="1" sz="700">
+                <a:solidFill>
+                  <a:srgbClr val="E0E0E0"/>
+                </a:solidFill>
                 <a:latin typeface="Arial"/>
               </a:rPr>
               <a:t>Zero overlaps</a:t>
             </a:r>
             <a:r>
               <a:rPr sz="700">
+                <a:solidFill>
+                  <a:srgbClr val="E0E0E0"/>
+                </a:solidFill>
                 <a:latin typeface="Arial"/>
               </a:rPr>
               <a:t> in generated presentations</a:t>
@@ -5965,23 +6194,37 @@
               </a:defRPr>
             </a:pPr>
             <a:r>
-              <a:rPr sz="700"/>
+              <a:rPr sz="700">
+                <a:solidFill>
+                  <a:srgbClr val="E0E0E0"/>
+                </a:solidFill>
+                <a:latin typeface="Arial"/>
+              </a:rPr>
               <a:t>• </a:t>
             </a:r>
             <a:r>
               <a:rPr sz="700">
+                <a:solidFill>
+                  <a:srgbClr val="E0E0E0"/>
+                </a:solidFill>
                 <a:latin typeface="Arial"/>
               </a:rPr>
               <a:t>✅ </a:t>
             </a:r>
             <a:r>
               <a:rPr b="1" sz="700">
+                <a:solidFill>
+                  <a:srgbClr val="E0E0E0"/>
+                </a:solidFill>
                 <a:latin typeface="Arial"/>
               </a:rPr>
               <a:t>100% boundary compliance</a:t>
             </a:r>
             <a:r>
               <a:rPr sz="700">
+                <a:solidFill>
+                  <a:srgbClr val="E0E0E0"/>
+                </a:solidFill>
                 <a:latin typeface="Arial"/>
               </a:rPr>
               <a:t> - no content overflow</a:t>
@@ -5996,23 +6239,37 @@
               </a:defRPr>
             </a:pPr>
             <a:r>
-              <a:rPr sz="700"/>
+              <a:rPr sz="700">
+                <a:solidFill>
+                  <a:srgbClr val="E0E0E0"/>
+                </a:solidFill>
+                <a:latin typeface="Arial"/>
+              </a:rPr>
               <a:t>• </a:t>
             </a:r>
             <a:r>
               <a:rPr sz="700">
+                <a:solidFill>
+                  <a:srgbClr val="E0E0E0"/>
+                </a:solidFill>
                 <a:latin typeface="Arial"/>
               </a:rPr>
               <a:t>✅ </a:t>
             </a:r>
             <a:r>
               <a:rPr b="1" sz="700">
+                <a:solidFill>
+                  <a:srgbClr val="E0E0E0"/>
+                </a:solidFill>
                 <a:latin typeface="Arial"/>
               </a:rPr>
               <a:t>Perfect theme consistency</a:t>
             </a:r>
             <a:r>
               <a:rPr sz="700">
+                <a:solidFill>
+                  <a:srgbClr val="E0E0E0"/>
+                </a:solidFill>
                 <a:latin typeface="Arial"/>
               </a:rPr>
               <a:t> across all elements</a:t>
@@ -6031,6 +6288,14 @@
 <file path=ppt/slides/slide13.xml><?xml version="1.0" encoding="utf-8"?>
 <p:sld xmlns:a="http://schemas.openxmlformats.org/drawingml/2006/main" xmlns:p="http://schemas.openxmlformats.org/presentationml/2006/main" xmlns:r="http://schemas.openxmlformats.org/officeDocument/2006/relationships">
   <p:cSld>
+    <p:bg>
+      <p:bgPr>
+        <a:solidFill>
+          <a:srgbClr val="1A1A1A"/>
+        </a:solidFill>
+        <a:effectLst/>
+      </p:bgPr>
+    </p:bg>
     <p:spTree>
       <p:nvGrpSpPr>
         <p:cNvPr id="1" name=""/>
@@ -6047,6 +6312,455 @@
         <p:spPr>
           <a:xfrm>
             <a:off x="200025" y="180975"/>
+            <a:ext cx="8943975" cy="361950"/>
+          </a:xfrm>
+          <a:prstGeom prst="rect">
+            <a:avLst/>
+          </a:prstGeom>
+          <a:noFill/>
+        </p:spPr>
+        <p:txBody>
+          <a:bodyPr wrap="square" lIns="0" rIns="0" tIns="0" bIns="0">
+            <a:spAutoFit/>
+          </a:bodyPr>
+          <a:lstStyle/>
+          <a:p>
+            <a:pPr algn="l">
+              <a:lnSpc>
+                <a:spcPct val="100000"/>
+              </a:lnSpc>
+              <a:spcBef>
+                <a:spcPts val="0"/>
+              </a:spcBef>
+              <a:spcAft>
+                <a:spcPts val="0"/>
+              </a:spcAft>
+              <a:defRPr>
+                <a:solidFill>
+                  <a:srgbClr val="E0E0E0"/>
+                </a:solidFill>
+              </a:defRPr>
+            </a:pPr>
+            <a:r>
+              <a:rPr sz="1200" b="1">
+                <a:solidFill>
+                  <a:srgbClr val="E0E0E0"/>
+                </a:solidFill>
+                <a:latin typeface="Arial"/>
+              </a:rPr>
+              <a:t>🎉 Summary &amp; Next Steps</a:t>
+            </a:r>
+          </a:p>
+        </p:txBody>
+      </p:sp>
+      <p:sp>
+        <p:nvSpPr>
+          <p:cNvPr id="3" name="TextBox 2"/>
+          <p:cNvSpPr txBox="1"/>
+          <p:nvPr/>
+        </p:nvSpPr>
+        <p:spPr>
+          <a:xfrm>
+            <a:off x="200025" y="542925"/>
+            <a:ext cx="8943975" cy="304800"/>
+          </a:xfrm>
+          <a:prstGeom prst="rect">
+            <a:avLst/>
+          </a:prstGeom>
+          <a:noFill/>
+        </p:spPr>
+        <p:txBody>
+          <a:bodyPr wrap="square" lIns="0" rIns="0" tIns="0" bIns="0">
+            <a:spAutoFit/>
+          </a:bodyPr>
+          <a:lstStyle/>
+          <a:p>
+            <a:pPr algn="l">
+              <a:lnSpc>
+                <a:spcPct val="100000"/>
+              </a:lnSpc>
+              <a:spcBef>
+                <a:spcPts val="0"/>
+              </a:spcBef>
+              <a:spcAft>
+                <a:spcPts val="0"/>
+              </a:spcAft>
+              <a:defRPr>
+                <a:solidFill>
+                  <a:srgbClr val="E0E0E0"/>
+                </a:solidFill>
+              </a:defRPr>
+            </a:pPr>
+            <a:r>
+              <a:rPr sz="900" b="1">
+                <a:solidFill>
+                  <a:srgbClr val="E0E0E0"/>
+                </a:solidFill>
+                <a:latin typeface="Arial"/>
+              </a:rPr>
+              <a:t>What You've Experienced</a:t>
+            </a:r>
+          </a:p>
+        </p:txBody>
+      </p:sp>
+      <p:sp>
+        <p:nvSpPr>
+          <p:cNvPr id="4" name="TextBox 3"/>
+          <p:cNvSpPr txBox="1"/>
+          <p:nvPr/>
+        </p:nvSpPr>
+        <p:spPr>
+          <a:xfrm>
+            <a:off x="200025" y="857250"/>
+            <a:ext cx="8943975" cy="800100"/>
+          </a:xfrm>
+          <a:prstGeom prst="rect">
+            <a:avLst/>
+          </a:prstGeom>
+          <a:noFill/>
+        </p:spPr>
+        <p:txBody>
+          <a:bodyPr wrap="square" lIns="0" rIns="0" tIns="0" bIns="0">
+            <a:spAutoFit/>
+          </a:bodyPr>
+          <a:lstStyle/>
+          <a:p>
+            <a:pPr algn="l">
+              <a:spcBef>
+                <a:spcPts val="0"/>
+              </a:spcBef>
+              <a:spcAft>
+                <a:spcPts val="0"/>
+              </a:spcAft>
+              <a:defRPr>
+                <a:solidFill>
+                  <a:srgbClr val="E0E0E0"/>
+                </a:solidFill>
+              </a:defRPr>
+            </a:pPr>
+            <a:r>
+              <a:rPr sz="700">
+                <a:solidFill>
+                  <a:srgbClr val="E0E0E0"/>
+                </a:solidFill>
+                <a:latin typeface="Arial"/>
+              </a:rPr>
+              <a:t>• </a:t>
+            </a:r>
+            <a:r>
+              <a:rPr sz="700">
+                <a:solidFill>
+                  <a:srgbClr val="E0E0E0"/>
+                </a:solidFill>
+                <a:latin typeface="Arial"/>
+              </a:rPr>
+              <a:t>✅ </a:t>
+            </a:r>
+            <a:r>
+              <a:rPr b="1" sz="700">
+                <a:solidFill>
+                  <a:srgbClr val="E0E0E0"/>
+                </a:solidFill>
+                <a:latin typeface="Arial"/>
+              </a:rPr>
+              <a:t>Complete inline styling</a:t>
+            </a:r>
+            <a:r>
+              <a:rPr sz="700">
+                <a:solidFill>
+                  <a:srgbClr val="E0E0E0"/>
+                </a:solidFill>
+                <a:latin typeface="Arial"/>
+              </a:rPr>
+              <a:t> - bold, italic, code, highlights</a:t>
+            </a:r>
+          </a:p>
+          <a:p>
+            <a:pPr algn="l">
+              <a:defRPr>
+                <a:solidFill>
+                  <a:srgbClr val="E0E0E0"/>
+                </a:solidFill>
+              </a:defRPr>
+            </a:pPr>
+            <a:r>
+              <a:rPr sz="700">
+                <a:solidFill>
+                  <a:srgbClr val="E0E0E0"/>
+                </a:solidFill>
+                <a:latin typeface="Arial"/>
+              </a:rPr>
+              <a:t>• </a:t>
+            </a:r>
+            <a:r>
+              <a:rPr sz="700">
+                <a:solidFill>
+                  <a:srgbClr val="E0E0E0"/>
+                </a:solidFill>
+                <a:latin typeface="Arial"/>
+              </a:rPr>
+              <a:t>✅ </a:t>
+            </a:r>
+            <a:r>
+              <a:rPr b="1" sz="700">
+                <a:solidFill>
+                  <a:srgbClr val="E0E0E0"/>
+                </a:solidFill>
+                <a:latin typeface="Arial"/>
+              </a:rPr>
+              <a:t>Smart table rendering</a:t>
+            </a:r>
+            <a:r>
+              <a:rPr sz="700">
+                <a:solidFill>
+                  <a:srgbClr val="E0E0E0"/>
+                </a:solidFill>
+                <a:latin typeface="Arial"/>
+              </a:rPr>
+              <a:t> - HTML auto-width with theme-aware borders</a:t>
+            </a:r>
+          </a:p>
+          <a:p>
+            <a:pPr algn="l">
+              <a:defRPr>
+                <a:solidFill>
+                  <a:srgbClr val="E0E0E0"/>
+                </a:solidFill>
+              </a:defRPr>
+            </a:pPr>
+            <a:r>
+              <a:rPr sz="700">
+                <a:solidFill>
+                  <a:srgbClr val="E0E0E0"/>
+                </a:solidFill>
+                <a:latin typeface="Arial"/>
+              </a:rPr>
+              <a:t>• </a:t>
+            </a:r>
+            <a:r>
+              <a:rPr sz="700">
+                <a:solidFill>
+                  <a:srgbClr val="E0E0E0"/>
+                </a:solidFill>
+                <a:latin typeface="Arial"/>
+              </a:rPr>
+              <a:t>✅ </a:t>
+            </a:r>
+            <a:r>
+              <a:rPr b="1" sz="700">
+                <a:solidFill>
+                  <a:srgbClr val="E0E0E0"/>
+                </a:solidFill>
+                <a:latin typeface="Arial"/>
+              </a:rPr>
+              <a:t>Professional code blocks</a:t>
+            </a:r>
+            <a:r>
+              <a:rPr sz="700">
+                <a:solidFill>
+                  <a:srgbClr val="E0E0E0"/>
+                </a:solidFill>
+                <a:latin typeface="Arial"/>
+              </a:rPr>
+              <a:t> - syntax highlighting and proper formatting</a:t>
+            </a:r>
+          </a:p>
+          <a:p>
+            <a:pPr algn="l">
+              <a:defRPr>
+                <a:solidFill>
+                  <a:srgbClr val="E0E0E0"/>
+                </a:solidFill>
+              </a:defRPr>
+            </a:pPr>
+            <a:r>
+              <a:rPr sz="700">
+                <a:solidFill>
+                  <a:srgbClr val="E0E0E0"/>
+                </a:solidFill>
+                <a:latin typeface="Arial"/>
+              </a:rPr>
+              <a:t>• </a:t>
+            </a:r>
+            <a:r>
+              <a:rPr sz="700">
+                <a:solidFill>
+                  <a:srgbClr val="E0E0E0"/>
+                </a:solidFill>
+                <a:latin typeface="Arial"/>
+              </a:rPr>
+              <a:t>✅ </a:t>
+            </a:r>
+            <a:r>
+              <a:rPr b="1" sz="700">
+                <a:solidFill>
+                  <a:srgbClr val="E0E0E0"/>
+                </a:solidFill>
+                <a:latin typeface="Arial"/>
+              </a:rPr>
+              <a:t>Intelligent pagination</a:t>
+            </a:r>
+            <a:r>
+              <a:rPr sz="700">
+                <a:solidFill>
+                  <a:srgbClr val="E0E0E0"/>
+                </a:solidFill>
+                <a:latin typeface="Arial"/>
+              </a:rPr>
+              <a:t> - browser-based measurement and positioning</a:t>
+            </a:r>
+          </a:p>
+          <a:p>
+            <a:pPr algn="l">
+              <a:defRPr>
+                <a:solidFill>
+                  <a:srgbClr val="E0E0E0"/>
+                </a:solidFill>
+              </a:defRPr>
+            </a:pPr>
+            <a:r>
+              <a:rPr sz="700">
+                <a:solidFill>
+                  <a:srgbClr val="E0E0E0"/>
+                </a:solidFill>
+                <a:latin typeface="Arial"/>
+              </a:rPr>
+              <a:t>• </a:t>
+            </a:r>
+            <a:r>
+              <a:rPr sz="700">
+                <a:solidFill>
+                  <a:srgbClr val="E0E0E0"/>
+                </a:solidFill>
+                <a:latin typeface="Arial"/>
+              </a:rPr>
+              <a:t>✅ </a:t>
+            </a:r>
+            <a:r>
+              <a:rPr b="1" sz="700">
+                <a:solidFill>
+                  <a:srgbClr val="E0E0E0"/>
+                </a:solidFill>
+                <a:latin typeface="Arial"/>
+              </a:rPr>
+              <a:t>Theme support</a:t>
+            </a:r>
+            <a:r>
+              <a:rPr sz="700">
+                <a:solidFill>
+                  <a:srgbClr val="E0E0E0"/>
+                </a:solidFill>
+                <a:latin typeface="Arial"/>
+              </a:rPr>
+              <a:t> - default and dark themes with full consistency</a:t>
+            </a:r>
+          </a:p>
+          <a:p>
+            <a:pPr algn="l">
+              <a:defRPr>
+                <a:solidFill>
+                  <a:srgbClr val="E0E0E0"/>
+                </a:solidFill>
+              </a:defRPr>
+            </a:pPr>
+            <a:r>
+              <a:rPr sz="700">
+                <a:solidFill>
+                  <a:srgbClr val="E0E0E0"/>
+                </a:solidFill>
+                <a:latin typeface="Arial"/>
+              </a:rPr>
+              <a:t>• </a:t>
+            </a:r>
+            <a:r>
+              <a:rPr sz="700">
+                <a:solidFill>
+                  <a:srgbClr val="E0E0E0"/>
+                </a:solidFill>
+                <a:latin typeface="Arial"/>
+              </a:rPr>
+              <a:t>✅ </a:t>
+            </a:r>
+            <a:r>
+              <a:rPr b="1" sz="700">
+                <a:solidFill>
+                  <a:srgbClr val="E0E0E0"/>
+                </a:solidFill>
+                <a:latin typeface="Arial"/>
+              </a:rPr>
+              <a:t>Quality assurance</a:t>
+            </a:r>
+            <a:r>
+              <a:rPr sz="700">
+                <a:solidFill>
+                  <a:srgbClr val="E0E0E0"/>
+                </a:solidFill>
+                <a:latin typeface="Arial"/>
+              </a:rPr>
+              <a:t> - comprehensive testing and validation</a:t>
+            </a:r>
+          </a:p>
+        </p:txBody>
+      </p:sp>
+      <p:sp>
+        <p:nvSpPr>
+          <p:cNvPr id="5" name="TextBox 4"/>
+          <p:cNvSpPr txBox="1"/>
+          <p:nvPr/>
+        </p:nvSpPr>
+        <p:spPr>
+          <a:xfrm>
+            <a:off x="200025" y="1562100"/>
+            <a:ext cx="8943975" cy="304800"/>
+          </a:xfrm>
+          <a:prstGeom prst="rect">
+            <a:avLst/>
+          </a:prstGeom>
+          <a:noFill/>
+        </p:spPr>
+        <p:txBody>
+          <a:bodyPr wrap="square" lIns="0" rIns="0" tIns="0" bIns="0">
+            <a:spAutoFit/>
+          </a:bodyPr>
+          <a:lstStyle/>
+          <a:p>
+            <a:pPr algn="l">
+              <a:lnSpc>
+                <a:spcPct val="100000"/>
+              </a:lnSpc>
+              <a:spcBef>
+                <a:spcPts val="0"/>
+              </a:spcBef>
+              <a:spcAft>
+                <a:spcPts val="0"/>
+              </a:spcAft>
+              <a:defRPr>
+                <a:solidFill>
+                  <a:srgbClr val="E0E0E0"/>
+                </a:solidFill>
+              </a:defRPr>
+            </a:pPr>
+            <a:r>
+              <a:rPr sz="900" b="1">
+                <a:solidFill>
+                  <a:srgbClr val="E0E0E0"/>
+                </a:solidFill>
+                <a:latin typeface="Arial"/>
+              </a:rPr>
+              <a:t>Ready for Production</a:t>
+            </a:r>
+          </a:p>
+        </p:txBody>
+      </p:sp>
+      <p:sp>
+        <p:nvSpPr>
+          <p:cNvPr id="6" name="TextBox 5"/>
+          <p:cNvSpPr txBox="1"/>
+          <p:nvPr/>
+        </p:nvSpPr>
+        <p:spPr>
+          <a:xfrm>
+            <a:off x="200025" y="1876424"/>
             <a:ext cx="8943975" cy="274320"/>
           </a:xfrm>
           <a:prstGeom prst="rect">
@@ -6077,23 +6791,298 @@
               </a:defRPr>
             </a:pPr>
             <a:r>
-              <a:rPr sz="1200" b="1">
-                <a:latin typeface="Arial"/>
-              </a:rPr>
-              <a:t>🎉 Summary &amp; Next Steps</a:t>
+              <a:rPr sz="700">
+                <a:solidFill>
+                  <a:srgbClr val="E0E0E0"/>
+                </a:solidFill>
+                <a:latin typeface="Arial"/>
+              </a:rPr>
+              <a:t>This slide generator is </a:t>
+            </a:r>
+            <a:r>
+              <a:rPr b="1" sz="700">
+                <a:solidFill>
+                  <a:srgbClr val="E0E0E0"/>
+                </a:solidFill>
+                <a:latin typeface="Arial"/>
+              </a:rPr>
+              <a:t>production-ready</a:t>
+            </a:r>
+            <a:r>
+              <a:rPr sz="700">
+                <a:solidFill>
+                  <a:srgbClr val="E0E0E0"/>
+                </a:solidFill>
+                <a:latin typeface="Arial"/>
+              </a:rPr>
+              <a:t> with:</a:t>
             </a:r>
           </a:p>
         </p:txBody>
       </p:sp>
       <p:sp>
         <p:nvSpPr>
-          <p:cNvPr id="3" name="TextBox 2"/>
+          <p:cNvPr id="7" name="TextBox 6"/>
           <p:cNvSpPr txBox="1"/>
           <p:nvPr/>
         </p:nvSpPr>
         <p:spPr>
           <a:xfrm>
-            <a:off x="200025" y="561974"/>
+            <a:off x="200025" y="2105024"/>
+            <a:ext cx="8943975" cy="685800"/>
+          </a:xfrm>
+          <a:prstGeom prst="rect">
+            <a:avLst/>
+          </a:prstGeom>
+          <a:noFill/>
+        </p:spPr>
+        <p:txBody>
+          <a:bodyPr wrap="square" lIns="0" rIns="0" tIns="0" bIns="0">
+            <a:spAutoFit/>
+          </a:bodyPr>
+          <a:lstStyle/>
+          <a:p>
+            <a:pPr algn="l">
+              <a:spcBef>
+                <a:spcPts val="0"/>
+              </a:spcBef>
+              <a:spcAft>
+                <a:spcPts val="0"/>
+              </a:spcAft>
+              <a:defRPr>
+                <a:solidFill>
+                  <a:srgbClr val="E0E0E0"/>
+                </a:solidFill>
+              </a:defRPr>
+            </a:pPr>
+            <a:r>
+              <a:rPr sz="700">
+                <a:solidFill>
+                  <a:srgbClr val="E0E0E0"/>
+                </a:solidFill>
+                <a:latin typeface="Arial"/>
+              </a:rPr>
+              <a:t>• </a:t>
+            </a:r>
+            <a:r>
+              <a:rPr sz="700">
+                <a:solidFill>
+                  <a:srgbClr val="E0E0E0"/>
+                </a:solidFill>
+                <a:latin typeface="Arial"/>
+              </a:rPr>
+              <a:t>🚀 </a:t>
+            </a:r>
+            <a:r>
+              <a:rPr b="1" sz="700">
+                <a:solidFill>
+                  <a:srgbClr val="E0E0E0"/>
+                </a:solidFill>
+                <a:latin typeface="Arial"/>
+              </a:rPr>
+              <a:t>High performance</a:t>
+            </a:r>
+            <a:r>
+              <a:rPr sz="700">
+                <a:solidFill>
+                  <a:srgbClr val="E0E0E0"/>
+                </a:solidFill>
+                <a:latin typeface="Arial"/>
+              </a:rPr>
+              <a:t> browser-based rendering</a:t>
+            </a:r>
+          </a:p>
+          <a:p>
+            <a:pPr algn="l">
+              <a:defRPr>
+                <a:solidFill>
+                  <a:srgbClr val="E0E0E0"/>
+                </a:solidFill>
+              </a:defRPr>
+            </a:pPr>
+            <a:r>
+              <a:rPr sz="700">
+                <a:solidFill>
+                  <a:srgbClr val="E0E0E0"/>
+                </a:solidFill>
+                <a:latin typeface="Arial"/>
+              </a:rPr>
+              <a:t>• </a:t>
+            </a:r>
+            <a:r>
+              <a:rPr sz="700">
+                <a:solidFill>
+                  <a:srgbClr val="E0E0E0"/>
+                </a:solidFill>
+                <a:latin typeface="Arial"/>
+              </a:rPr>
+              <a:t>🎯 </a:t>
+            </a:r>
+            <a:r>
+              <a:rPr b="1" sz="700">
+                <a:solidFill>
+                  <a:srgbClr val="E0E0E0"/>
+                </a:solidFill>
+                <a:latin typeface="Arial"/>
+              </a:rPr>
+              <a:t>Pixel-perfect accuracy</a:t>
+            </a:r>
+            <a:r>
+              <a:rPr sz="700">
+                <a:solidFill>
+                  <a:srgbClr val="E0E0E0"/>
+                </a:solidFill>
+                <a:latin typeface="Arial"/>
+              </a:rPr>
+              <a:t> in layout and positioning</a:t>
+            </a:r>
+          </a:p>
+          <a:p>
+            <a:pPr algn="l">
+              <a:defRPr>
+                <a:solidFill>
+                  <a:srgbClr val="E0E0E0"/>
+                </a:solidFill>
+              </a:defRPr>
+            </a:pPr>
+            <a:r>
+              <a:rPr sz="700">
+                <a:solidFill>
+                  <a:srgbClr val="E0E0E0"/>
+                </a:solidFill>
+                <a:latin typeface="Arial"/>
+              </a:rPr>
+              <a:t>• </a:t>
+            </a:r>
+            <a:r>
+              <a:rPr sz="700">
+                <a:solidFill>
+                  <a:srgbClr val="E0E0E0"/>
+                </a:solidFill>
+                <a:latin typeface="Arial"/>
+              </a:rPr>
+              <a:t>🎨 </a:t>
+            </a:r>
+            <a:r>
+              <a:rPr b="1" sz="700">
+                <a:solidFill>
+                  <a:srgbClr val="E0E0E0"/>
+                </a:solidFill>
+                <a:latin typeface="Arial"/>
+              </a:rPr>
+              <a:t>Professional themes</a:t>
+            </a:r>
+            <a:r>
+              <a:rPr sz="700">
+                <a:solidFill>
+                  <a:srgbClr val="E0E0E0"/>
+                </a:solidFill>
+                <a:latin typeface="Arial"/>
+              </a:rPr>
+              <a:t> with consistent styling</a:t>
+            </a:r>
+          </a:p>
+          <a:p>
+            <a:pPr algn="l">
+              <a:defRPr>
+                <a:solidFill>
+                  <a:srgbClr val="E0E0E0"/>
+                </a:solidFill>
+              </a:defRPr>
+            </a:pPr>
+            <a:r>
+              <a:rPr sz="700">
+                <a:solidFill>
+                  <a:srgbClr val="E0E0E0"/>
+                </a:solidFill>
+                <a:latin typeface="Arial"/>
+              </a:rPr>
+              <a:t>• </a:t>
+            </a:r>
+            <a:r>
+              <a:rPr sz="700">
+                <a:solidFill>
+                  <a:srgbClr val="E0E0E0"/>
+                </a:solidFill>
+                <a:latin typeface="Arial"/>
+              </a:rPr>
+              <a:t>🔧 </a:t>
+            </a:r>
+            <a:r>
+              <a:rPr b="1" sz="700">
+                <a:solidFill>
+                  <a:srgbClr val="E0E0E0"/>
+                </a:solidFill>
+                <a:latin typeface="Arial"/>
+              </a:rPr>
+              <a:t>Robust architecture</a:t>
+            </a:r>
+            <a:r>
+              <a:rPr sz="700">
+                <a:solidFill>
+                  <a:srgbClr val="E0E0E0"/>
+                </a:solidFill>
+                <a:latin typeface="Arial"/>
+              </a:rPr>
+              <a:t> with comprehensive error handling</a:t>
+            </a:r>
+          </a:p>
+          <a:p>
+            <a:pPr algn="l">
+              <a:defRPr>
+                <a:solidFill>
+                  <a:srgbClr val="E0E0E0"/>
+                </a:solidFill>
+              </a:defRPr>
+            </a:pPr>
+            <a:r>
+              <a:rPr sz="700">
+                <a:solidFill>
+                  <a:srgbClr val="E0E0E0"/>
+                </a:solidFill>
+                <a:latin typeface="Arial"/>
+              </a:rPr>
+              <a:t>• </a:t>
+            </a:r>
+            <a:r>
+              <a:rPr sz="700">
+                <a:solidFill>
+                  <a:srgbClr val="E0E0E0"/>
+                </a:solidFill>
+                <a:latin typeface="Arial"/>
+              </a:rPr>
+              <a:t>✅ </a:t>
+            </a:r>
+            <a:r>
+              <a:rPr b="1" sz="700">
+                <a:solidFill>
+                  <a:srgbClr val="E0E0E0"/>
+                </a:solidFill>
+                <a:latin typeface="Arial"/>
+              </a:rPr>
+              <a:t>Extensive testing</a:t>
+            </a:r>
+            <a:r>
+              <a:rPr sz="700">
+                <a:solidFill>
+                  <a:srgbClr val="E0E0E0"/>
+                </a:solidFill>
+                <a:latin typeface="Arial"/>
+              </a:rPr>
+              <a:t> ensuring reliability and quality</a:t>
+            </a:r>
+          </a:p>
+        </p:txBody>
+      </p:sp>
+      <p:sp>
+        <p:nvSpPr>
+          <p:cNvPr id="8" name="TextBox 7"/>
+          <p:cNvSpPr txBox="1"/>
+          <p:nvPr/>
+        </p:nvSpPr>
+        <p:spPr>
+          <a:xfrm>
+            <a:off x="200025" y="2790824"/>
             <a:ext cx="8943975" cy="274320"/>
           </a:xfrm>
           <a:prstGeom prst="rect">
@@ -6124,573 +7113,27 @@
               </a:defRPr>
             </a:pPr>
             <a:r>
-              <a:rPr sz="900" b="1">
-                <a:latin typeface="Arial"/>
-              </a:rPr>
-              <a:t>What You've Experienced</a:t>
-            </a:r>
-          </a:p>
-        </p:txBody>
-      </p:sp>
-      <p:sp>
-        <p:nvSpPr>
-          <p:cNvPr id="4" name="TextBox 3"/>
-          <p:cNvSpPr txBox="1"/>
-          <p:nvPr/>
-        </p:nvSpPr>
-        <p:spPr>
-          <a:xfrm>
-            <a:off x="200025" y="895350"/>
-            <a:ext cx="8943975" cy="885825"/>
-          </a:xfrm>
-          <a:prstGeom prst="rect">
-            <a:avLst/>
-          </a:prstGeom>
-          <a:noFill/>
-        </p:spPr>
-        <p:txBody>
-          <a:bodyPr wrap="square" lIns="0" rIns="0" tIns="0" bIns="0">
-            <a:spAutoFit/>
-          </a:bodyPr>
-          <a:lstStyle/>
-          <a:p>
-            <a:pPr algn="l">
-              <a:spcBef>
-                <a:spcPts val="0"/>
-              </a:spcBef>
-              <a:spcAft>
-                <a:spcPts val="0"/>
-              </a:spcAft>
-              <a:defRPr>
-                <a:solidFill>
-                  <a:srgbClr val="E0E0E0"/>
-                </a:solidFill>
-              </a:defRPr>
-            </a:pPr>
-            <a:r>
-              <a:rPr sz="700"/>
-              <a:t>• </a:t>
-            </a:r>
-            <a:r>
-              <a:rPr sz="700">
-                <a:latin typeface="Arial"/>
-              </a:rPr>
-              <a:t>✅ </a:t>
-            </a:r>
-            <a:r>
               <a:rPr b="1" sz="700">
-                <a:latin typeface="Arial"/>
-              </a:rPr>
-              <a:t>Complete inline styling</a:t>
-            </a:r>
-            <a:r>
-              <a:rPr sz="700">
-                <a:latin typeface="Arial"/>
-              </a:rPr>
-              <a:t> - bold, italic, code, highlights</a:t>
-            </a:r>
-          </a:p>
-          <a:p>
-            <a:pPr algn="l">
-              <a:defRPr>
-                <a:solidFill>
-                  <a:srgbClr val="E0E0E0"/>
-                </a:solidFill>
-              </a:defRPr>
-            </a:pPr>
-            <a:r>
-              <a:rPr sz="700"/>
-              <a:t>• </a:t>
-            </a:r>
-            <a:r>
-              <a:rPr sz="700">
-                <a:latin typeface="Arial"/>
-              </a:rPr>
-              <a:t>✅ </a:t>
+                <a:solidFill>
+                  <a:srgbClr val="E0E0E0"/>
+                </a:solidFill>
+                <a:latin typeface="Arial"/>
+              </a:rPr>
+              <a:t>Thank you</a:t>
+            </a:r>
+            <a:r>
+              <a:rPr sz="700">
+                <a:solidFill>
+                  <a:srgbClr val="E0E0E0"/>
+                </a:solidFill>
+                <a:latin typeface="Arial"/>
+              </a:rPr>
+              <a:t> for exploring the </a:t>
             </a:r>
             <a:r>
               <a:rPr b="1" sz="700">
-                <a:latin typeface="Arial"/>
-              </a:rPr>
-              <a:t>Smart table rendering</a:t>
-            </a:r>
-            <a:r>
-              <a:rPr sz="700">
-                <a:latin typeface="Arial"/>
-              </a:rPr>
-              <a:t> - HTML auto-width with theme-aware borders</a:t>
-            </a:r>
-          </a:p>
-          <a:p>
-            <a:pPr algn="l">
-              <a:defRPr>
-                <a:solidFill>
-                  <a:srgbClr val="E0E0E0"/>
-                </a:solidFill>
-              </a:defRPr>
-            </a:pPr>
-            <a:r>
-              <a:rPr sz="700"/>
-              <a:t>• </a:t>
-            </a:r>
-            <a:r>
-              <a:rPr sz="700">
-                <a:latin typeface="Arial"/>
-              </a:rPr>
-              <a:t>✅ </a:t>
-            </a:r>
-            <a:r>
-              <a:rPr b="1" sz="700">
-                <a:latin typeface="Arial"/>
-              </a:rPr>
-              <a:t>Professional code blocks</a:t>
-            </a:r>
-            <a:r>
-              <a:rPr sz="700">
-                <a:latin typeface="Arial"/>
-              </a:rPr>
-              <a:t> - syntax highlighting and proper formatting</a:t>
-            </a:r>
-          </a:p>
-          <a:p>
-            <a:pPr algn="l">
-              <a:defRPr>
-                <a:solidFill>
-                  <a:srgbClr val="E0E0E0"/>
-                </a:solidFill>
-              </a:defRPr>
-            </a:pPr>
-            <a:r>
-              <a:rPr sz="700"/>
-              <a:t>• </a:t>
-            </a:r>
-            <a:r>
-              <a:rPr sz="700">
-                <a:latin typeface="Arial"/>
-              </a:rPr>
-              <a:t>✅ </a:t>
-            </a:r>
-            <a:r>
-              <a:rPr b="1" sz="700">
-                <a:latin typeface="Arial"/>
-              </a:rPr>
-              <a:t>Intelligent pagination</a:t>
-            </a:r>
-            <a:r>
-              <a:rPr sz="700">
-                <a:latin typeface="Arial"/>
-              </a:rPr>
-              <a:t> - browser-based measurement and positioning</a:t>
-            </a:r>
-          </a:p>
-          <a:p>
-            <a:pPr algn="l">
-              <a:defRPr>
-                <a:solidFill>
-                  <a:srgbClr val="E0E0E0"/>
-                </a:solidFill>
-              </a:defRPr>
-            </a:pPr>
-            <a:r>
-              <a:rPr sz="700"/>
-              <a:t>• </a:t>
-            </a:r>
-            <a:r>
-              <a:rPr sz="700">
-                <a:latin typeface="Arial"/>
-              </a:rPr>
-              <a:t>✅ </a:t>
-            </a:r>
-            <a:r>
-              <a:rPr b="1" sz="700">
-                <a:latin typeface="Arial"/>
-              </a:rPr>
-              <a:t>Theme support</a:t>
-            </a:r>
-            <a:r>
-              <a:rPr sz="700">
-                <a:latin typeface="Arial"/>
-              </a:rPr>
-              <a:t> - default and dark themes with full consistency</a:t>
-            </a:r>
-          </a:p>
-          <a:p>
-            <a:pPr algn="l">
-              <a:defRPr>
-                <a:solidFill>
-                  <a:srgbClr val="E0E0E0"/>
-                </a:solidFill>
-              </a:defRPr>
-            </a:pPr>
-            <a:r>
-              <a:rPr sz="700"/>
-              <a:t>• </a:t>
-            </a:r>
-            <a:r>
-              <a:rPr sz="700">
-                <a:latin typeface="Arial"/>
-              </a:rPr>
-              <a:t>✅ </a:t>
-            </a:r>
-            <a:r>
-              <a:rPr b="1" sz="700">
-                <a:latin typeface="Arial"/>
-              </a:rPr>
-              <a:t>Quality assurance</a:t>
-            </a:r>
-            <a:r>
-              <a:rPr sz="700">
-                <a:latin typeface="Arial"/>
-              </a:rPr>
-              <a:t> - comprehensive testing and validation</a:t>
-            </a:r>
-          </a:p>
-        </p:txBody>
-      </p:sp>
-      <p:sp>
-        <p:nvSpPr>
-          <p:cNvPr id="5" name="TextBox 4"/>
-          <p:cNvSpPr txBox="1"/>
-          <p:nvPr/>
-        </p:nvSpPr>
-        <p:spPr>
-          <a:xfrm>
-            <a:off x="200025" y="1781174"/>
-            <a:ext cx="8943975" cy="274320"/>
-          </a:xfrm>
-          <a:prstGeom prst="rect">
-            <a:avLst/>
-          </a:prstGeom>
-          <a:noFill/>
-        </p:spPr>
-        <p:txBody>
-          <a:bodyPr wrap="square" lIns="0" rIns="0" tIns="0" bIns="0">
-            <a:spAutoFit/>
-          </a:bodyPr>
-          <a:lstStyle/>
-          <a:p>
-            <a:pPr algn="l">
-              <a:lnSpc>
-                <a:spcPct val="100000"/>
-              </a:lnSpc>
-              <a:spcBef>
-                <a:spcPts val="0"/>
-              </a:spcBef>
-              <a:spcAft>
-                <a:spcPts val="0"/>
-              </a:spcAft>
-              <a:defRPr>
-                <a:solidFill>
-                  <a:srgbClr val="E0E0E0"/>
-                </a:solidFill>
-              </a:defRPr>
-            </a:pPr>
-            <a:r>
-              <a:rPr sz="900" b="1">
-                <a:latin typeface="Arial"/>
-              </a:rPr>
-              <a:t>Ready for Production</a:t>
-            </a:r>
-          </a:p>
-        </p:txBody>
-      </p:sp>
-      <p:sp>
-        <p:nvSpPr>
-          <p:cNvPr id="6" name="TextBox 5"/>
-          <p:cNvSpPr txBox="1"/>
-          <p:nvPr/>
-        </p:nvSpPr>
-        <p:spPr>
-          <a:xfrm>
-            <a:off x="200025" y="2114550"/>
-            <a:ext cx="8943975" cy="274320"/>
-          </a:xfrm>
-          <a:prstGeom prst="rect">
-            <a:avLst/>
-          </a:prstGeom>
-          <a:noFill/>
-        </p:spPr>
-        <p:txBody>
-          <a:bodyPr wrap="square" lIns="0" rIns="0" tIns="0" bIns="0">
-            <a:spAutoFit/>
-          </a:bodyPr>
-          <a:lstStyle/>
-          <a:p>
-            <a:pPr algn="l">
-              <a:lnSpc>
-                <a:spcPct val="100000"/>
-              </a:lnSpc>
-              <a:spcBef>
-                <a:spcPts val="0"/>
-              </a:spcBef>
-              <a:spcAft>
-                <a:spcPts val="0"/>
-              </a:spcAft>
-              <a:defRPr>
-                <a:solidFill>
-                  <a:srgbClr val="E0E0E0"/>
-                </a:solidFill>
-              </a:defRPr>
-            </a:pPr>
-            <a:r>
-              <a:rPr sz="700">
-                <a:latin typeface="Arial"/>
-              </a:rPr>
-              <a:t>This slide generator is </a:t>
-            </a:r>
-            <a:r>
-              <a:rPr b="1" sz="700">
-                <a:latin typeface="Arial"/>
-              </a:rPr>
-              <a:t>production-ready</a:t>
-            </a:r>
-            <a:r>
-              <a:rPr sz="700">
-                <a:latin typeface="Arial"/>
-              </a:rPr>
-              <a:t> with:</a:t>
-            </a:r>
-          </a:p>
-        </p:txBody>
-      </p:sp>
-      <p:sp>
-        <p:nvSpPr>
-          <p:cNvPr id="7" name="TextBox 6"/>
-          <p:cNvSpPr txBox="1"/>
-          <p:nvPr/>
-        </p:nvSpPr>
-        <p:spPr>
-          <a:xfrm>
-            <a:off x="200025" y="2352675"/>
-            <a:ext cx="8943975" cy="742950"/>
-          </a:xfrm>
-          <a:prstGeom prst="rect">
-            <a:avLst/>
-          </a:prstGeom>
-          <a:noFill/>
-        </p:spPr>
-        <p:txBody>
-          <a:bodyPr wrap="square" lIns="0" rIns="0" tIns="0" bIns="0">
-            <a:spAutoFit/>
-          </a:bodyPr>
-          <a:lstStyle/>
-          <a:p>
-            <a:pPr algn="l">
-              <a:spcBef>
-                <a:spcPts val="0"/>
-              </a:spcBef>
-              <a:spcAft>
-                <a:spcPts val="0"/>
-              </a:spcAft>
-              <a:defRPr>
-                <a:solidFill>
-                  <a:srgbClr val="E0E0E0"/>
-                </a:solidFill>
-              </a:defRPr>
-            </a:pPr>
-            <a:r>
-              <a:rPr sz="700"/>
-              <a:t>• </a:t>
-            </a:r>
-            <a:r>
-              <a:rPr sz="700">
-                <a:latin typeface="Arial"/>
-              </a:rPr>
-              <a:t>🚀 </a:t>
-            </a:r>
-            <a:r>
-              <a:rPr b="1" sz="700">
-                <a:latin typeface="Arial"/>
-              </a:rPr>
-              <a:t>High performance</a:t>
-            </a:r>
-            <a:r>
-              <a:rPr sz="700">
-                <a:latin typeface="Arial"/>
-              </a:rPr>
-              <a:t> browser-based rendering</a:t>
-            </a:r>
-          </a:p>
-          <a:p>
-            <a:pPr algn="l">
-              <a:defRPr>
-                <a:solidFill>
-                  <a:srgbClr val="E0E0E0"/>
-                </a:solidFill>
-              </a:defRPr>
-            </a:pPr>
-            <a:r>
-              <a:rPr sz="700"/>
-              <a:t>• </a:t>
-            </a:r>
-            <a:r>
-              <a:rPr sz="700">
-                <a:latin typeface="Arial"/>
-              </a:rPr>
-              <a:t>🎯 </a:t>
-            </a:r>
-            <a:r>
-              <a:rPr b="1" sz="700">
-                <a:latin typeface="Arial"/>
-              </a:rPr>
-              <a:t>Pixel-perfect accuracy</a:t>
-            </a:r>
-            <a:r>
-              <a:rPr sz="700">
-                <a:latin typeface="Arial"/>
-              </a:rPr>
-              <a:t> in layout and positioning</a:t>
-            </a:r>
-          </a:p>
-          <a:p>
-            <a:pPr algn="l">
-              <a:defRPr>
-                <a:solidFill>
-                  <a:srgbClr val="E0E0E0"/>
-                </a:solidFill>
-              </a:defRPr>
-            </a:pPr>
-            <a:r>
-              <a:rPr sz="700"/>
-              <a:t>• </a:t>
-            </a:r>
-            <a:r>
-              <a:rPr sz="700">
-                <a:latin typeface="Arial"/>
-              </a:rPr>
-              <a:t>🎨 </a:t>
-            </a:r>
-            <a:r>
-              <a:rPr b="1" sz="700">
-                <a:latin typeface="Arial"/>
-              </a:rPr>
-              <a:t>Professional themes</a:t>
-            </a:r>
-            <a:r>
-              <a:rPr sz="700">
-                <a:latin typeface="Arial"/>
-              </a:rPr>
-              <a:t> with consistent styling</a:t>
-            </a:r>
-          </a:p>
-          <a:p>
-            <a:pPr algn="l">
-              <a:defRPr>
-                <a:solidFill>
-                  <a:srgbClr val="E0E0E0"/>
-                </a:solidFill>
-              </a:defRPr>
-            </a:pPr>
-            <a:r>
-              <a:rPr sz="700"/>
-              <a:t>• </a:t>
-            </a:r>
-            <a:r>
-              <a:rPr sz="700">
-                <a:latin typeface="Arial"/>
-              </a:rPr>
-              <a:t>🔧 </a:t>
-            </a:r>
-            <a:r>
-              <a:rPr b="1" sz="700">
-                <a:latin typeface="Arial"/>
-              </a:rPr>
-              <a:t>Robust architecture</a:t>
-            </a:r>
-            <a:r>
-              <a:rPr sz="700">
-                <a:latin typeface="Arial"/>
-              </a:rPr>
-              <a:t> with comprehensive error handling</a:t>
-            </a:r>
-          </a:p>
-          <a:p>
-            <a:pPr algn="l">
-              <a:defRPr>
-                <a:solidFill>
-                  <a:srgbClr val="E0E0E0"/>
-                </a:solidFill>
-              </a:defRPr>
-            </a:pPr>
-            <a:r>
-              <a:rPr sz="700"/>
-              <a:t>• </a:t>
-            </a:r>
-            <a:r>
-              <a:rPr sz="700">
-                <a:latin typeface="Arial"/>
-              </a:rPr>
-              <a:t>✅ </a:t>
-            </a:r>
-            <a:r>
-              <a:rPr b="1" sz="700">
-                <a:latin typeface="Arial"/>
-              </a:rPr>
-              <a:t>Extensive testing</a:t>
-            </a:r>
-            <a:r>
-              <a:rPr sz="700">
-                <a:latin typeface="Arial"/>
-              </a:rPr>
-              <a:t> ensuring reliability and quality</a:t>
-            </a:r>
-          </a:p>
-        </p:txBody>
-      </p:sp>
-      <p:sp>
-        <p:nvSpPr>
-          <p:cNvPr id="8" name="TextBox 7"/>
-          <p:cNvSpPr txBox="1"/>
-          <p:nvPr/>
-        </p:nvSpPr>
-        <p:spPr>
-          <a:xfrm>
-            <a:off x="200025" y="3190874"/>
-            <a:ext cx="8943975" cy="274320"/>
-          </a:xfrm>
-          <a:prstGeom prst="rect">
-            <a:avLst/>
-          </a:prstGeom>
-          <a:noFill/>
-        </p:spPr>
-        <p:txBody>
-          <a:bodyPr wrap="square" lIns="0" rIns="0" tIns="0" bIns="0">
-            <a:spAutoFit/>
-          </a:bodyPr>
-          <a:lstStyle/>
-          <a:p>
-            <a:pPr algn="l">
-              <a:lnSpc>
-                <a:spcPct val="100000"/>
-              </a:lnSpc>
-              <a:spcBef>
-                <a:spcPts val="0"/>
-              </a:spcBef>
-              <a:spcAft>
-                <a:spcPts val="0"/>
-              </a:spcAft>
-              <a:defRPr>
-                <a:solidFill>
-                  <a:srgbClr val="E0E0E0"/>
-                </a:solidFill>
-              </a:defRPr>
-            </a:pPr>
-            <a:r>
-              <a:rPr b="1" sz="700">
-                <a:latin typeface="Arial"/>
-              </a:rPr>
-              <a:t>Thank you</a:t>
-            </a:r>
-            <a:r>
-              <a:rPr sz="700">
-                <a:latin typeface="Arial"/>
-              </a:rPr>
-              <a:t> for exploring the </a:t>
-            </a:r>
-            <a:r>
-              <a:rPr b="1" sz="700">
-                <a:solidFill>
-                  <a:srgbClr val="FF8C00"/>
+                <a:solidFill>
+                  <a:srgbClr val="FFCC00"/>
                 </a:solidFill>
                 <a:latin typeface="Arial"/>
               </a:rPr>
@@ -6698,6 +7141,9 @@
             </a:r>
             <a:r>
               <a:rPr sz="700">
+                <a:solidFill>
+                  <a:srgbClr val="E0E0E0"/>
+                </a:solidFill>
                 <a:latin typeface="Arial"/>
               </a:rPr>
               <a:t>!</a:t>
@@ -6716,6 +7162,14 @@
 <file path=ppt/slides/slide14.xml><?xml version="1.0" encoding="utf-8"?>
 <p:sld xmlns:a="http://schemas.openxmlformats.org/drawingml/2006/main" xmlns:p="http://schemas.openxmlformats.org/presentationml/2006/main" xmlns:r="http://schemas.openxmlformats.org/officeDocument/2006/relationships">
   <p:cSld>
+    <p:bg>
+      <p:bgPr>
+        <a:solidFill>
+          <a:srgbClr val="1A1A1A"/>
+        </a:solidFill>
+        <a:effectLst/>
+      </p:bgPr>
+    </p:bg>
     <p:spTree>
       <p:nvGrpSpPr>
         <p:cNvPr id="1" name=""/>
@@ -6732,6 +7186,106 @@
         <p:spPr>
           <a:xfrm>
             <a:off x="200025" y="180975"/>
+            <a:ext cx="8943975" cy="361950"/>
+          </a:xfrm>
+          <a:prstGeom prst="rect">
+            <a:avLst/>
+          </a:prstGeom>
+          <a:noFill/>
+        </p:spPr>
+        <p:txBody>
+          <a:bodyPr wrap="square" lIns="0" rIns="0" tIns="0" bIns="0">
+            <a:spAutoFit/>
+          </a:bodyPr>
+          <a:lstStyle/>
+          <a:p>
+            <a:pPr algn="l">
+              <a:lnSpc>
+                <a:spcPct val="100000"/>
+              </a:lnSpc>
+              <a:spcBef>
+                <a:spcPts val="0"/>
+              </a:spcBef>
+              <a:spcAft>
+                <a:spcPts val="0"/>
+              </a:spcAft>
+              <a:defRPr>
+                <a:solidFill>
+                  <a:srgbClr val="E0E0E0"/>
+                </a:solidFill>
+              </a:defRPr>
+            </a:pPr>
+            <a:r>
+              <a:rPr sz="1200" b="1">
+                <a:solidFill>
+                  <a:srgbClr val="E0E0E0"/>
+                </a:solidFill>
+                <a:latin typeface="Arial"/>
+              </a:rPr>
+              <a:t>🔗 Technical Details</a:t>
+            </a:r>
+          </a:p>
+        </p:txBody>
+      </p:sp>
+      <p:sp>
+        <p:nvSpPr>
+          <p:cNvPr id="3" name="TextBox 2"/>
+          <p:cNvSpPr txBox="1"/>
+          <p:nvPr/>
+        </p:nvSpPr>
+        <p:spPr>
+          <a:xfrm>
+            <a:off x="200025" y="542925"/>
+            <a:ext cx="8943975" cy="304800"/>
+          </a:xfrm>
+          <a:prstGeom prst="rect">
+            <a:avLst/>
+          </a:prstGeom>
+          <a:noFill/>
+        </p:spPr>
+        <p:txBody>
+          <a:bodyPr wrap="square" lIns="0" rIns="0" tIns="0" bIns="0">
+            <a:spAutoFit/>
+          </a:bodyPr>
+          <a:lstStyle/>
+          <a:p>
+            <a:pPr algn="l">
+              <a:lnSpc>
+                <a:spcPct val="100000"/>
+              </a:lnSpc>
+              <a:spcBef>
+                <a:spcPts val="0"/>
+              </a:spcBef>
+              <a:spcAft>
+                <a:spcPts val="0"/>
+              </a:spcAft>
+              <a:defRPr>
+                <a:solidFill>
+                  <a:srgbClr val="E0E0E0"/>
+                </a:solidFill>
+              </a:defRPr>
+            </a:pPr>
+            <a:r>
+              <a:rPr sz="900" b="1">
+                <a:solidFill>
+                  <a:srgbClr val="E0E0E0"/>
+                </a:solidFill>
+                <a:latin typeface="Arial"/>
+              </a:rPr>
+              <a:t>API Usage</a:t>
+            </a:r>
+          </a:p>
+        </p:txBody>
+      </p:sp>
+      <p:sp>
+        <p:nvSpPr>
+          <p:cNvPr id="4" name="TextBox 3"/>
+          <p:cNvSpPr txBox="1"/>
+          <p:nvPr/>
+        </p:nvSpPr>
+        <p:spPr>
+          <a:xfrm>
+            <a:off x="200025" y="857250"/>
             <a:ext cx="8943975" cy="274320"/>
           </a:xfrm>
           <a:prstGeom prst="rect">
@@ -6762,101 +7316,10 @@
               </a:defRPr>
             </a:pPr>
             <a:r>
-              <a:rPr sz="1200" b="1">
-                <a:latin typeface="Arial"/>
-              </a:rPr>
-              <a:t>🔗 Technical Details</a:t>
-            </a:r>
-          </a:p>
-        </p:txBody>
-      </p:sp>
-      <p:sp>
-        <p:nvSpPr>
-          <p:cNvPr id="3" name="TextBox 2"/>
-          <p:cNvSpPr txBox="1"/>
-          <p:nvPr/>
-        </p:nvSpPr>
-        <p:spPr>
-          <a:xfrm>
-            <a:off x="200025" y="561974"/>
-            <a:ext cx="8943975" cy="274320"/>
-          </a:xfrm>
-          <a:prstGeom prst="rect">
-            <a:avLst/>
-          </a:prstGeom>
-          <a:noFill/>
-        </p:spPr>
-        <p:txBody>
-          <a:bodyPr wrap="square" lIns="0" rIns="0" tIns="0" bIns="0">
-            <a:spAutoFit/>
-          </a:bodyPr>
-          <a:lstStyle/>
-          <a:p>
-            <a:pPr algn="l">
-              <a:lnSpc>
-                <a:spcPct val="100000"/>
-              </a:lnSpc>
-              <a:spcBef>
-                <a:spcPts val="0"/>
-              </a:spcBef>
-              <a:spcAft>
-                <a:spcPts val="0"/>
-              </a:spcAft>
-              <a:defRPr>
-                <a:solidFill>
-                  <a:srgbClr val="E0E0E0"/>
-                </a:solidFill>
-              </a:defRPr>
-            </a:pPr>
-            <a:r>
-              <a:rPr sz="900" b="1">
-                <a:latin typeface="Arial"/>
-              </a:rPr>
-              <a:t>API Usage</a:t>
-            </a:r>
-          </a:p>
-        </p:txBody>
-      </p:sp>
-      <p:sp>
-        <p:nvSpPr>
-          <p:cNvPr id="4" name="TextBox 3"/>
-          <p:cNvSpPr txBox="1"/>
-          <p:nvPr/>
-        </p:nvSpPr>
-        <p:spPr>
-          <a:xfrm>
-            <a:off x="200025" y="895350"/>
-            <a:ext cx="8943975" cy="274320"/>
-          </a:xfrm>
-          <a:prstGeom prst="rect">
-            <a:avLst/>
-          </a:prstGeom>
-          <a:noFill/>
-        </p:spPr>
-        <p:txBody>
-          <a:bodyPr wrap="square" lIns="0" rIns="0" tIns="0" bIns="0">
-            <a:spAutoFit/>
-          </a:bodyPr>
-          <a:lstStyle/>
-          <a:p>
-            <a:pPr algn="l">
-              <a:lnSpc>
-                <a:spcPct val="100000"/>
-              </a:lnSpc>
-              <a:spcBef>
-                <a:spcPts val="0"/>
-              </a:spcBef>
-              <a:spcAft>
-                <a:spcPts val="0"/>
-              </a:spcAft>
-              <a:defRPr>
-                <a:solidFill>
-                  <a:srgbClr val="E0E0E0"/>
-                </a:solidFill>
-              </a:defRPr>
-            </a:pPr>
-            <a:r>
-              <a:rPr sz="700">
+              <a:rPr sz="700">
+                <a:solidFill>
+                  <a:srgbClr val="E0E0E0"/>
+                </a:solidFill>
                 <a:latin typeface="Arial"/>
               </a:rPr>
               <a:t>Basic usage example:</a:t>
@@ -6872,8 +7335,8 @@
         </p:nvSpPr>
         <p:spPr>
           <a:xfrm>
-            <a:off x="200025" y="1171575"/>
-            <a:ext cx="8943975" cy="2152650"/>
+            <a:off x="200025" y="1123949"/>
+            <a:ext cx="8943975" cy="1904999"/>
           </a:xfrm>
           <a:prstGeom prst="rect">
             <a:avLst/>
@@ -6906,9 +7369,12 @@
             </a:pPr>
             <a:r>
               <a:rPr sz="800">
+                <a:solidFill>
+                  <a:srgbClr val="FFFFFF"/>
+                </a:solidFill>
                 <a:latin typeface="Courier New"/>
               </a:rPr>
-              <a:t>code class="language-python"&gt;from slide_generator.generator import SlideGenerator
+              <a:t>from slide_generator.generator import SlideGenerator
 # Basic usage
 generator = SlideGenerator()
 generator.generate(markdown_content, "output.pptx")
@@ -6928,7 +7394,257 @@
         </p:nvSpPr>
         <p:spPr>
           <a:xfrm>
-            <a:off x="200025" y="3467100"/>
+            <a:off x="200025" y="2895600"/>
+            <a:ext cx="8943975" cy="304800"/>
+          </a:xfrm>
+          <a:prstGeom prst="rect">
+            <a:avLst/>
+          </a:prstGeom>
+          <a:noFill/>
+        </p:spPr>
+        <p:txBody>
+          <a:bodyPr wrap="square" lIns="0" rIns="0" tIns="0" bIns="0">
+            <a:spAutoFit/>
+          </a:bodyPr>
+          <a:lstStyle/>
+          <a:p>
+            <a:pPr algn="l">
+              <a:lnSpc>
+                <a:spcPct val="100000"/>
+              </a:lnSpc>
+              <a:spcBef>
+                <a:spcPts val="0"/>
+              </a:spcBef>
+              <a:spcAft>
+                <a:spcPts val="0"/>
+              </a:spcAft>
+              <a:defRPr>
+                <a:solidFill>
+                  <a:srgbClr val="E0E0E0"/>
+                </a:solidFill>
+              </a:defRPr>
+            </a:pPr>
+            <a:r>
+              <a:rPr sz="900" b="1">
+                <a:solidFill>
+                  <a:srgbClr val="E0E0E0"/>
+                </a:solidFill>
+                <a:latin typeface="Arial"/>
+              </a:rPr>
+              <a:t>Configuration Options</a:t>
+            </a:r>
+          </a:p>
+        </p:txBody>
+      </p:sp>
+      <p:sp>
+        <p:nvSpPr>
+          <p:cNvPr id="7" name="TextBox 6"/>
+          <p:cNvSpPr txBox="1"/>
+          <p:nvPr/>
+        </p:nvSpPr>
+        <p:spPr>
+          <a:xfrm>
+            <a:off x="200025" y="3209925"/>
+            <a:ext cx="8943975" cy="609600"/>
+          </a:xfrm>
+          <a:prstGeom prst="rect">
+            <a:avLst/>
+          </a:prstGeom>
+          <a:noFill/>
+        </p:spPr>
+        <p:txBody>
+          <a:bodyPr wrap="square" lIns="0" rIns="0" tIns="0" bIns="0">
+            <a:spAutoFit/>
+          </a:bodyPr>
+          <a:lstStyle/>
+          <a:p>
+            <a:pPr algn="l">
+              <a:spcBef>
+                <a:spcPts val="0"/>
+              </a:spcBef>
+              <a:spcAft>
+                <a:spcPts val="0"/>
+              </a:spcAft>
+              <a:defRPr>
+                <a:solidFill>
+                  <a:srgbClr val="E0E0E0"/>
+                </a:solidFill>
+              </a:defRPr>
+            </a:pPr>
+            <a:r>
+              <a:rPr sz="700">
+                <a:solidFill>
+                  <a:srgbClr val="E0E0E0"/>
+                </a:solidFill>
+                <a:latin typeface="Arial"/>
+              </a:rPr>
+              <a:t>• </a:t>
+            </a:r>
+            <a:r>
+              <a:rPr b="1" sz="700">
+                <a:solidFill>
+                  <a:srgbClr val="E0E0E0"/>
+                </a:solidFill>
+                <a:latin typeface="Arial"/>
+              </a:rPr>
+              <a:t>Themes</a:t>
+            </a:r>
+            <a:r>
+              <a:rPr sz="700">
+                <a:solidFill>
+                  <a:srgbClr val="E0E0E0"/>
+                </a:solidFill>
+                <a:latin typeface="Arial"/>
+              </a:rPr>
+              <a:t>: </a:t>
+            </a:r>
+            <a:r>
+              <a:rPr sz="800">
+                <a:solidFill>
+                  <a:srgbClr val="FFFFFF"/>
+                </a:solidFill>
+                <a:latin typeface="Courier New"/>
+              </a:rPr>
+              <a:t>"default"</a:t>
+            </a:r>
+            <a:r>
+              <a:rPr sz="700">
+                <a:solidFill>
+                  <a:srgbClr val="E0E0E0"/>
+                </a:solidFill>
+                <a:latin typeface="Arial"/>
+              </a:rPr>
+              <a:t>, </a:t>
+            </a:r>
+            <a:r>
+              <a:rPr sz="800">
+                <a:solidFill>
+                  <a:srgbClr val="FFFFFF"/>
+                </a:solidFill>
+                <a:latin typeface="Courier New"/>
+              </a:rPr>
+              <a:t>"dark"</a:t>
+            </a:r>
+          </a:p>
+          <a:p>
+            <a:pPr algn="l">
+              <a:defRPr>
+                <a:solidFill>
+                  <a:srgbClr val="E0E0E0"/>
+                </a:solidFill>
+              </a:defRPr>
+            </a:pPr>
+            <a:r>
+              <a:rPr sz="700">
+                <a:solidFill>
+                  <a:srgbClr val="E0E0E0"/>
+                </a:solidFill>
+                <a:latin typeface="Arial"/>
+              </a:rPr>
+              <a:t>• </a:t>
+            </a:r>
+            <a:r>
+              <a:rPr b="1" sz="700">
+                <a:solidFill>
+                  <a:srgbClr val="E0E0E0"/>
+                </a:solidFill>
+                <a:latin typeface="Arial"/>
+              </a:rPr>
+              <a:t>Debug mode</a:t>
+            </a:r>
+            <a:r>
+              <a:rPr sz="700">
+                <a:solidFill>
+                  <a:srgbClr val="E0E0E0"/>
+                </a:solidFill>
+                <a:latin typeface="Arial"/>
+              </a:rPr>
+              <a:t>: Detailed processing information</a:t>
+            </a:r>
+          </a:p>
+          <a:p>
+            <a:pPr algn="l">
+              <a:defRPr>
+                <a:solidFill>
+                  <a:srgbClr val="E0E0E0"/>
+                </a:solidFill>
+              </a:defRPr>
+            </a:pPr>
+            <a:r>
+              <a:rPr sz="700">
+                <a:solidFill>
+                  <a:srgbClr val="E0E0E0"/>
+                </a:solidFill>
+                <a:latin typeface="Arial"/>
+              </a:rPr>
+              <a:t>• </a:t>
+            </a:r>
+            <a:r>
+              <a:rPr b="1" sz="700">
+                <a:solidFill>
+                  <a:srgbClr val="E0E0E0"/>
+                </a:solidFill>
+                <a:latin typeface="Arial"/>
+              </a:rPr>
+              <a:t>Output formats</a:t>
+            </a:r>
+            <a:r>
+              <a:rPr sz="700">
+                <a:solidFill>
+                  <a:srgbClr val="E0E0E0"/>
+                </a:solidFill>
+                <a:latin typeface="Arial"/>
+              </a:rPr>
+              <a:t>: PowerPoint (.pptx) with full compatibility</a:t>
+            </a:r>
+          </a:p>
+          <a:p>
+            <a:pPr algn="l">
+              <a:defRPr>
+                <a:solidFill>
+                  <a:srgbClr val="E0E0E0"/>
+                </a:solidFill>
+              </a:defRPr>
+            </a:pPr>
+            <a:r>
+              <a:rPr sz="700">
+                <a:solidFill>
+                  <a:srgbClr val="E0E0E0"/>
+                </a:solidFill>
+                <a:latin typeface="Arial"/>
+              </a:rPr>
+              <a:t>• </a:t>
+            </a:r>
+            <a:r>
+              <a:rPr b="1" sz="700">
+                <a:solidFill>
+                  <a:srgbClr val="E0E0E0"/>
+                </a:solidFill>
+                <a:latin typeface="Arial"/>
+              </a:rPr>
+              <a:t>Custom styling</a:t>
+            </a:r>
+            <a:r>
+              <a:rPr sz="700">
+                <a:solidFill>
+                  <a:srgbClr val="E0E0E0"/>
+                </a:solidFill>
+                <a:latin typeface="Arial"/>
+              </a:rPr>
+              <a:t>: CSS-based theme configuration</a:t>
+            </a:r>
+          </a:p>
+        </p:txBody>
+      </p:sp>
+      <p:sp>
+        <p:nvSpPr>
+          <p:cNvPr id="8" name="TextBox 7"/>
+          <p:cNvSpPr txBox="1"/>
+          <p:nvPr/>
+        </p:nvSpPr>
+        <p:spPr>
+          <a:xfrm>
+            <a:off x="200025" y="3829050"/>
             <a:ext cx="8943975" cy="274320"/>
           </a:xfrm>
           <a:prstGeom prst="rect">
@@ -6959,221 +7675,27 @@
               </a:defRPr>
             </a:pPr>
             <a:r>
-              <a:rPr sz="900" b="1">
-                <a:latin typeface="Arial"/>
-              </a:rPr>
-              <a:t>Configuration Options</a:t>
-            </a:r>
-          </a:p>
-        </p:txBody>
-      </p:sp>
-      <p:sp>
-        <p:nvSpPr>
-          <p:cNvPr id="7" name="TextBox 6"/>
-          <p:cNvSpPr txBox="1"/>
-          <p:nvPr/>
-        </p:nvSpPr>
-        <p:spPr>
-          <a:xfrm>
-            <a:off x="200025" y="3800475"/>
-            <a:ext cx="8943975" cy="666750"/>
-          </a:xfrm>
-          <a:prstGeom prst="rect">
-            <a:avLst/>
-          </a:prstGeom>
-          <a:noFill/>
-        </p:spPr>
-        <p:txBody>
-          <a:bodyPr wrap="square" lIns="0" rIns="0" tIns="0" bIns="0">
-            <a:spAutoFit/>
-          </a:bodyPr>
-          <a:lstStyle/>
-          <a:p>
-            <a:pPr algn="l">
-              <a:spcBef>
-                <a:spcPts val="0"/>
-              </a:spcBef>
-              <a:spcAft>
-                <a:spcPts val="0"/>
-              </a:spcAft>
-              <a:defRPr>
-                <a:solidFill>
-                  <a:srgbClr val="E0E0E0"/>
-                </a:solidFill>
-              </a:defRPr>
-            </a:pPr>
-            <a:r>
-              <a:rPr sz="700"/>
-              <a:t>• </a:t>
-            </a:r>
-            <a:r>
               <a:rPr b="1" sz="700">
-                <a:latin typeface="Arial"/>
-              </a:rPr>
-              <a:t>Themes</a:t>
-            </a:r>
-            <a:r>
-              <a:rPr sz="700">
-                <a:latin typeface="Arial"/>
-              </a:rPr>
-              <a:t>: </a:t>
-            </a:r>
-            <a:r>
-              <a:rPr sz="800">
-                <a:solidFill>
-                  <a:srgbClr val="FFFFFF"/>
-                </a:solidFill>
-                <a:latin typeface="Courier New"/>
-              </a:rPr>
-              <a:t>"default"</a:t>
-            </a:r>
-            <a:r>
-              <a:rPr sz="700">
-                <a:latin typeface="Arial"/>
-              </a:rPr>
-              <a:t>, </a:t>
-            </a:r>
-            <a:r>
-              <a:rPr sz="800">
-                <a:solidFill>
-                  <a:srgbClr val="FFFFFF"/>
-                </a:solidFill>
-                <a:latin typeface="Courier New"/>
-              </a:rPr>
-              <a:t>"dark"</a:t>
-            </a:r>
-          </a:p>
-          <a:p>
-            <a:pPr algn="l">
-              <a:defRPr>
-                <a:solidFill>
-                  <a:srgbClr val="E0E0E0"/>
-                </a:solidFill>
-              </a:defRPr>
-            </a:pPr>
-            <a:r>
-              <a:rPr sz="700"/>
-              <a:t>• </a:t>
+                <a:solidFill>
+                  <a:srgbClr val="E0E0E0"/>
+                </a:solidFill>
+                <a:latin typeface="Arial"/>
+              </a:rPr>
+              <a:t>End of demonstration</a:t>
+            </a:r>
+            <a:r>
+              <a:rPr sz="700">
+                <a:solidFill>
+                  <a:srgbClr val="E0E0E0"/>
+                </a:solidFill>
+                <a:latin typeface="Arial"/>
+              </a:rPr>
+              <a:t> - </a:t>
             </a:r>
             <a:r>
               <a:rPr b="1" sz="700">
-                <a:latin typeface="Arial"/>
-              </a:rPr>
-              <a:t>Debug mode</a:t>
-            </a:r>
-            <a:r>
-              <a:rPr sz="700">
-                <a:latin typeface="Arial"/>
-              </a:rPr>
-              <a:t>: Detailed processing information</a:t>
-            </a:r>
-          </a:p>
-          <a:p>
-            <a:pPr algn="l">
-              <a:defRPr>
-                <a:solidFill>
-                  <a:srgbClr val="E0E0E0"/>
-                </a:solidFill>
-              </a:defRPr>
-            </a:pPr>
-            <a:r>
-              <a:rPr sz="700"/>
-              <a:t>• </a:t>
-            </a:r>
-            <a:r>
-              <a:rPr b="1" sz="700">
-                <a:latin typeface="Arial"/>
-              </a:rPr>
-              <a:t>Output formats</a:t>
-            </a:r>
-            <a:r>
-              <a:rPr sz="700">
-                <a:latin typeface="Arial"/>
-              </a:rPr>
-              <a:t>: PowerPoint (.pptx) with full compatibility</a:t>
-            </a:r>
-          </a:p>
-          <a:p>
-            <a:pPr algn="l">
-              <a:defRPr>
-                <a:solidFill>
-                  <a:srgbClr val="E0E0E0"/>
-                </a:solidFill>
-              </a:defRPr>
-            </a:pPr>
-            <a:r>
-              <a:rPr sz="700"/>
-              <a:t>• </a:t>
-            </a:r>
-            <a:r>
-              <a:rPr b="1" sz="700">
-                <a:latin typeface="Arial"/>
-              </a:rPr>
-              <a:t>Custom styling</a:t>
-            </a:r>
-            <a:r>
-              <a:rPr sz="700">
-                <a:latin typeface="Arial"/>
-              </a:rPr>
-              <a:t>: CSS-based theme configuration</a:t>
-            </a:r>
-          </a:p>
-        </p:txBody>
-      </p:sp>
-      <p:sp>
-        <p:nvSpPr>
-          <p:cNvPr id="8" name="TextBox 7"/>
-          <p:cNvSpPr txBox="1"/>
-          <p:nvPr/>
-        </p:nvSpPr>
-        <p:spPr>
-          <a:xfrm>
-            <a:off x="200025" y="4572000"/>
-            <a:ext cx="8943975" cy="274320"/>
-          </a:xfrm>
-          <a:prstGeom prst="rect">
-            <a:avLst/>
-          </a:prstGeom>
-          <a:noFill/>
-        </p:spPr>
-        <p:txBody>
-          <a:bodyPr wrap="square" lIns="0" rIns="0" tIns="0" bIns="0">
-            <a:spAutoFit/>
-          </a:bodyPr>
-          <a:lstStyle/>
-          <a:p>
-            <a:pPr algn="l">
-              <a:lnSpc>
-                <a:spcPct val="100000"/>
-              </a:lnSpc>
-              <a:spcBef>
-                <a:spcPts val="0"/>
-              </a:spcBef>
-              <a:spcAft>
-                <a:spcPts val="0"/>
-              </a:spcAft>
-              <a:defRPr>
-                <a:solidFill>
-                  <a:srgbClr val="E0E0E0"/>
-                </a:solidFill>
-              </a:defRPr>
-            </a:pPr>
-            <a:r>
-              <a:rPr b="1" sz="700">
-                <a:latin typeface="Arial"/>
-              </a:rPr>
-              <a:t>End of demonstration</a:t>
-            </a:r>
-            <a:r>
-              <a:rPr sz="700">
-                <a:latin typeface="Arial"/>
-              </a:rPr>
-              <a:t> - </a:t>
-            </a:r>
-            <a:r>
-              <a:rPr b="1" sz="700">
-                <a:solidFill>
-                  <a:srgbClr val="FF8C00"/>
+                <a:solidFill>
+                  <a:srgbClr val="FFCC00"/>
                 </a:solidFill>
                 <a:latin typeface="Arial"/>
               </a:rPr>
@@ -7181,6 +7703,9 @@
             </a:r>
             <a:r>
               <a:rPr sz="700">
+                <a:solidFill>
+                  <a:srgbClr val="E0E0E0"/>
+                </a:solidFill>
                 <a:latin typeface="Arial"/>
               </a:rPr>
               <a:t>! 🎊</a:t>
@@ -7199,6 +7724,14 @@
 <file path=ppt/slides/slide15.xml><?xml version="1.0" encoding="utf-8"?>
 <p:sld xmlns:a="http://schemas.openxmlformats.org/drawingml/2006/main" xmlns:p="http://schemas.openxmlformats.org/presentationml/2006/main" xmlns:r="http://schemas.openxmlformats.org/officeDocument/2006/relationships">
   <p:cSld>
+    <p:bg>
+      <p:bgPr>
+        <a:solidFill>
+          <a:srgbClr val="1A1A1A"/>
+        </a:solidFill>
+        <a:effectLst/>
+      </p:bgPr>
+    </p:bg>
     <p:spTree>
       <p:nvGrpSpPr>
         <p:cNvPr id="1" name=""/>
@@ -7215,6 +7748,56 @@
         <p:spPr>
           <a:xfrm>
             <a:off x="200025" y="180975"/>
+            <a:ext cx="8943975" cy="361950"/>
+          </a:xfrm>
+          <a:prstGeom prst="rect">
+            <a:avLst/>
+          </a:prstGeom>
+          <a:noFill/>
+        </p:spPr>
+        <p:txBody>
+          <a:bodyPr wrap="square" lIns="0" rIns="0" tIns="0" bIns="0">
+            <a:spAutoFit/>
+          </a:bodyPr>
+          <a:lstStyle/>
+          <a:p>
+            <a:pPr algn="l">
+              <a:lnSpc>
+                <a:spcPct val="100000"/>
+              </a:lnSpc>
+              <a:spcBef>
+                <a:spcPts val="0"/>
+              </a:spcBef>
+              <a:spcAft>
+                <a:spcPts val="0"/>
+              </a:spcAft>
+              <a:defRPr>
+                <a:solidFill>
+                  <a:srgbClr val="E0E0E0"/>
+                </a:solidFill>
+              </a:defRPr>
+            </a:pPr>
+            <a:r>
+              <a:rPr sz="1200" b="1">
+                <a:solidFill>
+                  <a:srgbClr val="E0E0E0"/>
+                </a:solidFill>
+                <a:latin typeface="Arial"/>
+              </a:rPr>
+              <a:t>📈 Figures Demo</a:t>
+            </a:r>
+          </a:p>
+        </p:txBody>
+      </p:sp>
+      <p:sp>
+        <p:nvSpPr>
+          <p:cNvPr id="3" name="TextBox 2"/>
+          <p:cNvSpPr txBox="1"/>
+          <p:nvPr/>
+        </p:nvSpPr>
+        <p:spPr>
+          <a:xfrm>
+            <a:off x="200025" y="542925"/>
             <a:ext cx="8943975" cy="274320"/>
           </a:xfrm>
           <a:prstGeom prst="rect">
@@ -7245,54 +7828,10 @@
               </a:defRPr>
             </a:pPr>
             <a:r>
-              <a:rPr sz="1200" b="1">
-                <a:latin typeface="Arial"/>
-              </a:rPr>
-              <a:t>📈 Figures Demo</a:t>
-            </a:r>
-          </a:p>
-        </p:txBody>
-      </p:sp>
-      <p:sp>
-        <p:nvSpPr>
-          <p:cNvPr id="3" name="TextBox 2"/>
-          <p:cNvSpPr txBox="1"/>
-          <p:nvPr/>
-        </p:nvSpPr>
-        <p:spPr>
-          <a:xfrm>
-            <a:off x="200025" y="561974"/>
-            <a:ext cx="8943975" cy="274320"/>
-          </a:xfrm>
-          <a:prstGeom prst="rect">
-            <a:avLst/>
-          </a:prstGeom>
-          <a:noFill/>
-        </p:spPr>
-        <p:txBody>
-          <a:bodyPr wrap="square" lIns="0" rIns="0" tIns="0" bIns="0">
-            <a:spAutoFit/>
-          </a:bodyPr>
-          <a:lstStyle/>
-          <a:p>
-            <a:pPr algn="l">
-              <a:lnSpc>
-                <a:spcPct val="100000"/>
-              </a:lnSpc>
-              <a:spcBef>
-                <a:spcPts val="0"/>
-              </a:spcBef>
-              <a:spcAft>
-                <a:spcPts val="0"/>
-              </a:spcAft>
-              <a:defRPr>
-                <a:solidFill>
-                  <a:srgbClr val="E0E0E0"/>
-                </a:solidFill>
-              </a:defRPr>
-            </a:pPr>
-            <a:r>
-              <a:rPr sz="700">
+              <a:rPr sz="700">
+                <a:solidFill>
+                  <a:srgbClr val="E0E0E0"/>
+                </a:solidFill>
                 <a:latin typeface="Arial"/>
               </a:rPr>
               <a:t>Bar chart (80% width):</a:t>
@@ -7316,8 +7855,8 @@
         </p:blipFill>
         <p:spPr>
           <a:xfrm>
-            <a:off x="200025" y="704849"/>
-            <a:ext cx="6056629" cy="4542472"/>
+            <a:off x="200025" y="676274"/>
+            <a:ext cx="6048375" cy="4533900"/>
           </a:xfrm>
           <a:prstGeom prst="rect">
             <a:avLst/>
@@ -7332,7 +7871,7 @@
         </p:nvSpPr>
         <p:spPr>
           <a:xfrm>
-            <a:off x="200025" y="3695699"/>
+            <a:off x="200025" y="3667124"/>
             <a:ext cx="8943975" cy="274320"/>
           </a:xfrm>
           <a:prstGeom prst="rect">
@@ -7364,6 +7903,9 @@
             </a:pPr>
             <a:r>
               <a:rPr sz="700">
+                <a:solidFill>
+                  <a:srgbClr val="E0E0E0"/>
+                </a:solidFill>
                 <a:latin typeface="Arial"/>
               </a:rPr>
               <a:t>Pie chart (60% height):</a:t>
@@ -7382,6 +7924,14 @@
 <file path=ppt/slides/slide16.xml><?xml version="1.0" encoding="utf-8"?>
 <p:sld xmlns:a="http://schemas.openxmlformats.org/drawingml/2006/main" xmlns:p="http://schemas.openxmlformats.org/presentationml/2006/main" xmlns:r="http://schemas.openxmlformats.org/officeDocument/2006/relationships">
   <p:cSld>
+    <p:bg>
+      <p:bgPr>
+        <a:solidFill>
+          <a:srgbClr val="1A1A1A"/>
+        </a:solidFill>
+        <a:effectLst/>
+      </p:bgPr>
+    </p:bg>
     <p:spTree>
       <p:nvGrpSpPr>
         <p:cNvPr id="1" name=""/>
@@ -7406,7 +7956,7 @@
         <p:spPr>
           <a:xfrm>
             <a:off x="200025" y="180975"/>
-            <a:ext cx="2868929" cy="2868929"/>
+            <a:ext cx="2867025" cy="2867025"/>
           </a:xfrm>
           <a:prstGeom prst="rect">
             <a:avLst/>
@@ -7422,7 +7972,7 @@
         <p:spPr>
           <a:xfrm>
             <a:off x="200025" y="3076574"/>
-            <a:ext cx="8943975" cy="274320"/>
+            <a:ext cx="8943975" cy="361950"/>
           </a:xfrm>
           <a:prstGeom prst="rect">
             <a:avLst/>
@@ -7453,6 +8003,9 @@
             </a:pPr>
             <a:r>
               <a:rPr sz="1200" b="1">
+                <a:solidFill>
+                  <a:srgbClr val="E0E0E0"/>
+                </a:solidFill>
                 <a:latin typeface="Arial"/>
               </a:rPr>
               <a:t>Two-column slide: table on left, text on right</a:t>
@@ -7468,7 +8021,7 @@
         </p:nvSpPr>
         <p:spPr>
           <a:xfrm>
-            <a:off x="276225" y="3457575"/>
+            <a:off x="276225" y="3438525"/>
             <a:ext cx="8867775" cy="274320"/>
           </a:xfrm>
           <a:prstGeom prst="rect">
@@ -7500,6 +8053,9 @@
             </a:pPr>
             <a:r>
               <a:rPr sz="800" b="1">
+                <a:solidFill>
+                  <a:srgbClr val="E0E0E0"/>
+                </a:solidFill>
                 <a:latin typeface="Arial"/>
               </a:rPr>
               <a:t>📋 Project Status Table</a:t>
@@ -7515,8 +8071,8 @@
         </p:nvSpPr>
         <p:spPr>
           <a:xfrm>
-            <a:off x="276225" y="3733799"/>
-            <a:ext cx="1800225" cy="1485900"/>
+            <a:off x="276225" y="3705224"/>
+            <a:ext cx="1800225" cy="1628775"/>
           </a:xfrm>
           <a:prstGeom prst="rect">
             <a:avLst/>
@@ -7549,8 +8105,8 @@
           <p:nvPr/>
         </p:nvGraphicFramePr>
         <p:xfrm>
-          <a:off x="276225" y="3733799"/>
-          <a:ext cx="1798959" cy="1428750"/>
+          <a:off x="276225" y="3705224"/>
+          <a:ext cx="1978854" cy="1571625"/>
         </p:xfrm>
         <a:graphic>
           <a:graphicData uri="http://schemas.openxmlformats.org/drawingml/2006/table">
@@ -7559,11 +8115,11 @@
                 <a:tableStyleId>{5C22544A-7EE6-4342-B048-85BDC9FD1C3A}</a:tableStyleId>
               </a:tblPr>
               <a:tblGrid>
-                <a:gridCol w="765646"/>
-                <a:gridCol w="458390"/>
-                <a:gridCol w="574923"/>
+                <a:gridCol w="842210"/>
+                <a:gridCol w="504229"/>
+                <a:gridCol w="632415"/>
               </a:tblGrid>
-              <a:tr h="285750">
+              <a:tr h="314325">
                 <a:tc>
                   <a:txBody>
                     <a:bodyPr lIns="76200" rIns="76200" tIns="76200" bIns="76200"/>
@@ -7712,7 +8268,7 @@
                   </a:tcPr>
                 </a:tc>
               </a:tr>
-              <a:tr h="285750">
+              <a:tr h="314325">
                 <a:tc>
                   <a:txBody>
                     <a:bodyPr lIns="76200" rIns="76200" tIns="76200" bIns="76200"/>
@@ -7861,7 +8417,7 @@
                   </a:tcPr>
                 </a:tc>
               </a:tr>
-              <a:tr h="285750">
+              <a:tr h="314325">
                 <a:tc>
                   <a:txBody>
                     <a:bodyPr lIns="76200" rIns="76200" tIns="76200" bIns="76200"/>
@@ -8010,7 +8566,7 @@
                   </a:tcPr>
                 </a:tc>
               </a:tr>
-              <a:tr h="285750">
+              <a:tr h="314325">
                 <a:tc>
                   <a:txBody>
                     <a:bodyPr lIns="76200" rIns="76200" tIns="76200" bIns="76200"/>
@@ -8159,7 +8715,7 @@
                   </a:tcPr>
                 </a:tc>
               </a:tr>
-              <a:tr h="285750">
+              <a:tr h="314325">
                 <a:tc>
                   <a:txBody>
                     <a:bodyPr lIns="76200" rIns="76200" tIns="76200" bIns="76200"/>
@@ -8320,7 +8876,7 @@
         </p:nvSpPr>
         <p:spPr>
           <a:xfrm>
-            <a:off x="4800600" y="3486150"/>
+            <a:off x="4800600" y="3457575"/>
             <a:ext cx="4343400" cy="274320"/>
           </a:xfrm>
           <a:prstGeom prst="rect">
@@ -8352,6 +8908,9 @@
             </a:pPr>
             <a:r>
               <a:rPr sz="800" b="1">
+                <a:solidFill>
+                  <a:srgbClr val="E0E0E0"/>
+                </a:solidFill>
                 <a:latin typeface="Arial"/>
               </a:rPr>
               <a:t>✍️ Notes</a:t>
@@ -8367,8 +8926,8 @@
         </p:nvSpPr>
         <p:spPr>
           <a:xfrm>
-            <a:off x="4800600" y="3762374"/>
-            <a:ext cx="4343400" cy="295274"/>
+            <a:off x="4800600" y="3724274"/>
+            <a:ext cx="4343400" cy="342900"/>
           </a:xfrm>
           <a:prstGeom prst="rect">
             <a:avLst/>
@@ -8399,6 +8958,9 @@
             </a:pPr>
             <a:r>
               <a:rPr sz="700">
+                <a:solidFill>
+                  <a:srgbClr val="E0E0E0"/>
+                </a:solidFill>
                 <a:latin typeface="Arial"/>
               </a:rPr>
               <a:t>All core features are either complete or in progress. Remaining items are performance tuning and UX polish.</a:t>
@@ -8417,6 +8979,14 @@
 <file path=ppt/slides/slide17.xml><?xml version="1.0" encoding="utf-8"?>
 <p:sld xmlns:a="http://schemas.openxmlformats.org/drawingml/2006/main" xmlns:p="http://schemas.openxmlformats.org/presentationml/2006/main" xmlns:r="http://schemas.openxmlformats.org/officeDocument/2006/relationships">
   <p:cSld>
+    <p:bg>
+      <p:bgPr>
+        <a:solidFill>
+          <a:srgbClr val="1A1A1A"/>
+        </a:solidFill>
+        <a:effectLst/>
+      </p:bgPr>
+    </p:bg>
     <p:spTree>
       <p:nvGrpSpPr>
         <p:cNvPr id="1" name=""/>
@@ -8433,7 +9003,7 @@
         <p:spPr>
           <a:xfrm>
             <a:off x="200025" y="180975"/>
-            <a:ext cx="8943975" cy="274320"/>
+            <a:ext cx="8943975" cy="361950"/>
           </a:xfrm>
           <a:prstGeom prst="rect">
             <a:avLst/>
@@ -8464,6 +9034,9 @@
             </a:pPr>
             <a:r>
               <a:rPr sz="1200" b="1">
+                <a:solidFill>
+                  <a:srgbClr val="E0E0E0"/>
+                </a:solidFill>
                 <a:latin typeface="Arial"/>
               </a:rPr>
               <a:t>📈 Figures Demo (Columns)</a:t>
@@ -8487,8 +9060,8 @@
         </p:blipFill>
         <p:spPr>
           <a:xfrm>
-            <a:off x="276225" y="561974"/>
-            <a:ext cx="3375660" cy="2531745"/>
+            <a:off x="276225" y="542925"/>
+            <a:ext cx="3809999" cy="2857500"/>
           </a:xfrm>
           <a:prstGeom prst="rect">
             <a:avLst/>
@@ -8503,8 +9076,8 @@
         </p:nvSpPr>
         <p:spPr>
           <a:xfrm>
-            <a:off x="4800600" y="657225"/>
-            <a:ext cx="4343400" cy="295274"/>
+            <a:off x="4800600" y="638175"/>
+            <a:ext cx="4343400" cy="342900"/>
           </a:xfrm>
           <a:prstGeom prst="rect">
             <a:avLst/>
@@ -8535,6 +9108,9 @@
             </a:pPr>
             <a:r>
               <a:rPr sz="700">
+                <a:solidFill>
+                  <a:srgbClr val="E0E0E0"/>
+                </a:solidFill>
                 <a:latin typeface="Arial"/>
               </a:rPr>
               <a:t>The bar chart shows relative task completion percentages. Authentication and API docs are finished; analytics is lagging.</a:t>
@@ -8553,6 +9129,14 @@
 <file path=ppt/slides/slide18.xml><?xml version="1.0" encoding="utf-8"?>
 <p:sld xmlns:a="http://schemas.openxmlformats.org/drawingml/2006/main" xmlns:p="http://schemas.openxmlformats.org/presentationml/2006/main" xmlns:r="http://schemas.openxmlformats.org/officeDocument/2006/relationships">
   <p:cSld>
+    <p:bg>
+      <p:bgPr>
+        <a:solidFill>
+          <a:srgbClr val="1A1A1A"/>
+        </a:solidFill>
+        <a:effectLst/>
+      </p:bgPr>
+    </p:bg>
     <p:spTree>
       <p:nvGrpSpPr>
         <p:cNvPr id="1" name=""/>
@@ -8569,7 +9153,7 @@
         <p:spPr>
           <a:xfrm>
             <a:off x="200025" y="180975"/>
-            <a:ext cx="8943975" cy="274320"/>
+            <a:ext cx="8943975" cy="361950"/>
           </a:xfrm>
           <a:prstGeom prst="rect">
             <a:avLst/>
@@ -8600,6 +9184,9 @@
             </a:pPr>
             <a:r>
               <a:rPr sz="1200" b="1">
+                <a:solidFill>
+                  <a:srgbClr val="E0E0E0"/>
+                </a:solidFill>
                 <a:latin typeface="Arial"/>
               </a:rPr>
               <a:t>🖼️ Figure + Table Demo</a:t>
@@ -8623,8 +9210,8 @@
         </p:blipFill>
         <p:spPr>
           <a:xfrm>
-            <a:off x="276225" y="561974"/>
-            <a:ext cx="2868929" cy="2868929"/>
+            <a:off x="276225" y="542925"/>
+            <a:ext cx="2857500" cy="2857500"/>
           </a:xfrm>
           <a:prstGeom prst="rect">
             <a:avLst/>
@@ -8639,8 +9226,8 @@
         </p:nvSpPr>
         <p:spPr>
           <a:xfrm>
-            <a:off x="4800600" y="561974"/>
-            <a:ext cx="923924" cy="1190625"/>
+            <a:off x="4800600" y="542925"/>
+            <a:ext cx="923924" cy="1333500"/>
           </a:xfrm>
           <a:prstGeom prst="rect">
             <a:avLst/>
@@ -8673,8 +9260,8 @@
           <p:nvPr/>
         </p:nvGraphicFramePr>
         <p:xfrm>
-          <a:off x="4800600" y="561974"/>
-          <a:ext cx="922138" cy="1143000"/>
+          <a:off x="4800600" y="542925"/>
+          <a:ext cx="1014352" cy="1285872"/>
         </p:xfrm>
         <a:graphic>
           <a:graphicData uri="http://schemas.openxmlformats.org/drawingml/2006/table">
@@ -8683,10 +9270,10 @@
                 <a:tableStyleId>{5C22544A-7EE6-4342-B048-85BDC9FD1C3A}</a:tableStyleId>
               </a:tblPr>
               <a:tblGrid>
-                <a:gridCol w="654248"/>
-                <a:gridCol w="267890"/>
+                <a:gridCol w="719673"/>
+                <a:gridCol w="294679"/>
               </a:tblGrid>
-              <a:tr h="285750">
+              <a:tr h="321468">
                 <a:tc>
                   <a:txBody>
                     <a:bodyPr lIns="76200" rIns="76200" tIns="76200" bIns="76200"/>
@@ -8786,7 +9373,7 @@
                   </a:tcPr>
                 </a:tc>
               </a:tr>
-              <a:tr h="285750">
+              <a:tr h="321468">
                 <a:tc>
                   <a:txBody>
                     <a:bodyPr lIns="76200" rIns="76200" tIns="76200" bIns="76200"/>
@@ -8886,7 +9473,7 @@
                   </a:tcPr>
                 </a:tc>
               </a:tr>
-              <a:tr h="285750">
+              <a:tr h="321468">
                 <a:tc>
                   <a:txBody>
                     <a:bodyPr lIns="76200" rIns="76200" tIns="76200" bIns="76200"/>
@@ -8986,7 +9573,7 @@
                   </a:tcPr>
                 </a:tc>
               </a:tr>
-              <a:tr h="285750">
+              <a:tr h="321468">
                 <a:tc>
                   <a:txBody>
                     <a:bodyPr lIns="76200" rIns="76200" tIns="76200" bIns="76200"/>
@@ -9101,6 +9688,14 @@
 <file path=ppt/slides/slide19.xml><?xml version="1.0" encoding="utf-8"?>
 <p:sld xmlns:a="http://schemas.openxmlformats.org/drawingml/2006/main" xmlns:p="http://schemas.openxmlformats.org/presentationml/2006/main" xmlns:r="http://schemas.openxmlformats.org/officeDocument/2006/relationships">
   <p:cSld>
+    <p:bg>
+      <p:bgPr>
+        <a:solidFill>
+          <a:srgbClr val="1A1A1A"/>
+        </a:solidFill>
+        <a:effectLst/>
+      </p:bgPr>
+    </p:bg>
     <p:spTree>
       <p:nvGrpSpPr>
         <p:cNvPr id="1" name=""/>
@@ -9117,7 +9712,7 @@
         <p:spPr>
           <a:xfrm>
             <a:off x="200025" y="180975"/>
-            <a:ext cx="8943975" cy="274320"/>
+            <a:ext cx="8943975" cy="361950"/>
           </a:xfrm>
           <a:prstGeom prst="rect">
             <a:avLst/>
@@ -9148,6 +9743,9 @@
             </a:pPr>
             <a:r>
               <a:rPr sz="1200" b="1">
+                <a:solidFill>
+                  <a:srgbClr val="E0E0E0"/>
+                </a:solidFill>
                 <a:latin typeface="Arial"/>
               </a:rPr>
               <a:t>Two-column slide (60% / 40%)</a:t>
@@ -9163,7 +9761,7 @@
         </p:nvSpPr>
         <p:spPr>
           <a:xfrm>
-            <a:off x="276225" y="561974"/>
+            <a:off x="276225" y="542925"/>
             <a:ext cx="8867775" cy="274320"/>
           </a:xfrm>
           <a:prstGeom prst="rect">
@@ -9195,6 +9793,9 @@
             </a:pPr>
             <a:r>
               <a:rPr sz="800" b="1">
+                <a:solidFill>
+                  <a:srgbClr val="E0E0E0"/>
+                </a:solidFill>
                 <a:latin typeface="Arial"/>
               </a:rPr>
               <a:t>📋 Project Status Table</a:t>
@@ -9210,8 +9811,8 @@
         </p:nvSpPr>
         <p:spPr>
           <a:xfrm>
-            <a:off x="276225" y="828675"/>
-            <a:ext cx="1800225" cy="1485900"/>
+            <a:off x="276225" y="800100"/>
+            <a:ext cx="1800225" cy="1628775"/>
           </a:xfrm>
           <a:prstGeom prst="rect">
             <a:avLst/>
@@ -9244,8 +9845,8 @@
           <p:nvPr/>
         </p:nvGraphicFramePr>
         <p:xfrm>
-          <a:off x="276225" y="828675"/>
-          <a:ext cx="1798959" cy="1428750"/>
+          <a:off x="276225" y="800100"/>
+          <a:ext cx="1978854" cy="1571625"/>
         </p:xfrm>
         <a:graphic>
           <a:graphicData uri="http://schemas.openxmlformats.org/drawingml/2006/table">
@@ -9254,11 +9855,11 @@
                 <a:tableStyleId>{5C22544A-7EE6-4342-B048-85BDC9FD1C3A}</a:tableStyleId>
               </a:tblPr>
               <a:tblGrid>
-                <a:gridCol w="765646"/>
-                <a:gridCol w="458390"/>
-                <a:gridCol w="574923"/>
+                <a:gridCol w="842210"/>
+                <a:gridCol w="504229"/>
+                <a:gridCol w="632415"/>
               </a:tblGrid>
-              <a:tr h="285750">
+              <a:tr h="314325">
                 <a:tc>
                   <a:txBody>
                     <a:bodyPr lIns="76200" rIns="76200" tIns="76200" bIns="76200"/>
@@ -9407,7 +10008,7 @@
                   </a:tcPr>
                 </a:tc>
               </a:tr>
-              <a:tr h="285750">
+              <a:tr h="314325">
                 <a:tc>
                   <a:txBody>
                     <a:bodyPr lIns="76200" rIns="76200" tIns="76200" bIns="76200"/>
@@ -9556,7 +10157,7 @@
                   </a:tcPr>
                 </a:tc>
               </a:tr>
-              <a:tr h="285750">
+              <a:tr h="314325">
                 <a:tc>
                   <a:txBody>
                     <a:bodyPr lIns="76200" rIns="76200" tIns="76200" bIns="76200"/>
@@ -9705,7 +10306,7 @@
                   </a:tcPr>
                 </a:tc>
               </a:tr>
-              <a:tr h="285750">
+              <a:tr h="314325">
                 <a:tc>
                   <a:txBody>
                     <a:bodyPr lIns="76200" rIns="76200" tIns="76200" bIns="76200"/>
@@ -9854,7 +10455,7 @@
                   </a:tcPr>
                 </a:tc>
               </a:tr>
-              <a:tr h="285750">
+              <a:tr h="314325">
                 <a:tc>
                   <a:txBody>
                     <a:bodyPr lIns="76200" rIns="76200" tIns="76200" bIns="76200"/>
@@ -10015,7 +10616,7 @@
         </p:nvSpPr>
         <p:spPr>
           <a:xfrm>
-            <a:off x="5972175" y="590549"/>
+            <a:off x="5972175" y="561974"/>
             <a:ext cx="3171825" cy="274320"/>
           </a:xfrm>
           <a:prstGeom prst="rect">
@@ -10047,6 +10648,9 @@
             </a:pPr>
             <a:r>
               <a:rPr sz="800" b="1">
+                <a:solidFill>
+                  <a:srgbClr val="E0E0E0"/>
+                </a:solidFill>
                 <a:latin typeface="Arial"/>
               </a:rPr>
               <a:t>✍️ Notes</a:t>
@@ -10062,8 +10666,8 @@
         </p:nvSpPr>
         <p:spPr>
           <a:xfrm>
-            <a:off x="5972175" y="857250"/>
-            <a:ext cx="3171825" cy="295274"/>
+            <a:off x="5972175" y="819149"/>
+            <a:ext cx="3171825" cy="342900"/>
           </a:xfrm>
           <a:prstGeom prst="rect">
             <a:avLst/>
@@ -10094,6 +10698,9 @@
             </a:pPr>
             <a:r>
               <a:rPr sz="700">
+                <a:solidFill>
+                  <a:srgbClr val="E0E0E0"/>
+                </a:solidFill>
                 <a:latin typeface="Arial"/>
               </a:rPr>
               <a:t>All core features are either complete or in progress. Remaining items are performance tuning and UX polish.</a:t>
@@ -10112,6 +10719,14 @@
 <file path=ppt/slides/slide2.xml><?xml version="1.0" encoding="utf-8"?>
 <p:sld xmlns:a="http://schemas.openxmlformats.org/drawingml/2006/main" xmlns:p="http://schemas.openxmlformats.org/presentationml/2006/main" xmlns:r="http://schemas.openxmlformats.org/officeDocument/2006/relationships">
   <p:cSld>
+    <p:bg>
+      <p:bgPr>
+        <a:solidFill>
+          <a:srgbClr val="1A1A1A"/>
+        </a:solidFill>
+        <a:effectLst/>
+      </p:bgPr>
+    </p:bg>
     <p:spTree>
       <p:nvGrpSpPr>
         <p:cNvPr id="1" name=""/>
@@ -10128,6 +10743,106 @@
         <p:spPr>
           <a:xfrm>
             <a:off x="200025" y="180975"/>
+            <a:ext cx="8943975" cy="361950"/>
+          </a:xfrm>
+          <a:prstGeom prst="rect">
+            <a:avLst/>
+          </a:prstGeom>
+          <a:noFill/>
+        </p:spPr>
+        <p:txBody>
+          <a:bodyPr wrap="square" lIns="0" rIns="0" tIns="0" bIns="0">
+            <a:spAutoFit/>
+          </a:bodyPr>
+          <a:lstStyle/>
+          <a:p>
+            <a:pPr algn="l">
+              <a:lnSpc>
+                <a:spcPct val="100000"/>
+              </a:lnSpc>
+              <a:spcBef>
+                <a:spcPts val="0"/>
+              </a:spcBef>
+              <a:spcAft>
+                <a:spcPts val="0"/>
+              </a:spcAft>
+              <a:defRPr>
+                <a:solidFill>
+                  <a:srgbClr val="E0E0E0"/>
+                </a:solidFill>
+              </a:defRPr>
+            </a:pPr>
+            <a:r>
+              <a:rPr sz="1200" b="1">
+                <a:solidFill>
+                  <a:srgbClr val="E0E0E0"/>
+                </a:solidFill>
+                <a:latin typeface="Arial"/>
+              </a:rPr>
+              <a:t>✨ Inline Styling Features</a:t>
+            </a:r>
+          </a:p>
+        </p:txBody>
+      </p:sp>
+      <p:sp>
+        <p:nvSpPr>
+          <p:cNvPr id="3" name="TextBox 2"/>
+          <p:cNvSpPr txBox="1"/>
+          <p:nvPr/>
+        </p:nvSpPr>
+        <p:spPr>
+          <a:xfrm>
+            <a:off x="200025" y="542925"/>
+            <a:ext cx="8943975" cy="304800"/>
+          </a:xfrm>
+          <a:prstGeom prst="rect">
+            <a:avLst/>
+          </a:prstGeom>
+          <a:noFill/>
+        </p:spPr>
+        <p:txBody>
+          <a:bodyPr wrap="square" lIns="0" rIns="0" tIns="0" bIns="0">
+            <a:spAutoFit/>
+          </a:bodyPr>
+          <a:lstStyle/>
+          <a:p>
+            <a:pPr algn="l">
+              <a:lnSpc>
+                <a:spcPct val="100000"/>
+              </a:lnSpc>
+              <a:spcBef>
+                <a:spcPts val="0"/>
+              </a:spcBef>
+              <a:spcAft>
+                <a:spcPts val="0"/>
+              </a:spcAft>
+              <a:defRPr>
+                <a:solidFill>
+                  <a:srgbClr val="E0E0E0"/>
+                </a:solidFill>
+              </a:defRPr>
+            </a:pPr>
+            <a:r>
+              <a:rPr sz="900" b="1">
+                <a:solidFill>
+                  <a:srgbClr val="E0E0E0"/>
+                </a:solidFill>
+                <a:latin typeface="Arial"/>
+              </a:rPr>
+              <a:t>Basic Formatting</a:t>
+            </a:r>
+          </a:p>
+        </p:txBody>
+      </p:sp>
+      <p:sp>
+        <p:nvSpPr>
+          <p:cNvPr id="4" name="TextBox 3"/>
+          <p:cNvSpPr txBox="1"/>
+          <p:nvPr/>
+        </p:nvSpPr>
+        <p:spPr>
+          <a:xfrm>
+            <a:off x="200025" y="847724"/>
             <a:ext cx="8943975" cy="274320"/>
           </a:xfrm>
           <a:prstGeom prst="rect">
@@ -10158,23 +10873,53 @@
               </a:defRPr>
             </a:pPr>
             <a:r>
-              <a:rPr sz="1200" b="1">
-                <a:latin typeface="Arial"/>
-              </a:rPr>
-              <a:t>✨ Inline Styling Features</a:t>
+              <a:rPr b="1" sz="700">
+                <a:solidFill>
+                  <a:srgbClr val="E0E0E0"/>
+                </a:solidFill>
+                <a:latin typeface="Arial"/>
+              </a:rPr>
+              <a:t>Bold text</a:t>
+            </a:r>
+            <a:r>
+              <a:rPr sz="700">
+                <a:solidFill>
+                  <a:srgbClr val="E0E0E0"/>
+                </a:solidFill>
+                <a:latin typeface="Arial"/>
+              </a:rPr>
+              <a:t> using double asterisks or </a:t>
+            </a:r>
+            <a:r>
+              <a:rPr b="1" sz="700">
+                <a:solidFill>
+                  <a:srgbClr val="E0E0E0"/>
+                </a:solidFill>
+                <a:latin typeface="Arial"/>
+              </a:rPr>
+              <a:t>double underscores</a:t>
+            </a:r>
+            <a:r>
+              <a:rPr sz="700">
+                <a:solidFill>
+                  <a:srgbClr val="E0E0E0"/>
+                </a:solidFill>
+                <a:latin typeface="Arial"/>
+              </a:rPr>
+              <a:t>.</a:t>
             </a:r>
           </a:p>
         </p:txBody>
       </p:sp>
       <p:sp>
         <p:nvSpPr>
-          <p:cNvPr id="3" name="TextBox 2"/>
+          <p:cNvPr id="5" name="TextBox 4"/>
           <p:cNvSpPr txBox="1"/>
           <p:nvPr/>
         </p:nvSpPr>
         <p:spPr>
           <a:xfrm>
-            <a:off x="200025" y="561974"/>
+            <a:off x="200025" y="1076325"/>
             <a:ext cx="8943975" cy="274320"/>
           </a:xfrm>
           <a:prstGeom prst="rect">
@@ -10205,23 +10950,53 @@
               </a:defRPr>
             </a:pPr>
             <a:r>
-              <a:rPr sz="900" b="1">
-                <a:latin typeface="Arial"/>
-              </a:rPr>
-              <a:t>Basic Formatting</a:t>
+              <a:rPr i="1" sz="700">
+                <a:solidFill>
+                  <a:srgbClr val="E0E0E0"/>
+                </a:solidFill>
+                <a:latin typeface="Arial"/>
+              </a:rPr>
+              <a:t>Italic text</a:t>
+            </a:r>
+            <a:r>
+              <a:rPr sz="700">
+                <a:solidFill>
+                  <a:srgbClr val="E0E0E0"/>
+                </a:solidFill>
+                <a:latin typeface="Arial"/>
+              </a:rPr>
+              <a:t> using single asterisks or </a:t>
+            </a:r>
+            <a:r>
+              <a:rPr i="1" sz="700">
+                <a:solidFill>
+                  <a:srgbClr val="E0E0E0"/>
+                </a:solidFill>
+                <a:latin typeface="Arial"/>
+              </a:rPr>
+              <a:t>single underscores</a:t>
+            </a:r>
+            <a:r>
+              <a:rPr sz="700">
+                <a:solidFill>
+                  <a:srgbClr val="E0E0E0"/>
+                </a:solidFill>
+                <a:latin typeface="Arial"/>
+              </a:rPr>
+              <a:t>.</a:t>
             </a:r>
           </a:p>
         </p:txBody>
       </p:sp>
       <p:sp>
         <p:nvSpPr>
-          <p:cNvPr id="4" name="TextBox 3"/>
+          <p:cNvPr id="6" name="TextBox 5"/>
           <p:cNvSpPr txBox="1"/>
           <p:nvPr/>
         </p:nvSpPr>
         <p:spPr>
           <a:xfrm>
-            <a:off x="200025" y="885825"/>
+            <a:off x="200025" y="1304925"/>
             <a:ext cx="8943975" cy="274320"/>
           </a:xfrm>
           <a:prstGeom prst="rect">
@@ -10252,25 +11027,37 @@
               </a:defRPr>
             </a:pPr>
             <a:r>
-              <a:rPr b="1" sz="700">
-                <a:latin typeface="Arial"/>
-              </a:rPr>
-              <a:t>Bold text</a:t>
-            </a:r>
-            <a:r>
-              <a:rPr sz="700">
-                <a:latin typeface="Arial"/>
-              </a:rPr>
-              <a:t> using double asterisks or </a:t>
-            </a:r>
-            <a:r>
-              <a:rPr b="1" sz="700">
-                <a:latin typeface="Arial"/>
-              </a:rPr>
-              <a:t>double underscores</a:t>
-            </a:r>
-            <a:r>
-              <a:rPr sz="700">
+              <a:rPr sz="800">
+                <a:solidFill>
+                  <a:srgbClr val="FFFFFF"/>
+                </a:solidFill>
+                <a:latin typeface="Courier New"/>
+              </a:rPr>
+              <a:t>Inline code</a:t>
+            </a:r>
+            <a:r>
+              <a:rPr sz="700">
+                <a:solidFill>
+                  <a:srgbClr val="E0E0E0"/>
+                </a:solidFill>
+                <a:latin typeface="Arial"/>
+              </a:rPr>
+              <a:t> using backticks for technical terms like </a:t>
+            </a:r>
+            <a:r>
+              <a:rPr sz="800">
+                <a:solidFill>
+                  <a:srgbClr val="FFFFFF"/>
+                </a:solidFill>
+                <a:latin typeface="Courier New"/>
+              </a:rPr>
+              <a:t>SlideGenerator.generate()</a:t>
+            </a:r>
+            <a:r>
+              <a:rPr sz="700">
+                <a:solidFill>
+                  <a:srgbClr val="E0E0E0"/>
+                </a:solidFill>
                 <a:latin typeface="Arial"/>
               </a:rPr>
               <a:t>.</a:t>
@@ -10280,13 +11067,13 @@
       </p:sp>
       <p:sp>
         <p:nvSpPr>
-          <p:cNvPr id="5" name="TextBox 4"/>
+          <p:cNvPr id="7" name="TextBox 6"/>
           <p:cNvSpPr txBox="1"/>
           <p:nvPr/>
         </p:nvSpPr>
         <p:spPr>
           <a:xfrm>
-            <a:off x="200025" y="1123949"/>
+            <a:off x="200025" y="1581149"/>
             <a:ext cx="8943975" cy="274320"/>
           </a:xfrm>
           <a:prstGeom prst="rect">
@@ -10317,25 +11104,37 @@
               </a:defRPr>
             </a:pPr>
             <a:r>
-              <a:rPr i="1" sz="700">
-                <a:latin typeface="Arial"/>
-              </a:rPr>
-              <a:t>Italic text</a:t>
-            </a:r>
-            <a:r>
-              <a:rPr sz="700">
-                <a:latin typeface="Arial"/>
-              </a:rPr>
-              <a:t> using single asterisks or </a:t>
-            </a:r>
-            <a:r>
-              <a:rPr i="1" sz="700">
-                <a:latin typeface="Arial"/>
-              </a:rPr>
-              <a:t>single underscores</a:t>
-            </a:r>
-            <a:r>
-              <a:rPr sz="700">
+              <a:rPr b="1" sz="700">
+                <a:solidFill>
+                  <a:srgbClr val="FFCC00"/>
+                </a:solidFill>
+                <a:latin typeface="Arial"/>
+              </a:rPr>
+              <a:t>Highlighted text</a:t>
+            </a:r>
+            <a:r>
+              <a:rPr sz="700">
+                <a:solidFill>
+                  <a:srgbClr val="E0E0E0"/>
+                </a:solidFill>
+                <a:latin typeface="Arial"/>
+              </a:rPr>
+              <a:t> using double equals for </a:t>
+            </a:r>
+            <a:r>
+              <a:rPr b="1" sz="700">
+                <a:solidFill>
+                  <a:srgbClr val="FFCC00"/>
+                </a:solidFill>
+                <a:latin typeface="Arial"/>
+              </a:rPr>
+              <a:t>important information</a:t>
+            </a:r>
+            <a:r>
+              <a:rPr sz="700">
+                <a:solidFill>
+                  <a:srgbClr val="E0E0E0"/>
+                </a:solidFill>
                 <a:latin typeface="Arial"/>
               </a:rPr>
               <a:t>.</a:t>
@@ -10345,13 +11144,13 @@
       </p:sp>
       <p:sp>
         <p:nvSpPr>
-          <p:cNvPr id="6" name="TextBox 5"/>
+          <p:cNvPr id="8" name="TextBox 7"/>
           <p:cNvSpPr txBox="1"/>
           <p:nvPr/>
         </p:nvSpPr>
         <p:spPr>
           <a:xfrm>
-            <a:off x="200025" y="1362075"/>
+            <a:off x="200025" y="1809749"/>
             <a:ext cx="8943975" cy="274320"/>
           </a:xfrm>
           <a:prstGeom prst="rect">
@@ -10382,31 +11181,37 @@
               </a:defRPr>
             </a:pPr>
             <a:r>
-              <a:rPr sz="800">
-                <a:solidFill>
-                  <a:srgbClr val="FFFFFF"/>
-                </a:solidFill>
-                <a:latin typeface="Courier New"/>
-              </a:rPr>
-              <a:t>Inline code</a:t>
-            </a:r>
-            <a:r>
-              <a:rPr sz="700">
-                <a:latin typeface="Arial"/>
-              </a:rPr>
-              <a:t> using backticks for technical terms like </a:t>
-            </a:r>
-            <a:r>
-              <a:rPr sz="800">
-                <a:solidFill>
-                  <a:srgbClr val="FFFFFF"/>
-                </a:solidFill>
-                <a:latin typeface="Courier New"/>
-              </a:rPr>
-              <a:t>SlideGenerator.generate()</a:t>
-            </a:r>
-            <a:r>
-              <a:rPr sz="700">
+              <a:rPr u="sng" sz="700">
+                <a:solidFill>
+                  <a:srgbClr val="E0E0E0"/>
+                </a:solidFill>
+                <a:latin typeface="Arial"/>
+              </a:rPr>
+              <a:t>Underlined text</a:t>
+            </a:r>
+            <a:r>
+              <a:rPr sz="700">
+                <a:solidFill>
+                  <a:srgbClr val="E0E0E0"/>
+                </a:solidFill>
+                <a:latin typeface="Arial"/>
+              </a:rPr>
+              <a:t> using double plus signs for </a:t>
+            </a:r>
+            <a:r>
+              <a:rPr u="sng" sz="700">
+                <a:solidFill>
+                  <a:srgbClr val="E0E0E0"/>
+                </a:solidFill>
+                <a:latin typeface="Arial"/>
+              </a:rPr>
+              <a:t>emphasis or citations</a:t>
+            </a:r>
+            <a:r>
+              <a:rPr sz="700">
+                <a:solidFill>
+                  <a:srgbClr val="E0E0E0"/>
+                </a:solidFill>
                 <a:latin typeface="Arial"/>
               </a:rPr>
               <a:t>.</a:t>
@@ -10416,13 +11221,358 @@
       </p:sp>
       <p:sp>
         <p:nvSpPr>
-          <p:cNvPr id="7" name="TextBox 6"/>
+          <p:cNvPr id="9" name="TextBox 8"/>
           <p:cNvSpPr txBox="1"/>
           <p:nvPr/>
         </p:nvSpPr>
         <p:spPr>
           <a:xfrm>
-            <a:off x="200025" y="1685925"/>
+            <a:off x="200025" y="1943100"/>
+            <a:ext cx="8943975" cy="304800"/>
+          </a:xfrm>
+          <a:prstGeom prst="rect">
+            <a:avLst/>
+          </a:prstGeom>
+          <a:noFill/>
+        </p:spPr>
+        <p:txBody>
+          <a:bodyPr wrap="square" lIns="0" rIns="0" tIns="0" bIns="0">
+            <a:spAutoFit/>
+          </a:bodyPr>
+          <a:lstStyle/>
+          <a:p>
+            <a:pPr algn="l">
+              <a:lnSpc>
+                <a:spcPct val="100000"/>
+              </a:lnSpc>
+              <a:spcBef>
+                <a:spcPts val="0"/>
+              </a:spcBef>
+              <a:spcAft>
+                <a:spcPts val="0"/>
+              </a:spcAft>
+              <a:defRPr>
+                <a:solidFill>
+                  <a:srgbClr val="E0E0E0"/>
+                </a:solidFill>
+              </a:defRPr>
+            </a:pPr>
+            <a:r>
+              <a:rPr sz="900" b="1">
+                <a:solidFill>
+                  <a:srgbClr val="E0E0E0"/>
+                </a:solidFill>
+                <a:latin typeface="Arial"/>
+              </a:rPr>
+              <a:t>Advanced Combinations</a:t>
+            </a:r>
+          </a:p>
+        </p:txBody>
+      </p:sp>
+      <p:sp>
+        <p:nvSpPr>
+          <p:cNvPr id="10" name="TextBox 9"/>
+          <p:cNvSpPr txBox="1"/>
+          <p:nvPr/>
+        </p:nvSpPr>
+        <p:spPr>
+          <a:xfrm>
+            <a:off x="200025" y="2247899"/>
+            <a:ext cx="8943975" cy="723900"/>
+          </a:xfrm>
+          <a:prstGeom prst="rect">
+            <a:avLst/>
+          </a:prstGeom>
+          <a:noFill/>
+        </p:spPr>
+        <p:txBody>
+          <a:bodyPr wrap="square" lIns="0" rIns="0" tIns="0" bIns="0">
+            <a:spAutoFit/>
+          </a:bodyPr>
+          <a:lstStyle/>
+          <a:p>
+            <a:pPr algn="l">
+              <a:spcBef>
+                <a:spcPts val="0"/>
+              </a:spcBef>
+              <a:spcAft>
+                <a:spcPts val="0"/>
+              </a:spcAft>
+              <a:defRPr>
+                <a:solidFill>
+                  <a:srgbClr val="E0E0E0"/>
+                </a:solidFill>
+              </a:defRPr>
+            </a:pPr>
+            <a:r>
+              <a:rPr sz="700">
+                <a:solidFill>
+                  <a:srgbClr val="E0E0E0"/>
+                </a:solidFill>
+                <a:latin typeface="Arial"/>
+              </a:rPr>
+              <a:t>• </a:t>
+            </a:r>
+            <a:r>
+              <a:rPr b="1" sz="700">
+                <a:solidFill>
+                  <a:srgbClr val="E0E0E0"/>
+                </a:solidFill>
+                <a:latin typeface="Arial"/>
+              </a:rPr>
+              <a:t>Bold with </a:t>
+            </a:r>
+            <a:r>
+              <a:rPr b="1" i="1" sz="700">
+                <a:solidFill>
+                  <a:srgbClr val="E0E0E0"/>
+                </a:solidFill>
+                <a:latin typeface="Arial"/>
+              </a:rPr>
+              <a:t>italic inside</a:t>
+            </a:r>
+            <a:r>
+              <a:rPr b="1" sz="700">
+                <a:solidFill>
+                  <a:srgbClr val="E0E0E0"/>
+                </a:solidFill>
+                <a:latin typeface="Arial"/>
+              </a:rPr>
+              <a:t> for emphasis</a:t>
+            </a:r>
+          </a:p>
+          <a:p>
+            <a:pPr algn="l">
+              <a:defRPr>
+                <a:solidFill>
+                  <a:srgbClr val="E0E0E0"/>
+                </a:solidFill>
+              </a:defRPr>
+            </a:pPr>
+            <a:r>
+              <a:rPr sz="700">
+                <a:solidFill>
+                  <a:srgbClr val="E0E0E0"/>
+                </a:solidFill>
+                <a:latin typeface="Arial"/>
+              </a:rPr>
+              <a:t>• </a:t>
+            </a:r>
+            <a:r>
+              <a:rPr i="1" sz="700">
+                <a:solidFill>
+                  <a:srgbClr val="E0E0E0"/>
+                </a:solidFill>
+                <a:latin typeface="Arial"/>
+              </a:rPr>
+              <a:t>Italic with </a:t>
+            </a:r>
+            <a:r>
+              <a:rPr i="1" b="1" sz="700">
+                <a:solidFill>
+                  <a:srgbClr val="E0E0E0"/>
+                </a:solidFill>
+                <a:latin typeface="Arial"/>
+              </a:rPr>
+              <a:t>bold inside</a:t>
+            </a:r>
+            <a:r>
+              <a:rPr i="1" sz="700">
+                <a:solidFill>
+                  <a:srgbClr val="E0E0E0"/>
+                </a:solidFill>
+                <a:latin typeface="Arial"/>
+              </a:rPr>
+              <a:t> for variety</a:t>
+            </a:r>
+          </a:p>
+          <a:p>
+            <a:pPr algn="l">
+              <a:defRPr>
+                <a:solidFill>
+                  <a:srgbClr val="E0E0E0"/>
+                </a:solidFill>
+              </a:defRPr>
+            </a:pPr>
+            <a:r>
+              <a:rPr sz="700">
+                <a:solidFill>
+                  <a:srgbClr val="E0E0E0"/>
+                </a:solidFill>
+                <a:latin typeface="Arial"/>
+              </a:rPr>
+              <a:t>• </a:t>
+            </a:r>
+            <a:r>
+              <a:rPr b="1" sz="700">
+                <a:solidFill>
+                  <a:srgbClr val="FFCC00"/>
+                </a:solidFill>
+                <a:latin typeface="Arial"/>
+              </a:rPr>
+              <a:t>Highlighted with </a:t>
+            </a:r>
+            <a:r>
+              <a:rPr b="1" sz="700">
+                <a:solidFill>
+                  <a:srgbClr val="FFCC00"/>
+                </a:solidFill>
+                <a:latin typeface="Arial"/>
+              </a:rPr>
+              <a:t>bold inside</a:t>
+            </a:r>
+            <a:r>
+              <a:rPr b="1" sz="700">
+                <a:solidFill>
+                  <a:srgbClr val="FFCC00"/>
+                </a:solidFill>
+                <a:latin typeface="Arial"/>
+              </a:rPr>
+              <a:t> for attention</a:t>
+            </a:r>
+          </a:p>
+          <a:p>
+            <a:pPr algn="l">
+              <a:defRPr>
+                <a:solidFill>
+                  <a:srgbClr val="E0E0E0"/>
+                </a:solidFill>
+              </a:defRPr>
+            </a:pPr>
+            <a:r>
+              <a:rPr sz="700">
+                <a:solidFill>
+                  <a:srgbClr val="E0E0E0"/>
+                </a:solidFill>
+                <a:latin typeface="Arial"/>
+              </a:rPr>
+              <a:t>• </a:t>
+            </a:r>
+            <a:r>
+              <a:rPr sz="700">
+                <a:solidFill>
+                  <a:srgbClr val="E0E0E0"/>
+                </a:solidFill>
+                <a:latin typeface="Arial"/>
+              </a:rPr>
+              <a:t>Underlined with </a:t>
+            </a:r>
+            <a:r>
+              <a:rPr b="1" sz="700">
+                <a:solidFill>
+                  <a:srgbClr val="E0E0E0"/>
+                </a:solidFill>
+                <a:latin typeface="Arial"/>
+              </a:rPr>
+              <a:t>bold inside</a:t>
+            </a:r>
+            <a:r>
+              <a:rPr sz="700">
+                <a:solidFill>
+                  <a:srgbClr val="E0E0E0"/>
+                </a:solidFill>
+                <a:latin typeface="Arial"/>
+              </a:rPr>
+              <a:t> for citations</a:t>
+            </a:r>
+          </a:p>
+          <a:p>
+            <a:pPr algn="l">
+              <a:defRPr>
+                <a:solidFill>
+                  <a:srgbClr val="E0E0E0"/>
+                </a:solidFill>
+              </a:defRPr>
+            </a:pPr>
+            <a:r>
+              <a:rPr sz="700">
+                <a:solidFill>
+                  <a:srgbClr val="E0E0E0"/>
+                </a:solidFill>
+                <a:latin typeface="Arial"/>
+              </a:rPr>
+              <a:t>• </a:t>
+            </a:r>
+            <a:r>
+              <a:rPr sz="800">
+                <a:solidFill>
+                  <a:srgbClr val="FFFFFF"/>
+                </a:solidFill>
+                <a:latin typeface="Courier New"/>
+              </a:rPr>
+              <a:t>Code with formatting</a:t>
+            </a:r>
+            <a:r>
+              <a:rPr sz="700">
+                <a:solidFill>
+                  <a:srgbClr val="E0E0E0"/>
+                </a:solidFill>
+                <a:latin typeface="Arial"/>
+              </a:rPr>
+              <a:t> (note: formatting preserved where possible)</a:t>
+            </a:r>
+          </a:p>
+        </p:txBody>
+      </p:sp>
+      <p:sp>
+        <p:nvSpPr>
+          <p:cNvPr id="11" name="TextBox 10"/>
+          <p:cNvSpPr txBox="1"/>
+          <p:nvPr/>
+        </p:nvSpPr>
+        <p:spPr>
+          <a:xfrm>
+            <a:off x="200025" y="2886075"/>
+            <a:ext cx="8943975" cy="304800"/>
+          </a:xfrm>
+          <a:prstGeom prst="rect">
+            <a:avLst/>
+          </a:prstGeom>
+          <a:noFill/>
+        </p:spPr>
+        <p:txBody>
+          <a:bodyPr wrap="square" lIns="0" rIns="0" tIns="0" bIns="0">
+            <a:spAutoFit/>
+          </a:bodyPr>
+          <a:lstStyle/>
+          <a:p>
+            <a:pPr algn="l">
+              <a:lnSpc>
+                <a:spcPct val="100000"/>
+              </a:lnSpc>
+              <a:spcBef>
+                <a:spcPts val="0"/>
+              </a:spcBef>
+              <a:spcAft>
+                <a:spcPts val="0"/>
+              </a:spcAft>
+              <a:defRPr>
+                <a:solidFill>
+                  <a:srgbClr val="E0E0E0"/>
+                </a:solidFill>
+              </a:defRPr>
+            </a:pPr>
+            <a:r>
+              <a:rPr sz="900" b="1">
+                <a:solidFill>
+                  <a:srgbClr val="E0E0E0"/>
+                </a:solidFill>
+                <a:latin typeface="Arial"/>
+              </a:rPr>
+              <a:t>Real-World Examples</a:t>
+            </a:r>
+          </a:p>
+        </p:txBody>
+      </p:sp>
+      <p:sp>
+        <p:nvSpPr>
+          <p:cNvPr id="12" name="TextBox 11"/>
+          <p:cNvSpPr txBox="1"/>
+          <p:nvPr/>
+        </p:nvSpPr>
+        <p:spPr>
+          <a:xfrm>
+            <a:off x="200025" y="3200400"/>
             <a:ext cx="8943975" cy="274320"/>
           </a:xfrm>
           <a:prstGeom prst="rect">
@@ -10453,31 +11603,100 @@
               </a:defRPr>
             </a:pPr>
             <a:r>
+              <a:rPr sz="700">
+                <a:solidFill>
+                  <a:srgbClr val="E0E0E0"/>
+                </a:solidFill>
+                <a:latin typeface="Arial"/>
+              </a:rPr>
+              <a:t>The </a:t>
+            </a:r>
+            <a:r>
+              <a:rPr sz="800">
+                <a:solidFill>
+                  <a:srgbClr val="FFFFFF"/>
+                </a:solidFill>
+                <a:latin typeface="Courier New"/>
+              </a:rPr>
+              <a:t>SlideGenerator</a:t>
+            </a:r>
+            <a:r>
+              <a:rPr sz="700">
+                <a:solidFill>
+                  <a:srgbClr val="E0E0E0"/>
+                </a:solidFill>
+                <a:latin typeface="Arial"/>
+              </a:rPr>
+              <a:t> class provides a </a:t>
+            </a:r>
+            <a:r>
               <a:rPr b="1" sz="700">
                 <a:solidFill>
-                  <a:srgbClr val="FF8C00"/>
-                </a:solidFill>
-                <a:latin typeface="Arial"/>
-              </a:rPr>
-              <a:t>Highlighted text</a:t>
-            </a:r>
-            <a:r>
-              <a:rPr sz="700">
-                <a:latin typeface="Arial"/>
-              </a:rPr>
-              <a:t> using double equals for </a:t>
+                  <a:srgbClr val="E0E0E0"/>
+                </a:solidFill>
+                <a:latin typeface="Arial"/>
+              </a:rPr>
+              <a:t>powerful API</a:t>
+            </a:r>
+            <a:r>
+              <a:rPr sz="700">
+                <a:solidFill>
+                  <a:srgbClr val="E0E0E0"/>
+                </a:solidFill>
+                <a:latin typeface="Arial"/>
+              </a:rPr>
+              <a:t> for converting </a:t>
+            </a:r>
+            <a:r>
+              <a:rPr i="1" sz="700">
+                <a:solidFill>
+                  <a:srgbClr val="E0E0E0"/>
+                </a:solidFill>
+                <a:latin typeface="Arial"/>
+              </a:rPr>
+              <a:t>markdown</a:t>
+            </a:r>
+            <a:r>
+              <a:rPr sz="700">
+                <a:solidFill>
+                  <a:srgbClr val="E0E0E0"/>
+                </a:solidFill>
+                <a:latin typeface="Arial"/>
+              </a:rPr>
+              <a:t> to </a:t>
             </a:r>
             <a:r>
               <a:rPr b="1" sz="700">
                 <a:solidFill>
-                  <a:srgbClr val="FF8C00"/>
-                </a:solidFill>
-                <a:latin typeface="Arial"/>
-              </a:rPr>
-              <a:t>important information</a:t>
-            </a:r>
-            <a:r>
-              <a:rPr sz="700">
+                  <a:srgbClr val="FFCC00"/>
+                </a:solidFill>
+                <a:latin typeface="Arial"/>
+              </a:rPr>
+              <a:t>professional presentations</a:t>
+            </a:r>
+            <a:r>
+              <a:rPr sz="700">
+                <a:solidFill>
+                  <a:srgbClr val="E0E0E0"/>
+                </a:solidFill>
+                <a:latin typeface="Arial"/>
+              </a:rPr>
+              <a:t> with </a:t>
+            </a:r>
+            <a:r>
+              <a:rPr u="sng" sz="700">
+                <a:solidFill>
+                  <a:srgbClr val="E0E0E0"/>
+                </a:solidFill>
+                <a:latin typeface="Arial"/>
+              </a:rPr>
+              <a:t>full formatting support</a:t>
+            </a:r>
+            <a:r>
+              <a:rPr sz="700">
+                <a:solidFill>
+                  <a:srgbClr val="E0E0E0"/>
+                </a:solidFill>
                 <a:latin typeface="Arial"/>
               </a:rPr>
               <a:t>.</a:t>
@@ -10487,13 +11706,13 @@
       </p:sp>
       <p:sp>
         <p:nvSpPr>
-          <p:cNvPr id="8" name="TextBox 7"/>
+          <p:cNvPr id="13" name="TextBox 12"/>
           <p:cNvSpPr txBox="1"/>
           <p:nvPr/>
         </p:nvSpPr>
         <p:spPr>
           <a:xfrm>
-            <a:off x="200025" y="1924049"/>
+            <a:off x="200025" y="3476624"/>
             <a:ext cx="8943975" cy="274320"/>
           </a:xfrm>
           <a:prstGeom prst="rect">
@@ -10524,523 +11743,82 @@
               </a:defRPr>
             </a:pPr>
             <a:r>
+              <a:rPr sz="700">
+                <a:solidFill>
+                  <a:srgbClr val="E0E0E0"/>
+                </a:solidFill>
+                <a:latin typeface="Arial"/>
+              </a:rPr>
+              <a:t>Call </a:t>
+            </a:r>
+            <a:r>
+              <a:rPr sz="800">
+                <a:solidFill>
+                  <a:srgbClr val="FFFFFF"/>
+                </a:solidFill>
+                <a:latin typeface="Courier New"/>
+              </a:rPr>
+              <a:t>generator.generate(markdown, "output.pptx")</a:t>
+            </a:r>
+            <a:r>
+              <a:rPr sz="700">
+                <a:solidFill>
+                  <a:srgbClr val="E0E0E0"/>
+                </a:solidFill>
+                <a:latin typeface="Arial"/>
+              </a:rPr>
+              <a:t> where </a:t>
+            </a:r>
+            <a:r>
+              <a:rPr b="1" sz="700">
+                <a:solidFill>
+                  <a:srgbClr val="E0E0E0"/>
+                </a:solidFill>
+                <a:latin typeface="Arial"/>
+              </a:rPr>
+              <a:t>markdown</a:t>
+            </a:r>
+            <a:r>
+              <a:rPr sz="700">
+                <a:solidFill>
+                  <a:srgbClr val="E0E0E0"/>
+                </a:solidFill>
+                <a:latin typeface="Arial"/>
+              </a:rPr>
+              <a:t> is your source and </a:t>
+            </a:r>
+            <a:r>
+              <a:rPr b="1" sz="700">
+                <a:solidFill>
+                  <a:srgbClr val="FFCC00"/>
+                </a:solidFill>
+                <a:latin typeface="Arial"/>
+              </a:rPr>
+              <a:t>output.pptx</a:t>
+            </a:r>
+            <a:r>
+              <a:rPr sz="700">
+                <a:solidFill>
+                  <a:srgbClr val="E0E0E0"/>
+                </a:solidFill>
+                <a:latin typeface="Arial"/>
+              </a:rPr>
+              <a:t> is the </a:t>
+            </a:r>
+            <a:r>
               <a:rPr u="sng" sz="700">
-                <a:latin typeface="Arial"/>
-              </a:rPr>
-              <a:t>Underlined text</a:t>
-            </a:r>
-            <a:r>
-              <a:rPr sz="700">
-                <a:latin typeface="Arial"/>
-              </a:rPr>
-              <a:t> using double plus signs for </a:t>
-            </a:r>
-            <a:r>
-              <a:rPr u="sng" sz="700">
-                <a:latin typeface="Arial"/>
-              </a:rPr>
-              <a:t>emphasis or citations</a:t>
-            </a:r>
-            <a:r>
-              <a:rPr sz="700">
-                <a:latin typeface="Arial"/>
-              </a:rPr>
-              <a:t>.</a:t>
-            </a:r>
-          </a:p>
-        </p:txBody>
-      </p:sp>
-      <p:sp>
-        <p:nvSpPr>
-          <p:cNvPr id="9" name="TextBox 8"/>
-          <p:cNvSpPr txBox="1"/>
-          <p:nvPr/>
-        </p:nvSpPr>
-        <p:spPr>
-          <a:xfrm>
-            <a:off x="200025" y="2066924"/>
-            <a:ext cx="8943975" cy="274320"/>
-          </a:xfrm>
-          <a:prstGeom prst="rect">
-            <a:avLst/>
-          </a:prstGeom>
-          <a:noFill/>
-        </p:spPr>
-        <p:txBody>
-          <a:bodyPr wrap="square" lIns="0" rIns="0" tIns="0" bIns="0">
-            <a:spAutoFit/>
-          </a:bodyPr>
-          <a:lstStyle/>
-          <a:p>
-            <a:pPr algn="l">
-              <a:lnSpc>
-                <a:spcPct val="100000"/>
-              </a:lnSpc>
-              <a:spcBef>
-                <a:spcPts val="0"/>
-              </a:spcBef>
-              <a:spcAft>
-                <a:spcPts val="0"/>
-              </a:spcAft>
-              <a:defRPr>
-                <a:solidFill>
-                  <a:srgbClr val="E0E0E0"/>
-                </a:solidFill>
-              </a:defRPr>
-            </a:pPr>
-            <a:r>
-              <a:rPr sz="900" b="1">
-                <a:latin typeface="Arial"/>
-              </a:rPr>
-              <a:t>Advanced Combinations</a:t>
-            </a:r>
-          </a:p>
-        </p:txBody>
-      </p:sp>
-      <p:sp>
-        <p:nvSpPr>
-          <p:cNvPr id="10" name="TextBox 9"/>
-          <p:cNvSpPr txBox="1"/>
-          <p:nvPr/>
-        </p:nvSpPr>
-        <p:spPr>
-          <a:xfrm>
-            <a:off x="200025" y="2390774"/>
-            <a:ext cx="8943975" cy="809625"/>
-          </a:xfrm>
-          <a:prstGeom prst="rect">
-            <a:avLst/>
-          </a:prstGeom>
-          <a:noFill/>
-        </p:spPr>
-        <p:txBody>
-          <a:bodyPr wrap="square" lIns="0" rIns="0" tIns="0" bIns="0">
-            <a:spAutoFit/>
-          </a:bodyPr>
-          <a:lstStyle/>
-          <a:p>
-            <a:pPr algn="l">
-              <a:spcBef>
-                <a:spcPts val="0"/>
-              </a:spcBef>
-              <a:spcAft>
-                <a:spcPts val="0"/>
-              </a:spcAft>
-              <a:defRPr>
-                <a:solidFill>
-                  <a:srgbClr val="E0E0E0"/>
-                </a:solidFill>
-              </a:defRPr>
-            </a:pPr>
-            <a:r>
-              <a:rPr sz="700"/>
-              <a:t>• </a:t>
-            </a:r>
-            <a:r>
-              <a:rPr b="1" sz="700">
-                <a:latin typeface="Arial"/>
-              </a:rPr>
-              <a:t>Bold with </a:t>
-            </a:r>
-            <a:r>
-              <a:rPr b="1" i="1" sz="700">
-                <a:latin typeface="Arial"/>
-              </a:rPr>
-              <a:t>italic inside</a:t>
-            </a:r>
-            <a:r>
-              <a:rPr b="1" sz="700">
-                <a:latin typeface="Arial"/>
-              </a:rPr>
-              <a:t> for emphasis</a:t>
-            </a:r>
-          </a:p>
-          <a:p>
-            <a:pPr algn="l">
-              <a:defRPr>
-                <a:solidFill>
-                  <a:srgbClr val="E0E0E0"/>
-                </a:solidFill>
-              </a:defRPr>
-            </a:pPr>
-            <a:r>
-              <a:rPr sz="700"/>
-              <a:t>• </a:t>
-            </a:r>
-            <a:r>
-              <a:rPr i="1" sz="700">
-                <a:latin typeface="Arial"/>
-              </a:rPr>
-              <a:t>Italic with </a:t>
-            </a:r>
-            <a:r>
-              <a:rPr i="1" b="1" sz="700">
-                <a:latin typeface="Arial"/>
-              </a:rPr>
-              <a:t>bold inside</a:t>
-            </a:r>
-            <a:r>
-              <a:rPr i="1" sz="700">
-                <a:latin typeface="Arial"/>
-              </a:rPr>
-              <a:t> for variety</a:t>
-            </a:r>
-          </a:p>
-          <a:p>
-            <a:pPr algn="l">
-              <a:defRPr>
-                <a:solidFill>
-                  <a:srgbClr val="E0E0E0"/>
-                </a:solidFill>
-              </a:defRPr>
-            </a:pPr>
-            <a:r>
-              <a:rPr sz="700"/>
-              <a:t>• </a:t>
-            </a:r>
-            <a:r>
-              <a:rPr b="1" sz="700">
-                <a:solidFill>
-                  <a:srgbClr val="FF8C00"/>
-                </a:solidFill>
-                <a:latin typeface="Arial"/>
-              </a:rPr>
-              <a:t>Highlighted with </a:t>
-            </a:r>
-            <a:r>
-              <a:rPr b="1" sz="700">
-                <a:solidFill>
-                  <a:srgbClr val="FF8C00"/>
-                </a:solidFill>
-                <a:latin typeface="Arial"/>
-              </a:rPr>
-              <a:t>bold inside</a:t>
-            </a:r>
-            <a:r>
-              <a:rPr b="1" sz="700">
-                <a:solidFill>
-                  <a:srgbClr val="FF8C00"/>
-                </a:solidFill>
-                <a:latin typeface="Arial"/>
-              </a:rPr>
-              <a:t> for attention</a:t>
-            </a:r>
-          </a:p>
-          <a:p>
-            <a:pPr algn="l">
-              <a:defRPr>
-                <a:solidFill>
-                  <a:srgbClr val="E0E0E0"/>
-                </a:solidFill>
-              </a:defRPr>
-            </a:pPr>
-            <a:r>
-              <a:rPr sz="700"/>
-              <a:t>• </a:t>
-            </a:r>
-            <a:r>
-              <a:rPr sz="700">
-                <a:latin typeface="Arial"/>
-              </a:rPr>
-              <a:t>Underlined with </a:t>
-            </a:r>
-            <a:r>
-              <a:rPr b="1" sz="700">
-                <a:latin typeface="Arial"/>
-              </a:rPr>
-              <a:t>bold inside</a:t>
-            </a:r>
-            <a:r>
-              <a:rPr sz="700">
-                <a:latin typeface="Arial"/>
-              </a:rPr>
-              <a:t> for citations</a:t>
-            </a:r>
-          </a:p>
-          <a:p>
-            <a:pPr algn="l">
-              <a:defRPr>
-                <a:solidFill>
-                  <a:srgbClr val="E0E0E0"/>
-                </a:solidFill>
-              </a:defRPr>
-            </a:pPr>
-            <a:r>
-              <a:rPr sz="700"/>
-              <a:t>• </a:t>
-            </a:r>
-            <a:r>
-              <a:rPr sz="800">
-                <a:solidFill>
-                  <a:srgbClr val="FFFFFF"/>
-                </a:solidFill>
-                <a:latin typeface="Courier New"/>
-              </a:rPr>
-              <a:t>Code with formatting</a:t>
-            </a:r>
-            <a:r>
-              <a:rPr sz="700">
-                <a:latin typeface="Arial"/>
-              </a:rPr>
-              <a:t> (note: formatting preserved where possible)</a:t>
-            </a:r>
-          </a:p>
-        </p:txBody>
-      </p:sp>
-      <p:sp>
-        <p:nvSpPr>
-          <p:cNvPr id="11" name="TextBox 10"/>
-          <p:cNvSpPr txBox="1"/>
-          <p:nvPr/>
-        </p:nvSpPr>
-        <p:spPr>
-          <a:xfrm>
-            <a:off x="200025" y="3209925"/>
-            <a:ext cx="8943975" cy="274320"/>
-          </a:xfrm>
-          <a:prstGeom prst="rect">
-            <a:avLst/>
-          </a:prstGeom>
-          <a:noFill/>
-        </p:spPr>
-        <p:txBody>
-          <a:bodyPr wrap="square" lIns="0" rIns="0" tIns="0" bIns="0">
-            <a:spAutoFit/>
-          </a:bodyPr>
-          <a:lstStyle/>
-          <a:p>
-            <a:pPr algn="l">
-              <a:lnSpc>
-                <a:spcPct val="100000"/>
-              </a:lnSpc>
-              <a:spcBef>
-                <a:spcPts val="0"/>
-              </a:spcBef>
-              <a:spcAft>
-                <a:spcPts val="0"/>
-              </a:spcAft>
-              <a:defRPr>
-                <a:solidFill>
-                  <a:srgbClr val="E0E0E0"/>
-                </a:solidFill>
-              </a:defRPr>
-            </a:pPr>
-            <a:r>
-              <a:rPr sz="900" b="1">
-                <a:latin typeface="Arial"/>
-              </a:rPr>
-              <a:t>Real-World Examples</a:t>
-            </a:r>
-          </a:p>
-        </p:txBody>
-      </p:sp>
-      <p:sp>
-        <p:nvSpPr>
-          <p:cNvPr id="12" name="TextBox 11"/>
-          <p:cNvSpPr txBox="1"/>
-          <p:nvPr/>
-        </p:nvSpPr>
-        <p:spPr>
-          <a:xfrm>
-            <a:off x="200025" y="3543300"/>
-            <a:ext cx="8943975" cy="274320"/>
-          </a:xfrm>
-          <a:prstGeom prst="rect">
-            <a:avLst/>
-          </a:prstGeom>
-          <a:noFill/>
-        </p:spPr>
-        <p:txBody>
-          <a:bodyPr wrap="square" lIns="0" rIns="0" tIns="0" bIns="0">
-            <a:spAutoFit/>
-          </a:bodyPr>
-          <a:lstStyle/>
-          <a:p>
-            <a:pPr algn="l">
-              <a:lnSpc>
-                <a:spcPct val="100000"/>
-              </a:lnSpc>
-              <a:spcBef>
-                <a:spcPts val="0"/>
-              </a:spcBef>
-              <a:spcAft>
-                <a:spcPts val="0"/>
-              </a:spcAft>
-              <a:defRPr>
-                <a:solidFill>
-                  <a:srgbClr val="E0E0E0"/>
-                </a:solidFill>
-              </a:defRPr>
-            </a:pPr>
-            <a:r>
-              <a:rPr sz="700">
-                <a:latin typeface="Arial"/>
-              </a:rPr>
-              <a:t>The </a:t>
-            </a:r>
-            <a:r>
-              <a:rPr sz="800">
-                <a:solidFill>
-                  <a:srgbClr val="FFFFFF"/>
-                </a:solidFill>
-                <a:latin typeface="Courier New"/>
-              </a:rPr>
-              <a:t>SlideGenerator</a:t>
-            </a:r>
-            <a:r>
-              <a:rPr sz="700">
-                <a:latin typeface="Arial"/>
-              </a:rPr>
-              <a:t> class provides a </a:t>
-            </a:r>
-            <a:r>
-              <a:rPr b="1" sz="700">
-                <a:latin typeface="Arial"/>
-              </a:rPr>
-              <a:t>powerful API</a:t>
-            </a:r>
-            <a:r>
-              <a:rPr sz="700">
-                <a:latin typeface="Arial"/>
-              </a:rPr>
-              <a:t> for converting </a:t>
-            </a:r>
-            <a:r>
-              <a:rPr i="1" sz="700">
-                <a:latin typeface="Arial"/>
-              </a:rPr>
-              <a:t>markdown</a:t>
-            </a:r>
-            <a:r>
-              <a:rPr sz="700">
-                <a:latin typeface="Arial"/>
-              </a:rPr>
-              <a:t> to </a:t>
-            </a:r>
-            <a:r>
-              <a:rPr b="1" sz="700">
-                <a:solidFill>
-                  <a:srgbClr val="FF8C00"/>
-                </a:solidFill>
-                <a:latin typeface="Arial"/>
-              </a:rPr>
-              <a:t>professional presentations</a:t>
-            </a:r>
-            <a:r>
-              <a:rPr sz="700">
-                <a:latin typeface="Arial"/>
-              </a:rPr>
-              <a:t> with </a:t>
-            </a:r>
-            <a:r>
-              <a:rPr u="sng" sz="700">
-                <a:latin typeface="Arial"/>
-              </a:rPr>
-              <a:t>full formatting support</a:t>
-            </a:r>
-            <a:r>
-              <a:rPr sz="700">
-                <a:latin typeface="Arial"/>
-              </a:rPr>
-              <a:t>.</a:t>
-            </a:r>
-          </a:p>
-        </p:txBody>
-      </p:sp>
-      <p:sp>
-        <p:nvSpPr>
-          <p:cNvPr id="13" name="TextBox 12"/>
-          <p:cNvSpPr txBox="1"/>
-          <p:nvPr/>
-        </p:nvSpPr>
-        <p:spPr>
-          <a:xfrm>
-            <a:off x="200025" y="3867149"/>
-            <a:ext cx="8943975" cy="274320"/>
-          </a:xfrm>
-          <a:prstGeom prst="rect">
-            <a:avLst/>
-          </a:prstGeom>
-          <a:noFill/>
-        </p:spPr>
-        <p:txBody>
-          <a:bodyPr wrap="square" lIns="0" rIns="0" tIns="0" bIns="0">
-            <a:spAutoFit/>
-          </a:bodyPr>
-          <a:lstStyle/>
-          <a:p>
-            <a:pPr algn="l">
-              <a:lnSpc>
-                <a:spcPct val="100000"/>
-              </a:lnSpc>
-              <a:spcBef>
-                <a:spcPts val="0"/>
-              </a:spcBef>
-              <a:spcAft>
-                <a:spcPts val="0"/>
-              </a:spcAft>
-              <a:defRPr>
-                <a:solidFill>
-                  <a:srgbClr val="E0E0E0"/>
-                </a:solidFill>
-              </a:defRPr>
-            </a:pPr>
-            <a:r>
-              <a:rPr sz="700">
-                <a:latin typeface="Arial"/>
-              </a:rPr>
-              <a:t>Call </a:t>
-            </a:r>
-            <a:r>
-              <a:rPr sz="800">
-                <a:solidFill>
-                  <a:srgbClr val="FFFFFF"/>
-                </a:solidFill>
-                <a:latin typeface="Courier New"/>
-              </a:rPr>
-              <a:t>generator.generate(markdown, "output.pptx")</a:t>
-            </a:r>
-            <a:r>
-              <a:rPr sz="700">
-                <a:latin typeface="Arial"/>
-              </a:rPr>
-              <a:t> where </a:t>
-            </a:r>
-            <a:r>
-              <a:rPr b="1" sz="700">
-                <a:latin typeface="Arial"/>
-              </a:rPr>
-              <a:t>markdown</a:t>
-            </a:r>
-            <a:r>
-              <a:rPr sz="700">
-                <a:latin typeface="Arial"/>
-              </a:rPr>
-              <a:t> is your source and </a:t>
-            </a:r>
-            <a:r>
-              <a:rPr b="1" sz="700">
-                <a:solidFill>
-                  <a:srgbClr val="FF8C00"/>
-                </a:solidFill>
-                <a:latin typeface="Arial"/>
-              </a:rPr>
-              <a:t>output.pptx</a:t>
-            </a:r>
-            <a:r>
-              <a:rPr sz="700">
-                <a:latin typeface="Arial"/>
-              </a:rPr>
-              <a:t> is the </a:t>
-            </a:r>
-            <a:r>
-              <a:rPr u="sng" sz="700">
+                <a:solidFill>
+                  <a:srgbClr val="E0E0E0"/>
+                </a:solidFill>
                 <a:latin typeface="Arial"/>
               </a:rPr>
               <a:t>final result</a:t>
             </a:r>
             <a:r>
               <a:rPr sz="700">
+                <a:solidFill>
+                  <a:srgbClr val="E0E0E0"/>
+                </a:solidFill>
                 <a:latin typeface="Arial"/>
               </a:rPr>
               <a:t>.</a:t>
@@ -11059,6 +11837,14 @@
 <file path=ppt/slides/slide20.xml><?xml version="1.0" encoding="utf-8"?>
 <p:sld xmlns:a="http://schemas.openxmlformats.org/drawingml/2006/main" xmlns:p="http://schemas.openxmlformats.org/presentationml/2006/main" xmlns:r="http://schemas.openxmlformats.org/officeDocument/2006/relationships">
   <p:cSld>
+    <p:bg>
+      <p:bgPr>
+        <a:solidFill>
+          <a:srgbClr val="1A1A1A"/>
+        </a:solidFill>
+        <a:effectLst/>
+      </p:bgPr>
+    </p:bg>
     <p:spTree>
       <p:nvGrpSpPr>
         <p:cNvPr id="1" name=""/>
@@ -11075,7 +11861,7 @@
         <p:spPr>
           <a:xfrm>
             <a:off x="200025" y="180975"/>
-            <a:ext cx="8943975" cy="274320"/>
+            <a:ext cx="8943975" cy="361950"/>
           </a:xfrm>
           <a:prstGeom prst="rect">
             <a:avLst/>
@@ -11106,6 +11892,9 @@
             </a:pPr>
             <a:r>
               <a:rPr sz="1200" b="1">
+                <a:solidFill>
+                  <a:srgbClr val="E0E0E0"/>
+                </a:solidFill>
                 <a:latin typeface="Arial"/>
               </a:rPr>
               <a:t>Two-column slide (Auto + default)</a:t>
@@ -11121,7 +11910,7 @@
         </p:nvSpPr>
         <p:spPr>
           <a:xfrm>
-            <a:off x="276225" y="561974"/>
+            <a:off x="276225" y="542925"/>
             <a:ext cx="8867775" cy="274320"/>
           </a:xfrm>
           <a:prstGeom prst="rect">
@@ -11153,6 +11942,9 @@
             </a:pPr>
             <a:r>
               <a:rPr sz="800" b="1">
+                <a:solidFill>
+                  <a:srgbClr val="E0E0E0"/>
+                </a:solidFill>
                 <a:latin typeface="Arial"/>
               </a:rPr>
               <a:t>📋 Project Status Table</a:t>
@@ -11168,8 +11960,8 @@
         </p:nvSpPr>
         <p:spPr>
           <a:xfrm>
-            <a:off x="276225" y="828675"/>
-            <a:ext cx="1800225" cy="1485900"/>
+            <a:off x="276225" y="800100"/>
+            <a:ext cx="1800225" cy="1628775"/>
           </a:xfrm>
           <a:prstGeom prst="rect">
             <a:avLst/>
@@ -11202,8 +11994,8 @@
           <p:nvPr/>
         </p:nvGraphicFramePr>
         <p:xfrm>
-          <a:off x="276225" y="828675"/>
-          <a:ext cx="1798959" cy="1428750"/>
+          <a:off x="276225" y="800100"/>
+          <a:ext cx="1978854" cy="1571625"/>
         </p:xfrm>
         <a:graphic>
           <a:graphicData uri="http://schemas.openxmlformats.org/drawingml/2006/table">
@@ -11212,11 +12004,11 @@
                 <a:tableStyleId>{5C22544A-7EE6-4342-B048-85BDC9FD1C3A}</a:tableStyleId>
               </a:tblPr>
               <a:tblGrid>
-                <a:gridCol w="765646"/>
-                <a:gridCol w="458390"/>
-                <a:gridCol w="574923"/>
+                <a:gridCol w="842210"/>
+                <a:gridCol w="504229"/>
+                <a:gridCol w="632415"/>
               </a:tblGrid>
-              <a:tr h="285750">
+              <a:tr h="314325">
                 <a:tc>
                   <a:txBody>
                     <a:bodyPr lIns="76200" rIns="76200" tIns="76200" bIns="76200"/>
@@ -11365,7 +12157,7 @@
                   </a:tcPr>
                 </a:tc>
               </a:tr>
-              <a:tr h="285750">
+              <a:tr h="314325">
                 <a:tc>
                   <a:txBody>
                     <a:bodyPr lIns="76200" rIns="76200" tIns="76200" bIns="76200"/>
@@ -11514,7 +12306,7 @@
                   </a:tcPr>
                 </a:tc>
               </a:tr>
-              <a:tr h="285750">
+              <a:tr h="314325">
                 <a:tc>
                   <a:txBody>
                     <a:bodyPr lIns="76200" rIns="76200" tIns="76200" bIns="76200"/>
@@ -11663,7 +12455,7 @@
                   </a:tcPr>
                 </a:tc>
               </a:tr>
-              <a:tr h="285750">
+              <a:tr h="314325">
                 <a:tc>
                   <a:txBody>
                     <a:bodyPr lIns="76200" rIns="76200" tIns="76200" bIns="76200"/>
@@ -11812,7 +12604,7 @@
                   </a:tcPr>
                 </a:tc>
               </a:tr>
-              <a:tr h="285750">
+              <a:tr h="314325">
                 <a:tc>
                   <a:txBody>
                     <a:bodyPr lIns="76200" rIns="76200" tIns="76200" bIns="76200"/>
@@ -11973,7 +12765,7 @@
         </p:nvSpPr>
         <p:spPr>
           <a:xfrm>
-            <a:off x="2533649" y="590549"/>
+            <a:off x="2533649" y="561974"/>
             <a:ext cx="6610349" cy="274320"/>
           </a:xfrm>
           <a:prstGeom prst="rect">
@@ -12005,6 +12797,9 @@
             </a:pPr>
             <a:r>
               <a:rPr sz="800" b="1">
+                <a:solidFill>
+                  <a:srgbClr val="E0E0E0"/>
+                </a:solidFill>
                 <a:latin typeface="Arial"/>
               </a:rPr>
               <a:t>✍️ Notes</a:t>
@@ -12020,7 +12815,7 @@
         </p:nvSpPr>
         <p:spPr>
           <a:xfrm>
-            <a:off x="2533649" y="857250"/>
+            <a:off x="2533649" y="819149"/>
             <a:ext cx="6610349" cy="274320"/>
           </a:xfrm>
           <a:prstGeom prst="rect">
@@ -12052,6 +12847,9 @@
             </a:pPr>
             <a:r>
               <a:rPr sz="700">
+                <a:solidFill>
+                  <a:srgbClr val="E0E0E0"/>
+                </a:solidFill>
                 <a:latin typeface="Arial"/>
               </a:rPr>
               <a:t>All core features are either complete or in progress. Remaining items are performance tuning and UX polish.</a:t>
@@ -12070,6 +12868,14 @@
 <file path=ppt/slides/slide3.xml><?xml version="1.0" encoding="utf-8"?>
 <p:sld xmlns:a="http://schemas.openxmlformats.org/drawingml/2006/main" xmlns:p="http://schemas.openxmlformats.org/presentationml/2006/main" xmlns:r="http://schemas.openxmlformats.org/officeDocument/2006/relationships">
   <p:cSld>
+    <p:bg>
+      <p:bgPr>
+        <a:solidFill>
+          <a:srgbClr val="1A1A1A"/>
+        </a:solidFill>
+        <a:effectLst/>
+      </p:bgPr>
+    </p:bg>
     <p:spTree>
       <p:nvGrpSpPr>
         <p:cNvPr id="1" name=""/>
@@ -12086,7 +12892,7 @@
         <p:spPr>
           <a:xfrm>
             <a:off x="200025" y="180975"/>
-            <a:ext cx="8943975" cy="274320"/>
+            <a:ext cx="8943975" cy="361950"/>
           </a:xfrm>
           <a:prstGeom prst="rect">
             <a:avLst/>
@@ -12117,6 +12923,9 @@
             </a:pPr>
             <a:r>
               <a:rPr sz="1200" b="1">
+                <a:solidFill>
+                  <a:srgbClr val="E0E0E0"/>
+                </a:solidFill>
                 <a:latin typeface="Arial"/>
               </a:rPr>
               <a:t>📊 Table Features - HTML Auto-Width</a:t>
@@ -12132,8 +12941,8 @@
         </p:nvSpPr>
         <p:spPr>
           <a:xfrm>
-            <a:off x="200025" y="561974"/>
-            <a:ext cx="8943975" cy="274320"/>
+            <a:off x="200025" y="542925"/>
+            <a:ext cx="8943975" cy="304800"/>
           </a:xfrm>
           <a:prstGeom prst="rect">
             <a:avLst/>
@@ -12164,6 +12973,9 @@
             </a:pPr>
             <a:r>
               <a:rPr sz="900" b="1">
+                <a:solidFill>
+                  <a:srgbClr val="E0E0E0"/>
+                </a:solidFill>
                 <a:latin typeface="Arial"/>
               </a:rPr>
               <a:t>Smart Column Distribution</a:t>
@@ -12179,8 +12991,8 @@
         </p:nvSpPr>
         <p:spPr>
           <a:xfrm>
-            <a:off x="200025" y="885825"/>
-            <a:ext cx="5153024" cy="1485900"/>
+            <a:off x="200025" y="847724"/>
+            <a:ext cx="5153024" cy="1628775"/>
           </a:xfrm>
           <a:prstGeom prst="rect">
             <a:avLst/>
@@ -12213,8 +13025,8 @@
           <p:nvPr/>
         </p:nvGraphicFramePr>
         <p:xfrm>
-          <a:off x="200025" y="885825"/>
-          <a:ext cx="5146995" cy="1428750"/>
+          <a:off x="200025" y="847724"/>
+          <a:ext cx="5661695" cy="1571625"/>
         </p:xfrm>
         <a:graphic>
           <a:graphicData uri="http://schemas.openxmlformats.org/drawingml/2006/table">
@@ -12223,12 +13035,12 @@
                 <a:tableStyleId>{5C22544A-7EE6-4342-B048-85BDC9FD1C3A}</a:tableStyleId>
               </a:tblPr>
               <a:tblGrid>
-                <a:gridCol w="1263029"/>
-                <a:gridCol w="780231"/>
-                <a:gridCol w="1464543"/>
-                <a:gridCol w="1639192"/>
+                <a:gridCol w="1389332"/>
+                <a:gridCol w="858254"/>
+                <a:gridCol w="1610997"/>
+                <a:gridCol w="1803112"/>
               </a:tblGrid>
-              <a:tr h="285750">
+              <a:tr h="314325">
                 <a:tc>
                   <a:txBody>
                     <a:bodyPr lIns="76200" rIns="76200" tIns="76200" bIns="76200"/>
@@ -12426,7 +13238,7 @@
                   </a:tcPr>
                 </a:tc>
               </a:tr>
-              <a:tr h="285750">
+              <a:tr h="314325">
                 <a:tc>
                   <a:txBody>
                     <a:bodyPr lIns="76200" rIns="76200" tIns="76200" bIns="76200"/>
@@ -12624,7 +13436,7 @@
                   </a:tcPr>
                 </a:tc>
               </a:tr>
-              <a:tr h="285750">
+              <a:tr h="314325">
                 <a:tc>
                   <a:txBody>
                     <a:bodyPr lIns="76200" rIns="76200" tIns="76200" bIns="76200"/>
@@ -12822,7 +13634,7 @@
                   </a:tcPr>
                 </a:tc>
               </a:tr>
-              <a:tr h="285750">
+              <a:tr h="314325">
                 <a:tc>
                   <a:txBody>
                     <a:bodyPr lIns="76200" rIns="76200" tIns="76200" bIns="76200"/>
@@ -13020,7 +13832,7 @@
                   </a:tcPr>
                 </a:tc>
               </a:tr>
-              <a:tr h="285750">
+              <a:tr h="314325">
                 <a:tc>
                   <a:txBody>
                     <a:bodyPr lIns="76200" rIns="76200" tIns="76200" bIns="76200"/>
@@ -13230,8 +14042,8 @@
         </p:nvSpPr>
         <p:spPr>
           <a:xfrm>
-            <a:off x="200025" y="2514600"/>
-            <a:ext cx="8943975" cy="274320"/>
+            <a:off x="200025" y="2476499"/>
+            <a:ext cx="8943975" cy="304800"/>
           </a:xfrm>
           <a:prstGeom prst="rect">
             <a:avLst/>
@@ -13262,6 +14074,9 @@
             </a:pPr>
             <a:r>
               <a:rPr sz="900" b="1">
+                <a:solidFill>
+                  <a:srgbClr val="E0E0E0"/>
+                </a:solidFill>
                 <a:latin typeface="Arial"/>
               </a:rPr>
               <a:t>Compact Table Example</a:t>
@@ -13277,8 +14092,8 @@
         </p:nvSpPr>
         <p:spPr>
           <a:xfrm>
-            <a:off x="200025" y="2847974"/>
-            <a:ext cx="1771650" cy="1190625"/>
+            <a:off x="200025" y="2790824"/>
+            <a:ext cx="1771650" cy="1333500"/>
           </a:xfrm>
           <a:prstGeom prst="rect">
             <a:avLst/>
@@ -13311,8 +14126,8 @@
           <p:nvPr/>
         </p:nvGraphicFramePr>
         <p:xfrm>
-          <a:off x="200025" y="2847974"/>
-          <a:ext cx="1770233" cy="1143000"/>
+          <a:off x="200025" y="2790824"/>
+          <a:ext cx="1947258" cy="1285872"/>
         </p:xfrm>
         <a:graphic>
           <a:graphicData uri="http://schemas.openxmlformats.org/drawingml/2006/table">
@@ -13321,12 +14136,12 @@
                 <a:tableStyleId>{5C22544A-7EE6-4342-B048-85BDC9FD1C3A}</a:tableStyleId>
               </a:tblPr>
               <a:tblGrid>
-                <a:gridCol w="421406"/>
-                <a:gridCol w="341932"/>
-                <a:gridCol w="479821"/>
-                <a:gridCol w="527074"/>
+                <a:gridCol w="463547"/>
+                <a:gridCol w="376125"/>
+                <a:gridCol w="527804"/>
+                <a:gridCol w="579782"/>
               </a:tblGrid>
-              <a:tr h="285750">
+              <a:tr h="321468">
                 <a:tc>
                   <a:txBody>
                     <a:bodyPr lIns="76200" rIns="76200" tIns="76200" bIns="76200"/>
@@ -13524,7 +14339,7 @@
                   </a:tcPr>
                 </a:tc>
               </a:tr>
-              <a:tr h="285750">
+              <a:tr h="321468">
                 <a:tc>
                   <a:txBody>
                     <a:bodyPr lIns="76200" rIns="76200" tIns="76200" bIns="76200"/>
@@ -13722,7 +14537,7 @@
                   </a:tcPr>
                 </a:tc>
               </a:tr>
-              <a:tr h="285750">
+              <a:tr h="321468">
                 <a:tc>
                   <a:txBody>
                     <a:bodyPr lIns="76200" rIns="76200" tIns="76200" bIns="76200"/>
@@ -13920,7 +14735,7 @@
                   </a:tcPr>
                 </a:tc>
               </a:tr>
-              <a:tr h="285750">
+              <a:tr h="321468">
                 <a:tc>
                   <a:txBody>
                     <a:bodyPr lIns="76200" rIns="76200" tIns="76200" bIns="76200"/>
@@ -14130,7 +14945,7 @@
         </p:nvSpPr>
         <p:spPr>
           <a:xfrm>
-            <a:off x="200025" y="4181474"/>
+            <a:off x="200025" y="4124324"/>
             <a:ext cx="8943975" cy="274320"/>
           </a:xfrm>
           <a:prstGeom prst="rect">
@@ -14162,6 +14977,9 @@
             </a:pPr>
             <a:r>
               <a:rPr b="1" sz="700">
+                <a:solidFill>
+                  <a:srgbClr val="E0E0E0"/>
+                </a:solidFill>
                 <a:latin typeface="Arial"/>
               </a:rPr>
               <a:t>Key Features:</a:t>
@@ -14177,8 +14995,8 @@
         </p:nvSpPr>
         <p:spPr>
           <a:xfrm>
-            <a:off x="200025" y="4419600"/>
-            <a:ext cx="8943975" cy="438149"/>
+            <a:off x="200025" y="4352924"/>
+            <a:ext cx="8943975" cy="457200"/>
           </a:xfrm>
           <a:prstGeom prst="rect">
             <a:avLst/>
@@ -14205,23 +15023,37 @@
               </a:defRPr>
             </a:pPr>
             <a:r>
-              <a:rPr sz="700"/>
+              <a:rPr sz="700">
+                <a:solidFill>
+                  <a:srgbClr val="E0E0E0"/>
+                </a:solidFill>
+                <a:latin typeface="Arial"/>
+              </a:rPr>
               <a:t>• </a:t>
             </a:r>
             <a:r>
               <a:rPr sz="700">
+                <a:solidFill>
+                  <a:srgbClr val="E0E0E0"/>
+                </a:solidFill>
                 <a:latin typeface="Arial"/>
               </a:rPr>
               <a:t>✅ </a:t>
             </a:r>
             <a:r>
               <a:rPr b="1" sz="700">
+                <a:solidFill>
+                  <a:srgbClr val="E0E0E0"/>
+                </a:solidFill>
                 <a:latin typeface="Arial"/>
               </a:rPr>
               <a:t>HTML auto-width</a:t>
             </a:r>
             <a:r>
               <a:rPr sz="700">
+                <a:solidFill>
+                  <a:srgbClr val="E0E0E0"/>
+                </a:solidFill>
                 <a:latin typeface="Arial"/>
               </a:rPr>
               <a:t>: Columns sized by content, not equal distribution</a:t>
@@ -14236,23 +15068,37 @@
               </a:defRPr>
             </a:pPr>
             <a:r>
-              <a:rPr sz="700"/>
+              <a:rPr sz="700">
+                <a:solidFill>
+                  <a:srgbClr val="E0E0E0"/>
+                </a:solidFill>
+                <a:latin typeface="Arial"/>
+              </a:rPr>
               <a:t>• </a:t>
             </a:r>
             <a:r>
               <a:rPr sz="700">
+                <a:solidFill>
+                  <a:srgbClr val="E0E0E0"/>
+                </a:solidFill>
                 <a:latin typeface="Arial"/>
               </a:rPr>
               <a:t>✅ </a:t>
             </a:r>
             <a:r>
               <a:rPr b="1" sz="700">
+                <a:solidFill>
+                  <a:srgbClr val="E0E0E0"/>
+                </a:solidFill>
                 <a:latin typeface="Arial"/>
               </a:rPr>
               <a:t>Theme-aware borders</a:t>
             </a:r>
             <a:r>
               <a:rPr sz="700">
+                <a:solidFill>
+                  <a:srgbClr val="E0E0E0"/>
+                </a:solidFill>
                 <a:latin typeface="Arial"/>
               </a:rPr>
               <a:t>: Dark theme uses light borders, default uses dark</a:t>
@@ -14267,23 +15113,37 @@
               </a:defRPr>
             </a:pPr>
             <a:r>
-              <a:rPr sz="700"/>
+              <a:rPr sz="700">
+                <a:solidFill>
+                  <a:srgbClr val="E0E0E0"/>
+                </a:solidFill>
+                <a:latin typeface="Arial"/>
+              </a:rPr>
               <a:t>• </a:t>
             </a:r>
             <a:r>
               <a:rPr sz="700">
+                <a:solidFill>
+                  <a:srgbClr val="E0E0E0"/>
+                </a:solidFill>
                 <a:latin typeface="Arial"/>
               </a:rPr>
               <a:t>✅ </a:t>
             </a:r>
             <a:r>
               <a:rPr b="1" sz="700">
+                <a:solidFill>
+                  <a:srgbClr val="E0E0E0"/>
+                </a:solidFill>
                 <a:latin typeface="Arial"/>
               </a:rPr>
               <a:t>Native PowerPoint tables</a:t>
             </a:r>
             <a:r>
               <a:rPr sz="700">
+                <a:solidFill>
+                  <a:srgbClr val="E0E0E0"/>
+                </a:solidFill>
                 <a:latin typeface="Arial"/>
               </a:rPr>
               <a:t>: Perfect compatibility and professional appearance</a:t>
@@ -14302,6 +15162,14 @@
 <file path=ppt/slides/slide4.xml><?xml version="1.0" encoding="utf-8"?>
 <p:sld xmlns:a="http://schemas.openxmlformats.org/drawingml/2006/main" xmlns:p="http://schemas.openxmlformats.org/presentationml/2006/main" xmlns:r="http://schemas.openxmlformats.org/officeDocument/2006/relationships">
   <p:cSld>
+    <p:bg>
+      <p:bgPr>
+        <a:solidFill>
+          <a:srgbClr val="1A1A1A"/>
+        </a:solidFill>
+        <a:effectLst/>
+      </p:bgPr>
+    </p:bg>
     <p:spTree>
       <p:nvGrpSpPr>
         <p:cNvPr id="1" name=""/>
@@ -14318,7 +15186,7 @@
         <p:spPr>
           <a:xfrm>
             <a:off x="200025" y="180975"/>
-            <a:ext cx="8943975" cy="274320"/>
+            <a:ext cx="8943975" cy="361950"/>
           </a:xfrm>
           <a:prstGeom prst="rect">
             <a:avLst/>
@@ -14349,6 +15217,9 @@
             </a:pPr>
             <a:r>
               <a:rPr sz="1200" b="1">
+                <a:solidFill>
+                  <a:srgbClr val="E0E0E0"/>
+                </a:solidFill>
                 <a:latin typeface="Arial"/>
               </a:rPr>
               <a:t>🎨 Theme Demonstration</a:t>
@@ -14364,8 +15235,8 @@
         </p:nvSpPr>
         <p:spPr>
           <a:xfrm>
-            <a:off x="200025" y="561974"/>
-            <a:ext cx="8943975" cy="274320"/>
+            <a:off x="200025" y="542925"/>
+            <a:ext cx="8943975" cy="304800"/>
           </a:xfrm>
           <a:prstGeom prst="rect">
             <a:avLst/>
@@ -14396,6 +15267,9 @@
             </a:pPr>
             <a:r>
               <a:rPr sz="900" b="1">
+                <a:solidFill>
+                  <a:srgbClr val="E0E0E0"/>
+                </a:solidFill>
                 <a:latin typeface="Arial"/>
               </a:rPr>
               <a:t>Default Theme Features</a:t>
@@ -14411,8 +15285,8 @@
         </p:nvSpPr>
         <p:spPr>
           <a:xfrm>
-            <a:off x="200025" y="885825"/>
-            <a:ext cx="8943975" cy="590549"/>
+            <a:off x="200025" y="847724"/>
+            <a:ext cx="8943975" cy="571500"/>
           </a:xfrm>
           <a:prstGeom prst="rect">
             <a:avLst/>
@@ -14439,17 +15313,28 @@
               </a:defRPr>
             </a:pPr>
             <a:r>
-              <a:rPr sz="700"/>
+              <a:rPr sz="700">
+                <a:solidFill>
+                  <a:srgbClr val="E0E0E0"/>
+                </a:solidFill>
+                <a:latin typeface="Arial"/>
+              </a:rPr>
               <a:t>• </a:t>
             </a:r>
             <a:r>
               <a:rPr b="1" sz="700">
+                <a:solidFill>
+                  <a:srgbClr val="E0E0E0"/>
+                </a:solidFill>
                 <a:latin typeface="Arial"/>
               </a:rPr>
               <a:t>Light background</a:t>
             </a:r>
             <a:r>
               <a:rPr sz="700">
+                <a:solidFill>
+                  <a:srgbClr val="E0E0E0"/>
+                </a:solidFill>
                 <a:latin typeface="Arial"/>
               </a:rPr>
               <a:t> with dark text</a:t>
@@ -14464,17 +15349,28 @@
               </a:defRPr>
             </a:pPr>
             <a:r>
-              <a:rPr sz="700"/>
+              <a:rPr sz="700">
+                <a:solidFill>
+                  <a:srgbClr val="E0E0E0"/>
+                </a:solidFill>
+                <a:latin typeface="Arial"/>
+              </a:rPr>
               <a:t>• </a:t>
             </a:r>
             <a:r>
               <a:rPr b="1" sz="700">
+                <a:solidFill>
+                  <a:srgbClr val="E0E0E0"/>
+                </a:solidFill>
                 <a:latin typeface="Arial"/>
               </a:rPr>
               <a:t>Black borders</a:t>
             </a:r>
             <a:r>
               <a:rPr sz="700">
+                <a:solidFill>
+                  <a:srgbClr val="E0E0E0"/>
+                </a:solidFill>
                 <a:latin typeface="Arial"/>
               </a:rPr>
               <a:t> on tables for clear definition</a:t>
@@ -14489,17 +15385,28 @@
               </a:defRPr>
             </a:pPr>
             <a:r>
-              <a:rPr sz="700"/>
+              <a:rPr sz="700">
+                <a:solidFill>
+                  <a:srgbClr val="E0E0E0"/>
+                </a:solidFill>
+                <a:latin typeface="Arial"/>
+              </a:rPr>
               <a:t>• </a:t>
             </a:r>
             <a:r>
               <a:rPr b="1" sz="700">
+                <a:solidFill>
+                  <a:srgbClr val="E0E0E0"/>
+                </a:solidFill>
                 <a:latin typeface="Arial"/>
               </a:rPr>
               <a:t>Professional color scheme</a:t>
             </a:r>
             <a:r>
               <a:rPr sz="700">
+                <a:solidFill>
+                  <a:srgbClr val="E0E0E0"/>
+                </a:solidFill>
                 <a:latin typeface="Arial"/>
               </a:rPr>
               <a:t> suitable for business presentations</a:t>
@@ -14514,17 +15421,28 @@
               </a:defRPr>
             </a:pPr>
             <a:r>
-              <a:rPr sz="700"/>
+              <a:rPr sz="700">
+                <a:solidFill>
+                  <a:srgbClr val="E0E0E0"/>
+                </a:solidFill>
+                <a:latin typeface="Arial"/>
+              </a:rPr>
               <a:t>• </a:t>
             </a:r>
             <a:r>
               <a:rPr b="1" sz="700">
+                <a:solidFill>
+                  <a:srgbClr val="E0E0E0"/>
+                </a:solidFill>
                 <a:latin typeface="Arial"/>
               </a:rPr>
               <a:t>High contrast</a:t>
             </a:r>
             <a:r>
               <a:rPr sz="700">
+                <a:solidFill>
+                  <a:srgbClr val="E0E0E0"/>
+                </a:solidFill>
                 <a:latin typeface="Arial"/>
               </a:rPr>
               <a:t> for excellent readability</a:t>
@@ -14540,8 +15458,8 @@
         </p:nvSpPr>
         <p:spPr>
           <a:xfrm>
-            <a:off x="200025" y="1476375"/>
-            <a:ext cx="8943975" cy="274320"/>
+            <a:off x="200025" y="1323974"/>
+            <a:ext cx="8943975" cy="304800"/>
           </a:xfrm>
           <a:prstGeom prst="rect">
             <a:avLst/>
@@ -14572,6 +15490,9 @@
             </a:pPr>
             <a:r>
               <a:rPr sz="900" b="1">
+                <a:solidFill>
+                  <a:srgbClr val="E0E0E0"/>
+                </a:solidFill>
                 <a:latin typeface="Arial"/>
               </a:rPr>
               <a:t>Dark Theme Features</a:t>
@@ -14587,8 +15508,8 @@
         </p:nvSpPr>
         <p:spPr>
           <a:xfrm>
-            <a:off x="200025" y="1809749"/>
-            <a:ext cx="8943975" cy="590549"/>
+            <a:off x="200025" y="1638299"/>
+            <a:ext cx="8943975" cy="571500"/>
           </a:xfrm>
           <a:prstGeom prst="rect">
             <a:avLst/>
@@ -14615,17 +15536,28 @@
               </a:defRPr>
             </a:pPr>
             <a:r>
-              <a:rPr sz="700"/>
+              <a:rPr sz="700">
+                <a:solidFill>
+                  <a:srgbClr val="E0E0E0"/>
+                </a:solidFill>
+                <a:latin typeface="Arial"/>
+              </a:rPr>
               <a:t>• </a:t>
             </a:r>
             <a:r>
               <a:rPr b="1" sz="700">
+                <a:solidFill>
+                  <a:srgbClr val="E0E0E0"/>
+                </a:solidFill>
                 <a:latin typeface="Arial"/>
               </a:rPr>
               <a:t>Dark background</a:t>
             </a:r>
             <a:r>
               <a:rPr sz="700">
+                <a:solidFill>
+                  <a:srgbClr val="E0E0E0"/>
+                </a:solidFill>
                 <a:latin typeface="Arial"/>
               </a:rPr>
               <a:t> (#1a1a1a) for modern appearance</a:t>
@@ -14640,17 +15572,28 @@
               </a:defRPr>
             </a:pPr>
             <a:r>
-              <a:rPr sz="700"/>
+              <a:rPr sz="700">
+                <a:solidFill>
+                  <a:srgbClr val="E0E0E0"/>
+                </a:solidFill>
+                <a:latin typeface="Arial"/>
+              </a:rPr>
               <a:t>• </a:t>
             </a:r>
             <a:r>
               <a:rPr b="1" sz="700">
+                <a:solidFill>
+                  <a:srgbClr val="E0E0E0"/>
+                </a:solidFill>
                 <a:latin typeface="Arial"/>
               </a:rPr>
               <a:t>Light gray borders</a:t>
             </a:r>
             <a:r>
               <a:rPr sz="700">
+                <a:solidFill>
+                  <a:srgbClr val="E0E0E0"/>
+                </a:solidFill>
                 <a:latin typeface="Arial"/>
               </a:rPr>
               <a:t> (#e0e0e0) for visibility on dark background</a:t>
@@ -14665,17 +15608,28 @@
               </a:defRPr>
             </a:pPr>
             <a:r>
-              <a:rPr sz="700"/>
+              <a:rPr sz="700">
+                <a:solidFill>
+                  <a:srgbClr val="E0E0E0"/>
+                </a:solidFill>
+                <a:latin typeface="Arial"/>
+              </a:rPr>
               <a:t>• </a:t>
             </a:r>
             <a:r>
               <a:rPr b="1" sz="700">
+                <a:solidFill>
+                  <a:srgbClr val="E0E0E0"/>
+                </a:solidFill>
                 <a:latin typeface="Arial"/>
               </a:rPr>
               <a:t>White text</a:t>
             </a:r>
             <a:r>
               <a:rPr sz="700">
+                <a:solidFill>
+                  <a:srgbClr val="E0E0E0"/>
+                </a:solidFill>
                 <a:latin typeface="Arial"/>
               </a:rPr>
               <a:t> for optimal contrast</a:t>
@@ -14690,17 +15644,28 @@
               </a:defRPr>
             </a:pPr>
             <a:r>
-              <a:rPr sz="700"/>
+              <a:rPr sz="700">
+                <a:solidFill>
+                  <a:srgbClr val="E0E0E0"/>
+                </a:solidFill>
+                <a:latin typeface="Arial"/>
+              </a:rPr>
               <a:t>• </a:t>
             </a:r>
             <a:r>
               <a:rPr b="1" sz="700">
+                <a:solidFill>
+                  <a:srgbClr val="E0E0E0"/>
+                </a:solidFill>
                 <a:latin typeface="Arial"/>
               </a:rPr>
               <a:t>Contemporary design</a:t>
             </a:r>
             <a:r>
               <a:rPr sz="700">
+                <a:solidFill>
+                  <a:srgbClr val="E0E0E0"/>
+                </a:solidFill>
                 <a:latin typeface="Arial"/>
               </a:rPr>
               <a:t> perfect for tech presentations</a:t>
@@ -14719,6 +15684,14 @@
 <file path=ppt/slides/slide5.xml><?xml version="1.0" encoding="utf-8"?>
 <p:sld xmlns:a="http://schemas.openxmlformats.org/drawingml/2006/main" xmlns:p="http://schemas.openxmlformats.org/presentationml/2006/main" xmlns:r="http://schemas.openxmlformats.org/officeDocument/2006/relationships">
   <p:cSld>
+    <p:bg>
+      <p:bgPr>
+        <a:solidFill>
+          <a:srgbClr val="1A1A1A"/>
+        </a:solidFill>
+        <a:effectLst/>
+      </p:bgPr>
+    </p:bg>
     <p:spTree>
       <p:nvGrpSpPr>
         <p:cNvPr id="1" name=""/>
@@ -14735,7 +15708,7 @@
         <p:spPr>
           <a:xfrm>
             <a:off x="200025" y="180975"/>
-            <a:ext cx="8943975" cy="274320"/>
+            <a:ext cx="8943975" cy="361950"/>
           </a:xfrm>
           <a:prstGeom prst="rect">
             <a:avLst/>
@@ -14766,6 +15739,9 @@
             </a:pPr>
             <a:r>
               <a:rPr sz="1200" b="1">
+                <a:solidFill>
+                  <a:srgbClr val="E0E0E0"/>
+                </a:solidFill>
                 <a:latin typeface="Arial"/>
               </a:rPr>
               <a:t>💻 Code Block Support</a:t>
@@ -14781,8 +15757,8 @@
         </p:nvSpPr>
         <p:spPr>
           <a:xfrm>
-            <a:off x="200025" y="561974"/>
-            <a:ext cx="8943975" cy="274320"/>
+            <a:off x="200025" y="542925"/>
+            <a:ext cx="8943975" cy="304800"/>
           </a:xfrm>
           <a:prstGeom prst="rect">
             <a:avLst/>
@@ -14813,6 +15789,9 @@
             </a:pPr>
             <a:r>
               <a:rPr sz="900" b="1">
+                <a:solidFill>
+                  <a:srgbClr val="E0E0E0"/>
+                </a:solidFill>
                 <a:latin typeface="Arial"/>
               </a:rPr>
               <a:t>Python Example</a:t>
@@ -14828,8 +15807,8 @@
         </p:nvSpPr>
         <p:spPr>
           <a:xfrm>
-            <a:off x="200025" y="885825"/>
-            <a:ext cx="8943975" cy="2152650"/>
+            <a:off x="200025" y="847724"/>
+            <a:ext cx="8943975" cy="1904999"/>
           </a:xfrm>
           <a:prstGeom prst="rect">
             <a:avLst/>
@@ -14862,9 +15841,12 @@
             </a:pPr>
             <a:r>
               <a:rPr sz="800">
+                <a:solidFill>
+                  <a:srgbClr val="FFFFFF"/>
+                </a:solidFill>
                 <a:latin typeface="Courier New"/>
               </a:rPr>
-              <a:t>code class="language-python"&gt;def fibonacci(n):
+              <a:t>def fibonacci(n):
     if n &lt;= 1:
         return n
     return fibonacci(n-1) + fibonacci(n-2)
@@ -14885,8 +15867,8 @@
         </p:nvSpPr>
         <p:spPr>
           <a:xfrm>
-            <a:off x="200025" y="3181350"/>
-            <a:ext cx="8943975" cy="274320"/>
+            <a:off x="200025" y="2619374"/>
+            <a:ext cx="8943975" cy="304800"/>
           </a:xfrm>
           <a:prstGeom prst="rect">
             <a:avLst/>
@@ -14917,6 +15899,9 @@
             </a:pPr>
             <a:r>
               <a:rPr sz="900" b="1">
+                <a:solidFill>
+                  <a:srgbClr val="E0E0E0"/>
+                </a:solidFill>
                 <a:latin typeface="Arial"/>
               </a:rPr>
               <a:t>JavaScript Example</a:t>
@@ -14932,8 +15917,8 @@
         </p:nvSpPr>
         <p:spPr>
           <a:xfrm>
-            <a:off x="200025" y="3514725"/>
-            <a:ext cx="8943975" cy="2152650"/>
+            <a:off x="200025" y="2933699"/>
+            <a:ext cx="8943975" cy="1904999"/>
           </a:xfrm>
           <a:prstGeom prst="rect">
             <a:avLst/>
@@ -14966,9 +15951,12 @@
             </a:pPr>
             <a:r>
               <a:rPr sz="800">
+                <a:solidFill>
+                  <a:srgbClr val="FFFFFF"/>
+                </a:solidFill>
                 <a:latin typeface="Courier New"/>
               </a:rPr>
-              <a:t>code class="language-javascript"&gt;async function fetchUserData(userId) {
+              <a:t>async function fetchUserData(userId) {
     try {
         const response = await fetch(`/api/users/${userId}`);
         return await response.json();
@@ -14990,8 +15978,8 @@
         </p:nvSpPr>
         <p:spPr>
           <a:xfrm>
-            <a:off x="200025" y="5810249"/>
-            <a:ext cx="8943975" cy="274320"/>
+            <a:off x="200025" y="4705350"/>
+            <a:ext cx="8943975" cy="304800"/>
           </a:xfrm>
           <a:prstGeom prst="rect">
             <a:avLst/>
@@ -15022,6 +16010,9 @@
             </a:pPr>
             <a:r>
               <a:rPr sz="900" b="1">
+                <a:solidFill>
+                  <a:srgbClr val="E0E0E0"/>
+                </a:solidFill>
                 <a:latin typeface="Arial"/>
               </a:rPr>
               <a:t>SQL Example</a:t>
@@ -15040,6 +16031,14 @@
 <file path=ppt/slides/slide6.xml><?xml version="1.0" encoding="utf-8"?>
 <p:sld xmlns:a="http://schemas.openxmlformats.org/drawingml/2006/main" xmlns:p="http://schemas.openxmlformats.org/presentationml/2006/main" xmlns:r="http://schemas.openxmlformats.org/officeDocument/2006/relationships">
   <p:cSld>
+    <p:bg>
+      <p:bgPr>
+        <a:solidFill>
+          <a:srgbClr val="1A1A1A"/>
+        </a:solidFill>
+        <a:effectLst/>
+      </p:bgPr>
+    </p:bg>
     <p:spTree>
       <p:nvGrpSpPr>
         <p:cNvPr id="1" name=""/>
@@ -15056,7 +16055,7 @@
         <p:spPr>
           <a:xfrm>
             <a:off x="200025" y="180975"/>
-            <a:ext cx="8943975" cy="2562224"/>
+            <a:ext cx="8943975" cy="2219324"/>
           </a:xfrm>
           <a:prstGeom prst="rect">
             <a:avLst/>
@@ -15089,9 +16088,12 @@
             </a:pPr>
             <a:r>
               <a:rPr sz="800">
+                <a:solidFill>
+                  <a:srgbClr val="FFFFFF"/>
+                </a:solidFill>
                 <a:latin typeface="Courier New"/>
               </a:rPr>
-              <a:t>code class="language-sql"&gt;-- Complex query with joins and aggregation
+              <a:t>-- Complex query with joins and aggregation
 SELECT 
     u.username,
     COUNT(p.id) as post_count,
@@ -15118,6 +16120,14 @@
 <file path=ppt/slides/slide7.xml><?xml version="1.0" encoding="utf-8"?>
 <p:sld xmlns:a="http://schemas.openxmlformats.org/drawingml/2006/main" xmlns:p="http://schemas.openxmlformats.org/presentationml/2006/main" xmlns:r="http://schemas.openxmlformats.org/officeDocument/2006/relationships">
   <p:cSld>
+    <p:bg>
+      <p:bgPr>
+        <a:solidFill>
+          <a:srgbClr val="1A1A1A"/>
+        </a:solidFill>
+        <a:effectLst/>
+      </p:bgPr>
+    </p:bg>
     <p:spTree>
       <p:nvGrpSpPr>
         <p:cNvPr id="1" name=""/>
@@ -15134,7 +16144,7 @@
         <p:spPr>
           <a:xfrm>
             <a:off x="200025" y="180975"/>
-            <a:ext cx="8943975" cy="274320"/>
+            <a:ext cx="8943975" cy="361950"/>
           </a:xfrm>
           <a:prstGeom prst="rect">
             <a:avLst/>
@@ -15165,6 +16175,9 @@
             </a:pPr>
             <a:r>
               <a:rPr sz="1200" b="1">
+                <a:solidFill>
+                  <a:srgbClr val="E0E0E0"/>
+                </a:solidFill>
                 <a:latin typeface="Arial"/>
               </a:rPr>
               <a:t>📝 List Formatting</a:t>
@@ -15180,8 +16193,8 @@
         </p:nvSpPr>
         <p:spPr>
           <a:xfrm>
-            <a:off x="200025" y="561974"/>
-            <a:ext cx="8943975" cy="274320"/>
+            <a:off x="200025" y="542925"/>
+            <a:ext cx="8943975" cy="304800"/>
           </a:xfrm>
           <a:prstGeom prst="rect">
             <a:avLst/>
@@ -15212,6 +16225,9 @@
             </a:pPr>
             <a:r>
               <a:rPr sz="900" b="1">
+                <a:solidFill>
+                  <a:srgbClr val="E0E0E0"/>
+                </a:solidFill>
                 <a:latin typeface="Arial"/>
               </a:rPr>
               <a:t>Unordered Lists</a:t>
@@ -15227,8 +16243,8 @@
         </p:nvSpPr>
         <p:spPr>
           <a:xfrm>
-            <a:off x="200025" y="895350"/>
-            <a:ext cx="8943975" cy="962024"/>
+            <a:off x="200025" y="857250"/>
+            <a:ext cx="8943975" cy="838200"/>
           </a:xfrm>
           <a:prstGeom prst="rect">
             <a:avLst/>
@@ -15255,17 +16271,28 @@
               </a:defRPr>
             </a:pPr>
             <a:r>
-              <a:rPr sz="700"/>
+              <a:rPr sz="700">
+                <a:solidFill>
+                  <a:srgbClr val="E0E0E0"/>
+                </a:solidFill>
+                <a:latin typeface="Arial"/>
+              </a:rPr>
               <a:t>• </a:t>
             </a:r>
             <a:r>
               <a:rPr b="1" sz="700">
+                <a:solidFill>
+                  <a:srgbClr val="E0E0E0"/>
+                </a:solidFill>
                 <a:latin typeface="Arial"/>
               </a:rPr>
               <a:t>Primary feature</a:t>
             </a:r>
             <a:r>
               <a:rPr sz="700">
+                <a:solidFill>
+                  <a:srgbClr val="E0E0E0"/>
+                </a:solidFill>
                 <a:latin typeface="Arial"/>
               </a:rPr>
               <a:t>: Full markdown support</a:t>
@@ -15280,17 +16307,28 @@
               </a:defRPr>
             </a:pPr>
             <a:r>
-              <a:rPr sz="700"/>
+              <a:rPr sz="700">
+                <a:solidFill>
+                  <a:srgbClr val="E0E0E0"/>
+                </a:solidFill>
+                <a:latin typeface="Arial"/>
+              </a:rPr>
               <a:t>• </a:t>
             </a:r>
             <a:r>
               <a:rPr b="1" sz="700">
+                <a:solidFill>
+                  <a:srgbClr val="E0E0E0"/>
+                </a:solidFill>
                 <a:latin typeface="Arial"/>
               </a:rPr>
               <a:t>Secondary feature</a:t>
             </a:r>
             <a:r>
               <a:rPr sz="700">
+                <a:solidFill>
+                  <a:srgbClr val="E0E0E0"/>
+                </a:solidFill>
                 <a:latin typeface="Arial"/>
               </a:rPr>
               <a:t>: Inline styling within lists</a:t>
@@ -15305,17 +16343,28 @@
               </a:defRPr>
             </a:pPr>
             <a:r>
-              <a:rPr sz="700"/>
+              <a:rPr sz="700">
+                <a:solidFill>
+                  <a:srgbClr val="E0E0E0"/>
+                </a:solidFill>
+                <a:latin typeface="Arial"/>
+              </a:rPr>
               <a:t>• </a:t>
             </a:r>
             <a:r>
               <a:rPr i="1" sz="700">
+                <a:solidFill>
+                  <a:srgbClr val="E0E0E0"/>
+                </a:solidFill>
                 <a:latin typeface="Arial"/>
               </a:rPr>
               <a:t>Nested items</a:t>
             </a:r>
             <a:r>
               <a:rPr sz="700">
+                <a:solidFill>
+                  <a:srgbClr val="E0E0E0"/>
+                </a:solidFill>
                 <a:latin typeface="Arial"/>
               </a:rPr>
               <a:t> with proper indentation</a:t>
@@ -15330,7 +16379,12 @@
               </a:defRPr>
             </a:pPr>
             <a:r>
-              <a:rPr sz="700"/>
+              <a:rPr sz="700">
+                <a:solidFill>
+                  <a:srgbClr val="E0E0E0"/>
+                </a:solidFill>
+                <a:latin typeface="Arial"/>
+              </a:rPr>
               <a:t>• </a:t>
             </a:r>
             <a:r>
@@ -15344,6 +16398,9 @@
             </a:r>
             <a:r>
               <a:rPr sz="700">
+                <a:solidFill>
+                  <a:srgbClr val="E0E0E0"/>
+                </a:solidFill>
                 <a:latin typeface="Arial"/>
               </a:rPr>
               <a:t> in list items</a:t>
@@ -15358,13 +16415,18 @@
               </a:defRPr>
             </a:pPr>
             <a:r>
-              <a:rPr sz="700"/>
+              <a:rPr sz="700">
+                <a:solidFill>
+                  <a:srgbClr val="E0E0E0"/>
+                </a:solidFill>
+                <a:latin typeface="Arial"/>
+              </a:rPr>
               <a:t>• </a:t>
             </a:r>
             <a:r>
               <a:rPr b="1" sz="700">
                 <a:solidFill>
-                  <a:srgbClr val="FF8C00"/>
+                  <a:srgbClr val="FFCC00"/>
                 </a:solidFill>
                 <a:latin typeface="Arial"/>
               </a:rPr>
@@ -15372,6 +16434,9 @@
             </a:r>
             <a:r>
               <a:rPr sz="700">
+                <a:solidFill>
+                  <a:srgbClr val="E0E0E0"/>
+                </a:solidFill>
                 <a:latin typeface="Arial"/>
               </a:rPr>
               <a:t> for emphasis</a:t>
@@ -15386,17 +16451,28 @@
               </a:defRPr>
             </a:pPr>
             <a:r>
-              <a:rPr sz="700"/>
+              <a:rPr sz="700">
+                <a:solidFill>
+                  <a:srgbClr val="E0E0E0"/>
+                </a:solidFill>
+                <a:latin typeface="Arial"/>
+              </a:rPr>
               <a:t>• </a:t>
             </a:r>
             <a:r>
               <a:rPr b="1" sz="700">
+                <a:solidFill>
+                  <a:srgbClr val="E0E0E0"/>
+                </a:solidFill>
                 <a:latin typeface="Arial"/>
               </a:rPr>
               <a:t>Tertiary feature</a:t>
             </a:r>
             <a:r>
               <a:rPr sz="700">
+                <a:solidFill>
+                  <a:srgbClr val="E0E0E0"/>
+                </a:solidFill>
                 <a:latin typeface="Arial"/>
               </a:rPr>
               <a:t>: Multiple nesting levels</a:t>
@@ -15412,8 +16488,8 @@
         </p:nvSpPr>
         <p:spPr>
           <a:xfrm>
-            <a:off x="200025" y="1866899"/>
-            <a:ext cx="8943975" cy="274320"/>
+            <a:off x="200025" y="1609724"/>
+            <a:ext cx="8943975" cy="304800"/>
           </a:xfrm>
           <a:prstGeom prst="rect">
             <a:avLst/>
@@ -15444,6 +16520,9 @@
             </a:pPr>
             <a:r>
               <a:rPr sz="900" b="1">
+                <a:solidFill>
+                  <a:srgbClr val="E0E0E0"/>
+                </a:solidFill>
                 <a:latin typeface="Arial"/>
               </a:rPr>
               <a:t>Ordered Lists</a:t>
@@ -15459,8 +16538,8 @@
         </p:nvSpPr>
         <p:spPr>
           <a:xfrm>
-            <a:off x="200025" y="2190749"/>
-            <a:ext cx="8943975" cy="1895474"/>
+            <a:off x="200025" y="1914525"/>
+            <a:ext cx="8943975" cy="1571625"/>
           </a:xfrm>
           <a:prstGeom prst="rect">
             <a:avLst/>
@@ -15487,11 +16566,19 @@
               </a:defRPr>
             </a:pPr>
             <a:r>
-              <a:rPr sz="700"/>
+              <a:rPr sz="700">
+                <a:solidFill>
+                  <a:srgbClr val="E0E0E0"/>
+                </a:solidFill>
+                <a:latin typeface="Arial"/>
+              </a:rPr>
               <a:t>1. </a:t>
             </a:r>
             <a:r>
               <a:rPr b="1" sz="700">
+                <a:solidFill>
+                  <a:srgbClr val="E0E0E0"/>
+                </a:solidFill>
                 <a:latin typeface="Arial"/>
               </a:rPr>
               <a:t>Setup Phase</a:t>
@@ -15506,11 +16593,19 @@
               </a:defRPr>
             </a:pPr>
             <a:r>
-              <a:rPr sz="700"/>
+              <a:rPr sz="700">
+                <a:solidFill>
+                  <a:srgbClr val="E0E0E0"/>
+                </a:solidFill>
+                <a:latin typeface="Arial"/>
+              </a:rPr>
               <a:t>1. </a:t>
             </a:r>
             <a:r>
               <a:rPr sz="700">
+                <a:solidFill>
+                  <a:srgbClr val="E0E0E0"/>
+                </a:solidFill>
                 <a:latin typeface="Arial"/>
               </a:rPr>
               <a:t>Install dependencies with </a:t>
@@ -15534,11 +16629,19 @@
               </a:defRPr>
             </a:pPr>
             <a:r>
-              <a:rPr sz="700"/>
+              <a:rPr sz="700">
+                <a:solidFill>
+                  <a:srgbClr val="E0E0E0"/>
+                </a:solidFill>
+                <a:latin typeface="Arial"/>
+              </a:rPr>
               <a:t>2. </a:t>
             </a:r>
             <a:r>
               <a:rPr sz="700">
+                <a:solidFill>
+                  <a:srgbClr val="E0E0E0"/>
+                </a:solidFill>
                 <a:latin typeface="Arial"/>
               </a:rPr>
               <a:t>Configure environment variables</a:t>
@@ -15553,11 +16656,19 @@
               </a:defRPr>
             </a:pPr>
             <a:r>
-              <a:rPr sz="700"/>
+              <a:rPr sz="700">
+                <a:solidFill>
+                  <a:srgbClr val="E0E0E0"/>
+                </a:solidFill>
+                <a:latin typeface="Arial"/>
+              </a:rPr>
               <a:t>3. </a:t>
             </a:r>
             <a:r>
               <a:rPr sz="700">
+                <a:solidFill>
+                  <a:srgbClr val="E0E0E0"/>
+                </a:solidFill>
                 <a:latin typeface="Arial"/>
               </a:rPr>
               <a:t>Initialize database schema</a:t>
@@ -15572,11 +16683,19 @@
               </a:defRPr>
             </a:pPr>
             <a:r>
-              <a:rPr sz="700"/>
+              <a:rPr sz="700">
+                <a:solidFill>
+                  <a:srgbClr val="E0E0E0"/>
+                </a:solidFill>
+                <a:latin typeface="Arial"/>
+              </a:rPr>
               <a:t>2. </a:t>
             </a:r>
             <a:r>
               <a:rPr b="1" sz="700">
+                <a:solidFill>
+                  <a:srgbClr val="E0E0E0"/>
+                </a:solidFill>
                 <a:latin typeface="Arial"/>
               </a:rPr>
               <a:t>Development Phase</a:t>
@@ -15591,11 +16710,19 @@
               </a:defRPr>
             </a:pPr>
             <a:r>
-              <a:rPr sz="700"/>
+              <a:rPr sz="700">
+                <a:solidFill>
+                  <a:srgbClr val="E0E0E0"/>
+                </a:solidFill>
+                <a:latin typeface="Arial"/>
+              </a:rPr>
               <a:t>1. </a:t>
             </a:r>
             <a:r>
               <a:rPr sz="700">
+                <a:solidFill>
+                  <a:srgbClr val="E0E0E0"/>
+                </a:solidFill>
                 <a:latin typeface="Arial"/>
               </a:rPr>
               <a:t>Write </a:t>
@@ -15603,7 +16730,7 @@
             <a:r>
               <a:rPr b="1" sz="700">
                 <a:solidFill>
-                  <a:srgbClr val="FF8C00"/>
+                  <a:srgbClr val="FFCC00"/>
                 </a:solidFill>
                 <a:latin typeface="Arial"/>
               </a:rPr>
@@ -15619,17 +16746,28 @@
               </a:defRPr>
             </a:pPr>
             <a:r>
-              <a:rPr sz="700"/>
+              <a:rPr sz="700">
+                <a:solidFill>
+                  <a:srgbClr val="E0E0E0"/>
+                </a:solidFill>
+                <a:latin typeface="Arial"/>
+              </a:rPr>
               <a:t>2. </a:t>
             </a:r>
             <a:r>
               <a:rPr sz="700">
+                <a:solidFill>
+                  <a:srgbClr val="E0E0E0"/>
+                </a:solidFill>
                 <a:latin typeface="Arial"/>
               </a:rPr>
               <a:t>Add comprehensive </a:t>
             </a:r>
             <a:r>
               <a:rPr i="1" sz="700">
+                <a:solidFill>
+                  <a:srgbClr val="E0E0E0"/>
+                </a:solidFill>
                 <a:latin typeface="Arial"/>
               </a:rPr>
               <a:t>unit tests</a:t>
@@ -15644,17 +16782,28 @@
               </a:defRPr>
             </a:pPr>
             <a:r>
-              <a:rPr sz="700"/>
+              <a:rPr sz="700">
+                <a:solidFill>
+                  <a:srgbClr val="E0E0E0"/>
+                </a:solidFill>
+                <a:latin typeface="Arial"/>
+              </a:rPr>
               <a:t>3. </a:t>
             </a:r>
             <a:r>
               <a:rPr sz="700">
+                <a:solidFill>
+                  <a:srgbClr val="E0E0E0"/>
+                </a:solidFill>
                 <a:latin typeface="Arial"/>
               </a:rPr>
               <a:t>Document </a:t>
             </a:r>
             <a:r>
               <a:rPr b="1" sz="700">
+                <a:solidFill>
+                  <a:srgbClr val="E0E0E0"/>
+                </a:solidFill>
                 <a:latin typeface="Arial"/>
               </a:rPr>
               <a:t>public APIs</a:t>
@@ -15669,11 +16818,19 @@
               </a:defRPr>
             </a:pPr>
             <a:r>
-              <a:rPr sz="700"/>
+              <a:rPr sz="700">
+                <a:solidFill>
+                  <a:srgbClr val="E0E0E0"/>
+                </a:solidFill>
+                <a:latin typeface="Arial"/>
+              </a:rPr>
               <a:t>3. </a:t>
             </a:r>
             <a:r>
               <a:rPr b="1" sz="700">
+                <a:solidFill>
+                  <a:srgbClr val="E0E0E0"/>
+                </a:solidFill>
                 <a:latin typeface="Arial"/>
               </a:rPr>
               <a:t>Deployment Phase</a:t>
@@ -15688,11 +16845,19 @@
               </a:defRPr>
             </a:pPr>
             <a:r>
-              <a:rPr sz="700"/>
+              <a:rPr sz="700">
+                <a:solidFill>
+                  <a:srgbClr val="E0E0E0"/>
+                </a:solidFill>
+                <a:latin typeface="Arial"/>
+              </a:rPr>
               <a:t>1. </a:t>
             </a:r>
             <a:r>
               <a:rPr sz="700">
+                <a:solidFill>
+                  <a:srgbClr val="E0E0E0"/>
+                </a:solidFill>
                 <a:latin typeface="Arial"/>
               </a:rPr>
               <a:t>Run </a:t>
@@ -15708,6 +16873,9 @@
             </a:r>
             <a:r>
               <a:rPr sz="700">
+                <a:solidFill>
+                  <a:srgbClr val="E0E0E0"/>
+                </a:solidFill>
                 <a:latin typeface="Arial"/>
               </a:rPr>
               <a:t> for quality assurance</a:t>
@@ -15722,11 +16890,19 @@
               </a:defRPr>
             </a:pPr>
             <a:r>
-              <a:rPr sz="700"/>
+              <a:rPr sz="700">
+                <a:solidFill>
+                  <a:srgbClr val="E0E0E0"/>
+                </a:solidFill>
+                <a:latin typeface="Arial"/>
+              </a:rPr>
               <a:t>2. </a:t>
             </a:r>
             <a:r>
               <a:rPr sz="700">
+                <a:solidFill>
+                  <a:srgbClr val="E0E0E0"/>
+                </a:solidFill>
                 <a:latin typeface="Arial"/>
               </a:rPr>
               <a:t>Deploy to </a:t>
@@ -15734,7 +16910,7 @@
             <a:r>
               <a:rPr b="1" sz="700">
                 <a:solidFill>
-                  <a:srgbClr val="FF8C00"/>
+                  <a:srgbClr val="FFCC00"/>
                 </a:solidFill>
                 <a:latin typeface="Arial"/>
               </a:rPr>
@@ -15750,17 +16926,28 @@
               </a:defRPr>
             </a:pPr>
             <a:r>
-              <a:rPr sz="700"/>
+              <a:rPr sz="700">
+                <a:solidFill>
+                  <a:srgbClr val="E0E0E0"/>
+                </a:solidFill>
+                <a:latin typeface="Arial"/>
+              </a:rPr>
               <a:t>3. </a:t>
             </a:r>
             <a:r>
               <a:rPr sz="700">
+                <a:solidFill>
+                  <a:srgbClr val="E0E0E0"/>
+                </a:solidFill>
                 <a:latin typeface="Arial"/>
               </a:rPr>
               <a:t>Monitor </a:t>
             </a:r>
             <a:r>
               <a:rPr i="1" sz="700">
+                <a:solidFill>
+                  <a:srgbClr val="E0E0E0"/>
+                </a:solidFill>
                 <a:latin typeface="Arial"/>
               </a:rPr>
               <a:t>system performance</a:t>
@@ -15779,6 +16966,14 @@
 <file path=ppt/slides/slide8.xml><?xml version="1.0" encoding="utf-8"?>
 <p:sld xmlns:a="http://schemas.openxmlformats.org/drawingml/2006/main" xmlns:p="http://schemas.openxmlformats.org/presentationml/2006/main" xmlns:r="http://schemas.openxmlformats.org/officeDocument/2006/relationships">
   <p:cSld>
+    <p:bg>
+      <p:bgPr>
+        <a:solidFill>
+          <a:srgbClr val="1A1A1A"/>
+        </a:solidFill>
+        <a:effectLst/>
+      </p:bgPr>
+    </p:bg>
     <p:spTree>
       <p:nvGrpSpPr>
         <p:cNvPr id="1" name=""/>
@@ -15795,7 +16990,7 @@
         <p:spPr>
           <a:xfrm>
             <a:off x="200025" y="180975"/>
-            <a:ext cx="8943975" cy="274320"/>
+            <a:ext cx="8943975" cy="361950"/>
           </a:xfrm>
           <a:prstGeom prst="rect">
             <a:avLst/>
@@ -15826,6 +17021,9 @@
             </a:pPr>
             <a:r>
               <a:rPr sz="1200" b="1">
+                <a:solidFill>
+                  <a:srgbClr val="E0E0E0"/>
+                </a:solidFill>
                 <a:latin typeface="Arial"/>
               </a:rPr>
               <a:t>🔧 Technical Architecture</a:t>
@@ -15841,8 +17039,8 @@
         </p:nvSpPr>
         <p:spPr>
           <a:xfrm>
-            <a:off x="200025" y="561974"/>
-            <a:ext cx="8943975" cy="274320"/>
+            <a:off x="200025" y="542925"/>
+            <a:ext cx="8943975" cy="304800"/>
           </a:xfrm>
           <a:prstGeom prst="rect">
             <a:avLst/>
@@ -15873,6 +17071,9 @@
             </a:pPr>
             <a:r>
               <a:rPr sz="900" b="1">
+                <a:solidFill>
+                  <a:srgbClr val="E0E0E0"/>
+                </a:solidFill>
                 <a:latin typeface="Arial"/>
               </a:rPr>
               <a:t>Core Components</a:t>
@@ -15888,8 +17089,8 @@
         </p:nvSpPr>
         <p:spPr>
           <a:xfrm>
-            <a:off x="200025" y="895350"/>
-            <a:ext cx="4486275" cy="1933574"/>
+            <a:off x="200025" y="857250"/>
+            <a:ext cx="4486275" cy="2076449"/>
           </a:xfrm>
           <a:prstGeom prst="rect">
             <a:avLst/>
@@ -15922,8 +17123,8 @@
           <p:nvPr/>
         </p:nvGraphicFramePr>
         <p:xfrm>
-          <a:off x="200025" y="895350"/>
-          <a:ext cx="4482106" cy="1876425"/>
+          <a:off x="200025" y="857250"/>
+          <a:ext cx="4930317" cy="2019300"/>
         </p:xfrm>
         <a:graphic>
           <a:graphicData uri="http://schemas.openxmlformats.org/drawingml/2006/table">
@@ -15932,11 +17133,11 @@
                 <a:tableStyleId>{5C22544A-7EE6-4342-B048-85BDC9FD1C3A}</a:tableStyleId>
               </a:tblPr>
               <a:tblGrid>
-                <a:gridCol w="929506"/>
-                <a:gridCol w="1485676"/>
-                <a:gridCol w="2066924"/>
+                <a:gridCol w="1022456"/>
+                <a:gridCol w="1634244"/>
+                <a:gridCol w="2273617"/>
               </a:tblGrid>
-              <a:tr h="375285">
+              <a:tr h="403860">
                 <a:tc>
                   <a:txBody>
                     <a:bodyPr lIns="76200" rIns="76200" tIns="76200" bIns="76200"/>
@@ -16085,7 +17286,7 @@
                   </a:tcPr>
                 </a:tc>
               </a:tr>
-              <a:tr h="375285">
+              <a:tr h="403860">
                 <a:tc>
                   <a:txBody>
                     <a:bodyPr lIns="76200" rIns="76200" tIns="76200" bIns="76200"/>
@@ -16252,7 +17453,7 @@
                   </a:tcPr>
                 </a:tc>
               </a:tr>
-              <a:tr h="375285">
+              <a:tr h="403860">
                 <a:tc>
                   <a:txBody>
                     <a:bodyPr lIns="76200" rIns="76200" tIns="76200" bIns="76200"/>
@@ -16401,7 +17602,7 @@
                   </a:tcPr>
                 </a:tc>
               </a:tr>
-              <a:tr h="375285">
+              <a:tr h="403860">
                 <a:tc>
                   <a:txBody>
                     <a:bodyPr lIns="76200" rIns="76200" tIns="76200" bIns="76200"/>
@@ -16550,7 +17751,7 @@
                   </a:tcPr>
                 </a:tc>
               </a:tr>
-              <a:tr h="375285">
+              <a:tr h="403860">
                 <a:tc>
                   <a:txBody>
                     <a:bodyPr lIns="76200" rIns="76200" tIns="76200" bIns="76200"/>
@@ -16711,7 +17912,57 @@
         </p:nvSpPr>
         <p:spPr>
           <a:xfrm>
-            <a:off x="200025" y="2981325"/>
+            <a:off x="200025" y="2943225"/>
+            <a:ext cx="8943975" cy="304800"/>
+          </a:xfrm>
+          <a:prstGeom prst="rect">
+            <a:avLst/>
+          </a:prstGeom>
+          <a:noFill/>
+        </p:spPr>
+        <p:txBody>
+          <a:bodyPr wrap="square" lIns="0" rIns="0" tIns="0" bIns="0">
+            <a:spAutoFit/>
+          </a:bodyPr>
+          <a:lstStyle/>
+          <a:p>
+            <a:pPr algn="l">
+              <a:lnSpc>
+                <a:spcPct val="100000"/>
+              </a:lnSpc>
+              <a:spcBef>
+                <a:spcPts val="0"/>
+              </a:spcBef>
+              <a:spcAft>
+                <a:spcPts val="0"/>
+              </a:spcAft>
+              <a:defRPr>
+                <a:solidFill>
+                  <a:srgbClr val="E0E0E0"/>
+                </a:solidFill>
+              </a:defRPr>
+            </a:pPr>
+            <a:r>
+              <a:rPr sz="900" b="1">
+                <a:solidFill>
+                  <a:srgbClr val="E0E0E0"/>
+                </a:solidFill>
+                <a:latin typeface="Arial"/>
+              </a:rPr>
+              <a:t>Processing Pipeline</a:t>
+            </a:r>
+          </a:p>
+        </p:txBody>
+      </p:sp>
+      <p:sp>
+        <p:nvSpPr>
+          <p:cNvPr id="7" name="TextBox 6"/>
+          <p:cNvSpPr txBox="1"/>
+          <p:nvPr/>
+        </p:nvSpPr>
+        <p:spPr>
+          <a:xfrm>
+            <a:off x="200025" y="3248024"/>
             <a:ext cx="8943975" cy="274320"/>
           </a:xfrm>
           <a:prstGeom prst="rect">
@@ -16742,24 +17993,27 @@
               </a:defRPr>
             </a:pPr>
             <a:r>
-              <a:rPr sz="900" b="1">
-                <a:latin typeface="Arial"/>
-              </a:rPr>
-              <a:t>Processing Pipeline</a:t>
+              <a:rPr sz="700">
+                <a:solidFill>
+                  <a:srgbClr val="E0E0E0"/>
+                </a:solidFill>
+                <a:latin typeface="Arial"/>
+              </a:rPr>
+              <a:t>The system processes content through these stages:</a:t>
             </a:r>
           </a:p>
         </p:txBody>
       </p:sp>
       <p:sp>
         <p:nvSpPr>
-          <p:cNvPr id="7" name="TextBox 6"/>
+          <p:cNvPr id="8" name="TextBox 7"/>
           <p:cNvSpPr txBox="1"/>
           <p:nvPr/>
         </p:nvSpPr>
         <p:spPr>
           <a:xfrm>
-            <a:off x="200025" y="3305174"/>
-            <a:ext cx="8943975" cy="274320"/>
+            <a:off x="200025" y="3476624"/>
+            <a:ext cx="8943975" cy="685800"/>
           </a:xfrm>
           <a:prstGeom prst="rect">
             <a:avLst/>
@@ -16773,9 +18027,6 @@
           <a:lstStyle/>
           <a:p>
             <a:pPr algn="l">
-              <a:lnSpc>
-                <a:spcPct val="100000"/>
-              </a:lnSpc>
               <a:spcBef>
                 <a:spcPts val="0"/>
               </a:spcBef>
@@ -16790,42 +18041,34 @@
             </a:pPr>
             <a:r>
               <a:rPr sz="700">
-                <a:latin typeface="Arial"/>
-              </a:rPr>
-              <a:t>The system processes content through these stages:</a:t>
-            </a:r>
-          </a:p>
-        </p:txBody>
-      </p:sp>
-      <p:sp>
-        <p:nvSpPr>
-          <p:cNvPr id="8" name="TextBox 7"/>
-          <p:cNvSpPr txBox="1"/>
-          <p:nvPr/>
-        </p:nvSpPr>
-        <p:spPr>
-          <a:xfrm>
-            <a:off x="200025" y="3543300"/>
-            <a:ext cx="8943975" cy="742950"/>
-          </a:xfrm>
-          <a:prstGeom prst="rect">
-            <a:avLst/>
-          </a:prstGeom>
-          <a:noFill/>
-        </p:spPr>
-        <p:txBody>
-          <a:bodyPr wrap="square" lIns="0" rIns="0" tIns="0" bIns="0">
-            <a:spAutoFit/>
-          </a:bodyPr>
-          <a:lstStyle/>
+                <a:solidFill>
+                  <a:srgbClr val="E0E0E0"/>
+                </a:solidFill>
+                <a:latin typeface="Arial"/>
+              </a:rPr>
+              <a:t>1. </a:t>
+            </a:r>
+            <a:r>
+              <a:rPr b="1" sz="700">
+                <a:solidFill>
+                  <a:srgbClr val="E0E0E0"/>
+                </a:solidFill>
+                <a:latin typeface="Arial"/>
+              </a:rPr>
+              <a:t>Markdown Input</a:t>
+            </a:r>
+            <a:r>
+              <a:rPr sz="700">
+                <a:solidFill>
+                  <a:srgbClr val="E0E0E0"/>
+                </a:solidFill>
+                <a:latin typeface="Arial"/>
+              </a:rPr>
+              <a:t> → Parse with markdown-it-py</a:t>
+            </a:r>
+          </a:p>
           <a:p>
             <a:pPr algn="l">
-              <a:spcBef>
-                <a:spcPts val="0"/>
-              </a:spcBef>
-              <a:spcAft>
-                <a:spcPts val="0"/>
-              </a:spcAft>
               <a:defRPr>
                 <a:solidFill>
                   <a:srgbClr val="E0E0E0"/>
@@ -16833,20 +18076,31 @@
               </a:defRPr>
             </a:pPr>
             <a:r>
-              <a:rPr sz="700"/>
-              <a:t>1. </a:t>
+              <a:rPr sz="700">
+                <a:solidFill>
+                  <a:srgbClr val="E0E0E0"/>
+                </a:solidFill>
+                <a:latin typeface="Arial"/>
+              </a:rPr>
+              <a:t>2. </a:t>
             </a:r>
             <a:r>
               <a:rPr b="1" sz="700">
-                <a:latin typeface="Arial"/>
-              </a:rPr>
-              <a:t>Markdown Input</a:t>
-            </a:r>
-            <a:r>
-              <a:rPr sz="700">
-                <a:latin typeface="Arial"/>
-              </a:rPr>
-              <a:t> → Parse with markdown-it-py</a:t>
+                <a:solidFill>
+                  <a:srgbClr val="E0E0E0"/>
+                </a:solidFill>
+                <a:latin typeface="Arial"/>
+              </a:rPr>
+              <a:t>HTML Generation</a:t>
+            </a:r>
+            <a:r>
+              <a:rPr sz="700">
+                <a:solidFill>
+                  <a:srgbClr val="E0E0E0"/>
+                </a:solidFill>
+                <a:latin typeface="Arial"/>
+              </a:rPr>
+              <a:t> → Add inline styling support</a:t>
             </a:r>
           </a:p>
           <a:p>
@@ -16858,20 +18112,31 @@
               </a:defRPr>
             </a:pPr>
             <a:r>
-              <a:rPr sz="700"/>
-              <a:t>2. </a:t>
+              <a:rPr sz="700">
+                <a:solidFill>
+                  <a:srgbClr val="E0E0E0"/>
+                </a:solidFill>
+                <a:latin typeface="Arial"/>
+              </a:rPr>
+              <a:t>3. </a:t>
             </a:r>
             <a:r>
               <a:rPr b="1" sz="700">
-                <a:latin typeface="Arial"/>
-              </a:rPr>
-              <a:t>HTML Generation</a:t>
-            </a:r>
-            <a:r>
-              <a:rPr sz="700">
-                <a:latin typeface="Arial"/>
-              </a:rPr>
-              <a:t> → Add inline styling support</a:t>
+                <a:solidFill>
+                  <a:srgbClr val="E0E0E0"/>
+                </a:solidFill>
+                <a:latin typeface="Arial"/>
+              </a:rPr>
+              <a:t>Browser Layout</a:t>
+            </a:r>
+            <a:r>
+              <a:rPr sz="700">
+                <a:solidFill>
+                  <a:srgbClr val="E0E0E0"/>
+                </a:solidFill>
+                <a:latin typeface="Arial"/>
+              </a:rPr>
+              <a:t> → Measure with Puppeteer engine</a:t>
             </a:r>
           </a:p>
           <a:p>
@@ -16883,20 +18148,31 @@
               </a:defRPr>
             </a:pPr>
             <a:r>
-              <a:rPr sz="700"/>
-              <a:t>3. </a:t>
+              <a:rPr sz="700">
+                <a:solidFill>
+                  <a:srgbClr val="E0E0E0"/>
+                </a:solidFill>
+                <a:latin typeface="Arial"/>
+              </a:rPr>
+              <a:t>4. </a:t>
             </a:r>
             <a:r>
               <a:rPr b="1" sz="700">
-                <a:latin typeface="Arial"/>
-              </a:rPr>
-              <a:t>Browser Layout</a:t>
-            </a:r>
-            <a:r>
-              <a:rPr sz="700">
-                <a:latin typeface="Arial"/>
-              </a:rPr>
-              <a:t> → Measure with Puppeteer engine</a:t>
+                <a:solidFill>
+                  <a:srgbClr val="E0E0E0"/>
+                </a:solidFill>
+                <a:latin typeface="Arial"/>
+              </a:rPr>
+              <a:t>Block Positioning</a:t>
+            </a:r>
+            <a:r>
+              <a:rPr sz="700">
+                <a:solidFill>
+                  <a:srgbClr val="E0E0E0"/>
+                </a:solidFill>
+                <a:latin typeface="Arial"/>
+              </a:rPr>
+              <a:t> → Calculate precise coordinates</a:t>
             </a:r>
           </a:p>
           <a:p>
@@ -16908,42 +18184,28 @@
               </a:defRPr>
             </a:pPr>
             <a:r>
-              <a:rPr sz="700"/>
-              <a:t>4. </a:t>
+              <a:rPr sz="700">
+                <a:solidFill>
+                  <a:srgbClr val="E0E0E0"/>
+                </a:solidFill>
+                <a:latin typeface="Arial"/>
+              </a:rPr>
+              <a:t>5. </a:t>
             </a:r>
             <a:r>
               <a:rPr b="1" sz="700">
-                <a:latin typeface="Arial"/>
-              </a:rPr>
-              <a:t>Block Positioning</a:t>
-            </a:r>
-            <a:r>
-              <a:rPr sz="700">
-                <a:latin typeface="Arial"/>
-              </a:rPr>
-              <a:t> → Calculate precise coordinates</a:t>
-            </a:r>
-          </a:p>
-          <a:p>
-            <a:pPr algn="l">
-              <a:defRPr>
-                <a:solidFill>
-                  <a:srgbClr val="E0E0E0"/>
-                </a:solidFill>
-              </a:defRPr>
-            </a:pPr>
-            <a:r>
-              <a:rPr sz="700"/>
-              <a:t>5. </a:t>
-            </a:r>
-            <a:r>
-              <a:rPr b="1" sz="700">
+                <a:solidFill>
+                  <a:srgbClr val="E0E0E0"/>
+                </a:solidFill>
                 <a:latin typeface="Arial"/>
               </a:rPr>
               <a:t>PowerPoint Output</a:t>
             </a:r>
             <a:r>
               <a:rPr sz="700">
+                <a:solidFill>
+                  <a:srgbClr val="E0E0E0"/>
+                </a:solidFill>
                 <a:latin typeface="Arial"/>
               </a:rPr>
               <a:t> → Generate native PPTX format</a:t>
@@ -16962,6 +18224,14 @@
 <file path=ppt/slides/slide9.xml><?xml version="1.0" encoding="utf-8"?>
 <p:sld xmlns:a="http://schemas.openxmlformats.org/drawingml/2006/main" xmlns:p="http://schemas.openxmlformats.org/presentationml/2006/main" xmlns:r="http://schemas.openxmlformats.org/officeDocument/2006/relationships">
   <p:cSld>
+    <p:bg>
+      <p:bgPr>
+        <a:solidFill>
+          <a:srgbClr val="1A1A1A"/>
+        </a:solidFill>
+        <a:effectLst/>
+      </p:bgPr>
+    </p:bg>
     <p:spTree>
       <p:nvGrpSpPr>
         <p:cNvPr id="1" name=""/>
@@ -16978,6 +18248,106 @@
         <p:spPr>
           <a:xfrm>
             <a:off x="200025" y="180975"/>
+            <a:ext cx="8943975" cy="361950"/>
+          </a:xfrm>
+          <a:prstGeom prst="rect">
+            <a:avLst/>
+          </a:prstGeom>
+          <a:noFill/>
+        </p:spPr>
+        <p:txBody>
+          <a:bodyPr wrap="square" lIns="0" rIns="0" tIns="0" bIns="0">
+            <a:spAutoFit/>
+          </a:bodyPr>
+          <a:lstStyle/>
+          <a:p>
+            <a:pPr algn="l">
+              <a:lnSpc>
+                <a:spcPct val="100000"/>
+              </a:lnSpc>
+              <a:spcBef>
+                <a:spcPts val="0"/>
+              </a:spcBef>
+              <a:spcAft>
+                <a:spcPts val="0"/>
+              </a:spcAft>
+              <a:defRPr>
+                <a:solidFill>
+                  <a:srgbClr val="E0E0E0"/>
+                </a:solidFill>
+              </a:defRPr>
+            </a:pPr>
+            <a:r>
+              <a:rPr sz="1200" b="1">
+                <a:solidFill>
+                  <a:srgbClr val="E0E0E0"/>
+                </a:solidFill>
+                <a:latin typeface="Arial"/>
+              </a:rPr>
+              <a:t>📏 Pagination &amp; Layout</a:t>
+            </a:r>
+          </a:p>
+        </p:txBody>
+      </p:sp>
+      <p:sp>
+        <p:nvSpPr>
+          <p:cNvPr id="3" name="TextBox 2"/>
+          <p:cNvSpPr txBox="1"/>
+          <p:nvPr/>
+        </p:nvSpPr>
+        <p:spPr>
+          <a:xfrm>
+            <a:off x="200025" y="542925"/>
+            <a:ext cx="8943975" cy="304800"/>
+          </a:xfrm>
+          <a:prstGeom prst="rect">
+            <a:avLst/>
+          </a:prstGeom>
+          <a:noFill/>
+        </p:spPr>
+        <p:txBody>
+          <a:bodyPr wrap="square" lIns="0" rIns="0" tIns="0" bIns="0">
+            <a:spAutoFit/>
+          </a:bodyPr>
+          <a:lstStyle/>
+          <a:p>
+            <a:pPr algn="l">
+              <a:lnSpc>
+                <a:spcPct val="100000"/>
+              </a:lnSpc>
+              <a:spcBef>
+                <a:spcPts val="0"/>
+              </a:spcBef>
+              <a:spcAft>
+                <a:spcPts val="0"/>
+              </a:spcAft>
+              <a:defRPr>
+                <a:solidFill>
+                  <a:srgbClr val="E0E0E0"/>
+                </a:solidFill>
+              </a:defRPr>
+            </a:pPr>
+            <a:r>
+              <a:rPr sz="900" b="1">
+                <a:solidFill>
+                  <a:srgbClr val="E0E0E0"/>
+                </a:solidFill>
+                <a:latin typeface="Arial"/>
+              </a:rPr>
+              <a:t>Intelligent Pagination</a:t>
+            </a:r>
+          </a:p>
+        </p:txBody>
+      </p:sp>
+      <p:sp>
+        <p:nvSpPr>
+          <p:cNvPr id="4" name="TextBox 3"/>
+          <p:cNvSpPr txBox="1"/>
+          <p:nvPr/>
+        </p:nvSpPr>
+        <p:spPr>
+          <a:xfrm>
+            <a:off x="200025" y="857250"/>
             <a:ext cx="8943975" cy="274320"/>
           </a:xfrm>
           <a:prstGeom prst="rect">
@@ -17008,24 +18378,45 @@
               </a:defRPr>
             </a:pPr>
             <a:r>
-              <a:rPr sz="1200" b="1">
-                <a:latin typeface="Arial"/>
-              </a:rPr>
-              <a:t>📏 Pagination &amp; Layout</a:t>
+              <a:rPr sz="700">
+                <a:solidFill>
+                  <a:srgbClr val="E0E0E0"/>
+                </a:solidFill>
+                <a:latin typeface="Arial"/>
+              </a:rPr>
+              <a:t>The system uses </a:t>
+            </a:r>
+            <a:r>
+              <a:rPr b="1" sz="700">
+                <a:solidFill>
+                  <a:srgbClr val="E0E0E0"/>
+                </a:solidFill>
+                <a:latin typeface="Arial"/>
+              </a:rPr>
+              <a:t>browser-based measurement</a:t>
+            </a:r>
+            <a:r>
+              <a:rPr sz="700">
+                <a:solidFill>
+                  <a:srgbClr val="E0E0E0"/>
+                </a:solidFill>
+                <a:latin typeface="Arial"/>
+              </a:rPr>
+              <a:t> for accurate pagination:</a:t>
             </a:r>
           </a:p>
         </p:txBody>
       </p:sp>
       <p:sp>
         <p:nvSpPr>
-          <p:cNvPr id="3" name="TextBox 2"/>
+          <p:cNvPr id="5" name="TextBox 4"/>
           <p:cNvSpPr txBox="1"/>
           <p:nvPr/>
         </p:nvSpPr>
         <p:spPr>
           <a:xfrm>
-            <a:off x="200025" y="561974"/>
-            <a:ext cx="8943975" cy="274320"/>
+            <a:off x="200025" y="1085850"/>
+            <a:ext cx="8943975" cy="571500"/>
           </a:xfrm>
           <a:prstGeom prst="rect">
             <a:avLst/>
@@ -17039,9 +18430,6 @@
           <a:lstStyle/>
           <a:p>
             <a:pPr algn="l">
-              <a:lnSpc>
-                <a:spcPct val="100000"/>
-              </a:lnSpc>
               <a:spcBef>
                 <a:spcPts val="0"/>
               </a:spcBef>
@@ -17055,24 +18443,189 @@
               </a:defRPr>
             </a:pPr>
             <a:r>
-              <a:rPr sz="900" b="1">
-                <a:latin typeface="Arial"/>
-              </a:rPr>
-              <a:t>Intelligent Pagination</a:t>
+              <a:rPr sz="700">
+                <a:solidFill>
+                  <a:srgbClr val="E0E0E0"/>
+                </a:solidFill>
+                <a:latin typeface="Arial"/>
+              </a:rPr>
+              <a:t>• </a:t>
+            </a:r>
+            <a:r>
+              <a:rPr sz="700">
+                <a:solidFill>
+                  <a:srgbClr val="E0E0E0"/>
+                </a:solidFill>
+                <a:latin typeface="Arial"/>
+              </a:rPr>
+              <a:t>✅ </a:t>
+            </a:r>
+            <a:r>
+              <a:rPr b="1" sz="700">
+                <a:solidFill>
+                  <a:srgbClr val="E0E0E0"/>
+                </a:solidFill>
+                <a:latin typeface="Arial"/>
+              </a:rPr>
+              <a:t>Boundary detection</a:t>
+            </a:r>
+            <a:r>
+              <a:rPr sz="700">
+                <a:solidFill>
+                  <a:srgbClr val="E0E0E0"/>
+                </a:solidFill>
+                <a:latin typeface="Arial"/>
+              </a:rPr>
+              <a:t>: Content exceeding slide limits automatically flows to next slide</a:t>
+            </a:r>
+          </a:p>
+          <a:p>
+            <a:pPr algn="l">
+              <a:defRPr>
+                <a:solidFill>
+                  <a:srgbClr val="E0E0E0"/>
+                </a:solidFill>
+              </a:defRPr>
+            </a:pPr>
+            <a:r>
+              <a:rPr sz="700">
+                <a:solidFill>
+                  <a:srgbClr val="E0E0E0"/>
+                </a:solidFill>
+                <a:latin typeface="Arial"/>
+              </a:rPr>
+              <a:t>• </a:t>
+            </a:r>
+            <a:r>
+              <a:rPr sz="700">
+                <a:solidFill>
+                  <a:srgbClr val="E0E0E0"/>
+                </a:solidFill>
+                <a:latin typeface="Arial"/>
+              </a:rPr>
+              <a:t>✅ </a:t>
+            </a:r>
+            <a:r>
+              <a:rPr b="1" sz="700">
+                <a:solidFill>
+                  <a:srgbClr val="E0E0E0"/>
+                </a:solidFill>
+                <a:latin typeface="Arial"/>
+              </a:rPr>
+              <a:t>Relative positioning</a:t>
+            </a:r>
+            <a:r>
+              <a:rPr sz="700">
+                <a:solidFill>
+                  <a:srgbClr val="E0E0E0"/>
+                </a:solidFill>
+                <a:latin typeface="Arial"/>
+              </a:rPr>
+              <a:t>: Accounts for CSS margins and spacing</a:t>
+            </a:r>
+          </a:p>
+          <a:p>
+            <a:pPr algn="l">
+              <a:defRPr>
+                <a:solidFill>
+                  <a:srgbClr val="E0E0E0"/>
+                </a:solidFill>
+              </a:defRPr>
+            </a:pPr>
+            <a:r>
+              <a:rPr sz="700">
+                <a:solidFill>
+                  <a:srgbClr val="E0E0E0"/>
+                </a:solidFill>
+                <a:latin typeface="Arial"/>
+              </a:rPr>
+              <a:t>• </a:t>
+            </a:r>
+            <a:r>
+              <a:rPr sz="700">
+                <a:solidFill>
+                  <a:srgbClr val="E0E0E0"/>
+                </a:solidFill>
+                <a:latin typeface="Arial"/>
+              </a:rPr>
+              <a:t>✅ </a:t>
+            </a:r>
+            <a:r>
+              <a:rPr b="1" sz="700">
+                <a:solidFill>
+                  <a:srgbClr val="E0E0E0"/>
+                </a:solidFill>
+                <a:latin typeface="Arial"/>
+              </a:rPr>
+              <a:t>Overflow prevention</a:t>
+            </a:r>
+            <a:r>
+              <a:rPr sz="700">
+                <a:solidFill>
+                  <a:srgbClr val="E0E0E0"/>
+                </a:solidFill>
+                <a:latin typeface="Arial"/>
+              </a:rPr>
+              <a:t>: No content extends beyond slide boundaries</a:t>
+            </a:r>
+          </a:p>
+          <a:p>
+            <a:pPr algn="l">
+              <a:defRPr>
+                <a:solidFill>
+                  <a:srgbClr val="E0E0E0"/>
+                </a:solidFill>
+              </a:defRPr>
+            </a:pPr>
+            <a:r>
+              <a:rPr sz="700">
+                <a:solidFill>
+                  <a:srgbClr val="E0E0E0"/>
+                </a:solidFill>
+                <a:latin typeface="Arial"/>
+              </a:rPr>
+              <a:t>• </a:t>
+            </a:r>
+            <a:r>
+              <a:rPr sz="700">
+                <a:solidFill>
+                  <a:srgbClr val="E0E0E0"/>
+                </a:solidFill>
+                <a:latin typeface="Arial"/>
+              </a:rPr>
+              <a:t>✅ </a:t>
+            </a:r>
+            <a:r>
+              <a:rPr b="1" sz="700">
+                <a:solidFill>
+                  <a:srgbClr val="E0E0E0"/>
+                </a:solidFill>
+                <a:latin typeface="Arial"/>
+              </a:rPr>
+              <a:t>Smart breaks</a:t>
+            </a:r>
+            <a:r>
+              <a:rPr sz="700">
+                <a:solidFill>
+                  <a:srgbClr val="E0E0E0"/>
+                </a:solidFill>
+                <a:latin typeface="Arial"/>
+              </a:rPr>
+              <a:t>: Preserves logical content grouping where possible</a:t>
             </a:r>
           </a:p>
         </p:txBody>
       </p:sp>
       <p:sp>
         <p:nvSpPr>
-          <p:cNvPr id="4" name="TextBox 3"/>
+          <p:cNvPr id="6" name="TextBox 5"/>
           <p:cNvSpPr txBox="1"/>
           <p:nvPr/>
         </p:nvSpPr>
         <p:spPr>
           <a:xfrm>
-            <a:off x="200025" y="895350"/>
-            <a:ext cx="8943975" cy="274320"/>
+            <a:off x="200025" y="1562100"/>
+            <a:ext cx="8943975" cy="304800"/>
           </a:xfrm>
           <a:prstGeom prst="rect">
             <a:avLst/>
@@ -17102,36 +18655,27 @@
               </a:defRPr>
             </a:pPr>
             <a:r>
-              <a:rPr sz="700">
-                <a:latin typeface="Arial"/>
-              </a:rPr>
-              <a:t>The system uses </a:t>
-            </a:r>
-            <a:r>
-              <a:rPr b="1" sz="700">
-                <a:latin typeface="Arial"/>
-              </a:rPr>
-              <a:t>browser-based measurement</a:t>
-            </a:r>
-            <a:r>
-              <a:rPr sz="700">
-                <a:latin typeface="Arial"/>
-              </a:rPr>
-              <a:t> for accurate pagination:</a:t>
+              <a:rPr sz="900" b="1">
+                <a:solidFill>
+                  <a:srgbClr val="E0E0E0"/>
+                </a:solidFill>
+                <a:latin typeface="Arial"/>
+              </a:rPr>
+              <a:t>Layout Quality</a:t>
             </a:r>
           </a:p>
         </p:txBody>
       </p:sp>
       <p:sp>
         <p:nvSpPr>
-          <p:cNvPr id="5" name="TextBox 4"/>
+          <p:cNvPr id="7" name="TextBox 6"/>
           <p:cNvSpPr txBox="1"/>
           <p:nvPr/>
         </p:nvSpPr>
         <p:spPr>
           <a:xfrm>
-            <a:off x="200025" y="1133475"/>
-            <a:ext cx="8943975" cy="590549"/>
+            <a:off x="200025" y="1876424"/>
+            <a:ext cx="8943975" cy="571500"/>
           </a:xfrm>
           <a:prstGeom prst="rect">
             <a:avLst/>
@@ -17158,26 +18702,31 @@
               </a:defRPr>
             </a:pPr>
             <a:r>
-              <a:rPr sz="700"/>
+              <a:rPr sz="700">
+                <a:solidFill>
+                  <a:srgbClr val="E0E0E0"/>
+                </a:solidFill>
+                <a:latin typeface="Arial"/>
+              </a:rPr>
               <a:t>• </a:t>
             </a:r>
             <a:r>
-              <a:rPr sz="700">
-                <a:latin typeface="Arial"/>
-              </a:rPr>
-              <a:t>✅ </a:t>
-            </a:r>
-            <a:r>
               <a:rPr b="1" sz="700">
-                <a:latin typeface="Arial"/>
-              </a:rPr>
-              <a:t>Boundary detection</a:t>
-            </a:r>
-            <a:r>
-              <a:rPr sz="700">
-                <a:latin typeface="Arial"/>
-              </a:rPr>
-              <a:t>: Content exceeding slide limits automatically flows to next slide</a:t>
+                <a:solidFill>
+                  <a:srgbClr val="E0E0E0"/>
+                </a:solidFill>
+                <a:latin typeface="Arial"/>
+              </a:rPr>
+              <a:t>Pixel-perfect positioning</a:t>
+            </a:r>
+            <a:r>
+              <a:rPr sz="700">
+                <a:solidFill>
+                  <a:srgbClr val="E0E0E0"/>
+                </a:solidFill>
+                <a:latin typeface="Arial"/>
+              </a:rPr>
+              <a:t> using browser layout engine</a:t>
             </a:r>
           </a:p>
           <a:p>
@@ -17189,26 +18738,31 @@
               </a:defRPr>
             </a:pPr>
             <a:r>
-              <a:rPr sz="700"/>
+              <a:rPr sz="700">
+                <a:solidFill>
+                  <a:srgbClr val="E0E0E0"/>
+                </a:solidFill>
+                <a:latin typeface="Arial"/>
+              </a:rPr>
               <a:t>• </a:t>
             </a:r>
             <a:r>
-              <a:rPr sz="700">
-                <a:latin typeface="Arial"/>
-              </a:rPr>
-              <a:t>✅ </a:t>
-            </a:r>
-            <a:r>
               <a:rPr b="1" sz="700">
-                <a:latin typeface="Arial"/>
-              </a:rPr>
-              <a:t>Relative positioning</a:t>
-            </a:r>
-            <a:r>
-              <a:rPr sz="700">
-                <a:latin typeface="Arial"/>
-              </a:rPr>
-              <a:t>: Accounts for CSS margins and spacing</a:t>
+                <a:solidFill>
+                  <a:srgbClr val="E0E0E0"/>
+                </a:solidFill>
+                <a:latin typeface="Arial"/>
+              </a:rPr>
+              <a:t>Consistent spacing</a:t>
+            </a:r>
+            <a:r>
+              <a:rPr sz="700">
+                <a:solidFill>
+                  <a:srgbClr val="E0E0E0"/>
+                </a:solidFill>
+                <a:latin typeface="Arial"/>
+              </a:rPr>
+              <a:t> matching CSS specifications</a:t>
             </a:r>
           </a:p>
           <a:p>
@@ -17220,26 +18774,31 @@
               </a:defRPr>
             </a:pPr>
             <a:r>
-              <a:rPr sz="700"/>
+              <a:rPr sz="700">
+                <a:solidFill>
+                  <a:srgbClr val="E0E0E0"/>
+                </a:solidFill>
+                <a:latin typeface="Arial"/>
+              </a:rPr>
               <a:t>• </a:t>
             </a:r>
             <a:r>
-              <a:rPr sz="700">
-                <a:latin typeface="Arial"/>
-              </a:rPr>
-              <a:t>✅ </a:t>
-            </a:r>
-            <a:r>
               <a:rPr b="1" sz="700">
-                <a:latin typeface="Arial"/>
-              </a:rPr>
-              <a:t>Overflow prevention</a:t>
-            </a:r>
-            <a:r>
-              <a:rPr sz="700">
-                <a:latin typeface="Arial"/>
-              </a:rPr>
-              <a:t>: No content extends beyond slide boundaries</a:t>
+                <a:solidFill>
+                  <a:srgbClr val="E0E0E0"/>
+                </a:solidFill>
+                <a:latin typeface="Arial"/>
+              </a:rPr>
+              <a:t>Professional typography</a:t>
+            </a:r>
+            <a:r>
+              <a:rPr sz="700">
+                <a:solidFill>
+                  <a:srgbClr val="E0E0E0"/>
+                </a:solidFill>
+                <a:latin typeface="Arial"/>
+              </a:rPr>
+              <a:t> with proper font rendering</a:t>
             </a:r>
           </a:p>
           <a:p>
@@ -17251,199 +18810,28 @@
               </a:defRPr>
             </a:pPr>
             <a:r>
-              <a:rPr sz="700"/>
+              <a:rPr sz="700">
+                <a:solidFill>
+                  <a:srgbClr val="E0E0E0"/>
+                </a:solidFill>
+                <a:latin typeface="Arial"/>
+              </a:rPr>
               <a:t>• </a:t>
             </a:r>
             <a:r>
-              <a:rPr sz="700">
-                <a:latin typeface="Arial"/>
-              </a:rPr>
-              <a:t>✅ </a:t>
-            </a:r>
-            <a:r>
               <a:rPr b="1" sz="700">
-                <a:latin typeface="Arial"/>
-              </a:rPr>
-              <a:t>Smart breaks</a:t>
-            </a:r>
-            <a:r>
-              <a:rPr sz="700">
-                <a:latin typeface="Arial"/>
-              </a:rPr>
-              <a:t>: Preserves logical content grouping where possible</a:t>
-            </a:r>
-          </a:p>
-        </p:txBody>
-      </p:sp>
-      <p:sp>
-        <p:nvSpPr>
-          <p:cNvPr id="6" name="TextBox 5"/>
-          <p:cNvSpPr txBox="1"/>
-          <p:nvPr/>
-        </p:nvSpPr>
-        <p:spPr>
-          <a:xfrm>
-            <a:off x="200025" y="1724024"/>
-            <a:ext cx="8943975" cy="274320"/>
-          </a:xfrm>
-          <a:prstGeom prst="rect">
-            <a:avLst/>
-          </a:prstGeom>
-          <a:noFill/>
-        </p:spPr>
-        <p:txBody>
-          <a:bodyPr wrap="square" lIns="0" rIns="0" tIns="0" bIns="0">
-            <a:spAutoFit/>
-          </a:bodyPr>
-          <a:lstStyle/>
-          <a:p>
-            <a:pPr algn="l">
-              <a:lnSpc>
-                <a:spcPct val="100000"/>
-              </a:lnSpc>
-              <a:spcBef>
-                <a:spcPts val="0"/>
-              </a:spcBef>
-              <a:spcAft>
-                <a:spcPts val="0"/>
-              </a:spcAft>
-              <a:defRPr>
-                <a:solidFill>
-                  <a:srgbClr val="E0E0E0"/>
-                </a:solidFill>
-              </a:defRPr>
-            </a:pPr>
-            <a:r>
-              <a:rPr sz="900" b="1">
-                <a:latin typeface="Arial"/>
-              </a:rPr>
-              <a:t>Layout Quality</a:t>
-            </a:r>
-          </a:p>
-        </p:txBody>
-      </p:sp>
-      <p:sp>
-        <p:nvSpPr>
-          <p:cNvPr id="7" name="TextBox 6"/>
-          <p:cNvSpPr txBox="1"/>
-          <p:nvPr/>
-        </p:nvSpPr>
-        <p:spPr>
-          <a:xfrm>
-            <a:off x="200025" y="2057400"/>
-            <a:ext cx="8943975" cy="590549"/>
-          </a:xfrm>
-          <a:prstGeom prst="rect">
-            <a:avLst/>
-          </a:prstGeom>
-          <a:noFill/>
-        </p:spPr>
-        <p:txBody>
-          <a:bodyPr wrap="square" lIns="0" rIns="0" tIns="0" bIns="0">
-            <a:spAutoFit/>
-          </a:bodyPr>
-          <a:lstStyle/>
-          <a:p>
-            <a:pPr algn="l">
-              <a:spcBef>
-                <a:spcPts val="0"/>
-              </a:spcBef>
-              <a:spcAft>
-                <a:spcPts val="0"/>
-              </a:spcAft>
-              <a:defRPr>
-                <a:solidFill>
-                  <a:srgbClr val="E0E0E0"/>
-                </a:solidFill>
-              </a:defRPr>
-            </a:pPr>
-            <a:r>
-              <a:rPr sz="700"/>
-              <a:t>• </a:t>
-            </a:r>
-            <a:r>
-              <a:rPr b="1" sz="700">
-                <a:latin typeface="Arial"/>
-              </a:rPr>
-              <a:t>Pixel-perfect positioning</a:t>
-            </a:r>
-            <a:r>
-              <a:rPr sz="700">
-                <a:latin typeface="Arial"/>
-              </a:rPr>
-              <a:t> using browser layout engine</a:t>
-            </a:r>
-          </a:p>
-          <a:p>
-            <a:pPr algn="l">
-              <a:defRPr>
-                <a:solidFill>
-                  <a:srgbClr val="E0E0E0"/>
-                </a:solidFill>
-              </a:defRPr>
-            </a:pPr>
-            <a:r>
-              <a:rPr sz="700"/>
-              <a:t>• </a:t>
-            </a:r>
-            <a:r>
-              <a:rPr b="1" sz="700">
-                <a:latin typeface="Arial"/>
-              </a:rPr>
-              <a:t>Consistent spacing</a:t>
-            </a:r>
-            <a:r>
-              <a:rPr sz="700">
-                <a:latin typeface="Arial"/>
-              </a:rPr>
-              <a:t> matching CSS specifications</a:t>
-            </a:r>
-          </a:p>
-          <a:p>
-            <a:pPr algn="l">
-              <a:defRPr>
-                <a:solidFill>
-                  <a:srgbClr val="E0E0E0"/>
-                </a:solidFill>
-              </a:defRPr>
-            </a:pPr>
-            <a:r>
-              <a:rPr sz="700"/>
-              <a:t>• </a:t>
-            </a:r>
-            <a:r>
-              <a:rPr b="1" sz="700">
-                <a:latin typeface="Arial"/>
-              </a:rPr>
-              <a:t>Professional typography</a:t>
-            </a:r>
-            <a:r>
-              <a:rPr sz="700">
-                <a:latin typeface="Arial"/>
-              </a:rPr>
-              <a:t> with proper font rendering</a:t>
-            </a:r>
-          </a:p>
-          <a:p>
-            <a:pPr algn="l">
-              <a:defRPr>
-                <a:solidFill>
-                  <a:srgbClr val="E0E0E0"/>
-                </a:solidFill>
-              </a:defRPr>
-            </a:pPr>
-            <a:r>
-              <a:rPr sz="700"/>
-              <a:t>• </a:t>
-            </a:r>
-            <a:r>
-              <a:rPr b="1" sz="700">
+                <a:solidFill>
+                  <a:srgbClr val="E0E0E0"/>
+                </a:solidFill>
                 <a:latin typeface="Arial"/>
               </a:rPr>
               <a:t>Responsive design</a:t>
             </a:r>
             <a:r>
               <a:rPr sz="700">
+                <a:solidFill>
+                  <a:srgbClr val="E0E0E0"/>
+                </a:solidFill>
                 <a:latin typeface="Arial"/>
               </a:rPr>
               <a:t> adapting to different content types</a:t>

--- a/output/comprehensive_demo_dark.pptx
+++ b/output/comprehensive_demo_dark.pptx
@@ -8021,8 +8021,8 @@
         </p:nvSpPr>
         <p:spPr>
           <a:xfrm>
-            <a:off x="276225" y="3438525"/>
-            <a:ext cx="8867775" cy="274320"/>
+            <a:off x="228600" y="3438525"/>
+            <a:ext cx="8915400" cy="274320"/>
           </a:xfrm>
           <a:prstGeom prst="rect">
             <a:avLst/>
@@ -8071,7 +8071,7 @@
         </p:nvSpPr>
         <p:spPr>
           <a:xfrm>
-            <a:off x="276225" y="3705224"/>
+            <a:off x="228600" y="3705224"/>
             <a:ext cx="1800225" cy="1628775"/>
           </a:xfrm>
           <a:prstGeom prst="rect">
@@ -8105,7 +8105,7 @@
           <p:nvPr/>
         </p:nvGraphicFramePr>
         <p:xfrm>
-          <a:off x="276225" y="3705224"/>
+          <a:off x="228600" y="3705224"/>
           <a:ext cx="1978854" cy="1571625"/>
         </p:xfrm>
         <a:graphic>
@@ -8876,8 +8876,8 @@
         </p:nvSpPr>
         <p:spPr>
           <a:xfrm>
-            <a:off x="4800600" y="3457575"/>
-            <a:ext cx="4343400" cy="274320"/>
+            <a:off x="4648200" y="3457575"/>
+            <a:ext cx="4495799" cy="274320"/>
           </a:xfrm>
           <a:prstGeom prst="rect">
             <a:avLst/>
@@ -8926,8 +8926,8 @@
         </p:nvSpPr>
         <p:spPr>
           <a:xfrm>
-            <a:off x="4800600" y="3724274"/>
-            <a:ext cx="4343400" cy="342900"/>
+            <a:off x="4648200" y="3724274"/>
+            <a:ext cx="4495799" cy="342900"/>
           </a:xfrm>
           <a:prstGeom prst="rect">
             <a:avLst/>
@@ -9060,7 +9060,7 @@
         </p:blipFill>
         <p:spPr>
           <a:xfrm>
-            <a:off x="276225" y="542925"/>
+            <a:off x="228600" y="542925"/>
             <a:ext cx="3809999" cy="2857500"/>
           </a:xfrm>
           <a:prstGeom prst="rect">
@@ -9076,8 +9076,8 @@
         </p:nvSpPr>
         <p:spPr>
           <a:xfrm>
-            <a:off x="4800600" y="638175"/>
-            <a:ext cx="4343400" cy="342900"/>
+            <a:off x="4648200" y="638175"/>
+            <a:ext cx="4495799" cy="342900"/>
           </a:xfrm>
           <a:prstGeom prst="rect">
             <a:avLst/>
@@ -9210,7 +9210,7 @@
         </p:blipFill>
         <p:spPr>
           <a:xfrm>
-            <a:off x="276225" y="542925"/>
+            <a:off x="228600" y="542925"/>
             <a:ext cx="2857500" cy="2857500"/>
           </a:xfrm>
           <a:prstGeom prst="rect">
@@ -9226,7 +9226,7 @@
         </p:nvSpPr>
         <p:spPr>
           <a:xfrm>
-            <a:off x="4800600" y="542925"/>
+            <a:off x="4648200" y="542925"/>
             <a:ext cx="923924" cy="1333500"/>
           </a:xfrm>
           <a:prstGeom prst="rect">
@@ -9260,7 +9260,7 @@
           <p:nvPr/>
         </p:nvGraphicFramePr>
         <p:xfrm>
-          <a:off x="4800600" y="542925"/>
+          <a:off x="4648200" y="542925"/>
           <a:ext cx="1014352" cy="1285872"/>
         </p:xfrm>
         <a:graphic>
@@ -9761,8 +9761,8 @@
         </p:nvSpPr>
         <p:spPr>
           <a:xfrm>
-            <a:off x="276225" y="542925"/>
-            <a:ext cx="8867775" cy="274320"/>
+            <a:off x="228600" y="542925"/>
+            <a:ext cx="8915400" cy="274320"/>
           </a:xfrm>
           <a:prstGeom prst="rect">
             <a:avLst/>
@@ -9811,7 +9811,7 @@
         </p:nvSpPr>
         <p:spPr>
           <a:xfrm>
-            <a:off x="276225" y="800100"/>
+            <a:off x="228600" y="800100"/>
             <a:ext cx="1800225" cy="1628775"/>
           </a:xfrm>
           <a:prstGeom prst="rect">
@@ -9845,7 +9845,7 @@
           <p:nvPr/>
         </p:nvGraphicFramePr>
         <p:xfrm>
-          <a:off x="276225" y="800100"/>
+          <a:off x="228600" y="800100"/>
           <a:ext cx="1978854" cy="1571625"/>
         </p:xfrm>
         <a:graphic>
@@ -10616,8 +10616,8 @@
         </p:nvSpPr>
         <p:spPr>
           <a:xfrm>
-            <a:off x="5972175" y="561974"/>
-            <a:ext cx="3171825" cy="274320"/>
+            <a:off x="5619750" y="561974"/>
+            <a:ext cx="3524250" cy="274320"/>
           </a:xfrm>
           <a:prstGeom prst="rect">
             <a:avLst/>
@@ -10666,8 +10666,8 @@
         </p:nvSpPr>
         <p:spPr>
           <a:xfrm>
-            <a:off x="5972175" y="819149"/>
-            <a:ext cx="3171825" cy="342900"/>
+            <a:off x="5619750" y="819149"/>
+            <a:ext cx="3524250" cy="342900"/>
           </a:xfrm>
           <a:prstGeom prst="rect">
             <a:avLst/>
@@ -11227,7 +11227,289 @@
         </p:nvSpPr>
         <p:spPr>
           <a:xfrm>
-            <a:off x="200025" y="1943100"/>
+            <a:off x="200025" y="2038349"/>
+            <a:ext cx="8943975" cy="274320"/>
+          </a:xfrm>
+          <a:prstGeom prst="rect">
+            <a:avLst/>
+          </a:prstGeom>
+          <a:noFill/>
+        </p:spPr>
+        <p:txBody>
+          <a:bodyPr wrap="square" lIns="0" rIns="0" tIns="0" bIns="0">
+            <a:spAutoFit/>
+          </a:bodyPr>
+          <a:lstStyle/>
+          <a:p>
+            <a:pPr algn="l">
+              <a:lnSpc>
+                <a:spcPct val="100000"/>
+              </a:lnSpc>
+              <a:spcBef>
+                <a:spcPts val="0"/>
+              </a:spcBef>
+              <a:spcAft>
+                <a:spcPts val="0"/>
+              </a:spcAft>
+              <a:defRPr>
+                <a:solidFill>
+                  <a:srgbClr val="E0E0E0"/>
+                </a:solidFill>
+              </a:defRPr>
+            </a:pPr>
+            <a:r>
+              <a:rPr strike="sngStrike" sz="700">
+                <a:solidFill>
+                  <a:srgbClr val="E0E0E0"/>
+                </a:solidFill>
+                <a:latin typeface="Arial"/>
+              </a:rPr>
+              <a:t>strikethrough text</a:t>
+            </a:r>
+            <a:r>
+              <a:rPr sz="700">
+                <a:solidFill>
+                  <a:srgbClr val="E0E0E0"/>
+                </a:solidFill>
+                <a:latin typeface="Arial"/>
+              </a:rPr>
+              <a:t> using double tilde for </a:t>
+            </a:r>
+            <a:r>
+              <a:rPr strike="sngStrike" sz="700">
+                <a:solidFill>
+                  <a:srgbClr val="E0E0E0"/>
+                </a:solidFill>
+                <a:latin typeface="Arial"/>
+              </a:rPr>
+              <a:t>deleted text</a:t>
+            </a:r>
+            <a:r>
+              <a:rPr sz="700">
+                <a:solidFill>
+                  <a:srgbClr val="E0E0E0"/>
+                </a:solidFill>
+                <a:latin typeface="Arial"/>
+              </a:rPr>
+              <a:t>.</a:t>
+            </a:r>
+          </a:p>
+        </p:txBody>
+      </p:sp>
+      <p:sp>
+        <p:nvSpPr>
+          <p:cNvPr id="10" name="TextBox 9"/>
+          <p:cNvSpPr txBox="1"/>
+          <p:nvPr/>
+        </p:nvSpPr>
+        <p:spPr>
+          <a:xfrm>
+            <a:off x="200025" y="2266950"/>
+            <a:ext cx="8943975" cy="274320"/>
+          </a:xfrm>
+          <a:prstGeom prst="rect">
+            <a:avLst/>
+          </a:prstGeom>
+          <a:noFill/>
+        </p:spPr>
+        <p:txBody>
+          <a:bodyPr wrap="square" lIns="0" rIns="0" tIns="0" bIns="0">
+            <a:spAutoFit/>
+          </a:bodyPr>
+          <a:lstStyle/>
+          <a:p>
+            <a:pPr algn="l">
+              <a:lnSpc>
+                <a:spcPct val="100000"/>
+              </a:lnSpc>
+              <a:spcBef>
+                <a:spcPts val="0"/>
+              </a:spcBef>
+              <a:spcAft>
+                <a:spcPts val="0"/>
+              </a:spcAft>
+              <a:defRPr>
+                <a:solidFill>
+                  <a:srgbClr val="E0E0E0"/>
+                </a:solidFill>
+              </a:defRPr>
+            </a:pPr>
+            <a:r>
+              <a:rPr u="wavy" sz="700">
+                <a:solidFill>
+                  <a:srgbClr val="E0E0E0"/>
+                </a:solidFill>
+                <a:latin typeface="Arial"/>
+              </a:rPr>
+              <a:t>wavy underlined text</a:t>
+            </a:r>
+            <a:r>
+              <a:rPr sz="700">
+                <a:solidFill>
+                  <a:srgbClr val="E0E0E0"/>
+                </a:solidFill>
+                <a:latin typeface="Arial"/>
+              </a:rPr>
+              <a:t> using double caret for </a:t>
+            </a:r>
+            <a:r>
+              <a:rPr u="wavy" sz="700">
+                <a:solidFill>
+                  <a:srgbClr val="E0E0E0"/>
+                </a:solidFill>
+                <a:latin typeface="Arial"/>
+              </a:rPr>
+              <a:t>emphasized information</a:t>
+            </a:r>
+            <a:r>
+              <a:rPr sz="700">
+                <a:solidFill>
+                  <a:srgbClr val="E0E0E0"/>
+                </a:solidFill>
+                <a:latin typeface="Arial"/>
+              </a:rPr>
+              <a:t>.</a:t>
+            </a:r>
+          </a:p>
+        </p:txBody>
+      </p:sp>
+      <p:sp>
+        <p:nvSpPr>
+          <p:cNvPr id="11" name="TextBox 10"/>
+          <p:cNvSpPr txBox="1"/>
+          <p:nvPr/>
+        </p:nvSpPr>
+        <p:spPr>
+          <a:xfrm>
+            <a:off x="200025" y="2495550"/>
+            <a:ext cx="8943975" cy="274320"/>
+          </a:xfrm>
+          <a:prstGeom prst="rect">
+            <a:avLst/>
+          </a:prstGeom>
+          <a:noFill/>
+        </p:spPr>
+        <p:txBody>
+          <a:bodyPr wrap="square" lIns="0" rIns="0" tIns="0" bIns="0">
+            <a:spAutoFit/>
+          </a:bodyPr>
+          <a:lstStyle/>
+          <a:p>
+            <a:pPr algn="l">
+              <a:lnSpc>
+                <a:spcPct val="100000"/>
+              </a:lnSpc>
+              <a:spcBef>
+                <a:spcPts val="0"/>
+              </a:spcBef>
+              <a:spcAft>
+                <a:spcPts val="0"/>
+              </a:spcAft>
+              <a:defRPr>
+                <a:solidFill>
+                  <a:srgbClr val="E0E0E0"/>
+                </a:solidFill>
+              </a:defRPr>
+            </a:pPr>
+            <a:r>
+              <a:rPr sz="700">
+                <a:solidFill>
+                  <a:srgbClr val="E0E0E0"/>
+                </a:solidFill>
+                <a:latin typeface="Arial"/>
+              </a:rPr>
+              <a:t>A sentence with a </a:t>
+            </a:r>
+            <a:r>
+              <a:rPr u="sng" sz="700">
+                <a:solidFill>
+                  <a:srgbClr val="0066CC"/>
+                </a:solidFill>
+                <a:latin typeface="Arial"/>
+                <a:hlinkClick r:id="rId2"/>
+              </a:rPr>
+              <a:t>Google</a:t>
+            </a:r>
+            <a:r>
+              <a:rPr sz="700">
+                <a:solidFill>
+                  <a:srgbClr val="E0E0E0"/>
+                </a:solidFill>
+                <a:latin typeface="Arial"/>
+              </a:rPr>
+              <a:t> hyperlink embedded.</a:t>
+            </a:r>
+          </a:p>
+        </p:txBody>
+      </p:sp>
+      <p:sp>
+        <p:nvSpPr>
+          <p:cNvPr id="12" name="TextBox 11"/>
+          <p:cNvSpPr txBox="1"/>
+          <p:nvPr/>
+        </p:nvSpPr>
+        <p:spPr>
+          <a:xfrm>
+            <a:off x="200025" y="2724150"/>
+            <a:ext cx="8943975" cy="274320"/>
+          </a:xfrm>
+          <a:prstGeom prst="rect">
+            <a:avLst/>
+          </a:prstGeom>
+          <a:noFill/>
+        </p:spPr>
+        <p:txBody>
+          <a:bodyPr wrap="square" lIns="0" rIns="0" tIns="0" bIns="0">
+            <a:spAutoFit/>
+          </a:bodyPr>
+          <a:lstStyle/>
+          <a:p>
+            <a:pPr algn="l">
+              <a:lnSpc>
+                <a:spcPct val="100000"/>
+              </a:lnSpc>
+              <a:spcBef>
+                <a:spcPts val="0"/>
+              </a:spcBef>
+              <a:spcAft>
+                <a:spcPts val="0"/>
+              </a:spcAft>
+              <a:defRPr>
+                <a:solidFill>
+                  <a:srgbClr val="E0E0E0"/>
+                </a:solidFill>
+              </a:defRPr>
+            </a:pPr>
+            <a:r>
+              <a:rPr sz="700">
+                <a:solidFill>
+                  <a:srgbClr val="FF0000"/>
+                </a:solidFill>
+                <a:latin typeface="Arial"/>
+              </a:rPr>
+              <a:t>Colorful text</a:t>
+            </a:r>
+            <a:r>
+              <a:rPr sz="700">
+                <a:solidFill>
+                  <a:srgbClr val="E0E0E0"/>
+                </a:solidFill>
+                <a:latin typeface="Arial"/>
+              </a:rPr>
+              <a:t> demonstrates inline color customization.</a:t>
+            </a:r>
+          </a:p>
+        </p:txBody>
+      </p:sp>
+      <p:sp>
+        <p:nvSpPr>
+          <p:cNvPr id="13" name="TextBox 12"/>
+          <p:cNvSpPr txBox="1"/>
+          <p:nvPr/>
+        </p:nvSpPr>
+        <p:spPr>
+          <a:xfrm>
+            <a:off x="200025" y="2857500"/>
             <a:ext cx="8943975" cy="304800"/>
           </a:xfrm>
           <a:prstGeom prst="rect">
@@ -11271,13 +11553,13 @@
       </p:sp>
       <p:sp>
         <p:nvSpPr>
-          <p:cNvPr id="10" name="TextBox 9"/>
+          <p:cNvPr id="14" name="TextBox 13"/>
           <p:cNvSpPr txBox="1"/>
           <p:nvPr/>
         </p:nvSpPr>
         <p:spPr>
           <a:xfrm>
-            <a:off x="200025" y="2247899"/>
+            <a:off x="200025" y="3162299"/>
             <a:ext cx="8943975" cy="723900"/>
           </a:xfrm>
           <a:prstGeom prst="rect">
@@ -11516,13 +11798,13 @@
       </p:sp>
       <p:sp>
         <p:nvSpPr>
-          <p:cNvPr id="11" name="TextBox 10"/>
+          <p:cNvPr id="15" name="TextBox 14"/>
           <p:cNvSpPr txBox="1"/>
           <p:nvPr/>
         </p:nvSpPr>
         <p:spPr>
           <a:xfrm>
-            <a:off x="200025" y="2886075"/>
+            <a:off x="200025" y="3800475"/>
             <a:ext cx="8943975" cy="304800"/>
           </a:xfrm>
           <a:prstGeom prst="rect">
@@ -11566,13 +11848,13 @@
       </p:sp>
       <p:sp>
         <p:nvSpPr>
-          <p:cNvPr id="12" name="TextBox 11"/>
+          <p:cNvPr id="16" name="TextBox 15"/>
           <p:cNvSpPr txBox="1"/>
           <p:nvPr/>
         </p:nvSpPr>
         <p:spPr>
           <a:xfrm>
-            <a:off x="200025" y="3200400"/>
+            <a:off x="200025" y="4114800"/>
             <a:ext cx="8943975" cy="274320"/>
           </a:xfrm>
           <a:prstGeom prst="rect">
@@ -11706,13 +11988,13 @@
       </p:sp>
       <p:sp>
         <p:nvSpPr>
-          <p:cNvPr id="13" name="TextBox 12"/>
+          <p:cNvPr id="17" name="TextBox 16"/>
           <p:cNvSpPr txBox="1"/>
           <p:nvPr/>
         </p:nvSpPr>
         <p:spPr>
           <a:xfrm>
-            <a:off x="200025" y="3476624"/>
+            <a:off x="200025" y="4391025"/>
             <a:ext cx="8943975" cy="274320"/>
           </a:xfrm>
           <a:prstGeom prst="rect">
@@ -11910,8 +12192,8 @@
         </p:nvSpPr>
         <p:spPr>
           <a:xfrm>
-            <a:off x="276225" y="542925"/>
-            <a:ext cx="8867775" cy="274320"/>
+            <a:off x="228600" y="542925"/>
+            <a:ext cx="8915400" cy="274320"/>
           </a:xfrm>
           <a:prstGeom prst="rect">
             <a:avLst/>
@@ -11960,7 +12242,7 @@
         </p:nvSpPr>
         <p:spPr>
           <a:xfrm>
-            <a:off x="276225" y="800100"/>
+            <a:off x="228600" y="800100"/>
             <a:ext cx="1800225" cy="1628775"/>
           </a:xfrm>
           <a:prstGeom prst="rect">
@@ -11994,7 +12276,7 @@
           <p:nvPr/>
         </p:nvGraphicFramePr>
         <p:xfrm>
-          <a:off x="276225" y="800100"/>
+          <a:off x="228600" y="800100"/>
           <a:ext cx="1978854" cy="1571625"/>
         </p:xfrm>
         <a:graphic>
@@ -12765,8 +13047,8 @@
         </p:nvSpPr>
         <p:spPr>
           <a:xfrm>
-            <a:off x="2533649" y="561974"/>
-            <a:ext cx="6610349" cy="274320"/>
+            <a:off x="2181225" y="561974"/>
+            <a:ext cx="6962775" cy="274320"/>
           </a:xfrm>
           <a:prstGeom prst="rect">
             <a:avLst/>
@@ -12815,8 +13097,8 @@
         </p:nvSpPr>
         <p:spPr>
           <a:xfrm>
-            <a:off x="2533649" y="819149"/>
-            <a:ext cx="6610349" cy="274320"/>
+            <a:off x="2181225" y="819149"/>
+            <a:ext cx="6962775" cy="274320"/>
           </a:xfrm>
           <a:prstGeom prst="rect">
             <a:avLst/>

--- a/output/comprehensive_demo_dark.pptx
+++ b/output/comprehensive_demo_dark.pptx
@@ -10616,8 +10616,8 @@
         </p:nvSpPr>
         <p:spPr>
           <a:xfrm>
-            <a:off x="5619750" y="561974"/>
-            <a:ext cx="3524250" cy="274320"/>
+            <a:off x="4648200" y="561974"/>
+            <a:ext cx="4495799" cy="274320"/>
           </a:xfrm>
           <a:prstGeom prst="rect">
             <a:avLst/>
@@ -10666,8 +10666,8 @@
         </p:nvSpPr>
         <p:spPr>
           <a:xfrm>
-            <a:off x="5619750" y="819149"/>
-            <a:ext cx="3524250" cy="342900"/>
+            <a:off x="4648200" y="819149"/>
+            <a:ext cx="4495799" cy="342900"/>
           </a:xfrm>
           <a:prstGeom prst="rect">
             <a:avLst/>
@@ -13047,8 +13047,8 @@
         </p:nvSpPr>
         <p:spPr>
           <a:xfrm>
-            <a:off x="2181225" y="561974"/>
-            <a:ext cx="6962775" cy="274320"/>
+            <a:off x="4648200" y="561974"/>
+            <a:ext cx="4495799" cy="274320"/>
           </a:xfrm>
           <a:prstGeom prst="rect">
             <a:avLst/>
@@ -13097,8 +13097,8 @@
         </p:nvSpPr>
         <p:spPr>
           <a:xfrm>
-            <a:off x="2181225" y="819149"/>
-            <a:ext cx="6962775" cy="274320"/>
+            <a:off x="4648200" y="819149"/>
+            <a:ext cx="4495799" cy="342900"/>
           </a:xfrm>
           <a:prstGeom prst="rect">
             <a:avLst/>

--- a/output/comprehensive_demo_dark.pptx
+++ b/output/comprehensive_demo_dark.pptx
@@ -4477,7 +4477,7 @@
         <p:spPr>
           <a:xfrm>
             <a:off x="200025" y="2781300"/>
-            <a:ext cx="8943975" cy="685800"/>
+            <a:ext cx="8943975" cy="814387"/>
           </a:xfrm>
           <a:prstGeom prst="rect">
             <a:avLst/>
@@ -4813,8 +4813,7 @@
                 </a:solidFill>
                 <a:latin typeface="Arial"/>
               </a:rPr>
-              <a:t>: Columns distributed equally regardless of content
-</a:t>
+              <a:t>: Columns distributed equally regardless of content </a:t>
             </a:r>
             <a:r>
               <a:rPr b="1" sz="1000">
@@ -4922,8 +4921,7 @@
                 </a:solidFill>
                 <a:latin typeface="Arial"/>
               </a:rPr>
-              <a:t> due to equal distribution
-</a:t>
+              <a:t> due to equal distribution </a:t>
             </a:r>
             <a:r>
               <a:rPr b="1" sz="1000">
@@ -5040,8 +5038,7 @@
                 </a:solidFill>
                 <a:latin typeface="Arial"/>
               </a:rPr>
-              <a:t>: Black borders invisible on dark background
-</a:t>
+              <a:t>: Black borders invisible on dark background </a:t>
             </a:r>
             <a:r>
               <a:rPr b="1" sz="1000">
@@ -5131,8 +5128,7 @@
                 </a:solidFill>
                 <a:latin typeface="Arial"/>
               </a:rPr>
-              <a:t>) for visibility
-</a:t>
+              <a:t>) for visibility </a:t>
             </a:r>
             <a:r>
               <a:rPr b="1" sz="1000">
@@ -6328,7 +6324,7 @@
         <p:spPr>
           <a:xfrm>
             <a:off x="200025" y="2781300"/>
-            <a:ext cx="8943975" cy="571500"/>
+            <a:ext cx="8943975" cy="678180"/>
           </a:xfrm>
           <a:prstGeom prst="rect">
             <a:avLst/>
@@ -6630,7 +6626,7 @@
         <p:spPr>
           <a:xfrm>
             <a:off x="200025" y="847724"/>
-            <a:ext cx="8943975" cy="800100"/>
+            <a:ext cx="8943975" cy="950595"/>
           </a:xfrm>
           <a:prstGeom prst="rect">
             <a:avLst/>
@@ -6893,7 +6889,7 @@
         </p:nvSpPr>
         <p:spPr>
           <a:xfrm>
-            <a:off x="200025" y="1552574"/>
+            <a:off x="200025" y="1703070"/>
             <a:ext cx="8943975" cy="304800"/>
           </a:xfrm>
           <a:prstGeom prst="rect">
@@ -6938,7 +6934,7 @@
         </p:nvSpPr>
         <p:spPr>
           <a:xfrm>
-            <a:off x="200025" y="1857375"/>
+            <a:off x="200025" y="2007870"/>
             <a:ext cx="8943975" cy="274320"/>
           </a:xfrm>
           <a:prstGeom prst="rect">
@@ -7001,8 +6997,8 @@
         </p:nvSpPr>
         <p:spPr>
           <a:xfrm>
-            <a:off x="200025" y="2085975"/>
-            <a:ext cx="8943975" cy="685800"/>
+            <a:off x="200025" y="2236470"/>
+            <a:ext cx="8943975" cy="814387"/>
           </a:xfrm>
           <a:prstGeom prst="rect">
             <a:avLst/>
@@ -7226,7 +7222,7 @@
         </p:nvSpPr>
         <p:spPr>
           <a:xfrm>
-            <a:off x="200025" y="2771775"/>
+            <a:off x="200025" y="3050857"/>
             <a:ext cx="8943975" cy="274320"/>
           </a:xfrm>
           <a:prstGeom prst="rect">
@@ -7493,14 +7489,7 @@
                 </a:solidFill>
                 <a:latin typeface="Courier New"/>
               </a:rPr>
-              <a:t>from slide_generator.generator import SlideGenerator
-# Basic usage
-generator = SlideGenerator()
-generator.generate(markdown_content, "output.pptx")
-# With theme support
-generator = SlideGenerator(theme="dark")
-generator.generate(markdown_content, "dark_presentation.pptx")
-</a:t>
+              <a:t>from slide_generator.generator import SlideGenerator # Basic usage generator = SlideGenerator() generator.generate(markdown_content, "output.pptx") # With theme support generator = SlideGenerator(theme="dark") generator.generate(markdown_content, "dark_presentation.pptx") </a:t>
             </a:r>
           </a:p>
         </p:txBody>
@@ -7559,7 +7548,7 @@
         <p:spPr>
           <a:xfrm>
             <a:off x="200025" y="3124200"/>
-            <a:ext cx="8943975" cy="581025"/>
+            <a:ext cx="8943975" cy="687705"/>
           </a:xfrm>
           <a:prstGeom prst="rect">
             <a:avLst/>
@@ -7735,7 +7724,7 @@
         </p:nvSpPr>
         <p:spPr>
           <a:xfrm>
-            <a:off x="200025" y="3705224"/>
+            <a:off x="200025" y="3811904"/>
             <a:ext cx="8943975" cy="274320"/>
           </a:xfrm>
           <a:prstGeom prst="rect">
@@ -11972,7 +11961,7 @@
         <p:spPr>
           <a:xfrm>
             <a:off x="200025" y="3124200"/>
-            <a:ext cx="8943975" cy="695325"/>
+            <a:ext cx="8943975" cy="823912"/>
           </a:xfrm>
           <a:prstGeom prst="rect">
             <a:avLst/>
@@ -12187,7 +12176,7 @@
         </p:nvSpPr>
         <p:spPr>
           <a:xfrm>
-            <a:off x="200025" y="3724274"/>
+            <a:off x="200025" y="3852862"/>
             <a:ext cx="8943975" cy="304800"/>
           </a:xfrm>
           <a:prstGeom prst="rect">
@@ -12232,7 +12221,7 @@
         </p:nvSpPr>
         <p:spPr>
           <a:xfrm>
-            <a:off x="200025" y="4029075"/>
+            <a:off x="200025" y="4157662"/>
             <a:ext cx="8943975" cy="274320"/>
           </a:xfrm>
           <a:prstGeom prst="rect">
@@ -12367,7 +12356,7 @@
         </p:nvSpPr>
         <p:spPr>
           <a:xfrm>
-            <a:off x="200025" y="4267199"/>
+            <a:off x="200025" y="4395787"/>
             <a:ext cx="8943975" cy="274320"/>
           </a:xfrm>
           <a:prstGeom prst="rect">
@@ -16218,7 +16207,7 @@
         <p:spPr>
           <a:xfrm>
             <a:off x="200025" y="4343400"/>
-            <a:ext cx="8943975" cy="457200"/>
+            <a:ext cx="8943975" cy="541972"/>
           </a:xfrm>
           <a:prstGeom prst="rect">
             <a:avLst/>
@@ -16481,7 +16470,7 @@
         <p:spPr>
           <a:xfrm>
             <a:off x="200025" y="847724"/>
-            <a:ext cx="8943975" cy="571500"/>
+            <a:ext cx="8943975" cy="678180"/>
           </a:xfrm>
           <a:prstGeom prst="rect">
             <a:avLst/>
@@ -16630,7 +16619,7 @@
         </p:nvSpPr>
         <p:spPr>
           <a:xfrm>
-            <a:off x="200025" y="1323974"/>
+            <a:off x="200025" y="1430655"/>
             <a:ext cx="8943975" cy="304800"/>
           </a:xfrm>
           <a:prstGeom prst="rect">
@@ -16675,8 +16664,8 @@
         </p:nvSpPr>
         <p:spPr>
           <a:xfrm>
-            <a:off x="200025" y="1628775"/>
-            <a:ext cx="8943975" cy="571500"/>
+            <a:off x="200025" y="1735454"/>
+            <a:ext cx="8943975" cy="678180"/>
           </a:xfrm>
           <a:prstGeom prst="rect">
             <a:avLst/>
@@ -16975,15 +16964,7 @@
                 </a:solidFill>
                 <a:latin typeface="Courier New"/>
               </a:rPr>
-              <a:t>def fibonacci(n):
-    if n &lt;= 1:
-        return n
-    return fibonacci(n-1) + fibonacci(n-2)
-# Generate sequence
-for i in range(10):
-    result = fibonacci(i)
-    print(f"F({i}) = {result}")
-</a:t>
+              <a:t>def fibonacci(n):     if n &lt;= 1:         return n     return fibonacci(n-1) + fibonacci(n-2) # Generate sequence for i in range(10):     result = fibonacci(i)     print(f"F({i}) = {result}") </a:t>
             </a:r>
           </a:p>
         </p:txBody>
@@ -17075,16 +17056,7 @@
                 </a:solidFill>
                 <a:latin typeface="Courier New"/>
               </a:rPr>
-              <a:t>async function fetchUserData(userId) {
-    try {
-        const response = await fetch(`/api/users/${userId}`);
-        return await response.json();
-    } catch (error) {
-        console.error('Failed to fetch user data:', error);
-        throw error;
-    }
-}
-</a:t>
+              <a:t>async function fetchUserData(userId) {     try {         const response = await fetch(`/api/users/${userId}`);         return await response.json();     } catch (error) {         console.error('Failed to fetch user data:', error);         throw error;     } } </a:t>
             </a:r>
           </a:p>
         </p:txBody>
@@ -17202,18 +17174,7 @@
                 </a:solidFill>
                 <a:latin typeface="Courier New"/>
               </a:rPr>
-              <a:t>-- Complex query with joins and aggregation
-SELECT 
-    u.username,
-    COUNT(p.id) as post_count,
-    AVG(p.rating) as avg_rating
-FROM users u
-LEFT JOIN posts p ON u.id = p.user_id
-WHERE u.created_at &gt;= '2024-01-01'
-GROUP BY u.id, u.username
-HAVING COUNT(p.id) &gt; 5
-ORDER BY avg_rating DESC;
-</a:t>
+              <a:t>-- Complex query with joins and aggregation SELECT      u.username,     COUNT(p.id) as post_count,     AVG(p.rating) as avg_rating FROM users u LEFT JOIN posts p ON u.id = p.user_id WHERE u.created_at &gt;= '2024-01-01' GROUP BY u.id, u.username HAVING COUNT(p.id) &gt; 5 ORDER BY avg_rating DESC; </a:t>
             </a:r>
           </a:p>
         </p:txBody>
@@ -17343,7 +17304,7 @@
         <p:spPr>
           <a:xfrm>
             <a:off x="200025" y="847724"/>
-            <a:ext cx="8943975" cy="809625"/>
+            <a:ext cx="8943975" cy="960119"/>
           </a:xfrm>
           <a:prstGeom prst="rect">
             <a:avLst/>
@@ -17552,7 +17513,7 @@
         </p:nvSpPr>
         <p:spPr>
           <a:xfrm>
-            <a:off x="200025" y="1562100"/>
+            <a:off x="200025" y="1712595"/>
             <a:ext cx="8943975" cy="304800"/>
           </a:xfrm>
           <a:prstGeom prst="rect">
@@ -17597,8 +17558,8 @@
         </p:nvSpPr>
         <p:spPr>
           <a:xfrm>
-            <a:off x="200025" y="1866899"/>
-            <a:ext cx="8943975" cy="1504950"/>
+            <a:off x="200025" y="2017394"/>
+            <a:ext cx="8943975" cy="1786890"/>
           </a:xfrm>
           <a:prstGeom prst="rect">
             <a:avLst/>
@@ -19161,7 +19122,7 @@
         <p:spPr>
           <a:xfrm>
             <a:off x="200025" y="3419474"/>
-            <a:ext cx="8943975" cy="685800"/>
+            <a:ext cx="8943975" cy="814387"/>
           </a:xfrm>
           <a:prstGeom prst="rect">
             <a:avLst/>
@@ -19520,7 +19481,7 @@
         <p:spPr>
           <a:xfrm>
             <a:off x="200025" y="1076325"/>
-            <a:ext cx="8943975" cy="571500"/>
+            <a:ext cx="8943975" cy="678180"/>
           </a:xfrm>
           <a:prstGeom prst="rect">
             <a:avLst/>
@@ -19705,7 +19666,7 @@
         </p:nvSpPr>
         <p:spPr>
           <a:xfrm>
-            <a:off x="200025" y="1552574"/>
+            <a:off x="200025" y="1659255"/>
             <a:ext cx="8943975" cy="304800"/>
           </a:xfrm>
           <a:prstGeom prst="rect">
@@ -19750,8 +19711,8 @@
         </p:nvSpPr>
         <p:spPr>
           <a:xfrm>
-            <a:off x="200025" y="1857375"/>
-            <a:ext cx="8943975" cy="571500"/>
+            <a:off x="200025" y="1964054"/>
+            <a:ext cx="8943975" cy="678180"/>
           </a:xfrm>
           <a:prstGeom prst="rect">
             <a:avLst/>

--- a/output/comprehensive_demo_dark.pptx
+++ b/output/comprehensive_demo_dark.pptx
@@ -28,6 +28,7 @@
     <p:sldId id="276" r:id="rId27"/>
     <p:sldId id="277" r:id="rId28"/>
     <p:sldId id="278" r:id="rId29"/>
+    <p:sldId id="279" r:id="rId30"/>
   </p:sldIdLst>
   <p:sldSz cx="9144000" cy="5143500" type="screen4x3"/>
   <p:notesSz cx="6858000" cy="9144000"/>
@@ -3404,7 +3405,7 @@
         </p:nvSpPr>
         <p:spPr>
           <a:xfrm>
-            <a:off x="228600" y="619124"/>
+            <a:off x="247649" y="619124"/>
             <a:ext cx="137160" cy="466724"/>
           </a:xfrm>
           <a:prstGeom prst="rect">
@@ -3447,8 +3448,8 @@
         </p:nvSpPr>
         <p:spPr>
           <a:xfrm>
-            <a:off x="365760" y="619124"/>
-            <a:ext cx="4130039" cy="466724"/>
+            <a:off x="384809" y="619124"/>
+            <a:ext cx="4139565" cy="466724"/>
           </a:xfrm>
           <a:prstGeom prst="rect">
             <a:avLst/>
@@ -3512,7 +3513,7 @@
         </p:nvSpPr>
         <p:spPr>
           <a:xfrm>
-            <a:off x="4648200" y="619124"/>
+            <a:off x="4619625" y="619124"/>
             <a:ext cx="137160" cy="466724"/>
           </a:xfrm>
           <a:prstGeom prst="rect">
@@ -3555,8 +3556,8 @@
         </p:nvSpPr>
         <p:spPr>
           <a:xfrm>
-            <a:off x="4785360" y="619124"/>
-            <a:ext cx="4130039" cy="466724"/>
+            <a:off x="4756785" y="619124"/>
+            <a:ext cx="4139565" cy="466724"/>
           </a:xfrm>
           <a:prstGeom prst="rect">
             <a:avLst/>
@@ -3736,8 +3737,8 @@
         </p:nvSpPr>
         <p:spPr>
           <a:xfrm>
-            <a:off x="200025" y="857250"/>
-            <a:ext cx="4486275" cy="2038349"/>
+            <a:off x="200025" y="847724"/>
+            <a:ext cx="4495799" cy="2038349"/>
           </a:xfrm>
           <a:prstGeom prst="rect">
             <a:avLst/>
@@ -3770,8 +3771,8 @@
           <p:nvPr/>
         </p:nvGraphicFramePr>
         <p:xfrm>
-          <a:off x="200025" y="857250"/>
-          <a:ext cx="4930317" cy="1981200"/>
+          <a:off x="200025" y="847724"/>
+          <a:ext cx="4934902" cy="1981200"/>
         </p:xfrm>
         <a:graphic>
           <a:graphicData uri="http://schemas.openxmlformats.org/drawingml/2006/table">
@@ -3780,8 +3781,8 @@
                 <a:tableStyleId>{5C22544A-7EE6-4342-B048-85BDC9FD1C3A}</a:tableStyleId>
               </a:tblPr>
               <a:tblGrid>
-                <a:gridCol w="1022456"/>
-                <a:gridCol w="1634244"/>
+                <a:gridCol w="1026795"/>
+                <a:gridCol w="1634490"/>
                 <a:gridCol w="2273617"/>
               </a:tblGrid>
               <a:tr h="396240">
@@ -4739,7 +4740,7 @@
         </p:nvSpPr>
         <p:spPr>
           <a:xfrm>
-            <a:off x="200025" y="2895600"/>
+            <a:off x="200025" y="2886075"/>
             <a:ext cx="8943975" cy="304800"/>
           </a:xfrm>
           <a:prstGeom prst="rect">
@@ -4784,7 +4785,7 @@
         </p:nvSpPr>
         <p:spPr>
           <a:xfrm>
-            <a:off x="200025" y="3209925"/>
+            <a:off x="200025" y="3190874"/>
             <a:ext cx="8943975" cy="274320"/>
           </a:xfrm>
           <a:prstGeom prst="rect">
@@ -4829,7 +4830,7 @@
         </p:nvSpPr>
         <p:spPr>
           <a:xfrm>
-            <a:off x="200025" y="3438525"/>
+            <a:off x="200025" y="3419474"/>
             <a:ext cx="8943975" cy="814387"/>
           </a:xfrm>
           <a:prstGeom prst="rect">
@@ -5125,7 +5126,7 @@
         </p:nvSpPr>
         <p:spPr>
           <a:xfrm>
-            <a:off x="200025" y="857250"/>
+            <a:off x="200025" y="847724"/>
             <a:ext cx="8943975" cy="274320"/>
           </a:xfrm>
           <a:prstGeom prst="rect">
@@ -5188,7 +5189,7 @@
         </p:nvSpPr>
         <p:spPr>
           <a:xfrm>
-            <a:off x="200025" y="1085850"/>
+            <a:off x="200025" y="1076325"/>
             <a:ext cx="8943975" cy="678180"/>
           </a:xfrm>
           <a:prstGeom prst="rect">
@@ -5374,7 +5375,7 @@
         </p:nvSpPr>
         <p:spPr>
           <a:xfrm>
-            <a:off x="200025" y="1668779"/>
+            <a:off x="200025" y="1659255"/>
             <a:ext cx="8943975" cy="304800"/>
           </a:xfrm>
           <a:prstGeom prst="rect">
@@ -5419,7 +5420,7 @@
         </p:nvSpPr>
         <p:spPr>
           <a:xfrm>
-            <a:off x="200025" y="1983104"/>
+            <a:off x="200025" y="1964054"/>
             <a:ext cx="8943975" cy="678180"/>
           </a:xfrm>
           <a:prstGeom prst="rect">
@@ -5685,8 +5686,8 @@
         </p:nvSpPr>
         <p:spPr>
           <a:xfrm>
-            <a:off x="200025" y="857250"/>
-            <a:ext cx="2409825" cy="1628775"/>
+            <a:off x="200025" y="847724"/>
+            <a:ext cx="2419349" cy="1628775"/>
           </a:xfrm>
           <a:prstGeom prst="rect">
             <a:avLst/>
@@ -5719,8 +5720,8 @@
           <p:nvPr/>
         </p:nvGraphicFramePr>
         <p:xfrm>
-          <a:off x="200025" y="857250"/>
-          <a:ext cx="2640738" cy="1571625"/>
+          <a:off x="200025" y="847724"/>
+          <a:ext cx="2650807" cy="1571625"/>
         </p:xfrm>
         <a:graphic>
           <a:graphicData uri="http://schemas.openxmlformats.org/drawingml/2006/table">
@@ -5729,9 +5730,9 @@
                 <a:tableStyleId>{5C22544A-7EE6-4342-B048-85BDC9FD1C3A}</a:tableStyleId>
               </a:tblPr>
               <a:tblGrid>
-                <a:gridCol w="945021"/>
-                <a:gridCol w="480737"/>
-                <a:gridCol w="1214980"/>
+                <a:gridCol w="953452"/>
+                <a:gridCol w="481965"/>
+                <a:gridCol w="1215390"/>
               </a:tblGrid>
               <a:tr h="314325">
                 <a:tc>
@@ -6670,7 +6671,7 @@
         </p:nvSpPr>
         <p:spPr>
           <a:xfrm>
-            <a:off x="200025" y="2486025"/>
+            <a:off x="200025" y="2476499"/>
             <a:ext cx="8943975" cy="304800"/>
           </a:xfrm>
           <a:prstGeom prst="rect">
@@ -6715,7 +6716,7 @@
         </p:nvSpPr>
         <p:spPr>
           <a:xfrm>
-            <a:off x="200025" y="2800350"/>
+            <a:off x="200025" y="2781300"/>
             <a:ext cx="8943975" cy="814387"/>
           </a:xfrm>
           <a:prstGeom prst="rect">
@@ -7011,7 +7012,7 @@
         </p:nvSpPr>
         <p:spPr>
           <a:xfrm>
-            <a:off x="200025" y="857250"/>
+            <a:off x="200025" y="847724"/>
             <a:ext cx="8943975" cy="274320"/>
           </a:xfrm>
           <a:prstGeom prst="rect">
@@ -7083,7 +7084,7 @@
         </p:nvSpPr>
         <p:spPr>
           <a:xfrm>
-            <a:off x="200025" y="1085850"/>
+            <a:off x="200025" y="1076325"/>
             <a:ext cx="8943975" cy="274320"/>
           </a:xfrm>
           <a:prstGeom prst="rect">
@@ -7191,7 +7192,7 @@
         </p:nvSpPr>
         <p:spPr>
           <a:xfrm>
-            <a:off x="200025" y="1228725"/>
+            <a:off x="200025" y="1219200"/>
             <a:ext cx="8943975" cy="304800"/>
           </a:xfrm>
           <a:prstGeom prst="rect">
@@ -7236,7 +7237,7 @@
         </p:nvSpPr>
         <p:spPr>
           <a:xfrm>
-            <a:off x="200025" y="1543050"/>
+            <a:off x="200025" y="1523999"/>
             <a:ext cx="8943975" cy="274320"/>
           </a:xfrm>
           <a:prstGeom prst="rect">
@@ -7308,7 +7309,7 @@
         </p:nvSpPr>
         <p:spPr>
           <a:xfrm>
-            <a:off x="200025" y="1771650"/>
+            <a:off x="200025" y="1752599"/>
             <a:ext cx="8943975" cy="274320"/>
           </a:xfrm>
           <a:prstGeom prst="rect">
@@ -7532,8 +7533,8 @@
         </p:nvSpPr>
         <p:spPr>
           <a:xfrm>
-            <a:off x="200025" y="857250"/>
-            <a:ext cx="2647949" cy="1628775"/>
+            <a:off x="200025" y="847724"/>
+            <a:ext cx="2657475" cy="1628775"/>
           </a:xfrm>
           <a:prstGeom prst="rect">
             <a:avLst/>
@@ -7566,8 +7567,8 @@
           <p:nvPr/>
         </p:nvGraphicFramePr>
         <p:xfrm>
-          <a:off x="200025" y="857250"/>
-          <a:ext cx="2902675" cy="1571625"/>
+          <a:off x="200025" y="847724"/>
+          <a:ext cx="2912744" cy="1571625"/>
         </p:xfrm>
         <a:graphic>
           <a:graphicData uri="http://schemas.openxmlformats.org/drawingml/2006/table">
@@ -7576,9 +7577,9 @@
                 <a:tableStyleId>{5C22544A-7EE6-4342-B048-85BDC9FD1C3A}</a:tableStyleId>
               </a:tblPr>
               <a:tblGrid>
-                <a:gridCol w="853752"/>
-                <a:gridCol w="1014762"/>
-                <a:gridCol w="1034161"/>
+                <a:gridCol w="859155"/>
+                <a:gridCol w="1016317"/>
+                <a:gridCol w="1037272"/>
               </a:tblGrid>
               <a:tr h="314325">
                 <a:tc>
@@ -8517,7 +8518,7 @@
         </p:nvSpPr>
         <p:spPr>
           <a:xfrm>
-            <a:off x="200025" y="2486025"/>
+            <a:off x="200025" y="2476499"/>
             <a:ext cx="8943975" cy="304800"/>
           </a:xfrm>
           <a:prstGeom prst="rect">
@@ -8562,7 +8563,7 @@
         </p:nvSpPr>
         <p:spPr>
           <a:xfrm>
-            <a:off x="200025" y="2800350"/>
+            <a:off x="200025" y="2781300"/>
             <a:ext cx="8943975" cy="678180"/>
           </a:xfrm>
           <a:prstGeom prst="rect">
@@ -8864,7 +8865,7 @@
         </p:nvSpPr>
         <p:spPr>
           <a:xfrm>
-            <a:off x="200025" y="857250"/>
+            <a:off x="200025" y="847724"/>
             <a:ext cx="8943975" cy="950595"/>
           </a:xfrm>
           <a:prstGeom prst="rect">
@@ -9128,7 +9129,7 @@
         </p:nvSpPr>
         <p:spPr>
           <a:xfrm>
-            <a:off x="200025" y="1712595"/>
+            <a:off x="200025" y="1703070"/>
             <a:ext cx="8943975" cy="304800"/>
           </a:xfrm>
           <a:prstGeom prst="rect">
@@ -9173,7 +9174,7 @@
         </p:nvSpPr>
         <p:spPr>
           <a:xfrm>
-            <a:off x="200025" y="2026920"/>
+            <a:off x="200025" y="2007870"/>
             <a:ext cx="8943975" cy="274320"/>
           </a:xfrm>
           <a:prstGeom prst="rect">
@@ -9236,7 +9237,7 @@
         </p:nvSpPr>
         <p:spPr>
           <a:xfrm>
-            <a:off x="200025" y="2255520"/>
+            <a:off x="200025" y="2236470"/>
             <a:ext cx="8943975" cy="814387"/>
           </a:xfrm>
           <a:prstGeom prst="rect">
@@ -9461,7 +9462,7 @@
         </p:nvSpPr>
         <p:spPr>
           <a:xfrm>
-            <a:off x="200025" y="3069907"/>
+            <a:off x="200025" y="3050857"/>
             <a:ext cx="8943975" cy="274320"/>
           </a:xfrm>
           <a:prstGeom prst="rect">
@@ -9649,7 +9650,7 @@
         </p:nvSpPr>
         <p:spPr>
           <a:xfrm>
-            <a:off x="200025" y="857250"/>
+            <a:off x="200025" y="847724"/>
             <a:ext cx="8943975" cy="274320"/>
           </a:xfrm>
           <a:prstGeom prst="rect">
@@ -9694,8 +9695,8 @@
         </p:nvSpPr>
         <p:spPr>
           <a:xfrm>
-            <a:off x="200025" y="1123949"/>
-            <a:ext cx="8943975" cy="1904999"/>
+            <a:off x="200025" y="1114425"/>
+            <a:ext cx="8943975" cy="1838324"/>
           </a:xfrm>
           <a:prstGeom prst="rect">
             <a:avLst/>
@@ -9741,7 +9742,7 @@
         </p:nvSpPr>
         <p:spPr>
           <a:xfrm>
-            <a:off x="200025" y="2895600"/>
+            <a:off x="200025" y="2819399"/>
             <a:ext cx="8943975" cy="304800"/>
           </a:xfrm>
           <a:prstGeom prst="rect">
@@ -9786,7 +9787,7 @@
         </p:nvSpPr>
         <p:spPr>
           <a:xfrm>
-            <a:off x="200025" y="3209925"/>
+            <a:off x="200025" y="3124200"/>
             <a:ext cx="8943975" cy="687705"/>
           </a:xfrm>
           <a:prstGeom prst="rect">
@@ -9963,7 +9964,7 @@
         </p:nvSpPr>
         <p:spPr>
           <a:xfrm>
-            <a:off x="200025" y="3897629"/>
+            <a:off x="200025" y="3811904"/>
             <a:ext cx="8943975" cy="274320"/>
           </a:xfrm>
           <a:prstGeom prst="rect">
@@ -10093,6 +10094,599 @@
                 </a:solidFill>
                 <a:latin typeface="Arial"/>
               </a:rPr>
+              <a:t>🧮 Math Equations Support</a:t>
+            </a:r>
+          </a:p>
+        </p:txBody>
+      </p:sp>
+      <p:sp>
+        <p:nvSpPr>
+          <p:cNvPr id="3" name="TextBox 2"/>
+          <p:cNvSpPr txBox="1"/>
+          <p:nvPr/>
+        </p:nvSpPr>
+        <p:spPr>
+          <a:xfrm>
+            <a:off x="200025" y="542925"/>
+            <a:ext cx="8943975" cy="274320"/>
+          </a:xfrm>
+          <a:prstGeom prst="rect">
+            <a:avLst/>
+          </a:prstGeom>
+          <a:noFill/>
+        </p:spPr>
+        <p:txBody>
+          <a:bodyPr wrap="square" lIns="0" rIns="0" tIns="0" bIns="0">
+            <a:spAutoFit/>
+          </a:bodyPr>
+          <a:lstStyle/>
+          <a:p>
+            <a:pPr algn="l">
+              <a:lnSpc>
+                <a:spcPct val="100000"/>
+              </a:lnSpc>
+              <a:spcBef>
+                <a:spcPts val="0"/>
+              </a:spcBef>
+              <a:spcAft>
+                <a:spcPts val="0"/>
+              </a:spcAft>
+            </a:pPr>
+            <a:r>
+              <a:rPr sz="1000">
+                <a:solidFill>
+                  <a:srgbClr val="E0E0E0"/>
+                </a:solidFill>
+                <a:latin typeface="Arial"/>
+              </a:rPr>
+              <a:t>The slide generator now supports LaTeX math equations using KaTeX rendering.</a:t>
+            </a:r>
+          </a:p>
+        </p:txBody>
+      </p:sp>
+      <p:sp>
+        <p:nvSpPr>
+          <p:cNvPr id="4" name="TextBox 3"/>
+          <p:cNvSpPr txBox="1"/>
+          <p:nvPr/>
+        </p:nvSpPr>
+        <p:spPr>
+          <a:xfrm>
+            <a:off x="200025" y="676274"/>
+            <a:ext cx="8943975" cy="304800"/>
+          </a:xfrm>
+          <a:prstGeom prst="rect">
+            <a:avLst/>
+          </a:prstGeom>
+          <a:noFill/>
+        </p:spPr>
+        <p:txBody>
+          <a:bodyPr wrap="square" lIns="0" rIns="0" tIns="0" bIns="0">
+            <a:spAutoFit/>
+          </a:bodyPr>
+          <a:lstStyle/>
+          <a:p>
+            <a:pPr algn="l">
+              <a:lnSpc>
+                <a:spcPct val="100000"/>
+              </a:lnSpc>
+              <a:spcBef>
+                <a:spcPts val="0"/>
+              </a:spcBef>
+              <a:spcAft>
+                <a:spcPts val="0"/>
+              </a:spcAft>
+            </a:pPr>
+            <a:r>
+              <a:rPr sz="1300" b="1">
+                <a:solidFill>
+                  <a:srgbClr val="E0E0E0"/>
+                </a:solidFill>
+                <a:latin typeface="Arial"/>
+              </a:rPr>
+              <a:t>Inline Math</a:t>
+            </a:r>
+          </a:p>
+        </p:txBody>
+      </p:sp>
+      <p:sp>
+        <p:nvSpPr>
+          <p:cNvPr id="5" name="TextBox 4"/>
+          <p:cNvSpPr txBox="1"/>
+          <p:nvPr/>
+        </p:nvSpPr>
+        <p:spPr>
+          <a:xfrm>
+            <a:off x="200025" y="981074"/>
+            <a:ext cx="8943975" cy="274320"/>
+          </a:xfrm>
+          <a:prstGeom prst="rect">
+            <a:avLst/>
+          </a:prstGeom>
+          <a:noFill/>
+        </p:spPr>
+        <p:txBody>
+          <a:bodyPr wrap="square" lIns="0" rIns="0" tIns="0" bIns="0">
+            <a:spAutoFit/>
+          </a:bodyPr>
+          <a:lstStyle/>
+          <a:p>
+            <a:pPr algn="l">
+              <a:lnSpc>
+                <a:spcPct val="100000"/>
+              </a:lnSpc>
+              <a:spcBef>
+                <a:spcPts val="0"/>
+              </a:spcBef>
+              <a:spcAft>
+                <a:spcPts val="0"/>
+              </a:spcAft>
+            </a:pPr>
+            <a:r>
+              <a:rPr sz="1000">
+                <a:solidFill>
+                  <a:srgbClr val="E0E0E0"/>
+                </a:solidFill>
+                <a:latin typeface="Arial"/>
+              </a:rPr>
+              <a:t>You can include inline math like $E=mc^2$ or $\alpha + \beta = \gamma$ directly in your text.</a:t>
+            </a:r>
+          </a:p>
+        </p:txBody>
+      </p:sp>
+      <p:sp>
+        <p:nvSpPr>
+          <p:cNvPr id="6" name="TextBox 5"/>
+          <p:cNvSpPr txBox="1"/>
+          <p:nvPr/>
+        </p:nvSpPr>
+        <p:spPr>
+          <a:xfrm>
+            <a:off x="200025" y="1209674"/>
+            <a:ext cx="8943975" cy="274320"/>
+          </a:xfrm>
+          <a:prstGeom prst="rect">
+            <a:avLst/>
+          </a:prstGeom>
+          <a:noFill/>
+        </p:spPr>
+        <p:txBody>
+          <a:bodyPr wrap="square" lIns="0" rIns="0" tIns="0" bIns="0">
+            <a:spAutoFit/>
+          </a:bodyPr>
+          <a:lstStyle/>
+          <a:p>
+            <a:pPr algn="l">
+              <a:lnSpc>
+                <a:spcPct val="100000"/>
+              </a:lnSpc>
+              <a:spcBef>
+                <a:spcPts val="0"/>
+              </a:spcBef>
+              <a:spcAft>
+                <a:spcPts val="0"/>
+              </a:spcAft>
+            </a:pPr>
+            <a:r>
+              <a:rPr sz="1000">
+                <a:solidFill>
+                  <a:srgbClr val="E0E0E0"/>
+                </a:solidFill>
+                <a:latin typeface="Arial"/>
+              </a:rPr>
+              <a:t>The quadratic formula is $x = \frac{-b \pm \sqrt{b^2-4ac}}{2a}$.</a:t>
+            </a:r>
+          </a:p>
+        </p:txBody>
+      </p:sp>
+      <p:sp>
+        <p:nvSpPr>
+          <p:cNvPr id="7" name="TextBox 6"/>
+          <p:cNvSpPr txBox="1"/>
+          <p:nvPr/>
+        </p:nvSpPr>
+        <p:spPr>
+          <a:xfrm>
+            <a:off x="200025" y="1343025"/>
+            <a:ext cx="8943975" cy="304800"/>
+          </a:xfrm>
+          <a:prstGeom prst="rect">
+            <a:avLst/>
+          </a:prstGeom>
+          <a:noFill/>
+        </p:spPr>
+        <p:txBody>
+          <a:bodyPr wrap="square" lIns="0" rIns="0" tIns="0" bIns="0">
+            <a:spAutoFit/>
+          </a:bodyPr>
+          <a:lstStyle/>
+          <a:p>
+            <a:pPr algn="l">
+              <a:lnSpc>
+                <a:spcPct val="100000"/>
+              </a:lnSpc>
+              <a:spcBef>
+                <a:spcPts val="0"/>
+              </a:spcBef>
+              <a:spcAft>
+                <a:spcPts val="0"/>
+              </a:spcAft>
+            </a:pPr>
+            <a:r>
+              <a:rPr sz="1300" b="1">
+                <a:solidFill>
+                  <a:srgbClr val="E0E0E0"/>
+                </a:solidFill>
+                <a:latin typeface="Arial"/>
+              </a:rPr>
+              <a:t>Block Math</a:t>
+            </a:r>
+          </a:p>
+        </p:txBody>
+      </p:sp>
+      <p:sp>
+        <p:nvSpPr>
+          <p:cNvPr id="8" name="TextBox 7"/>
+          <p:cNvSpPr txBox="1"/>
+          <p:nvPr/>
+        </p:nvSpPr>
+        <p:spPr>
+          <a:xfrm>
+            <a:off x="200025" y="1647825"/>
+            <a:ext cx="8943975" cy="274320"/>
+          </a:xfrm>
+          <a:prstGeom prst="rect">
+            <a:avLst/>
+          </a:prstGeom>
+          <a:noFill/>
+        </p:spPr>
+        <p:txBody>
+          <a:bodyPr wrap="square" lIns="0" rIns="0" tIns="0" bIns="0">
+            <a:spAutoFit/>
+          </a:bodyPr>
+          <a:lstStyle/>
+          <a:p>
+            <a:pPr algn="l">
+              <a:lnSpc>
+                <a:spcPct val="100000"/>
+              </a:lnSpc>
+              <a:spcBef>
+                <a:spcPts val="0"/>
+              </a:spcBef>
+              <a:spcAft>
+                <a:spcPts val="0"/>
+              </a:spcAft>
+            </a:pPr>
+            <a:r>
+              <a:rPr sz="1000">
+                <a:solidFill>
+                  <a:srgbClr val="E0E0E0"/>
+                </a:solidFill>
+                <a:latin typeface="Arial"/>
+              </a:rPr>
+              <a:t>For display math, use double dollar signs:</a:t>
+            </a:r>
+          </a:p>
+        </p:txBody>
+      </p:sp>
+      <p:pic>
+        <p:nvPicPr>
+          <p:cNvPr id="9" name="Picture 8" descr="bf431a6869429a2cfc02d2a0ba380a9c.png"/>
+          <p:cNvPicPr>
+            <a:picLocks noChangeAspect="1"/>
+          </p:cNvPicPr>
+          <p:nvPr/>
+        </p:nvPicPr>
+        <p:blipFill>
+          <a:blip r:embed="rId2"/>
+          <a:stretch>
+            <a:fillRect/>
+          </a:stretch>
+        </p:blipFill>
+        <p:spPr>
+          <a:xfrm>
+            <a:off x="3686175" y="1724024"/>
+            <a:ext cx="1762125" cy="352424"/>
+          </a:xfrm>
+          <a:prstGeom prst="rect">
+            <a:avLst/>
+          </a:prstGeom>
+        </p:spPr>
+      </p:pic>
+      <p:sp>
+        <p:nvSpPr>
+          <p:cNvPr id="10" name="TextBox 9"/>
+          <p:cNvSpPr txBox="1"/>
+          <p:nvPr/>
+        </p:nvSpPr>
+        <p:spPr>
+          <a:xfrm>
+            <a:off x="200025" y="2152650"/>
+            <a:ext cx="8943975" cy="274320"/>
+          </a:xfrm>
+          <a:prstGeom prst="rect">
+            <a:avLst/>
+          </a:prstGeom>
+          <a:noFill/>
+        </p:spPr>
+        <p:txBody>
+          <a:bodyPr wrap="square" lIns="0" rIns="0" tIns="0" bIns="0">
+            <a:spAutoFit/>
+          </a:bodyPr>
+          <a:lstStyle/>
+          <a:p>
+            <a:pPr algn="l">
+              <a:lnSpc>
+                <a:spcPct val="100000"/>
+              </a:lnSpc>
+              <a:spcBef>
+                <a:spcPts val="0"/>
+              </a:spcBef>
+              <a:spcAft>
+                <a:spcPts val="0"/>
+              </a:spcAft>
+            </a:pPr>
+            <a:r>
+              <a:rPr sz="1000">
+                <a:solidFill>
+                  <a:srgbClr val="E0E0E0"/>
+                </a:solidFill>
+                <a:latin typeface="Arial"/>
+              </a:rPr>
+              <a:t>Euler's famous identity:</a:t>
+            </a:r>
+          </a:p>
+        </p:txBody>
+      </p:sp>
+      <p:pic>
+        <p:nvPicPr>
+          <p:cNvPr id="11" name="Picture 10" descr="ac5d9a8809d6c67262a18b15b0c77c5c.png"/>
+          <p:cNvPicPr>
+            <a:picLocks noChangeAspect="1"/>
+          </p:cNvPicPr>
+          <p:nvPr/>
+        </p:nvPicPr>
+        <p:blipFill>
+          <a:blip r:embed="rId3"/>
+          <a:stretch>
+            <a:fillRect/>
+          </a:stretch>
+        </p:blipFill>
+        <p:spPr>
+          <a:xfrm>
+            <a:off x="4162424" y="2209800"/>
+            <a:ext cx="809625" cy="352424"/>
+          </a:xfrm>
+          <a:prstGeom prst="rect">
+            <a:avLst/>
+          </a:prstGeom>
+        </p:spPr>
+      </p:pic>
+      <p:sp>
+        <p:nvSpPr>
+          <p:cNvPr id="12" name="TextBox 11"/>
+          <p:cNvSpPr txBox="1"/>
+          <p:nvPr/>
+        </p:nvSpPr>
+        <p:spPr>
+          <a:xfrm>
+            <a:off x="200025" y="2638425"/>
+            <a:ext cx="8943975" cy="304800"/>
+          </a:xfrm>
+          <a:prstGeom prst="rect">
+            <a:avLst/>
+          </a:prstGeom>
+          <a:noFill/>
+        </p:spPr>
+        <p:txBody>
+          <a:bodyPr wrap="square" lIns="0" rIns="0" tIns="0" bIns="0">
+            <a:spAutoFit/>
+          </a:bodyPr>
+          <a:lstStyle/>
+          <a:p>
+            <a:pPr algn="l">
+              <a:lnSpc>
+                <a:spcPct val="100000"/>
+              </a:lnSpc>
+              <a:spcBef>
+                <a:spcPts val="0"/>
+              </a:spcBef>
+              <a:spcAft>
+                <a:spcPts val="0"/>
+              </a:spcAft>
+            </a:pPr>
+            <a:r>
+              <a:rPr sz="1300" b="1">
+                <a:solidFill>
+                  <a:srgbClr val="E0E0E0"/>
+                </a:solidFill>
+                <a:latin typeface="Arial"/>
+              </a:rPr>
+              <a:t>Complex Equations</a:t>
+            </a:r>
+          </a:p>
+        </p:txBody>
+      </p:sp>
+      <p:sp>
+        <p:nvSpPr>
+          <p:cNvPr id="13" name="TextBox 12"/>
+          <p:cNvSpPr txBox="1"/>
+          <p:nvPr/>
+        </p:nvSpPr>
+        <p:spPr>
+          <a:xfrm>
+            <a:off x="200025" y="2943225"/>
+            <a:ext cx="8943975" cy="274320"/>
+          </a:xfrm>
+          <a:prstGeom prst="rect">
+            <a:avLst/>
+          </a:prstGeom>
+          <a:noFill/>
+        </p:spPr>
+        <p:txBody>
+          <a:bodyPr wrap="square" lIns="0" rIns="0" tIns="0" bIns="0">
+            <a:spAutoFit/>
+          </a:bodyPr>
+          <a:lstStyle/>
+          <a:p>
+            <a:pPr algn="l">
+              <a:lnSpc>
+                <a:spcPct val="100000"/>
+              </a:lnSpc>
+              <a:spcBef>
+                <a:spcPts val="0"/>
+              </a:spcBef>
+              <a:spcAft>
+                <a:spcPts val="0"/>
+              </a:spcAft>
+            </a:pPr>
+            <a:r>
+              <a:rPr sz="1000">
+                <a:solidFill>
+                  <a:srgbClr val="E0E0E0"/>
+                </a:solidFill>
+                <a:latin typeface="Arial"/>
+              </a:rPr>
+              <a:t>More complex equations like matrices are also supported:</a:t>
+            </a:r>
+          </a:p>
+        </p:txBody>
+      </p:sp>
+      <p:pic>
+        <p:nvPicPr>
+          <p:cNvPr id="14" name="Picture 13" descr="47954c072bb41073c18ae093bd56ece1.png"/>
+          <p:cNvPicPr>
+            <a:picLocks noChangeAspect="1"/>
+          </p:cNvPicPr>
+          <p:nvPr/>
+        </p:nvPicPr>
+        <p:blipFill>
+          <a:blip r:embed="rId4"/>
+          <a:stretch>
+            <a:fillRect/>
+          </a:stretch>
+        </p:blipFill>
+        <p:spPr>
+          <a:xfrm>
+            <a:off x="3457575" y="2962274"/>
+            <a:ext cx="2219324" cy="352424"/>
+          </a:xfrm>
+          <a:prstGeom prst="rect">
+            <a:avLst/>
+          </a:prstGeom>
+        </p:spPr>
+      </p:pic>
+      <p:sp>
+        <p:nvSpPr>
+          <p:cNvPr id="15" name="TextBox 14"/>
+          <p:cNvSpPr txBox="1"/>
+          <p:nvPr/>
+        </p:nvSpPr>
+        <p:spPr>
+          <a:xfrm>
+            <a:off x="200025" y="3448049"/>
+            <a:ext cx="8943975" cy="274320"/>
+          </a:xfrm>
+          <a:prstGeom prst="rect">
+            <a:avLst/>
+          </a:prstGeom>
+          <a:noFill/>
+        </p:spPr>
+        <p:txBody>
+          <a:bodyPr wrap="square" lIns="0" rIns="0" tIns="0" bIns="0">
+            <a:spAutoFit/>
+          </a:bodyPr>
+          <a:lstStyle/>
+          <a:p>
+            <a:pPr algn="l">
+              <a:lnSpc>
+                <a:spcPct val="100000"/>
+              </a:lnSpc>
+              <a:spcBef>
+                <a:spcPts val="0"/>
+              </a:spcBef>
+              <a:spcAft>
+                <a:spcPts val="0"/>
+              </a:spcAft>
+            </a:pPr>
+            <a:r>
+              <a:rPr sz="1000">
+                <a:solidFill>
+                  <a:srgbClr val="E0E0E0"/>
+                </a:solidFill>
+                <a:latin typeface="Arial"/>
+              </a:rPr>
+              <a:t>Math equations are automatically cached for performance and work in both themes!</a:t>
+            </a:r>
+          </a:p>
+        </p:txBody>
+      </p:sp>
+    </p:spTree>
+  </p:cSld>
+  <p:clrMapOvr>
+    <a:masterClrMapping/>
+  </p:clrMapOvr>
+</p:sld>
+</file>
+
+<file path=ppt/slides/slide19.xml><?xml version="1.0" encoding="utf-8"?>
+<p:sld xmlns:a="http://schemas.openxmlformats.org/drawingml/2006/main" xmlns:p="http://schemas.openxmlformats.org/presentationml/2006/main" xmlns:r="http://schemas.openxmlformats.org/officeDocument/2006/relationships">
+  <p:cSld>
+    <p:bg>
+      <p:bgPr>
+        <a:solidFill>
+          <a:srgbClr val="1A1A1A"/>
+        </a:solidFill>
+        <a:effectLst/>
+      </p:bgPr>
+    </p:bg>
+    <p:spTree>
+      <p:nvGrpSpPr>
+        <p:cNvPr id="1" name=""/>
+        <p:cNvGrpSpPr/>
+        <p:nvPr/>
+      </p:nvGrpSpPr>
+      <p:grpSpPr/>
+      <p:sp>
+        <p:nvSpPr>
+          <p:cNvPr id="2" name="TextBox 1"/>
+          <p:cNvSpPr txBox="1"/>
+          <p:nvPr/>
+        </p:nvSpPr>
+        <p:spPr>
+          <a:xfrm>
+            <a:off x="200025" y="180975"/>
+            <a:ext cx="8943975" cy="361950"/>
+          </a:xfrm>
+          <a:prstGeom prst="rect">
+            <a:avLst/>
+          </a:prstGeom>
+          <a:noFill/>
+        </p:spPr>
+        <p:txBody>
+          <a:bodyPr wrap="square" lIns="0" rIns="0" tIns="0" bIns="0">
+            <a:spAutoFit/>
+          </a:bodyPr>
+          <a:lstStyle/>
+          <a:p>
+            <a:pPr algn="l">
+              <a:lnSpc>
+                <a:spcPct val="100000"/>
+              </a:lnSpc>
+              <a:spcBef>
+                <a:spcPts val="0"/>
+              </a:spcBef>
+              <a:spcAft>
+                <a:spcPts val="0"/>
+              </a:spcAft>
+            </a:pPr>
+            <a:r>
+              <a:rPr sz="1600" b="1">
+                <a:solidFill>
+                  <a:srgbClr val="E0E0E0"/>
+                </a:solidFill>
+                <a:latin typeface="Arial"/>
+              </a:rPr>
               <a:t>📈 Figures Demo</a:t>
             </a:r>
           </a:p>
@@ -10220,7 +10814,1303 @@
 </p:sld>
 </file>
 
-<file path=ppt/slides/slide19.xml><?xml version="1.0" encoding="utf-8"?>
+<file path=ppt/slides/slide2.xml><?xml version="1.0" encoding="utf-8"?>
+<p:sld xmlns:a="http://schemas.openxmlformats.org/drawingml/2006/main" xmlns:p="http://schemas.openxmlformats.org/presentationml/2006/main" xmlns:r="http://schemas.openxmlformats.org/officeDocument/2006/relationships">
+  <p:cSld>
+    <p:bg>
+      <p:bgPr>
+        <a:solidFill>
+          <a:srgbClr val="1A1A1A"/>
+        </a:solidFill>
+        <a:effectLst/>
+      </p:bgPr>
+    </p:bg>
+    <p:spTree>
+      <p:nvGrpSpPr>
+        <p:cNvPr id="1" name=""/>
+        <p:cNvGrpSpPr/>
+        <p:nvPr/>
+      </p:nvGrpSpPr>
+      <p:grpSpPr/>
+      <p:sp>
+        <p:nvSpPr>
+          <p:cNvPr id="2" name="TextBox 1"/>
+          <p:cNvSpPr txBox="1"/>
+          <p:nvPr/>
+        </p:nvSpPr>
+        <p:spPr>
+          <a:xfrm>
+            <a:off x="200025" y="180975"/>
+            <a:ext cx="8943975" cy="361950"/>
+          </a:xfrm>
+          <a:prstGeom prst="rect">
+            <a:avLst/>
+          </a:prstGeom>
+          <a:noFill/>
+        </p:spPr>
+        <p:txBody>
+          <a:bodyPr wrap="square" lIns="0" rIns="0" tIns="0" bIns="0">
+            <a:spAutoFit/>
+          </a:bodyPr>
+          <a:lstStyle/>
+          <a:p>
+            <a:pPr algn="l">
+              <a:lnSpc>
+                <a:spcPct val="100000"/>
+              </a:lnSpc>
+              <a:spcBef>
+                <a:spcPts val="0"/>
+              </a:spcBef>
+              <a:spcAft>
+                <a:spcPts val="0"/>
+              </a:spcAft>
+            </a:pPr>
+            <a:r>
+              <a:rPr sz="1600" b="1">
+                <a:solidFill>
+                  <a:srgbClr val="E0E0E0"/>
+                </a:solidFill>
+                <a:latin typeface="Arial"/>
+              </a:rPr>
+              <a:t>✨ Inline Styling Features</a:t>
+            </a:r>
+          </a:p>
+        </p:txBody>
+      </p:sp>
+      <p:sp>
+        <p:nvSpPr>
+          <p:cNvPr id="3" name="TextBox 2"/>
+          <p:cNvSpPr txBox="1"/>
+          <p:nvPr/>
+        </p:nvSpPr>
+        <p:spPr>
+          <a:xfrm>
+            <a:off x="200025" y="542925"/>
+            <a:ext cx="8943975" cy="304800"/>
+          </a:xfrm>
+          <a:prstGeom prst="rect">
+            <a:avLst/>
+          </a:prstGeom>
+          <a:noFill/>
+        </p:spPr>
+        <p:txBody>
+          <a:bodyPr wrap="square" lIns="0" rIns="0" tIns="0" bIns="0">
+            <a:spAutoFit/>
+          </a:bodyPr>
+          <a:lstStyle/>
+          <a:p>
+            <a:pPr algn="l">
+              <a:lnSpc>
+                <a:spcPct val="100000"/>
+              </a:lnSpc>
+              <a:spcBef>
+                <a:spcPts val="0"/>
+              </a:spcBef>
+              <a:spcAft>
+                <a:spcPts val="0"/>
+              </a:spcAft>
+            </a:pPr>
+            <a:r>
+              <a:rPr sz="1300" b="1">
+                <a:solidFill>
+                  <a:srgbClr val="E0E0E0"/>
+                </a:solidFill>
+                <a:latin typeface="Arial"/>
+              </a:rPr>
+              <a:t>Basic Formatting</a:t>
+            </a:r>
+          </a:p>
+        </p:txBody>
+      </p:sp>
+      <p:sp>
+        <p:nvSpPr>
+          <p:cNvPr id="4" name="TextBox 3"/>
+          <p:cNvSpPr txBox="1"/>
+          <p:nvPr/>
+        </p:nvSpPr>
+        <p:spPr>
+          <a:xfrm>
+            <a:off x="200025" y="847724"/>
+            <a:ext cx="8943975" cy="274320"/>
+          </a:xfrm>
+          <a:prstGeom prst="rect">
+            <a:avLst/>
+          </a:prstGeom>
+          <a:noFill/>
+        </p:spPr>
+        <p:txBody>
+          <a:bodyPr wrap="square" lIns="0" rIns="0" tIns="0" bIns="0">
+            <a:spAutoFit/>
+          </a:bodyPr>
+          <a:lstStyle/>
+          <a:p>
+            <a:pPr algn="l">
+              <a:lnSpc>
+                <a:spcPct val="100000"/>
+              </a:lnSpc>
+              <a:spcBef>
+                <a:spcPts val="0"/>
+              </a:spcBef>
+              <a:spcAft>
+                <a:spcPts val="0"/>
+              </a:spcAft>
+            </a:pPr>
+            <a:r>
+              <a:rPr b="1" sz="1000">
+                <a:solidFill>
+                  <a:srgbClr val="E0E0E0"/>
+                </a:solidFill>
+                <a:latin typeface="Arial"/>
+              </a:rPr>
+              <a:t>Bold text</a:t>
+            </a:r>
+            <a:r>
+              <a:rPr sz="1000">
+                <a:solidFill>
+                  <a:srgbClr val="E0E0E0"/>
+                </a:solidFill>
+                <a:latin typeface="Arial"/>
+              </a:rPr>
+              <a:t> using double asterisks or </a:t>
+            </a:r>
+            <a:r>
+              <a:rPr b="1" sz="1000">
+                <a:solidFill>
+                  <a:srgbClr val="E0E0E0"/>
+                </a:solidFill>
+                <a:latin typeface="Arial"/>
+              </a:rPr>
+              <a:t>double underscores</a:t>
+            </a:r>
+            <a:r>
+              <a:rPr sz="1000">
+                <a:solidFill>
+                  <a:srgbClr val="E0E0E0"/>
+                </a:solidFill>
+                <a:latin typeface="Arial"/>
+              </a:rPr>
+              <a:t>.</a:t>
+            </a:r>
+          </a:p>
+        </p:txBody>
+      </p:sp>
+      <p:sp>
+        <p:nvSpPr>
+          <p:cNvPr id="5" name="TextBox 4"/>
+          <p:cNvSpPr txBox="1"/>
+          <p:nvPr/>
+        </p:nvSpPr>
+        <p:spPr>
+          <a:xfrm>
+            <a:off x="200025" y="1076325"/>
+            <a:ext cx="8943975" cy="274320"/>
+          </a:xfrm>
+          <a:prstGeom prst="rect">
+            <a:avLst/>
+          </a:prstGeom>
+          <a:noFill/>
+        </p:spPr>
+        <p:txBody>
+          <a:bodyPr wrap="square" lIns="0" rIns="0" tIns="0" bIns="0">
+            <a:spAutoFit/>
+          </a:bodyPr>
+          <a:lstStyle/>
+          <a:p>
+            <a:pPr algn="l">
+              <a:lnSpc>
+                <a:spcPct val="100000"/>
+              </a:lnSpc>
+              <a:spcBef>
+                <a:spcPts val="0"/>
+              </a:spcBef>
+              <a:spcAft>
+                <a:spcPts val="0"/>
+              </a:spcAft>
+            </a:pPr>
+            <a:r>
+              <a:rPr i="1" sz="1000">
+                <a:solidFill>
+                  <a:srgbClr val="E0E0E0"/>
+                </a:solidFill>
+                <a:latin typeface="Arial"/>
+              </a:rPr>
+              <a:t>Italic text</a:t>
+            </a:r>
+            <a:r>
+              <a:rPr sz="1000">
+                <a:solidFill>
+                  <a:srgbClr val="E0E0E0"/>
+                </a:solidFill>
+                <a:latin typeface="Arial"/>
+              </a:rPr>
+              <a:t> using single asterisks or </a:t>
+            </a:r>
+            <a:r>
+              <a:rPr i="1" sz="1000">
+                <a:solidFill>
+                  <a:srgbClr val="E0E0E0"/>
+                </a:solidFill>
+                <a:latin typeface="Arial"/>
+              </a:rPr>
+              <a:t>single underscores</a:t>
+            </a:r>
+            <a:r>
+              <a:rPr sz="1000">
+                <a:solidFill>
+                  <a:srgbClr val="E0E0E0"/>
+                </a:solidFill>
+                <a:latin typeface="Arial"/>
+              </a:rPr>
+              <a:t>.</a:t>
+            </a:r>
+          </a:p>
+        </p:txBody>
+      </p:sp>
+      <p:sp>
+        <p:nvSpPr>
+          <p:cNvPr id="6" name="TextBox 5"/>
+          <p:cNvSpPr txBox="1"/>
+          <p:nvPr/>
+        </p:nvSpPr>
+        <p:spPr>
+          <a:xfrm>
+            <a:off x="200025" y="1304925"/>
+            <a:ext cx="8943975" cy="274320"/>
+          </a:xfrm>
+          <a:prstGeom prst="rect">
+            <a:avLst/>
+          </a:prstGeom>
+          <a:noFill/>
+        </p:spPr>
+        <p:txBody>
+          <a:bodyPr wrap="square" lIns="0" rIns="0" tIns="0" bIns="0">
+            <a:spAutoFit/>
+          </a:bodyPr>
+          <a:lstStyle/>
+          <a:p>
+            <a:pPr algn="l">
+              <a:lnSpc>
+                <a:spcPct val="100000"/>
+              </a:lnSpc>
+              <a:spcBef>
+                <a:spcPts val="0"/>
+              </a:spcBef>
+              <a:spcAft>
+                <a:spcPts val="0"/>
+              </a:spcAft>
+            </a:pPr>
+            <a:r>
+              <a:rPr sz="800">
+                <a:solidFill>
+                  <a:srgbClr val="FFFFFF"/>
+                </a:solidFill>
+                <a:latin typeface="Courier New"/>
+              </a:rPr>
+              <a:t>Inline code</a:t>
+            </a:r>
+            <a:r>
+              <a:rPr sz="1000">
+                <a:solidFill>
+                  <a:srgbClr val="E0E0E0"/>
+                </a:solidFill>
+                <a:latin typeface="Arial"/>
+              </a:rPr>
+              <a:t> using backticks for technical terms like </a:t>
+            </a:r>
+            <a:r>
+              <a:rPr sz="800">
+                <a:solidFill>
+                  <a:srgbClr val="FFFFFF"/>
+                </a:solidFill>
+                <a:latin typeface="Courier New"/>
+              </a:rPr>
+              <a:t>SlideGenerator.generate()</a:t>
+            </a:r>
+            <a:r>
+              <a:rPr sz="1000">
+                <a:solidFill>
+                  <a:srgbClr val="E0E0E0"/>
+                </a:solidFill>
+                <a:latin typeface="Arial"/>
+              </a:rPr>
+              <a:t>.</a:t>
+            </a:r>
+          </a:p>
+        </p:txBody>
+      </p:sp>
+      <p:sp>
+        <p:nvSpPr>
+          <p:cNvPr id="7" name="TextBox 6"/>
+          <p:cNvSpPr txBox="1"/>
+          <p:nvPr/>
+        </p:nvSpPr>
+        <p:spPr>
+          <a:xfrm>
+            <a:off x="200025" y="1543050"/>
+            <a:ext cx="8943975" cy="274320"/>
+          </a:xfrm>
+          <a:prstGeom prst="rect">
+            <a:avLst/>
+          </a:prstGeom>
+          <a:noFill/>
+        </p:spPr>
+        <p:txBody>
+          <a:bodyPr wrap="square" lIns="0" rIns="0" tIns="0" bIns="0">
+            <a:spAutoFit/>
+          </a:bodyPr>
+          <a:lstStyle/>
+          <a:p>
+            <a:pPr algn="l">
+              <a:lnSpc>
+                <a:spcPct val="100000"/>
+              </a:lnSpc>
+              <a:spcBef>
+                <a:spcPts val="0"/>
+              </a:spcBef>
+              <a:spcAft>
+                <a:spcPts val="0"/>
+              </a:spcAft>
+            </a:pPr>
+            <a:r>
+              <a:rPr b="1" sz="1000">
+                <a:solidFill>
+                  <a:srgbClr val="FFCC00"/>
+                </a:solidFill>
+                <a:latin typeface="Arial"/>
+              </a:rPr>
+              <a:t>Highlighted text</a:t>
+            </a:r>
+            <a:r>
+              <a:rPr sz="1000">
+                <a:solidFill>
+                  <a:srgbClr val="E0E0E0"/>
+                </a:solidFill>
+                <a:latin typeface="Arial"/>
+              </a:rPr>
+              <a:t> using double equals for </a:t>
+            </a:r>
+            <a:r>
+              <a:rPr b="1" sz="1000">
+                <a:solidFill>
+                  <a:srgbClr val="FFCC00"/>
+                </a:solidFill>
+                <a:latin typeface="Arial"/>
+              </a:rPr>
+              <a:t>important information</a:t>
+            </a:r>
+            <a:r>
+              <a:rPr sz="1000">
+                <a:solidFill>
+                  <a:srgbClr val="E0E0E0"/>
+                </a:solidFill>
+                <a:latin typeface="Arial"/>
+              </a:rPr>
+              <a:t>.</a:t>
+            </a:r>
+          </a:p>
+        </p:txBody>
+      </p:sp>
+      <p:sp>
+        <p:nvSpPr>
+          <p:cNvPr id="8" name="TextBox 7"/>
+          <p:cNvSpPr txBox="1"/>
+          <p:nvPr/>
+        </p:nvSpPr>
+        <p:spPr>
+          <a:xfrm>
+            <a:off x="200025" y="1771650"/>
+            <a:ext cx="8943975" cy="274320"/>
+          </a:xfrm>
+          <a:prstGeom prst="rect">
+            <a:avLst/>
+          </a:prstGeom>
+          <a:noFill/>
+        </p:spPr>
+        <p:txBody>
+          <a:bodyPr wrap="square" lIns="0" rIns="0" tIns="0" bIns="0">
+            <a:spAutoFit/>
+          </a:bodyPr>
+          <a:lstStyle/>
+          <a:p>
+            <a:pPr algn="l">
+              <a:lnSpc>
+                <a:spcPct val="100000"/>
+              </a:lnSpc>
+              <a:spcBef>
+                <a:spcPts val="0"/>
+              </a:spcBef>
+              <a:spcAft>
+                <a:spcPts val="0"/>
+              </a:spcAft>
+            </a:pPr>
+            <a:r>
+              <a:rPr u="sng" sz="1000">
+                <a:solidFill>
+                  <a:srgbClr val="E0E0E0"/>
+                </a:solidFill>
+                <a:latin typeface="Arial"/>
+              </a:rPr>
+              <a:t>Underlined text</a:t>
+            </a:r>
+            <a:r>
+              <a:rPr sz="1000">
+                <a:solidFill>
+                  <a:srgbClr val="E0E0E0"/>
+                </a:solidFill>
+                <a:latin typeface="Arial"/>
+              </a:rPr>
+              <a:t> using double plus signs for </a:t>
+            </a:r>
+            <a:r>
+              <a:rPr u="sng" sz="1000">
+                <a:solidFill>
+                  <a:srgbClr val="E0E0E0"/>
+                </a:solidFill>
+                <a:latin typeface="Arial"/>
+              </a:rPr>
+              <a:t>emphasis or citations</a:t>
+            </a:r>
+            <a:r>
+              <a:rPr sz="1000">
+                <a:solidFill>
+                  <a:srgbClr val="E0E0E0"/>
+                </a:solidFill>
+                <a:latin typeface="Arial"/>
+              </a:rPr>
+              <a:t>.</a:t>
+            </a:r>
+          </a:p>
+        </p:txBody>
+      </p:sp>
+      <p:sp>
+        <p:nvSpPr>
+          <p:cNvPr id="9" name="TextBox 8"/>
+          <p:cNvSpPr txBox="1"/>
+          <p:nvPr/>
+        </p:nvSpPr>
+        <p:spPr>
+          <a:xfrm>
+            <a:off x="200025" y="2000250"/>
+            <a:ext cx="8943975" cy="274320"/>
+          </a:xfrm>
+          <a:prstGeom prst="rect">
+            <a:avLst/>
+          </a:prstGeom>
+          <a:noFill/>
+        </p:spPr>
+        <p:txBody>
+          <a:bodyPr wrap="square" lIns="0" rIns="0" tIns="0" bIns="0">
+            <a:spAutoFit/>
+          </a:bodyPr>
+          <a:lstStyle/>
+          <a:p>
+            <a:pPr algn="l">
+              <a:lnSpc>
+                <a:spcPct val="100000"/>
+              </a:lnSpc>
+              <a:spcBef>
+                <a:spcPts val="0"/>
+              </a:spcBef>
+              <a:spcAft>
+                <a:spcPts val="0"/>
+              </a:spcAft>
+            </a:pPr>
+            <a:r>
+              <a:rPr strike="sngStrike" sz="1000">
+                <a:solidFill>
+                  <a:srgbClr val="E0E0E0"/>
+                </a:solidFill>
+                <a:latin typeface="Arial"/>
+              </a:rPr>
+              <a:t>strikethrough text</a:t>
+            </a:r>
+            <a:r>
+              <a:rPr sz="1000">
+                <a:solidFill>
+                  <a:srgbClr val="E0E0E0"/>
+                </a:solidFill>
+                <a:latin typeface="Arial"/>
+              </a:rPr>
+              <a:t> using double tilde for </a:t>
+            </a:r>
+            <a:r>
+              <a:rPr strike="sngStrike" sz="1000">
+                <a:solidFill>
+                  <a:srgbClr val="E0E0E0"/>
+                </a:solidFill>
+                <a:latin typeface="Arial"/>
+              </a:rPr>
+              <a:t>deleted text</a:t>
+            </a:r>
+            <a:r>
+              <a:rPr sz="1000">
+                <a:solidFill>
+                  <a:srgbClr val="E0E0E0"/>
+                </a:solidFill>
+                <a:latin typeface="Arial"/>
+              </a:rPr>
+              <a:t>.</a:t>
+            </a:r>
+          </a:p>
+        </p:txBody>
+      </p:sp>
+      <p:sp>
+        <p:nvSpPr>
+          <p:cNvPr id="10" name="TextBox 9"/>
+          <p:cNvSpPr txBox="1"/>
+          <p:nvPr/>
+        </p:nvSpPr>
+        <p:spPr>
+          <a:xfrm>
+            <a:off x="200025" y="2228850"/>
+            <a:ext cx="8943975" cy="274320"/>
+          </a:xfrm>
+          <a:prstGeom prst="rect">
+            <a:avLst/>
+          </a:prstGeom>
+          <a:noFill/>
+        </p:spPr>
+        <p:txBody>
+          <a:bodyPr wrap="square" lIns="0" rIns="0" tIns="0" bIns="0">
+            <a:spAutoFit/>
+          </a:bodyPr>
+          <a:lstStyle/>
+          <a:p>
+            <a:pPr algn="l">
+              <a:lnSpc>
+                <a:spcPct val="100000"/>
+              </a:lnSpc>
+              <a:spcBef>
+                <a:spcPts val="0"/>
+              </a:spcBef>
+              <a:spcAft>
+                <a:spcPts val="0"/>
+              </a:spcAft>
+            </a:pPr>
+            <a:r>
+              <a:rPr u="wavy" sz="1000">
+                <a:solidFill>
+                  <a:srgbClr val="E0E0E0"/>
+                </a:solidFill>
+                <a:latin typeface="Arial"/>
+              </a:rPr>
+              <a:t>wavy underlined text</a:t>
+            </a:r>
+            <a:r>
+              <a:rPr sz="1000">
+                <a:solidFill>
+                  <a:srgbClr val="E0E0E0"/>
+                </a:solidFill>
+                <a:latin typeface="Arial"/>
+              </a:rPr>
+              <a:t> using double caret for </a:t>
+            </a:r>
+            <a:r>
+              <a:rPr u="wavy" sz="1000">
+                <a:solidFill>
+                  <a:srgbClr val="E0E0E0"/>
+                </a:solidFill>
+                <a:latin typeface="Arial"/>
+              </a:rPr>
+              <a:t>emphasized information</a:t>
+            </a:r>
+            <a:r>
+              <a:rPr sz="1000">
+                <a:solidFill>
+                  <a:srgbClr val="E0E0E0"/>
+                </a:solidFill>
+                <a:latin typeface="Arial"/>
+              </a:rPr>
+              <a:t>.</a:t>
+            </a:r>
+          </a:p>
+        </p:txBody>
+      </p:sp>
+      <p:sp>
+        <p:nvSpPr>
+          <p:cNvPr id="11" name="TextBox 10"/>
+          <p:cNvSpPr txBox="1"/>
+          <p:nvPr/>
+        </p:nvSpPr>
+        <p:spPr>
+          <a:xfrm>
+            <a:off x="200025" y="2457450"/>
+            <a:ext cx="8943975" cy="274320"/>
+          </a:xfrm>
+          <a:prstGeom prst="rect">
+            <a:avLst/>
+          </a:prstGeom>
+          <a:noFill/>
+        </p:spPr>
+        <p:txBody>
+          <a:bodyPr wrap="square" lIns="0" rIns="0" tIns="0" bIns="0">
+            <a:spAutoFit/>
+          </a:bodyPr>
+          <a:lstStyle/>
+          <a:p>
+            <a:pPr algn="l">
+              <a:lnSpc>
+                <a:spcPct val="100000"/>
+              </a:lnSpc>
+              <a:spcBef>
+                <a:spcPts val="0"/>
+              </a:spcBef>
+              <a:spcAft>
+                <a:spcPts val="0"/>
+              </a:spcAft>
+            </a:pPr>
+            <a:r>
+              <a:rPr sz="1000">
+                <a:solidFill>
+                  <a:srgbClr val="E0E0E0"/>
+                </a:solidFill>
+                <a:latin typeface="Arial"/>
+              </a:rPr>
+              <a:t>A sentence with a </a:t>
+            </a:r>
+            <a:r>
+              <a:rPr u="sng" sz="1000">
+                <a:solidFill>
+                  <a:srgbClr val="0066CC"/>
+                </a:solidFill>
+                <a:latin typeface="Arial"/>
+                <a:hlinkClick r:id="rId2"/>
+              </a:rPr>
+              <a:t>Google</a:t>
+            </a:r>
+            <a:r>
+              <a:rPr sz="1000">
+                <a:solidFill>
+                  <a:srgbClr val="E0E0E0"/>
+                </a:solidFill>
+                <a:latin typeface="Arial"/>
+              </a:rPr>
+              <a:t> hyperlink embedded.</a:t>
+            </a:r>
+          </a:p>
+        </p:txBody>
+      </p:sp>
+      <p:sp>
+        <p:nvSpPr>
+          <p:cNvPr id="12" name="TextBox 11"/>
+          <p:cNvSpPr txBox="1"/>
+          <p:nvPr/>
+        </p:nvSpPr>
+        <p:spPr>
+          <a:xfrm>
+            <a:off x="200025" y="2686050"/>
+            <a:ext cx="8943975" cy="274320"/>
+          </a:xfrm>
+          <a:prstGeom prst="rect">
+            <a:avLst/>
+          </a:prstGeom>
+          <a:noFill/>
+        </p:spPr>
+        <p:txBody>
+          <a:bodyPr wrap="square" lIns="0" rIns="0" tIns="0" bIns="0">
+            <a:spAutoFit/>
+          </a:bodyPr>
+          <a:lstStyle/>
+          <a:p>
+            <a:pPr algn="l">
+              <a:lnSpc>
+                <a:spcPct val="100000"/>
+              </a:lnSpc>
+              <a:spcBef>
+                <a:spcPts val="0"/>
+              </a:spcBef>
+              <a:spcAft>
+                <a:spcPts val="0"/>
+              </a:spcAft>
+            </a:pPr>
+            <a:r>
+              <a:rPr sz="1000">
+                <a:solidFill>
+                  <a:srgbClr val="FF0000"/>
+                </a:solidFill>
+                <a:latin typeface="Arial"/>
+              </a:rPr>
+              <a:t>Colorful text</a:t>
+            </a:r>
+            <a:r>
+              <a:rPr sz="1000">
+                <a:solidFill>
+                  <a:srgbClr val="E0E0E0"/>
+                </a:solidFill>
+                <a:latin typeface="Arial"/>
+              </a:rPr>
+              <a:t> demonstrates inline color customization.</a:t>
+            </a:r>
+          </a:p>
+        </p:txBody>
+      </p:sp>
+      <p:sp>
+        <p:nvSpPr>
+          <p:cNvPr id="13" name="TextBox 12"/>
+          <p:cNvSpPr txBox="1"/>
+          <p:nvPr/>
+        </p:nvSpPr>
+        <p:spPr>
+          <a:xfrm>
+            <a:off x="200025" y="2819399"/>
+            <a:ext cx="8943975" cy="304800"/>
+          </a:xfrm>
+          <a:prstGeom prst="rect">
+            <a:avLst/>
+          </a:prstGeom>
+          <a:noFill/>
+        </p:spPr>
+        <p:txBody>
+          <a:bodyPr wrap="square" lIns="0" rIns="0" tIns="0" bIns="0">
+            <a:spAutoFit/>
+          </a:bodyPr>
+          <a:lstStyle/>
+          <a:p>
+            <a:pPr algn="l">
+              <a:lnSpc>
+                <a:spcPct val="100000"/>
+              </a:lnSpc>
+              <a:spcBef>
+                <a:spcPts val="0"/>
+              </a:spcBef>
+              <a:spcAft>
+                <a:spcPts val="0"/>
+              </a:spcAft>
+            </a:pPr>
+            <a:r>
+              <a:rPr sz="1300" b="1">
+                <a:solidFill>
+                  <a:srgbClr val="E0E0E0"/>
+                </a:solidFill>
+                <a:latin typeface="Arial"/>
+              </a:rPr>
+              <a:t>Advanced Combinations</a:t>
+            </a:r>
+          </a:p>
+        </p:txBody>
+      </p:sp>
+      <p:sp>
+        <p:nvSpPr>
+          <p:cNvPr id="14" name="TextBox 13"/>
+          <p:cNvSpPr txBox="1"/>
+          <p:nvPr/>
+        </p:nvSpPr>
+        <p:spPr>
+          <a:xfrm>
+            <a:off x="200025" y="3124200"/>
+            <a:ext cx="8943975" cy="823912"/>
+          </a:xfrm>
+          <a:prstGeom prst="rect">
+            <a:avLst/>
+          </a:prstGeom>
+          <a:noFill/>
+        </p:spPr>
+        <p:txBody>
+          <a:bodyPr wrap="square" lIns="0" rIns="0" tIns="0" bIns="0">
+            <a:spAutoFit/>
+          </a:bodyPr>
+          <a:lstStyle/>
+          <a:p>
+            <a:pPr algn="l">
+              <a:spcBef>
+                <a:spcPts val="0"/>
+              </a:spcBef>
+              <a:spcAft>
+                <a:spcPts val="0"/>
+              </a:spcAft>
+            </a:pPr>
+            <a:r>
+              <a:rPr sz="1000">
+                <a:solidFill>
+                  <a:srgbClr val="E0E0E0"/>
+                </a:solidFill>
+                <a:latin typeface="Arial"/>
+              </a:rPr>
+              <a:t>• </a:t>
+            </a:r>
+            <a:r>
+              <a:rPr b="1" sz="1000">
+                <a:solidFill>
+                  <a:srgbClr val="E0E0E0"/>
+                </a:solidFill>
+                <a:latin typeface="Arial"/>
+              </a:rPr>
+              <a:t>Bold with </a:t>
+            </a:r>
+            <a:r>
+              <a:rPr b="1" i="1" sz="1000">
+                <a:solidFill>
+                  <a:srgbClr val="E0E0E0"/>
+                </a:solidFill>
+                <a:latin typeface="Arial"/>
+              </a:rPr>
+              <a:t>italic inside</a:t>
+            </a:r>
+            <a:r>
+              <a:rPr b="1" sz="1000">
+                <a:solidFill>
+                  <a:srgbClr val="E0E0E0"/>
+                </a:solidFill>
+                <a:latin typeface="Arial"/>
+              </a:rPr>
+              <a:t> for emphasis</a:t>
+            </a:r>
+          </a:p>
+          <a:p>
+            <a:pPr algn="l"/>
+            <a:r>
+              <a:rPr sz="1000">
+                <a:solidFill>
+                  <a:srgbClr val="E0E0E0"/>
+                </a:solidFill>
+                <a:latin typeface="Arial"/>
+              </a:rPr>
+              <a:t>• </a:t>
+            </a:r>
+            <a:r>
+              <a:rPr i="1" sz="1000">
+                <a:solidFill>
+                  <a:srgbClr val="E0E0E0"/>
+                </a:solidFill>
+                <a:latin typeface="Arial"/>
+              </a:rPr>
+              <a:t>Italic with </a:t>
+            </a:r>
+            <a:r>
+              <a:rPr i="1" b="1" sz="1000">
+                <a:solidFill>
+                  <a:srgbClr val="E0E0E0"/>
+                </a:solidFill>
+                <a:latin typeface="Arial"/>
+              </a:rPr>
+              <a:t>bold inside</a:t>
+            </a:r>
+            <a:r>
+              <a:rPr i="1" sz="1000">
+                <a:solidFill>
+                  <a:srgbClr val="E0E0E0"/>
+                </a:solidFill>
+                <a:latin typeface="Arial"/>
+              </a:rPr>
+              <a:t> for variety</a:t>
+            </a:r>
+          </a:p>
+          <a:p>
+            <a:pPr algn="l"/>
+            <a:r>
+              <a:rPr sz="1000">
+                <a:solidFill>
+                  <a:srgbClr val="E0E0E0"/>
+                </a:solidFill>
+                <a:latin typeface="Arial"/>
+              </a:rPr>
+              <a:t>• </a:t>
+            </a:r>
+            <a:r>
+              <a:rPr b="1" sz="1000">
+                <a:solidFill>
+                  <a:srgbClr val="FFCC00"/>
+                </a:solidFill>
+                <a:latin typeface="Arial"/>
+              </a:rPr>
+              <a:t>Highlighted with </a:t>
+            </a:r>
+            <a:r>
+              <a:rPr b="1" sz="1000">
+                <a:solidFill>
+                  <a:srgbClr val="FFCC00"/>
+                </a:solidFill>
+                <a:latin typeface="Arial"/>
+              </a:rPr>
+              <a:t>bold inside</a:t>
+            </a:r>
+            <a:r>
+              <a:rPr b="1" sz="1000">
+                <a:solidFill>
+                  <a:srgbClr val="FFCC00"/>
+                </a:solidFill>
+                <a:latin typeface="Arial"/>
+              </a:rPr>
+              <a:t> for attention</a:t>
+            </a:r>
+          </a:p>
+          <a:p>
+            <a:pPr algn="l"/>
+            <a:r>
+              <a:rPr sz="1000">
+                <a:solidFill>
+                  <a:srgbClr val="E0E0E0"/>
+                </a:solidFill>
+                <a:latin typeface="Arial"/>
+              </a:rPr>
+              <a:t>• </a:t>
+            </a:r>
+            <a:r>
+              <a:rPr sz="1000">
+                <a:solidFill>
+                  <a:srgbClr val="E0E0E0"/>
+                </a:solidFill>
+                <a:latin typeface="Arial"/>
+              </a:rPr>
+              <a:t>Underlined with </a:t>
+            </a:r>
+            <a:r>
+              <a:rPr b="1" sz="1000">
+                <a:solidFill>
+                  <a:srgbClr val="E0E0E0"/>
+                </a:solidFill>
+                <a:latin typeface="Arial"/>
+              </a:rPr>
+              <a:t>bold inside</a:t>
+            </a:r>
+            <a:r>
+              <a:rPr sz="1000">
+                <a:solidFill>
+                  <a:srgbClr val="E0E0E0"/>
+                </a:solidFill>
+                <a:latin typeface="Arial"/>
+              </a:rPr>
+              <a:t> for citations</a:t>
+            </a:r>
+          </a:p>
+          <a:p>
+            <a:pPr algn="l"/>
+            <a:r>
+              <a:rPr sz="1000">
+                <a:solidFill>
+                  <a:srgbClr val="E0E0E0"/>
+                </a:solidFill>
+                <a:latin typeface="Arial"/>
+              </a:rPr>
+              <a:t>• </a:t>
+            </a:r>
+            <a:r>
+              <a:rPr sz="800">
+                <a:solidFill>
+                  <a:srgbClr val="FFFFFF"/>
+                </a:solidFill>
+                <a:latin typeface="Courier New"/>
+              </a:rPr>
+              <a:t>Code with formatting</a:t>
+            </a:r>
+            <a:r>
+              <a:rPr sz="1000">
+                <a:solidFill>
+                  <a:srgbClr val="E0E0E0"/>
+                </a:solidFill>
+                <a:latin typeface="Arial"/>
+              </a:rPr>
+              <a:t> (note: formatting preserved where possible)</a:t>
+            </a:r>
+          </a:p>
+        </p:txBody>
+      </p:sp>
+      <p:sp>
+        <p:nvSpPr>
+          <p:cNvPr id="15" name="TextBox 14"/>
+          <p:cNvSpPr txBox="1"/>
+          <p:nvPr/>
+        </p:nvSpPr>
+        <p:spPr>
+          <a:xfrm>
+            <a:off x="200025" y="3852862"/>
+            <a:ext cx="8943975" cy="304800"/>
+          </a:xfrm>
+          <a:prstGeom prst="rect">
+            <a:avLst/>
+          </a:prstGeom>
+          <a:noFill/>
+        </p:spPr>
+        <p:txBody>
+          <a:bodyPr wrap="square" lIns="0" rIns="0" tIns="0" bIns="0">
+            <a:spAutoFit/>
+          </a:bodyPr>
+          <a:lstStyle/>
+          <a:p>
+            <a:pPr algn="l">
+              <a:lnSpc>
+                <a:spcPct val="100000"/>
+              </a:lnSpc>
+              <a:spcBef>
+                <a:spcPts val="0"/>
+              </a:spcBef>
+              <a:spcAft>
+                <a:spcPts val="0"/>
+              </a:spcAft>
+            </a:pPr>
+            <a:r>
+              <a:rPr sz="1300" b="1">
+                <a:solidFill>
+                  <a:srgbClr val="E0E0E0"/>
+                </a:solidFill>
+                <a:latin typeface="Arial"/>
+              </a:rPr>
+              <a:t>Real-World Examples</a:t>
+            </a:r>
+          </a:p>
+        </p:txBody>
+      </p:sp>
+      <p:sp>
+        <p:nvSpPr>
+          <p:cNvPr id="16" name="TextBox 15"/>
+          <p:cNvSpPr txBox="1"/>
+          <p:nvPr/>
+        </p:nvSpPr>
+        <p:spPr>
+          <a:xfrm>
+            <a:off x="200025" y="4157662"/>
+            <a:ext cx="8943975" cy="274320"/>
+          </a:xfrm>
+          <a:prstGeom prst="rect">
+            <a:avLst/>
+          </a:prstGeom>
+          <a:noFill/>
+        </p:spPr>
+        <p:txBody>
+          <a:bodyPr wrap="square" lIns="0" rIns="0" tIns="0" bIns="0">
+            <a:spAutoFit/>
+          </a:bodyPr>
+          <a:lstStyle/>
+          <a:p>
+            <a:pPr algn="l">
+              <a:lnSpc>
+                <a:spcPct val="100000"/>
+              </a:lnSpc>
+              <a:spcBef>
+                <a:spcPts val="0"/>
+              </a:spcBef>
+              <a:spcAft>
+                <a:spcPts val="0"/>
+              </a:spcAft>
+            </a:pPr>
+            <a:r>
+              <a:rPr sz="1000">
+                <a:solidFill>
+                  <a:srgbClr val="E0E0E0"/>
+                </a:solidFill>
+                <a:latin typeface="Arial"/>
+              </a:rPr>
+              <a:t>The </a:t>
+            </a:r>
+            <a:r>
+              <a:rPr sz="800">
+                <a:solidFill>
+                  <a:srgbClr val="FFFFFF"/>
+                </a:solidFill>
+                <a:latin typeface="Courier New"/>
+              </a:rPr>
+              <a:t>SlideGenerator</a:t>
+            </a:r>
+            <a:r>
+              <a:rPr sz="1000">
+                <a:solidFill>
+                  <a:srgbClr val="E0E0E0"/>
+                </a:solidFill>
+                <a:latin typeface="Arial"/>
+              </a:rPr>
+              <a:t> class provides a </a:t>
+            </a:r>
+            <a:r>
+              <a:rPr b="1" sz="1000">
+                <a:solidFill>
+                  <a:srgbClr val="E0E0E0"/>
+                </a:solidFill>
+                <a:latin typeface="Arial"/>
+              </a:rPr>
+              <a:t>powerful API</a:t>
+            </a:r>
+            <a:r>
+              <a:rPr sz="1000">
+                <a:solidFill>
+                  <a:srgbClr val="E0E0E0"/>
+                </a:solidFill>
+                <a:latin typeface="Arial"/>
+              </a:rPr>
+              <a:t> for converting </a:t>
+            </a:r>
+            <a:r>
+              <a:rPr i="1" sz="1000">
+                <a:solidFill>
+                  <a:srgbClr val="E0E0E0"/>
+                </a:solidFill>
+                <a:latin typeface="Arial"/>
+              </a:rPr>
+              <a:t>markdown</a:t>
+            </a:r>
+            <a:r>
+              <a:rPr sz="1000">
+                <a:solidFill>
+                  <a:srgbClr val="E0E0E0"/>
+                </a:solidFill>
+                <a:latin typeface="Arial"/>
+              </a:rPr>
+              <a:t> to </a:t>
+            </a:r>
+            <a:r>
+              <a:rPr b="1" sz="1000">
+                <a:solidFill>
+                  <a:srgbClr val="FFCC00"/>
+                </a:solidFill>
+                <a:latin typeface="Arial"/>
+              </a:rPr>
+              <a:t>professional presentations</a:t>
+            </a:r>
+            <a:r>
+              <a:rPr sz="1000">
+                <a:solidFill>
+                  <a:srgbClr val="E0E0E0"/>
+                </a:solidFill>
+                <a:latin typeface="Arial"/>
+              </a:rPr>
+              <a:t> with </a:t>
+            </a:r>
+            <a:r>
+              <a:rPr u="sng" sz="1000">
+                <a:solidFill>
+                  <a:srgbClr val="E0E0E0"/>
+                </a:solidFill>
+                <a:latin typeface="Arial"/>
+              </a:rPr>
+              <a:t>full formatting support</a:t>
+            </a:r>
+            <a:r>
+              <a:rPr sz="1000">
+                <a:solidFill>
+                  <a:srgbClr val="E0E0E0"/>
+                </a:solidFill>
+                <a:latin typeface="Arial"/>
+              </a:rPr>
+              <a:t>.</a:t>
+            </a:r>
+          </a:p>
+        </p:txBody>
+      </p:sp>
+      <p:sp>
+        <p:nvSpPr>
+          <p:cNvPr id="17" name="TextBox 16"/>
+          <p:cNvSpPr txBox="1"/>
+          <p:nvPr/>
+        </p:nvSpPr>
+        <p:spPr>
+          <a:xfrm>
+            <a:off x="200025" y="4395787"/>
+            <a:ext cx="8943975" cy="274320"/>
+          </a:xfrm>
+          <a:prstGeom prst="rect">
+            <a:avLst/>
+          </a:prstGeom>
+          <a:noFill/>
+        </p:spPr>
+        <p:txBody>
+          <a:bodyPr wrap="square" lIns="0" rIns="0" tIns="0" bIns="0">
+            <a:spAutoFit/>
+          </a:bodyPr>
+          <a:lstStyle/>
+          <a:p>
+            <a:pPr algn="l">
+              <a:lnSpc>
+                <a:spcPct val="100000"/>
+              </a:lnSpc>
+              <a:spcBef>
+                <a:spcPts val="0"/>
+              </a:spcBef>
+              <a:spcAft>
+                <a:spcPts val="0"/>
+              </a:spcAft>
+            </a:pPr>
+            <a:r>
+              <a:rPr sz="1000">
+                <a:solidFill>
+                  <a:srgbClr val="E0E0E0"/>
+                </a:solidFill>
+                <a:latin typeface="Arial"/>
+              </a:rPr>
+              <a:t>Call </a:t>
+            </a:r>
+            <a:r>
+              <a:rPr sz="800">
+                <a:solidFill>
+                  <a:srgbClr val="FFFFFF"/>
+                </a:solidFill>
+                <a:latin typeface="Courier New"/>
+              </a:rPr>
+              <a:t>generator.generate(markdown, "output.pptx")</a:t>
+            </a:r>
+            <a:r>
+              <a:rPr sz="1000">
+                <a:solidFill>
+                  <a:srgbClr val="E0E0E0"/>
+                </a:solidFill>
+                <a:latin typeface="Arial"/>
+              </a:rPr>
+              <a:t> where </a:t>
+            </a:r>
+            <a:r>
+              <a:rPr b="1" sz="1000">
+                <a:solidFill>
+                  <a:srgbClr val="E0E0E0"/>
+                </a:solidFill>
+                <a:latin typeface="Arial"/>
+              </a:rPr>
+              <a:t>markdown</a:t>
+            </a:r>
+            <a:r>
+              <a:rPr sz="1000">
+                <a:solidFill>
+                  <a:srgbClr val="E0E0E0"/>
+                </a:solidFill>
+                <a:latin typeface="Arial"/>
+              </a:rPr>
+              <a:t> is your source and </a:t>
+            </a:r>
+            <a:r>
+              <a:rPr b="1" sz="1000">
+                <a:solidFill>
+                  <a:srgbClr val="FFCC00"/>
+                </a:solidFill>
+                <a:latin typeface="Arial"/>
+              </a:rPr>
+              <a:t>output.pptx</a:t>
+            </a:r>
+            <a:r>
+              <a:rPr sz="1000">
+                <a:solidFill>
+                  <a:srgbClr val="E0E0E0"/>
+                </a:solidFill>
+                <a:latin typeface="Arial"/>
+              </a:rPr>
+              <a:t> is the </a:t>
+            </a:r>
+            <a:r>
+              <a:rPr u="sng" sz="1000">
+                <a:solidFill>
+                  <a:srgbClr val="E0E0E0"/>
+                </a:solidFill>
+                <a:latin typeface="Arial"/>
+              </a:rPr>
+              <a:t>final result</a:t>
+            </a:r>
+            <a:r>
+              <a:rPr sz="1000">
+                <a:solidFill>
+                  <a:srgbClr val="E0E0E0"/>
+                </a:solidFill>
+                <a:latin typeface="Arial"/>
+              </a:rPr>
+              <a:t>.</a:t>
+            </a:r>
+          </a:p>
+        </p:txBody>
+      </p:sp>
+    </p:spTree>
+  </p:cSld>
+  <p:clrMapOvr>
+    <a:masterClrMapping/>
+  </p:clrMapOvr>
+</p:sld>
+</file>
+
+<file path=ppt/slides/slide20.xml><?xml version="1.0" encoding="utf-8"?>
 <p:sld xmlns:a="http://schemas.openxmlformats.org/drawingml/2006/main" xmlns:p="http://schemas.openxmlformats.org/presentationml/2006/main" xmlns:r="http://schemas.openxmlformats.org/officeDocument/2006/relationships">
   <p:cSld>
     <p:bg>
@@ -10315,8 +12205,8 @@
         </p:nvSpPr>
         <p:spPr>
           <a:xfrm>
-            <a:off x="228600" y="3438525"/>
-            <a:ext cx="8915400" cy="274320"/>
+            <a:off x="247649" y="3438525"/>
+            <a:ext cx="8896350" cy="274320"/>
           </a:xfrm>
           <a:prstGeom prst="rect">
             <a:avLst/>
@@ -10360,8 +12250,8 @@
         </p:nvSpPr>
         <p:spPr>
           <a:xfrm>
-            <a:off x="228600" y="3705224"/>
-            <a:ext cx="1800225" cy="1628775"/>
+            <a:off x="247649" y="3695699"/>
+            <a:ext cx="1828800" cy="1628775"/>
           </a:xfrm>
           <a:prstGeom prst="rect">
             <a:avLst/>
@@ -10394,8 +12284,8 @@
           <p:nvPr/>
         </p:nvGraphicFramePr>
         <p:xfrm>
-          <a:off x="228600" y="3705224"/>
-          <a:ext cx="1978854" cy="1571625"/>
+          <a:off x="247649" y="3695699"/>
+          <a:ext cx="2001201" cy="1571625"/>
         </p:xfrm>
         <a:graphic>
           <a:graphicData uri="http://schemas.openxmlformats.org/drawingml/2006/table">
@@ -10404,9 +12294,9 @@
                 <a:tableStyleId>{5C22544A-7EE6-4342-B048-85BDC9FD1C3A}</a:tableStyleId>
               </a:tblPr>
               <a:tblGrid>
-                <a:gridCol w="842210"/>
-                <a:gridCol w="504229"/>
-                <a:gridCol w="632415"/>
+                <a:gridCol w="848677"/>
+                <a:gridCol w="513397"/>
+                <a:gridCol w="639127"/>
               </a:tblGrid>
               <a:tr h="314325">
                 <a:tc>
@@ -11345,8 +13235,8 @@
         </p:nvSpPr>
         <p:spPr>
           <a:xfrm>
-            <a:off x="4648200" y="3457575"/>
-            <a:ext cx="4495799" cy="274320"/>
+            <a:off x="4619625" y="3457575"/>
+            <a:ext cx="4524374" cy="274320"/>
           </a:xfrm>
           <a:prstGeom prst="rect">
             <a:avLst/>
@@ -11390,8 +13280,8 @@
         </p:nvSpPr>
         <p:spPr>
           <a:xfrm>
-            <a:off x="4648200" y="3724274"/>
-            <a:ext cx="4495799" cy="342900"/>
+            <a:off x="4619625" y="3714750"/>
+            <a:ext cx="4524374" cy="342900"/>
           </a:xfrm>
           <a:prstGeom prst="rect">
             <a:avLst/>
@@ -11423,1442 +13313,6 @@
                 <a:latin typeface="Arial"/>
               </a:rPr>
               <a:t>All core features are either complete or in progress. Remaining items are performance tuning and UX polish.</a:t>
-            </a:r>
-          </a:p>
-        </p:txBody>
-      </p:sp>
-    </p:spTree>
-  </p:cSld>
-  <p:clrMapOvr>
-    <a:masterClrMapping/>
-  </p:clrMapOvr>
-</p:sld>
-</file>
-
-<file path=ppt/slides/slide2.xml><?xml version="1.0" encoding="utf-8"?>
-<p:sld xmlns:a="http://schemas.openxmlformats.org/drawingml/2006/main" xmlns:p="http://schemas.openxmlformats.org/presentationml/2006/main" xmlns:r="http://schemas.openxmlformats.org/officeDocument/2006/relationships">
-  <p:cSld>
-    <p:bg>
-      <p:bgPr>
-        <a:solidFill>
-          <a:srgbClr val="1A1A1A"/>
-        </a:solidFill>
-        <a:effectLst/>
-      </p:bgPr>
-    </p:bg>
-    <p:spTree>
-      <p:nvGrpSpPr>
-        <p:cNvPr id="1" name=""/>
-        <p:cNvGrpSpPr/>
-        <p:nvPr/>
-      </p:nvGrpSpPr>
-      <p:grpSpPr/>
-      <p:sp>
-        <p:nvSpPr>
-          <p:cNvPr id="2" name="TextBox 1"/>
-          <p:cNvSpPr txBox="1"/>
-          <p:nvPr/>
-        </p:nvSpPr>
-        <p:spPr>
-          <a:xfrm>
-            <a:off x="200025" y="180975"/>
-            <a:ext cx="8943975" cy="361950"/>
-          </a:xfrm>
-          <a:prstGeom prst="rect">
-            <a:avLst/>
-          </a:prstGeom>
-          <a:noFill/>
-        </p:spPr>
-        <p:txBody>
-          <a:bodyPr wrap="square" lIns="0" rIns="0" tIns="0" bIns="0">
-            <a:spAutoFit/>
-          </a:bodyPr>
-          <a:lstStyle/>
-          <a:p>
-            <a:pPr algn="l">
-              <a:lnSpc>
-                <a:spcPct val="100000"/>
-              </a:lnSpc>
-              <a:spcBef>
-                <a:spcPts val="0"/>
-              </a:spcBef>
-              <a:spcAft>
-                <a:spcPts val="0"/>
-              </a:spcAft>
-            </a:pPr>
-            <a:r>
-              <a:rPr sz="1600" b="1">
-                <a:solidFill>
-                  <a:srgbClr val="E0E0E0"/>
-                </a:solidFill>
-                <a:latin typeface="Arial"/>
-              </a:rPr>
-              <a:t>✨ Inline Styling Features</a:t>
-            </a:r>
-          </a:p>
-        </p:txBody>
-      </p:sp>
-      <p:sp>
-        <p:nvSpPr>
-          <p:cNvPr id="3" name="TextBox 2"/>
-          <p:cNvSpPr txBox="1"/>
-          <p:nvPr/>
-        </p:nvSpPr>
-        <p:spPr>
-          <a:xfrm>
-            <a:off x="200025" y="542925"/>
-            <a:ext cx="8943975" cy="304800"/>
-          </a:xfrm>
-          <a:prstGeom prst="rect">
-            <a:avLst/>
-          </a:prstGeom>
-          <a:noFill/>
-        </p:spPr>
-        <p:txBody>
-          <a:bodyPr wrap="square" lIns="0" rIns="0" tIns="0" bIns="0">
-            <a:spAutoFit/>
-          </a:bodyPr>
-          <a:lstStyle/>
-          <a:p>
-            <a:pPr algn="l">
-              <a:lnSpc>
-                <a:spcPct val="100000"/>
-              </a:lnSpc>
-              <a:spcBef>
-                <a:spcPts val="0"/>
-              </a:spcBef>
-              <a:spcAft>
-                <a:spcPts val="0"/>
-              </a:spcAft>
-            </a:pPr>
-            <a:r>
-              <a:rPr sz="1300" b="1">
-                <a:solidFill>
-                  <a:srgbClr val="E0E0E0"/>
-                </a:solidFill>
-                <a:latin typeface="Arial"/>
-              </a:rPr>
-              <a:t>Basic Formatting</a:t>
-            </a:r>
-          </a:p>
-        </p:txBody>
-      </p:sp>
-      <p:sp>
-        <p:nvSpPr>
-          <p:cNvPr id="4" name="TextBox 3"/>
-          <p:cNvSpPr txBox="1"/>
-          <p:nvPr/>
-        </p:nvSpPr>
-        <p:spPr>
-          <a:xfrm>
-            <a:off x="200025" y="847724"/>
-            <a:ext cx="8943975" cy="274320"/>
-          </a:xfrm>
-          <a:prstGeom prst="rect">
-            <a:avLst/>
-          </a:prstGeom>
-          <a:noFill/>
-        </p:spPr>
-        <p:txBody>
-          <a:bodyPr wrap="square" lIns="0" rIns="0" tIns="0" bIns="0">
-            <a:spAutoFit/>
-          </a:bodyPr>
-          <a:lstStyle/>
-          <a:p>
-            <a:pPr algn="l">
-              <a:lnSpc>
-                <a:spcPct val="100000"/>
-              </a:lnSpc>
-              <a:spcBef>
-                <a:spcPts val="0"/>
-              </a:spcBef>
-              <a:spcAft>
-                <a:spcPts val="0"/>
-              </a:spcAft>
-            </a:pPr>
-            <a:r>
-              <a:rPr b="1" sz="1000">
-                <a:solidFill>
-                  <a:srgbClr val="E0E0E0"/>
-                </a:solidFill>
-                <a:latin typeface="Arial"/>
-              </a:rPr>
-              <a:t>Bold text</a:t>
-            </a:r>
-            <a:r>
-              <a:rPr sz="1000">
-                <a:solidFill>
-                  <a:srgbClr val="E0E0E0"/>
-                </a:solidFill>
-                <a:latin typeface="Arial"/>
-              </a:rPr>
-              <a:t> using double asterisks or </a:t>
-            </a:r>
-            <a:r>
-              <a:rPr b="1" sz="1000">
-                <a:solidFill>
-                  <a:srgbClr val="E0E0E0"/>
-                </a:solidFill>
-                <a:latin typeface="Arial"/>
-              </a:rPr>
-              <a:t>double underscores</a:t>
-            </a:r>
-            <a:r>
-              <a:rPr sz="1000">
-                <a:solidFill>
-                  <a:srgbClr val="E0E0E0"/>
-                </a:solidFill>
-                <a:latin typeface="Arial"/>
-              </a:rPr>
-              <a:t>.</a:t>
-            </a:r>
-          </a:p>
-        </p:txBody>
-      </p:sp>
-      <p:sp>
-        <p:nvSpPr>
-          <p:cNvPr id="5" name="TextBox 4"/>
-          <p:cNvSpPr txBox="1"/>
-          <p:nvPr/>
-        </p:nvSpPr>
-        <p:spPr>
-          <a:xfrm>
-            <a:off x="200025" y="1076325"/>
-            <a:ext cx="8943975" cy="274320"/>
-          </a:xfrm>
-          <a:prstGeom prst="rect">
-            <a:avLst/>
-          </a:prstGeom>
-          <a:noFill/>
-        </p:spPr>
-        <p:txBody>
-          <a:bodyPr wrap="square" lIns="0" rIns="0" tIns="0" bIns="0">
-            <a:spAutoFit/>
-          </a:bodyPr>
-          <a:lstStyle/>
-          <a:p>
-            <a:pPr algn="l">
-              <a:lnSpc>
-                <a:spcPct val="100000"/>
-              </a:lnSpc>
-              <a:spcBef>
-                <a:spcPts val="0"/>
-              </a:spcBef>
-              <a:spcAft>
-                <a:spcPts val="0"/>
-              </a:spcAft>
-            </a:pPr>
-            <a:r>
-              <a:rPr i="1" sz="1000">
-                <a:solidFill>
-                  <a:srgbClr val="E0E0E0"/>
-                </a:solidFill>
-                <a:latin typeface="Arial"/>
-              </a:rPr>
-              <a:t>Italic text</a:t>
-            </a:r>
-            <a:r>
-              <a:rPr sz="1000">
-                <a:solidFill>
-                  <a:srgbClr val="E0E0E0"/>
-                </a:solidFill>
-                <a:latin typeface="Arial"/>
-              </a:rPr>
-              <a:t> using single asterisks or </a:t>
-            </a:r>
-            <a:r>
-              <a:rPr i="1" sz="1000">
-                <a:solidFill>
-                  <a:srgbClr val="E0E0E0"/>
-                </a:solidFill>
-                <a:latin typeface="Arial"/>
-              </a:rPr>
-              <a:t>single underscores</a:t>
-            </a:r>
-            <a:r>
-              <a:rPr sz="1000">
-                <a:solidFill>
-                  <a:srgbClr val="E0E0E0"/>
-                </a:solidFill>
-                <a:latin typeface="Arial"/>
-              </a:rPr>
-              <a:t>.</a:t>
-            </a:r>
-          </a:p>
-        </p:txBody>
-      </p:sp>
-      <p:sp>
-        <p:nvSpPr>
-          <p:cNvPr id="6" name="TextBox 5"/>
-          <p:cNvSpPr txBox="1"/>
-          <p:nvPr/>
-        </p:nvSpPr>
-        <p:spPr>
-          <a:xfrm>
-            <a:off x="200025" y="1304925"/>
-            <a:ext cx="8943975" cy="274320"/>
-          </a:xfrm>
-          <a:prstGeom prst="rect">
-            <a:avLst/>
-          </a:prstGeom>
-          <a:noFill/>
-        </p:spPr>
-        <p:txBody>
-          <a:bodyPr wrap="square" lIns="0" rIns="0" tIns="0" bIns="0">
-            <a:spAutoFit/>
-          </a:bodyPr>
-          <a:lstStyle/>
-          <a:p>
-            <a:pPr algn="l">
-              <a:lnSpc>
-                <a:spcPct val="100000"/>
-              </a:lnSpc>
-              <a:spcBef>
-                <a:spcPts val="0"/>
-              </a:spcBef>
-              <a:spcAft>
-                <a:spcPts val="0"/>
-              </a:spcAft>
-            </a:pPr>
-            <a:r>
-              <a:rPr sz="800">
-                <a:solidFill>
-                  <a:srgbClr val="FFFFFF"/>
-                </a:solidFill>
-                <a:latin typeface="Courier New"/>
-              </a:rPr>
-              <a:t>Inline code</a:t>
-            </a:r>
-            <a:r>
-              <a:rPr sz="1000">
-                <a:solidFill>
-                  <a:srgbClr val="E0E0E0"/>
-                </a:solidFill>
-                <a:latin typeface="Arial"/>
-              </a:rPr>
-              <a:t> using backticks for technical terms like </a:t>
-            </a:r>
-            <a:r>
-              <a:rPr sz="800">
-                <a:solidFill>
-                  <a:srgbClr val="FFFFFF"/>
-                </a:solidFill>
-                <a:latin typeface="Courier New"/>
-              </a:rPr>
-              <a:t>SlideGenerator.generate()</a:t>
-            </a:r>
-            <a:r>
-              <a:rPr sz="1000">
-                <a:solidFill>
-                  <a:srgbClr val="E0E0E0"/>
-                </a:solidFill>
-                <a:latin typeface="Arial"/>
-              </a:rPr>
-              <a:t>.</a:t>
-            </a:r>
-          </a:p>
-        </p:txBody>
-      </p:sp>
-      <p:sp>
-        <p:nvSpPr>
-          <p:cNvPr id="7" name="TextBox 6"/>
-          <p:cNvSpPr txBox="1"/>
-          <p:nvPr/>
-        </p:nvSpPr>
-        <p:spPr>
-          <a:xfrm>
-            <a:off x="200025" y="1543050"/>
-            <a:ext cx="8943975" cy="274320"/>
-          </a:xfrm>
-          <a:prstGeom prst="rect">
-            <a:avLst/>
-          </a:prstGeom>
-          <a:noFill/>
-        </p:spPr>
-        <p:txBody>
-          <a:bodyPr wrap="square" lIns="0" rIns="0" tIns="0" bIns="0">
-            <a:spAutoFit/>
-          </a:bodyPr>
-          <a:lstStyle/>
-          <a:p>
-            <a:pPr algn="l">
-              <a:lnSpc>
-                <a:spcPct val="100000"/>
-              </a:lnSpc>
-              <a:spcBef>
-                <a:spcPts val="0"/>
-              </a:spcBef>
-              <a:spcAft>
-                <a:spcPts val="0"/>
-              </a:spcAft>
-            </a:pPr>
-            <a:r>
-              <a:rPr b="1" sz="1000">
-                <a:solidFill>
-                  <a:srgbClr val="FFCC00"/>
-                </a:solidFill>
-                <a:latin typeface="Arial"/>
-              </a:rPr>
-              <a:t>Highlighted text</a:t>
-            </a:r>
-            <a:r>
-              <a:rPr sz="1000">
-                <a:solidFill>
-                  <a:srgbClr val="E0E0E0"/>
-                </a:solidFill>
-                <a:latin typeface="Arial"/>
-              </a:rPr>
-              <a:t> using double equals for </a:t>
-            </a:r>
-            <a:r>
-              <a:rPr b="1" sz="1000">
-                <a:solidFill>
-                  <a:srgbClr val="FFCC00"/>
-                </a:solidFill>
-                <a:latin typeface="Arial"/>
-              </a:rPr>
-              <a:t>important information</a:t>
-            </a:r>
-            <a:r>
-              <a:rPr sz="1000">
-                <a:solidFill>
-                  <a:srgbClr val="E0E0E0"/>
-                </a:solidFill>
-                <a:latin typeface="Arial"/>
-              </a:rPr>
-              <a:t>.</a:t>
-            </a:r>
-          </a:p>
-        </p:txBody>
-      </p:sp>
-      <p:sp>
-        <p:nvSpPr>
-          <p:cNvPr id="8" name="TextBox 7"/>
-          <p:cNvSpPr txBox="1"/>
-          <p:nvPr/>
-        </p:nvSpPr>
-        <p:spPr>
-          <a:xfrm>
-            <a:off x="200025" y="1771650"/>
-            <a:ext cx="8943975" cy="274320"/>
-          </a:xfrm>
-          <a:prstGeom prst="rect">
-            <a:avLst/>
-          </a:prstGeom>
-          <a:noFill/>
-        </p:spPr>
-        <p:txBody>
-          <a:bodyPr wrap="square" lIns="0" rIns="0" tIns="0" bIns="0">
-            <a:spAutoFit/>
-          </a:bodyPr>
-          <a:lstStyle/>
-          <a:p>
-            <a:pPr algn="l">
-              <a:lnSpc>
-                <a:spcPct val="100000"/>
-              </a:lnSpc>
-              <a:spcBef>
-                <a:spcPts val="0"/>
-              </a:spcBef>
-              <a:spcAft>
-                <a:spcPts val="0"/>
-              </a:spcAft>
-            </a:pPr>
-            <a:r>
-              <a:rPr u="sng" sz="1000">
-                <a:solidFill>
-                  <a:srgbClr val="E0E0E0"/>
-                </a:solidFill>
-                <a:latin typeface="Arial"/>
-              </a:rPr>
-              <a:t>Underlined text</a:t>
-            </a:r>
-            <a:r>
-              <a:rPr sz="1000">
-                <a:solidFill>
-                  <a:srgbClr val="E0E0E0"/>
-                </a:solidFill>
-                <a:latin typeface="Arial"/>
-              </a:rPr>
-              <a:t> using double plus signs for </a:t>
-            </a:r>
-            <a:r>
-              <a:rPr u="sng" sz="1000">
-                <a:solidFill>
-                  <a:srgbClr val="E0E0E0"/>
-                </a:solidFill>
-                <a:latin typeface="Arial"/>
-              </a:rPr>
-              <a:t>emphasis or citations</a:t>
-            </a:r>
-            <a:r>
-              <a:rPr sz="1000">
-                <a:solidFill>
-                  <a:srgbClr val="E0E0E0"/>
-                </a:solidFill>
-                <a:latin typeface="Arial"/>
-              </a:rPr>
-              <a:t>.</a:t>
-            </a:r>
-          </a:p>
-        </p:txBody>
-      </p:sp>
-      <p:sp>
-        <p:nvSpPr>
-          <p:cNvPr id="9" name="TextBox 8"/>
-          <p:cNvSpPr txBox="1"/>
-          <p:nvPr/>
-        </p:nvSpPr>
-        <p:spPr>
-          <a:xfrm>
-            <a:off x="200025" y="2000250"/>
-            <a:ext cx="8943975" cy="274320"/>
-          </a:xfrm>
-          <a:prstGeom prst="rect">
-            <a:avLst/>
-          </a:prstGeom>
-          <a:noFill/>
-        </p:spPr>
-        <p:txBody>
-          <a:bodyPr wrap="square" lIns="0" rIns="0" tIns="0" bIns="0">
-            <a:spAutoFit/>
-          </a:bodyPr>
-          <a:lstStyle/>
-          <a:p>
-            <a:pPr algn="l">
-              <a:lnSpc>
-                <a:spcPct val="100000"/>
-              </a:lnSpc>
-              <a:spcBef>
-                <a:spcPts val="0"/>
-              </a:spcBef>
-              <a:spcAft>
-                <a:spcPts val="0"/>
-              </a:spcAft>
-            </a:pPr>
-            <a:r>
-              <a:rPr strike="sngStrike" sz="1000">
-                <a:solidFill>
-                  <a:srgbClr val="E0E0E0"/>
-                </a:solidFill>
-                <a:latin typeface="Arial"/>
-              </a:rPr>
-              <a:t>strikethrough text</a:t>
-            </a:r>
-            <a:r>
-              <a:rPr sz="1000">
-                <a:solidFill>
-                  <a:srgbClr val="E0E0E0"/>
-                </a:solidFill>
-                <a:latin typeface="Arial"/>
-              </a:rPr>
-              <a:t> using double tilde for </a:t>
-            </a:r>
-            <a:r>
-              <a:rPr strike="sngStrike" sz="1000">
-                <a:solidFill>
-                  <a:srgbClr val="E0E0E0"/>
-                </a:solidFill>
-                <a:latin typeface="Arial"/>
-              </a:rPr>
-              <a:t>deleted text</a:t>
-            </a:r>
-            <a:r>
-              <a:rPr sz="1000">
-                <a:solidFill>
-                  <a:srgbClr val="E0E0E0"/>
-                </a:solidFill>
-                <a:latin typeface="Arial"/>
-              </a:rPr>
-              <a:t>.</a:t>
-            </a:r>
-          </a:p>
-        </p:txBody>
-      </p:sp>
-      <p:sp>
-        <p:nvSpPr>
-          <p:cNvPr id="10" name="TextBox 9"/>
-          <p:cNvSpPr txBox="1"/>
-          <p:nvPr/>
-        </p:nvSpPr>
-        <p:spPr>
-          <a:xfrm>
-            <a:off x="200025" y="2228850"/>
-            <a:ext cx="8943975" cy="274320"/>
-          </a:xfrm>
-          <a:prstGeom prst="rect">
-            <a:avLst/>
-          </a:prstGeom>
-          <a:noFill/>
-        </p:spPr>
-        <p:txBody>
-          <a:bodyPr wrap="square" lIns="0" rIns="0" tIns="0" bIns="0">
-            <a:spAutoFit/>
-          </a:bodyPr>
-          <a:lstStyle/>
-          <a:p>
-            <a:pPr algn="l">
-              <a:lnSpc>
-                <a:spcPct val="100000"/>
-              </a:lnSpc>
-              <a:spcBef>
-                <a:spcPts val="0"/>
-              </a:spcBef>
-              <a:spcAft>
-                <a:spcPts val="0"/>
-              </a:spcAft>
-            </a:pPr>
-            <a:r>
-              <a:rPr u="wavy" sz="1000">
-                <a:solidFill>
-                  <a:srgbClr val="E0E0E0"/>
-                </a:solidFill>
-                <a:latin typeface="Arial"/>
-              </a:rPr>
-              <a:t>wavy underlined text</a:t>
-            </a:r>
-            <a:r>
-              <a:rPr sz="1000">
-                <a:solidFill>
-                  <a:srgbClr val="E0E0E0"/>
-                </a:solidFill>
-                <a:latin typeface="Arial"/>
-              </a:rPr>
-              <a:t> using double caret for </a:t>
-            </a:r>
-            <a:r>
-              <a:rPr u="wavy" sz="1000">
-                <a:solidFill>
-                  <a:srgbClr val="E0E0E0"/>
-                </a:solidFill>
-                <a:latin typeface="Arial"/>
-              </a:rPr>
-              <a:t>emphasized information</a:t>
-            </a:r>
-            <a:r>
-              <a:rPr sz="1000">
-                <a:solidFill>
-                  <a:srgbClr val="E0E0E0"/>
-                </a:solidFill>
-                <a:latin typeface="Arial"/>
-              </a:rPr>
-              <a:t>.</a:t>
-            </a:r>
-          </a:p>
-        </p:txBody>
-      </p:sp>
-      <p:sp>
-        <p:nvSpPr>
-          <p:cNvPr id="11" name="TextBox 10"/>
-          <p:cNvSpPr txBox="1"/>
-          <p:nvPr/>
-        </p:nvSpPr>
-        <p:spPr>
-          <a:xfrm>
-            <a:off x="200025" y="2457450"/>
-            <a:ext cx="8943975" cy="274320"/>
-          </a:xfrm>
-          <a:prstGeom prst="rect">
-            <a:avLst/>
-          </a:prstGeom>
-          <a:noFill/>
-        </p:spPr>
-        <p:txBody>
-          <a:bodyPr wrap="square" lIns="0" rIns="0" tIns="0" bIns="0">
-            <a:spAutoFit/>
-          </a:bodyPr>
-          <a:lstStyle/>
-          <a:p>
-            <a:pPr algn="l">
-              <a:lnSpc>
-                <a:spcPct val="100000"/>
-              </a:lnSpc>
-              <a:spcBef>
-                <a:spcPts val="0"/>
-              </a:spcBef>
-              <a:spcAft>
-                <a:spcPts val="0"/>
-              </a:spcAft>
-            </a:pPr>
-            <a:r>
-              <a:rPr sz="1000">
-                <a:solidFill>
-                  <a:srgbClr val="E0E0E0"/>
-                </a:solidFill>
-                <a:latin typeface="Arial"/>
-              </a:rPr>
-              <a:t>A sentence with a </a:t>
-            </a:r>
-            <a:r>
-              <a:rPr u="sng" sz="1000">
-                <a:solidFill>
-                  <a:srgbClr val="0066CC"/>
-                </a:solidFill>
-                <a:latin typeface="Arial"/>
-                <a:hlinkClick r:id="rId2"/>
-              </a:rPr>
-              <a:t>Google</a:t>
-            </a:r>
-            <a:r>
-              <a:rPr sz="1000">
-                <a:solidFill>
-                  <a:srgbClr val="E0E0E0"/>
-                </a:solidFill>
-                <a:latin typeface="Arial"/>
-              </a:rPr>
-              <a:t> hyperlink embedded.</a:t>
-            </a:r>
-          </a:p>
-        </p:txBody>
-      </p:sp>
-      <p:sp>
-        <p:nvSpPr>
-          <p:cNvPr id="12" name="TextBox 11"/>
-          <p:cNvSpPr txBox="1"/>
-          <p:nvPr/>
-        </p:nvSpPr>
-        <p:spPr>
-          <a:xfrm>
-            <a:off x="200025" y="2686050"/>
-            <a:ext cx="8943975" cy="274320"/>
-          </a:xfrm>
-          <a:prstGeom prst="rect">
-            <a:avLst/>
-          </a:prstGeom>
-          <a:noFill/>
-        </p:spPr>
-        <p:txBody>
-          <a:bodyPr wrap="square" lIns="0" rIns="0" tIns="0" bIns="0">
-            <a:spAutoFit/>
-          </a:bodyPr>
-          <a:lstStyle/>
-          <a:p>
-            <a:pPr algn="l">
-              <a:lnSpc>
-                <a:spcPct val="100000"/>
-              </a:lnSpc>
-              <a:spcBef>
-                <a:spcPts val="0"/>
-              </a:spcBef>
-              <a:spcAft>
-                <a:spcPts val="0"/>
-              </a:spcAft>
-            </a:pPr>
-            <a:r>
-              <a:rPr sz="1000">
-                <a:solidFill>
-                  <a:srgbClr val="FF0000"/>
-                </a:solidFill>
-                <a:latin typeface="Arial"/>
-              </a:rPr>
-              <a:t>Colorful text</a:t>
-            </a:r>
-            <a:r>
-              <a:rPr sz="1000">
-                <a:solidFill>
-                  <a:srgbClr val="E0E0E0"/>
-                </a:solidFill>
-                <a:latin typeface="Arial"/>
-              </a:rPr>
-              <a:t> demonstrates inline color customization.</a:t>
-            </a:r>
-          </a:p>
-        </p:txBody>
-      </p:sp>
-      <p:sp>
-        <p:nvSpPr>
-          <p:cNvPr id="13" name="TextBox 12"/>
-          <p:cNvSpPr txBox="1"/>
-          <p:nvPr/>
-        </p:nvSpPr>
-        <p:spPr>
-          <a:xfrm>
-            <a:off x="200025" y="2819399"/>
-            <a:ext cx="8943975" cy="304800"/>
-          </a:xfrm>
-          <a:prstGeom prst="rect">
-            <a:avLst/>
-          </a:prstGeom>
-          <a:noFill/>
-        </p:spPr>
-        <p:txBody>
-          <a:bodyPr wrap="square" lIns="0" rIns="0" tIns="0" bIns="0">
-            <a:spAutoFit/>
-          </a:bodyPr>
-          <a:lstStyle/>
-          <a:p>
-            <a:pPr algn="l">
-              <a:lnSpc>
-                <a:spcPct val="100000"/>
-              </a:lnSpc>
-              <a:spcBef>
-                <a:spcPts val="0"/>
-              </a:spcBef>
-              <a:spcAft>
-                <a:spcPts val="0"/>
-              </a:spcAft>
-            </a:pPr>
-            <a:r>
-              <a:rPr sz="1300" b="1">
-                <a:solidFill>
-                  <a:srgbClr val="E0E0E0"/>
-                </a:solidFill>
-                <a:latin typeface="Arial"/>
-              </a:rPr>
-              <a:t>Advanced Combinations</a:t>
-            </a:r>
-          </a:p>
-        </p:txBody>
-      </p:sp>
-      <p:sp>
-        <p:nvSpPr>
-          <p:cNvPr id="14" name="TextBox 13"/>
-          <p:cNvSpPr txBox="1"/>
-          <p:nvPr/>
-        </p:nvSpPr>
-        <p:spPr>
-          <a:xfrm>
-            <a:off x="200025" y="3133724"/>
-            <a:ext cx="8943975" cy="823912"/>
-          </a:xfrm>
-          <a:prstGeom prst="rect">
-            <a:avLst/>
-          </a:prstGeom>
-          <a:noFill/>
-        </p:spPr>
-        <p:txBody>
-          <a:bodyPr wrap="square" lIns="0" rIns="0" tIns="0" bIns="0">
-            <a:spAutoFit/>
-          </a:bodyPr>
-          <a:lstStyle/>
-          <a:p>
-            <a:pPr algn="l">
-              <a:spcBef>
-                <a:spcPts val="0"/>
-              </a:spcBef>
-              <a:spcAft>
-                <a:spcPts val="0"/>
-              </a:spcAft>
-            </a:pPr>
-            <a:r>
-              <a:rPr sz="1000">
-                <a:solidFill>
-                  <a:srgbClr val="E0E0E0"/>
-                </a:solidFill>
-                <a:latin typeface="Arial"/>
-              </a:rPr>
-              <a:t>• </a:t>
-            </a:r>
-            <a:r>
-              <a:rPr b="1" sz="1000">
-                <a:solidFill>
-                  <a:srgbClr val="E0E0E0"/>
-                </a:solidFill>
-                <a:latin typeface="Arial"/>
-              </a:rPr>
-              <a:t>Bold with </a:t>
-            </a:r>
-            <a:r>
-              <a:rPr b="1" i="1" sz="1000">
-                <a:solidFill>
-                  <a:srgbClr val="E0E0E0"/>
-                </a:solidFill>
-                <a:latin typeface="Arial"/>
-              </a:rPr>
-              <a:t>italic inside</a:t>
-            </a:r>
-            <a:r>
-              <a:rPr b="1" sz="1000">
-                <a:solidFill>
-                  <a:srgbClr val="E0E0E0"/>
-                </a:solidFill>
-                <a:latin typeface="Arial"/>
-              </a:rPr>
-              <a:t> for emphasis</a:t>
-            </a:r>
-          </a:p>
-          <a:p>
-            <a:pPr algn="l"/>
-            <a:r>
-              <a:rPr sz="1000">
-                <a:solidFill>
-                  <a:srgbClr val="E0E0E0"/>
-                </a:solidFill>
-                <a:latin typeface="Arial"/>
-              </a:rPr>
-              <a:t>• </a:t>
-            </a:r>
-            <a:r>
-              <a:rPr i="1" sz="1000">
-                <a:solidFill>
-                  <a:srgbClr val="E0E0E0"/>
-                </a:solidFill>
-                <a:latin typeface="Arial"/>
-              </a:rPr>
-              <a:t>Italic with </a:t>
-            </a:r>
-            <a:r>
-              <a:rPr i="1" b="1" sz="1000">
-                <a:solidFill>
-                  <a:srgbClr val="E0E0E0"/>
-                </a:solidFill>
-                <a:latin typeface="Arial"/>
-              </a:rPr>
-              <a:t>bold inside</a:t>
-            </a:r>
-            <a:r>
-              <a:rPr i="1" sz="1000">
-                <a:solidFill>
-                  <a:srgbClr val="E0E0E0"/>
-                </a:solidFill>
-                <a:latin typeface="Arial"/>
-              </a:rPr>
-              <a:t> for variety</a:t>
-            </a:r>
-          </a:p>
-          <a:p>
-            <a:pPr algn="l"/>
-            <a:r>
-              <a:rPr sz="1000">
-                <a:solidFill>
-                  <a:srgbClr val="E0E0E0"/>
-                </a:solidFill>
-                <a:latin typeface="Arial"/>
-              </a:rPr>
-              <a:t>• </a:t>
-            </a:r>
-            <a:r>
-              <a:rPr b="1" sz="1000">
-                <a:solidFill>
-                  <a:srgbClr val="FFCC00"/>
-                </a:solidFill>
-                <a:latin typeface="Arial"/>
-              </a:rPr>
-              <a:t>Highlighted with </a:t>
-            </a:r>
-            <a:r>
-              <a:rPr b="1" sz="1000">
-                <a:solidFill>
-                  <a:srgbClr val="FFCC00"/>
-                </a:solidFill>
-                <a:latin typeface="Arial"/>
-              </a:rPr>
-              <a:t>bold inside</a:t>
-            </a:r>
-            <a:r>
-              <a:rPr b="1" sz="1000">
-                <a:solidFill>
-                  <a:srgbClr val="FFCC00"/>
-                </a:solidFill>
-                <a:latin typeface="Arial"/>
-              </a:rPr>
-              <a:t> for attention</a:t>
-            </a:r>
-          </a:p>
-          <a:p>
-            <a:pPr algn="l"/>
-            <a:r>
-              <a:rPr sz="1000">
-                <a:solidFill>
-                  <a:srgbClr val="E0E0E0"/>
-                </a:solidFill>
-                <a:latin typeface="Arial"/>
-              </a:rPr>
-              <a:t>• </a:t>
-            </a:r>
-            <a:r>
-              <a:rPr sz="1000">
-                <a:solidFill>
-                  <a:srgbClr val="E0E0E0"/>
-                </a:solidFill>
-                <a:latin typeface="Arial"/>
-              </a:rPr>
-              <a:t>Underlined with </a:t>
-            </a:r>
-            <a:r>
-              <a:rPr b="1" sz="1000">
-                <a:solidFill>
-                  <a:srgbClr val="E0E0E0"/>
-                </a:solidFill>
-                <a:latin typeface="Arial"/>
-              </a:rPr>
-              <a:t>bold inside</a:t>
-            </a:r>
-            <a:r>
-              <a:rPr sz="1000">
-                <a:solidFill>
-                  <a:srgbClr val="E0E0E0"/>
-                </a:solidFill>
-                <a:latin typeface="Arial"/>
-              </a:rPr>
-              <a:t> for citations</a:t>
-            </a:r>
-          </a:p>
-          <a:p>
-            <a:pPr algn="l"/>
-            <a:r>
-              <a:rPr sz="1000">
-                <a:solidFill>
-                  <a:srgbClr val="E0E0E0"/>
-                </a:solidFill>
-                <a:latin typeface="Arial"/>
-              </a:rPr>
-              <a:t>• </a:t>
-            </a:r>
-            <a:r>
-              <a:rPr sz="800">
-                <a:solidFill>
-                  <a:srgbClr val="FFFFFF"/>
-                </a:solidFill>
-                <a:latin typeface="Courier New"/>
-              </a:rPr>
-              <a:t>Code with formatting</a:t>
-            </a:r>
-            <a:r>
-              <a:rPr sz="1000">
-                <a:solidFill>
-                  <a:srgbClr val="E0E0E0"/>
-                </a:solidFill>
-                <a:latin typeface="Arial"/>
-              </a:rPr>
-              <a:t> (note: formatting preserved where possible)</a:t>
-            </a:r>
-          </a:p>
-        </p:txBody>
-      </p:sp>
-      <p:sp>
-        <p:nvSpPr>
-          <p:cNvPr id="15" name="TextBox 14"/>
-          <p:cNvSpPr txBox="1"/>
-          <p:nvPr/>
-        </p:nvSpPr>
-        <p:spPr>
-          <a:xfrm>
-            <a:off x="200025" y="3862387"/>
-            <a:ext cx="8943975" cy="304800"/>
-          </a:xfrm>
-          <a:prstGeom prst="rect">
-            <a:avLst/>
-          </a:prstGeom>
-          <a:noFill/>
-        </p:spPr>
-        <p:txBody>
-          <a:bodyPr wrap="square" lIns="0" rIns="0" tIns="0" bIns="0">
-            <a:spAutoFit/>
-          </a:bodyPr>
-          <a:lstStyle/>
-          <a:p>
-            <a:pPr algn="l">
-              <a:lnSpc>
-                <a:spcPct val="100000"/>
-              </a:lnSpc>
-              <a:spcBef>
-                <a:spcPts val="0"/>
-              </a:spcBef>
-              <a:spcAft>
-                <a:spcPts val="0"/>
-              </a:spcAft>
-            </a:pPr>
-            <a:r>
-              <a:rPr sz="1300" b="1">
-                <a:solidFill>
-                  <a:srgbClr val="E0E0E0"/>
-                </a:solidFill>
-                <a:latin typeface="Arial"/>
-              </a:rPr>
-              <a:t>Real-World Examples</a:t>
-            </a:r>
-          </a:p>
-        </p:txBody>
-      </p:sp>
-      <p:sp>
-        <p:nvSpPr>
-          <p:cNvPr id="16" name="TextBox 15"/>
-          <p:cNvSpPr txBox="1"/>
-          <p:nvPr/>
-        </p:nvSpPr>
-        <p:spPr>
-          <a:xfrm>
-            <a:off x="200025" y="4167187"/>
-            <a:ext cx="8943975" cy="274320"/>
-          </a:xfrm>
-          <a:prstGeom prst="rect">
-            <a:avLst/>
-          </a:prstGeom>
-          <a:noFill/>
-        </p:spPr>
-        <p:txBody>
-          <a:bodyPr wrap="square" lIns="0" rIns="0" tIns="0" bIns="0">
-            <a:spAutoFit/>
-          </a:bodyPr>
-          <a:lstStyle/>
-          <a:p>
-            <a:pPr algn="l">
-              <a:lnSpc>
-                <a:spcPct val="100000"/>
-              </a:lnSpc>
-              <a:spcBef>
-                <a:spcPts val="0"/>
-              </a:spcBef>
-              <a:spcAft>
-                <a:spcPts val="0"/>
-              </a:spcAft>
-            </a:pPr>
-            <a:r>
-              <a:rPr sz="1000">
-                <a:solidFill>
-                  <a:srgbClr val="E0E0E0"/>
-                </a:solidFill>
-                <a:latin typeface="Arial"/>
-              </a:rPr>
-              <a:t>The </a:t>
-            </a:r>
-            <a:r>
-              <a:rPr sz="800">
-                <a:solidFill>
-                  <a:srgbClr val="FFFFFF"/>
-                </a:solidFill>
-                <a:latin typeface="Courier New"/>
-              </a:rPr>
-              <a:t>SlideGenerator</a:t>
-            </a:r>
-            <a:r>
-              <a:rPr sz="1000">
-                <a:solidFill>
-                  <a:srgbClr val="E0E0E0"/>
-                </a:solidFill>
-                <a:latin typeface="Arial"/>
-              </a:rPr>
-              <a:t> class provides a </a:t>
-            </a:r>
-            <a:r>
-              <a:rPr b="1" sz="1000">
-                <a:solidFill>
-                  <a:srgbClr val="E0E0E0"/>
-                </a:solidFill>
-                <a:latin typeface="Arial"/>
-              </a:rPr>
-              <a:t>powerful API</a:t>
-            </a:r>
-            <a:r>
-              <a:rPr sz="1000">
-                <a:solidFill>
-                  <a:srgbClr val="E0E0E0"/>
-                </a:solidFill>
-                <a:latin typeface="Arial"/>
-              </a:rPr>
-              <a:t> for converting </a:t>
-            </a:r>
-            <a:r>
-              <a:rPr i="1" sz="1000">
-                <a:solidFill>
-                  <a:srgbClr val="E0E0E0"/>
-                </a:solidFill>
-                <a:latin typeface="Arial"/>
-              </a:rPr>
-              <a:t>markdown</a:t>
-            </a:r>
-            <a:r>
-              <a:rPr sz="1000">
-                <a:solidFill>
-                  <a:srgbClr val="E0E0E0"/>
-                </a:solidFill>
-                <a:latin typeface="Arial"/>
-              </a:rPr>
-              <a:t> to </a:t>
-            </a:r>
-            <a:r>
-              <a:rPr b="1" sz="1000">
-                <a:solidFill>
-                  <a:srgbClr val="FFCC00"/>
-                </a:solidFill>
-                <a:latin typeface="Arial"/>
-              </a:rPr>
-              <a:t>professional presentations</a:t>
-            </a:r>
-            <a:r>
-              <a:rPr sz="1000">
-                <a:solidFill>
-                  <a:srgbClr val="E0E0E0"/>
-                </a:solidFill>
-                <a:latin typeface="Arial"/>
-              </a:rPr>
-              <a:t> with </a:t>
-            </a:r>
-            <a:r>
-              <a:rPr u="sng" sz="1000">
-                <a:solidFill>
-                  <a:srgbClr val="E0E0E0"/>
-                </a:solidFill>
-                <a:latin typeface="Arial"/>
-              </a:rPr>
-              <a:t>full formatting support</a:t>
-            </a:r>
-            <a:r>
-              <a:rPr sz="1000">
-                <a:solidFill>
-                  <a:srgbClr val="E0E0E0"/>
-                </a:solidFill>
-                <a:latin typeface="Arial"/>
-              </a:rPr>
-              <a:t>.</a:t>
-            </a:r>
-          </a:p>
-        </p:txBody>
-      </p:sp>
-      <p:sp>
-        <p:nvSpPr>
-          <p:cNvPr id="17" name="TextBox 16"/>
-          <p:cNvSpPr txBox="1"/>
-          <p:nvPr/>
-        </p:nvSpPr>
-        <p:spPr>
-          <a:xfrm>
-            <a:off x="200025" y="4405312"/>
-            <a:ext cx="8943975" cy="274320"/>
-          </a:xfrm>
-          <a:prstGeom prst="rect">
-            <a:avLst/>
-          </a:prstGeom>
-          <a:noFill/>
-        </p:spPr>
-        <p:txBody>
-          <a:bodyPr wrap="square" lIns="0" rIns="0" tIns="0" bIns="0">
-            <a:spAutoFit/>
-          </a:bodyPr>
-          <a:lstStyle/>
-          <a:p>
-            <a:pPr algn="l">
-              <a:lnSpc>
-                <a:spcPct val="100000"/>
-              </a:lnSpc>
-              <a:spcBef>
-                <a:spcPts val="0"/>
-              </a:spcBef>
-              <a:spcAft>
-                <a:spcPts val="0"/>
-              </a:spcAft>
-            </a:pPr>
-            <a:r>
-              <a:rPr sz="1000">
-                <a:solidFill>
-                  <a:srgbClr val="E0E0E0"/>
-                </a:solidFill>
-                <a:latin typeface="Arial"/>
-              </a:rPr>
-              <a:t>Call </a:t>
-            </a:r>
-            <a:r>
-              <a:rPr sz="800">
-                <a:solidFill>
-                  <a:srgbClr val="FFFFFF"/>
-                </a:solidFill>
-                <a:latin typeface="Courier New"/>
-              </a:rPr>
-              <a:t>generator.generate(markdown, "output.pptx")</a:t>
-            </a:r>
-            <a:r>
-              <a:rPr sz="1000">
-                <a:solidFill>
-                  <a:srgbClr val="E0E0E0"/>
-                </a:solidFill>
-                <a:latin typeface="Arial"/>
-              </a:rPr>
-              <a:t> where </a:t>
-            </a:r>
-            <a:r>
-              <a:rPr b="1" sz="1000">
-                <a:solidFill>
-                  <a:srgbClr val="E0E0E0"/>
-                </a:solidFill>
-                <a:latin typeface="Arial"/>
-              </a:rPr>
-              <a:t>markdown</a:t>
-            </a:r>
-            <a:r>
-              <a:rPr sz="1000">
-                <a:solidFill>
-                  <a:srgbClr val="E0E0E0"/>
-                </a:solidFill>
-                <a:latin typeface="Arial"/>
-              </a:rPr>
-              <a:t> is your source and </a:t>
-            </a:r>
-            <a:r>
-              <a:rPr b="1" sz="1000">
-                <a:solidFill>
-                  <a:srgbClr val="FFCC00"/>
-                </a:solidFill>
-                <a:latin typeface="Arial"/>
-              </a:rPr>
-              <a:t>output.pptx</a:t>
-            </a:r>
-            <a:r>
-              <a:rPr sz="1000">
-                <a:solidFill>
-                  <a:srgbClr val="E0E0E0"/>
-                </a:solidFill>
-                <a:latin typeface="Arial"/>
-              </a:rPr>
-              <a:t> is the </a:t>
-            </a:r>
-            <a:r>
-              <a:rPr u="sng" sz="1000">
-                <a:solidFill>
-                  <a:srgbClr val="E0E0E0"/>
-                </a:solidFill>
-                <a:latin typeface="Arial"/>
-              </a:rPr>
-              <a:t>final result</a:t>
-            </a:r>
-            <a:r>
-              <a:rPr sz="1000">
-                <a:solidFill>
-                  <a:srgbClr val="E0E0E0"/>
-                </a:solidFill>
-                <a:latin typeface="Arial"/>
-              </a:rPr>
-              <a:t>.</a:t>
-            </a:r>
-          </a:p>
-        </p:txBody>
-      </p:sp>
-    </p:spTree>
-  </p:cSld>
-  <p:clrMapOvr>
-    <a:masterClrMapping/>
-  </p:clrMapOvr>
-</p:sld>
-</file>
-
-<file path=ppt/slides/slide20.xml><?xml version="1.0" encoding="utf-8"?>
-<p:sld xmlns:a="http://schemas.openxmlformats.org/drawingml/2006/main" xmlns:p="http://schemas.openxmlformats.org/presentationml/2006/main" xmlns:r="http://schemas.openxmlformats.org/officeDocument/2006/relationships">
-  <p:cSld>
-    <p:bg>
-      <p:bgPr>
-        <a:solidFill>
-          <a:srgbClr val="1A1A1A"/>
-        </a:solidFill>
-        <a:effectLst/>
-      </p:bgPr>
-    </p:bg>
-    <p:spTree>
-      <p:nvGrpSpPr>
-        <p:cNvPr id="1" name=""/>
-        <p:cNvGrpSpPr/>
-        <p:nvPr/>
-      </p:nvGrpSpPr>
-      <p:grpSpPr/>
-      <p:sp>
-        <p:nvSpPr>
-          <p:cNvPr id="2" name="TextBox 1"/>
-          <p:cNvSpPr txBox="1"/>
-          <p:nvPr/>
-        </p:nvSpPr>
-        <p:spPr>
-          <a:xfrm>
-            <a:off x="200025" y="180975"/>
-            <a:ext cx="8943975" cy="361950"/>
-          </a:xfrm>
-          <a:prstGeom prst="rect">
-            <a:avLst/>
-          </a:prstGeom>
-          <a:noFill/>
-        </p:spPr>
-        <p:txBody>
-          <a:bodyPr wrap="square" lIns="0" rIns="0" tIns="0" bIns="0">
-            <a:spAutoFit/>
-          </a:bodyPr>
-          <a:lstStyle/>
-          <a:p>
-            <a:pPr algn="l">
-              <a:lnSpc>
-                <a:spcPct val="100000"/>
-              </a:lnSpc>
-              <a:spcBef>
-                <a:spcPts val="0"/>
-              </a:spcBef>
-              <a:spcAft>
-                <a:spcPts val="0"/>
-              </a:spcAft>
-            </a:pPr>
-            <a:r>
-              <a:rPr sz="1600" b="1">
-                <a:solidFill>
-                  <a:srgbClr val="E0E0E0"/>
-                </a:solidFill>
-                <a:latin typeface="Arial"/>
-              </a:rPr>
-              <a:t>📈 Figures Demo (Columns)</a:t>
-            </a:r>
-          </a:p>
-        </p:txBody>
-      </p:sp>
-      <p:pic>
-        <p:nvPicPr>
-          <p:cNvPr id="3" name="Picture 2" descr="chart_bar.png"/>
-          <p:cNvPicPr>
-            <a:picLocks noChangeAspect="1"/>
-          </p:cNvPicPr>
-          <p:nvPr/>
-        </p:nvPicPr>
-        <p:blipFill>
-          <a:blip r:embed="rId2"/>
-          <a:stretch>
-            <a:fillRect/>
-          </a:stretch>
-        </p:blipFill>
-        <p:spPr>
-          <a:xfrm>
-            <a:off x="228600" y="542925"/>
-            <a:ext cx="3809999" cy="2857500"/>
-          </a:xfrm>
-          <a:prstGeom prst="rect">
-            <a:avLst/>
-          </a:prstGeom>
-        </p:spPr>
-      </p:pic>
-      <p:sp>
-        <p:nvSpPr>
-          <p:cNvPr id="4" name="TextBox 3"/>
-          <p:cNvSpPr txBox="1"/>
-          <p:nvPr/>
-        </p:nvSpPr>
-        <p:spPr>
-          <a:xfrm>
-            <a:off x="5619750" y="638175"/>
-            <a:ext cx="3524250" cy="342900"/>
-          </a:xfrm>
-          <a:prstGeom prst="rect">
-            <a:avLst/>
-          </a:prstGeom>
-          <a:noFill/>
-        </p:spPr>
-        <p:txBody>
-          <a:bodyPr wrap="square" lIns="0" rIns="0" tIns="0" bIns="0">
-            <a:spAutoFit/>
-          </a:bodyPr>
-          <a:lstStyle/>
-          <a:p>
-            <a:pPr algn="l">
-              <a:lnSpc>
-                <a:spcPct val="100000"/>
-              </a:lnSpc>
-              <a:spcBef>
-                <a:spcPts val="0"/>
-              </a:spcBef>
-              <a:spcAft>
-                <a:spcPts val="0"/>
-              </a:spcAft>
-            </a:pPr>
-            <a:r>
-              <a:rPr sz="1000">
-                <a:solidFill>
-                  <a:srgbClr val="E0E0E0"/>
-                </a:solidFill>
-                <a:latin typeface="Arial"/>
-              </a:rPr>
-              <a:t>The bar chart shows relative task completion percentages. Authentication and API docs are finished; analytics is lagging.</a:t>
             </a:r>
           </a:p>
         </p:txBody>
@@ -12929,14 +13383,14 @@
                 </a:solidFill>
                 <a:latin typeface="Arial"/>
               </a:rPr>
-              <a:t>🖼️ Figure + Table Demo</a:t>
+              <a:t>📈 Figures Demo (Columns)</a:t>
             </a:r>
           </a:p>
         </p:txBody>
       </p:sp>
       <p:pic>
         <p:nvPicPr>
-          <p:cNvPr id="3" name="Picture 2" descr="chart_pie.png"/>
+          <p:cNvPr id="3" name="Picture 2" descr="chart_bar.png"/>
           <p:cNvPicPr>
             <a:picLocks noChangeAspect="1"/>
           </p:cNvPicPr>
@@ -12950,8 +13404,8 @@
         </p:blipFill>
         <p:spPr>
           <a:xfrm>
-            <a:off x="228600" y="542925"/>
-            <a:ext cx="2857500" cy="2857500"/>
+            <a:off x="247649" y="542925"/>
+            <a:ext cx="3809999" cy="2857500"/>
           </a:xfrm>
           <a:prstGeom prst="rect">
             <a:avLst/>
@@ -12966,8 +13420,8 @@
         </p:nvSpPr>
         <p:spPr>
           <a:xfrm>
-            <a:off x="4648200" y="542925"/>
-            <a:ext cx="923924" cy="1333500"/>
+            <a:off x="5581649" y="638175"/>
+            <a:ext cx="3562349" cy="342900"/>
           </a:xfrm>
           <a:prstGeom prst="rect">
             <a:avLst/>
@@ -12980,7 +13434,10 @@
           </a:bodyPr>
           <a:lstStyle/>
           <a:p>
-            <a:pPr>
+            <a:pPr algn="l">
+              <a:lnSpc>
+                <a:spcPct val="100000"/>
+              </a:lnSpc>
               <a:spcBef>
                 <a:spcPts val="0"/>
               </a:spcBef>
@@ -12988,531 +13445,18 @@
                 <a:spcPts val="0"/>
               </a:spcAft>
             </a:pPr>
+            <a:r>
+              <a:rPr sz="1000">
+                <a:solidFill>
+                  <a:srgbClr val="E0E0E0"/>
+                </a:solidFill>
+                <a:latin typeface="Arial"/>
+              </a:rPr>
+              <a:t>The bar chart shows relative task completion percentages. Authentication and API docs are finished; analytics is lagging.</a:t>
+            </a:r>
           </a:p>
         </p:txBody>
       </p:sp>
-      <p:graphicFrame>
-        <p:nvGraphicFramePr>
-          <p:cNvPr id="5" name="Table 4"/>
-          <p:cNvGraphicFramePr>
-            <a:graphicFrameLocks noGrp="1"/>
-          </p:cNvGraphicFramePr>
-          <p:nvPr/>
-        </p:nvGraphicFramePr>
-        <p:xfrm>
-          <a:off x="4648200" y="542925"/>
-          <a:ext cx="1014352" cy="1285872"/>
-        </p:xfrm>
-        <a:graphic>
-          <a:graphicData uri="http://schemas.openxmlformats.org/drawingml/2006/table">
-            <a:tbl>
-              <a:tblPr>
-                <a:tableStyleId>{5C22544A-7EE6-4342-B048-85BDC9FD1C3A}</a:tableStyleId>
-              </a:tblPr>
-              <a:tblGrid>
-                <a:gridCol w="719673"/>
-                <a:gridCol w="294679"/>
-              </a:tblGrid>
-              <a:tr h="321468">
-                <a:tc>
-                  <a:txBody>
-                    <a:bodyPr lIns="76200" rIns="76200" tIns="76200" bIns="76200"/>
-                    <a:lstStyle/>
-                    <a:p>
-                      <a:pPr>
-                        <a:lnSpc>
-                          <a:spcPct val="100000"/>
-                        </a:lnSpc>
-                      </a:pPr>
-                      <a:r>
-                        <a:rPr b="1" sz="800">
-                          <a:solidFill>
-                            <a:srgbClr val="FFFFFF"/>
-                          </a:solidFill>
-                          <a:latin typeface="Arial"/>
-                        </a:rPr>
-                        <a:t>Segment</a:t>
-                      </a:r>
-                    </a:p>
-                  </a:txBody>
-                  <a:tcPr>
-                    <a:noFill/>
-                    <a:lnL w="12700">
-                      <a:solidFill>
-                        <a:srgbClr val="ffffff"/>
-                      </a:solidFill>
-                      <a:prstDash val="solid"/>
-                      <a:round/>
-                      <a:headEnd type="none" w="med" len="med"/>
-                      <a:tailEnd type="none" w="med" len="med"/>
-                    </a:lnL>
-                    <a:lnR w="12700">
-                      <a:solidFill>
-                        <a:srgbClr val="ffffff"/>
-                      </a:solidFill>
-                      <a:prstDash val="solid"/>
-                      <a:round/>
-                      <a:headEnd type="none" w="med" len="med"/>
-                      <a:tailEnd type="none" w="med" len="med"/>
-                    </a:lnR>
-                    <a:lnT w="12700">
-                      <a:solidFill>
-                        <a:srgbClr val="ffffff"/>
-                      </a:solidFill>
-                      <a:prstDash val="solid"/>
-                      <a:round/>
-                      <a:headEnd type="none" w="med" len="med"/>
-                      <a:tailEnd type="none" w="med" len="med"/>
-                    </a:lnT>
-                    <a:lnB w="12700">
-                      <a:solidFill>
-                        <a:srgbClr val="ffffff"/>
-                      </a:solidFill>
-                      <a:prstDash val="solid"/>
-                      <a:round/>
-                      <a:headEnd type="none" w="med" len="med"/>
-                      <a:tailEnd type="none" w="med" len="med"/>
-                    </a:lnB>
-                  </a:tcPr>
-                </a:tc>
-                <a:tc>
-                  <a:txBody>
-                    <a:bodyPr lIns="76200" rIns="76200" tIns="76200" bIns="76200"/>
-                    <a:lstStyle/>
-                    <a:p>
-                      <a:pPr>
-                        <a:lnSpc>
-                          <a:spcPct val="100000"/>
-                        </a:lnSpc>
-                      </a:pPr>
-                      <a:r>
-                        <a:rPr b="1" sz="800">
-                          <a:solidFill>
-                            <a:srgbClr val="FFFFFF"/>
-                          </a:solidFill>
-                          <a:latin typeface="Arial"/>
-                        </a:rPr>
-                        <a:t>%</a:t>
-                      </a:r>
-                    </a:p>
-                  </a:txBody>
-                  <a:tcPr>
-                    <a:noFill/>
-                    <a:lnL w="12700">
-                      <a:solidFill>
-                        <a:srgbClr val="ffffff"/>
-                      </a:solidFill>
-                      <a:prstDash val="solid"/>
-                      <a:round/>
-                      <a:headEnd type="none" w="med" len="med"/>
-                      <a:tailEnd type="none" w="med" len="med"/>
-                    </a:lnL>
-                    <a:lnR w="12700">
-                      <a:solidFill>
-                        <a:srgbClr val="ffffff"/>
-                      </a:solidFill>
-                      <a:prstDash val="solid"/>
-                      <a:round/>
-                      <a:headEnd type="none" w="med" len="med"/>
-                      <a:tailEnd type="none" w="med" len="med"/>
-                    </a:lnR>
-                    <a:lnT w="12700">
-                      <a:solidFill>
-                        <a:srgbClr val="ffffff"/>
-                      </a:solidFill>
-                      <a:prstDash val="solid"/>
-                      <a:round/>
-                      <a:headEnd type="none" w="med" len="med"/>
-                      <a:tailEnd type="none" w="med" len="med"/>
-                    </a:lnT>
-                    <a:lnB w="12700">
-                      <a:solidFill>
-                        <a:srgbClr val="ffffff"/>
-                      </a:solidFill>
-                      <a:prstDash val="solid"/>
-                      <a:round/>
-                      <a:headEnd type="none" w="med" len="med"/>
-                      <a:tailEnd type="none" w="med" len="med"/>
-                    </a:lnB>
-                  </a:tcPr>
-                </a:tc>
-              </a:tr>
-              <a:tr h="321468">
-                <a:tc>
-                  <a:txBody>
-                    <a:bodyPr lIns="76200" rIns="76200" tIns="76200" bIns="76200"/>
-                    <a:lstStyle/>
-                    <a:p>
-                      <a:pPr>
-                        <a:lnSpc>
-                          <a:spcPct val="100000"/>
-                        </a:lnSpc>
-                      </a:pPr>
-                      <a:r>
-                        <a:rPr sz="800">
-                          <a:solidFill>
-                            <a:srgbClr val="FFFFFF"/>
-                          </a:solidFill>
-                          <a:latin typeface="Arial"/>
-                        </a:rPr>
-                        <a:t>Complete</a:t>
-                      </a:r>
-                    </a:p>
-                  </a:txBody>
-                  <a:tcPr>
-                    <a:noFill/>
-                    <a:lnL w="12700">
-                      <a:solidFill>
-                        <a:srgbClr val="ffffff"/>
-                      </a:solidFill>
-                      <a:prstDash val="solid"/>
-                      <a:round/>
-                      <a:headEnd type="none" w="med" len="med"/>
-                      <a:tailEnd type="none" w="med" len="med"/>
-                    </a:lnL>
-                    <a:lnR w="12700">
-                      <a:solidFill>
-                        <a:srgbClr val="ffffff"/>
-                      </a:solidFill>
-                      <a:prstDash val="solid"/>
-                      <a:round/>
-                      <a:headEnd type="none" w="med" len="med"/>
-                      <a:tailEnd type="none" w="med" len="med"/>
-                    </a:lnR>
-                    <a:lnT w="12700">
-                      <a:solidFill>
-                        <a:srgbClr val="ffffff"/>
-                      </a:solidFill>
-                      <a:prstDash val="solid"/>
-                      <a:round/>
-                      <a:headEnd type="none" w="med" len="med"/>
-                      <a:tailEnd type="none" w="med" len="med"/>
-                    </a:lnT>
-                    <a:lnB w="12700">
-                      <a:solidFill>
-                        <a:srgbClr val="ffffff"/>
-                      </a:solidFill>
-                      <a:prstDash val="solid"/>
-                      <a:round/>
-                      <a:headEnd type="none" w="med" len="med"/>
-                      <a:tailEnd type="none" w="med" len="med"/>
-                    </a:lnB>
-                  </a:tcPr>
-                </a:tc>
-                <a:tc>
-                  <a:txBody>
-                    <a:bodyPr lIns="76200" rIns="76200" tIns="76200" bIns="76200"/>
-                    <a:lstStyle/>
-                    <a:p>
-                      <a:pPr>
-                        <a:lnSpc>
-                          <a:spcPct val="100000"/>
-                        </a:lnSpc>
-                      </a:pPr>
-                      <a:r>
-                        <a:rPr sz="800">
-                          <a:solidFill>
-                            <a:srgbClr val="FFFFFF"/>
-                          </a:solidFill>
-                          <a:latin typeface="Arial"/>
-                        </a:rPr>
-                        <a:t>55</a:t>
-                      </a:r>
-                    </a:p>
-                  </a:txBody>
-                  <a:tcPr>
-                    <a:noFill/>
-                    <a:lnL w="12700">
-                      <a:solidFill>
-                        <a:srgbClr val="ffffff"/>
-                      </a:solidFill>
-                      <a:prstDash val="solid"/>
-                      <a:round/>
-                      <a:headEnd type="none" w="med" len="med"/>
-                      <a:tailEnd type="none" w="med" len="med"/>
-                    </a:lnL>
-                    <a:lnR w="12700">
-                      <a:solidFill>
-                        <a:srgbClr val="ffffff"/>
-                      </a:solidFill>
-                      <a:prstDash val="solid"/>
-                      <a:round/>
-                      <a:headEnd type="none" w="med" len="med"/>
-                      <a:tailEnd type="none" w="med" len="med"/>
-                    </a:lnR>
-                    <a:lnT w="12700">
-                      <a:solidFill>
-                        <a:srgbClr val="ffffff"/>
-                      </a:solidFill>
-                      <a:prstDash val="solid"/>
-                      <a:round/>
-                      <a:headEnd type="none" w="med" len="med"/>
-                      <a:tailEnd type="none" w="med" len="med"/>
-                    </a:lnT>
-                    <a:lnB w="12700">
-                      <a:solidFill>
-                        <a:srgbClr val="ffffff"/>
-                      </a:solidFill>
-                      <a:prstDash val="solid"/>
-                      <a:round/>
-                      <a:headEnd type="none" w="med" len="med"/>
-                      <a:tailEnd type="none" w="med" len="med"/>
-                    </a:lnB>
-                  </a:tcPr>
-                </a:tc>
-              </a:tr>
-              <a:tr h="321468">
-                <a:tc>
-                  <a:txBody>
-                    <a:bodyPr lIns="76200" rIns="76200" tIns="76200" bIns="76200"/>
-                    <a:lstStyle/>
-                    <a:p>
-                      <a:pPr>
-                        <a:lnSpc>
-                          <a:spcPct val="100000"/>
-                        </a:lnSpc>
-                      </a:pPr>
-                      <a:r>
-                        <a:rPr sz="800">
-                          <a:solidFill>
-                            <a:srgbClr val="FFFFFF"/>
-                          </a:solidFill>
-                          <a:latin typeface="Arial"/>
-                        </a:rPr>
-                        <a:t>In-Progress</a:t>
-                      </a:r>
-                    </a:p>
-                  </a:txBody>
-                  <a:tcPr>
-                    <a:noFill/>
-                    <a:lnL w="12700">
-                      <a:solidFill>
-                        <a:srgbClr val="ffffff"/>
-                      </a:solidFill>
-                      <a:prstDash val="solid"/>
-                      <a:round/>
-                      <a:headEnd type="none" w="med" len="med"/>
-                      <a:tailEnd type="none" w="med" len="med"/>
-                    </a:lnL>
-                    <a:lnR w="12700">
-                      <a:solidFill>
-                        <a:srgbClr val="ffffff"/>
-                      </a:solidFill>
-                      <a:prstDash val="solid"/>
-                      <a:round/>
-                      <a:headEnd type="none" w="med" len="med"/>
-                      <a:tailEnd type="none" w="med" len="med"/>
-                    </a:lnR>
-                    <a:lnT w="12700">
-                      <a:solidFill>
-                        <a:srgbClr val="ffffff"/>
-                      </a:solidFill>
-                      <a:prstDash val="solid"/>
-                      <a:round/>
-                      <a:headEnd type="none" w="med" len="med"/>
-                      <a:tailEnd type="none" w="med" len="med"/>
-                    </a:lnT>
-                    <a:lnB w="12700">
-                      <a:solidFill>
-                        <a:srgbClr val="ffffff"/>
-                      </a:solidFill>
-                      <a:prstDash val="solid"/>
-                      <a:round/>
-                      <a:headEnd type="none" w="med" len="med"/>
-                      <a:tailEnd type="none" w="med" len="med"/>
-                    </a:lnB>
-                  </a:tcPr>
-                </a:tc>
-                <a:tc>
-                  <a:txBody>
-                    <a:bodyPr lIns="76200" rIns="76200" tIns="76200" bIns="76200"/>
-                    <a:lstStyle/>
-                    <a:p>
-                      <a:pPr>
-                        <a:lnSpc>
-                          <a:spcPct val="100000"/>
-                        </a:lnSpc>
-                      </a:pPr>
-                      <a:r>
-                        <a:rPr sz="800">
-                          <a:solidFill>
-                            <a:srgbClr val="FFFFFF"/>
-                          </a:solidFill>
-                          <a:latin typeface="Arial"/>
-                        </a:rPr>
-                        <a:t>35</a:t>
-                      </a:r>
-                    </a:p>
-                  </a:txBody>
-                  <a:tcPr>
-                    <a:noFill/>
-                    <a:lnL w="12700">
-                      <a:solidFill>
-                        <a:srgbClr val="ffffff"/>
-                      </a:solidFill>
-                      <a:prstDash val="solid"/>
-                      <a:round/>
-                      <a:headEnd type="none" w="med" len="med"/>
-                      <a:tailEnd type="none" w="med" len="med"/>
-                    </a:lnL>
-                    <a:lnR w="12700">
-                      <a:solidFill>
-                        <a:srgbClr val="ffffff"/>
-                      </a:solidFill>
-                      <a:prstDash val="solid"/>
-                      <a:round/>
-                      <a:headEnd type="none" w="med" len="med"/>
-                      <a:tailEnd type="none" w="med" len="med"/>
-                    </a:lnR>
-                    <a:lnT w="12700">
-                      <a:solidFill>
-                        <a:srgbClr val="ffffff"/>
-                      </a:solidFill>
-                      <a:prstDash val="solid"/>
-                      <a:round/>
-                      <a:headEnd type="none" w="med" len="med"/>
-                      <a:tailEnd type="none" w="med" len="med"/>
-                    </a:lnT>
-                    <a:lnB w="12700">
-                      <a:solidFill>
-                        <a:srgbClr val="ffffff"/>
-                      </a:solidFill>
-                      <a:prstDash val="solid"/>
-                      <a:round/>
-                      <a:headEnd type="none" w="med" len="med"/>
-                      <a:tailEnd type="none" w="med" len="med"/>
-                    </a:lnB>
-                  </a:tcPr>
-                </a:tc>
-              </a:tr>
-              <a:tr h="321468">
-                <a:tc>
-                  <a:txBody>
-                    <a:bodyPr lIns="76200" rIns="76200" tIns="76200" bIns="76200"/>
-                    <a:lstStyle/>
-                    <a:p>
-                      <a:pPr>
-                        <a:lnSpc>
-                          <a:spcPct val="100000"/>
-                        </a:lnSpc>
-                      </a:pPr>
-                      <a:r>
-                        <a:rPr sz="800">
-                          <a:solidFill>
-                            <a:srgbClr val="FFFFFF"/>
-                          </a:solidFill>
-                          <a:latin typeface="Arial"/>
-                        </a:rPr>
-                        <a:t>Blocked</a:t>
-                      </a:r>
-                    </a:p>
-                  </a:txBody>
-                  <a:tcPr>
-                    <a:noFill/>
-                    <a:lnL w="12700">
-                      <a:solidFill>
-                        <a:srgbClr val="ffffff"/>
-                      </a:solidFill>
-                      <a:prstDash val="solid"/>
-                      <a:round/>
-                      <a:headEnd type="none" w="med" len="med"/>
-                      <a:tailEnd type="none" w="med" len="med"/>
-                    </a:lnL>
-                    <a:lnR w="12700">
-                      <a:solidFill>
-                        <a:srgbClr val="ffffff"/>
-                      </a:solidFill>
-                      <a:prstDash val="solid"/>
-                      <a:round/>
-                      <a:headEnd type="none" w="med" len="med"/>
-                      <a:tailEnd type="none" w="med" len="med"/>
-                    </a:lnR>
-                    <a:lnT w="12700">
-                      <a:solidFill>
-                        <a:srgbClr val="ffffff"/>
-                      </a:solidFill>
-                      <a:prstDash val="solid"/>
-                      <a:round/>
-                      <a:headEnd type="none" w="med" len="med"/>
-                      <a:tailEnd type="none" w="med" len="med"/>
-                    </a:lnT>
-                    <a:lnB w="12700">
-                      <a:solidFill>
-                        <a:srgbClr val="ffffff"/>
-                      </a:solidFill>
-                      <a:prstDash val="solid"/>
-                      <a:round/>
-                      <a:headEnd type="none" w="med" len="med"/>
-                      <a:tailEnd type="none" w="med" len="med"/>
-                    </a:lnB>
-                  </a:tcPr>
-                </a:tc>
-                <a:tc>
-                  <a:txBody>
-                    <a:bodyPr lIns="76200" rIns="76200" tIns="76200" bIns="76200"/>
-                    <a:lstStyle/>
-                    <a:p>
-                      <a:pPr>
-                        <a:lnSpc>
-                          <a:spcPct val="100000"/>
-                        </a:lnSpc>
-                      </a:pPr>
-                      <a:r>
-                        <a:rPr sz="800">
-                          <a:solidFill>
-                            <a:srgbClr val="FFFFFF"/>
-                          </a:solidFill>
-                          <a:latin typeface="Arial"/>
-                        </a:rPr>
-                        <a:t>10</a:t>
-                      </a:r>
-                    </a:p>
-                  </a:txBody>
-                  <a:tcPr>
-                    <a:noFill/>
-                    <a:lnL w="12700">
-                      <a:solidFill>
-                        <a:srgbClr val="ffffff"/>
-                      </a:solidFill>
-                      <a:prstDash val="solid"/>
-                      <a:round/>
-                      <a:headEnd type="none" w="med" len="med"/>
-                      <a:tailEnd type="none" w="med" len="med"/>
-                    </a:lnL>
-                    <a:lnR w="12700">
-                      <a:solidFill>
-                        <a:srgbClr val="ffffff"/>
-                      </a:solidFill>
-                      <a:prstDash val="solid"/>
-                      <a:round/>
-                      <a:headEnd type="none" w="med" len="med"/>
-                      <a:tailEnd type="none" w="med" len="med"/>
-                    </a:lnR>
-                    <a:lnT w="12700">
-                      <a:solidFill>
-                        <a:srgbClr val="ffffff"/>
-                      </a:solidFill>
-                      <a:prstDash val="solid"/>
-                      <a:round/>
-                      <a:headEnd type="none" w="med" len="med"/>
-                      <a:tailEnd type="none" w="med" len="med"/>
-                    </a:lnT>
-                    <a:lnB w="12700">
-                      <a:solidFill>
-                        <a:srgbClr val="ffffff"/>
-                      </a:solidFill>
-                      <a:prstDash val="solid"/>
-                      <a:round/>
-                      <a:headEnd type="none" w="med" len="med"/>
-                      <a:tailEnd type="none" w="med" len="med"/>
-                    </a:lnB>
-                  </a:tcPr>
-                </a:tc>
-              </a:tr>
-            </a:tbl>
-          </a:graphicData>
-        </a:graphic>
-      </p:graphicFrame>
     </p:spTree>
   </p:cSld>
   <p:clrMapOvr>
@@ -13579,21 +13523,45 @@
                 </a:solidFill>
                 <a:latin typeface="Arial"/>
               </a:rPr>
-              <a:t>Two-column slide (60% / 40%)</a:t>
+              <a:t>🖼️ Figure + Table Demo</a:t>
             </a:r>
           </a:p>
         </p:txBody>
       </p:sp>
+      <p:pic>
+        <p:nvPicPr>
+          <p:cNvPr id="3" name="Picture 2" descr="chart_pie.png"/>
+          <p:cNvPicPr>
+            <a:picLocks noChangeAspect="1"/>
+          </p:cNvPicPr>
+          <p:nvPr/>
+        </p:nvPicPr>
+        <p:blipFill>
+          <a:blip r:embed="rId2"/>
+          <a:stretch>
+            <a:fillRect/>
+          </a:stretch>
+        </p:blipFill>
+        <p:spPr>
+          <a:xfrm>
+            <a:off x="247649" y="542925"/>
+            <a:ext cx="2857500" cy="2857500"/>
+          </a:xfrm>
+          <a:prstGeom prst="rect">
+            <a:avLst/>
+          </a:prstGeom>
+        </p:spPr>
+      </p:pic>
       <p:sp>
         <p:nvSpPr>
-          <p:cNvPr id="3" name="TextBox 2"/>
+          <p:cNvPr id="4" name="TextBox 3"/>
           <p:cNvSpPr txBox="1"/>
           <p:nvPr/>
         </p:nvSpPr>
         <p:spPr>
           <a:xfrm>
-            <a:off x="228600" y="542925"/>
-            <a:ext cx="8915400" cy="274320"/>
+            <a:off x="4619625" y="542925"/>
+            <a:ext cx="942975" cy="1333500"/>
           </a:xfrm>
           <a:prstGeom prst="rect">
             <a:avLst/>
@@ -13606,51 +13574,6 @@
           </a:bodyPr>
           <a:lstStyle/>
           <a:p>
-            <a:pPr algn="l">
-              <a:lnSpc>
-                <a:spcPct val="100000"/>
-              </a:lnSpc>
-              <a:spcBef>
-                <a:spcPts val="0"/>
-              </a:spcBef>
-              <a:spcAft>
-                <a:spcPts val="0"/>
-              </a:spcAft>
-            </a:pPr>
-            <a:r>
-              <a:rPr sz="1100" b="1">
-                <a:solidFill>
-                  <a:srgbClr val="E0E0E0"/>
-                </a:solidFill>
-                <a:latin typeface="Arial"/>
-              </a:rPr>
-              <a:t>📋 Project Status Table</a:t>
-            </a:r>
-          </a:p>
-        </p:txBody>
-      </p:sp>
-      <p:sp>
-        <p:nvSpPr>
-          <p:cNvPr id="4" name="TextBox 3"/>
-          <p:cNvSpPr txBox="1"/>
-          <p:nvPr/>
-        </p:nvSpPr>
-        <p:spPr>
-          <a:xfrm>
-            <a:off x="228600" y="800100"/>
-            <a:ext cx="1800225" cy="1628775"/>
-          </a:xfrm>
-          <a:prstGeom prst="rect">
-            <a:avLst/>
-          </a:prstGeom>
-          <a:noFill/>
-        </p:spPr>
-        <p:txBody>
-          <a:bodyPr wrap="square" lIns="0" rIns="0" tIns="0" bIns="0">
-            <a:spAutoFit/>
-          </a:bodyPr>
-          <a:lstStyle/>
-          <a:p>
             <a:pPr>
               <a:spcBef>
                 <a:spcPts val="0"/>
@@ -13671,8 +13594,8 @@
           <p:nvPr/>
         </p:nvGraphicFramePr>
         <p:xfrm>
-          <a:off x="228600" y="800100"/>
-          <a:ext cx="1978854" cy="1571625"/>
+          <a:off x="4619625" y="542925"/>
+          <a:ext cx="1026794" cy="1285872"/>
         </p:xfrm>
         <a:graphic>
           <a:graphicData uri="http://schemas.openxmlformats.org/drawingml/2006/table">
@@ -13681,11 +13604,10 @@
                 <a:tableStyleId>{5C22544A-7EE6-4342-B048-85BDC9FD1C3A}</a:tableStyleId>
               </a:tblPr>
               <a:tblGrid>
-                <a:gridCol w="842210"/>
-                <a:gridCol w="504229"/>
-                <a:gridCol w="632415"/>
+                <a:gridCol w="722947"/>
+                <a:gridCol w="303847"/>
               </a:tblGrid>
-              <a:tr h="314325">
+              <a:tr h="321468">
                 <a:tc>
                   <a:txBody>
                     <a:bodyPr lIns="76200" rIns="76200" tIns="76200" bIns="76200"/>
@@ -13703,7 +13625,7 @@
                           </a:solidFill>
                           <a:latin typeface="Arial"/>
                         </a:rPr>
-                        <a:t>Task</a:t>
+                        <a:t>Segment</a:t>
                       </a:r>
                     </a:p>
                   </a:txBody>
@@ -13764,7 +13686,7 @@
                           </a:solidFill>
                           <a:latin typeface="Arial"/>
                         </a:rPr>
-                        <a:t>Owner</a:t>
+                        <a:t>%</a:t>
                       </a:r>
                     </a:p>
                   </a:txBody>
@@ -13808,69 +13730,8 @@
                     </a:lnB>
                   </a:tcPr>
                 </a:tc>
-                <a:tc>
-                  <a:txBody>
-                    <a:bodyPr lIns="76200" rIns="76200" tIns="76200" bIns="76200"/>
-                    <a:lstStyle/>
-                    <a:p>
-                      <a:pPr>
-                        <a:lnSpc>
-                          <a:spcPct val="100000"/>
-                        </a:lnSpc>
-                      </a:pPr>
-                      <a:r>
-                        <a:rPr b="1" sz="800">
-                          <a:solidFill>
-                            <a:srgbClr val="FFFFFF"/>
-                          </a:solidFill>
-                          <a:latin typeface="Arial"/>
-                        </a:rPr>
-                        <a:t>Progress</a:t>
-                      </a:r>
-                    </a:p>
-                  </a:txBody>
-                  <a:tcPr>
-                    <a:noFill/>
-                    <a:lnL w="12700">
-                      <a:solidFill>
-                        <a:srgbClr val="ffffff"/>
-                      </a:solidFill>
-                      <a:prstDash val="solid"/>
-                      <a:round/>
-                      <a:headEnd type="none" w="med" len="med"/>
-                      <a:tailEnd type="none" w="med" len="med"/>
-                    </a:lnL>
-                    <a:lnR w="12700">
-                      <a:solidFill>
-                        <a:srgbClr val="ffffff"/>
-                      </a:solidFill>
-                      <a:prstDash val="solid"/>
-                      <a:round/>
-                      <a:headEnd type="none" w="med" len="med"/>
-                      <a:tailEnd type="none" w="med" len="med"/>
-                    </a:lnR>
-                    <a:lnT w="12700">
-                      <a:solidFill>
-                        <a:srgbClr val="ffffff"/>
-                      </a:solidFill>
-                      <a:prstDash val="solid"/>
-                      <a:round/>
-                      <a:headEnd type="none" w="med" len="med"/>
-                      <a:tailEnd type="none" w="med" len="med"/>
-                    </a:lnT>
-                    <a:lnB w="12700">
-                      <a:solidFill>
-                        <a:srgbClr val="ffffff"/>
-                      </a:solidFill>
-                      <a:prstDash val="solid"/>
-                      <a:round/>
-                      <a:headEnd type="none" w="med" len="med"/>
-                      <a:tailEnd type="none" w="med" len="med"/>
-                    </a:lnB>
-                  </a:tcPr>
-                </a:tc>
               </a:tr>
-              <a:tr h="314325">
+              <a:tr h="321468">
                 <a:tc>
                   <a:txBody>
                     <a:bodyPr lIns="76200" rIns="76200" tIns="76200" bIns="76200"/>
@@ -13888,7 +13749,7 @@
                           </a:solidFill>
                           <a:latin typeface="Arial"/>
                         </a:rPr>
-                        <a:t>Authentication</a:t>
+                        <a:t>Complete</a:t>
                       </a:r>
                     </a:p>
                   </a:txBody>
@@ -13949,7 +13810,70 @@
                           </a:solidFill>
                           <a:latin typeface="Arial"/>
                         </a:rPr>
-                        <a:t>Alice</a:t>
+                        <a:t>55</a:t>
+                      </a:r>
+                    </a:p>
+                  </a:txBody>
+                  <a:tcPr>
+                    <a:noFill/>
+                    <a:lnL w="12700">
+                      <a:solidFill>
+                        <a:srgbClr val="ffffff"/>
+                      </a:solidFill>
+                      <a:prstDash val="solid"/>
+                      <a:round/>
+                      <a:headEnd type="none" w="med" len="med"/>
+                      <a:tailEnd type="none" w="med" len="med"/>
+                    </a:lnL>
+                    <a:lnR w="12700">
+                      <a:solidFill>
+                        <a:srgbClr val="ffffff"/>
+                      </a:solidFill>
+                      <a:prstDash val="solid"/>
+                      <a:round/>
+                      <a:headEnd type="none" w="med" len="med"/>
+                      <a:tailEnd type="none" w="med" len="med"/>
+                    </a:lnR>
+                    <a:lnT w="12700">
+                      <a:solidFill>
+                        <a:srgbClr val="ffffff"/>
+                      </a:solidFill>
+                      <a:prstDash val="solid"/>
+                      <a:round/>
+                      <a:headEnd type="none" w="med" len="med"/>
+                      <a:tailEnd type="none" w="med" len="med"/>
+                    </a:lnT>
+                    <a:lnB w="12700">
+                      <a:solidFill>
+                        <a:srgbClr val="ffffff"/>
+                      </a:solidFill>
+                      <a:prstDash val="solid"/>
+                      <a:round/>
+                      <a:headEnd type="none" w="med" len="med"/>
+                      <a:tailEnd type="none" w="med" len="med"/>
+                    </a:lnB>
+                  </a:tcPr>
+                </a:tc>
+              </a:tr>
+              <a:tr h="321468">
+                <a:tc>
+                  <a:txBody>
+                    <a:bodyPr lIns="76200" rIns="76200" tIns="76200" bIns="76200"/>
+                    <a:lstStyle/>
+                    <a:p>
+                      <a:pPr>
+                        <a:lnSpc>
+                          <a:spcPct val="100000"/>
+                        </a:lnSpc>
+                      </a:pPr>
+                      <a:r>
+                        <a:rPr sz="800">
+                          <a:solidFill>
+                            <a:srgbClr val="FFFFFF"/>
+                          </a:solidFill>
+                          <a:latin typeface="Arial"/>
+                        </a:rPr>
+                        <a:t>In-Progress</a:t>
                       </a:r>
                     </a:p>
                   </a:txBody>
@@ -14010,7 +13934,7 @@
                           </a:solidFill>
                           <a:latin typeface="Arial"/>
                         </a:rPr>
-                        <a:t>100%</a:t>
+                        <a:t>35</a:t>
                       </a:r>
                     </a:p>
                   </a:txBody>
@@ -14055,7 +13979,7 @@
                   </a:tcPr>
                 </a:tc>
               </a:tr>
-              <a:tr h="314325">
+              <a:tr h="321468">
                 <a:tc>
                   <a:txBody>
                     <a:bodyPr lIns="76200" rIns="76200" tIns="76200" bIns="76200"/>
@@ -14073,7 +13997,7 @@
                           </a:solidFill>
                           <a:latin typeface="Arial"/>
                         </a:rPr>
-                        <a:t>Database</a:t>
+                        <a:t>Blocked</a:t>
                       </a:r>
                     </a:p>
                   </a:txBody>
@@ -14134,438 +14058,7 @@
                           </a:solidFill>
                           <a:latin typeface="Arial"/>
                         </a:rPr>
-                        <a:t>Bob</a:t>
-                      </a:r>
-                    </a:p>
-                  </a:txBody>
-                  <a:tcPr>
-                    <a:noFill/>
-                    <a:lnL w="12700">
-                      <a:solidFill>
-                        <a:srgbClr val="ffffff"/>
-                      </a:solidFill>
-                      <a:prstDash val="solid"/>
-                      <a:round/>
-                      <a:headEnd type="none" w="med" len="med"/>
-                      <a:tailEnd type="none" w="med" len="med"/>
-                    </a:lnL>
-                    <a:lnR w="12700">
-                      <a:solidFill>
-                        <a:srgbClr val="ffffff"/>
-                      </a:solidFill>
-                      <a:prstDash val="solid"/>
-                      <a:round/>
-                      <a:headEnd type="none" w="med" len="med"/>
-                      <a:tailEnd type="none" w="med" len="med"/>
-                    </a:lnR>
-                    <a:lnT w="12700">
-                      <a:solidFill>
-                        <a:srgbClr val="ffffff"/>
-                      </a:solidFill>
-                      <a:prstDash val="solid"/>
-                      <a:round/>
-                      <a:headEnd type="none" w="med" len="med"/>
-                      <a:tailEnd type="none" w="med" len="med"/>
-                    </a:lnT>
-                    <a:lnB w="12700">
-                      <a:solidFill>
-                        <a:srgbClr val="ffffff"/>
-                      </a:solidFill>
-                      <a:prstDash val="solid"/>
-                      <a:round/>
-                      <a:headEnd type="none" w="med" len="med"/>
-                      <a:tailEnd type="none" w="med" len="med"/>
-                    </a:lnB>
-                  </a:tcPr>
-                </a:tc>
-                <a:tc>
-                  <a:txBody>
-                    <a:bodyPr lIns="76200" rIns="76200" tIns="76200" bIns="76200"/>
-                    <a:lstStyle/>
-                    <a:p>
-                      <a:pPr>
-                        <a:lnSpc>
-                          <a:spcPct val="100000"/>
-                        </a:lnSpc>
-                      </a:pPr>
-                      <a:r>
-                        <a:rPr sz="800">
-                          <a:solidFill>
-                            <a:srgbClr val="FFFFFF"/>
-                          </a:solidFill>
-                          <a:latin typeface="Arial"/>
-                        </a:rPr>
-                        <a:t>80%</a:t>
-                      </a:r>
-                    </a:p>
-                  </a:txBody>
-                  <a:tcPr>
-                    <a:noFill/>
-                    <a:lnL w="12700">
-                      <a:solidFill>
-                        <a:srgbClr val="ffffff"/>
-                      </a:solidFill>
-                      <a:prstDash val="solid"/>
-                      <a:round/>
-                      <a:headEnd type="none" w="med" len="med"/>
-                      <a:tailEnd type="none" w="med" len="med"/>
-                    </a:lnL>
-                    <a:lnR w="12700">
-                      <a:solidFill>
-                        <a:srgbClr val="ffffff"/>
-                      </a:solidFill>
-                      <a:prstDash val="solid"/>
-                      <a:round/>
-                      <a:headEnd type="none" w="med" len="med"/>
-                      <a:tailEnd type="none" w="med" len="med"/>
-                    </a:lnR>
-                    <a:lnT w="12700">
-                      <a:solidFill>
-                        <a:srgbClr val="ffffff"/>
-                      </a:solidFill>
-                      <a:prstDash val="solid"/>
-                      <a:round/>
-                      <a:headEnd type="none" w="med" len="med"/>
-                      <a:tailEnd type="none" w="med" len="med"/>
-                    </a:lnT>
-                    <a:lnB w="12700">
-                      <a:solidFill>
-                        <a:srgbClr val="ffffff"/>
-                      </a:solidFill>
-                      <a:prstDash val="solid"/>
-                      <a:round/>
-                      <a:headEnd type="none" w="med" len="med"/>
-                      <a:tailEnd type="none" w="med" len="med"/>
-                    </a:lnB>
-                  </a:tcPr>
-                </a:tc>
-              </a:tr>
-              <a:tr h="314325">
-                <a:tc>
-                  <a:txBody>
-                    <a:bodyPr lIns="76200" rIns="76200" tIns="76200" bIns="76200"/>
-                    <a:lstStyle/>
-                    <a:p>
-                      <a:pPr>
-                        <a:lnSpc>
-                          <a:spcPct val="100000"/>
-                        </a:lnSpc>
-                      </a:pPr>
-                      <a:r>
-                        <a:rPr sz="800">
-                          <a:solidFill>
-                            <a:srgbClr val="FFFFFF"/>
-                          </a:solidFill>
-                          <a:latin typeface="Arial"/>
-                        </a:rPr>
-                        <a:t>API Docs</a:t>
-                      </a:r>
-                    </a:p>
-                  </a:txBody>
-                  <a:tcPr>
-                    <a:noFill/>
-                    <a:lnL w="12700">
-                      <a:solidFill>
-                        <a:srgbClr val="ffffff"/>
-                      </a:solidFill>
-                      <a:prstDash val="solid"/>
-                      <a:round/>
-                      <a:headEnd type="none" w="med" len="med"/>
-                      <a:tailEnd type="none" w="med" len="med"/>
-                    </a:lnL>
-                    <a:lnR w="12700">
-                      <a:solidFill>
-                        <a:srgbClr val="ffffff"/>
-                      </a:solidFill>
-                      <a:prstDash val="solid"/>
-                      <a:round/>
-                      <a:headEnd type="none" w="med" len="med"/>
-                      <a:tailEnd type="none" w="med" len="med"/>
-                    </a:lnR>
-                    <a:lnT w="12700">
-                      <a:solidFill>
-                        <a:srgbClr val="ffffff"/>
-                      </a:solidFill>
-                      <a:prstDash val="solid"/>
-                      <a:round/>
-                      <a:headEnd type="none" w="med" len="med"/>
-                      <a:tailEnd type="none" w="med" len="med"/>
-                    </a:lnT>
-                    <a:lnB w="12700">
-                      <a:solidFill>
-                        <a:srgbClr val="ffffff"/>
-                      </a:solidFill>
-                      <a:prstDash val="solid"/>
-                      <a:round/>
-                      <a:headEnd type="none" w="med" len="med"/>
-                      <a:tailEnd type="none" w="med" len="med"/>
-                    </a:lnB>
-                  </a:tcPr>
-                </a:tc>
-                <a:tc>
-                  <a:txBody>
-                    <a:bodyPr lIns="76200" rIns="76200" tIns="76200" bIns="76200"/>
-                    <a:lstStyle/>
-                    <a:p>
-                      <a:pPr>
-                        <a:lnSpc>
-                          <a:spcPct val="100000"/>
-                        </a:lnSpc>
-                      </a:pPr>
-                      <a:r>
-                        <a:rPr sz="800">
-                          <a:solidFill>
-                            <a:srgbClr val="FFFFFF"/>
-                          </a:solidFill>
-                          <a:latin typeface="Arial"/>
-                        </a:rPr>
-                        <a:t>Carol</a:t>
-                      </a:r>
-                    </a:p>
-                  </a:txBody>
-                  <a:tcPr>
-                    <a:noFill/>
-                    <a:lnL w="12700">
-                      <a:solidFill>
-                        <a:srgbClr val="ffffff"/>
-                      </a:solidFill>
-                      <a:prstDash val="solid"/>
-                      <a:round/>
-                      <a:headEnd type="none" w="med" len="med"/>
-                      <a:tailEnd type="none" w="med" len="med"/>
-                    </a:lnL>
-                    <a:lnR w="12700">
-                      <a:solidFill>
-                        <a:srgbClr val="ffffff"/>
-                      </a:solidFill>
-                      <a:prstDash val="solid"/>
-                      <a:round/>
-                      <a:headEnd type="none" w="med" len="med"/>
-                      <a:tailEnd type="none" w="med" len="med"/>
-                    </a:lnR>
-                    <a:lnT w="12700">
-                      <a:solidFill>
-                        <a:srgbClr val="ffffff"/>
-                      </a:solidFill>
-                      <a:prstDash val="solid"/>
-                      <a:round/>
-                      <a:headEnd type="none" w="med" len="med"/>
-                      <a:tailEnd type="none" w="med" len="med"/>
-                    </a:lnT>
-                    <a:lnB w="12700">
-                      <a:solidFill>
-                        <a:srgbClr val="ffffff"/>
-                      </a:solidFill>
-                      <a:prstDash val="solid"/>
-                      <a:round/>
-                      <a:headEnd type="none" w="med" len="med"/>
-                      <a:tailEnd type="none" w="med" len="med"/>
-                    </a:lnB>
-                  </a:tcPr>
-                </a:tc>
-                <a:tc>
-                  <a:txBody>
-                    <a:bodyPr lIns="76200" rIns="76200" tIns="76200" bIns="76200"/>
-                    <a:lstStyle/>
-                    <a:p>
-                      <a:pPr>
-                        <a:lnSpc>
-                          <a:spcPct val="100000"/>
-                        </a:lnSpc>
-                      </a:pPr>
-                      <a:r>
-                        <a:rPr sz="800">
-                          <a:solidFill>
-                            <a:srgbClr val="FFFFFF"/>
-                          </a:solidFill>
-                          <a:latin typeface="Arial"/>
-                        </a:rPr>
-                        <a:t>100%</a:t>
-                      </a:r>
-                    </a:p>
-                  </a:txBody>
-                  <a:tcPr>
-                    <a:noFill/>
-                    <a:lnL w="12700">
-                      <a:solidFill>
-                        <a:srgbClr val="ffffff"/>
-                      </a:solidFill>
-                      <a:prstDash val="solid"/>
-                      <a:round/>
-                      <a:headEnd type="none" w="med" len="med"/>
-                      <a:tailEnd type="none" w="med" len="med"/>
-                    </a:lnL>
-                    <a:lnR w="12700">
-                      <a:solidFill>
-                        <a:srgbClr val="ffffff"/>
-                      </a:solidFill>
-                      <a:prstDash val="solid"/>
-                      <a:round/>
-                      <a:headEnd type="none" w="med" len="med"/>
-                      <a:tailEnd type="none" w="med" len="med"/>
-                    </a:lnR>
-                    <a:lnT w="12700">
-                      <a:solidFill>
-                        <a:srgbClr val="ffffff"/>
-                      </a:solidFill>
-                      <a:prstDash val="solid"/>
-                      <a:round/>
-                      <a:headEnd type="none" w="med" len="med"/>
-                      <a:tailEnd type="none" w="med" len="med"/>
-                    </a:lnT>
-                    <a:lnB w="12700">
-                      <a:solidFill>
-                        <a:srgbClr val="ffffff"/>
-                      </a:solidFill>
-                      <a:prstDash val="solid"/>
-                      <a:round/>
-                      <a:headEnd type="none" w="med" len="med"/>
-                      <a:tailEnd type="none" w="med" len="med"/>
-                    </a:lnB>
-                  </a:tcPr>
-                </a:tc>
-              </a:tr>
-              <a:tr h="314325">
-                <a:tc>
-                  <a:txBody>
-                    <a:bodyPr lIns="76200" rIns="76200" tIns="76200" bIns="76200"/>
-                    <a:lstStyle/>
-                    <a:p>
-                      <a:pPr>
-                        <a:lnSpc>
-                          <a:spcPct val="100000"/>
-                        </a:lnSpc>
-                      </a:pPr>
-                      <a:r>
-                        <a:rPr sz="800">
-                          <a:solidFill>
-                            <a:srgbClr val="FFFFFF"/>
-                          </a:solidFill>
-                          <a:latin typeface="Arial"/>
-                        </a:rPr>
-                        <a:t>Analytics</a:t>
-                      </a:r>
-                    </a:p>
-                  </a:txBody>
-                  <a:tcPr>
-                    <a:noFill/>
-                    <a:lnL w="12700">
-                      <a:solidFill>
-                        <a:srgbClr val="ffffff"/>
-                      </a:solidFill>
-                      <a:prstDash val="solid"/>
-                      <a:round/>
-                      <a:headEnd type="none" w="med" len="med"/>
-                      <a:tailEnd type="none" w="med" len="med"/>
-                    </a:lnL>
-                    <a:lnR w="12700">
-                      <a:solidFill>
-                        <a:srgbClr val="ffffff"/>
-                      </a:solidFill>
-                      <a:prstDash val="solid"/>
-                      <a:round/>
-                      <a:headEnd type="none" w="med" len="med"/>
-                      <a:tailEnd type="none" w="med" len="med"/>
-                    </a:lnR>
-                    <a:lnT w="12700">
-                      <a:solidFill>
-                        <a:srgbClr val="ffffff"/>
-                      </a:solidFill>
-                      <a:prstDash val="solid"/>
-                      <a:round/>
-                      <a:headEnd type="none" w="med" len="med"/>
-                      <a:tailEnd type="none" w="med" len="med"/>
-                    </a:lnT>
-                    <a:lnB w="12700">
-                      <a:solidFill>
-                        <a:srgbClr val="ffffff"/>
-                      </a:solidFill>
-                      <a:prstDash val="solid"/>
-                      <a:round/>
-                      <a:headEnd type="none" w="med" len="med"/>
-                      <a:tailEnd type="none" w="med" len="med"/>
-                    </a:lnB>
-                  </a:tcPr>
-                </a:tc>
-                <a:tc>
-                  <a:txBody>
-                    <a:bodyPr lIns="76200" rIns="76200" tIns="76200" bIns="76200"/>
-                    <a:lstStyle/>
-                    <a:p>
-                      <a:pPr>
-                        <a:lnSpc>
-                          <a:spcPct val="100000"/>
-                        </a:lnSpc>
-                      </a:pPr>
-                      <a:r>
-                        <a:rPr sz="800">
-                          <a:solidFill>
-                            <a:srgbClr val="FFFFFF"/>
-                          </a:solidFill>
-                          <a:latin typeface="Arial"/>
-                        </a:rPr>
-                        <a:t>Dave</a:t>
-                      </a:r>
-                    </a:p>
-                  </a:txBody>
-                  <a:tcPr>
-                    <a:noFill/>
-                    <a:lnL w="12700">
-                      <a:solidFill>
-                        <a:srgbClr val="ffffff"/>
-                      </a:solidFill>
-                      <a:prstDash val="solid"/>
-                      <a:round/>
-                      <a:headEnd type="none" w="med" len="med"/>
-                      <a:tailEnd type="none" w="med" len="med"/>
-                    </a:lnL>
-                    <a:lnR w="12700">
-                      <a:solidFill>
-                        <a:srgbClr val="ffffff"/>
-                      </a:solidFill>
-                      <a:prstDash val="solid"/>
-                      <a:round/>
-                      <a:headEnd type="none" w="med" len="med"/>
-                      <a:tailEnd type="none" w="med" len="med"/>
-                    </a:lnR>
-                    <a:lnT w="12700">
-                      <a:solidFill>
-                        <a:srgbClr val="ffffff"/>
-                      </a:solidFill>
-                      <a:prstDash val="solid"/>
-                      <a:round/>
-                      <a:headEnd type="none" w="med" len="med"/>
-                      <a:tailEnd type="none" w="med" len="med"/>
-                    </a:lnT>
-                    <a:lnB w="12700">
-                      <a:solidFill>
-                        <a:srgbClr val="ffffff"/>
-                      </a:solidFill>
-                      <a:prstDash val="solid"/>
-                      <a:round/>
-                      <a:headEnd type="none" w="med" len="med"/>
-                      <a:tailEnd type="none" w="med" len="med"/>
-                    </a:lnB>
-                  </a:tcPr>
-                </a:tc>
-                <a:tc>
-                  <a:txBody>
-                    <a:bodyPr lIns="76200" rIns="76200" tIns="76200" bIns="76200"/>
-                    <a:lstStyle/>
-                    <a:p>
-                      <a:pPr>
-                        <a:lnSpc>
-                          <a:spcPct val="100000"/>
-                        </a:lnSpc>
-                      </a:pPr>
-                      <a:r>
-                        <a:rPr sz="800">
-                          <a:solidFill>
-                            <a:srgbClr val="FFFFFF"/>
-                          </a:solidFill>
-                          <a:latin typeface="Arial"/>
-                        </a:rPr>
-                        <a:t>60%</a:t>
+                        <a:t>10</a:t>
                       </a:r>
                     </a:p>
                   </a:txBody>
@@ -14614,96 +14107,6 @@
           </a:graphicData>
         </a:graphic>
       </p:graphicFrame>
-      <p:sp>
-        <p:nvSpPr>
-          <p:cNvPr id="6" name="TextBox 5"/>
-          <p:cNvSpPr txBox="1"/>
-          <p:nvPr/>
-        </p:nvSpPr>
-        <p:spPr>
-          <a:xfrm>
-            <a:off x="5619750" y="561974"/>
-            <a:ext cx="3524250" cy="274320"/>
-          </a:xfrm>
-          <a:prstGeom prst="rect">
-            <a:avLst/>
-          </a:prstGeom>
-          <a:noFill/>
-        </p:spPr>
-        <p:txBody>
-          <a:bodyPr wrap="square" lIns="0" rIns="0" tIns="0" bIns="0">
-            <a:spAutoFit/>
-          </a:bodyPr>
-          <a:lstStyle/>
-          <a:p>
-            <a:pPr algn="l">
-              <a:lnSpc>
-                <a:spcPct val="100000"/>
-              </a:lnSpc>
-              <a:spcBef>
-                <a:spcPts val="0"/>
-              </a:spcBef>
-              <a:spcAft>
-                <a:spcPts val="0"/>
-              </a:spcAft>
-            </a:pPr>
-            <a:r>
-              <a:rPr sz="1100" b="1">
-                <a:solidFill>
-                  <a:srgbClr val="E0E0E0"/>
-                </a:solidFill>
-                <a:latin typeface="Arial"/>
-              </a:rPr>
-              <a:t>✍️ Notes</a:t>
-            </a:r>
-          </a:p>
-        </p:txBody>
-      </p:sp>
-      <p:sp>
-        <p:nvSpPr>
-          <p:cNvPr id="7" name="TextBox 6"/>
-          <p:cNvSpPr txBox="1"/>
-          <p:nvPr/>
-        </p:nvSpPr>
-        <p:spPr>
-          <a:xfrm>
-            <a:off x="5619750" y="819149"/>
-            <a:ext cx="3524250" cy="342900"/>
-          </a:xfrm>
-          <a:prstGeom prst="rect">
-            <a:avLst/>
-          </a:prstGeom>
-          <a:noFill/>
-        </p:spPr>
-        <p:txBody>
-          <a:bodyPr wrap="square" lIns="0" rIns="0" tIns="0" bIns="0">
-            <a:spAutoFit/>
-          </a:bodyPr>
-          <a:lstStyle/>
-          <a:p>
-            <a:pPr algn="l">
-              <a:lnSpc>
-                <a:spcPct val="100000"/>
-              </a:lnSpc>
-              <a:spcBef>
-                <a:spcPts val="0"/>
-              </a:spcBef>
-              <a:spcAft>
-                <a:spcPts val="0"/>
-              </a:spcAft>
-            </a:pPr>
-            <a:r>
-              <a:rPr sz="1000">
-                <a:solidFill>
-                  <a:srgbClr val="E0E0E0"/>
-                </a:solidFill>
-                <a:latin typeface="Arial"/>
-              </a:rPr>
-              <a:t>All core features are either complete or in progress. Remaining items are performance tuning and UX polish.</a:t>
-            </a:r>
-          </a:p>
-        </p:txBody>
-      </p:sp>
     </p:spTree>
   </p:cSld>
   <p:clrMapOvr>
@@ -14770,7 +14173,7 @@
                 </a:solidFill>
                 <a:latin typeface="Arial"/>
               </a:rPr>
-              <a:t>Two-column slide (Auto + default)</a:t>
+              <a:t>Two-column slide (60% / 40%)</a:t>
             </a:r>
           </a:p>
         </p:txBody>
@@ -14783,8 +14186,8 @@
         </p:nvSpPr>
         <p:spPr>
           <a:xfrm>
-            <a:off x="228600" y="542925"/>
-            <a:ext cx="8915400" cy="274320"/>
+            <a:off x="247649" y="542925"/>
+            <a:ext cx="8896350" cy="274320"/>
           </a:xfrm>
           <a:prstGeom prst="rect">
             <a:avLst/>
@@ -14828,8 +14231,8 @@
         </p:nvSpPr>
         <p:spPr>
           <a:xfrm>
-            <a:off x="228600" y="800100"/>
-            <a:ext cx="1800225" cy="1628775"/>
+            <a:off x="247649" y="800100"/>
+            <a:ext cx="1828800" cy="1628775"/>
           </a:xfrm>
           <a:prstGeom prst="rect">
             <a:avLst/>
@@ -14862,8 +14265,8 @@
           <p:nvPr/>
         </p:nvGraphicFramePr>
         <p:xfrm>
-          <a:off x="228600" y="800100"/>
-          <a:ext cx="1978854" cy="1571625"/>
+          <a:off x="247649" y="800100"/>
+          <a:ext cx="2001201" cy="1571625"/>
         </p:xfrm>
         <a:graphic>
           <a:graphicData uri="http://schemas.openxmlformats.org/drawingml/2006/table">
@@ -14872,9 +14275,9 @@
                 <a:tableStyleId>{5C22544A-7EE6-4342-B048-85BDC9FD1C3A}</a:tableStyleId>
               </a:tblPr>
               <a:tblGrid>
-                <a:gridCol w="842210"/>
-                <a:gridCol w="504229"/>
-                <a:gridCol w="632415"/>
+                <a:gridCol w="848677"/>
+                <a:gridCol w="513397"/>
+                <a:gridCol w="639127"/>
               </a:tblGrid>
               <a:tr h="314325">
                 <a:tc>
@@ -15813,8 +15216,8 @@
         </p:nvSpPr>
         <p:spPr>
           <a:xfrm>
-            <a:off x="2181225" y="561974"/>
-            <a:ext cx="6962775" cy="274320"/>
+            <a:off x="5581649" y="561974"/>
+            <a:ext cx="3562349" cy="274320"/>
           </a:xfrm>
           <a:prstGeom prst="rect">
             <a:avLst/>
@@ -15858,8 +15261,1199 @@
         </p:nvSpPr>
         <p:spPr>
           <a:xfrm>
-            <a:off x="2181225" y="819149"/>
-            <a:ext cx="6962775" cy="274320"/>
+            <a:off x="5581649" y="819149"/>
+            <a:ext cx="3562349" cy="342900"/>
+          </a:xfrm>
+          <a:prstGeom prst="rect">
+            <a:avLst/>
+          </a:prstGeom>
+          <a:noFill/>
+        </p:spPr>
+        <p:txBody>
+          <a:bodyPr wrap="square" lIns="0" rIns="0" tIns="0" bIns="0">
+            <a:spAutoFit/>
+          </a:bodyPr>
+          <a:lstStyle/>
+          <a:p>
+            <a:pPr algn="l">
+              <a:lnSpc>
+                <a:spcPct val="100000"/>
+              </a:lnSpc>
+              <a:spcBef>
+                <a:spcPts val="0"/>
+              </a:spcBef>
+              <a:spcAft>
+                <a:spcPts val="0"/>
+              </a:spcAft>
+            </a:pPr>
+            <a:r>
+              <a:rPr sz="1000">
+                <a:solidFill>
+                  <a:srgbClr val="E0E0E0"/>
+                </a:solidFill>
+                <a:latin typeface="Arial"/>
+              </a:rPr>
+              <a:t>All core features are either complete or in progress. Remaining items are performance tuning and UX polish.</a:t>
+            </a:r>
+          </a:p>
+        </p:txBody>
+      </p:sp>
+    </p:spTree>
+  </p:cSld>
+  <p:clrMapOvr>
+    <a:masterClrMapping/>
+  </p:clrMapOvr>
+</p:sld>
+</file>
+
+<file path=ppt/slides/slide24.xml><?xml version="1.0" encoding="utf-8"?>
+<p:sld xmlns:a="http://schemas.openxmlformats.org/drawingml/2006/main" xmlns:p="http://schemas.openxmlformats.org/presentationml/2006/main" xmlns:r="http://schemas.openxmlformats.org/officeDocument/2006/relationships">
+  <p:cSld>
+    <p:bg>
+      <p:bgPr>
+        <a:solidFill>
+          <a:srgbClr val="1A1A1A"/>
+        </a:solidFill>
+        <a:effectLst/>
+      </p:bgPr>
+    </p:bg>
+    <p:spTree>
+      <p:nvGrpSpPr>
+        <p:cNvPr id="1" name=""/>
+        <p:cNvGrpSpPr/>
+        <p:nvPr/>
+      </p:nvGrpSpPr>
+      <p:grpSpPr/>
+      <p:sp>
+        <p:nvSpPr>
+          <p:cNvPr id="2" name="TextBox 1"/>
+          <p:cNvSpPr txBox="1"/>
+          <p:nvPr/>
+        </p:nvSpPr>
+        <p:spPr>
+          <a:xfrm>
+            <a:off x="200025" y="180975"/>
+            <a:ext cx="8943975" cy="361950"/>
+          </a:xfrm>
+          <a:prstGeom prst="rect">
+            <a:avLst/>
+          </a:prstGeom>
+          <a:noFill/>
+        </p:spPr>
+        <p:txBody>
+          <a:bodyPr wrap="square" lIns="0" rIns="0" tIns="0" bIns="0">
+            <a:spAutoFit/>
+          </a:bodyPr>
+          <a:lstStyle/>
+          <a:p>
+            <a:pPr algn="l">
+              <a:lnSpc>
+                <a:spcPct val="100000"/>
+              </a:lnSpc>
+              <a:spcBef>
+                <a:spcPts val="0"/>
+              </a:spcBef>
+              <a:spcAft>
+                <a:spcPts val="0"/>
+              </a:spcAft>
+            </a:pPr>
+            <a:r>
+              <a:rPr sz="1600" b="1">
+                <a:solidFill>
+                  <a:srgbClr val="E0E0E0"/>
+                </a:solidFill>
+                <a:latin typeface="Arial"/>
+              </a:rPr>
+              <a:t>Two-column slide (Auto + default)</a:t>
+            </a:r>
+          </a:p>
+        </p:txBody>
+      </p:sp>
+      <p:sp>
+        <p:nvSpPr>
+          <p:cNvPr id="3" name="TextBox 2"/>
+          <p:cNvSpPr txBox="1"/>
+          <p:nvPr/>
+        </p:nvSpPr>
+        <p:spPr>
+          <a:xfrm>
+            <a:off x="247649" y="542925"/>
+            <a:ext cx="8896350" cy="274320"/>
+          </a:xfrm>
+          <a:prstGeom prst="rect">
+            <a:avLst/>
+          </a:prstGeom>
+          <a:noFill/>
+        </p:spPr>
+        <p:txBody>
+          <a:bodyPr wrap="square" lIns="0" rIns="0" tIns="0" bIns="0">
+            <a:spAutoFit/>
+          </a:bodyPr>
+          <a:lstStyle/>
+          <a:p>
+            <a:pPr algn="l">
+              <a:lnSpc>
+                <a:spcPct val="100000"/>
+              </a:lnSpc>
+              <a:spcBef>
+                <a:spcPts val="0"/>
+              </a:spcBef>
+              <a:spcAft>
+                <a:spcPts val="0"/>
+              </a:spcAft>
+            </a:pPr>
+            <a:r>
+              <a:rPr sz="1100" b="1">
+                <a:solidFill>
+                  <a:srgbClr val="E0E0E0"/>
+                </a:solidFill>
+                <a:latin typeface="Arial"/>
+              </a:rPr>
+              <a:t>📋 Project Status Table</a:t>
+            </a:r>
+          </a:p>
+        </p:txBody>
+      </p:sp>
+      <p:sp>
+        <p:nvSpPr>
+          <p:cNvPr id="4" name="TextBox 3"/>
+          <p:cNvSpPr txBox="1"/>
+          <p:nvPr/>
+        </p:nvSpPr>
+        <p:spPr>
+          <a:xfrm>
+            <a:off x="247649" y="800100"/>
+            <a:ext cx="1828800" cy="1628775"/>
+          </a:xfrm>
+          <a:prstGeom prst="rect">
+            <a:avLst/>
+          </a:prstGeom>
+          <a:noFill/>
+        </p:spPr>
+        <p:txBody>
+          <a:bodyPr wrap="square" lIns="0" rIns="0" tIns="0" bIns="0">
+            <a:spAutoFit/>
+          </a:bodyPr>
+          <a:lstStyle/>
+          <a:p>
+            <a:pPr>
+              <a:spcBef>
+                <a:spcPts val="0"/>
+              </a:spcBef>
+              <a:spcAft>
+                <a:spcPts val="0"/>
+              </a:spcAft>
+            </a:pPr>
+          </a:p>
+        </p:txBody>
+      </p:sp>
+      <p:graphicFrame>
+        <p:nvGraphicFramePr>
+          <p:cNvPr id="5" name="Table 4"/>
+          <p:cNvGraphicFramePr>
+            <a:graphicFrameLocks noGrp="1"/>
+          </p:cNvGraphicFramePr>
+          <p:nvPr/>
+        </p:nvGraphicFramePr>
+        <p:xfrm>
+          <a:off x="247649" y="800100"/>
+          <a:ext cx="2001201" cy="1571625"/>
+        </p:xfrm>
+        <a:graphic>
+          <a:graphicData uri="http://schemas.openxmlformats.org/drawingml/2006/table">
+            <a:tbl>
+              <a:tblPr>
+                <a:tableStyleId>{5C22544A-7EE6-4342-B048-85BDC9FD1C3A}</a:tableStyleId>
+              </a:tblPr>
+              <a:tblGrid>
+                <a:gridCol w="848677"/>
+                <a:gridCol w="513397"/>
+                <a:gridCol w="639127"/>
+              </a:tblGrid>
+              <a:tr h="314325">
+                <a:tc>
+                  <a:txBody>
+                    <a:bodyPr lIns="76200" rIns="76200" tIns="76200" bIns="76200"/>
+                    <a:lstStyle/>
+                    <a:p>
+                      <a:pPr>
+                        <a:lnSpc>
+                          <a:spcPct val="100000"/>
+                        </a:lnSpc>
+                      </a:pPr>
+                      <a:r>
+                        <a:rPr b="1" sz="800">
+                          <a:solidFill>
+                            <a:srgbClr val="FFFFFF"/>
+                          </a:solidFill>
+                          <a:latin typeface="Arial"/>
+                        </a:rPr>
+                        <a:t>Task</a:t>
+                      </a:r>
+                    </a:p>
+                  </a:txBody>
+                  <a:tcPr>
+                    <a:noFill/>
+                    <a:lnL w="12700">
+                      <a:solidFill>
+                        <a:srgbClr val="ffffff"/>
+                      </a:solidFill>
+                      <a:prstDash val="solid"/>
+                      <a:round/>
+                      <a:headEnd type="none" w="med" len="med"/>
+                      <a:tailEnd type="none" w="med" len="med"/>
+                    </a:lnL>
+                    <a:lnR w="12700">
+                      <a:solidFill>
+                        <a:srgbClr val="ffffff"/>
+                      </a:solidFill>
+                      <a:prstDash val="solid"/>
+                      <a:round/>
+                      <a:headEnd type="none" w="med" len="med"/>
+                      <a:tailEnd type="none" w="med" len="med"/>
+                    </a:lnR>
+                    <a:lnT w="12700">
+                      <a:solidFill>
+                        <a:srgbClr val="ffffff"/>
+                      </a:solidFill>
+                      <a:prstDash val="solid"/>
+                      <a:round/>
+                      <a:headEnd type="none" w="med" len="med"/>
+                      <a:tailEnd type="none" w="med" len="med"/>
+                    </a:lnT>
+                    <a:lnB w="12700">
+                      <a:solidFill>
+                        <a:srgbClr val="ffffff"/>
+                      </a:solidFill>
+                      <a:prstDash val="solid"/>
+                      <a:round/>
+                      <a:headEnd type="none" w="med" len="med"/>
+                      <a:tailEnd type="none" w="med" len="med"/>
+                    </a:lnB>
+                  </a:tcPr>
+                </a:tc>
+                <a:tc>
+                  <a:txBody>
+                    <a:bodyPr lIns="76200" rIns="76200" tIns="76200" bIns="76200"/>
+                    <a:lstStyle/>
+                    <a:p>
+                      <a:pPr>
+                        <a:lnSpc>
+                          <a:spcPct val="100000"/>
+                        </a:lnSpc>
+                      </a:pPr>
+                      <a:r>
+                        <a:rPr b="1" sz="800">
+                          <a:solidFill>
+                            <a:srgbClr val="FFFFFF"/>
+                          </a:solidFill>
+                          <a:latin typeface="Arial"/>
+                        </a:rPr>
+                        <a:t>Owner</a:t>
+                      </a:r>
+                    </a:p>
+                  </a:txBody>
+                  <a:tcPr>
+                    <a:noFill/>
+                    <a:lnL w="12700">
+                      <a:solidFill>
+                        <a:srgbClr val="ffffff"/>
+                      </a:solidFill>
+                      <a:prstDash val="solid"/>
+                      <a:round/>
+                      <a:headEnd type="none" w="med" len="med"/>
+                      <a:tailEnd type="none" w="med" len="med"/>
+                    </a:lnL>
+                    <a:lnR w="12700">
+                      <a:solidFill>
+                        <a:srgbClr val="ffffff"/>
+                      </a:solidFill>
+                      <a:prstDash val="solid"/>
+                      <a:round/>
+                      <a:headEnd type="none" w="med" len="med"/>
+                      <a:tailEnd type="none" w="med" len="med"/>
+                    </a:lnR>
+                    <a:lnT w="12700">
+                      <a:solidFill>
+                        <a:srgbClr val="ffffff"/>
+                      </a:solidFill>
+                      <a:prstDash val="solid"/>
+                      <a:round/>
+                      <a:headEnd type="none" w="med" len="med"/>
+                      <a:tailEnd type="none" w="med" len="med"/>
+                    </a:lnT>
+                    <a:lnB w="12700">
+                      <a:solidFill>
+                        <a:srgbClr val="ffffff"/>
+                      </a:solidFill>
+                      <a:prstDash val="solid"/>
+                      <a:round/>
+                      <a:headEnd type="none" w="med" len="med"/>
+                      <a:tailEnd type="none" w="med" len="med"/>
+                    </a:lnB>
+                  </a:tcPr>
+                </a:tc>
+                <a:tc>
+                  <a:txBody>
+                    <a:bodyPr lIns="76200" rIns="76200" tIns="76200" bIns="76200"/>
+                    <a:lstStyle/>
+                    <a:p>
+                      <a:pPr>
+                        <a:lnSpc>
+                          <a:spcPct val="100000"/>
+                        </a:lnSpc>
+                      </a:pPr>
+                      <a:r>
+                        <a:rPr b="1" sz="800">
+                          <a:solidFill>
+                            <a:srgbClr val="FFFFFF"/>
+                          </a:solidFill>
+                          <a:latin typeface="Arial"/>
+                        </a:rPr>
+                        <a:t>Progress</a:t>
+                      </a:r>
+                    </a:p>
+                  </a:txBody>
+                  <a:tcPr>
+                    <a:noFill/>
+                    <a:lnL w="12700">
+                      <a:solidFill>
+                        <a:srgbClr val="ffffff"/>
+                      </a:solidFill>
+                      <a:prstDash val="solid"/>
+                      <a:round/>
+                      <a:headEnd type="none" w="med" len="med"/>
+                      <a:tailEnd type="none" w="med" len="med"/>
+                    </a:lnL>
+                    <a:lnR w="12700">
+                      <a:solidFill>
+                        <a:srgbClr val="ffffff"/>
+                      </a:solidFill>
+                      <a:prstDash val="solid"/>
+                      <a:round/>
+                      <a:headEnd type="none" w="med" len="med"/>
+                      <a:tailEnd type="none" w="med" len="med"/>
+                    </a:lnR>
+                    <a:lnT w="12700">
+                      <a:solidFill>
+                        <a:srgbClr val="ffffff"/>
+                      </a:solidFill>
+                      <a:prstDash val="solid"/>
+                      <a:round/>
+                      <a:headEnd type="none" w="med" len="med"/>
+                      <a:tailEnd type="none" w="med" len="med"/>
+                    </a:lnT>
+                    <a:lnB w="12700">
+                      <a:solidFill>
+                        <a:srgbClr val="ffffff"/>
+                      </a:solidFill>
+                      <a:prstDash val="solid"/>
+                      <a:round/>
+                      <a:headEnd type="none" w="med" len="med"/>
+                      <a:tailEnd type="none" w="med" len="med"/>
+                    </a:lnB>
+                  </a:tcPr>
+                </a:tc>
+              </a:tr>
+              <a:tr h="314325">
+                <a:tc>
+                  <a:txBody>
+                    <a:bodyPr lIns="76200" rIns="76200" tIns="76200" bIns="76200"/>
+                    <a:lstStyle/>
+                    <a:p>
+                      <a:pPr>
+                        <a:lnSpc>
+                          <a:spcPct val="100000"/>
+                        </a:lnSpc>
+                      </a:pPr>
+                      <a:r>
+                        <a:rPr sz="800">
+                          <a:solidFill>
+                            <a:srgbClr val="FFFFFF"/>
+                          </a:solidFill>
+                          <a:latin typeface="Arial"/>
+                        </a:rPr>
+                        <a:t>Authentication</a:t>
+                      </a:r>
+                    </a:p>
+                  </a:txBody>
+                  <a:tcPr>
+                    <a:noFill/>
+                    <a:lnL w="12700">
+                      <a:solidFill>
+                        <a:srgbClr val="ffffff"/>
+                      </a:solidFill>
+                      <a:prstDash val="solid"/>
+                      <a:round/>
+                      <a:headEnd type="none" w="med" len="med"/>
+                      <a:tailEnd type="none" w="med" len="med"/>
+                    </a:lnL>
+                    <a:lnR w="12700">
+                      <a:solidFill>
+                        <a:srgbClr val="ffffff"/>
+                      </a:solidFill>
+                      <a:prstDash val="solid"/>
+                      <a:round/>
+                      <a:headEnd type="none" w="med" len="med"/>
+                      <a:tailEnd type="none" w="med" len="med"/>
+                    </a:lnR>
+                    <a:lnT w="12700">
+                      <a:solidFill>
+                        <a:srgbClr val="ffffff"/>
+                      </a:solidFill>
+                      <a:prstDash val="solid"/>
+                      <a:round/>
+                      <a:headEnd type="none" w="med" len="med"/>
+                      <a:tailEnd type="none" w="med" len="med"/>
+                    </a:lnT>
+                    <a:lnB w="12700">
+                      <a:solidFill>
+                        <a:srgbClr val="ffffff"/>
+                      </a:solidFill>
+                      <a:prstDash val="solid"/>
+                      <a:round/>
+                      <a:headEnd type="none" w="med" len="med"/>
+                      <a:tailEnd type="none" w="med" len="med"/>
+                    </a:lnB>
+                  </a:tcPr>
+                </a:tc>
+                <a:tc>
+                  <a:txBody>
+                    <a:bodyPr lIns="76200" rIns="76200" tIns="76200" bIns="76200"/>
+                    <a:lstStyle/>
+                    <a:p>
+                      <a:pPr>
+                        <a:lnSpc>
+                          <a:spcPct val="100000"/>
+                        </a:lnSpc>
+                      </a:pPr>
+                      <a:r>
+                        <a:rPr sz="800">
+                          <a:solidFill>
+                            <a:srgbClr val="FFFFFF"/>
+                          </a:solidFill>
+                          <a:latin typeface="Arial"/>
+                        </a:rPr>
+                        <a:t>Alice</a:t>
+                      </a:r>
+                    </a:p>
+                  </a:txBody>
+                  <a:tcPr>
+                    <a:noFill/>
+                    <a:lnL w="12700">
+                      <a:solidFill>
+                        <a:srgbClr val="ffffff"/>
+                      </a:solidFill>
+                      <a:prstDash val="solid"/>
+                      <a:round/>
+                      <a:headEnd type="none" w="med" len="med"/>
+                      <a:tailEnd type="none" w="med" len="med"/>
+                    </a:lnL>
+                    <a:lnR w="12700">
+                      <a:solidFill>
+                        <a:srgbClr val="ffffff"/>
+                      </a:solidFill>
+                      <a:prstDash val="solid"/>
+                      <a:round/>
+                      <a:headEnd type="none" w="med" len="med"/>
+                      <a:tailEnd type="none" w="med" len="med"/>
+                    </a:lnR>
+                    <a:lnT w="12700">
+                      <a:solidFill>
+                        <a:srgbClr val="ffffff"/>
+                      </a:solidFill>
+                      <a:prstDash val="solid"/>
+                      <a:round/>
+                      <a:headEnd type="none" w="med" len="med"/>
+                      <a:tailEnd type="none" w="med" len="med"/>
+                    </a:lnT>
+                    <a:lnB w="12700">
+                      <a:solidFill>
+                        <a:srgbClr val="ffffff"/>
+                      </a:solidFill>
+                      <a:prstDash val="solid"/>
+                      <a:round/>
+                      <a:headEnd type="none" w="med" len="med"/>
+                      <a:tailEnd type="none" w="med" len="med"/>
+                    </a:lnB>
+                  </a:tcPr>
+                </a:tc>
+                <a:tc>
+                  <a:txBody>
+                    <a:bodyPr lIns="76200" rIns="76200" tIns="76200" bIns="76200"/>
+                    <a:lstStyle/>
+                    <a:p>
+                      <a:pPr>
+                        <a:lnSpc>
+                          <a:spcPct val="100000"/>
+                        </a:lnSpc>
+                      </a:pPr>
+                      <a:r>
+                        <a:rPr sz="800">
+                          <a:solidFill>
+                            <a:srgbClr val="FFFFFF"/>
+                          </a:solidFill>
+                          <a:latin typeface="Arial"/>
+                        </a:rPr>
+                        <a:t>100%</a:t>
+                      </a:r>
+                    </a:p>
+                  </a:txBody>
+                  <a:tcPr>
+                    <a:noFill/>
+                    <a:lnL w="12700">
+                      <a:solidFill>
+                        <a:srgbClr val="ffffff"/>
+                      </a:solidFill>
+                      <a:prstDash val="solid"/>
+                      <a:round/>
+                      <a:headEnd type="none" w="med" len="med"/>
+                      <a:tailEnd type="none" w="med" len="med"/>
+                    </a:lnL>
+                    <a:lnR w="12700">
+                      <a:solidFill>
+                        <a:srgbClr val="ffffff"/>
+                      </a:solidFill>
+                      <a:prstDash val="solid"/>
+                      <a:round/>
+                      <a:headEnd type="none" w="med" len="med"/>
+                      <a:tailEnd type="none" w="med" len="med"/>
+                    </a:lnR>
+                    <a:lnT w="12700">
+                      <a:solidFill>
+                        <a:srgbClr val="ffffff"/>
+                      </a:solidFill>
+                      <a:prstDash val="solid"/>
+                      <a:round/>
+                      <a:headEnd type="none" w="med" len="med"/>
+                      <a:tailEnd type="none" w="med" len="med"/>
+                    </a:lnT>
+                    <a:lnB w="12700">
+                      <a:solidFill>
+                        <a:srgbClr val="ffffff"/>
+                      </a:solidFill>
+                      <a:prstDash val="solid"/>
+                      <a:round/>
+                      <a:headEnd type="none" w="med" len="med"/>
+                      <a:tailEnd type="none" w="med" len="med"/>
+                    </a:lnB>
+                  </a:tcPr>
+                </a:tc>
+              </a:tr>
+              <a:tr h="314325">
+                <a:tc>
+                  <a:txBody>
+                    <a:bodyPr lIns="76200" rIns="76200" tIns="76200" bIns="76200"/>
+                    <a:lstStyle/>
+                    <a:p>
+                      <a:pPr>
+                        <a:lnSpc>
+                          <a:spcPct val="100000"/>
+                        </a:lnSpc>
+                      </a:pPr>
+                      <a:r>
+                        <a:rPr sz="800">
+                          <a:solidFill>
+                            <a:srgbClr val="FFFFFF"/>
+                          </a:solidFill>
+                          <a:latin typeface="Arial"/>
+                        </a:rPr>
+                        <a:t>Database</a:t>
+                      </a:r>
+                    </a:p>
+                  </a:txBody>
+                  <a:tcPr>
+                    <a:noFill/>
+                    <a:lnL w="12700">
+                      <a:solidFill>
+                        <a:srgbClr val="ffffff"/>
+                      </a:solidFill>
+                      <a:prstDash val="solid"/>
+                      <a:round/>
+                      <a:headEnd type="none" w="med" len="med"/>
+                      <a:tailEnd type="none" w="med" len="med"/>
+                    </a:lnL>
+                    <a:lnR w="12700">
+                      <a:solidFill>
+                        <a:srgbClr val="ffffff"/>
+                      </a:solidFill>
+                      <a:prstDash val="solid"/>
+                      <a:round/>
+                      <a:headEnd type="none" w="med" len="med"/>
+                      <a:tailEnd type="none" w="med" len="med"/>
+                    </a:lnR>
+                    <a:lnT w="12700">
+                      <a:solidFill>
+                        <a:srgbClr val="ffffff"/>
+                      </a:solidFill>
+                      <a:prstDash val="solid"/>
+                      <a:round/>
+                      <a:headEnd type="none" w="med" len="med"/>
+                      <a:tailEnd type="none" w="med" len="med"/>
+                    </a:lnT>
+                    <a:lnB w="12700">
+                      <a:solidFill>
+                        <a:srgbClr val="ffffff"/>
+                      </a:solidFill>
+                      <a:prstDash val="solid"/>
+                      <a:round/>
+                      <a:headEnd type="none" w="med" len="med"/>
+                      <a:tailEnd type="none" w="med" len="med"/>
+                    </a:lnB>
+                  </a:tcPr>
+                </a:tc>
+                <a:tc>
+                  <a:txBody>
+                    <a:bodyPr lIns="76200" rIns="76200" tIns="76200" bIns="76200"/>
+                    <a:lstStyle/>
+                    <a:p>
+                      <a:pPr>
+                        <a:lnSpc>
+                          <a:spcPct val="100000"/>
+                        </a:lnSpc>
+                      </a:pPr>
+                      <a:r>
+                        <a:rPr sz="800">
+                          <a:solidFill>
+                            <a:srgbClr val="FFFFFF"/>
+                          </a:solidFill>
+                          <a:latin typeface="Arial"/>
+                        </a:rPr>
+                        <a:t>Bob</a:t>
+                      </a:r>
+                    </a:p>
+                  </a:txBody>
+                  <a:tcPr>
+                    <a:noFill/>
+                    <a:lnL w="12700">
+                      <a:solidFill>
+                        <a:srgbClr val="ffffff"/>
+                      </a:solidFill>
+                      <a:prstDash val="solid"/>
+                      <a:round/>
+                      <a:headEnd type="none" w="med" len="med"/>
+                      <a:tailEnd type="none" w="med" len="med"/>
+                    </a:lnL>
+                    <a:lnR w="12700">
+                      <a:solidFill>
+                        <a:srgbClr val="ffffff"/>
+                      </a:solidFill>
+                      <a:prstDash val="solid"/>
+                      <a:round/>
+                      <a:headEnd type="none" w="med" len="med"/>
+                      <a:tailEnd type="none" w="med" len="med"/>
+                    </a:lnR>
+                    <a:lnT w="12700">
+                      <a:solidFill>
+                        <a:srgbClr val="ffffff"/>
+                      </a:solidFill>
+                      <a:prstDash val="solid"/>
+                      <a:round/>
+                      <a:headEnd type="none" w="med" len="med"/>
+                      <a:tailEnd type="none" w="med" len="med"/>
+                    </a:lnT>
+                    <a:lnB w="12700">
+                      <a:solidFill>
+                        <a:srgbClr val="ffffff"/>
+                      </a:solidFill>
+                      <a:prstDash val="solid"/>
+                      <a:round/>
+                      <a:headEnd type="none" w="med" len="med"/>
+                      <a:tailEnd type="none" w="med" len="med"/>
+                    </a:lnB>
+                  </a:tcPr>
+                </a:tc>
+                <a:tc>
+                  <a:txBody>
+                    <a:bodyPr lIns="76200" rIns="76200" tIns="76200" bIns="76200"/>
+                    <a:lstStyle/>
+                    <a:p>
+                      <a:pPr>
+                        <a:lnSpc>
+                          <a:spcPct val="100000"/>
+                        </a:lnSpc>
+                      </a:pPr>
+                      <a:r>
+                        <a:rPr sz="800">
+                          <a:solidFill>
+                            <a:srgbClr val="FFFFFF"/>
+                          </a:solidFill>
+                          <a:latin typeface="Arial"/>
+                        </a:rPr>
+                        <a:t>80%</a:t>
+                      </a:r>
+                    </a:p>
+                  </a:txBody>
+                  <a:tcPr>
+                    <a:noFill/>
+                    <a:lnL w="12700">
+                      <a:solidFill>
+                        <a:srgbClr val="ffffff"/>
+                      </a:solidFill>
+                      <a:prstDash val="solid"/>
+                      <a:round/>
+                      <a:headEnd type="none" w="med" len="med"/>
+                      <a:tailEnd type="none" w="med" len="med"/>
+                    </a:lnL>
+                    <a:lnR w="12700">
+                      <a:solidFill>
+                        <a:srgbClr val="ffffff"/>
+                      </a:solidFill>
+                      <a:prstDash val="solid"/>
+                      <a:round/>
+                      <a:headEnd type="none" w="med" len="med"/>
+                      <a:tailEnd type="none" w="med" len="med"/>
+                    </a:lnR>
+                    <a:lnT w="12700">
+                      <a:solidFill>
+                        <a:srgbClr val="ffffff"/>
+                      </a:solidFill>
+                      <a:prstDash val="solid"/>
+                      <a:round/>
+                      <a:headEnd type="none" w="med" len="med"/>
+                      <a:tailEnd type="none" w="med" len="med"/>
+                    </a:lnT>
+                    <a:lnB w="12700">
+                      <a:solidFill>
+                        <a:srgbClr val="ffffff"/>
+                      </a:solidFill>
+                      <a:prstDash val="solid"/>
+                      <a:round/>
+                      <a:headEnd type="none" w="med" len="med"/>
+                      <a:tailEnd type="none" w="med" len="med"/>
+                    </a:lnB>
+                  </a:tcPr>
+                </a:tc>
+              </a:tr>
+              <a:tr h="314325">
+                <a:tc>
+                  <a:txBody>
+                    <a:bodyPr lIns="76200" rIns="76200" tIns="76200" bIns="76200"/>
+                    <a:lstStyle/>
+                    <a:p>
+                      <a:pPr>
+                        <a:lnSpc>
+                          <a:spcPct val="100000"/>
+                        </a:lnSpc>
+                      </a:pPr>
+                      <a:r>
+                        <a:rPr sz="800">
+                          <a:solidFill>
+                            <a:srgbClr val="FFFFFF"/>
+                          </a:solidFill>
+                          <a:latin typeface="Arial"/>
+                        </a:rPr>
+                        <a:t>API Docs</a:t>
+                      </a:r>
+                    </a:p>
+                  </a:txBody>
+                  <a:tcPr>
+                    <a:noFill/>
+                    <a:lnL w="12700">
+                      <a:solidFill>
+                        <a:srgbClr val="ffffff"/>
+                      </a:solidFill>
+                      <a:prstDash val="solid"/>
+                      <a:round/>
+                      <a:headEnd type="none" w="med" len="med"/>
+                      <a:tailEnd type="none" w="med" len="med"/>
+                    </a:lnL>
+                    <a:lnR w="12700">
+                      <a:solidFill>
+                        <a:srgbClr val="ffffff"/>
+                      </a:solidFill>
+                      <a:prstDash val="solid"/>
+                      <a:round/>
+                      <a:headEnd type="none" w="med" len="med"/>
+                      <a:tailEnd type="none" w="med" len="med"/>
+                    </a:lnR>
+                    <a:lnT w="12700">
+                      <a:solidFill>
+                        <a:srgbClr val="ffffff"/>
+                      </a:solidFill>
+                      <a:prstDash val="solid"/>
+                      <a:round/>
+                      <a:headEnd type="none" w="med" len="med"/>
+                      <a:tailEnd type="none" w="med" len="med"/>
+                    </a:lnT>
+                    <a:lnB w="12700">
+                      <a:solidFill>
+                        <a:srgbClr val="ffffff"/>
+                      </a:solidFill>
+                      <a:prstDash val="solid"/>
+                      <a:round/>
+                      <a:headEnd type="none" w="med" len="med"/>
+                      <a:tailEnd type="none" w="med" len="med"/>
+                    </a:lnB>
+                  </a:tcPr>
+                </a:tc>
+                <a:tc>
+                  <a:txBody>
+                    <a:bodyPr lIns="76200" rIns="76200" tIns="76200" bIns="76200"/>
+                    <a:lstStyle/>
+                    <a:p>
+                      <a:pPr>
+                        <a:lnSpc>
+                          <a:spcPct val="100000"/>
+                        </a:lnSpc>
+                      </a:pPr>
+                      <a:r>
+                        <a:rPr sz="800">
+                          <a:solidFill>
+                            <a:srgbClr val="FFFFFF"/>
+                          </a:solidFill>
+                          <a:latin typeface="Arial"/>
+                        </a:rPr>
+                        <a:t>Carol</a:t>
+                      </a:r>
+                    </a:p>
+                  </a:txBody>
+                  <a:tcPr>
+                    <a:noFill/>
+                    <a:lnL w="12700">
+                      <a:solidFill>
+                        <a:srgbClr val="ffffff"/>
+                      </a:solidFill>
+                      <a:prstDash val="solid"/>
+                      <a:round/>
+                      <a:headEnd type="none" w="med" len="med"/>
+                      <a:tailEnd type="none" w="med" len="med"/>
+                    </a:lnL>
+                    <a:lnR w="12700">
+                      <a:solidFill>
+                        <a:srgbClr val="ffffff"/>
+                      </a:solidFill>
+                      <a:prstDash val="solid"/>
+                      <a:round/>
+                      <a:headEnd type="none" w="med" len="med"/>
+                      <a:tailEnd type="none" w="med" len="med"/>
+                    </a:lnR>
+                    <a:lnT w="12700">
+                      <a:solidFill>
+                        <a:srgbClr val="ffffff"/>
+                      </a:solidFill>
+                      <a:prstDash val="solid"/>
+                      <a:round/>
+                      <a:headEnd type="none" w="med" len="med"/>
+                      <a:tailEnd type="none" w="med" len="med"/>
+                    </a:lnT>
+                    <a:lnB w="12700">
+                      <a:solidFill>
+                        <a:srgbClr val="ffffff"/>
+                      </a:solidFill>
+                      <a:prstDash val="solid"/>
+                      <a:round/>
+                      <a:headEnd type="none" w="med" len="med"/>
+                      <a:tailEnd type="none" w="med" len="med"/>
+                    </a:lnB>
+                  </a:tcPr>
+                </a:tc>
+                <a:tc>
+                  <a:txBody>
+                    <a:bodyPr lIns="76200" rIns="76200" tIns="76200" bIns="76200"/>
+                    <a:lstStyle/>
+                    <a:p>
+                      <a:pPr>
+                        <a:lnSpc>
+                          <a:spcPct val="100000"/>
+                        </a:lnSpc>
+                      </a:pPr>
+                      <a:r>
+                        <a:rPr sz="800">
+                          <a:solidFill>
+                            <a:srgbClr val="FFFFFF"/>
+                          </a:solidFill>
+                          <a:latin typeface="Arial"/>
+                        </a:rPr>
+                        <a:t>100%</a:t>
+                      </a:r>
+                    </a:p>
+                  </a:txBody>
+                  <a:tcPr>
+                    <a:noFill/>
+                    <a:lnL w="12700">
+                      <a:solidFill>
+                        <a:srgbClr val="ffffff"/>
+                      </a:solidFill>
+                      <a:prstDash val="solid"/>
+                      <a:round/>
+                      <a:headEnd type="none" w="med" len="med"/>
+                      <a:tailEnd type="none" w="med" len="med"/>
+                    </a:lnL>
+                    <a:lnR w="12700">
+                      <a:solidFill>
+                        <a:srgbClr val="ffffff"/>
+                      </a:solidFill>
+                      <a:prstDash val="solid"/>
+                      <a:round/>
+                      <a:headEnd type="none" w="med" len="med"/>
+                      <a:tailEnd type="none" w="med" len="med"/>
+                    </a:lnR>
+                    <a:lnT w="12700">
+                      <a:solidFill>
+                        <a:srgbClr val="ffffff"/>
+                      </a:solidFill>
+                      <a:prstDash val="solid"/>
+                      <a:round/>
+                      <a:headEnd type="none" w="med" len="med"/>
+                      <a:tailEnd type="none" w="med" len="med"/>
+                    </a:lnT>
+                    <a:lnB w="12700">
+                      <a:solidFill>
+                        <a:srgbClr val="ffffff"/>
+                      </a:solidFill>
+                      <a:prstDash val="solid"/>
+                      <a:round/>
+                      <a:headEnd type="none" w="med" len="med"/>
+                      <a:tailEnd type="none" w="med" len="med"/>
+                    </a:lnB>
+                  </a:tcPr>
+                </a:tc>
+              </a:tr>
+              <a:tr h="314325">
+                <a:tc>
+                  <a:txBody>
+                    <a:bodyPr lIns="76200" rIns="76200" tIns="76200" bIns="76200"/>
+                    <a:lstStyle/>
+                    <a:p>
+                      <a:pPr>
+                        <a:lnSpc>
+                          <a:spcPct val="100000"/>
+                        </a:lnSpc>
+                      </a:pPr>
+                      <a:r>
+                        <a:rPr sz="800">
+                          <a:solidFill>
+                            <a:srgbClr val="FFFFFF"/>
+                          </a:solidFill>
+                          <a:latin typeface="Arial"/>
+                        </a:rPr>
+                        <a:t>Analytics</a:t>
+                      </a:r>
+                    </a:p>
+                  </a:txBody>
+                  <a:tcPr>
+                    <a:noFill/>
+                    <a:lnL w="12700">
+                      <a:solidFill>
+                        <a:srgbClr val="ffffff"/>
+                      </a:solidFill>
+                      <a:prstDash val="solid"/>
+                      <a:round/>
+                      <a:headEnd type="none" w="med" len="med"/>
+                      <a:tailEnd type="none" w="med" len="med"/>
+                    </a:lnL>
+                    <a:lnR w="12700">
+                      <a:solidFill>
+                        <a:srgbClr val="ffffff"/>
+                      </a:solidFill>
+                      <a:prstDash val="solid"/>
+                      <a:round/>
+                      <a:headEnd type="none" w="med" len="med"/>
+                      <a:tailEnd type="none" w="med" len="med"/>
+                    </a:lnR>
+                    <a:lnT w="12700">
+                      <a:solidFill>
+                        <a:srgbClr val="ffffff"/>
+                      </a:solidFill>
+                      <a:prstDash val="solid"/>
+                      <a:round/>
+                      <a:headEnd type="none" w="med" len="med"/>
+                      <a:tailEnd type="none" w="med" len="med"/>
+                    </a:lnT>
+                    <a:lnB w="12700">
+                      <a:solidFill>
+                        <a:srgbClr val="ffffff"/>
+                      </a:solidFill>
+                      <a:prstDash val="solid"/>
+                      <a:round/>
+                      <a:headEnd type="none" w="med" len="med"/>
+                      <a:tailEnd type="none" w="med" len="med"/>
+                    </a:lnB>
+                  </a:tcPr>
+                </a:tc>
+                <a:tc>
+                  <a:txBody>
+                    <a:bodyPr lIns="76200" rIns="76200" tIns="76200" bIns="76200"/>
+                    <a:lstStyle/>
+                    <a:p>
+                      <a:pPr>
+                        <a:lnSpc>
+                          <a:spcPct val="100000"/>
+                        </a:lnSpc>
+                      </a:pPr>
+                      <a:r>
+                        <a:rPr sz="800">
+                          <a:solidFill>
+                            <a:srgbClr val="FFFFFF"/>
+                          </a:solidFill>
+                          <a:latin typeface="Arial"/>
+                        </a:rPr>
+                        <a:t>Dave</a:t>
+                      </a:r>
+                    </a:p>
+                  </a:txBody>
+                  <a:tcPr>
+                    <a:noFill/>
+                    <a:lnL w="12700">
+                      <a:solidFill>
+                        <a:srgbClr val="ffffff"/>
+                      </a:solidFill>
+                      <a:prstDash val="solid"/>
+                      <a:round/>
+                      <a:headEnd type="none" w="med" len="med"/>
+                      <a:tailEnd type="none" w="med" len="med"/>
+                    </a:lnL>
+                    <a:lnR w="12700">
+                      <a:solidFill>
+                        <a:srgbClr val="ffffff"/>
+                      </a:solidFill>
+                      <a:prstDash val="solid"/>
+                      <a:round/>
+                      <a:headEnd type="none" w="med" len="med"/>
+                      <a:tailEnd type="none" w="med" len="med"/>
+                    </a:lnR>
+                    <a:lnT w="12700">
+                      <a:solidFill>
+                        <a:srgbClr val="ffffff"/>
+                      </a:solidFill>
+                      <a:prstDash val="solid"/>
+                      <a:round/>
+                      <a:headEnd type="none" w="med" len="med"/>
+                      <a:tailEnd type="none" w="med" len="med"/>
+                    </a:lnT>
+                    <a:lnB w="12700">
+                      <a:solidFill>
+                        <a:srgbClr val="ffffff"/>
+                      </a:solidFill>
+                      <a:prstDash val="solid"/>
+                      <a:round/>
+                      <a:headEnd type="none" w="med" len="med"/>
+                      <a:tailEnd type="none" w="med" len="med"/>
+                    </a:lnB>
+                  </a:tcPr>
+                </a:tc>
+                <a:tc>
+                  <a:txBody>
+                    <a:bodyPr lIns="76200" rIns="76200" tIns="76200" bIns="76200"/>
+                    <a:lstStyle/>
+                    <a:p>
+                      <a:pPr>
+                        <a:lnSpc>
+                          <a:spcPct val="100000"/>
+                        </a:lnSpc>
+                      </a:pPr>
+                      <a:r>
+                        <a:rPr sz="800">
+                          <a:solidFill>
+                            <a:srgbClr val="FFFFFF"/>
+                          </a:solidFill>
+                          <a:latin typeface="Arial"/>
+                        </a:rPr>
+                        <a:t>60%</a:t>
+                      </a:r>
+                    </a:p>
+                  </a:txBody>
+                  <a:tcPr>
+                    <a:noFill/>
+                    <a:lnL w="12700">
+                      <a:solidFill>
+                        <a:srgbClr val="ffffff"/>
+                      </a:solidFill>
+                      <a:prstDash val="solid"/>
+                      <a:round/>
+                      <a:headEnd type="none" w="med" len="med"/>
+                      <a:tailEnd type="none" w="med" len="med"/>
+                    </a:lnL>
+                    <a:lnR w="12700">
+                      <a:solidFill>
+                        <a:srgbClr val="ffffff"/>
+                      </a:solidFill>
+                      <a:prstDash val="solid"/>
+                      <a:round/>
+                      <a:headEnd type="none" w="med" len="med"/>
+                      <a:tailEnd type="none" w="med" len="med"/>
+                    </a:lnR>
+                    <a:lnT w="12700">
+                      <a:solidFill>
+                        <a:srgbClr val="ffffff"/>
+                      </a:solidFill>
+                      <a:prstDash val="solid"/>
+                      <a:round/>
+                      <a:headEnd type="none" w="med" len="med"/>
+                      <a:tailEnd type="none" w="med" len="med"/>
+                    </a:lnT>
+                    <a:lnB w="12700">
+                      <a:solidFill>
+                        <a:srgbClr val="ffffff"/>
+                      </a:solidFill>
+                      <a:prstDash val="solid"/>
+                      <a:round/>
+                      <a:headEnd type="none" w="med" len="med"/>
+                      <a:tailEnd type="none" w="med" len="med"/>
+                    </a:lnB>
+                  </a:tcPr>
+                </a:tc>
+              </a:tr>
+            </a:tbl>
+          </a:graphicData>
+        </a:graphic>
+      </p:graphicFrame>
+      <p:sp>
+        <p:nvSpPr>
+          <p:cNvPr id="6" name="TextBox 5"/>
+          <p:cNvSpPr txBox="1"/>
+          <p:nvPr/>
+        </p:nvSpPr>
+        <p:spPr>
+          <a:xfrm>
+            <a:off x="2171700" y="561974"/>
+            <a:ext cx="6972300" cy="274320"/>
+          </a:xfrm>
+          <a:prstGeom prst="rect">
+            <a:avLst/>
+          </a:prstGeom>
+          <a:noFill/>
+        </p:spPr>
+        <p:txBody>
+          <a:bodyPr wrap="square" lIns="0" rIns="0" tIns="0" bIns="0">
+            <a:spAutoFit/>
+          </a:bodyPr>
+          <a:lstStyle/>
+          <a:p>
+            <a:pPr algn="l">
+              <a:lnSpc>
+                <a:spcPct val="100000"/>
+              </a:lnSpc>
+              <a:spcBef>
+                <a:spcPts val="0"/>
+              </a:spcBef>
+              <a:spcAft>
+                <a:spcPts val="0"/>
+              </a:spcAft>
+            </a:pPr>
+            <a:r>
+              <a:rPr sz="1100" b="1">
+                <a:solidFill>
+                  <a:srgbClr val="E0E0E0"/>
+                </a:solidFill>
+                <a:latin typeface="Arial"/>
+              </a:rPr>
+              <a:t>✍️ Notes</a:t>
+            </a:r>
+          </a:p>
+        </p:txBody>
+      </p:sp>
+      <p:sp>
+        <p:nvSpPr>
+          <p:cNvPr id="7" name="TextBox 6"/>
+          <p:cNvSpPr txBox="1"/>
+          <p:nvPr/>
+        </p:nvSpPr>
+        <p:spPr>
+          <a:xfrm>
+            <a:off x="2171700" y="819149"/>
+            <a:ext cx="6972300" cy="274320"/>
           </a:xfrm>
           <a:prstGeom prst="rect">
             <a:avLst/>
@@ -16020,7 +16614,7 @@
         <p:spPr>
           <a:xfrm>
             <a:off x="200025" y="847724"/>
-            <a:ext cx="5153024" cy="1628775"/>
+            <a:ext cx="5191125" cy="1628775"/>
           </a:xfrm>
           <a:prstGeom prst="rect">
             <a:avLst/>
@@ -16054,7 +16648,7 @@
         </p:nvGraphicFramePr>
         <p:xfrm>
           <a:off x="200025" y="847724"/>
-          <a:ext cx="5661695" cy="1571625"/>
+          <a:ext cx="5699759" cy="1571625"/>
         </p:xfrm>
         <a:graphic>
           <a:graphicData uri="http://schemas.openxmlformats.org/drawingml/2006/table">
@@ -16063,10 +16657,10 @@
                 <a:tableStyleId>{5C22544A-7EE6-4342-B048-85BDC9FD1C3A}</a:tableStyleId>
               </a:tblPr>
               <a:tblGrid>
-                <a:gridCol w="1389332"/>
-                <a:gridCol w="858254"/>
-                <a:gridCol w="1610997"/>
-                <a:gridCol w="1803112"/>
+                <a:gridCol w="1393507"/>
+                <a:gridCol w="880110"/>
+                <a:gridCol w="1613535"/>
+                <a:gridCol w="1812607"/>
               </a:tblGrid>
               <a:tr h="314325">
                 <a:tc>
@@ -17355,8 +17949,8 @@
         </p:nvSpPr>
         <p:spPr>
           <a:xfrm>
-            <a:off x="200025" y="2790824"/>
-            <a:ext cx="1771650" cy="1333500"/>
+            <a:off x="200025" y="2781300"/>
+            <a:ext cx="1800225" cy="1333500"/>
           </a:xfrm>
           <a:prstGeom prst="rect">
             <a:avLst/>
@@ -17389,8 +17983,8 @@
           <p:nvPr/>
         </p:nvGraphicFramePr>
         <p:xfrm>
-          <a:off x="200025" y="2790824"/>
-          <a:ext cx="1947258" cy="1285872"/>
+          <a:off x="200025" y="2781300"/>
+          <a:ext cx="1969769" cy="1285872"/>
         </p:xfrm>
         <a:graphic>
           <a:graphicData uri="http://schemas.openxmlformats.org/drawingml/2006/table">
@@ -17399,10 +17993,10 @@
                 <a:tableStyleId>{5C22544A-7EE6-4342-B048-85BDC9FD1C3A}</a:tableStyleId>
               </a:tblPr>
               <a:tblGrid>
-                <a:gridCol w="463547"/>
-                <a:gridCol w="376125"/>
-                <a:gridCol w="527804"/>
-                <a:gridCol w="579782"/>
+                <a:gridCol w="471487"/>
+                <a:gridCol w="377190"/>
+                <a:gridCol w="534352"/>
+                <a:gridCol w="586740"/>
               </a:tblGrid>
               <a:tr h="321468">
                 <a:tc>
@@ -18400,7 +18994,7 @@
         </p:nvSpPr>
         <p:spPr>
           <a:xfrm>
-            <a:off x="200025" y="4124324"/>
+            <a:off x="200025" y="4114800"/>
             <a:ext cx="8943975" cy="274320"/>
           </a:xfrm>
           <a:prstGeom prst="rect">
@@ -18445,7 +19039,7 @@
         </p:nvSpPr>
         <p:spPr>
           <a:xfrm>
-            <a:off x="200025" y="4352924"/>
+            <a:off x="200025" y="4343400"/>
             <a:ext cx="8943975" cy="541972"/>
           </a:xfrm>
           <a:prstGeom prst="rect">
@@ -18903,7 +19497,7 @@
         </p:nvSpPr>
         <p:spPr>
           <a:xfrm>
-            <a:off x="200025" y="1744980"/>
+            <a:off x="200025" y="1735454"/>
             <a:ext cx="8943975" cy="678180"/>
           </a:xfrm>
           <a:prstGeom prst="rect">
@@ -19170,7 +19764,7 @@
         <p:spPr>
           <a:xfrm>
             <a:off x="200025" y="847724"/>
-            <a:ext cx="8943975" cy="1904999"/>
+            <a:ext cx="8943975" cy="1838324"/>
           </a:xfrm>
           <a:prstGeom prst="rect">
             <a:avLst/>
@@ -19216,7 +19810,7 @@
         </p:nvSpPr>
         <p:spPr>
           <a:xfrm>
-            <a:off x="200025" y="2619374"/>
+            <a:off x="200025" y="2552700"/>
             <a:ext cx="8943975" cy="304800"/>
           </a:xfrm>
           <a:prstGeom prst="rect">
@@ -19261,8 +19855,8 @@
         </p:nvSpPr>
         <p:spPr>
           <a:xfrm>
-            <a:off x="200025" y="2933699"/>
-            <a:ext cx="8943975" cy="1904999"/>
+            <a:off x="200025" y="2857500"/>
+            <a:ext cx="8943975" cy="1838324"/>
           </a:xfrm>
           <a:prstGeom prst="rect">
             <a:avLst/>
@@ -19308,7 +19902,7 @@
         </p:nvSpPr>
         <p:spPr>
           <a:xfrm>
-            <a:off x="200025" y="4705350"/>
+            <a:off x="200025" y="4562475"/>
             <a:ext cx="8943975" cy="304800"/>
           </a:xfrm>
           <a:prstGeom prst="rect">
@@ -19380,7 +19974,7 @@
         <p:spPr>
           <a:xfrm>
             <a:off x="200025" y="180975"/>
-            <a:ext cx="8943975" cy="2219324"/>
+            <a:ext cx="8943975" cy="2143125"/>
           </a:xfrm>
           <a:prstGeom prst="rect">
             <a:avLst/>
@@ -19542,7 +20136,7 @@
         </p:nvSpPr>
         <p:spPr>
           <a:xfrm>
-            <a:off x="200025" y="857250"/>
+            <a:off x="200025" y="847724"/>
             <a:ext cx="8943975" cy="960119"/>
           </a:xfrm>
           <a:prstGeom prst="rect">
@@ -19752,7 +20346,7 @@
         </p:nvSpPr>
         <p:spPr>
           <a:xfrm>
-            <a:off x="200025" y="1722120"/>
+            <a:off x="200025" y="1712595"/>
             <a:ext cx="8943975" cy="304800"/>
           </a:xfrm>
           <a:prstGeom prst="rect">
@@ -19797,7 +20391,7 @@
         </p:nvSpPr>
         <p:spPr>
           <a:xfrm>
-            <a:off x="200025" y="2036445"/>
+            <a:off x="200025" y="2017394"/>
             <a:ext cx="8943975" cy="1786890"/>
           </a:xfrm>
           <a:prstGeom prst="rect">

--- a/output/comprehensive_demo_dark.pptx
+++ b/output/comprehensive_demo_dark.pptx
@@ -10229,7 +10229,43 @@
                 </a:solidFill>
                 <a:latin typeface="Arial"/>
               </a:rPr>
-              <a:t>You can include inline math like $E=mc^2$ or $\alpha + \beta = \gamma$ directly in your text.</a:t>
+              <a:t>You can include inline math like </a:t>
+            </a:r>
+            <a:r>
+              <a:rPr sz="1000">
+                <a:solidFill>
+                  <a:srgbClr val="E0E0E0"/>
+                </a:solidFill>
+                <a:latin typeface="Arial"/>
+              </a:rPr>
+              <a:t>$E=mc^2$</a:t>
+            </a:r>
+            <a:r>
+              <a:rPr sz="1000">
+                <a:solidFill>
+                  <a:srgbClr val="E0E0E0"/>
+                </a:solidFill>
+                <a:latin typeface="Arial"/>
+              </a:rPr>
+              <a:t> or </a:t>
+            </a:r>
+            <a:r>
+              <a:rPr sz="1000">
+                <a:solidFill>
+                  <a:srgbClr val="E0E0E0"/>
+                </a:solidFill>
+                <a:latin typeface="Arial"/>
+              </a:rPr>
+              <a:t>$\alpha + \beta = \gamma$</a:t>
+            </a:r>
+            <a:r>
+              <a:rPr sz="1000">
+                <a:solidFill>
+                  <a:srgbClr val="E0E0E0"/>
+                </a:solidFill>
+                <a:latin typeface="Arial"/>
+              </a:rPr>
+              <a:t> directly in your text.</a:t>
             </a:r>
           </a:p>
         </p:txBody>
@@ -10274,7 +10310,25 @@
                 </a:solidFill>
                 <a:latin typeface="Arial"/>
               </a:rPr>
-              <a:t>The quadratic formula is $x = \frac{-b \pm \sqrt{b^2-4ac}}{2a}$.</a:t>
+              <a:t>The quadratic formula is </a:t>
+            </a:r>
+            <a:r>
+              <a:rPr sz="1000">
+                <a:solidFill>
+                  <a:srgbClr val="E0E0E0"/>
+                </a:solidFill>
+                <a:latin typeface="Arial"/>
+              </a:rPr>
+              <a:t>$x = \frac{-b \pm \sqrt{b^2-4ac}}{2a}$</a:t>
+            </a:r>
+            <a:r>
+              <a:rPr sz="1000">
+                <a:solidFill>
+                  <a:srgbClr val="E0E0E0"/>
+                </a:solidFill>
+                <a:latin typeface="Arial"/>
+              </a:rPr>
+              <a:t>.</a:t>
             </a:r>
           </a:p>
         </p:txBody>
@@ -10371,7 +10425,7 @@
       </p:sp>
       <p:pic>
         <p:nvPicPr>
-          <p:cNvPr id="9" name="Picture 8" descr="bf431a6869429a2cfc02d2a0ba380a9c.png"/>
+          <p:cNvPr id="9" name="Picture 8" descr="98d66b88d1dd5d5aa7595eb2cd154e01.png"/>
           <p:cNvPicPr>
             <a:picLocks noChangeAspect="1"/>
           </p:cNvPicPr>
@@ -10385,8 +10439,8 @@
         </p:blipFill>
         <p:spPr>
           <a:xfrm>
-            <a:off x="3686175" y="1724024"/>
-            <a:ext cx="1762125" cy="352424"/>
+            <a:off x="838200" y="1724024"/>
+            <a:ext cx="7467599" cy="466724"/>
           </a:xfrm>
           <a:prstGeom prst="rect">
             <a:avLst/>
@@ -10401,7 +10455,7 @@
         </p:nvSpPr>
         <p:spPr>
           <a:xfrm>
-            <a:off x="200025" y="2152650"/>
+            <a:off x="200025" y="2419349"/>
             <a:ext cx="8943975" cy="274320"/>
           </a:xfrm>
           <a:prstGeom prst="rect">
@@ -10440,7 +10494,7 @@
       </p:sp>
       <p:pic>
         <p:nvPicPr>
-          <p:cNvPr id="11" name="Picture 10" descr="ac5d9a8809d6c67262a18b15b0c77c5c.png"/>
+          <p:cNvPr id="11" name="Picture 10" descr="a9d2ba54b06d18626aa73df549f0a938.png"/>
           <p:cNvPicPr>
             <a:picLocks noChangeAspect="1"/>
           </p:cNvPicPr>
@@ -10454,8 +10508,8 @@
         </p:blipFill>
         <p:spPr>
           <a:xfrm>
-            <a:off x="4162424" y="2209800"/>
-            <a:ext cx="809625" cy="352424"/>
+            <a:off x="838200" y="2476499"/>
+            <a:ext cx="7467599" cy="228600"/>
           </a:xfrm>
           <a:prstGeom prst="rect">
             <a:avLst/>
@@ -10470,7 +10524,7 @@
         </p:nvSpPr>
         <p:spPr>
           <a:xfrm>
-            <a:off x="200025" y="2638425"/>
+            <a:off x="200025" y="2933699"/>
             <a:ext cx="8943975" cy="304800"/>
           </a:xfrm>
           <a:prstGeom prst="rect">
@@ -10515,7 +10569,7 @@
         </p:nvSpPr>
         <p:spPr>
           <a:xfrm>
-            <a:off x="200025" y="2943225"/>
+            <a:off x="200025" y="3238500"/>
             <a:ext cx="8943975" cy="274320"/>
           </a:xfrm>
           <a:prstGeom prst="rect">
@@ -10554,7 +10608,7 @@
       </p:sp>
       <p:pic>
         <p:nvPicPr>
-          <p:cNvPr id="14" name="Picture 13" descr="47954c072bb41073c18ae093bd56ece1.png"/>
+          <p:cNvPr id="14" name="Picture 13" descr="c517a3c10966ea397e30bfc9599eec7e.png"/>
           <p:cNvPicPr>
             <a:picLocks noChangeAspect="1"/>
           </p:cNvPicPr>
@@ -10568,8 +10622,8 @@
         </p:blipFill>
         <p:spPr>
           <a:xfrm>
-            <a:off x="3457575" y="2962274"/>
-            <a:ext cx="2219324" cy="352424"/>
+            <a:off x="838200" y="3257550"/>
+            <a:ext cx="7467599" cy="447675"/>
           </a:xfrm>
           <a:prstGeom prst="rect">
             <a:avLst/>
@@ -10584,7 +10638,7 @@
         </p:nvSpPr>
         <p:spPr>
           <a:xfrm>
-            <a:off x="200025" y="3448049"/>
+            <a:off x="200025" y="3981449"/>
             <a:ext cx="8943975" cy="274320"/>
           </a:xfrm>
           <a:prstGeom prst="rect">

--- a/output/comprehensive_demo_dark.pptx
+++ b/output/comprehensive_demo_dark.pptx
@@ -12246,7 +12246,16 @@
                 </a:solidFill>
                 <a:latin typeface="Arial"/>
               </a:rPr>
-              <a:t>Two-column slide: table on left, text on right</a:t>
+              <a:t>Two-column slide: table on left, </a:t>
+            </a:r>
+            <a:r>
+              <a:rPr u="wavy" sz="1600" b="1">
+                <a:solidFill>
+                  <a:srgbClr val="0066CC"/>
+                </a:solidFill>
+                <a:latin typeface="Arial"/>
+              </a:rPr>
+              <a:t>text on right</a:t>
             </a:r>
           </a:p>
         </p:txBody>
@@ -12673,7 +12682,7 @@
                       <a:r>
                         <a:rPr sz="800">
                           <a:solidFill>
-                            <a:srgbClr val="FFFFFF"/>
+                            <a:srgbClr val="FF0000"/>
                           </a:solidFill>
                           <a:latin typeface="Arial"/>
                         </a:rPr>
@@ -12858,7 +12867,7 @@
                       <a:r>
                         <a:rPr sz="800">
                           <a:solidFill>
-                            <a:srgbClr val="FFFFFF"/>
+                            <a:srgbClr val="009900"/>
                           </a:solidFill>
                           <a:latin typeface="Arial"/>
                         </a:rPr>
@@ -13041,9 +13050,9 @@
                         </a:lnSpc>
                       </a:pPr>
                       <a:r>
-                        <a:rPr sz="800">
+                        <a:rPr u="sng" sz="800">
                           <a:solidFill>
-                            <a:srgbClr val="FFFFFF"/>
+                            <a:srgbClr val="009900"/>
                           </a:solidFill>
                           <a:latin typeface="Arial"/>
                         </a:rPr>
@@ -13335,7 +13344,7 @@
         <p:spPr>
           <a:xfrm>
             <a:off x="4619625" y="3714750"/>
-            <a:ext cx="4524374" cy="342900"/>
+            <a:ext cx="4524374" cy="274320"/>
           </a:xfrm>
           <a:prstGeom prst="rect">
             <a:avLst/>
@@ -13366,7 +13375,25 @@
                 </a:solidFill>
                 <a:latin typeface="Arial"/>
               </a:rPr>
-              <a:t>All core features are either complete or in progress. Remaining items are performance tuning and UX polish.</a:t>
+              <a:t>All core features are either complete or in final testing. </a:t>
+            </a:r>
+            <a:r>
+              <a:rPr b="1" sz="1000">
+                <a:solidFill>
+                  <a:srgbClr val="0066CC"/>
+                </a:solidFill>
+                <a:latin typeface="Arial"/>
+              </a:rPr>
+              <a:t>Performance</a:t>
+            </a:r>
+            <a:r>
+              <a:rPr sz="1000">
+                <a:solidFill>
+                  <a:srgbClr val="E0E0E0"/>
+                </a:solidFill>
+                <a:latin typeface="Arial"/>
+              </a:rPr>
+              <a:t> metrics are excellent.</a:t>
             </a:r>
           </a:p>
         </p:txBody>

--- a/output/comprehensive_demo_dark.pptx
+++ b/output/comprehensive_demo_dark.pptx
@@ -3449,7 +3449,7 @@
         <p:spPr>
           <a:xfrm>
             <a:off x="384809" y="619124"/>
-            <a:ext cx="4139565" cy="466724"/>
+            <a:ext cx="4063365" cy="466724"/>
           </a:xfrm>
           <a:prstGeom prst="rect">
             <a:avLst/>
@@ -3513,7 +3513,7 @@
         </p:nvSpPr>
         <p:spPr>
           <a:xfrm>
-            <a:off x="4619625" y="619124"/>
+            <a:off x="4686300" y="619124"/>
             <a:ext cx="137160" cy="466724"/>
           </a:xfrm>
           <a:prstGeom prst="rect">
@@ -3556,8 +3556,8 @@
         </p:nvSpPr>
         <p:spPr>
           <a:xfrm>
-            <a:off x="4756785" y="619124"/>
-            <a:ext cx="4139565" cy="466724"/>
+            <a:off x="4823460" y="619124"/>
+            <a:ext cx="4063365" cy="466724"/>
           </a:xfrm>
           <a:prstGeom prst="rect">
             <a:avLst/>
@@ -3737,8 +3737,8 @@
         </p:nvSpPr>
         <p:spPr>
           <a:xfrm>
-            <a:off x="200025" y="847724"/>
-            <a:ext cx="4495799" cy="2038349"/>
+            <a:off x="200025" y="857250"/>
+            <a:ext cx="4486275" cy="2038349"/>
           </a:xfrm>
           <a:prstGeom prst="rect">
             <a:avLst/>
@@ -3771,8 +3771,8 @@
           <p:nvPr/>
         </p:nvGraphicFramePr>
         <p:xfrm>
-          <a:off x="200025" y="847724"/>
-          <a:ext cx="4934902" cy="1981200"/>
+          <a:off x="200025" y="857250"/>
+          <a:ext cx="4930317" cy="1981200"/>
         </p:xfrm>
         <a:graphic>
           <a:graphicData uri="http://schemas.openxmlformats.org/drawingml/2006/table">
@@ -3781,8 +3781,8 @@
                 <a:tableStyleId>{5C22544A-7EE6-4342-B048-85BDC9FD1C3A}</a:tableStyleId>
               </a:tblPr>
               <a:tblGrid>
-                <a:gridCol w="1026795"/>
-                <a:gridCol w="1634490"/>
+                <a:gridCol w="1022456"/>
+                <a:gridCol w="1634244"/>
                 <a:gridCol w="2273617"/>
               </a:tblGrid>
               <a:tr h="396240">
@@ -4740,7 +4740,7 @@
         </p:nvSpPr>
         <p:spPr>
           <a:xfrm>
-            <a:off x="200025" y="2886075"/>
+            <a:off x="200025" y="2895600"/>
             <a:ext cx="8943975" cy="304800"/>
           </a:xfrm>
           <a:prstGeom prst="rect">
@@ -4785,7 +4785,7 @@
         </p:nvSpPr>
         <p:spPr>
           <a:xfrm>
-            <a:off x="200025" y="3190874"/>
+            <a:off x="200025" y="3209925"/>
             <a:ext cx="8943975" cy="274320"/>
           </a:xfrm>
           <a:prstGeom prst="rect">
@@ -4830,7 +4830,7 @@
         </p:nvSpPr>
         <p:spPr>
           <a:xfrm>
-            <a:off x="200025" y="3419474"/>
+            <a:off x="200025" y="3438525"/>
             <a:ext cx="8943975" cy="814387"/>
           </a:xfrm>
           <a:prstGeom prst="rect">
@@ -5126,7 +5126,7 @@
         </p:nvSpPr>
         <p:spPr>
           <a:xfrm>
-            <a:off x="200025" y="847724"/>
+            <a:off x="200025" y="857250"/>
             <a:ext cx="8943975" cy="274320"/>
           </a:xfrm>
           <a:prstGeom prst="rect">
@@ -5189,7 +5189,7 @@
         </p:nvSpPr>
         <p:spPr>
           <a:xfrm>
-            <a:off x="200025" y="1076325"/>
+            <a:off x="200025" y="1085850"/>
             <a:ext cx="8943975" cy="678180"/>
           </a:xfrm>
           <a:prstGeom prst="rect">
@@ -5375,7 +5375,7 @@
         </p:nvSpPr>
         <p:spPr>
           <a:xfrm>
-            <a:off x="200025" y="1659255"/>
+            <a:off x="200025" y="1668779"/>
             <a:ext cx="8943975" cy="304800"/>
           </a:xfrm>
           <a:prstGeom prst="rect">
@@ -5420,7 +5420,7 @@
         </p:nvSpPr>
         <p:spPr>
           <a:xfrm>
-            <a:off x="200025" y="1964054"/>
+            <a:off x="200025" y="1983104"/>
             <a:ext cx="8943975" cy="678180"/>
           </a:xfrm>
           <a:prstGeom prst="rect">
@@ -5686,8 +5686,8 @@
         </p:nvSpPr>
         <p:spPr>
           <a:xfrm>
-            <a:off x="200025" y="847724"/>
-            <a:ext cx="2419349" cy="1628775"/>
+            <a:off x="200025" y="857250"/>
+            <a:ext cx="2409825" cy="1628775"/>
           </a:xfrm>
           <a:prstGeom prst="rect">
             <a:avLst/>
@@ -5720,8 +5720,8 @@
           <p:nvPr/>
         </p:nvGraphicFramePr>
         <p:xfrm>
-          <a:off x="200025" y="847724"/>
-          <a:ext cx="2650807" cy="1571625"/>
+          <a:off x="200025" y="857250"/>
+          <a:ext cx="2640738" cy="1571625"/>
         </p:xfrm>
         <a:graphic>
           <a:graphicData uri="http://schemas.openxmlformats.org/drawingml/2006/table">
@@ -5730,9 +5730,9 @@
                 <a:tableStyleId>{5C22544A-7EE6-4342-B048-85BDC9FD1C3A}</a:tableStyleId>
               </a:tblPr>
               <a:tblGrid>
-                <a:gridCol w="953452"/>
-                <a:gridCol w="481965"/>
-                <a:gridCol w="1215390"/>
+                <a:gridCol w="945021"/>
+                <a:gridCol w="480737"/>
+                <a:gridCol w="1214980"/>
               </a:tblGrid>
               <a:tr h="314325">
                 <a:tc>
@@ -6671,7 +6671,7 @@
         </p:nvSpPr>
         <p:spPr>
           <a:xfrm>
-            <a:off x="200025" y="2476499"/>
+            <a:off x="200025" y="2486025"/>
             <a:ext cx="8943975" cy="304800"/>
           </a:xfrm>
           <a:prstGeom prst="rect">
@@ -6716,7 +6716,7 @@
         </p:nvSpPr>
         <p:spPr>
           <a:xfrm>
-            <a:off x="200025" y="2781300"/>
+            <a:off x="200025" y="2800350"/>
             <a:ext cx="8943975" cy="814387"/>
           </a:xfrm>
           <a:prstGeom prst="rect">
@@ -7012,7 +7012,7 @@
         </p:nvSpPr>
         <p:spPr>
           <a:xfrm>
-            <a:off x="200025" y="847724"/>
+            <a:off x="200025" y="857250"/>
             <a:ext cx="8943975" cy="274320"/>
           </a:xfrm>
           <a:prstGeom prst="rect">
@@ -7084,7 +7084,7 @@
         </p:nvSpPr>
         <p:spPr>
           <a:xfrm>
-            <a:off x="200025" y="1076325"/>
+            <a:off x="200025" y="1085850"/>
             <a:ext cx="8943975" cy="274320"/>
           </a:xfrm>
           <a:prstGeom prst="rect">
@@ -7152,7 +7152,7 @@
                 </a:solidFill>
                 <a:latin typeface="Courier New"/>
               </a:rPr>
-              <a:t>Ag\ne</a:t>
+              <a:t>Ag\\ne</a:t>
             </a:r>
             <a:r>
               <a:rPr sz="1000">
@@ -7192,7 +7192,7 @@
         </p:nvSpPr>
         <p:spPr>
           <a:xfrm>
-            <a:off x="200025" y="1219200"/>
+            <a:off x="200025" y="1228725"/>
             <a:ext cx="8943975" cy="304800"/>
           </a:xfrm>
           <a:prstGeom prst="rect">
@@ -7237,7 +7237,7 @@
         </p:nvSpPr>
         <p:spPr>
           <a:xfrm>
-            <a:off x="200025" y="1523999"/>
+            <a:off x="200025" y="1543050"/>
             <a:ext cx="8943975" cy="274320"/>
           </a:xfrm>
           <a:prstGeom prst="rect">
@@ -7309,7 +7309,7 @@
         </p:nvSpPr>
         <p:spPr>
           <a:xfrm>
-            <a:off x="200025" y="1752599"/>
+            <a:off x="200025" y="1771650"/>
             <a:ext cx="8943975" cy="274320"/>
           </a:xfrm>
           <a:prstGeom prst="rect">
@@ -7533,8 +7533,8 @@
         </p:nvSpPr>
         <p:spPr>
           <a:xfrm>
-            <a:off x="200025" y="847724"/>
-            <a:ext cx="2657475" cy="1628775"/>
+            <a:off x="200025" y="857250"/>
+            <a:ext cx="2647949" cy="1628775"/>
           </a:xfrm>
           <a:prstGeom prst="rect">
             <a:avLst/>
@@ -7567,8 +7567,8 @@
           <p:nvPr/>
         </p:nvGraphicFramePr>
         <p:xfrm>
-          <a:off x="200025" y="847724"/>
-          <a:ext cx="2912744" cy="1571625"/>
+          <a:off x="200025" y="857250"/>
+          <a:ext cx="2902675" cy="1571625"/>
         </p:xfrm>
         <a:graphic>
           <a:graphicData uri="http://schemas.openxmlformats.org/drawingml/2006/table">
@@ -7577,9 +7577,9 @@
                 <a:tableStyleId>{5C22544A-7EE6-4342-B048-85BDC9FD1C3A}</a:tableStyleId>
               </a:tblPr>
               <a:tblGrid>
-                <a:gridCol w="859155"/>
-                <a:gridCol w="1016317"/>
-                <a:gridCol w="1037272"/>
+                <a:gridCol w="853752"/>
+                <a:gridCol w="1014762"/>
+                <a:gridCol w="1034161"/>
               </a:tblGrid>
               <a:tr h="314325">
                 <a:tc>
@@ -8518,7 +8518,7 @@
         </p:nvSpPr>
         <p:spPr>
           <a:xfrm>
-            <a:off x="200025" y="2476499"/>
+            <a:off x="200025" y="2486025"/>
             <a:ext cx="8943975" cy="304800"/>
           </a:xfrm>
           <a:prstGeom prst="rect">
@@ -8563,7 +8563,7 @@
         </p:nvSpPr>
         <p:spPr>
           <a:xfrm>
-            <a:off x="200025" y="2781300"/>
+            <a:off x="200025" y="2800350"/>
             <a:ext cx="8943975" cy="678180"/>
           </a:xfrm>
           <a:prstGeom prst="rect">
@@ -8865,7 +8865,7 @@
         </p:nvSpPr>
         <p:spPr>
           <a:xfrm>
-            <a:off x="200025" y="847724"/>
+            <a:off x="200025" y="857250"/>
             <a:ext cx="8943975" cy="950595"/>
           </a:xfrm>
           <a:prstGeom prst="rect">
@@ -9129,7 +9129,7 @@
         </p:nvSpPr>
         <p:spPr>
           <a:xfrm>
-            <a:off x="200025" y="1703070"/>
+            <a:off x="200025" y="1712595"/>
             <a:ext cx="8943975" cy="304800"/>
           </a:xfrm>
           <a:prstGeom prst="rect">
@@ -9174,7 +9174,7 @@
         </p:nvSpPr>
         <p:spPr>
           <a:xfrm>
-            <a:off x="200025" y="2007870"/>
+            <a:off x="200025" y="2026920"/>
             <a:ext cx="8943975" cy="274320"/>
           </a:xfrm>
           <a:prstGeom prst="rect">
@@ -9237,7 +9237,7 @@
         </p:nvSpPr>
         <p:spPr>
           <a:xfrm>
-            <a:off x="200025" y="2236470"/>
+            <a:off x="200025" y="2255520"/>
             <a:ext cx="8943975" cy="814387"/>
           </a:xfrm>
           <a:prstGeom prst="rect">
@@ -9462,7 +9462,7 @@
         </p:nvSpPr>
         <p:spPr>
           <a:xfrm>
-            <a:off x="200025" y="3050857"/>
+            <a:off x="200025" y="3069907"/>
             <a:ext cx="8943975" cy="274320"/>
           </a:xfrm>
           <a:prstGeom prst="rect">
@@ -9650,7 +9650,7 @@
         </p:nvSpPr>
         <p:spPr>
           <a:xfrm>
-            <a:off x="200025" y="847724"/>
+            <a:off x="200025" y="857250"/>
             <a:ext cx="8943975" cy="274320"/>
           </a:xfrm>
           <a:prstGeom prst="rect">
@@ -9695,8 +9695,8 @@
         </p:nvSpPr>
         <p:spPr>
           <a:xfrm>
-            <a:off x="200025" y="1114425"/>
-            <a:ext cx="8943975" cy="1838324"/>
+            <a:off x="200025" y="1123949"/>
+            <a:ext cx="8943975" cy="1904999"/>
           </a:xfrm>
           <a:prstGeom prst="rect">
             <a:avLst/>
@@ -9742,7 +9742,7 @@
         </p:nvSpPr>
         <p:spPr>
           <a:xfrm>
-            <a:off x="200025" y="2819399"/>
+            <a:off x="200025" y="2895600"/>
             <a:ext cx="8943975" cy="304800"/>
           </a:xfrm>
           <a:prstGeom prst="rect">
@@ -9787,7 +9787,7 @@
         </p:nvSpPr>
         <p:spPr>
           <a:xfrm>
-            <a:off x="200025" y="3124200"/>
+            <a:off x="200025" y="3209925"/>
             <a:ext cx="8943975" cy="687705"/>
           </a:xfrm>
           <a:prstGeom prst="rect">
@@ -9964,7 +9964,7 @@
         </p:nvSpPr>
         <p:spPr>
           <a:xfrm>
-            <a:off x="200025" y="3811904"/>
+            <a:off x="200025" y="3897629"/>
             <a:ext cx="8943975" cy="274320"/>
           </a:xfrm>
           <a:prstGeom prst="rect">
@@ -10197,7 +10197,7 @@
         </p:nvSpPr>
         <p:spPr>
           <a:xfrm>
-            <a:off x="200025" y="981074"/>
+            <a:off x="200025" y="990599"/>
             <a:ext cx="8943975" cy="274320"/>
           </a:xfrm>
           <a:prstGeom prst="rect">
@@ -10278,7 +10278,7 @@
         </p:nvSpPr>
         <p:spPr>
           <a:xfrm>
-            <a:off x="200025" y="1209674"/>
+            <a:off x="200025" y="1219200"/>
             <a:ext cx="8943975" cy="274320"/>
           </a:xfrm>
           <a:prstGeom prst="rect">
@@ -10341,7 +10341,7 @@
         </p:nvSpPr>
         <p:spPr>
           <a:xfrm>
-            <a:off x="200025" y="1343025"/>
+            <a:off x="200025" y="1352549"/>
             <a:ext cx="8943975" cy="304800"/>
           </a:xfrm>
           <a:prstGeom prst="rect">
@@ -10386,7 +10386,7 @@
         </p:nvSpPr>
         <p:spPr>
           <a:xfrm>
-            <a:off x="200025" y="1647825"/>
+            <a:off x="200025" y="1666874"/>
             <a:ext cx="8943975" cy="274320"/>
           </a:xfrm>
           <a:prstGeom prst="rect">
@@ -10439,7 +10439,7 @@
         </p:blipFill>
         <p:spPr>
           <a:xfrm>
-            <a:off x="838200" y="1724024"/>
+            <a:off x="838200" y="1743075"/>
             <a:ext cx="7467599" cy="466724"/>
           </a:xfrm>
           <a:prstGeom prst="rect">
@@ -10455,7 +10455,7 @@
         </p:nvSpPr>
         <p:spPr>
           <a:xfrm>
-            <a:off x="200025" y="2419349"/>
+            <a:off x="200025" y="2428875"/>
             <a:ext cx="8943975" cy="274320"/>
           </a:xfrm>
           <a:prstGeom prst="rect">
@@ -10508,7 +10508,7 @@
         </p:blipFill>
         <p:spPr>
           <a:xfrm>
-            <a:off x="838200" y="2476499"/>
+            <a:off x="838200" y="2486025"/>
             <a:ext cx="7467599" cy="228600"/>
           </a:xfrm>
           <a:prstGeom prst="rect">
@@ -10823,7 +10823,52 @@
         </p:nvSpPr>
         <p:spPr>
           <a:xfrm>
-            <a:off x="200025" y="3667124"/>
+            <a:off x="200025" y="3619499"/>
+            <a:ext cx="4457700" cy="274320"/>
+          </a:xfrm>
+          <a:prstGeom prst="rect">
+            <a:avLst/>
+          </a:prstGeom>
+          <a:noFill/>
+        </p:spPr>
+        <p:txBody>
+          <a:bodyPr wrap="square" lIns="0" rIns="0" tIns="0" bIns="0">
+            <a:spAutoFit/>
+          </a:bodyPr>
+          <a:lstStyle/>
+          <a:p>
+            <a:pPr algn="ctr">
+              <a:lnSpc>
+                <a:spcPct val="100000"/>
+              </a:lnSpc>
+              <a:spcBef>
+                <a:spcPts val="0"/>
+              </a:spcBef>
+              <a:spcAft>
+                <a:spcPts val="0"/>
+              </a:spcAft>
+            </a:pPr>
+            <a:r>
+              <a:rPr sz="1000" i="1">
+                <a:solidFill>
+                  <a:srgbClr val="CCCCCC"/>
+                </a:solidFill>
+                <a:latin typeface="Arial"/>
+              </a:rPr>
+              <a:t>Sample bar chart demonstrating data visualization with proper scaling</a:t>
+            </a:r>
+          </a:p>
+        </p:txBody>
+      </p:sp>
+      <p:sp>
+        <p:nvSpPr>
+          <p:cNvPr id="6" name="TextBox 5"/>
+          <p:cNvSpPr txBox="1"/>
+          <p:nvPr/>
+        </p:nvSpPr>
+        <p:spPr>
+          <a:xfrm>
+            <a:off x="200025" y="3848099"/>
             <a:ext cx="8943975" cy="274320"/>
           </a:xfrm>
           <a:prstGeom prst="rect">
@@ -11451,7 +11496,7 @@
               <a:t>wavy underlined text</a:t>
             </a:r>
             <a:r>
-              <a:rPr sz="1000">
+              <a:rPr u="wavy" sz="1000">
                 <a:solidFill>
                   <a:srgbClr val="E0E0E0"/>
                 </a:solidFill>
@@ -11469,7 +11514,7 @@
               <a:t>emphasized information</a:t>
             </a:r>
             <a:r>
-              <a:rPr sz="1000">
+              <a:rPr u="wavy" sz="1000">
                 <a:solidFill>
                   <a:srgbClr val="E0E0E0"/>
                 </a:solidFill>
@@ -11651,7 +11696,7 @@
         </p:nvSpPr>
         <p:spPr>
           <a:xfrm>
-            <a:off x="200025" y="3124200"/>
+            <a:off x="200025" y="3133724"/>
             <a:ext cx="8943975" cy="823912"/>
           </a:xfrm>
           <a:prstGeom prst="rect">
@@ -11800,7 +11845,7 @@
               <a:t>• </a:t>
             </a:r>
             <a:r>
-              <a:rPr sz="1000">
+              <a:rPr u="sng" sz="1000">
                 <a:solidFill>
                   <a:srgbClr val="E0E0E0"/>
                 </a:solidFill>
@@ -11809,7 +11854,7 @@
               <a:t>Underlined with </a:t>
             </a:r>
             <a:r>
-              <a:rPr b="1" sz="1000">
+              <a:rPr u="sng" b="1" sz="1000">
                 <a:solidFill>
                   <a:srgbClr val="E0E0E0"/>
                 </a:solidFill>
@@ -11818,7 +11863,7 @@
               <a:t>bold inside</a:t>
             </a:r>
             <a:r>
-              <a:rPr sz="1000">
+              <a:rPr u="sng" sz="1000">
                 <a:solidFill>
                   <a:srgbClr val="E0E0E0"/>
                 </a:solidFill>
@@ -11867,7 +11912,7 @@
         </p:nvSpPr>
         <p:spPr>
           <a:xfrm>
-            <a:off x="200025" y="3852862"/>
+            <a:off x="200025" y="3862387"/>
             <a:ext cx="8943975" cy="304800"/>
           </a:xfrm>
           <a:prstGeom prst="rect">
@@ -11912,7 +11957,7 @@
         </p:nvSpPr>
         <p:spPr>
           <a:xfrm>
-            <a:off x="200025" y="4157662"/>
+            <a:off x="200025" y="4167187"/>
             <a:ext cx="8943975" cy="274320"/>
           </a:xfrm>
           <a:prstGeom prst="rect">
@@ -12047,7 +12092,7 @@
         </p:nvSpPr>
         <p:spPr>
           <a:xfrm>
-            <a:off x="200025" y="4395787"/>
+            <a:off x="200025" y="4405312"/>
             <a:ext cx="8943975" cy="274320"/>
           </a:xfrm>
           <a:prstGeom prst="rect">
@@ -12133,25 +12178,7 @@
                 </a:solidFill>
                 <a:latin typeface="Arial"/>
               </a:rPr>
-              <a:t> is the </a:t>
-            </a:r>
-            <a:r>
-              <a:rPr u="sng" sz="1000">
-                <a:solidFill>
-                  <a:srgbClr val="E0E0E0"/>
-                </a:solidFill>
-                <a:latin typeface="Arial"/>
-              </a:rPr>
-              <a:t>final result</a:t>
-            </a:r>
-            <a:r>
-              <a:rPr sz="1000">
-                <a:solidFill>
-                  <a:srgbClr val="E0E0E0"/>
-                </a:solidFill>
-                <a:latin typeface="Arial"/>
-              </a:rPr>
-              <a:t>.</a:t>
+              <a:t> is the ++final result++.</a:t>
             </a:r>
           </a:p>
         </p:txBody>
@@ -12214,7 +12241,142 @@
         </p:nvSpPr>
         <p:spPr>
           <a:xfrm>
-            <a:off x="200025" y="3076574"/>
+            <a:off x="200025" y="3124200"/>
+            <a:ext cx="2867025" cy="274320"/>
+          </a:xfrm>
+          <a:prstGeom prst="rect">
+            <a:avLst/>
+          </a:prstGeom>
+          <a:noFill/>
+        </p:spPr>
+        <p:txBody>
+          <a:bodyPr wrap="square" lIns="0" rIns="0" tIns="0" bIns="0">
+            <a:spAutoFit/>
+          </a:bodyPr>
+          <a:lstStyle/>
+          <a:p>
+            <a:pPr algn="ctr">
+              <a:lnSpc>
+                <a:spcPct val="100000"/>
+              </a:lnSpc>
+              <a:spcBef>
+                <a:spcPts val="0"/>
+              </a:spcBef>
+              <a:spcAft>
+                <a:spcPts val="0"/>
+              </a:spcAft>
+            </a:pPr>
+            <a:r>
+              <a:rPr sz="1000" i="1">
+                <a:solidFill>
+                  <a:srgbClr val="CCCCCC"/>
+                </a:solidFill>
+                <a:latin typeface="Arial"/>
+              </a:rPr>
+              <a:t>Distribution chart showing proportional data representation</a:t>
+            </a:r>
+          </a:p>
+        </p:txBody>
+      </p:sp>
+      <p:sp>
+        <p:nvSpPr>
+          <p:cNvPr id="4" name="TextBox 3"/>
+          <p:cNvSpPr txBox="1"/>
+          <p:nvPr/>
+        </p:nvSpPr>
+        <p:spPr>
+          <a:xfrm>
+            <a:off x="200025" y="3257550"/>
+            <a:ext cx="8943975" cy="304800"/>
+          </a:xfrm>
+          <a:prstGeom prst="rect">
+            <a:avLst/>
+          </a:prstGeom>
+          <a:noFill/>
+        </p:spPr>
+        <p:txBody>
+          <a:bodyPr wrap="square" lIns="0" rIns="0" tIns="0" bIns="0">
+            <a:spAutoFit/>
+          </a:bodyPr>
+          <a:lstStyle/>
+          <a:p>
+            <a:pPr algn="l">
+              <a:lnSpc>
+                <a:spcPct val="100000"/>
+              </a:lnSpc>
+              <a:spcBef>
+                <a:spcPts val="0"/>
+              </a:spcBef>
+              <a:spcAft>
+                <a:spcPts val="0"/>
+              </a:spcAft>
+            </a:pPr>
+            <a:r>
+              <a:rPr sz="1300" b="1">
+                <a:solidFill>
+                  <a:srgbClr val="E0E0E0"/>
+                </a:solidFill>
+                <a:latin typeface="Arial"/>
+              </a:rPr>
+              <a:t>Advanced Jinja2 Template Examples</a:t>
+            </a:r>
+          </a:p>
+        </p:txBody>
+      </p:sp>
+      <p:sp>
+        <p:nvSpPr>
+          <p:cNvPr id="5" name="TextBox 4"/>
+          <p:cNvSpPr txBox="1"/>
+          <p:nvPr/>
+        </p:nvSpPr>
+        <p:spPr>
+          <a:xfrm>
+            <a:off x="200025" y="3571875"/>
+            <a:ext cx="8943975" cy="274320"/>
+          </a:xfrm>
+          <a:prstGeom prst="rect">
+            <a:avLst/>
+          </a:prstGeom>
+          <a:noFill/>
+        </p:spPr>
+        <p:txBody>
+          <a:bodyPr wrap="square" lIns="0" rIns="0" tIns="0" bIns="0">
+            <a:spAutoFit/>
+          </a:bodyPr>
+          <a:lstStyle/>
+          <a:p>
+            <a:pPr algn="l">
+              <a:lnSpc>
+                <a:spcPct val="100000"/>
+              </a:lnSpc>
+              <a:spcBef>
+                <a:spcPts val="0"/>
+              </a:spcBef>
+              <a:spcAft>
+                <a:spcPts val="0"/>
+              </a:spcAft>
+            </a:pPr>
+            <a:r>
+              <a:rPr sz="1000">
+                <a:solidFill>
+                  <a:srgbClr val="E0E0E0"/>
+                </a:solidFill>
+                <a:latin typeface="Arial"/>
+              </a:rPr>
+              <a:t>You can also use the new template syntax for dynamic figures: {% figure "bar_chart" width=0.7 caption="Generated using Jinja2 template syntax" %}</a:t>
+            </a:r>
+          </a:p>
+        </p:txBody>
+      </p:sp>
+      <p:sp>
+        <p:nvSpPr>
+          <p:cNvPr id="6" name="TextBox 5"/>
+          <p:cNvSpPr txBox="1"/>
+          <p:nvPr/>
+        </p:nvSpPr>
+        <p:spPr>
+          <a:xfrm>
+            <a:off x="200025" y="3705224"/>
             <a:ext cx="8943975" cy="361950"/>
           </a:xfrm>
           <a:prstGeom prst="rect">
@@ -12262,13 +12424,13 @@
       </p:sp>
       <p:sp>
         <p:nvSpPr>
-          <p:cNvPr id="4" name="TextBox 3"/>
+          <p:cNvPr id="7" name="TextBox 6"/>
           <p:cNvSpPr txBox="1"/>
           <p:nvPr/>
         </p:nvSpPr>
         <p:spPr>
           <a:xfrm>
-            <a:off x="247649" y="3438525"/>
+            <a:off x="247649" y="4067174"/>
             <a:ext cx="8896350" cy="274320"/>
           </a:xfrm>
           <a:prstGeom prst="rect">
@@ -12307,14 +12469,14 @@
       </p:sp>
       <p:sp>
         <p:nvSpPr>
-          <p:cNvPr id="5" name="TextBox 4"/>
+          <p:cNvPr id="8" name="TextBox 7"/>
           <p:cNvSpPr txBox="1"/>
           <p:nvPr/>
         </p:nvSpPr>
         <p:spPr>
           <a:xfrm>
-            <a:off x="247649" y="3695699"/>
-            <a:ext cx="1828800" cy="1628775"/>
+            <a:off x="247649" y="4324349"/>
+            <a:ext cx="1800225" cy="1628775"/>
           </a:xfrm>
           <a:prstGeom prst="rect">
             <a:avLst/>
@@ -12340,15 +12502,15 @@
       </p:sp>
       <p:graphicFrame>
         <p:nvGraphicFramePr>
-          <p:cNvPr id="6" name="Table 5"/>
+          <p:cNvPr id="9" name="Table 8"/>
           <p:cNvGraphicFramePr>
             <a:graphicFrameLocks noGrp="1"/>
           </p:cNvGraphicFramePr>
           <p:nvPr/>
         </p:nvGraphicFramePr>
         <p:xfrm>
-          <a:off x="247649" y="3695699"/>
-          <a:ext cx="2001201" cy="1571625"/>
+          <a:off x="247649" y="4324349"/>
+          <a:ext cx="1978854" cy="1571625"/>
         </p:xfrm>
         <a:graphic>
           <a:graphicData uri="http://schemas.openxmlformats.org/drawingml/2006/table">
@@ -12357,9 +12519,9 @@
                 <a:tableStyleId>{5C22544A-7EE6-4342-B048-85BDC9FD1C3A}</a:tableStyleId>
               </a:tblPr>
               <a:tblGrid>
-                <a:gridCol w="848677"/>
-                <a:gridCol w="513397"/>
-                <a:gridCol w="639127"/>
+                <a:gridCol w="842210"/>
+                <a:gridCol w="504229"/>
+                <a:gridCol w="632415"/>
               </a:tblGrid>
               <a:tr h="314325">
                 <a:tc>
@@ -13292,14 +13454,14 @@
       </p:graphicFrame>
       <p:sp>
         <p:nvSpPr>
-          <p:cNvPr id="7" name="TextBox 6"/>
+          <p:cNvPr id="10" name="TextBox 9"/>
           <p:cNvSpPr txBox="1"/>
           <p:nvPr/>
         </p:nvSpPr>
         <p:spPr>
           <a:xfrm>
-            <a:off x="4619625" y="3457575"/>
-            <a:ext cx="4524374" cy="274320"/>
+            <a:off x="4686300" y="4086225"/>
+            <a:ext cx="4457700" cy="274320"/>
           </a:xfrm>
           <a:prstGeom prst="rect">
             <a:avLst/>
@@ -13337,14 +13499,14 @@
       </p:sp>
       <p:sp>
         <p:nvSpPr>
-          <p:cNvPr id="8" name="TextBox 7"/>
+          <p:cNvPr id="11" name="TextBox 10"/>
           <p:cNvSpPr txBox="1"/>
           <p:nvPr/>
         </p:nvSpPr>
         <p:spPr>
           <a:xfrm>
-            <a:off x="4619625" y="3714750"/>
-            <a:ext cx="4524374" cy="274320"/>
+            <a:off x="4686300" y="4343400"/>
+            <a:ext cx="4457700" cy="274320"/>
           </a:xfrm>
           <a:prstGeom prst="rect">
             <a:avLst/>
@@ -13501,8 +13663,53 @@
         </p:nvSpPr>
         <p:spPr>
           <a:xfrm>
-            <a:off x="5581649" y="638175"/>
-            <a:ext cx="3562349" cy="342900"/>
+            <a:off x="247649" y="3486150"/>
+            <a:ext cx="3809999" cy="274320"/>
+          </a:xfrm>
+          <a:prstGeom prst="rect">
+            <a:avLst/>
+          </a:prstGeom>
+          <a:noFill/>
+        </p:spPr>
+        <p:txBody>
+          <a:bodyPr wrap="square" lIns="0" rIns="0" tIns="0" bIns="0">
+            <a:spAutoFit/>
+          </a:bodyPr>
+          <a:lstStyle/>
+          <a:p>
+            <a:pPr algn="ctr">
+              <a:lnSpc>
+                <a:spcPct val="100000"/>
+              </a:lnSpc>
+              <a:spcBef>
+                <a:spcPts val="0"/>
+              </a:spcBef>
+              <a:spcAft>
+                <a:spcPts val="0"/>
+              </a:spcAft>
+            </a:pPr>
+            <a:r>
+              <a:rPr sz="1000" i="1">
+                <a:solidFill>
+                  <a:srgbClr val="CCCCCC"/>
+                </a:solidFill>
+                <a:latin typeface="Arial"/>
+              </a:rPr>
+              <a:t>Task completion progress visualization</a:t>
+            </a:r>
+          </a:p>
+        </p:txBody>
+      </p:sp>
+      <p:sp>
+        <p:nvSpPr>
+          <p:cNvPr id="5" name="TextBox 4"/>
+          <p:cNvSpPr txBox="1"/>
+          <p:nvPr/>
+        </p:nvSpPr>
+        <p:spPr>
+          <a:xfrm>
+            <a:off x="5724524" y="657225"/>
+            <a:ext cx="3419474" cy="342900"/>
           </a:xfrm>
           <a:prstGeom prst="rect">
             <a:avLst/>
@@ -13641,8 +13848,8 @@
         </p:nvSpPr>
         <p:spPr>
           <a:xfrm>
-            <a:off x="4619625" y="542925"/>
-            <a:ext cx="942975" cy="1333500"/>
+            <a:off x="4686300" y="542925"/>
+            <a:ext cx="923924" cy="1333500"/>
           </a:xfrm>
           <a:prstGeom prst="rect">
             <a:avLst/>
@@ -13675,8 +13882,8 @@
           <p:nvPr/>
         </p:nvGraphicFramePr>
         <p:xfrm>
-          <a:off x="4619625" y="542925"/>
-          <a:ext cx="1026794" cy="1285872"/>
+          <a:off x="4686300" y="542925"/>
+          <a:ext cx="1014352" cy="1285872"/>
         </p:xfrm>
         <a:graphic>
           <a:graphicData uri="http://schemas.openxmlformats.org/drawingml/2006/table">
@@ -13685,8 +13892,8 @@
                 <a:tableStyleId>{5C22544A-7EE6-4342-B048-85BDC9FD1C3A}</a:tableStyleId>
               </a:tblPr>
               <a:tblGrid>
-                <a:gridCol w="722947"/>
-                <a:gridCol w="303847"/>
+                <a:gridCol w="719673"/>
+                <a:gridCol w="294679"/>
               </a:tblGrid>
               <a:tr h="321468">
                 <a:tc>
@@ -14313,7 +14520,7 @@
         <p:spPr>
           <a:xfrm>
             <a:off x="247649" y="800100"/>
-            <a:ext cx="1828800" cy="1628775"/>
+            <a:ext cx="1800225" cy="1628775"/>
           </a:xfrm>
           <a:prstGeom prst="rect">
             <a:avLst/>
@@ -14347,7 +14554,7 @@
         </p:nvGraphicFramePr>
         <p:xfrm>
           <a:off x="247649" y="800100"/>
-          <a:ext cx="2001201" cy="1571625"/>
+          <a:ext cx="1978854" cy="1571625"/>
         </p:xfrm>
         <a:graphic>
           <a:graphicData uri="http://schemas.openxmlformats.org/drawingml/2006/table">
@@ -14356,9 +14563,9 @@
                 <a:tableStyleId>{5C22544A-7EE6-4342-B048-85BDC9FD1C3A}</a:tableStyleId>
               </a:tblPr>
               <a:tblGrid>
-                <a:gridCol w="848677"/>
-                <a:gridCol w="513397"/>
-                <a:gridCol w="639127"/>
+                <a:gridCol w="842210"/>
+                <a:gridCol w="504229"/>
+                <a:gridCol w="632415"/>
               </a:tblGrid>
               <a:tr h="314325">
                 <a:tc>
@@ -15297,8 +15504,8 @@
         </p:nvSpPr>
         <p:spPr>
           <a:xfrm>
-            <a:off x="5581649" y="561974"/>
-            <a:ext cx="3562349" cy="274320"/>
+            <a:off x="5724524" y="561974"/>
+            <a:ext cx="3419474" cy="274320"/>
           </a:xfrm>
           <a:prstGeom prst="rect">
             <a:avLst/>
@@ -15342,8 +15549,8 @@
         </p:nvSpPr>
         <p:spPr>
           <a:xfrm>
-            <a:off x="5581649" y="819149"/>
-            <a:ext cx="3562349" cy="342900"/>
+            <a:off x="5724524" y="819149"/>
+            <a:ext cx="3419474" cy="342900"/>
           </a:xfrm>
           <a:prstGeom prst="rect">
             <a:avLst/>
@@ -15504,7 +15711,7 @@
         <p:spPr>
           <a:xfrm>
             <a:off x="247649" y="800100"/>
-            <a:ext cx="1828800" cy="1628775"/>
+            <a:ext cx="1800225" cy="1628775"/>
           </a:xfrm>
           <a:prstGeom prst="rect">
             <a:avLst/>
@@ -15538,7 +15745,7 @@
         </p:nvGraphicFramePr>
         <p:xfrm>
           <a:off x="247649" y="800100"/>
-          <a:ext cx="2001201" cy="1571625"/>
+          <a:ext cx="1978854" cy="1571625"/>
         </p:xfrm>
         <a:graphic>
           <a:graphicData uri="http://schemas.openxmlformats.org/drawingml/2006/table">
@@ -15547,9 +15754,9 @@
                 <a:tableStyleId>{5C22544A-7EE6-4342-B048-85BDC9FD1C3A}</a:tableStyleId>
               </a:tblPr>
               <a:tblGrid>
-                <a:gridCol w="848677"/>
-                <a:gridCol w="513397"/>
-                <a:gridCol w="639127"/>
+                <a:gridCol w="842210"/>
+                <a:gridCol w="504229"/>
+                <a:gridCol w="632415"/>
               </a:tblGrid>
               <a:tr h="314325">
                 <a:tc>
@@ -16488,8 +16695,8 @@
         </p:nvSpPr>
         <p:spPr>
           <a:xfrm>
-            <a:off x="2171700" y="561974"/>
-            <a:ext cx="6972300" cy="274320"/>
+            <a:off x="2286000" y="561974"/>
+            <a:ext cx="6858000" cy="274320"/>
           </a:xfrm>
           <a:prstGeom prst="rect">
             <a:avLst/>
@@ -16533,8 +16740,8 @@
         </p:nvSpPr>
         <p:spPr>
           <a:xfrm>
-            <a:off x="2171700" y="819149"/>
-            <a:ext cx="6972300" cy="274320"/>
+            <a:off x="2286000" y="819149"/>
+            <a:ext cx="6858000" cy="274320"/>
           </a:xfrm>
           <a:prstGeom prst="rect">
             <a:avLst/>
@@ -16695,7 +16902,7 @@
         <p:spPr>
           <a:xfrm>
             <a:off x="200025" y="847724"/>
-            <a:ext cx="5191125" cy="1628775"/>
+            <a:ext cx="5153024" cy="1628775"/>
           </a:xfrm>
           <a:prstGeom prst="rect">
             <a:avLst/>
@@ -16729,7 +16936,7 @@
         </p:nvGraphicFramePr>
         <p:xfrm>
           <a:off x="200025" y="847724"/>
-          <a:ext cx="5699759" cy="1571625"/>
+          <a:ext cx="5661695" cy="1571625"/>
         </p:xfrm>
         <a:graphic>
           <a:graphicData uri="http://schemas.openxmlformats.org/drawingml/2006/table">
@@ -16738,10 +16945,10 @@
                 <a:tableStyleId>{5C22544A-7EE6-4342-B048-85BDC9FD1C3A}</a:tableStyleId>
               </a:tblPr>
               <a:tblGrid>
-                <a:gridCol w="1393507"/>
-                <a:gridCol w="880110"/>
-                <a:gridCol w="1613535"/>
-                <a:gridCol w="1812607"/>
+                <a:gridCol w="1389332"/>
+                <a:gridCol w="858254"/>
+                <a:gridCol w="1610997"/>
+                <a:gridCol w="1803112"/>
               </a:tblGrid>
               <a:tr h="314325">
                 <a:tc>
@@ -18030,8 +18237,8 @@
         </p:nvSpPr>
         <p:spPr>
           <a:xfrm>
-            <a:off x="200025" y="2781300"/>
-            <a:ext cx="1800225" cy="1333500"/>
+            <a:off x="200025" y="2790824"/>
+            <a:ext cx="1771650" cy="1333500"/>
           </a:xfrm>
           <a:prstGeom prst="rect">
             <a:avLst/>
@@ -18064,8 +18271,8 @@
           <p:nvPr/>
         </p:nvGraphicFramePr>
         <p:xfrm>
-          <a:off x="200025" y="2781300"/>
-          <a:ext cx="1969769" cy="1285872"/>
+          <a:off x="200025" y="2790824"/>
+          <a:ext cx="1947258" cy="1285872"/>
         </p:xfrm>
         <a:graphic>
           <a:graphicData uri="http://schemas.openxmlformats.org/drawingml/2006/table">
@@ -18074,10 +18281,10 @@
                 <a:tableStyleId>{5C22544A-7EE6-4342-B048-85BDC9FD1C3A}</a:tableStyleId>
               </a:tblPr>
               <a:tblGrid>
-                <a:gridCol w="471487"/>
-                <a:gridCol w="377190"/>
-                <a:gridCol w="534352"/>
-                <a:gridCol w="586740"/>
+                <a:gridCol w="463547"/>
+                <a:gridCol w="376125"/>
+                <a:gridCol w="527804"/>
+                <a:gridCol w="579782"/>
               </a:tblGrid>
               <a:tr h="321468">
                 <a:tc>
@@ -19075,7 +19282,7 @@
         </p:nvSpPr>
         <p:spPr>
           <a:xfrm>
-            <a:off x="200025" y="4114800"/>
+            <a:off x="200025" y="4124324"/>
             <a:ext cx="8943975" cy="274320"/>
           </a:xfrm>
           <a:prstGeom prst="rect">
@@ -19120,7 +19327,7 @@
         </p:nvSpPr>
         <p:spPr>
           <a:xfrm>
-            <a:off x="200025" y="4343400"/>
+            <a:off x="200025" y="4352924"/>
             <a:ext cx="8943975" cy="541972"/>
           </a:xfrm>
           <a:prstGeom prst="rect">
@@ -19578,7 +19785,7 @@
         </p:nvSpPr>
         <p:spPr>
           <a:xfrm>
-            <a:off x="200025" y="1735454"/>
+            <a:off x="200025" y="1744980"/>
             <a:ext cx="8943975" cy="678180"/>
           </a:xfrm>
           <a:prstGeom prst="rect">
@@ -19845,7 +20052,7 @@
         <p:spPr>
           <a:xfrm>
             <a:off x="200025" y="847724"/>
-            <a:ext cx="8943975" cy="1838324"/>
+            <a:ext cx="8943975" cy="1904999"/>
           </a:xfrm>
           <a:prstGeom prst="rect">
             <a:avLst/>
@@ -19891,7 +20098,7 @@
         </p:nvSpPr>
         <p:spPr>
           <a:xfrm>
-            <a:off x="200025" y="2552700"/>
+            <a:off x="200025" y="2619374"/>
             <a:ext cx="8943975" cy="304800"/>
           </a:xfrm>
           <a:prstGeom prst="rect">
@@ -19936,8 +20143,8 @@
         </p:nvSpPr>
         <p:spPr>
           <a:xfrm>
-            <a:off x="200025" y="2857500"/>
-            <a:ext cx="8943975" cy="1838324"/>
+            <a:off x="200025" y="2933699"/>
+            <a:ext cx="8943975" cy="1904999"/>
           </a:xfrm>
           <a:prstGeom prst="rect">
             <a:avLst/>
@@ -19983,7 +20190,7 @@
         </p:nvSpPr>
         <p:spPr>
           <a:xfrm>
-            <a:off x="200025" y="4562475"/>
+            <a:off x="200025" y="4705350"/>
             <a:ext cx="8943975" cy="304800"/>
           </a:xfrm>
           <a:prstGeom prst="rect">
@@ -20055,7 +20262,7 @@
         <p:spPr>
           <a:xfrm>
             <a:off x="200025" y="180975"/>
-            <a:ext cx="8943975" cy="2143125"/>
+            <a:ext cx="8943975" cy="2219324"/>
           </a:xfrm>
           <a:prstGeom prst="rect">
             <a:avLst/>
@@ -20217,8 +20424,8 @@
         </p:nvSpPr>
         <p:spPr>
           <a:xfrm>
-            <a:off x="200025" y="847724"/>
-            <a:ext cx="8943975" cy="960119"/>
+            <a:off x="200025" y="857250"/>
+            <a:ext cx="8943975" cy="551497"/>
           </a:xfrm>
           <a:prstGeom prst="rect">
             <a:avLst/>
@@ -20249,13 +20456,73 @@
               <a:t>• </a:t>
             </a:r>
             <a:r>
+              <a:rPr i="1" sz="1000">
+                <a:solidFill>
+                  <a:srgbClr val="E0E0E0"/>
+                </a:solidFill>
+                <a:latin typeface="Arial"/>
+              </a:rPr>
+              <a:t>Nested items</a:t>
+            </a:r>
+            <a:r>
+              <a:rPr sz="1000">
+                <a:solidFill>
+                  <a:srgbClr val="E0E0E0"/>
+                </a:solidFill>
+                <a:latin typeface="Arial"/>
+              </a:rPr>
+              <a:t> with proper indentation</a:t>
+            </a:r>
+          </a:p>
+          <a:p>
+            <a:pPr algn="l"/>
+            <a:r>
+              <a:rPr sz="1000">
+                <a:solidFill>
+                  <a:srgbClr val="E0E0E0"/>
+                </a:solidFill>
+                <a:latin typeface="Arial"/>
+              </a:rPr>
+              <a:t>• </a:t>
+            </a:r>
+            <a:r>
+              <a:rPr sz="800">
+                <a:solidFill>
+                  <a:srgbClr val="FFFFFF"/>
+                </a:solidFill>
+                <a:latin typeface="Courier New"/>
+              </a:rPr>
+              <a:t>Code elements</a:t>
+            </a:r>
+            <a:r>
+              <a:rPr sz="1000">
+                <a:solidFill>
+                  <a:srgbClr val="E0E0E0"/>
+                </a:solidFill>
+                <a:latin typeface="Arial"/>
+              </a:rPr>
+              <a:t> in list items</a:t>
+            </a:r>
+          </a:p>
+          <a:p>
+            <a:pPr algn="l"/>
+            <a:r>
+              <a:rPr sz="1000">
+                <a:solidFill>
+                  <a:srgbClr val="E0E0E0"/>
+                </a:solidFill>
+                <a:latin typeface="Arial"/>
+              </a:rPr>
+              <a:t>• </a:t>
+            </a:r>
+            <a:r>
               <a:rPr b="1" sz="1000">
                 <a:solidFill>
-                  <a:srgbClr val="E0E0E0"/>
-                </a:solidFill>
-                <a:latin typeface="Arial"/>
-              </a:rPr>
-              <a:t>Primary feature</a:t>
+                  <a:srgbClr val="FFCC00"/>
+                </a:solidFill>
+                <a:latin typeface="Arial"/>
+              </a:rPr>
+              <a:t>Highlighted content</a:t>
             </a:r>
             <a:r>
               <a:rPr sz="1000">
@@ -20264,157 +20531,7 @@
                 </a:solidFill>
                 <a:latin typeface="Arial"/>
               </a:rPr>
-              <a:t>: Full markdown support</a:t>
-            </a:r>
-          </a:p>
-          <a:p>
-            <a:pPr algn="l"/>
-            <a:r>
-              <a:rPr sz="1000">
-                <a:solidFill>
-                  <a:srgbClr val="E0E0E0"/>
-                </a:solidFill>
-                <a:latin typeface="Arial"/>
-              </a:rPr>
-              <a:t>• </a:t>
-            </a:r>
-            <a:r>
-              <a:rPr b="1" sz="1000">
-                <a:solidFill>
-                  <a:srgbClr val="E0E0E0"/>
-                </a:solidFill>
-                <a:latin typeface="Arial"/>
-              </a:rPr>
-              <a:t>Secondary feature</a:t>
-            </a:r>
-            <a:r>
-              <a:rPr sz="1000">
-                <a:solidFill>
-                  <a:srgbClr val="E0E0E0"/>
-                </a:solidFill>
-                <a:latin typeface="Arial"/>
-              </a:rPr>
-              <a:t>: Inline styling within lists</a:t>
-            </a:r>
-          </a:p>
-          <a:p>
-            <a:pPr lvl="1" algn="l"/>
-            <a:r>
-              <a:rPr sz="1000">
-                <a:solidFill>
-                  <a:srgbClr val="E0E0E0"/>
-                </a:solidFill>
-                <a:latin typeface="Arial"/>
-              </a:rPr>
-              <a:t>• </a:t>
-            </a:r>
-            <a:r>
-              <a:rPr i="1" sz="1000">
-                <a:solidFill>
-                  <a:srgbClr val="E0E0E0"/>
-                </a:solidFill>
-                <a:latin typeface="Arial"/>
-              </a:rPr>
-              <a:t>Nested items</a:t>
-            </a:r>
-            <a:r>
-              <a:rPr sz="1000">
-                <a:solidFill>
-                  <a:srgbClr val="E0E0E0"/>
-                </a:solidFill>
-                <a:latin typeface="Arial"/>
-              </a:rPr>
-              <a:t> with proper indentation</a:t>
-            </a:r>
-          </a:p>
-          <a:p>
-            <a:pPr lvl="1" algn="l"/>
-            <a:r>
-              <a:rPr sz="1000">
-                <a:solidFill>
-                  <a:srgbClr val="E0E0E0"/>
-                </a:solidFill>
-                <a:latin typeface="Arial"/>
-              </a:rPr>
-              <a:t>• </a:t>
-            </a:r>
-            <a:r>
-              <a:rPr sz="800">
-                <a:solidFill>
-                  <a:srgbClr val="FFFFFF"/>
-                </a:solidFill>
-                <a:latin typeface="Courier New"/>
-              </a:rPr>
-              <a:t>Code elements</a:t>
-            </a:r>
-            <a:r>
-              <a:rPr sz="1000">
-                <a:solidFill>
-                  <a:srgbClr val="E0E0E0"/>
-                </a:solidFill>
-                <a:latin typeface="Arial"/>
-              </a:rPr>
-              <a:t> in list items</a:t>
-            </a:r>
-          </a:p>
-          <a:p>
-            <a:pPr lvl="1" algn="l"/>
-            <a:r>
-              <a:rPr sz="1000">
-                <a:solidFill>
-                  <a:srgbClr val="E0E0E0"/>
-                </a:solidFill>
-                <a:latin typeface="Arial"/>
-              </a:rPr>
-              <a:t>• </a:t>
-            </a:r>
-            <a:r>
-              <a:rPr b="1" sz="1000">
-                <a:solidFill>
-                  <a:srgbClr val="FFCC00"/>
-                </a:solidFill>
-                <a:latin typeface="Arial"/>
-              </a:rPr>
-              <a:t>Highlighted content</a:t>
-            </a:r>
-            <a:r>
-              <a:rPr sz="1000">
-                <a:solidFill>
-                  <a:srgbClr val="E0E0E0"/>
-                </a:solidFill>
-                <a:latin typeface="Arial"/>
-              </a:rPr>
               <a:t> for emphasis</a:t>
-            </a:r>
-          </a:p>
-          <a:p>
-            <a:pPr algn="l"/>
-            <a:r>
-              <a:rPr sz="1000">
-                <a:solidFill>
-                  <a:srgbClr val="E0E0E0"/>
-                </a:solidFill>
-                <a:latin typeface="Arial"/>
-              </a:rPr>
-              <a:t>• </a:t>
-            </a:r>
-            <a:r>
-              <a:rPr b="1" sz="1000">
-                <a:solidFill>
-                  <a:srgbClr val="E0E0E0"/>
-                </a:solidFill>
-                <a:latin typeface="Arial"/>
-              </a:rPr>
-              <a:t>Tertiary feature</a:t>
-            </a:r>
-            <a:r>
-              <a:rPr sz="1000">
-                <a:solidFill>
-                  <a:srgbClr val="E0E0E0"/>
-                </a:solidFill>
-                <a:latin typeface="Arial"/>
-              </a:rPr>
-              <a:t>: Multiple nesting levels</a:t>
             </a:r>
           </a:p>
         </p:txBody>
@@ -20427,7 +20544,7 @@
         </p:nvSpPr>
         <p:spPr>
           <a:xfrm>
-            <a:off x="200025" y="1712595"/>
+            <a:off x="200025" y="1313497"/>
             <a:ext cx="8943975" cy="304800"/>
           </a:xfrm>
           <a:prstGeom prst="rect">
@@ -20472,8 +20589,8 @@
         </p:nvSpPr>
         <p:spPr>
           <a:xfrm>
-            <a:off x="200025" y="2017394"/>
-            <a:ext cx="8943975" cy="1786890"/>
+            <a:off x="200025" y="1627822"/>
+            <a:ext cx="8943975" cy="551497"/>
           </a:xfrm>
           <a:prstGeom prst="rect">
             <a:avLst/>
@@ -20504,26 +20621,26 @@
               <a:t>1. </a:t>
             </a:r>
             <a:r>
-              <a:rPr b="1" sz="1000">
-                <a:solidFill>
-                  <a:srgbClr val="E0E0E0"/>
-                </a:solidFill>
-                <a:latin typeface="Arial"/>
-              </a:rPr>
-              <a:t>Setup Phase</a:t>
-            </a:r>
-          </a:p>
-          <a:p>
-            <a:pPr lvl="1" algn="l"/>
-            <a:r>
               <a:rPr sz="1000">
                 <a:solidFill>
                   <a:srgbClr val="E0E0E0"/>
                 </a:solidFill>
                 <a:latin typeface="Arial"/>
               </a:rPr>
-              <a:t>1. </a:t>
-            </a:r>
+              <a:t>Install dependencies with </a:t>
+            </a:r>
+            <a:r>
+              <a:rPr sz="800">
+                <a:solidFill>
+                  <a:srgbClr val="FFFFFF"/>
+                </a:solidFill>
+                <a:latin typeface="Courier New"/>
+              </a:rPr>
+              <a:t>pip install -r requirements.txt</a:t>
+            </a:r>
+          </a:p>
+          <a:p>
+            <a:pPr algn="l"/>
             <a:r>
               <a:rPr sz="1000">
                 <a:solidFill>
@@ -20531,20 +20648,8 @@
                 </a:solidFill>
                 <a:latin typeface="Arial"/>
               </a:rPr>
-              <a:t>Install dependencies with </a:t>
-            </a:r>
-            <a:r>
-              <a:rPr sz="800">
-                <a:solidFill>
-                  <a:srgbClr val="FFFFFF"/>
-                </a:solidFill>
-                <a:latin typeface="Courier New"/>
-              </a:rPr>
-              <a:t>pip install -r requirements.txt</a:t>
-            </a:r>
-          </a:p>
-          <a:p>
-            <a:pPr lvl="1" algn="l"/>
+              <a:t>2. </a:t>
+            </a:r>
             <a:r>
               <a:rPr sz="1000">
                 <a:solidFill>
@@ -20552,8 +20657,11 @@
                 </a:solidFill>
                 <a:latin typeface="Arial"/>
               </a:rPr>
-              <a:t>2. </a:t>
-            </a:r>
+              <a:t>Configure environment variables</a:t>
+            </a:r>
+          </a:p>
+          <a:p>
+            <a:pPr algn="l"/>
             <a:r>
               <a:rPr sz="1000">
                 <a:solidFill>
@@ -20561,11 +20669,8 @@
                 </a:solidFill>
                 <a:latin typeface="Arial"/>
               </a:rPr>
-              <a:t>Configure environment variables</a:t>
-            </a:r>
-          </a:p>
-          <a:p>
-            <a:pPr lvl="1" algn="l"/>
+              <a:t>3. </a:t>
+            </a:r>
             <a:r>
               <a:rPr sz="1000">
                 <a:solidFill>
@@ -20573,247 +20678,7 @@
                 </a:solidFill>
                 <a:latin typeface="Arial"/>
               </a:rPr>
-              <a:t>3. </a:t>
-            </a:r>
-            <a:r>
-              <a:rPr sz="1000">
-                <a:solidFill>
-                  <a:srgbClr val="E0E0E0"/>
-                </a:solidFill>
-                <a:latin typeface="Arial"/>
-              </a:rPr>
               <a:t>Initialize database schema</a:t>
-            </a:r>
-          </a:p>
-          <a:p>
-            <a:pPr algn="l"/>
-            <a:r>
-              <a:rPr sz="1000">
-                <a:solidFill>
-                  <a:srgbClr val="E0E0E0"/>
-                </a:solidFill>
-                <a:latin typeface="Arial"/>
-              </a:rPr>
-              <a:t>2. </a:t>
-            </a:r>
-            <a:r>
-              <a:rPr b="1" sz="1000">
-                <a:solidFill>
-                  <a:srgbClr val="E0E0E0"/>
-                </a:solidFill>
-                <a:latin typeface="Arial"/>
-              </a:rPr>
-              <a:t>Development Phase</a:t>
-            </a:r>
-          </a:p>
-          <a:p>
-            <a:pPr lvl="1" algn="l"/>
-            <a:r>
-              <a:rPr sz="1000">
-                <a:solidFill>
-                  <a:srgbClr val="E0E0E0"/>
-                </a:solidFill>
-                <a:latin typeface="Arial"/>
-              </a:rPr>
-              <a:t>1. </a:t>
-            </a:r>
-            <a:r>
-              <a:rPr sz="1000">
-                <a:solidFill>
-                  <a:srgbClr val="E0E0E0"/>
-                </a:solidFill>
-                <a:latin typeface="Arial"/>
-              </a:rPr>
-              <a:t>Write </a:t>
-            </a:r>
-            <a:r>
-              <a:rPr b="1" sz="1000">
-                <a:solidFill>
-                  <a:srgbClr val="FFCC00"/>
-                </a:solidFill>
-                <a:latin typeface="Arial"/>
-              </a:rPr>
-              <a:t>clean, maintainable code</a:t>
-            </a:r>
-          </a:p>
-          <a:p>
-            <a:pPr lvl="1" algn="l"/>
-            <a:r>
-              <a:rPr sz="1000">
-                <a:solidFill>
-                  <a:srgbClr val="E0E0E0"/>
-                </a:solidFill>
-                <a:latin typeface="Arial"/>
-              </a:rPr>
-              <a:t>2. </a:t>
-            </a:r>
-            <a:r>
-              <a:rPr sz="1000">
-                <a:solidFill>
-                  <a:srgbClr val="E0E0E0"/>
-                </a:solidFill>
-                <a:latin typeface="Arial"/>
-              </a:rPr>
-              <a:t>Add comprehensive </a:t>
-            </a:r>
-            <a:r>
-              <a:rPr i="1" sz="1000">
-                <a:solidFill>
-                  <a:srgbClr val="E0E0E0"/>
-                </a:solidFill>
-                <a:latin typeface="Arial"/>
-              </a:rPr>
-              <a:t>unit tests</a:t>
-            </a:r>
-          </a:p>
-          <a:p>
-            <a:pPr lvl="1" algn="l"/>
-            <a:r>
-              <a:rPr sz="1000">
-                <a:solidFill>
-                  <a:srgbClr val="E0E0E0"/>
-                </a:solidFill>
-                <a:latin typeface="Arial"/>
-              </a:rPr>
-              <a:t>3. </a:t>
-            </a:r>
-            <a:r>
-              <a:rPr sz="1000">
-                <a:solidFill>
-                  <a:srgbClr val="E0E0E0"/>
-                </a:solidFill>
-                <a:latin typeface="Arial"/>
-              </a:rPr>
-              <a:t>Document </a:t>
-            </a:r>
-            <a:r>
-              <a:rPr b="1" sz="1000">
-                <a:solidFill>
-                  <a:srgbClr val="E0E0E0"/>
-                </a:solidFill>
-                <a:latin typeface="Arial"/>
-              </a:rPr>
-              <a:t>public APIs</a:t>
-            </a:r>
-          </a:p>
-          <a:p>
-            <a:pPr algn="l"/>
-            <a:r>
-              <a:rPr sz="1000">
-                <a:solidFill>
-                  <a:srgbClr val="E0E0E0"/>
-                </a:solidFill>
-                <a:latin typeface="Arial"/>
-              </a:rPr>
-              <a:t>3. </a:t>
-            </a:r>
-            <a:r>
-              <a:rPr b="1" sz="1000">
-                <a:solidFill>
-                  <a:srgbClr val="E0E0E0"/>
-                </a:solidFill>
-                <a:latin typeface="Arial"/>
-              </a:rPr>
-              <a:t>Deployment Phase</a:t>
-            </a:r>
-          </a:p>
-          <a:p>
-            <a:pPr lvl="1" algn="l"/>
-            <a:r>
-              <a:rPr sz="1000">
-                <a:solidFill>
-                  <a:srgbClr val="E0E0E0"/>
-                </a:solidFill>
-                <a:latin typeface="Arial"/>
-              </a:rPr>
-              <a:t>1. </a:t>
-            </a:r>
-            <a:r>
-              <a:rPr sz="1000">
-                <a:solidFill>
-                  <a:srgbClr val="E0E0E0"/>
-                </a:solidFill>
-                <a:latin typeface="Arial"/>
-              </a:rPr>
-              <a:t>Run </a:t>
-            </a:r>
-            <a:r>
-              <a:rPr sz="800">
-                <a:solidFill>
-                  <a:srgbClr val="FFFFFF"/>
-                </a:solidFill>
-                <a:latin typeface="Courier New"/>
-              </a:rPr>
-              <a:t>pytest</a:t>
-            </a:r>
-            <a:r>
-              <a:rPr sz="1000">
-                <a:solidFill>
-                  <a:srgbClr val="E0E0E0"/>
-                </a:solidFill>
-                <a:latin typeface="Arial"/>
-              </a:rPr>
-              <a:t> for quality assurance</a:t>
-            </a:r>
-          </a:p>
-          <a:p>
-            <a:pPr lvl="1" algn="l"/>
-            <a:r>
-              <a:rPr sz="1000">
-                <a:solidFill>
-                  <a:srgbClr val="E0E0E0"/>
-                </a:solidFill>
-                <a:latin typeface="Arial"/>
-              </a:rPr>
-              <a:t>2. </a:t>
-            </a:r>
-            <a:r>
-              <a:rPr sz="1000">
-                <a:solidFill>
-                  <a:srgbClr val="E0E0E0"/>
-                </a:solidFill>
-                <a:latin typeface="Arial"/>
-              </a:rPr>
-              <a:t>Deploy to </a:t>
-            </a:r>
-            <a:r>
-              <a:rPr b="1" sz="1000">
-                <a:solidFill>
-                  <a:srgbClr val="FFCC00"/>
-                </a:solidFill>
-                <a:latin typeface="Arial"/>
-              </a:rPr>
-              <a:t>production environment</a:t>
-            </a:r>
-          </a:p>
-          <a:p>
-            <a:pPr lvl="1" algn="l"/>
-            <a:r>
-              <a:rPr sz="1000">
-                <a:solidFill>
-                  <a:srgbClr val="E0E0E0"/>
-                </a:solidFill>
-                <a:latin typeface="Arial"/>
-              </a:rPr>
-              <a:t>3. </a:t>
-            </a:r>
-            <a:r>
-              <a:rPr sz="1000">
-                <a:solidFill>
-                  <a:srgbClr val="E0E0E0"/>
-                </a:solidFill>
-                <a:latin typeface="Arial"/>
-              </a:rPr>
-              <a:t>Monitor </a:t>
-            </a:r>
-            <a:r>
-              <a:rPr i="1" sz="1000">
-                <a:solidFill>
-                  <a:srgbClr val="E0E0E0"/>
-                </a:solidFill>
-                <a:latin typeface="Arial"/>
-              </a:rPr>
-              <a:t>system performance</a:t>
             </a:r>
           </a:p>
         </p:txBody>

--- a/output/comprehensive_demo_dark.pptx
+++ b/output/comprehensive_demo_dark.pptx
@@ -10524,7 +10524,7 @@
         </p:nvSpPr>
         <p:spPr>
           <a:xfrm>
-            <a:off x="200025" y="2933699"/>
+            <a:off x="200025" y="2943225"/>
             <a:ext cx="8943975" cy="304800"/>
           </a:xfrm>
           <a:prstGeom prst="rect">
@@ -10569,7 +10569,7 @@
         </p:nvSpPr>
         <p:spPr>
           <a:xfrm>
-            <a:off x="200025" y="3238500"/>
+            <a:off x="200025" y="3248024"/>
             <a:ext cx="8943975" cy="274320"/>
           </a:xfrm>
           <a:prstGeom prst="rect">
@@ -10622,7 +10622,7 @@
         </p:blipFill>
         <p:spPr>
           <a:xfrm>
-            <a:off x="838200" y="3257550"/>
+            <a:off x="838200" y="3267075"/>
             <a:ext cx="7467599" cy="447675"/>
           </a:xfrm>
           <a:prstGeom prst="rect">
@@ -10638,7 +10638,7 @@
         </p:nvSpPr>
         <p:spPr>
           <a:xfrm>
-            <a:off x="200025" y="3981449"/>
+            <a:off x="200025" y="3990974"/>
             <a:ext cx="8943975" cy="274320"/>
           </a:xfrm>
           <a:prstGeom prst="rect">

--- a/output/comprehensive_demo_dark.pptx
+++ b/output/comprehensive_demo_dark.pptx
@@ -23,12 +23,14 @@
     <p:sldId id="271" r:id="rId22"/>
     <p:sldId id="272" r:id="rId23"/>
     <p:sldId id="273" r:id="rId24"/>
-    <p:sldId id="274" r:id="rId25"/>
-    <p:sldId id="275" r:id="rId26"/>
-    <p:sldId id="276" r:id="rId27"/>
-    <p:sldId id="277" r:id="rId28"/>
-    <p:sldId id="278" r:id="rId29"/>
-    <p:sldId id="279" r:id="rId30"/>
+    <p:sldId id="274" r:id="rId26"/>
+    <p:sldId id="275" r:id="rId27"/>
+    <p:sldId id="276" r:id="rId28"/>
+    <p:sldId id="277" r:id="rId29"/>
+    <p:sldId id="278" r:id="rId30"/>
+    <p:sldId id="279" r:id="rId31"/>
+    <p:sldId id="280" r:id="rId32"/>
+    <p:sldId id="281" r:id="rId33"/>
   </p:sldIdLst>
   <p:sldSz cx="9144000" cy="5143500" type="screen4x3"/>
   <p:notesSz cx="6858000" cy="9144000"/>
@@ -128,6 +130,499 @@
     </a:lvl9pPr>
   </p:defaultTextStyle>
 </p:presentation>
+</file>
+
+<file path=ppt/notesMasters/notesMaster1.xml><?xml version="1.0" encoding="utf-8"?>
+<p:notesMaster xmlns:a="http://schemas.openxmlformats.org/drawingml/2006/main" xmlns:p="http://schemas.openxmlformats.org/presentationml/2006/main" xmlns:r="http://schemas.openxmlformats.org/officeDocument/2006/relationships">
+  <p:cSld>
+    <p:bg>
+      <p:bgRef idx="1001">
+        <a:schemeClr val="bg1"/>
+      </p:bgRef>
+    </p:bg>
+    <p:spTree>
+      <p:nvGrpSpPr>
+        <p:cNvPr id="1" name=""/>
+        <p:cNvGrpSpPr/>
+        <p:nvPr/>
+      </p:nvGrpSpPr>
+      <p:grpSpPr>
+        <a:xfrm>
+          <a:off x="0" y="0"/>
+          <a:ext cx="0" cy="0"/>
+          <a:chOff x="0" y="0"/>
+          <a:chExt cx="0" cy="0"/>
+        </a:xfrm>
+      </p:grpSpPr>
+      <p:sp>
+        <p:nvSpPr>
+          <p:cNvPr id="2" name="Header Placeholder 1"/>
+          <p:cNvSpPr>
+            <a:spLocks noGrp="1"/>
+          </p:cNvSpPr>
+          <p:nvPr>
+            <p:ph type="hdr" sz="quarter"/>
+          </p:nvPr>
+        </p:nvSpPr>
+        <p:spPr>
+          <a:xfrm>
+            <a:off x="0" y="0"/>
+            <a:ext cx="2971800" cy="457200"/>
+          </a:xfrm>
+          <a:prstGeom prst="rect">
+            <a:avLst/>
+          </a:prstGeom>
+        </p:spPr>
+        <p:txBody>
+          <a:bodyPr vert="horz" lIns="91440" tIns="45720" rIns="91440" bIns="45720" rtlCol="0"/>
+          <a:lstStyle>
+            <a:lvl1pPr algn="l">
+              <a:defRPr sz="1200"/>
+            </a:lvl1pPr>
+          </a:lstStyle>
+          <a:p>
+            <a:endParaRPr lang="en-US"/>
+          </a:p>
+        </p:txBody>
+      </p:sp>
+      <p:sp>
+        <p:nvSpPr>
+          <p:cNvPr id="3" name="Date Placeholder 2"/>
+          <p:cNvSpPr>
+            <a:spLocks noGrp="1"/>
+          </p:cNvSpPr>
+          <p:nvPr>
+            <p:ph type="dt" idx="1"/>
+          </p:nvPr>
+        </p:nvSpPr>
+        <p:spPr>
+          <a:xfrm>
+            <a:off x="3884613" y="0"/>
+            <a:ext cx="2971800" cy="457200"/>
+          </a:xfrm>
+          <a:prstGeom prst="rect">
+            <a:avLst/>
+          </a:prstGeom>
+        </p:spPr>
+        <p:txBody>
+          <a:bodyPr vert="horz" lIns="91440" tIns="45720" rIns="91440" bIns="45720" rtlCol="0"/>
+          <a:lstStyle>
+            <a:lvl1pPr algn="r">
+              <a:defRPr sz="1200"/>
+            </a:lvl1pPr>
+          </a:lstStyle>
+          <a:p>
+            <a:fld id="{0F89C1C7-3DCD-1040-A9CF-14679D8B5DDD}" type="datetimeFigureOut">
+              <a:rPr lang="en-US" smtClean="0"/>
+              <a:t>10/17/16</a:t>
+            </a:fld>
+            <a:endParaRPr lang="en-US"/>
+          </a:p>
+        </p:txBody>
+      </p:sp>
+      <p:sp>
+        <p:nvSpPr>
+          <p:cNvPr id="4" name="Slide Image Placeholder 3"/>
+          <p:cNvSpPr>
+            <a:spLocks noGrp="1" noRot="1" noChangeAspect="1"/>
+          </p:cNvSpPr>
+          <p:nvPr>
+            <p:ph type="sldImg" idx="2"/>
+          </p:nvPr>
+        </p:nvSpPr>
+        <p:spPr>
+          <a:xfrm>
+            <a:off x="1143000" y="685800"/>
+            <a:ext cx="4572000" cy="3429000"/>
+          </a:xfrm>
+          <a:prstGeom prst="rect">
+            <a:avLst/>
+          </a:prstGeom>
+          <a:noFill/>
+          <a:ln w="12700">
+            <a:solidFill>
+              <a:prstClr val="black"/>
+            </a:solidFill>
+          </a:ln>
+        </p:spPr>
+        <p:txBody>
+          <a:bodyPr vert="horz" lIns="91440" tIns="45720" rIns="91440" bIns="45720" rtlCol="0" anchor="ctr"/>
+          <a:lstStyle/>
+          <a:p>
+            <a:endParaRPr lang="en-US"/>
+          </a:p>
+        </p:txBody>
+      </p:sp>
+      <p:sp>
+        <p:nvSpPr>
+          <p:cNvPr id="5" name="Notes Placeholder 4"/>
+          <p:cNvSpPr>
+            <a:spLocks noGrp="1"/>
+          </p:cNvSpPr>
+          <p:nvPr>
+            <p:ph type="body" sz="quarter" idx="3"/>
+          </p:nvPr>
+        </p:nvSpPr>
+        <p:spPr>
+          <a:xfrm>
+            <a:off x="685800" y="4343400"/>
+            <a:ext cx="5486400" cy="4114800"/>
+          </a:xfrm>
+          <a:prstGeom prst="rect">
+            <a:avLst/>
+          </a:prstGeom>
+        </p:spPr>
+        <p:txBody>
+          <a:bodyPr vert="horz" lIns="91440" tIns="45720" rIns="91440" bIns="45720" rtlCol="0"/>
+          <a:lstStyle/>
+          <a:p>
+            <a:pPr lvl="0"/>
+            <a:r>
+              <a:rPr lang="en-US" smtClean="0"/>
+              <a:t>Click to edit Master text styles</a:t>
+            </a:r>
+          </a:p>
+          <a:p>
+            <a:pPr lvl="1"/>
+            <a:r>
+              <a:rPr lang="en-US" smtClean="0"/>
+              <a:t>Second level</a:t>
+            </a:r>
+          </a:p>
+          <a:p>
+            <a:pPr lvl="2"/>
+            <a:r>
+              <a:rPr lang="en-US" smtClean="0"/>
+              <a:t>Third level</a:t>
+            </a:r>
+          </a:p>
+          <a:p>
+            <a:pPr lvl="3"/>
+            <a:r>
+              <a:rPr lang="en-US" smtClean="0"/>
+              <a:t>Fourth level</a:t>
+            </a:r>
+          </a:p>
+          <a:p>
+            <a:pPr lvl="4"/>
+            <a:r>
+              <a:rPr lang="en-US" smtClean="0"/>
+              <a:t>Fifth level</a:t>
+            </a:r>
+            <a:endParaRPr lang="en-US"/>
+          </a:p>
+        </p:txBody>
+      </p:sp>
+      <p:sp>
+        <p:nvSpPr>
+          <p:cNvPr id="6" name="Footer Placeholder 5"/>
+          <p:cNvSpPr>
+            <a:spLocks noGrp="1"/>
+          </p:cNvSpPr>
+          <p:nvPr>
+            <p:ph type="ftr" sz="quarter" idx="4"/>
+          </p:nvPr>
+        </p:nvSpPr>
+        <p:spPr>
+          <a:xfrm>
+            <a:off x="0" y="8685213"/>
+            <a:ext cx="2971800" cy="457200"/>
+          </a:xfrm>
+          <a:prstGeom prst="rect">
+            <a:avLst/>
+          </a:prstGeom>
+        </p:spPr>
+        <p:txBody>
+          <a:bodyPr vert="horz" lIns="91440" tIns="45720" rIns="91440" bIns="45720" rtlCol="0" anchor="b"/>
+          <a:lstStyle>
+            <a:lvl1pPr algn="l">
+              <a:defRPr sz="1200"/>
+            </a:lvl1pPr>
+          </a:lstStyle>
+          <a:p>
+            <a:endParaRPr lang="en-US"/>
+          </a:p>
+        </p:txBody>
+      </p:sp>
+      <p:sp>
+        <p:nvSpPr>
+          <p:cNvPr id="7" name="Slide Number Placeholder 6"/>
+          <p:cNvSpPr>
+            <a:spLocks noGrp="1"/>
+          </p:cNvSpPr>
+          <p:nvPr>
+            <p:ph type="sldNum" sz="quarter" idx="5"/>
+          </p:nvPr>
+        </p:nvSpPr>
+        <p:spPr>
+          <a:xfrm>
+            <a:off x="3884613" y="8685213"/>
+            <a:ext cx="2971800" cy="457200"/>
+          </a:xfrm>
+          <a:prstGeom prst="rect">
+            <a:avLst/>
+          </a:prstGeom>
+        </p:spPr>
+        <p:txBody>
+          <a:bodyPr vert="horz" lIns="91440" tIns="45720" rIns="91440" bIns="45720" rtlCol="0" anchor="b"/>
+          <a:lstStyle>
+            <a:lvl1pPr algn="r">
+              <a:defRPr sz="1200"/>
+            </a:lvl1pPr>
+          </a:lstStyle>
+          <a:p>
+            <a:fld id="{BB5E49A5-4136-284D-997B-48E1D791AD67}" type="slidenum">
+              <a:rPr lang="en-US" smtClean="0"/>
+              <a:t>‹#›</a:t>
+            </a:fld>
+            <a:endParaRPr lang="en-US"/>
+          </a:p>
+        </p:txBody>
+      </p:sp>
+    </p:spTree>
+    <p:extLst>
+      <p:ext uri="{BB962C8B-B14F-4D97-AF65-F5344CB8AC3E}">
+        <p14:creationId xmlns:p14="http://schemas.microsoft.com/office/powerpoint/2010/main" val="2623252185"/>
+      </p:ext>
+    </p:extLst>
+  </p:cSld>
+  <p:clrMap bg1="lt1" tx1="dk1" bg2="lt2" tx2="dk2" accent1="accent1" accent2="accent2" accent3="accent3" accent4="accent4" accent5="accent5" accent6="accent6" hlink="hlink" folHlink="folHlink"/>
+  <p:notesStyle>
+    <a:lvl1pPr marL="0" algn="l" defTabSz="457200" rtl="0" eaLnBrk="1" latinLnBrk="0" hangingPunct="1">
+      <a:defRPr sz="1200" kern="1200">
+        <a:solidFill>
+          <a:schemeClr val="tx1"/>
+        </a:solidFill>
+        <a:latin typeface="+mn-lt"/>
+        <a:ea typeface="+mn-ea"/>
+        <a:cs typeface="+mn-cs"/>
+      </a:defRPr>
+    </a:lvl1pPr>
+    <a:lvl2pPr marL="457200" algn="l" defTabSz="457200" rtl="0" eaLnBrk="1" latinLnBrk="0" hangingPunct="1">
+      <a:defRPr sz="1200" kern="1200">
+        <a:solidFill>
+          <a:schemeClr val="tx1"/>
+        </a:solidFill>
+        <a:latin typeface="+mn-lt"/>
+        <a:ea typeface="+mn-ea"/>
+        <a:cs typeface="+mn-cs"/>
+      </a:defRPr>
+    </a:lvl2pPr>
+    <a:lvl3pPr marL="914400" algn="l" defTabSz="457200" rtl="0" eaLnBrk="1" latinLnBrk="0" hangingPunct="1">
+      <a:defRPr sz="1200" kern="1200">
+        <a:solidFill>
+          <a:schemeClr val="tx1"/>
+        </a:solidFill>
+        <a:latin typeface="+mn-lt"/>
+        <a:ea typeface="+mn-ea"/>
+        <a:cs typeface="+mn-cs"/>
+      </a:defRPr>
+    </a:lvl3pPr>
+    <a:lvl4pPr marL="1371600" algn="l" defTabSz="457200" rtl="0" eaLnBrk="1" latinLnBrk="0" hangingPunct="1">
+      <a:defRPr sz="1200" kern="1200">
+        <a:solidFill>
+          <a:schemeClr val="tx1"/>
+        </a:solidFill>
+        <a:latin typeface="+mn-lt"/>
+        <a:ea typeface="+mn-ea"/>
+        <a:cs typeface="+mn-cs"/>
+      </a:defRPr>
+    </a:lvl4pPr>
+    <a:lvl5pPr marL="1828800" algn="l" defTabSz="457200" rtl="0" eaLnBrk="1" latinLnBrk="0" hangingPunct="1">
+      <a:defRPr sz="1200" kern="1200">
+        <a:solidFill>
+          <a:schemeClr val="tx1"/>
+        </a:solidFill>
+        <a:latin typeface="+mn-lt"/>
+        <a:ea typeface="+mn-ea"/>
+        <a:cs typeface="+mn-cs"/>
+      </a:defRPr>
+    </a:lvl5pPr>
+    <a:lvl6pPr marL="2286000" algn="l" defTabSz="457200" rtl="0" eaLnBrk="1" latinLnBrk="0" hangingPunct="1">
+      <a:defRPr sz="1200" kern="1200">
+        <a:solidFill>
+          <a:schemeClr val="tx1"/>
+        </a:solidFill>
+        <a:latin typeface="+mn-lt"/>
+        <a:ea typeface="+mn-ea"/>
+        <a:cs typeface="+mn-cs"/>
+      </a:defRPr>
+    </a:lvl6pPr>
+    <a:lvl7pPr marL="2743200" algn="l" defTabSz="457200" rtl="0" eaLnBrk="1" latinLnBrk="0" hangingPunct="1">
+      <a:defRPr sz="1200" kern="1200">
+        <a:solidFill>
+          <a:schemeClr val="tx1"/>
+        </a:solidFill>
+        <a:latin typeface="+mn-lt"/>
+        <a:ea typeface="+mn-ea"/>
+        <a:cs typeface="+mn-cs"/>
+      </a:defRPr>
+    </a:lvl7pPr>
+    <a:lvl8pPr marL="3200400" algn="l" defTabSz="457200" rtl="0" eaLnBrk="1" latinLnBrk="0" hangingPunct="1">
+      <a:defRPr sz="1200" kern="1200">
+        <a:solidFill>
+          <a:schemeClr val="tx1"/>
+        </a:solidFill>
+        <a:latin typeface="+mn-lt"/>
+        <a:ea typeface="+mn-ea"/>
+        <a:cs typeface="+mn-cs"/>
+      </a:defRPr>
+    </a:lvl8pPr>
+    <a:lvl9pPr marL="3657600" algn="l" defTabSz="457200" rtl="0" eaLnBrk="1" latinLnBrk="0" hangingPunct="1">
+      <a:defRPr sz="1200" kern="1200">
+        <a:solidFill>
+          <a:schemeClr val="tx1"/>
+        </a:solidFill>
+        <a:latin typeface="+mn-lt"/>
+        <a:ea typeface="+mn-ea"/>
+        <a:cs typeface="+mn-cs"/>
+      </a:defRPr>
+    </a:lvl9pPr>
+  </p:notesStyle>
+</p:notesMaster>
+</file>
+
+<file path=ppt/notesSlides/notesSlide1.xml><?xml version="1.0" encoding="utf-8"?>
+<p:notes xmlns:a="http://schemas.openxmlformats.org/drawingml/2006/main" xmlns:p="http://schemas.openxmlformats.org/presentationml/2006/main" xmlns:r="http://schemas.openxmlformats.org/officeDocument/2006/relationships">
+  <p:cSld>
+    <p:spTree>
+      <p:nvGrpSpPr>
+        <p:cNvPr id="1" name=""/>
+        <p:cNvGrpSpPr/>
+        <p:nvPr/>
+      </p:nvGrpSpPr>
+      <p:grpSpPr>
+        <a:xfrm>
+          <a:off x="0" y="0"/>
+          <a:ext cx="0" cy="0"/>
+          <a:chOff x="0" y="0"/>
+          <a:chExt cx="0" cy="0"/>
+        </a:xfrm>
+      </p:grpSpPr>
+      <p:sp>
+        <p:nvSpPr>
+          <p:cNvPr id="2" name="Slide Image Placeholder 1"/>
+          <p:cNvSpPr>
+            <a:spLocks noGrp="1"/>
+          </p:cNvSpPr>
+          <p:nvPr>
+            <p:ph type="sldImg" idx="2"/>
+          </p:nvPr>
+        </p:nvSpPr>
+        <p:spPr/>
+      </p:sp>
+      <p:sp>
+        <p:nvSpPr>
+          <p:cNvPr id="3" name="Notes Placeholder 2"/>
+          <p:cNvSpPr>
+            <a:spLocks noGrp="1"/>
+          </p:cNvSpPr>
+          <p:nvPr>
+            <p:ph type="body" idx="3" sz="quarter"/>
+          </p:nvPr>
+        </p:nvSpPr>
+        <p:spPr/>
+        <p:txBody>
+          <a:bodyPr/>
+          <a:lstStyle/>
+          <a:p>
+            <a:r>
+              <a:t>This is the first speaker note example. It contains important details for the presenter about the slide content and should appear in PowerPoint's speaker notes section.</a:t>
+            </a:r>
+          </a:p>
+        </p:txBody>
+      </p:sp>
+      <p:sp>
+        <p:nvSpPr>
+          <p:cNvPr id="4" name="Slide Number Placeholder 3"/>
+          <p:cNvSpPr>
+            <a:spLocks noGrp="1"/>
+          </p:cNvSpPr>
+          <p:nvPr>
+            <p:ph type="sldNum" idx="5" sz="quarter"/>
+          </p:nvPr>
+        </p:nvSpPr>
+        <p:spPr/>
+      </p:sp>
+    </p:spTree>
+  </p:cSld>
+  <p:clrMapOvr>
+    <a:masterClrMapping/>
+  </p:clrMapOvr>
+</p:notes>
+</file>
+
+<file path=ppt/notesSlides/notesSlide2.xml><?xml version="1.0" encoding="utf-8"?>
+<p:notes xmlns:a="http://schemas.openxmlformats.org/drawingml/2006/main" xmlns:p="http://schemas.openxmlformats.org/presentationml/2006/main" xmlns:r="http://schemas.openxmlformats.org/officeDocument/2006/relationships">
+  <p:cSld>
+    <p:spTree>
+      <p:nvGrpSpPr>
+        <p:cNvPr id="1" name=""/>
+        <p:cNvGrpSpPr/>
+        <p:nvPr/>
+      </p:nvGrpSpPr>
+      <p:grpSpPr>
+        <a:xfrm>
+          <a:off x="0" y="0"/>
+          <a:ext cx="0" cy="0"/>
+          <a:chOff x="0" y="0"/>
+          <a:chExt cx="0" cy="0"/>
+        </a:xfrm>
+      </p:grpSpPr>
+      <p:sp>
+        <p:nvSpPr>
+          <p:cNvPr id="2" name="Slide Image Placeholder 1"/>
+          <p:cNvSpPr>
+            <a:spLocks noGrp="1"/>
+          </p:cNvSpPr>
+          <p:nvPr>
+            <p:ph type="sldImg" idx="2"/>
+          </p:nvPr>
+        </p:nvSpPr>
+        <p:spPr/>
+      </p:sp>
+      <p:sp>
+        <p:nvSpPr>
+          <p:cNvPr id="3" name="Notes Placeholder 2"/>
+          <p:cNvSpPr>
+            <a:spLocks noGrp="1"/>
+          </p:cNvSpPr>
+          <p:nvPr>
+            <p:ph type="body" idx="3" sz="quarter"/>
+          </p:nvPr>
+        </p:nvSpPr>
+        <p:spPr/>
+        <p:txBody>
+          <a:bodyPr/>
+          <a:lstStyle/>
+          <a:p>
+            <a:r>
+              <a:t>This is the second speaker note with multiple lines.
+It demonstrates that speaker notes can span multiple lines and contain rich information.
+Presenters can include bullet points, additional context, or reminders here.
+These notes will appear in PowerPoint's speaker notes view but won't affect the slide layout.</a:t>
+            </a:r>
+          </a:p>
+        </p:txBody>
+      </p:sp>
+      <p:sp>
+        <p:nvSpPr>
+          <p:cNvPr id="4" name="Slide Number Placeholder 3"/>
+          <p:cNvSpPr>
+            <a:spLocks noGrp="1"/>
+          </p:cNvSpPr>
+          <p:nvPr>
+            <p:ph type="sldNum" idx="5" sz="quarter"/>
+          </p:nvPr>
+        </p:nvSpPr>
+        <p:spPr/>
+      </p:sp>
+    </p:spTree>
+  </p:cSld>
+  <p:clrMapOvr>
+    <a:masterClrMapping/>
+  </p:clrMapOvr>
+</p:notes>
 </file>
 
 <file path=ppt/slideLayouts/slideLayout1.xml><?xml version="1.0" encoding="utf-8"?>
@@ -10094,7 +10589,7 @@
                 </a:solidFill>
                 <a:latin typeface="Arial"/>
               </a:rPr>
-              <a:t>🧮 Math Equations Support</a:t>
+              <a:t>📝 Speaker Notes Demo</a:t>
             </a:r>
           </a:p>
         </p:txBody>
@@ -10139,7 +10634,43 @@
                 </a:solidFill>
                 <a:latin typeface="Arial"/>
               </a:rPr>
-              <a:t>The slide generator now supports LaTeX math equations using KaTeX rendering.</a:t>
+              <a:t>This slide demonstrates </a:t>
+            </a:r>
+            <a:r>
+              <a:rPr b="1" sz="1000">
+                <a:solidFill>
+                  <a:srgbClr val="E0E0E0"/>
+                </a:solidFill>
+                <a:latin typeface="Arial"/>
+              </a:rPr>
+              <a:t>speaker notes functionality</a:t>
+            </a:r>
+            <a:r>
+              <a:rPr sz="1000">
+                <a:solidFill>
+                  <a:srgbClr val="E0E0E0"/>
+                </a:solidFill>
+                <a:latin typeface="Arial"/>
+              </a:rPr>
+              <a:t> with </a:t>
+            </a:r>
+            <a:r>
+              <a:rPr i="1" sz="1000">
+                <a:solidFill>
+                  <a:srgbClr val="E0E0E0"/>
+                </a:solidFill>
+                <a:latin typeface="Arial"/>
+              </a:rPr>
+              <a:t>various styling elements</a:t>
+            </a:r>
+            <a:r>
+              <a:rPr sz="1000">
+                <a:solidFill>
+                  <a:srgbClr val="E0E0E0"/>
+                </a:solidFill>
+                <a:latin typeface="Arial"/>
+              </a:rPr>
+              <a:t>.</a:t>
             </a:r>
           </a:p>
         </p:txBody>
@@ -10152,52 +10683,7 @@
         </p:nvSpPr>
         <p:spPr>
           <a:xfrm>
-            <a:off x="200025" y="676274"/>
-            <a:ext cx="8943975" cy="304800"/>
-          </a:xfrm>
-          <a:prstGeom prst="rect">
-            <a:avLst/>
-          </a:prstGeom>
-          <a:noFill/>
-        </p:spPr>
-        <p:txBody>
-          <a:bodyPr wrap="square" lIns="0" rIns="0" tIns="0" bIns="0">
-            <a:spAutoFit/>
-          </a:bodyPr>
-          <a:lstStyle/>
-          <a:p>
-            <a:pPr algn="l">
-              <a:lnSpc>
-                <a:spcPct val="100000"/>
-              </a:lnSpc>
-              <a:spcBef>
-                <a:spcPts val="0"/>
-              </a:spcBef>
-              <a:spcAft>
-                <a:spcPts val="0"/>
-              </a:spcAft>
-            </a:pPr>
-            <a:r>
-              <a:rPr sz="1300" b="1">
-                <a:solidFill>
-                  <a:srgbClr val="E0E0E0"/>
-                </a:solidFill>
-                <a:latin typeface="Arial"/>
-              </a:rPr>
-              <a:t>Inline Math</a:t>
-            </a:r>
-          </a:p>
-        </p:txBody>
-      </p:sp>
-      <p:sp>
-        <p:nvSpPr>
-          <p:cNvPr id="5" name="TextBox 4"/>
-          <p:cNvSpPr txBox="1"/>
-          <p:nvPr/>
-        </p:nvSpPr>
-        <p:spPr>
-          <a:xfrm>
-            <a:off x="200025" y="990599"/>
+            <a:off x="200025" y="771525"/>
             <a:ext cx="8943975" cy="274320"/>
           </a:xfrm>
           <a:prstGeom prst="rect">
@@ -10229,7 +10715,16 @@
                 </a:solidFill>
                 <a:latin typeface="Arial"/>
               </a:rPr>
-              <a:t>You can include inline math like </a:t>
+              <a:t>You can add </a:t>
+            </a:r>
+            <a:r>
+              <a:rPr b="1" sz="1000">
+                <a:solidFill>
+                  <a:srgbClr val="FFCC00"/>
+                </a:solidFill>
+                <a:latin typeface="Arial"/>
+              </a:rPr>
+              <a:t>highlighted text</a:t>
             </a:r>
             <a:r>
               <a:rPr sz="1000">
@@ -10238,7 +10733,16 @@
                 </a:solidFill>
                 <a:latin typeface="Arial"/>
               </a:rPr>
-              <a:t>$E=mc^2$</a:t>
+              <a:t> and </a:t>
+            </a:r>
+            <a:r>
+              <a:rPr sz="800">
+                <a:solidFill>
+                  <a:srgbClr val="FFFFFF"/>
+                </a:solidFill>
+                <a:latin typeface="Courier New"/>
+              </a:rPr>
+              <a:t>inline code</a:t>
             </a:r>
             <a:r>
               <a:rPr sz="1000">
@@ -10247,38 +10751,20 @@
                 </a:solidFill>
                 <a:latin typeface="Arial"/>
               </a:rPr>
-              <a:t> or </a:t>
-            </a:r>
-            <a:r>
-              <a:rPr sz="1000">
-                <a:solidFill>
-                  <a:srgbClr val="E0E0E0"/>
-                </a:solidFill>
-                <a:latin typeface="Arial"/>
-              </a:rPr>
-              <a:t>$\alpha + \beta = \gamma$</a:t>
-            </a:r>
-            <a:r>
-              <a:rPr sz="1000">
-                <a:solidFill>
-                  <a:srgbClr val="E0E0E0"/>
-                </a:solidFill>
-                <a:latin typeface="Arial"/>
-              </a:rPr>
-              <a:t> directly in your text.</a:t>
+              <a:t> to make your content more engaging.</a:t>
             </a:r>
           </a:p>
         </p:txBody>
       </p:sp>
       <p:sp>
         <p:nvSpPr>
-          <p:cNvPr id="6" name="TextBox 5"/>
+          <p:cNvPr id="5" name="TextBox 4"/>
           <p:cNvSpPr txBox="1"/>
           <p:nvPr/>
         </p:nvSpPr>
         <p:spPr>
           <a:xfrm>
-            <a:off x="200025" y="1219200"/>
+            <a:off x="200025" y="1009649"/>
             <a:ext cx="8943975" cy="274320"/>
           </a:xfrm>
           <a:prstGeom prst="rect">
@@ -10310,7 +10796,17 @@
                 </a:solidFill>
                 <a:latin typeface="Arial"/>
               </a:rPr>
-              <a:t>The quadratic formula is </a:t>
+              <a:t>Visit our </a:t>
+            </a:r>
+            <a:r>
+              <a:rPr u="sng" sz="1000">
+                <a:solidFill>
+                  <a:srgbClr val="0066CC"/>
+                </a:solidFill>
+                <a:latin typeface="Arial"/>
+                <a:hlinkClick r:id="rId2"/>
+              </a:rPr>
+              <a:t>official website</a:t>
             </a:r>
             <a:r>
               <a:rPr sz="1000">
@@ -10319,358 +10815,7 @@
                 </a:solidFill>
                 <a:latin typeface="Arial"/>
               </a:rPr>
-              <a:t>$x = \frac{-b \pm \sqrt{b^2-4ac}}{2a}$</a:t>
-            </a:r>
-            <a:r>
-              <a:rPr sz="1000">
-                <a:solidFill>
-                  <a:srgbClr val="E0E0E0"/>
-                </a:solidFill>
-                <a:latin typeface="Arial"/>
-              </a:rPr>
-              <a:t>.</a:t>
-            </a:r>
-          </a:p>
-        </p:txBody>
-      </p:sp>
-      <p:sp>
-        <p:nvSpPr>
-          <p:cNvPr id="7" name="TextBox 6"/>
-          <p:cNvSpPr txBox="1"/>
-          <p:nvPr/>
-        </p:nvSpPr>
-        <p:spPr>
-          <a:xfrm>
-            <a:off x="200025" y="1352549"/>
-            <a:ext cx="8943975" cy="304800"/>
-          </a:xfrm>
-          <a:prstGeom prst="rect">
-            <a:avLst/>
-          </a:prstGeom>
-          <a:noFill/>
-        </p:spPr>
-        <p:txBody>
-          <a:bodyPr wrap="square" lIns="0" rIns="0" tIns="0" bIns="0">
-            <a:spAutoFit/>
-          </a:bodyPr>
-          <a:lstStyle/>
-          <a:p>
-            <a:pPr algn="l">
-              <a:lnSpc>
-                <a:spcPct val="100000"/>
-              </a:lnSpc>
-              <a:spcBef>
-                <a:spcPts val="0"/>
-              </a:spcBef>
-              <a:spcAft>
-                <a:spcPts val="0"/>
-              </a:spcAft>
-            </a:pPr>
-            <a:r>
-              <a:rPr sz="1300" b="1">
-                <a:solidFill>
-                  <a:srgbClr val="E0E0E0"/>
-                </a:solidFill>
-                <a:latin typeface="Arial"/>
-              </a:rPr>
-              <a:t>Block Math</a:t>
-            </a:r>
-          </a:p>
-        </p:txBody>
-      </p:sp>
-      <p:sp>
-        <p:nvSpPr>
-          <p:cNvPr id="8" name="TextBox 7"/>
-          <p:cNvSpPr txBox="1"/>
-          <p:nvPr/>
-        </p:nvSpPr>
-        <p:spPr>
-          <a:xfrm>
-            <a:off x="200025" y="1666874"/>
-            <a:ext cx="8943975" cy="274320"/>
-          </a:xfrm>
-          <a:prstGeom prst="rect">
-            <a:avLst/>
-          </a:prstGeom>
-          <a:noFill/>
-        </p:spPr>
-        <p:txBody>
-          <a:bodyPr wrap="square" lIns="0" rIns="0" tIns="0" bIns="0">
-            <a:spAutoFit/>
-          </a:bodyPr>
-          <a:lstStyle/>
-          <a:p>
-            <a:pPr algn="l">
-              <a:lnSpc>
-                <a:spcPct val="100000"/>
-              </a:lnSpc>
-              <a:spcBef>
-                <a:spcPts val="0"/>
-              </a:spcBef>
-              <a:spcAft>
-                <a:spcPts val="0"/>
-              </a:spcAft>
-            </a:pPr>
-            <a:r>
-              <a:rPr sz="1000">
-                <a:solidFill>
-                  <a:srgbClr val="E0E0E0"/>
-                </a:solidFill>
-                <a:latin typeface="Arial"/>
-              </a:rPr>
-              <a:t>For display math, use double dollar signs:</a:t>
-            </a:r>
-          </a:p>
-        </p:txBody>
-      </p:sp>
-      <p:pic>
-        <p:nvPicPr>
-          <p:cNvPr id="9" name="Picture 8" descr="98d66b88d1dd5d5aa7595eb2cd154e01.png"/>
-          <p:cNvPicPr>
-            <a:picLocks noChangeAspect="1"/>
-          </p:cNvPicPr>
-          <p:nvPr/>
-        </p:nvPicPr>
-        <p:blipFill>
-          <a:blip r:embed="rId2"/>
-          <a:stretch>
-            <a:fillRect/>
-          </a:stretch>
-        </p:blipFill>
-        <p:spPr>
-          <a:xfrm>
-            <a:off x="838200" y="1743075"/>
-            <a:ext cx="7467599" cy="466724"/>
-          </a:xfrm>
-          <a:prstGeom prst="rect">
-            <a:avLst/>
-          </a:prstGeom>
-        </p:spPr>
-      </p:pic>
-      <p:sp>
-        <p:nvSpPr>
-          <p:cNvPr id="10" name="TextBox 9"/>
-          <p:cNvSpPr txBox="1"/>
-          <p:nvPr/>
-        </p:nvSpPr>
-        <p:spPr>
-          <a:xfrm>
-            <a:off x="200025" y="2428875"/>
-            <a:ext cx="8943975" cy="274320"/>
-          </a:xfrm>
-          <a:prstGeom prst="rect">
-            <a:avLst/>
-          </a:prstGeom>
-          <a:noFill/>
-        </p:spPr>
-        <p:txBody>
-          <a:bodyPr wrap="square" lIns="0" rIns="0" tIns="0" bIns="0">
-            <a:spAutoFit/>
-          </a:bodyPr>
-          <a:lstStyle/>
-          <a:p>
-            <a:pPr algn="l">
-              <a:lnSpc>
-                <a:spcPct val="100000"/>
-              </a:lnSpc>
-              <a:spcBef>
-                <a:spcPts val="0"/>
-              </a:spcBef>
-              <a:spcAft>
-                <a:spcPts val="0"/>
-              </a:spcAft>
-            </a:pPr>
-            <a:r>
-              <a:rPr sz="1000">
-                <a:solidFill>
-                  <a:srgbClr val="E0E0E0"/>
-                </a:solidFill>
-                <a:latin typeface="Arial"/>
-              </a:rPr>
-              <a:t>Euler's famous identity:</a:t>
-            </a:r>
-          </a:p>
-        </p:txBody>
-      </p:sp>
-      <p:pic>
-        <p:nvPicPr>
-          <p:cNvPr id="11" name="Picture 10" descr="a9d2ba54b06d18626aa73df549f0a938.png"/>
-          <p:cNvPicPr>
-            <a:picLocks noChangeAspect="1"/>
-          </p:cNvPicPr>
-          <p:nvPr/>
-        </p:nvPicPr>
-        <p:blipFill>
-          <a:blip r:embed="rId3"/>
-          <a:stretch>
-            <a:fillRect/>
-          </a:stretch>
-        </p:blipFill>
-        <p:spPr>
-          <a:xfrm>
-            <a:off x="838200" y="2486025"/>
-            <a:ext cx="7467599" cy="228600"/>
-          </a:xfrm>
-          <a:prstGeom prst="rect">
-            <a:avLst/>
-          </a:prstGeom>
-        </p:spPr>
-      </p:pic>
-      <p:sp>
-        <p:nvSpPr>
-          <p:cNvPr id="12" name="TextBox 11"/>
-          <p:cNvSpPr txBox="1"/>
-          <p:nvPr/>
-        </p:nvSpPr>
-        <p:spPr>
-          <a:xfrm>
-            <a:off x="200025" y="2943225"/>
-            <a:ext cx="8943975" cy="304800"/>
-          </a:xfrm>
-          <a:prstGeom prst="rect">
-            <a:avLst/>
-          </a:prstGeom>
-          <a:noFill/>
-        </p:spPr>
-        <p:txBody>
-          <a:bodyPr wrap="square" lIns="0" rIns="0" tIns="0" bIns="0">
-            <a:spAutoFit/>
-          </a:bodyPr>
-          <a:lstStyle/>
-          <a:p>
-            <a:pPr algn="l">
-              <a:lnSpc>
-                <a:spcPct val="100000"/>
-              </a:lnSpc>
-              <a:spcBef>
-                <a:spcPts val="0"/>
-              </a:spcBef>
-              <a:spcAft>
-                <a:spcPts val="0"/>
-              </a:spcAft>
-            </a:pPr>
-            <a:r>
-              <a:rPr sz="1300" b="1">
-                <a:solidFill>
-                  <a:srgbClr val="E0E0E0"/>
-                </a:solidFill>
-                <a:latin typeface="Arial"/>
-              </a:rPr>
-              <a:t>Complex Equations</a:t>
-            </a:r>
-          </a:p>
-        </p:txBody>
-      </p:sp>
-      <p:sp>
-        <p:nvSpPr>
-          <p:cNvPr id="13" name="TextBox 12"/>
-          <p:cNvSpPr txBox="1"/>
-          <p:nvPr/>
-        </p:nvSpPr>
-        <p:spPr>
-          <a:xfrm>
-            <a:off x="200025" y="3248024"/>
-            <a:ext cx="8943975" cy="274320"/>
-          </a:xfrm>
-          <a:prstGeom prst="rect">
-            <a:avLst/>
-          </a:prstGeom>
-          <a:noFill/>
-        </p:spPr>
-        <p:txBody>
-          <a:bodyPr wrap="square" lIns="0" rIns="0" tIns="0" bIns="0">
-            <a:spAutoFit/>
-          </a:bodyPr>
-          <a:lstStyle/>
-          <a:p>
-            <a:pPr algn="l">
-              <a:lnSpc>
-                <a:spcPct val="100000"/>
-              </a:lnSpc>
-              <a:spcBef>
-                <a:spcPts val="0"/>
-              </a:spcBef>
-              <a:spcAft>
-                <a:spcPts val="0"/>
-              </a:spcAft>
-            </a:pPr>
-            <a:r>
-              <a:rPr sz="1000">
-                <a:solidFill>
-                  <a:srgbClr val="E0E0E0"/>
-                </a:solidFill>
-                <a:latin typeface="Arial"/>
-              </a:rPr>
-              <a:t>More complex equations like matrices are also supported:</a:t>
-            </a:r>
-          </a:p>
-        </p:txBody>
-      </p:sp>
-      <p:pic>
-        <p:nvPicPr>
-          <p:cNvPr id="14" name="Picture 13" descr="c517a3c10966ea397e30bfc9599eec7e.png"/>
-          <p:cNvPicPr>
-            <a:picLocks noChangeAspect="1"/>
-          </p:cNvPicPr>
-          <p:nvPr/>
-        </p:nvPicPr>
-        <p:blipFill>
-          <a:blip r:embed="rId4"/>
-          <a:stretch>
-            <a:fillRect/>
-          </a:stretch>
-        </p:blipFill>
-        <p:spPr>
-          <a:xfrm>
-            <a:off x="838200" y="3267075"/>
-            <a:ext cx="7467599" cy="447675"/>
-          </a:xfrm>
-          <a:prstGeom prst="rect">
-            <a:avLst/>
-          </a:prstGeom>
-        </p:spPr>
-      </p:pic>
-      <p:sp>
-        <p:nvSpPr>
-          <p:cNvPr id="15" name="TextBox 14"/>
-          <p:cNvSpPr txBox="1"/>
-          <p:nvPr/>
-        </p:nvSpPr>
-        <p:spPr>
-          <a:xfrm>
-            <a:off x="200025" y="3990974"/>
-            <a:ext cx="8943975" cy="274320"/>
-          </a:xfrm>
-          <a:prstGeom prst="rect">
-            <a:avLst/>
-          </a:prstGeom>
-          <a:noFill/>
-        </p:spPr>
-        <p:txBody>
-          <a:bodyPr wrap="square" lIns="0" rIns="0" tIns="0" bIns="0">
-            <a:spAutoFit/>
-          </a:bodyPr>
-          <a:lstStyle/>
-          <a:p>
-            <a:pPr algn="l">
-              <a:lnSpc>
-                <a:spcPct val="100000"/>
-              </a:lnSpc>
-              <a:spcBef>
-                <a:spcPts val="0"/>
-              </a:spcBef>
-              <a:spcAft>
-                <a:spcPts val="0"/>
-              </a:spcAft>
-            </a:pPr>
-            <a:r>
-              <a:rPr sz="1000">
-                <a:solidFill>
-                  <a:srgbClr val="E0E0E0"/>
-                </a:solidFill>
-                <a:latin typeface="Arial"/>
-              </a:rPr>
-              <a:t>Math equations are automatically cached for performance and work in both themes!</a:t>
+              <a:t> for more information.</a:t>
             </a:r>
           </a:p>
         </p:txBody>
@@ -10741,7 +10886,7 @@
                 </a:solidFill>
                 <a:latin typeface="Arial"/>
               </a:rPr>
-              <a:t>📈 Figures Demo</a:t>
+              <a:t>🎤 Advanced Speaker Notes</a:t>
             </a:r>
           </a:p>
         </p:txBody>
@@ -10786,89 +10931,56 @@
                 </a:solidFill>
                 <a:latin typeface="Arial"/>
               </a:rPr>
-              <a:t>Bar chart (80% width):</a:t>
+              <a:t>This is the </a:t>
+            </a:r>
+            <a:r>
+              <a:rPr b="1" sz="1000">
+                <a:solidFill>
+                  <a:srgbClr val="E0E0E0"/>
+                </a:solidFill>
+                <a:latin typeface="Arial"/>
+              </a:rPr>
+              <a:t>second example</a:t>
+            </a:r>
+            <a:r>
+              <a:rPr sz="1000">
+                <a:solidFill>
+                  <a:srgbClr val="E0E0E0"/>
+                </a:solidFill>
+                <a:latin typeface="Arial"/>
+              </a:rPr>
+              <a:t> slide showing more </a:t>
+            </a:r>
+            <a:r>
+              <a:rPr i="1" sz="1000">
+                <a:solidFill>
+                  <a:srgbClr val="E0E0E0"/>
+                </a:solidFill>
+                <a:latin typeface="Arial"/>
+              </a:rPr>
+              <a:t>complex formatting</a:t>
+            </a:r>
+            <a:r>
+              <a:rPr sz="1000">
+                <a:solidFill>
+                  <a:srgbClr val="E0E0E0"/>
+                </a:solidFill>
+                <a:latin typeface="Arial"/>
+              </a:rPr>
+              <a:t> with speaker notes.</a:t>
             </a:r>
           </a:p>
         </p:txBody>
       </p:sp>
-      <p:pic>
-        <p:nvPicPr>
-          <p:cNvPr id="4" name="Picture 3" descr="chart_bar.png"/>
-          <p:cNvPicPr>
-            <a:picLocks noChangeAspect="1"/>
-          </p:cNvPicPr>
-          <p:nvPr/>
-        </p:nvPicPr>
-        <p:blipFill>
-          <a:blip r:embed="rId2"/>
-          <a:stretch>
-            <a:fillRect/>
-          </a:stretch>
-        </p:blipFill>
-        <p:spPr>
-          <a:xfrm>
-            <a:off x="200025" y="676274"/>
-            <a:ext cx="4457700" cy="3343275"/>
-          </a:xfrm>
-          <a:prstGeom prst="rect">
-            <a:avLst/>
-          </a:prstGeom>
-        </p:spPr>
-      </p:pic>
       <p:sp>
         <p:nvSpPr>
-          <p:cNvPr id="5" name="TextBox 4"/>
+          <p:cNvPr id="4" name="TextBox 3"/>
           <p:cNvSpPr txBox="1"/>
           <p:nvPr/>
         </p:nvSpPr>
         <p:spPr>
           <a:xfrm>
-            <a:off x="200025" y="3619499"/>
-            <a:ext cx="4457700" cy="274320"/>
-          </a:xfrm>
-          <a:prstGeom prst="rect">
-            <a:avLst/>
-          </a:prstGeom>
-          <a:noFill/>
-        </p:spPr>
-        <p:txBody>
-          <a:bodyPr wrap="square" lIns="0" rIns="0" tIns="0" bIns="0">
-            <a:spAutoFit/>
-          </a:bodyPr>
-          <a:lstStyle/>
-          <a:p>
-            <a:pPr algn="ctr">
-              <a:lnSpc>
-                <a:spcPct val="100000"/>
-              </a:lnSpc>
-              <a:spcBef>
-                <a:spcPts val="0"/>
-              </a:spcBef>
-              <a:spcAft>
-                <a:spcPts val="0"/>
-              </a:spcAft>
-            </a:pPr>
-            <a:r>
-              <a:rPr sz="1000" i="1">
-                <a:solidFill>
-                  <a:srgbClr val="CCCCCC"/>
-                </a:solidFill>
-                <a:latin typeface="Arial"/>
-              </a:rPr>
-              <a:t>Sample bar chart demonstrating data visualization with proper scaling</a:t>
-            </a:r>
-          </a:p>
-        </p:txBody>
-      </p:sp>
-      <p:sp>
-        <p:nvSpPr>
-          <p:cNvPr id="6" name="TextBox 5"/>
-          <p:cNvSpPr txBox="1"/>
-          <p:nvPr/>
-        </p:nvSpPr>
-        <p:spPr>
-          <a:xfrm>
-            <a:off x="200025" y="3848099"/>
+            <a:off x="200025" y="771525"/>
             <a:ext cx="8943975" cy="274320"/>
           </a:xfrm>
           <a:prstGeom prst="rect">
@@ -10900,7 +11012,172 @@
                 </a:solidFill>
                 <a:latin typeface="Arial"/>
               </a:rPr>
-              <a:t>Pie chart (60% height):</a:t>
+              <a:t>Key points to remember:</a:t>
+            </a:r>
+          </a:p>
+        </p:txBody>
+      </p:sp>
+      <p:sp>
+        <p:nvSpPr>
+          <p:cNvPr id="5" name="TextBox 4"/>
+          <p:cNvSpPr txBox="1"/>
+          <p:nvPr/>
+        </p:nvSpPr>
+        <p:spPr>
+          <a:xfrm>
+            <a:off x="200025" y="1000125"/>
+            <a:ext cx="8943975" cy="551497"/>
+          </a:xfrm>
+          <a:prstGeom prst="rect">
+            <a:avLst/>
+          </a:prstGeom>
+          <a:noFill/>
+        </p:spPr>
+        <p:txBody>
+          <a:bodyPr wrap="square" lIns="0" rIns="0" tIns="0" bIns="0">
+            <a:spAutoFit/>
+          </a:bodyPr>
+          <a:lstStyle/>
+          <a:p>
+            <a:pPr algn="l">
+              <a:spcBef>
+                <a:spcPts val="0"/>
+              </a:spcBef>
+              <a:spcAft>
+                <a:spcPts val="0"/>
+              </a:spcAft>
+            </a:pPr>
+            <a:r>
+              <a:rPr sz="1000">
+                <a:solidFill>
+                  <a:srgbClr val="E0E0E0"/>
+                </a:solidFill>
+                <a:latin typeface="Arial"/>
+              </a:rPr>
+              <a:t>• </a:t>
+            </a:r>
+            <a:r>
+              <a:rPr b="1" sz="1000">
+                <a:solidFill>
+                  <a:srgbClr val="FFCC00"/>
+                </a:solidFill>
+                <a:latin typeface="Arial"/>
+              </a:rPr>
+              <a:t>Important information</a:t>
+            </a:r>
+            <a:r>
+              <a:rPr sz="1000">
+                <a:solidFill>
+                  <a:srgbClr val="E0E0E0"/>
+                </a:solidFill>
+                <a:latin typeface="Arial"/>
+              </a:rPr>
+              <a:t> should be highlighted</a:t>
+            </a:r>
+          </a:p>
+          <a:p>
+            <a:pPr algn="l"/>
+            <a:r>
+              <a:rPr sz="1000">
+                <a:solidFill>
+                  <a:srgbClr val="E0E0E0"/>
+                </a:solidFill>
+                <a:latin typeface="Arial"/>
+              </a:rPr>
+              <a:t>• </a:t>
+            </a:r>
+            <a:r>
+              <a:rPr sz="1000">
+                <a:solidFill>
+                  <a:srgbClr val="E0E0E0"/>
+                </a:solidFill>
+                <a:latin typeface="Arial"/>
+              </a:rPr>
+              <a:t>Use </a:t>
+            </a:r>
+            <a:r>
+              <a:rPr sz="800">
+                <a:solidFill>
+                  <a:srgbClr val="FFFFFF"/>
+                </a:solidFill>
+                <a:latin typeface="Courier New"/>
+              </a:rPr>
+              <a:t>code blocks</a:t>
+            </a:r>
+            <a:r>
+              <a:rPr sz="1000">
+                <a:solidFill>
+                  <a:srgbClr val="E0E0E0"/>
+                </a:solidFill>
+                <a:latin typeface="Arial"/>
+              </a:rPr>
+              <a:t> for technical terms</a:t>
+            </a:r>
+          </a:p>
+          <a:p>
+            <a:pPr algn="l"/>
+            <a:r>
+              <a:rPr sz="1000">
+                <a:solidFill>
+                  <a:srgbClr val="E0E0E0"/>
+                </a:solidFill>
+                <a:latin typeface="Arial"/>
+              </a:rPr>
+              <a:t>• </a:t>
+            </a:r>
+            <a:r>
+              <a:rPr sz="1000">
+                <a:solidFill>
+                  <a:srgbClr val="E0E0E0"/>
+                </a:solidFill>
+                <a:latin typeface="Arial"/>
+              </a:rPr>
+              <a:t>Link to external resources when needed</a:t>
+            </a:r>
+          </a:p>
+        </p:txBody>
+      </p:sp>
+      <p:sp>
+        <p:nvSpPr>
+          <p:cNvPr id="6" name="TextBox 5"/>
+          <p:cNvSpPr txBox="1"/>
+          <p:nvPr/>
+        </p:nvSpPr>
+        <p:spPr>
+          <a:xfrm>
+            <a:off x="200025" y="1551622"/>
+            <a:ext cx="8943975" cy="274320"/>
+          </a:xfrm>
+          <a:prstGeom prst="rect">
+            <a:avLst/>
+          </a:prstGeom>
+          <a:noFill/>
+        </p:spPr>
+        <p:txBody>
+          <a:bodyPr wrap="square" lIns="0" rIns="0" tIns="0" bIns="0">
+            <a:spAutoFit/>
+          </a:bodyPr>
+          <a:lstStyle/>
+          <a:p>
+            <a:pPr algn="l">
+              <a:lnSpc>
+                <a:spcPct val="100000"/>
+              </a:lnSpc>
+              <a:spcBef>
+                <a:spcPts val="0"/>
+              </a:spcBef>
+              <a:spcAft>
+                <a:spcPts val="0"/>
+              </a:spcAft>
+            </a:pPr>
+            <a:r>
+              <a:rPr sz="1000">
+                <a:solidFill>
+                  <a:srgbClr val="E0E0E0"/>
+                </a:solidFill>
+                <a:latin typeface="Arial"/>
+              </a:rPr>
+              <a:t>The speaker notes below contain additional context and talking points.</a:t>
             </a:r>
           </a:p>
         </p:txBody>
@@ -12192,6 +12469,883 @@
 </file>
 
 <file path=ppt/slides/slide20.xml><?xml version="1.0" encoding="utf-8"?>
+<p:sld xmlns:a="http://schemas.openxmlformats.org/drawingml/2006/main" xmlns:p="http://schemas.openxmlformats.org/presentationml/2006/main" xmlns:r="http://schemas.openxmlformats.org/officeDocument/2006/relationships">
+  <p:cSld>
+    <p:bg>
+      <p:bgPr>
+        <a:solidFill>
+          <a:srgbClr val="1A1A1A"/>
+        </a:solidFill>
+        <a:effectLst/>
+      </p:bgPr>
+    </p:bg>
+    <p:spTree>
+      <p:nvGrpSpPr>
+        <p:cNvPr id="1" name=""/>
+        <p:cNvGrpSpPr/>
+        <p:nvPr/>
+      </p:nvGrpSpPr>
+      <p:grpSpPr/>
+      <p:sp>
+        <p:nvSpPr>
+          <p:cNvPr id="2" name="TextBox 1"/>
+          <p:cNvSpPr txBox="1"/>
+          <p:nvPr/>
+        </p:nvSpPr>
+        <p:spPr>
+          <a:xfrm>
+            <a:off x="200025" y="180975"/>
+            <a:ext cx="8943975" cy="361950"/>
+          </a:xfrm>
+          <a:prstGeom prst="rect">
+            <a:avLst/>
+          </a:prstGeom>
+          <a:noFill/>
+        </p:spPr>
+        <p:txBody>
+          <a:bodyPr wrap="square" lIns="0" rIns="0" tIns="0" bIns="0">
+            <a:spAutoFit/>
+          </a:bodyPr>
+          <a:lstStyle/>
+          <a:p>
+            <a:pPr algn="l">
+              <a:lnSpc>
+                <a:spcPct val="100000"/>
+              </a:lnSpc>
+              <a:spcBef>
+                <a:spcPts val="0"/>
+              </a:spcBef>
+              <a:spcAft>
+                <a:spcPts val="0"/>
+              </a:spcAft>
+            </a:pPr>
+            <a:r>
+              <a:rPr sz="1600" b="1">
+                <a:solidFill>
+                  <a:srgbClr val="E0E0E0"/>
+                </a:solidFill>
+                <a:latin typeface="Arial"/>
+              </a:rPr>
+              <a:t>🧮 Math Equations Support</a:t>
+            </a:r>
+          </a:p>
+        </p:txBody>
+      </p:sp>
+      <p:sp>
+        <p:nvSpPr>
+          <p:cNvPr id="3" name="TextBox 2"/>
+          <p:cNvSpPr txBox="1"/>
+          <p:nvPr/>
+        </p:nvSpPr>
+        <p:spPr>
+          <a:xfrm>
+            <a:off x="200025" y="542925"/>
+            <a:ext cx="8943975" cy="274320"/>
+          </a:xfrm>
+          <a:prstGeom prst="rect">
+            <a:avLst/>
+          </a:prstGeom>
+          <a:noFill/>
+        </p:spPr>
+        <p:txBody>
+          <a:bodyPr wrap="square" lIns="0" rIns="0" tIns="0" bIns="0">
+            <a:spAutoFit/>
+          </a:bodyPr>
+          <a:lstStyle/>
+          <a:p>
+            <a:pPr algn="l">
+              <a:lnSpc>
+                <a:spcPct val="100000"/>
+              </a:lnSpc>
+              <a:spcBef>
+                <a:spcPts val="0"/>
+              </a:spcBef>
+              <a:spcAft>
+                <a:spcPts val="0"/>
+              </a:spcAft>
+            </a:pPr>
+            <a:r>
+              <a:rPr sz="1000">
+                <a:solidFill>
+                  <a:srgbClr val="E0E0E0"/>
+                </a:solidFill>
+                <a:latin typeface="Arial"/>
+              </a:rPr>
+              <a:t>The slide generator now supports LaTeX math equations using KaTeX rendering.</a:t>
+            </a:r>
+          </a:p>
+        </p:txBody>
+      </p:sp>
+      <p:sp>
+        <p:nvSpPr>
+          <p:cNvPr id="4" name="TextBox 3"/>
+          <p:cNvSpPr txBox="1"/>
+          <p:nvPr/>
+        </p:nvSpPr>
+        <p:spPr>
+          <a:xfrm>
+            <a:off x="200025" y="676274"/>
+            <a:ext cx="8943975" cy="304800"/>
+          </a:xfrm>
+          <a:prstGeom prst="rect">
+            <a:avLst/>
+          </a:prstGeom>
+          <a:noFill/>
+        </p:spPr>
+        <p:txBody>
+          <a:bodyPr wrap="square" lIns="0" rIns="0" tIns="0" bIns="0">
+            <a:spAutoFit/>
+          </a:bodyPr>
+          <a:lstStyle/>
+          <a:p>
+            <a:pPr algn="l">
+              <a:lnSpc>
+                <a:spcPct val="100000"/>
+              </a:lnSpc>
+              <a:spcBef>
+                <a:spcPts val="0"/>
+              </a:spcBef>
+              <a:spcAft>
+                <a:spcPts val="0"/>
+              </a:spcAft>
+            </a:pPr>
+            <a:r>
+              <a:rPr sz="1300" b="1">
+                <a:solidFill>
+                  <a:srgbClr val="E0E0E0"/>
+                </a:solidFill>
+                <a:latin typeface="Arial"/>
+              </a:rPr>
+              <a:t>Inline Math</a:t>
+            </a:r>
+          </a:p>
+        </p:txBody>
+      </p:sp>
+      <p:sp>
+        <p:nvSpPr>
+          <p:cNvPr id="5" name="TextBox 4"/>
+          <p:cNvSpPr txBox="1"/>
+          <p:nvPr/>
+        </p:nvSpPr>
+        <p:spPr>
+          <a:xfrm>
+            <a:off x="200025" y="990599"/>
+            <a:ext cx="8943975" cy="274320"/>
+          </a:xfrm>
+          <a:prstGeom prst="rect">
+            <a:avLst/>
+          </a:prstGeom>
+          <a:noFill/>
+        </p:spPr>
+        <p:txBody>
+          <a:bodyPr wrap="square" lIns="0" rIns="0" tIns="0" bIns="0">
+            <a:spAutoFit/>
+          </a:bodyPr>
+          <a:lstStyle/>
+          <a:p>
+            <a:pPr algn="l">
+              <a:lnSpc>
+                <a:spcPct val="100000"/>
+              </a:lnSpc>
+              <a:spcBef>
+                <a:spcPts val="0"/>
+              </a:spcBef>
+              <a:spcAft>
+                <a:spcPts val="0"/>
+              </a:spcAft>
+            </a:pPr>
+            <a:r>
+              <a:rPr sz="1000">
+                <a:solidFill>
+                  <a:srgbClr val="E0E0E0"/>
+                </a:solidFill>
+                <a:latin typeface="Arial"/>
+              </a:rPr>
+              <a:t>You can include inline math like </a:t>
+            </a:r>
+            <a:r>
+              <a:rPr sz="1000">
+                <a:solidFill>
+                  <a:srgbClr val="E0E0E0"/>
+                </a:solidFill>
+                <a:latin typeface="Arial"/>
+              </a:rPr>
+              <a:t>$E=mc^2$</a:t>
+            </a:r>
+            <a:r>
+              <a:rPr sz="1000">
+                <a:solidFill>
+                  <a:srgbClr val="E0E0E0"/>
+                </a:solidFill>
+                <a:latin typeface="Arial"/>
+              </a:rPr>
+              <a:t> or </a:t>
+            </a:r>
+            <a:r>
+              <a:rPr sz="1000">
+                <a:solidFill>
+                  <a:srgbClr val="E0E0E0"/>
+                </a:solidFill>
+                <a:latin typeface="Arial"/>
+              </a:rPr>
+              <a:t>$\alpha + \beta = \gamma$</a:t>
+            </a:r>
+            <a:r>
+              <a:rPr sz="1000">
+                <a:solidFill>
+                  <a:srgbClr val="E0E0E0"/>
+                </a:solidFill>
+                <a:latin typeface="Arial"/>
+              </a:rPr>
+              <a:t> directly in your text.</a:t>
+            </a:r>
+          </a:p>
+        </p:txBody>
+      </p:sp>
+      <p:sp>
+        <p:nvSpPr>
+          <p:cNvPr id="6" name="TextBox 5"/>
+          <p:cNvSpPr txBox="1"/>
+          <p:nvPr/>
+        </p:nvSpPr>
+        <p:spPr>
+          <a:xfrm>
+            <a:off x="200025" y="1219200"/>
+            <a:ext cx="8943975" cy="274320"/>
+          </a:xfrm>
+          <a:prstGeom prst="rect">
+            <a:avLst/>
+          </a:prstGeom>
+          <a:noFill/>
+        </p:spPr>
+        <p:txBody>
+          <a:bodyPr wrap="square" lIns="0" rIns="0" tIns="0" bIns="0">
+            <a:spAutoFit/>
+          </a:bodyPr>
+          <a:lstStyle/>
+          <a:p>
+            <a:pPr algn="l">
+              <a:lnSpc>
+                <a:spcPct val="100000"/>
+              </a:lnSpc>
+              <a:spcBef>
+                <a:spcPts val="0"/>
+              </a:spcBef>
+              <a:spcAft>
+                <a:spcPts val="0"/>
+              </a:spcAft>
+            </a:pPr>
+            <a:r>
+              <a:rPr sz="1000">
+                <a:solidFill>
+                  <a:srgbClr val="E0E0E0"/>
+                </a:solidFill>
+                <a:latin typeface="Arial"/>
+              </a:rPr>
+              <a:t>The quadratic formula is </a:t>
+            </a:r>
+            <a:r>
+              <a:rPr sz="1000">
+                <a:solidFill>
+                  <a:srgbClr val="E0E0E0"/>
+                </a:solidFill>
+                <a:latin typeface="Arial"/>
+              </a:rPr>
+              <a:t>$x = \frac{-b \pm \sqrt{b^2-4ac}}{2a}$</a:t>
+            </a:r>
+            <a:r>
+              <a:rPr sz="1000">
+                <a:solidFill>
+                  <a:srgbClr val="E0E0E0"/>
+                </a:solidFill>
+                <a:latin typeface="Arial"/>
+              </a:rPr>
+              <a:t>.</a:t>
+            </a:r>
+          </a:p>
+        </p:txBody>
+      </p:sp>
+      <p:sp>
+        <p:nvSpPr>
+          <p:cNvPr id="7" name="TextBox 6"/>
+          <p:cNvSpPr txBox="1"/>
+          <p:nvPr/>
+        </p:nvSpPr>
+        <p:spPr>
+          <a:xfrm>
+            <a:off x="200025" y="1352549"/>
+            <a:ext cx="8943975" cy="304800"/>
+          </a:xfrm>
+          <a:prstGeom prst="rect">
+            <a:avLst/>
+          </a:prstGeom>
+          <a:noFill/>
+        </p:spPr>
+        <p:txBody>
+          <a:bodyPr wrap="square" lIns="0" rIns="0" tIns="0" bIns="0">
+            <a:spAutoFit/>
+          </a:bodyPr>
+          <a:lstStyle/>
+          <a:p>
+            <a:pPr algn="l">
+              <a:lnSpc>
+                <a:spcPct val="100000"/>
+              </a:lnSpc>
+              <a:spcBef>
+                <a:spcPts val="0"/>
+              </a:spcBef>
+              <a:spcAft>
+                <a:spcPts val="0"/>
+              </a:spcAft>
+            </a:pPr>
+            <a:r>
+              <a:rPr sz="1300" b="1">
+                <a:solidFill>
+                  <a:srgbClr val="E0E0E0"/>
+                </a:solidFill>
+                <a:latin typeface="Arial"/>
+              </a:rPr>
+              <a:t>Block Math</a:t>
+            </a:r>
+          </a:p>
+        </p:txBody>
+      </p:sp>
+      <p:sp>
+        <p:nvSpPr>
+          <p:cNvPr id="8" name="TextBox 7"/>
+          <p:cNvSpPr txBox="1"/>
+          <p:nvPr/>
+        </p:nvSpPr>
+        <p:spPr>
+          <a:xfrm>
+            <a:off x="200025" y="1666874"/>
+            <a:ext cx="8943975" cy="274320"/>
+          </a:xfrm>
+          <a:prstGeom prst="rect">
+            <a:avLst/>
+          </a:prstGeom>
+          <a:noFill/>
+        </p:spPr>
+        <p:txBody>
+          <a:bodyPr wrap="square" lIns="0" rIns="0" tIns="0" bIns="0">
+            <a:spAutoFit/>
+          </a:bodyPr>
+          <a:lstStyle/>
+          <a:p>
+            <a:pPr algn="l">
+              <a:lnSpc>
+                <a:spcPct val="100000"/>
+              </a:lnSpc>
+              <a:spcBef>
+                <a:spcPts val="0"/>
+              </a:spcBef>
+              <a:spcAft>
+                <a:spcPts val="0"/>
+              </a:spcAft>
+            </a:pPr>
+            <a:r>
+              <a:rPr sz="1000">
+                <a:solidFill>
+                  <a:srgbClr val="E0E0E0"/>
+                </a:solidFill>
+                <a:latin typeface="Arial"/>
+              </a:rPr>
+              <a:t>For display math, use double dollar signs:</a:t>
+            </a:r>
+          </a:p>
+        </p:txBody>
+      </p:sp>
+      <p:pic>
+        <p:nvPicPr>
+          <p:cNvPr id="9" name="Picture 8" descr="98d66b88d1dd5d5aa7595eb2cd154e01.png"/>
+          <p:cNvPicPr>
+            <a:picLocks noChangeAspect="1"/>
+          </p:cNvPicPr>
+          <p:nvPr/>
+        </p:nvPicPr>
+        <p:blipFill>
+          <a:blip r:embed="rId2"/>
+          <a:stretch>
+            <a:fillRect/>
+          </a:stretch>
+        </p:blipFill>
+        <p:spPr>
+          <a:xfrm>
+            <a:off x="838200" y="1743075"/>
+            <a:ext cx="7467599" cy="466724"/>
+          </a:xfrm>
+          <a:prstGeom prst="rect">
+            <a:avLst/>
+          </a:prstGeom>
+        </p:spPr>
+      </p:pic>
+      <p:sp>
+        <p:nvSpPr>
+          <p:cNvPr id="10" name="TextBox 9"/>
+          <p:cNvSpPr txBox="1"/>
+          <p:nvPr/>
+        </p:nvSpPr>
+        <p:spPr>
+          <a:xfrm>
+            <a:off x="200025" y="2428875"/>
+            <a:ext cx="8943975" cy="274320"/>
+          </a:xfrm>
+          <a:prstGeom prst="rect">
+            <a:avLst/>
+          </a:prstGeom>
+          <a:noFill/>
+        </p:spPr>
+        <p:txBody>
+          <a:bodyPr wrap="square" lIns="0" rIns="0" tIns="0" bIns="0">
+            <a:spAutoFit/>
+          </a:bodyPr>
+          <a:lstStyle/>
+          <a:p>
+            <a:pPr algn="l">
+              <a:lnSpc>
+                <a:spcPct val="100000"/>
+              </a:lnSpc>
+              <a:spcBef>
+                <a:spcPts val="0"/>
+              </a:spcBef>
+              <a:spcAft>
+                <a:spcPts val="0"/>
+              </a:spcAft>
+            </a:pPr>
+            <a:r>
+              <a:rPr sz="1000">
+                <a:solidFill>
+                  <a:srgbClr val="E0E0E0"/>
+                </a:solidFill>
+                <a:latin typeface="Arial"/>
+              </a:rPr>
+              <a:t>Euler's famous identity:</a:t>
+            </a:r>
+          </a:p>
+        </p:txBody>
+      </p:sp>
+      <p:pic>
+        <p:nvPicPr>
+          <p:cNvPr id="11" name="Picture 10" descr="a9d2ba54b06d18626aa73df549f0a938.png"/>
+          <p:cNvPicPr>
+            <a:picLocks noChangeAspect="1"/>
+          </p:cNvPicPr>
+          <p:nvPr/>
+        </p:nvPicPr>
+        <p:blipFill>
+          <a:blip r:embed="rId3"/>
+          <a:stretch>
+            <a:fillRect/>
+          </a:stretch>
+        </p:blipFill>
+        <p:spPr>
+          <a:xfrm>
+            <a:off x="838200" y="2486025"/>
+            <a:ext cx="7467599" cy="228600"/>
+          </a:xfrm>
+          <a:prstGeom prst="rect">
+            <a:avLst/>
+          </a:prstGeom>
+        </p:spPr>
+      </p:pic>
+      <p:sp>
+        <p:nvSpPr>
+          <p:cNvPr id="12" name="TextBox 11"/>
+          <p:cNvSpPr txBox="1"/>
+          <p:nvPr/>
+        </p:nvSpPr>
+        <p:spPr>
+          <a:xfrm>
+            <a:off x="200025" y="2933699"/>
+            <a:ext cx="8943975" cy="304800"/>
+          </a:xfrm>
+          <a:prstGeom prst="rect">
+            <a:avLst/>
+          </a:prstGeom>
+          <a:noFill/>
+        </p:spPr>
+        <p:txBody>
+          <a:bodyPr wrap="square" lIns="0" rIns="0" tIns="0" bIns="0">
+            <a:spAutoFit/>
+          </a:bodyPr>
+          <a:lstStyle/>
+          <a:p>
+            <a:pPr algn="l">
+              <a:lnSpc>
+                <a:spcPct val="100000"/>
+              </a:lnSpc>
+              <a:spcBef>
+                <a:spcPts val="0"/>
+              </a:spcBef>
+              <a:spcAft>
+                <a:spcPts val="0"/>
+              </a:spcAft>
+            </a:pPr>
+            <a:r>
+              <a:rPr sz="1300" b="1">
+                <a:solidFill>
+                  <a:srgbClr val="E0E0E0"/>
+                </a:solidFill>
+                <a:latin typeface="Arial"/>
+              </a:rPr>
+              <a:t>Complex Equations</a:t>
+            </a:r>
+          </a:p>
+        </p:txBody>
+      </p:sp>
+      <p:sp>
+        <p:nvSpPr>
+          <p:cNvPr id="13" name="TextBox 12"/>
+          <p:cNvSpPr txBox="1"/>
+          <p:nvPr/>
+        </p:nvSpPr>
+        <p:spPr>
+          <a:xfrm>
+            <a:off x="200025" y="3238500"/>
+            <a:ext cx="8943975" cy="274320"/>
+          </a:xfrm>
+          <a:prstGeom prst="rect">
+            <a:avLst/>
+          </a:prstGeom>
+          <a:noFill/>
+        </p:spPr>
+        <p:txBody>
+          <a:bodyPr wrap="square" lIns="0" rIns="0" tIns="0" bIns="0">
+            <a:spAutoFit/>
+          </a:bodyPr>
+          <a:lstStyle/>
+          <a:p>
+            <a:pPr algn="l">
+              <a:lnSpc>
+                <a:spcPct val="100000"/>
+              </a:lnSpc>
+              <a:spcBef>
+                <a:spcPts val="0"/>
+              </a:spcBef>
+              <a:spcAft>
+                <a:spcPts val="0"/>
+              </a:spcAft>
+            </a:pPr>
+            <a:r>
+              <a:rPr sz="1000">
+                <a:solidFill>
+                  <a:srgbClr val="E0E0E0"/>
+                </a:solidFill>
+                <a:latin typeface="Arial"/>
+              </a:rPr>
+              <a:t>More complex equations like matrices are also supported:</a:t>
+            </a:r>
+          </a:p>
+        </p:txBody>
+      </p:sp>
+      <p:pic>
+        <p:nvPicPr>
+          <p:cNvPr id="14" name="Picture 13" descr="c517a3c10966ea397e30bfc9599eec7e.png"/>
+          <p:cNvPicPr>
+            <a:picLocks noChangeAspect="1"/>
+          </p:cNvPicPr>
+          <p:nvPr/>
+        </p:nvPicPr>
+        <p:blipFill>
+          <a:blip r:embed="rId4"/>
+          <a:stretch>
+            <a:fillRect/>
+          </a:stretch>
+        </p:blipFill>
+        <p:spPr>
+          <a:xfrm>
+            <a:off x="838200" y="3257550"/>
+            <a:ext cx="7467599" cy="447675"/>
+          </a:xfrm>
+          <a:prstGeom prst="rect">
+            <a:avLst/>
+          </a:prstGeom>
+        </p:spPr>
+      </p:pic>
+      <p:sp>
+        <p:nvSpPr>
+          <p:cNvPr id="15" name="TextBox 14"/>
+          <p:cNvSpPr txBox="1"/>
+          <p:nvPr/>
+        </p:nvSpPr>
+        <p:spPr>
+          <a:xfrm>
+            <a:off x="200025" y="3981449"/>
+            <a:ext cx="8943975" cy="274320"/>
+          </a:xfrm>
+          <a:prstGeom prst="rect">
+            <a:avLst/>
+          </a:prstGeom>
+          <a:noFill/>
+        </p:spPr>
+        <p:txBody>
+          <a:bodyPr wrap="square" lIns="0" rIns="0" tIns="0" bIns="0">
+            <a:spAutoFit/>
+          </a:bodyPr>
+          <a:lstStyle/>
+          <a:p>
+            <a:pPr algn="l">
+              <a:lnSpc>
+                <a:spcPct val="100000"/>
+              </a:lnSpc>
+              <a:spcBef>
+                <a:spcPts val="0"/>
+              </a:spcBef>
+              <a:spcAft>
+                <a:spcPts val="0"/>
+              </a:spcAft>
+            </a:pPr>
+            <a:r>
+              <a:rPr sz="1000">
+                <a:solidFill>
+                  <a:srgbClr val="E0E0E0"/>
+                </a:solidFill>
+                <a:latin typeface="Arial"/>
+              </a:rPr>
+              <a:t>Math equations are automatically cached for performance and work in both themes!</a:t>
+            </a:r>
+          </a:p>
+        </p:txBody>
+      </p:sp>
+    </p:spTree>
+  </p:cSld>
+  <p:clrMapOvr>
+    <a:masterClrMapping/>
+  </p:clrMapOvr>
+</p:sld>
+</file>
+
+<file path=ppt/slides/slide21.xml><?xml version="1.0" encoding="utf-8"?>
+<p:sld xmlns:a="http://schemas.openxmlformats.org/drawingml/2006/main" xmlns:p="http://schemas.openxmlformats.org/presentationml/2006/main" xmlns:r="http://schemas.openxmlformats.org/officeDocument/2006/relationships">
+  <p:cSld>
+    <p:bg>
+      <p:bgPr>
+        <a:solidFill>
+          <a:srgbClr val="1A1A1A"/>
+        </a:solidFill>
+        <a:effectLst/>
+      </p:bgPr>
+    </p:bg>
+    <p:spTree>
+      <p:nvGrpSpPr>
+        <p:cNvPr id="1" name=""/>
+        <p:cNvGrpSpPr/>
+        <p:nvPr/>
+      </p:nvGrpSpPr>
+      <p:grpSpPr/>
+      <p:sp>
+        <p:nvSpPr>
+          <p:cNvPr id="2" name="TextBox 1"/>
+          <p:cNvSpPr txBox="1"/>
+          <p:nvPr/>
+        </p:nvSpPr>
+        <p:spPr>
+          <a:xfrm>
+            <a:off x="200025" y="180975"/>
+            <a:ext cx="8943975" cy="361950"/>
+          </a:xfrm>
+          <a:prstGeom prst="rect">
+            <a:avLst/>
+          </a:prstGeom>
+          <a:noFill/>
+        </p:spPr>
+        <p:txBody>
+          <a:bodyPr wrap="square" lIns="0" rIns="0" tIns="0" bIns="0">
+            <a:spAutoFit/>
+          </a:bodyPr>
+          <a:lstStyle/>
+          <a:p>
+            <a:pPr algn="l">
+              <a:lnSpc>
+                <a:spcPct val="100000"/>
+              </a:lnSpc>
+              <a:spcBef>
+                <a:spcPts val="0"/>
+              </a:spcBef>
+              <a:spcAft>
+                <a:spcPts val="0"/>
+              </a:spcAft>
+            </a:pPr>
+            <a:r>
+              <a:rPr sz="1600" b="1">
+                <a:solidFill>
+                  <a:srgbClr val="E0E0E0"/>
+                </a:solidFill>
+                <a:latin typeface="Arial"/>
+              </a:rPr>
+              <a:t>📈 Figures Demo</a:t>
+            </a:r>
+          </a:p>
+        </p:txBody>
+      </p:sp>
+      <p:sp>
+        <p:nvSpPr>
+          <p:cNvPr id="3" name="TextBox 2"/>
+          <p:cNvSpPr txBox="1"/>
+          <p:nvPr/>
+        </p:nvSpPr>
+        <p:spPr>
+          <a:xfrm>
+            <a:off x="200025" y="542925"/>
+            <a:ext cx="8943975" cy="274320"/>
+          </a:xfrm>
+          <a:prstGeom prst="rect">
+            <a:avLst/>
+          </a:prstGeom>
+          <a:noFill/>
+        </p:spPr>
+        <p:txBody>
+          <a:bodyPr wrap="square" lIns="0" rIns="0" tIns="0" bIns="0">
+            <a:spAutoFit/>
+          </a:bodyPr>
+          <a:lstStyle/>
+          <a:p>
+            <a:pPr algn="l">
+              <a:lnSpc>
+                <a:spcPct val="100000"/>
+              </a:lnSpc>
+              <a:spcBef>
+                <a:spcPts val="0"/>
+              </a:spcBef>
+              <a:spcAft>
+                <a:spcPts val="0"/>
+              </a:spcAft>
+            </a:pPr>
+            <a:r>
+              <a:rPr sz="1000">
+                <a:solidFill>
+                  <a:srgbClr val="E0E0E0"/>
+                </a:solidFill>
+                <a:latin typeface="Arial"/>
+              </a:rPr>
+              <a:t>Bar chart (80% width):</a:t>
+            </a:r>
+          </a:p>
+        </p:txBody>
+      </p:sp>
+      <p:pic>
+        <p:nvPicPr>
+          <p:cNvPr id="4" name="Picture 3" descr="chart_bar.png"/>
+          <p:cNvPicPr>
+            <a:picLocks noChangeAspect="1"/>
+          </p:cNvPicPr>
+          <p:nvPr/>
+        </p:nvPicPr>
+        <p:blipFill>
+          <a:blip r:embed="rId2"/>
+          <a:stretch>
+            <a:fillRect/>
+          </a:stretch>
+        </p:blipFill>
+        <p:spPr>
+          <a:xfrm>
+            <a:off x="200025" y="676274"/>
+            <a:ext cx="4457700" cy="3343275"/>
+          </a:xfrm>
+          <a:prstGeom prst="rect">
+            <a:avLst/>
+          </a:prstGeom>
+        </p:spPr>
+      </p:pic>
+      <p:sp>
+        <p:nvSpPr>
+          <p:cNvPr id="5" name="TextBox 4"/>
+          <p:cNvSpPr txBox="1"/>
+          <p:nvPr/>
+        </p:nvSpPr>
+        <p:spPr>
+          <a:xfrm>
+            <a:off x="200025" y="3619499"/>
+            <a:ext cx="4457700" cy="274320"/>
+          </a:xfrm>
+          <a:prstGeom prst="rect">
+            <a:avLst/>
+          </a:prstGeom>
+          <a:noFill/>
+        </p:spPr>
+        <p:txBody>
+          <a:bodyPr wrap="square" lIns="0" rIns="0" tIns="0" bIns="0">
+            <a:spAutoFit/>
+          </a:bodyPr>
+          <a:lstStyle/>
+          <a:p>
+            <a:pPr algn="ctr">
+              <a:lnSpc>
+                <a:spcPct val="100000"/>
+              </a:lnSpc>
+              <a:spcBef>
+                <a:spcPts val="0"/>
+              </a:spcBef>
+              <a:spcAft>
+                <a:spcPts val="0"/>
+              </a:spcAft>
+            </a:pPr>
+            <a:r>
+              <a:rPr sz="1000" i="1">
+                <a:solidFill>
+                  <a:srgbClr val="CCCCCC"/>
+                </a:solidFill>
+                <a:latin typeface="Arial"/>
+              </a:rPr>
+              <a:t>Sample bar chart demonstrating data visualization with proper scaling</a:t>
+            </a:r>
+          </a:p>
+        </p:txBody>
+      </p:sp>
+      <p:sp>
+        <p:nvSpPr>
+          <p:cNvPr id="6" name="TextBox 5"/>
+          <p:cNvSpPr txBox="1"/>
+          <p:nvPr/>
+        </p:nvSpPr>
+        <p:spPr>
+          <a:xfrm>
+            <a:off x="200025" y="3848099"/>
+            <a:ext cx="8943975" cy="274320"/>
+          </a:xfrm>
+          <a:prstGeom prst="rect">
+            <a:avLst/>
+          </a:prstGeom>
+          <a:noFill/>
+        </p:spPr>
+        <p:txBody>
+          <a:bodyPr wrap="square" lIns="0" rIns="0" tIns="0" bIns="0">
+            <a:spAutoFit/>
+          </a:bodyPr>
+          <a:lstStyle/>
+          <a:p>
+            <a:pPr algn="l">
+              <a:lnSpc>
+                <a:spcPct val="100000"/>
+              </a:lnSpc>
+              <a:spcBef>
+                <a:spcPts val="0"/>
+              </a:spcBef>
+              <a:spcAft>
+                <a:spcPts val="0"/>
+              </a:spcAft>
+            </a:pPr>
+            <a:r>
+              <a:rPr sz="1000">
+                <a:solidFill>
+                  <a:srgbClr val="E0E0E0"/>
+                </a:solidFill>
+                <a:latin typeface="Arial"/>
+              </a:rPr>
+              <a:t>Pie chart (60% height):</a:t>
+            </a:r>
+          </a:p>
+        </p:txBody>
+      </p:sp>
+    </p:spTree>
+  </p:cSld>
+  <p:clrMapOvr>
+    <a:masterClrMapping/>
+  </p:clrMapOvr>
+</p:sld>
+</file>
+
+<file path=ppt/slides/slide22.xml><?xml version="1.0" encoding="utf-8"?>
 <p:sld xmlns:a="http://schemas.openxmlformats.org/drawingml/2006/main" xmlns:p="http://schemas.openxmlformats.org/presentationml/2006/main" xmlns:r="http://schemas.openxmlformats.org/officeDocument/2006/relationships">
   <p:cSld>
     <p:bg>
@@ -13568,7 +14722,7 @@
 </p:sld>
 </file>
 
-<file path=ppt/slides/slide21.xml><?xml version="1.0" encoding="utf-8"?>
+<file path=ppt/slides/slide23.xml><?xml version="1.0" encoding="utf-8"?>
 <p:sld xmlns:a="http://schemas.openxmlformats.org/drawingml/2006/main" xmlns:p="http://schemas.openxmlformats.org/presentationml/2006/main" xmlns:r="http://schemas.openxmlformats.org/officeDocument/2006/relationships">
   <p:cSld>
     <p:bg>
@@ -13753,7 +14907,7 @@
 </p:sld>
 </file>
 
-<file path=ppt/slides/slide22.xml><?xml version="1.0" encoding="utf-8"?>
+<file path=ppt/slides/slide24.xml><?xml version="1.0" encoding="utf-8"?>
 <p:sld xmlns:a="http://schemas.openxmlformats.org/drawingml/2006/main" xmlns:p="http://schemas.openxmlformats.org/presentationml/2006/main" xmlns:r="http://schemas.openxmlformats.org/officeDocument/2006/relationships">
   <p:cSld>
     <p:bg>
@@ -14403,7 +15557,7 @@
 </p:sld>
 </file>
 
-<file path=ppt/slides/slide23.xml><?xml version="1.0" encoding="utf-8"?>
+<file path=ppt/slides/slide25.xml><?xml version="1.0" encoding="utf-8"?>
 <p:sld xmlns:a="http://schemas.openxmlformats.org/drawingml/2006/main" xmlns:p="http://schemas.openxmlformats.org/presentationml/2006/main" xmlns:r="http://schemas.openxmlformats.org/officeDocument/2006/relationships">
   <p:cSld>
     <p:bg>
@@ -15594,7 +16748,7 @@
 </p:sld>
 </file>
 
-<file path=ppt/slides/slide24.xml><?xml version="1.0" encoding="utf-8"?>
+<file path=ppt/slides/slide26.xml><?xml version="1.0" encoding="utf-8"?>
 <p:sld xmlns:a="http://schemas.openxmlformats.org/drawingml/2006/main" xmlns:p="http://schemas.openxmlformats.org/presentationml/2006/main" xmlns:r="http://schemas.openxmlformats.org/officeDocument/2006/relationships">
   <p:cSld>
     <p:bg>
@@ -22015,4 +23169,324 @@
   </a:objectDefaults>
   <a:extraClrSchemeLst/>
 </a:theme>
+</file>
+
+<file path=ppt/theme/theme2.xml><?xml version="1.0" encoding="utf-8"?>
+<a:theme xmlns:a="http://schemas.openxmlformats.org/drawingml/2006/main" name="Office Theme">
+  <a:themeElements>
+    <a:clrScheme name="Office">
+      <a:dk1>
+        <a:sysClr val="windowText" lastClr="000000"/>
+      </a:dk1>
+      <a:lt1>
+        <a:sysClr val="window" lastClr="FFFFFF"/>
+      </a:lt1>
+      <a:dk2>
+        <a:srgbClr val="1F497D"/>
+      </a:dk2>
+      <a:lt2>
+        <a:srgbClr val="EEECE1"/>
+      </a:lt2>
+      <a:accent1>
+        <a:srgbClr val="4F81BD"/>
+      </a:accent1>
+      <a:accent2>
+        <a:srgbClr val="C0504D"/>
+      </a:accent2>
+      <a:accent3>
+        <a:srgbClr val="9BBB59"/>
+      </a:accent3>
+      <a:accent4>
+        <a:srgbClr val="8064A2"/>
+      </a:accent4>
+      <a:accent5>
+        <a:srgbClr val="4BACC6"/>
+      </a:accent5>
+      <a:accent6>
+        <a:srgbClr val="F79646"/>
+      </a:accent6>
+      <a:hlink>
+        <a:srgbClr val="0000FF"/>
+      </a:hlink>
+      <a:folHlink>
+        <a:srgbClr val="800080"/>
+      </a:folHlink>
+    </a:clrScheme>
+    <a:fontScheme name="Office">
+      <a:majorFont>
+        <a:latin typeface="Calibri"/>
+        <a:ea typeface=""/>
+        <a:cs typeface=""/>
+        <a:font script="Jpan" typeface="ＭＳ Ｐゴシック"/>
+        <a:font script="Hang" typeface="맑은 고딕"/>
+        <a:font script="Hans" typeface="宋体"/>
+        <a:font script="Hant" typeface="新細明體"/>
+        <a:font script="Arab" typeface="Times New Roman"/>
+        <a:font script="Hebr" typeface="Times New Roman"/>
+        <a:font script="Thai" typeface="Angsana New"/>
+        <a:font script="Ethi" typeface="Nyala"/>
+        <a:font script="Beng" typeface="Vrinda"/>
+        <a:font script="Gujr" typeface="Shruti"/>
+        <a:font script="Khmr" typeface="MoolBoran"/>
+        <a:font script="Knda" typeface="Tunga"/>
+        <a:font script="Guru" typeface="Raavi"/>
+        <a:font script="Cans" typeface="Euphemia"/>
+        <a:font script="Cher" typeface="Plantagenet Cherokee"/>
+        <a:font script="Yiii" typeface="Microsoft Yi Baiti"/>
+        <a:font script="Tibt" typeface="Microsoft Himalaya"/>
+        <a:font script="Thaa" typeface="MV Boli"/>
+        <a:font script="Deva" typeface="Mangal"/>
+        <a:font script="Telu" typeface="Gautami"/>
+        <a:font script="Taml" typeface="Latha"/>
+        <a:font script="Syrc" typeface="Estrangelo Edessa"/>
+        <a:font script="Orya" typeface="Kalinga"/>
+        <a:font script="Mlym" typeface="Kartika"/>
+        <a:font script="Laoo" typeface="DokChampa"/>
+        <a:font script="Sinh" typeface="Iskoola Pota"/>
+        <a:font script="Mong" typeface="Mongolian Baiti"/>
+        <a:font script="Viet" typeface="Times New Roman"/>
+        <a:font script="Uigh" typeface="Microsoft Uighur"/>
+        <a:font script="Geor" typeface="Sylfaen"/>
+      </a:majorFont>
+      <a:minorFont>
+        <a:latin typeface="Calibri"/>
+        <a:ea typeface=""/>
+        <a:cs typeface=""/>
+        <a:font script="Jpan" typeface="ＭＳ Ｐゴシック"/>
+        <a:font script="Hang" typeface="맑은 고딕"/>
+        <a:font script="Hans" typeface="宋体"/>
+        <a:font script="Hant" typeface="新細明體"/>
+        <a:font script="Arab" typeface="Arial"/>
+        <a:font script="Hebr" typeface="Arial"/>
+        <a:font script="Thai" typeface="Cordia New"/>
+        <a:font script="Ethi" typeface="Nyala"/>
+        <a:font script="Beng" typeface="Vrinda"/>
+        <a:font script="Gujr" typeface="Shruti"/>
+        <a:font script="Khmr" typeface="DaunPenh"/>
+        <a:font script="Knda" typeface="Tunga"/>
+        <a:font script="Guru" typeface="Raavi"/>
+        <a:font script="Cans" typeface="Euphemia"/>
+        <a:font script="Cher" typeface="Plantagenet Cherokee"/>
+        <a:font script="Yiii" typeface="Microsoft Yi Baiti"/>
+        <a:font script="Tibt" typeface="Microsoft Himalaya"/>
+        <a:font script="Thaa" typeface="MV Boli"/>
+        <a:font script="Deva" typeface="Mangal"/>
+        <a:font script="Telu" typeface="Gautami"/>
+        <a:font script="Taml" typeface="Latha"/>
+        <a:font script="Syrc" typeface="Estrangelo Edessa"/>
+        <a:font script="Orya" typeface="Kalinga"/>
+        <a:font script="Mlym" typeface="Kartika"/>
+        <a:font script="Laoo" typeface="DokChampa"/>
+        <a:font script="Sinh" typeface="Iskoola Pota"/>
+        <a:font script="Mong" typeface="Mongolian Baiti"/>
+        <a:font script="Viet" typeface="Arial"/>
+        <a:font script="Uigh" typeface="Microsoft Uighur"/>
+        <a:font script="Geor" typeface="Sylfaen"/>
+      </a:minorFont>
+    </a:fontScheme>
+    <a:fmtScheme name="Office">
+      <a:fillStyleLst>
+        <a:solidFill>
+          <a:schemeClr val="phClr"/>
+        </a:solidFill>
+        <a:gradFill rotWithShape="1">
+          <a:gsLst>
+            <a:gs pos="0">
+              <a:schemeClr val="phClr">
+                <a:tint val="50000"/>
+                <a:satMod val="300000"/>
+              </a:schemeClr>
+            </a:gs>
+            <a:gs pos="35000">
+              <a:schemeClr val="phClr">
+                <a:tint val="37000"/>
+                <a:satMod val="300000"/>
+              </a:schemeClr>
+            </a:gs>
+            <a:gs pos="100000">
+              <a:schemeClr val="phClr">
+                <a:tint val="15000"/>
+                <a:satMod val="350000"/>
+              </a:schemeClr>
+            </a:gs>
+          </a:gsLst>
+          <a:lin ang="16200000" scaled="1"/>
+        </a:gradFill>
+        <a:gradFill rotWithShape="1">
+          <a:gsLst>
+            <a:gs pos="0">
+              <a:schemeClr val="phClr">
+                <a:tint val="100000"/>
+                <a:shade val="100000"/>
+                <a:satMod val="130000"/>
+              </a:schemeClr>
+            </a:gs>
+            <a:gs pos="100000">
+              <a:schemeClr val="phClr">
+                <a:tint val="50000"/>
+                <a:shade val="100000"/>
+                <a:satMod val="350000"/>
+              </a:schemeClr>
+            </a:gs>
+          </a:gsLst>
+          <a:lin ang="16200000" scaled="0"/>
+        </a:gradFill>
+      </a:fillStyleLst>
+      <a:lnStyleLst>
+        <a:ln w="9525" cap="flat" cmpd="sng" algn="ctr">
+          <a:solidFill>
+            <a:schemeClr val="phClr">
+              <a:shade val="95000"/>
+              <a:satMod val="105000"/>
+            </a:schemeClr>
+          </a:solidFill>
+          <a:prstDash val="solid"/>
+        </a:ln>
+        <a:ln w="25400" cap="flat" cmpd="sng" algn="ctr">
+          <a:solidFill>
+            <a:schemeClr val="phClr"/>
+          </a:solidFill>
+          <a:prstDash val="solid"/>
+        </a:ln>
+        <a:ln w="38100" cap="flat" cmpd="sng" algn="ctr">
+          <a:solidFill>
+            <a:schemeClr val="phClr"/>
+          </a:solidFill>
+          <a:prstDash val="solid"/>
+        </a:ln>
+      </a:lnStyleLst>
+      <a:effectStyleLst>
+        <a:effectStyle>
+          <a:effectLst>
+            <a:outerShdw blurRad="40000" dist="20000" dir="5400000" rotWithShape="0">
+              <a:srgbClr val="000000">
+                <a:alpha val="38000"/>
+              </a:srgbClr>
+            </a:outerShdw>
+          </a:effectLst>
+        </a:effectStyle>
+        <a:effectStyle>
+          <a:effectLst>
+            <a:outerShdw blurRad="40000" dist="23000" dir="5400000" rotWithShape="0">
+              <a:srgbClr val="000000">
+                <a:alpha val="35000"/>
+              </a:srgbClr>
+            </a:outerShdw>
+          </a:effectLst>
+        </a:effectStyle>
+        <a:effectStyle>
+          <a:effectLst>
+            <a:outerShdw blurRad="40000" dist="23000" dir="5400000" rotWithShape="0">
+              <a:srgbClr val="000000">
+                <a:alpha val="35000"/>
+              </a:srgbClr>
+            </a:outerShdw>
+          </a:effectLst>
+          <a:scene3d>
+            <a:camera prst="orthographicFront">
+              <a:rot lat="0" lon="0" rev="0"/>
+            </a:camera>
+            <a:lightRig rig="threePt" dir="t">
+              <a:rot lat="0" lon="0" rev="1200000"/>
+            </a:lightRig>
+          </a:scene3d>
+          <a:sp3d>
+            <a:bevelT w="63500" h="25400"/>
+          </a:sp3d>
+        </a:effectStyle>
+      </a:effectStyleLst>
+      <a:bgFillStyleLst>
+        <a:solidFill>
+          <a:schemeClr val="phClr"/>
+        </a:solidFill>
+        <a:gradFill rotWithShape="1">
+          <a:gsLst>
+            <a:gs pos="0">
+              <a:schemeClr val="phClr">
+                <a:tint val="40000"/>
+                <a:satMod val="350000"/>
+              </a:schemeClr>
+            </a:gs>
+            <a:gs pos="40000">
+              <a:schemeClr val="phClr">
+                <a:tint val="45000"/>
+                <a:shade val="99000"/>
+                <a:satMod val="350000"/>
+              </a:schemeClr>
+            </a:gs>
+            <a:gs pos="100000">
+              <a:schemeClr val="phClr">
+                <a:shade val="20000"/>
+                <a:satMod val="255000"/>
+              </a:schemeClr>
+            </a:gs>
+          </a:gsLst>
+          <a:path path="circle">
+            <a:fillToRect l="50000" t="-80000" r="50000" b="180000"/>
+          </a:path>
+        </a:gradFill>
+        <a:gradFill rotWithShape="1">
+          <a:gsLst>
+            <a:gs pos="0">
+              <a:schemeClr val="phClr">
+                <a:tint val="80000"/>
+                <a:satMod val="300000"/>
+              </a:schemeClr>
+            </a:gs>
+            <a:gs pos="100000">
+              <a:schemeClr val="phClr">
+                <a:shade val="30000"/>
+                <a:satMod val="200000"/>
+              </a:schemeClr>
+            </a:gs>
+          </a:gsLst>
+          <a:path path="circle">
+            <a:fillToRect l="50000" t="50000" r="50000" b="50000"/>
+          </a:path>
+        </a:gradFill>
+      </a:bgFillStyleLst>
+    </a:fmtScheme>
+  </a:themeElements>
+  <a:objectDefaults>
+    <a:spDef>
+      <a:spPr/>
+      <a:bodyPr/>
+      <a:lstStyle/>
+      <a:style>
+        <a:lnRef idx="1">
+          <a:schemeClr val="accent1"/>
+        </a:lnRef>
+        <a:fillRef idx="3">
+          <a:schemeClr val="accent1"/>
+        </a:fillRef>
+        <a:effectRef idx="2">
+          <a:schemeClr val="accent1"/>
+        </a:effectRef>
+        <a:fontRef idx="minor">
+          <a:schemeClr val="lt1"/>
+        </a:fontRef>
+      </a:style>
+    </a:spDef>
+    <a:lnDef>
+      <a:spPr/>
+      <a:bodyPr/>
+      <a:lstStyle/>
+      <a:style>
+        <a:lnRef idx="2">
+          <a:schemeClr val="accent1"/>
+        </a:lnRef>
+        <a:fillRef idx="0">
+          <a:schemeClr val="accent1"/>
+        </a:fillRef>
+        <a:effectRef idx="1">
+          <a:schemeClr val="accent1"/>
+        </a:effectRef>
+        <a:fontRef idx="minor">
+          <a:schemeClr val="tx1"/>
+        </a:fontRef>
+      </a:style>
+    </a:lnDef>
+  </a:objectDefaults>
+  <a:extraClrSchemeLst/>
+</a:theme>
 </file>